--- a/neuralito/ArfGen/docs/Entregas/Informe Final/presentacion/maxi2.pptx
+++ b/neuralito/ArfGen/docs/Entregas/Informe Final/presentacion/maxi2.pptx
@@ -5,7 +5,7 @@
     <p:sldMasterId id="2147483660" r:id="rId1"/>
   </p:sldMasterIdLst>
   <p:notesMasterIdLst>
-    <p:notesMasterId r:id="rId31"/>
+    <p:notesMasterId r:id="rId36"/>
   </p:notesMasterIdLst>
   <p:sldIdLst>
     <p:sldId id="257" r:id="rId2"/>
@@ -15,28 +15,33 @@
     <p:sldId id="261" r:id="rId6"/>
     <p:sldId id="262" r:id="rId7"/>
     <p:sldId id="263" r:id="rId8"/>
-    <p:sldId id="264" r:id="rId9"/>
-    <p:sldId id="265" r:id="rId10"/>
-    <p:sldId id="266" r:id="rId11"/>
-    <p:sldId id="267" r:id="rId12"/>
-    <p:sldId id="268" r:id="rId13"/>
-    <p:sldId id="269" r:id="rId14"/>
-    <p:sldId id="270" r:id="rId15"/>
-    <p:sldId id="271" r:id="rId16"/>
-    <p:sldId id="272" r:id="rId17"/>
-    <p:sldId id="273" r:id="rId18"/>
-    <p:sldId id="274" r:id="rId19"/>
-    <p:sldId id="275" r:id="rId20"/>
-    <p:sldId id="276" r:id="rId21"/>
-    <p:sldId id="277" r:id="rId22"/>
-    <p:sldId id="278" r:id="rId23"/>
-    <p:sldId id="279" r:id="rId24"/>
-    <p:sldId id="280" r:id="rId25"/>
-    <p:sldId id="281" r:id="rId26"/>
-    <p:sldId id="282" r:id="rId27"/>
-    <p:sldId id="283" r:id="rId28"/>
-    <p:sldId id="284" r:id="rId29"/>
-    <p:sldId id="285" r:id="rId30"/>
+    <p:sldId id="286" r:id="rId9"/>
+    <p:sldId id="287" r:id="rId10"/>
+    <p:sldId id="288" r:id="rId11"/>
+    <p:sldId id="289" r:id="rId12"/>
+    <p:sldId id="290" r:id="rId13"/>
+    <p:sldId id="264" r:id="rId14"/>
+    <p:sldId id="265" r:id="rId15"/>
+    <p:sldId id="266" r:id="rId16"/>
+    <p:sldId id="267" r:id="rId17"/>
+    <p:sldId id="268" r:id="rId18"/>
+    <p:sldId id="269" r:id="rId19"/>
+    <p:sldId id="270" r:id="rId20"/>
+    <p:sldId id="271" r:id="rId21"/>
+    <p:sldId id="272" r:id="rId22"/>
+    <p:sldId id="273" r:id="rId23"/>
+    <p:sldId id="274" r:id="rId24"/>
+    <p:sldId id="275" r:id="rId25"/>
+    <p:sldId id="276" r:id="rId26"/>
+    <p:sldId id="277" r:id="rId27"/>
+    <p:sldId id="278" r:id="rId28"/>
+    <p:sldId id="279" r:id="rId29"/>
+    <p:sldId id="280" r:id="rId30"/>
+    <p:sldId id="281" r:id="rId31"/>
+    <p:sldId id="282" r:id="rId32"/>
+    <p:sldId id="283" r:id="rId33"/>
+    <p:sldId id="284" r:id="rId34"/>
+    <p:sldId id="285" r:id="rId35"/>
   </p:sldIdLst>
   <p:sldSz cx="9144000" cy="6858000" type="screen4x3"/>
   <p:notesSz cx="6858000" cy="9144000"/>
@@ -229,55 +234,55 @@
                   <c:v>0.66595893894255365</c:v>
                 </c:pt>
                 <c:pt idx="1">
-                  <c:v>0.77390980695120526</c:v>
+                  <c:v>0.77390980695120537</c:v>
                 </c:pt>
                 <c:pt idx="2">
                   <c:v>0.82116824635668784</c:v>
                 </c:pt>
                 <c:pt idx="3">
-                  <c:v>0.84278473777508323</c:v>
+                  <c:v>0.84278473777508334</c:v>
                 </c:pt>
                 <c:pt idx="4">
-                  <c:v>0.84383865537210934</c:v>
+                  <c:v>0.84383865537210945</c:v>
                 </c:pt>
                 <c:pt idx="5">
                   <c:v>0.85894670929201788</c:v>
                 </c:pt>
                 <c:pt idx="6">
-                  <c:v>0.84967487574973133</c:v>
+                  <c:v>0.84967487574973144</c:v>
                 </c:pt>
                 <c:pt idx="7">
-                  <c:v>0.87199747639294933</c:v>
+                  <c:v>0.87199747639294944</c:v>
                 </c:pt>
                 <c:pt idx="8">
                   <c:v>0.87308657275405044</c:v>
                 </c:pt>
                 <c:pt idx="9">
-                  <c:v>0.88056722447997149</c:v>
+                  <c:v>0.8805672244799716</c:v>
                 </c:pt>
                 <c:pt idx="10">
-                  <c:v>0.88425402324804114</c:v>
+                  <c:v>0.88425402324804125</c:v>
                 </c:pt>
                 <c:pt idx="11">
-                  <c:v>0.88378998114559282</c:v>
+                  <c:v>0.88378998114559293</c:v>
                 </c:pt>
                 <c:pt idx="12">
-                  <c:v>0.88710112017025256</c:v>
+                  <c:v>0.88710112017025267</c:v>
                 </c:pt>
                 <c:pt idx="13">
-                  <c:v>0.88859349505985452</c:v>
+                  <c:v>0.88859349505985463</c:v>
                 </c:pt>
                 <c:pt idx="14">
-                  <c:v>0.88932515639249565</c:v>
+                  <c:v>0.88932515639249576</c:v>
                 </c:pt>
                 <c:pt idx="15">
-                  <c:v>0.88979442278916865</c:v>
+                  <c:v>0.88979442278916876</c:v>
                 </c:pt>
                 <c:pt idx="16">
-                  <c:v>0.89050470137757354</c:v>
+                  <c:v>0.89050470137757365</c:v>
                 </c:pt>
                 <c:pt idx="17">
-                  <c:v>0.89113877472928249</c:v>
+                  <c:v>0.8911387747292826</c:v>
                 </c:pt>
               </c:numCache>
             </c:numRef>
@@ -376,10 +381,10 @@
                   <c:v>0.45195561849074034</c:v>
                 </c:pt>
                 <c:pt idx="1">
-                  <c:v>0.57215581949427918</c:v>
+                  <c:v>0.57215581949427941</c:v>
                 </c:pt>
                 <c:pt idx="2">
-                  <c:v>0.62450099068289588</c:v>
+                  <c:v>0.624500990682896</c:v>
                 </c:pt>
                 <c:pt idx="3">
                   <c:v>0.66411572966000465</c:v>
@@ -388,7 +393,7 @@
                   <c:v>0.74483311690120912</c:v>
                 </c:pt>
                 <c:pt idx="5">
-                  <c:v>0.74913092370987555</c:v>
+                  <c:v>0.74913092370987566</c:v>
                 </c:pt>
                 <c:pt idx="6">
                   <c:v>0.7507812790712286</c:v>
@@ -397,7 +402,7 @@
                   <c:v>0.74615794410022251</c:v>
                 </c:pt>
                 <c:pt idx="8">
-                  <c:v>0.76473712742559075</c:v>
+                  <c:v>0.76473712742559086</c:v>
                 </c:pt>
                 <c:pt idx="9">
                   <c:v>0.78030975508297951</c:v>
@@ -412,7 +417,7 @@
                   <c:v>0.79454547384463925</c:v>
                 </c:pt>
                 <c:pt idx="13">
-                  <c:v>0.80275073868568014</c:v>
+                  <c:v>0.80275073868568025</c:v>
                 </c:pt>
                 <c:pt idx="14">
                   <c:v>0.8070254483799697</c:v>
@@ -421,10 +426,10 @@
                   <c:v>0.80758714251854524</c:v>
                 </c:pt>
                 <c:pt idx="16">
-                  <c:v>0.81189884836444171</c:v>
+                  <c:v>0.81189884836444182</c:v>
                 </c:pt>
                 <c:pt idx="17">
-                  <c:v>0.81267156633446436</c:v>
+                  <c:v>0.81267156633446458</c:v>
                 </c:pt>
                 <c:pt idx="18">
                   <c:v>0.81495442086601244</c:v>
@@ -522,43 +527,43 @@
                   <c:v>0.10918893085792125</c:v>
                 </c:pt>
                 <c:pt idx="2">
-                  <c:v>2.2061880915201552E-2</c:v>
+                  <c:v>2.2061880915201556E-2</c:v>
                 </c:pt>
                 <c:pt idx="3">
-                  <c:v>0.16744350433735891</c:v>
+                  <c:v>0.16744350433735894</c:v>
                 </c:pt>
                 <c:pt idx="4">
-                  <c:v>0.19606871899944522</c:v>
+                  <c:v>0.19606871899944525</c:v>
                 </c:pt>
                 <c:pt idx="5">
-                  <c:v>0.19883932721616648</c:v>
+                  <c:v>0.19883932721616651</c:v>
                 </c:pt>
                 <c:pt idx="6">
                   <c:v>0.21852557439483689</c:v>
                 </c:pt>
                 <c:pt idx="7">
-                  <c:v>0.18963030437506267</c:v>
+                  <c:v>0.18963030437506273</c:v>
                 </c:pt>
                 <c:pt idx="8">
-                  <c:v>0.31329234492981106</c:v>
+                  <c:v>0.31329234492981112</c:v>
                 </c:pt>
                 <c:pt idx="9">
                   <c:v>0.30854195458238609</c:v>
                 </c:pt>
                 <c:pt idx="10">
-                  <c:v>0.33996429339252909</c:v>
+                  <c:v>0.33996429339252926</c:v>
                 </c:pt>
                 <c:pt idx="11">
-                  <c:v>0.39000788763685618</c:v>
+                  <c:v>0.39000788763685629</c:v>
                 </c:pt>
                 <c:pt idx="12">
-                  <c:v>0.37452278792340477</c:v>
+                  <c:v>0.37452278792340493</c:v>
                 </c:pt>
                 <c:pt idx="13">
-                  <c:v>0.396396573655797</c:v>
+                  <c:v>0.39639657365579711</c:v>
                 </c:pt>
                 <c:pt idx="14">
-                  <c:v>0.45661986014735262</c:v>
+                  <c:v>0.45661986014735267</c:v>
                 </c:pt>
                 <c:pt idx="15">
                   <c:v>0.48000000000000032</c:v>
@@ -663,55 +668,55 @@
                 <c:formatCode>0.00</c:formatCode>
                 <c:ptCount val="18"/>
                 <c:pt idx="0">
-                  <c:v>6.3837399085048735E-2</c:v>
+                  <c:v>6.3837399085048749E-2</c:v>
                 </c:pt>
                 <c:pt idx="1">
-                  <c:v>0.10509372944250717</c:v>
+                  <c:v>0.10509372944250719</c:v>
                 </c:pt>
                 <c:pt idx="2">
                   <c:v>0.12395822380363669</c:v>
                 </c:pt>
                 <c:pt idx="3">
-                  <c:v>0.17533238646771654</c:v>
+                  <c:v>0.17533238646771657</c:v>
                 </c:pt>
                 <c:pt idx="4">
-                  <c:v>0.18994629844945071</c:v>
+                  <c:v>0.18994629844945077</c:v>
                 </c:pt>
                 <c:pt idx="5">
-                  <c:v>0.22687270194889517</c:v>
+                  <c:v>0.22687270194889519</c:v>
                 </c:pt>
                 <c:pt idx="6">
                   <c:v>0.23790997736954461</c:v>
                 </c:pt>
                 <c:pt idx="7">
-                  <c:v>0.23411148955336997</c:v>
+                  <c:v>0.23411148955337002</c:v>
                 </c:pt>
                 <c:pt idx="8">
                   <c:v>0.25778608542670911</c:v>
                 </c:pt>
                 <c:pt idx="9">
-                  <c:v>0.31056299933227499</c:v>
+                  <c:v>0.31056299933227516</c:v>
                 </c:pt>
                 <c:pt idx="10">
-                  <c:v>0.33877739342409308</c:v>
+                  <c:v>0.33877739342409313</c:v>
                 </c:pt>
                 <c:pt idx="11">
                   <c:v>0.35225259726803532</c:v>
                 </c:pt>
                 <c:pt idx="12">
-                  <c:v>0.35947445565100472</c:v>
+                  <c:v>0.35947445565100478</c:v>
                 </c:pt>
                 <c:pt idx="13">
-                  <c:v>0.39000000000000284</c:v>
+                  <c:v>0.3900000000000029</c:v>
                 </c:pt>
                 <c:pt idx="14">
-                  <c:v>0.39000000000000284</c:v>
+                  <c:v>0.3900000000000029</c:v>
                 </c:pt>
                 <c:pt idx="15">
                   <c:v>0.4</c:v>
                 </c:pt>
                 <c:pt idx="16">
-                  <c:v>0.40041490630404647</c:v>
+                  <c:v>0.40041490630404658</c:v>
                 </c:pt>
                 <c:pt idx="17">
                   <c:v>0.4</c:v>
@@ -803,7 +808,7 @@
                 <c:formatCode>General</c:formatCode>
                 <c:ptCount val="19"/>
                 <c:pt idx="0">
-                  <c:v>0.28931899175148817</c:v>
+                  <c:v>0.28931899175148829</c:v>
                 </c:pt>
                 <c:pt idx="1">
                   <c:v>0.30427205718078232</c:v>
@@ -812,46 +817,46 @@
                   <c:v>0.28833535935117605</c:v>
                 </c:pt>
                 <c:pt idx="3">
-                  <c:v>0.5067383162888891</c:v>
+                  <c:v>0.50673831628888932</c:v>
                 </c:pt>
                 <c:pt idx="4">
-                  <c:v>0.58986811562939223</c:v>
+                  <c:v>0.58986811562939234</c:v>
                 </c:pt>
                 <c:pt idx="5">
-                  <c:v>0.60174244358029139</c:v>
+                  <c:v>0.60174244358029161</c:v>
                 </c:pt>
                 <c:pt idx="6">
                   <c:v>0.62230234655114092</c:v>
                 </c:pt>
                 <c:pt idx="7">
-                  <c:v>0.64892172802499903</c:v>
+                  <c:v>0.64892172802499914</c:v>
                 </c:pt>
                 <c:pt idx="8">
                   <c:v>0.60213497372141267</c:v>
                 </c:pt>
                 <c:pt idx="9">
-                  <c:v>0.65929398719852583</c:v>
+                  <c:v>0.65929398719852594</c:v>
                 </c:pt>
                 <c:pt idx="10">
-                  <c:v>0.63740945216596512</c:v>
+                  <c:v>0.63740945216596523</c:v>
                 </c:pt>
                 <c:pt idx="11">
-                  <c:v>0.66496829605747898</c:v>
+                  <c:v>0.6649682960574792</c:v>
                 </c:pt>
                 <c:pt idx="12">
-                  <c:v>0.68587643695394063</c:v>
+                  <c:v>0.68587643695394074</c:v>
                 </c:pt>
                 <c:pt idx="13">
-                  <c:v>0.70280463859163733</c:v>
+                  <c:v>0.70280463859163744</c:v>
                 </c:pt>
                 <c:pt idx="14">
-                  <c:v>0.68555591749742384</c:v>
+                  <c:v>0.68555591749742395</c:v>
                 </c:pt>
                 <c:pt idx="15">
-                  <c:v>0.71798687616048884</c:v>
+                  <c:v>0.71798687616048895</c:v>
                 </c:pt>
                 <c:pt idx="16">
-                  <c:v>0.72902988600000751</c:v>
+                  <c:v>0.72902988600000773</c:v>
                 </c:pt>
                 <c:pt idx="17">
                   <c:v>0.73331457600000005</c:v>
@@ -864,11 +869,11 @@
           </c:yVal>
           <c:smooth val="1"/>
         </c:ser>
-        <c:axId val="128785408"/>
-        <c:axId val="128791680"/>
+        <c:axId val="64195200"/>
+        <c:axId val="64213760"/>
       </c:scatterChart>
       <c:valAx>
-        <c:axId val="128785408"/>
+        <c:axId val="64195200"/>
         <c:scaling>
           <c:orientation val="minMax"/>
           <c:max val="1000"/>
@@ -894,7 +899,7 @@
             <c:manualLayout>
               <c:xMode val="edge"/>
               <c:yMode val="edge"/>
-              <c:x val="0.38494599693816822"/>
+              <c:x val="0.38494599693816828"/>
               <c:y val="0.85101357098414687"/>
             </c:manualLayout>
           </c:layout>
@@ -911,12 +916,12 @@
             <a:endParaRPr lang="es-ES"/>
           </a:p>
         </c:txPr>
-        <c:crossAx val="128791680"/>
+        <c:crossAx val="64213760"/>
         <c:crosses val="autoZero"/>
         <c:crossBetween val="midCat"/>
       </c:valAx>
       <c:valAx>
-        <c:axId val="128791680"/>
+        <c:axId val="64213760"/>
         <c:scaling>
           <c:orientation val="minMax"/>
           <c:min val="0"/>
@@ -953,7 +958,7 @@
             <a:endParaRPr lang="es-ES"/>
           </a:p>
         </c:txPr>
-        <c:crossAx val="128785408"/>
+        <c:crossAx val="64195200"/>
         <c:crosses val="autoZero"/>
         <c:crossBetween val="midCat"/>
         <c:minorUnit val="0.2"/>
@@ -1095,19 +1100,19 @@
                   <c:v>1.0330390684786552</c:v>
                 </c:pt>
                 <c:pt idx="6">
-                  <c:v>1.0302429519403229</c:v>
+                  <c:v>1.0302429519403231</c:v>
                 </c:pt>
                 <c:pt idx="7">
                   <c:v>0.94738273200566459</c:v>
                 </c:pt>
                 <c:pt idx="8">
-                  <c:v>0.92793801360197781</c:v>
+                  <c:v>0.92793801360197792</c:v>
                 </c:pt>
                 <c:pt idx="9">
                   <c:v>0.92012906293872665</c:v>
                 </c:pt>
                 <c:pt idx="10">
-                  <c:v>0.88481716181109515</c:v>
+                  <c:v>0.88481716181109493</c:v>
                 </c:pt>
                 <c:pt idx="11">
                   <c:v>0.88417424754272178</c:v>
@@ -1119,7 +1124,7 @@
                   <c:v>0.85063806565684563</c:v>
                 </c:pt>
                 <c:pt idx="14">
-                  <c:v>0.84777133793555925</c:v>
+                  <c:v>0.84777133793555937</c:v>
                 </c:pt>
                 <c:pt idx="15">
                   <c:v>0.8445144923789446</c:v>
@@ -1128,7 +1133,7 @@
                   <c:v>0.83725594840038564</c:v>
                 </c:pt>
                 <c:pt idx="17">
-                  <c:v>0.83461703141919086</c:v>
+                  <c:v>0.83461703141919108</c:v>
                 </c:pt>
               </c:numCache>
             </c:numRef>
@@ -1227,7 +1232,7 @@
                   <c:v>0.9387309603633297</c:v>
                 </c:pt>
                 <c:pt idx="1">
-                  <c:v>0.89153277738271086</c:v>
+                  <c:v>0.89153277738271075</c:v>
                 </c:pt>
                 <c:pt idx="2">
                   <c:v>0.82301056544373608</c:v>
@@ -1239,22 +1244,22 @@
                   <c:v>0.75252199659024765</c:v>
                 </c:pt>
                 <c:pt idx="5">
-                  <c:v>0.742123733312818</c:v>
+                  <c:v>0.74212373331281811</c:v>
                 </c:pt>
                 <c:pt idx="6">
                   <c:v>0.73688717786732749</c:v>
                 </c:pt>
                 <c:pt idx="7">
-                  <c:v>0.72860146352750665</c:v>
+                  <c:v>0.72860146352750677</c:v>
                 </c:pt>
                 <c:pt idx="8">
-                  <c:v>0.70577785559581363</c:v>
+                  <c:v>0.70577785559581374</c:v>
                 </c:pt>
                 <c:pt idx="9">
                   <c:v>0.69274686371956962</c:v>
                 </c:pt>
                 <c:pt idx="10">
-                  <c:v>0.67930161414046786</c:v>
+                  <c:v>0.67930161414046808</c:v>
                 </c:pt>
                 <c:pt idx="11">
                   <c:v>0.67228263477634131</c:v>
@@ -1263,22 +1268,22 @@
                   <c:v>0.68022471453120004</c:v>
                 </c:pt>
                 <c:pt idx="13">
-                  <c:v>0.6639850316185244</c:v>
+                  <c:v>0.66398503161852473</c:v>
                 </c:pt>
                 <c:pt idx="14">
                   <c:v>0.6640628299517749</c:v>
                 </c:pt>
                 <c:pt idx="15">
-                  <c:v>0.66308558009337915</c:v>
+                  <c:v>0.66308558009337926</c:v>
                 </c:pt>
                 <c:pt idx="16">
                   <c:v>0.65656511915425986</c:v>
                 </c:pt>
                 <c:pt idx="17">
-                  <c:v>0.65158141257238955</c:v>
+                  <c:v>0.65158141257238977</c:v>
                 </c:pt>
                 <c:pt idx="18">
-                  <c:v>0.65187548701494824</c:v>
+                  <c:v>0.65187548701494835</c:v>
                 </c:pt>
               </c:numCache>
             </c:numRef>
@@ -1367,7 +1372,7 @@
                 <c:formatCode>General</c:formatCode>
                 <c:ptCount val="19"/>
                 <c:pt idx="0">
-                  <c:v>0.66149732049012744</c:v>
+                  <c:v>0.66149732049012755</c:v>
                 </c:pt>
                 <c:pt idx="1">
                   <c:v>0.6001326027033127</c:v>
@@ -1376,13 +1381,13 @@
                   <c:v>0.55639887771499263</c:v>
                 </c:pt>
                 <c:pt idx="3">
-                  <c:v>0.62284472485511311</c:v>
+                  <c:v>0.62284472485511322</c:v>
                 </c:pt>
                 <c:pt idx="4">
                   <c:v>0.55351605829049677</c:v>
                 </c:pt>
                 <c:pt idx="5">
-                  <c:v>0.58846095302595558</c:v>
+                  <c:v>0.58846095302595547</c:v>
                 </c:pt>
                 <c:pt idx="6">
                   <c:v>0.57298820383188065</c:v>
@@ -1394,7 +1399,7 @@
                   <c:v>0.55636349504129456</c:v>
                 </c:pt>
                 <c:pt idx="9">
-                  <c:v>0.56175580469495101</c:v>
+                  <c:v>0.56175580469495112</c:v>
                 </c:pt>
                 <c:pt idx="10">
                   <c:v>0.54619756290876298</c:v>
@@ -1514,7 +1519,7 @@
                 <c:formatCode>General</c:formatCode>
                 <c:ptCount val="18"/>
                 <c:pt idx="0">
-                  <c:v>0.63237080268503842</c:v>
+                  <c:v>0.63237080268503865</c:v>
                 </c:pt>
                 <c:pt idx="1">
                   <c:v>0.58374227027070569</c:v>
@@ -1523,7 +1528,7 @@
                   <c:v>0.59186681564330168</c:v>
                 </c:pt>
                 <c:pt idx="3">
-                  <c:v>0.56326543263150108</c:v>
+                  <c:v>0.56326543263150131</c:v>
                 </c:pt>
                 <c:pt idx="4">
                   <c:v>0.57183044589207288</c:v>
@@ -1538,7 +1543,7 @@
                   <c:v>0.53802118949602251</c:v>
                 </c:pt>
                 <c:pt idx="8">
-                  <c:v>0.53450509736819385</c:v>
+                  <c:v>0.53450509736819396</c:v>
                 </c:pt>
                 <c:pt idx="9">
                   <c:v>0.52829897414829863</c:v>
@@ -1562,7 +1567,7 @@
                   <c:v>0.50670323954628771</c:v>
                 </c:pt>
                 <c:pt idx="16">
-                  <c:v>0.5023819255266021</c:v>
+                  <c:v>0.50238192552660199</c:v>
                 </c:pt>
                 <c:pt idx="17">
                   <c:v>0.49463977381829932</c:v>
@@ -1654,31 +1659,31 @@
                 <c:formatCode>General</c:formatCode>
                 <c:ptCount val="19"/>
                 <c:pt idx="0">
-                  <c:v>0.7728998376992402</c:v>
+                  <c:v>0.77289983769924053</c:v>
                 </c:pt>
                 <c:pt idx="1">
                   <c:v>0.74632356481168916</c:v>
                 </c:pt>
                 <c:pt idx="2">
-                  <c:v>0.78634361659647711</c:v>
+                  <c:v>0.78634361659647734</c:v>
                 </c:pt>
                 <c:pt idx="3">
-                  <c:v>0.68296121733003656</c:v>
+                  <c:v>0.68296121733003679</c:v>
                 </c:pt>
                 <c:pt idx="4">
-                  <c:v>0.66450739252953894</c:v>
+                  <c:v>0.66450739252953905</c:v>
                 </c:pt>
                 <c:pt idx="5">
-                  <c:v>0.61644319255847901</c:v>
+                  <c:v>0.61644319255847924</c:v>
                 </c:pt>
                 <c:pt idx="6">
                   <c:v>0.6102724059818817</c:v>
                 </c:pt>
                 <c:pt idx="7">
-                  <c:v>0.60925823106012378</c:v>
+                  <c:v>0.60925823106012389</c:v>
                 </c:pt>
                 <c:pt idx="8">
-                  <c:v>0.62851239646724921</c:v>
+                  <c:v>0.6285123964672491</c:v>
                 </c:pt>
                 <c:pt idx="9">
                   <c:v>0.60456332932399459</c:v>
@@ -1687,10 +1692,10 @@
                   <c:v>0.59800801508451062</c:v>
                 </c:pt>
                 <c:pt idx="11">
-                  <c:v>0.59484127138609588</c:v>
+                  <c:v>0.59484127138609599</c:v>
                 </c:pt>
                 <c:pt idx="12">
-                  <c:v>0.57774424327942331</c:v>
+                  <c:v>0.57774424327942353</c:v>
                 </c:pt>
                 <c:pt idx="13">
                   <c:v>0.57412911597622418</c:v>
@@ -1705,7 +1710,7 @@
                   <c:v>0.56487792557592453</c:v>
                 </c:pt>
                 <c:pt idx="17">
-                  <c:v>0.55704303471989702</c:v>
+                  <c:v>0.55704303471989713</c:v>
                 </c:pt>
                 <c:pt idx="18">
                   <c:v>0.55532457683742076</c:v>
@@ -1715,11 +1720,11 @@
           </c:yVal>
           <c:smooth val="1"/>
         </c:ser>
-        <c:axId val="128823296"/>
-        <c:axId val="128825216"/>
+        <c:axId val="64253312"/>
+        <c:axId val="64259584"/>
       </c:scatterChart>
       <c:valAx>
-        <c:axId val="128823296"/>
+        <c:axId val="64253312"/>
         <c:scaling>
           <c:orientation val="minMax"/>
           <c:max val="1000"/>
@@ -1755,12 +1760,12 @@
             <a:endParaRPr lang="es-ES"/>
           </a:p>
         </c:txPr>
-        <c:crossAx val="128825216"/>
+        <c:crossAx val="64259584"/>
         <c:crosses val="autoZero"/>
         <c:crossBetween val="midCat"/>
       </c:valAx>
       <c:valAx>
-        <c:axId val="128825216"/>
+        <c:axId val="64259584"/>
         <c:scaling>
           <c:orientation val="minMax"/>
           <c:min val="0.4"/>
@@ -1797,7 +1802,7 @@
             <a:endParaRPr lang="es-ES"/>
           </a:p>
         </c:txPr>
-        <c:crossAx val="128823296"/>
+        <c:crossAx val="64253312"/>
         <c:crosses val="autoZero"/>
         <c:crossBetween val="midCat"/>
       </c:valAx>
@@ -1874,7 +1879,7 @@
           <c:x val="5.0128971669717602E-2"/>
           <c:y val="0.16285573489051136"/>
           <c:w val="0.91229087688864363"/>
-          <c:h val="0.42844667523762586"/>
+          <c:h val="0.42844667523762597"/>
         </c:manualLayout>
       </c:layout>
       <c:scatterChart>
@@ -2095,7 +2100,7 @@
                   <c:v>0</c:v>
                 </c:pt>
                 <c:pt idx="1">
-                  <c:v>1.2189999999999876</c:v>
+                  <c:v>1.2189999999999874</c:v>
                 </c:pt>
                 <c:pt idx="2">
                   <c:v>2.4379999999999997</c:v>
@@ -2107,19 +2112,19 @@
                   <c:v>1.829</c:v>
                 </c:pt>
                 <c:pt idx="5">
-                  <c:v>1.2189999999999876</c:v>
+                  <c:v>1.2189999999999874</c:v>
                 </c:pt>
                 <c:pt idx="6">
-                  <c:v>1.2189999999999876</c:v>
+                  <c:v>1.2189999999999874</c:v>
                 </c:pt>
                 <c:pt idx="7">
-                  <c:v>1.2189999999999876</c:v>
+                  <c:v>1.2189999999999874</c:v>
                 </c:pt>
                 <c:pt idx="8">
                   <c:v>2.4379999999999997</c:v>
                 </c:pt>
                 <c:pt idx="9">
-                  <c:v>1.2189999999999876</c:v>
+                  <c:v>1.2189999999999874</c:v>
                 </c:pt>
                 <c:pt idx="10">
                   <c:v>0.61000000000000065</c:v>
@@ -2128,22 +2133,22 @@
                   <c:v>3.048</c:v>
                 </c:pt>
                 <c:pt idx="12">
-                  <c:v>1.2189999999999876</c:v>
+                  <c:v>1.2189999999999874</c:v>
                 </c:pt>
                 <c:pt idx="13">
                   <c:v>0.61000000000000065</c:v>
                 </c:pt>
                 <c:pt idx="14">
-                  <c:v>1.2189999999999876</c:v>
+                  <c:v>1.2189999999999874</c:v>
                 </c:pt>
                 <c:pt idx="15">
                   <c:v>2.4379999999999997</c:v>
                 </c:pt>
                 <c:pt idx="16">
-                  <c:v>1.2189999999999876</c:v>
+                  <c:v>1.2189999999999874</c:v>
                 </c:pt>
                 <c:pt idx="17">
-                  <c:v>1.2189999999999876</c:v>
+                  <c:v>1.2189999999999874</c:v>
                 </c:pt>
                 <c:pt idx="18">
                   <c:v>0.61000000000000065</c:v>
@@ -2161,7 +2166,7 @@
                   <c:v>3.048</c:v>
                 </c:pt>
                 <c:pt idx="23">
-                  <c:v>1.2189999999999876</c:v>
+                  <c:v>1.2189999999999874</c:v>
                 </c:pt>
                 <c:pt idx="24">
                   <c:v>1.829</c:v>
@@ -2185,34 +2190,34 @@
                   <c:v>0.61000000000000065</c:v>
                 </c:pt>
                 <c:pt idx="31">
-                  <c:v>1.2189999999999876</c:v>
+                  <c:v>1.2189999999999874</c:v>
                 </c:pt>
                 <c:pt idx="32">
-                  <c:v>1.2189999999999876</c:v>
+                  <c:v>1.2189999999999874</c:v>
                 </c:pt>
                 <c:pt idx="33">
-                  <c:v>1.2189999999999876</c:v>
+                  <c:v>1.2189999999999874</c:v>
                 </c:pt>
                 <c:pt idx="34">
-                  <c:v>1.2189999999999876</c:v>
+                  <c:v>1.2189999999999874</c:v>
                 </c:pt>
                 <c:pt idx="35">
-                  <c:v>1.2189999999999876</c:v>
+                  <c:v>1.2189999999999874</c:v>
                 </c:pt>
                 <c:pt idx="36">
                   <c:v>3.048</c:v>
                 </c:pt>
                 <c:pt idx="37">
-                  <c:v>1.2189999999999876</c:v>
+                  <c:v>1.2189999999999874</c:v>
                 </c:pt>
                 <c:pt idx="38">
                   <c:v>0.61000000000000065</c:v>
                 </c:pt>
                 <c:pt idx="39">
-                  <c:v>1.2189999999999876</c:v>
+                  <c:v>1.2189999999999874</c:v>
                 </c:pt>
                 <c:pt idx="40">
-                  <c:v>1.2189999999999876</c:v>
+                  <c:v>1.2189999999999874</c:v>
                 </c:pt>
                 <c:pt idx="41">
                   <c:v>2.4379999999999997</c:v>
@@ -2227,7 +2232,7 @@
                   <c:v>0.61000000000000065</c:v>
                 </c:pt>
                 <c:pt idx="45">
-                  <c:v>1.2189999999999876</c:v>
+                  <c:v>1.2189999999999874</c:v>
                 </c:pt>
                 <c:pt idx="46">
                   <c:v>4.8769999999999998</c:v>
@@ -2236,34 +2241,34 @@
                   <c:v>0.61000000000000065</c:v>
                 </c:pt>
                 <c:pt idx="48">
-                  <c:v>1.2189999999999876</c:v>
+                  <c:v>1.2189999999999874</c:v>
                 </c:pt>
                 <c:pt idx="49">
                   <c:v>7.3149999999999755</c:v>
                 </c:pt>
                 <c:pt idx="50">
-                  <c:v>1.2189999999999876</c:v>
+                  <c:v>1.2189999999999874</c:v>
                 </c:pt>
                 <c:pt idx="51">
-                  <c:v>1.2189999999999876</c:v>
+                  <c:v>1.2189999999999874</c:v>
                 </c:pt>
                 <c:pt idx="52">
                   <c:v>0.61000000000000065</c:v>
                 </c:pt>
                 <c:pt idx="53">
-                  <c:v>1.2189999999999876</c:v>
+                  <c:v>1.2189999999999874</c:v>
                 </c:pt>
                 <c:pt idx="54">
-                  <c:v>1.2189999999999876</c:v>
+                  <c:v>1.2189999999999874</c:v>
                 </c:pt>
                 <c:pt idx="55">
-                  <c:v>1.2189999999999876</c:v>
+                  <c:v>1.2189999999999874</c:v>
                 </c:pt>
                 <c:pt idx="56">
                   <c:v>2.4379999999999997</c:v>
                 </c:pt>
                 <c:pt idx="57">
-                  <c:v>1.2189999999999876</c:v>
+                  <c:v>1.2189999999999874</c:v>
                 </c:pt>
                 <c:pt idx="58">
                   <c:v>4.8769999999999998</c:v>
@@ -2275,7 +2280,7 @@
                   <c:v>2.4379999999999997</c:v>
                 </c:pt>
                 <c:pt idx="61">
-                  <c:v>1.2189999999999876</c:v>
+                  <c:v>1.2189999999999874</c:v>
                 </c:pt>
                 <c:pt idx="62">
                   <c:v>0.61000000000000065</c:v>
@@ -2535,13 +2540,13 @@
                   <c:v>1.87</c:v>
                 </c:pt>
                 <c:pt idx="8">
-                  <c:v>1.9500000000000097</c:v>
+                  <c:v>1.9500000000000099</c:v>
                 </c:pt>
                 <c:pt idx="9">
                   <c:v>2.4899999999999998</c:v>
                 </c:pt>
                 <c:pt idx="10">
-                  <c:v>1.6800000000000097</c:v>
+                  <c:v>1.6800000000000099</c:v>
                 </c:pt>
                 <c:pt idx="11">
                   <c:v>2.98</c:v>
@@ -2559,7 +2564,7 @@
                   <c:v>3.3099999999999987</c:v>
                 </c:pt>
                 <c:pt idx="16">
-                  <c:v>1.9500000000000097</c:v>
+                  <c:v>1.9500000000000099</c:v>
                 </c:pt>
                 <c:pt idx="17">
                   <c:v>1.4</c:v>
@@ -2589,7 +2594,7 @@
                   <c:v>1.45</c:v>
                 </c:pt>
                 <c:pt idx="26">
-                  <c:v>1.9900000000000109</c:v>
+                  <c:v>1.9900000000000111</c:v>
                 </c:pt>
                 <c:pt idx="27">
                   <c:v>3</c:v>
@@ -2631,7 +2636,7 @@
                   <c:v>2.04</c:v>
                 </c:pt>
                 <c:pt idx="40">
-                  <c:v>1.9600000000000097</c:v>
+                  <c:v>1.96000000000001</c:v>
                 </c:pt>
                 <c:pt idx="41">
                   <c:v>3.09</c:v>
@@ -2706,11 +2711,11 @@
             </c:numRef>
           </c:yVal>
         </c:ser>
-        <c:axId val="129445888"/>
-        <c:axId val="129447808"/>
+        <c:axId val="64289024"/>
+        <c:axId val="64913792"/>
       </c:scatterChart>
       <c:valAx>
-        <c:axId val="129445888"/>
+        <c:axId val="64289024"/>
         <c:scaling>
           <c:orientation val="minMax"/>
         </c:scaling>
@@ -2746,13 +2751,13 @@
             <a:endParaRPr lang="es-ES"/>
           </a:p>
         </c:txPr>
-        <c:crossAx val="129447808"/>
+        <c:crossAx val="64913792"/>
         <c:crosses val="autoZero"/>
         <c:crossBetween val="midCat"/>
         <c:majorUnit val="5"/>
       </c:valAx>
       <c:valAx>
-        <c:axId val="129447808"/>
+        <c:axId val="64913792"/>
         <c:scaling>
           <c:orientation val="minMax"/>
         </c:scaling>
@@ -2796,7 +2801,7 @@
             <a:endParaRPr lang="es-ES"/>
           </a:p>
         </c:txPr>
-        <c:crossAx val="129445888"/>
+        <c:crossAx val="64289024"/>
         <c:crosses val="autoZero"/>
         <c:crossBetween val="midCat"/>
       </c:valAx>
@@ -2809,7 +2814,7 @@
           <c:yMode val="edge"/>
           <c:x val="0.74133589770230268"/>
           <c:y val="0.71233526043915962"/>
-          <c:w val="0.24201434347572612"/>
+          <c:w val="0.2420143434757262"/>
           <c:h val="0.16317756172635517"/>
         </c:manualLayout>
       </c:layout>
@@ -2864,7 +2869,7 @@
           <c:x val="5.0128971669717602E-2"/>
           <c:y val="0.16285573489051136"/>
           <c:w val="0.91229087688864363"/>
-          <c:h val="0.42844667523762553"/>
+          <c:h val="0.4284466752376257"/>
         </c:manualLayout>
       </c:layout>
       <c:scatterChart>
@@ -3085,7 +3090,7 @@
                   <c:v>0</c:v>
                 </c:pt>
                 <c:pt idx="1">
-                  <c:v>1.2189999999999876</c:v>
+                  <c:v>1.2189999999999874</c:v>
                 </c:pt>
                 <c:pt idx="2">
                   <c:v>2.4379999999999997</c:v>
@@ -3097,19 +3102,19 @@
                   <c:v>1.829</c:v>
                 </c:pt>
                 <c:pt idx="5">
-                  <c:v>1.2189999999999876</c:v>
+                  <c:v>1.2189999999999874</c:v>
                 </c:pt>
                 <c:pt idx="6">
-                  <c:v>1.2189999999999876</c:v>
+                  <c:v>1.2189999999999874</c:v>
                 </c:pt>
                 <c:pt idx="7">
-                  <c:v>1.2189999999999876</c:v>
+                  <c:v>1.2189999999999874</c:v>
                 </c:pt>
                 <c:pt idx="8">
                   <c:v>2.4379999999999997</c:v>
                 </c:pt>
                 <c:pt idx="9">
-                  <c:v>1.2189999999999876</c:v>
+                  <c:v>1.2189999999999874</c:v>
                 </c:pt>
                 <c:pt idx="10">
                   <c:v>0.61000000000000065</c:v>
@@ -3118,22 +3123,22 @@
                   <c:v>3.048</c:v>
                 </c:pt>
                 <c:pt idx="12">
-                  <c:v>1.2189999999999876</c:v>
+                  <c:v>1.2189999999999874</c:v>
                 </c:pt>
                 <c:pt idx="13">
                   <c:v>0.61000000000000065</c:v>
                 </c:pt>
                 <c:pt idx="14">
-                  <c:v>1.2189999999999876</c:v>
+                  <c:v>1.2189999999999874</c:v>
                 </c:pt>
                 <c:pt idx="15">
                   <c:v>2.4379999999999997</c:v>
                 </c:pt>
                 <c:pt idx="16">
-                  <c:v>1.2189999999999876</c:v>
+                  <c:v>1.2189999999999874</c:v>
                 </c:pt>
                 <c:pt idx="17">
-                  <c:v>1.2189999999999876</c:v>
+                  <c:v>1.2189999999999874</c:v>
                 </c:pt>
                 <c:pt idx="18">
                   <c:v>0.61000000000000065</c:v>
@@ -3151,7 +3156,7 @@
                   <c:v>3.048</c:v>
                 </c:pt>
                 <c:pt idx="23">
-                  <c:v>1.2189999999999876</c:v>
+                  <c:v>1.2189999999999874</c:v>
                 </c:pt>
                 <c:pt idx="24">
                   <c:v>1.829</c:v>
@@ -3175,34 +3180,34 @@
                   <c:v>0.61000000000000065</c:v>
                 </c:pt>
                 <c:pt idx="31">
-                  <c:v>1.2189999999999876</c:v>
+                  <c:v>1.2189999999999874</c:v>
                 </c:pt>
                 <c:pt idx="32">
-                  <c:v>1.2189999999999876</c:v>
+                  <c:v>1.2189999999999874</c:v>
                 </c:pt>
                 <c:pt idx="33">
-                  <c:v>1.2189999999999876</c:v>
+                  <c:v>1.2189999999999874</c:v>
                 </c:pt>
                 <c:pt idx="34">
-                  <c:v>1.2189999999999876</c:v>
+                  <c:v>1.2189999999999874</c:v>
                 </c:pt>
                 <c:pt idx="35">
-                  <c:v>1.2189999999999876</c:v>
+                  <c:v>1.2189999999999874</c:v>
                 </c:pt>
                 <c:pt idx="36">
                   <c:v>3.048</c:v>
                 </c:pt>
                 <c:pt idx="37">
-                  <c:v>1.2189999999999876</c:v>
+                  <c:v>1.2189999999999874</c:v>
                 </c:pt>
                 <c:pt idx="38">
                   <c:v>0.61000000000000065</c:v>
                 </c:pt>
                 <c:pt idx="39">
-                  <c:v>1.2189999999999876</c:v>
+                  <c:v>1.2189999999999874</c:v>
                 </c:pt>
                 <c:pt idx="40">
-                  <c:v>1.2189999999999876</c:v>
+                  <c:v>1.2189999999999874</c:v>
                 </c:pt>
                 <c:pt idx="41">
                   <c:v>2.4379999999999997</c:v>
@@ -3217,7 +3222,7 @@
                   <c:v>0.61000000000000065</c:v>
                 </c:pt>
                 <c:pt idx="45">
-                  <c:v>1.2189999999999876</c:v>
+                  <c:v>1.2189999999999874</c:v>
                 </c:pt>
                 <c:pt idx="46">
                   <c:v>4.8769999999999998</c:v>
@@ -3226,34 +3231,34 @@
                   <c:v>0.61000000000000065</c:v>
                 </c:pt>
                 <c:pt idx="48">
-                  <c:v>1.2189999999999876</c:v>
+                  <c:v>1.2189999999999874</c:v>
                 </c:pt>
                 <c:pt idx="49">
                   <c:v>7.3149999999999755</c:v>
                 </c:pt>
                 <c:pt idx="50">
-                  <c:v>1.2189999999999876</c:v>
+                  <c:v>1.2189999999999874</c:v>
                 </c:pt>
                 <c:pt idx="51">
-                  <c:v>1.2189999999999876</c:v>
+                  <c:v>1.2189999999999874</c:v>
                 </c:pt>
                 <c:pt idx="52">
                   <c:v>0.61000000000000065</c:v>
                 </c:pt>
                 <c:pt idx="53">
-                  <c:v>1.2189999999999876</c:v>
+                  <c:v>1.2189999999999874</c:v>
                 </c:pt>
                 <c:pt idx="54">
-                  <c:v>1.2189999999999876</c:v>
+                  <c:v>1.2189999999999874</c:v>
                 </c:pt>
                 <c:pt idx="55">
-                  <c:v>1.2189999999999876</c:v>
+                  <c:v>1.2189999999999874</c:v>
                 </c:pt>
                 <c:pt idx="56">
                   <c:v>2.4379999999999997</c:v>
                 </c:pt>
                 <c:pt idx="57">
-                  <c:v>1.2189999999999876</c:v>
+                  <c:v>1.2189999999999874</c:v>
                 </c:pt>
                 <c:pt idx="58">
                   <c:v>4.8769999999999998</c:v>
@@ -3265,7 +3270,7 @@
                   <c:v>2.4379999999999997</c:v>
                 </c:pt>
                 <c:pt idx="61">
-                  <c:v>1.2189999999999876</c:v>
+                  <c:v>1.2189999999999874</c:v>
                 </c:pt>
                 <c:pt idx="62">
                   <c:v>0.61000000000000065</c:v>
@@ -3543,7 +3548,7 @@
                   <c:v>0.96900000000000064</c:v>
                 </c:pt>
                 <c:pt idx="14">
-                  <c:v>1.276999999999989</c:v>
+                  <c:v>1.2769999999999888</c:v>
                 </c:pt>
                 <c:pt idx="15">
                   <c:v>3.0789999999999997</c:v>
@@ -3555,13 +3560,13 @@
                   <c:v>1.1990000000000001</c:v>
                 </c:pt>
                 <c:pt idx="18">
-                  <c:v>1.024999999999989</c:v>
+                  <c:v>1.0249999999999888</c:v>
                 </c:pt>
                 <c:pt idx="19">
-                  <c:v>1.0409999999999899</c:v>
+                  <c:v>1.0409999999999897</c:v>
                 </c:pt>
                 <c:pt idx="20">
-                  <c:v>1.9940000000000109</c:v>
+                  <c:v>1.9940000000000111</c:v>
                 </c:pt>
                 <c:pt idx="21">
                   <c:v>2.6759999999999997</c:v>
@@ -3594,7 +3599,7 @@
                   <c:v>1.127</c:v>
                 </c:pt>
                 <c:pt idx="31">
-                  <c:v>1.1619999999999895</c:v>
+                  <c:v>1.1619999999999893</c:v>
                 </c:pt>
                 <c:pt idx="32">
                   <c:v>1.175</c:v>
@@ -3609,7 +3614,7 @@
                   <c:v>2.0880000000000001</c:v>
                 </c:pt>
                 <c:pt idx="36">
-                  <c:v>1.9540000000000097</c:v>
+                  <c:v>1.95400000000001</c:v>
                 </c:pt>
                 <c:pt idx="37">
                   <c:v>1.073</c:v>
@@ -3618,7 +3623,7 @@
                   <c:v>0.93200000000000005</c:v>
                 </c:pt>
                 <c:pt idx="39">
-                  <c:v>1.2209999999999877</c:v>
+                  <c:v>1.2209999999999874</c:v>
                 </c:pt>
                 <c:pt idx="40">
                   <c:v>1.081</c:v>
@@ -3633,7 +3638,7 @@
                   <c:v>1.538</c:v>
                 </c:pt>
                 <c:pt idx="44">
-                  <c:v>1.0569999999999902</c:v>
+                  <c:v>1.0569999999999899</c:v>
                 </c:pt>
                 <c:pt idx="45">
                   <c:v>1.028</c:v>
@@ -3651,10 +3656,10 @@
                   <c:v>6.8039999999999985</c:v>
                 </c:pt>
                 <c:pt idx="50">
-                  <c:v>1.0489999999999902</c:v>
+                  <c:v>1.0489999999999899</c:v>
                 </c:pt>
                 <c:pt idx="51">
-                  <c:v>1.4489999999999876</c:v>
+                  <c:v>1.4489999999999874</c:v>
                 </c:pt>
                 <c:pt idx="52">
                   <c:v>0.91600000000000004</c:v>
@@ -3684,7 +3689,7 @@
                   <c:v>1.599</c:v>
                 </c:pt>
                 <c:pt idx="61">
-                  <c:v>1.5629999999999902</c:v>
+                  <c:v>1.56299999999999</c:v>
                 </c:pt>
                 <c:pt idx="62">
                   <c:v>0.99199999999999999</c:v>
@@ -3696,11 +3701,11 @@
             </c:numRef>
           </c:yVal>
         </c:ser>
-        <c:axId val="129481344"/>
-        <c:axId val="129598208"/>
+        <c:axId val="64935040"/>
+        <c:axId val="64936960"/>
       </c:scatterChart>
       <c:valAx>
-        <c:axId val="129481344"/>
+        <c:axId val="64935040"/>
         <c:scaling>
           <c:orientation val="minMax"/>
         </c:scaling>
@@ -3736,13 +3741,13 @@
             <a:endParaRPr lang="es-ES"/>
           </a:p>
         </c:txPr>
-        <c:crossAx val="129598208"/>
+        <c:crossAx val="64936960"/>
         <c:crosses val="autoZero"/>
         <c:crossBetween val="midCat"/>
         <c:majorUnit val="5"/>
       </c:valAx>
       <c:valAx>
-        <c:axId val="129598208"/>
+        <c:axId val="64936960"/>
         <c:scaling>
           <c:orientation val="minMax"/>
         </c:scaling>
@@ -3786,7 +3791,7 @@
             <a:endParaRPr lang="es-ES"/>
           </a:p>
         </c:txPr>
-        <c:crossAx val="129481344"/>
+        <c:crossAx val="64935040"/>
         <c:crosses val="autoZero"/>
         <c:crossBetween val="midCat"/>
       </c:valAx>
@@ -3799,7 +3804,7 @@
           <c:yMode val="edge"/>
           <c:x val="0.74133589770230268"/>
           <c:y val="0.71233526043915962"/>
-          <c:w val="0.24201434347572601"/>
+          <c:w val="0.24201434347572606"/>
           <c:h val="0.16317756172635517"/>
         </c:manualLayout>
       </c:layout>
@@ -3835,7 +3840,7 @@
           <c:x val="0.10048349150099888"/>
           <c:y val="4.1238940589567646E-2"/>
           <c:w val="0.87042860499284569"/>
-          <c:h val="0.75935138208448838"/>
+          <c:h val="0.7593513820844886"/>
         </c:manualLayout>
       </c:layout>
       <c:scatterChart>
@@ -3879,13 +3884,13 @@
                   <c:v>1.87</c:v>
                 </c:pt>
                 <c:pt idx="7">
-                  <c:v>1.9500000000000097</c:v>
+                  <c:v>1.9500000000000099</c:v>
                 </c:pt>
                 <c:pt idx="8">
                   <c:v>2.4899999999999998</c:v>
                 </c:pt>
                 <c:pt idx="9">
-                  <c:v>1.6800000000000097</c:v>
+                  <c:v>1.6800000000000099</c:v>
                 </c:pt>
                 <c:pt idx="10">
                   <c:v>2.98</c:v>
@@ -3903,7 +3908,7 @@
                   <c:v>3.3099999999999987</c:v>
                 </c:pt>
                 <c:pt idx="15">
-                  <c:v>1.9500000000000097</c:v>
+                  <c:v>1.9500000000000099</c:v>
                 </c:pt>
                 <c:pt idx="16">
                   <c:v>1.4</c:v>
@@ -3933,7 +3938,7 @@
                   <c:v>1.45</c:v>
                 </c:pt>
                 <c:pt idx="25">
-                  <c:v>1.9900000000000109</c:v>
+                  <c:v>1.9900000000000111</c:v>
                 </c:pt>
                 <c:pt idx="26">
                   <c:v>3</c:v>
@@ -3975,7 +3980,7 @@
                   <c:v>2.04</c:v>
                 </c:pt>
                 <c:pt idx="39">
-                  <c:v>1.9600000000000097</c:v>
+                  <c:v>1.96000000000001</c:v>
                 </c:pt>
                 <c:pt idx="40">
                   <c:v>3.09</c:v>
@@ -4059,7 +4064,7 @@
                 <c:formatCode>General</c:formatCode>
                 <c:ptCount val="64"/>
                 <c:pt idx="0">
-                  <c:v>1.2189999999999876</c:v>
+                  <c:v>1.2189999999999874</c:v>
                 </c:pt>
                 <c:pt idx="1">
                   <c:v>2.4379999999999997</c:v>
@@ -4071,19 +4076,19 @@
                   <c:v>1.829</c:v>
                 </c:pt>
                 <c:pt idx="4">
-                  <c:v>1.2189999999999876</c:v>
+                  <c:v>1.2189999999999874</c:v>
                 </c:pt>
                 <c:pt idx="5">
-                  <c:v>1.2189999999999876</c:v>
+                  <c:v>1.2189999999999874</c:v>
                 </c:pt>
                 <c:pt idx="6">
-                  <c:v>1.2189999999999876</c:v>
+                  <c:v>1.2189999999999874</c:v>
                 </c:pt>
                 <c:pt idx="7">
                   <c:v>2.4379999999999997</c:v>
                 </c:pt>
                 <c:pt idx="8">
-                  <c:v>1.2189999999999876</c:v>
+                  <c:v>1.2189999999999874</c:v>
                 </c:pt>
                 <c:pt idx="9">
                   <c:v>0.61000000000000065</c:v>
@@ -4092,22 +4097,22 @@
                   <c:v>3.048</c:v>
                 </c:pt>
                 <c:pt idx="11">
-                  <c:v>1.2189999999999876</c:v>
+                  <c:v>1.2189999999999874</c:v>
                 </c:pt>
                 <c:pt idx="12">
                   <c:v>0.61000000000000065</c:v>
                 </c:pt>
                 <c:pt idx="13">
-                  <c:v>1.2189999999999876</c:v>
+                  <c:v>1.2189999999999874</c:v>
                 </c:pt>
                 <c:pt idx="14">
                   <c:v>2.4379999999999997</c:v>
                 </c:pt>
                 <c:pt idx="15">
-                  <c:v>1.2189999999999876</c:v>
+                  <c:v>1.2189999999999874</c:v>
                 </c:pt>
                 <c:pt idx="16">
-                  <c:v>1.2189999999999876</c:v>
+                  <c:v>1.2189999999999874</c:v>
                 </c:pt>
                 <c:pt idx="17">
                   <c:v>0.61000000000000065</c:v>
@@ -4125,7 +4130,7 @@
                   <c:v>3.048</c:v>
                 </c:pt>
                 <c:pt idx="22">
-                  <c:v>1.2189999999999876</c:v>
+                  <c:v>1.2189999999999874</c:v>
                 </c:pt>
                 <c:pt idx="23">
                   <c:v>1.829</c:v>
@@ -4149,34 +4154,34 @@
                   <c:v>0.61000000000000065</c:v>
                 </c:pt>
                 <c:pt idx="30">
-                  <c:v>1.2189999999999876</c:v>
+                  <c:v>1.2189999999999874</c:v>
                 </c:pt>
                 <c:pt idx="31">
-                  <c:v>1.2189999999999876</c:v>
+                  <c:v>1.2189999999999874</c:v>
                 </c:pt>
                 <c:pt idx="32">
-                  <c:v>1.2189999999999876</c:v>
+                  <c:v>1.2189999999999874</c:v>
                 </c:pt>
                 <c:pt idx="33">
-                  <c:v>1.2189999999999876</c:v>
+                  <c:v>1.2189999999999874</c:v>
                 </c:pt>
                 <c:pt idx="34">
-                  <c:v>1.2189999999999876</c:v>
+                  <c:v>1.2189999999999874</c:v>
                 </c:pt>
                 <c:pt idx="35">
                   <c:v>3.048</c:v>
                 </c:pt>
                 <c:pt idx="36">
-                  <c:v>1.2189999999999876</c:v>
+                  <c:v>1.2189999999999874</c:v>
                 </c:pt>
                 <c:pt idx="37">
                   <c:v>0.61000000000000065</c:v>
                 </c:pt>
                 <c:pt idx="38">
-                  <c:v>1.2189999999999876</c:v>
+                  <c:v>1.2189999999999874</c:v>
                 </c:pt>
                 <c:pt idx="39">
-                  <c:v>1.2189999999999876</c:v>
+                  <c:v>1.2189999999999874</c:v>
                 </c:pt>
                 <c:pt idx="40">
                   <c:v>2.4379999999999997</c:v>
@@ -4191,7 +4196,7 @@
                   <c:v>0.61000000000000065</c:v>
                 </c:pt>
                 <c:pt idx="44">
-                  <c:v>1.2189999999999876</c:v>
+                  <c:v>1.2189999999999874</c:v>
                 </c:pt>
                 <c:pt idx="45">
                   <c:v>4.8769999999999998</c:v>
@@ -4200,34 +4205,34 @@
                   <c:v>0.61000000000000065</c:v>
                 </c:pt>
                 <c:pt idx="47">
-                  <c:v>1.2189999999999876</c:v>
+                  <c:v>1.2189999999999874</c:v>
                 </c:pt>
                 <c:pt idx="48">
                   <c:v>7.3149999999999755</c:v>
                 </c:pt>
                 <c:pt idx="49">
-                  <c:v>1.2189999999999876</c:v>
+                  <c:v>1.2189999999999874</c:v>
                 </c:pt>
                 <c:pt idx="50">
-                  <c:v>1.2189999999999876</c:v>
+                  <c:v>1.2189999999999874</c:v>
                 </c:pt>
                 <c:pt idx="51">
                   <c:v>0.61000000000000065</c:v>
                 </c:pt>
                 <c:pt idx="52">
-                  <c:v>1.2189999999999876</c:v>
+                  <c:v>1.2189999999999874</c:v>
                 </c:pt>
                 <c:pt idx="53">
-                  <c:v>1.2189999999999876</c:v>
+                  <c:v>1.2189999999999874</c:v>
                 </c:pt>
                 <c:pt idx="54">
-                  <c:v>1.2189999999999876</c:v>
+                  <c:v>1.2189999999999874</c:v>
                 </c:pt>
                 <c:pt idx="55">
                   <c:v>2.4379999999999997</c:v>
                 </c:pt>
                 <c:pt idx="56">
-                  <c:v>1.2189999999999876</c:v>
+                  <c:v>1.2189999999999874</c:v>
                 </c:pt>
                 <c:pt idx="57">
                   <c:v>4.8769999999999998</c:v>
@@ -4239,7 +4244,7 @@
                   <c:v>2.4379999999999997</c:v>
                 </c:pt>
                 <c:pt idx="60">
-                  <c:v>1.2189999999999876</c:v>
+                  <c:v>1.2189999999999874</c:v>
                 </c:pt>
                 <c:pt idx="61">
                   <c:v>0.61000000000000065</c:v>
@@ -4248,7 +4253,7 @@
                   <c:v>3.048</c:v>
                 </c:pt>
                 <c:pt idx="63">
-                  <c:v>1.2189999999999876</c:v>
+                  <c:v>1.2189999999999874</c:v>
                 </c:pt>
               </c:numCache>
             </c:numRef>
@@ -4355,11 +4360,11 @@
             </c:numRef>
           </c:yVal>
         </c:ser>
-        <c:axId val="144972416"/>
-        <c:axId val="144982784"/>
+        <c:axId val="64832256"/>
+        <c:axId val="64834176"/>
       </c:scatterChart>
       <c:valAx>
-        <c:axId val="144972416"/>
+        <c:axId val="64832256"/>
         <c:scaling>
           <c:orientation val="minMax"/>
           <c:max val="8"/>
@@ -4387,6 +4392,7 @@
               </a:p>
             </c:rich>
           </c:tx>
+          <c:layout/>
         </c:title>
         <c:numFmt formatCode="#,##0;\-#,##0" sourceLinked="0"/>
         <c:tickLblPos val="nextTo"/>
@@ -4400,13 +4406,13 @@
             <a:endParaRPr lang="es-ES"/>
           </a:p>
         </c:txPr>
-        <c:crossAx val="144982784"/>
+        <c:crossAx val="64834176"/>
         <c:crosses val="autoZero"/>
         <c:crossBetween val="midCat"/>
         <c:majorUnit val="2"/>
       </c:valAx>
       <c:valAx>
-        <c:axId val="144982784"/>
+        <c:axId val="64834176"/>
         <c:scaling>
           <c:orientation val="minMax"/>
         </c:scaling>
@@ -4437,6 +4443,7 @@
               </a:p>
             </c:rich>
           </c:tx>
+          <c:layout/>
         </c:title>
         <c:numFmt formatCode="General" sourceLinked="1"/>
         <c:tickLblPos val="nextTo"/>
@@ -4450,7 +4457,7 @@
             <a:endParaRPr lang="es-ES"/>
           </a:p>
         </c:txPr>
-        <c:crossAx val="144972416"/>
+        <c:crossAx val="64832256"/>
         <c:crosses val="autoZero"/>
         <c:crossBetween val="midCat"/>
       </c:valAx>
@@ -4476,7 +4483,7 @@
           <c:x val="0.10048349150099888"/>
           <c:y val="4.1238940589567646E-2"/>
           <c:w val="0.87042860499284569"/>
-          <c:h val="0.75935138208448805"/>
+          <c:h val="0.75935138208448816"/>
         </c:manualLayout>
       </c:layout>
       <c:scatterChart>
@@ -4538,7 +4545,7 @@
                   <c:v>0.96900000000000064</c:v>
                 </c:pt>
                 <c:pt idx="13">
-                  <c:v>1.276999999999989</c:v>
+                  <c:v>1.2769999999999888</c:v>
                 </c:pt>
                 <c:pt idx="14">
                   <c:v>3.0789999999999997</c:v>
@@ -4550,13 +4557,13 @@
                   <c:v>1.1990000000000001</c:v>
                 </c:pt>
                 <c:pt idx="17">
-                  <c:v>1.024999999999989</c:v>
+                  <c:v>1.0249999999999888</c:v>
                 </c:pt>
                 <c:pt idx="18">
-                  <c:v>1.0409999999999899</c:v>
+                  <c:v>1.0409999999999897</c:v>
                 </c:pt>
                 <c:pt idx="19">
-                  <c:v>1.9940000000000109</c:v>
+                  <c:v>1.9940000000000111</c:v>
                 </c:pt>
                 <c:pt idx="20">
                   <c:v>2.6759999999999997</c:v>
@@ -4589,7 +4596,7 @@
                   <c:v>1.127</c:v>
                 </c:pt>
                 <c:pt idx="30">
-                  <c:v>1.1619999999999895</c:v>
+                  <c:v>1.1619999999999893</c:v>
                 </c:pt>
                 <c:pt idx="31">
                   <c:v>1.175</c:v>
@@ -4604,7 +4611,7 @@
                   <c:v>2.0880000000000001</c:v>
                 </c:pt>
                 <c:pt idx="35">
-                  <c:v>1.9540000000000097</c:v>
+                  <c:v>1.95400000000001</c:v>
                 </c:pt>
                 <c:pt idx="36">
                   <c:v>1.073</c:v>
@@ -4613,7 +4620,7 @@
                   <c:v>0.93200000000000005</c:v>
                 </c:pt>
                 <c:pt idx="38">
-                  <c:v>1.2209999999999877</c:v>
+                  <c:v>1.2209999999999874</c:v>
                 </c:pt>
                 <c:pt idx="39">
                   <c:v>1.081</c:v>
@@ -4628,7 +4635,7 @@
                   <c:v>1.538</c:v>
                 </c:pt>
                 <c:pt idx="43">
-                  <c:v>1.0569999999999902</c:v>
+                  <c:v>1.0569999999999899</c:v>
                 </c:pt>
                 <c:pt idx="44">
                   <c:v>1.028</c:v>
@@ -4646,10 +4653,10 @@
                   <c:v>6.8039999999999985</c:v>
                 </c:pt>
                 <c:pt idx="49">
-                  <c:v>1.0489999999999902</c:v>
+                  <c:v>1.0489999999999899</c:v>
                 </c:pt>
                 <c:pt idx="50">
-                  <c:v>1.4489999999999876</c:v>
+                  <c:v>1.4489999999999874</c:v>
                 </c:pt>
                 <c:pt idx="51">
                   <c:v>0.91600000000000004</c:v>
@@ -4679,7 +4686,7 @@
                   <c:v>1.599</c:v>
                 </c:pt>
                 <c:pt idx="60">
-                  <c:v>1.5629999999999902</c:v>
+                  <c:v>1.56299999999999</c:v>
                 </c:pt>
                 <c:pt idx="61">
                   <c:v>0.99199999999999999</c:v>
@@ -4700,7 +4707,7 @@
                 <c:formatCode>General</c:formatCode>
                 <c:ptCount val="64"/>
                 <c:pt idx="0">
-                  <c:v>1.2189999999999876</c:v>
+                  <c:v>1.2189999999999874</c:v>
                 </c:pt>
                 <c:pt idx="1">
                   <c:v>2.4379999999999997</c:v>
@@ -4712,19 +4719,19 @@
                   <c:v>1.829</c:v>
                 </c:pt>
                 <c:pt idx="4">
-                  <c:v>1.2189999999999876</c:v>
+                  <c:v>1.2189999999999874</c:v>
                 </c:pt>
                 <c:pt idx="5">
-                  <c:v>1.2189999999999876</c:v>
+                  <c:v>1.2189999999999874</c:v>
                 </c:pt>
                 <c:pt idx="6">
-                  <c:v>1.2189999999999876</c:v>
+                  <c:v>1.2189999999999874</c:v>
                 </c:pt>
                 <c:pt idx="7">
                   <c:v>2.4379999999999997</c:v>
                 </c:pt>
                 <c:pt idx="8">
-                  <c:v>1.2189999999999876</c:v>
+                  <c:v>1.2189999999999874</c:v>
                 </c:pt>
                 <c:pt idx="9">
                   <c:v>0.61000000000000065</c:v>
@@ -4733,22 +4740,22 @@
                   <c:v>3.048</c:v>
                 </c:pt>
                 <c:pt idx="11">
-                  <c:v>1.2189999999999876</c:v>
+                  <c:v>1.2189999999999874</c:v>
                 </c:pt>
                 <c:pt idx="12">
                   <c:v>0.61000000000000065</c:v>
                 </c:pt>
                 <c:pt idx="13">
-                  <c:v>1.2189999999999876</c:v>
+                  <c:v>1.2189999999999874</c:v>
                 </c:pt>
                 <c:pt idx="14">
                   <c:v>2.4379999999999997</c:v>
                 </c:pt>
                 <c:pt idx="15">
-                  <c:v>1.2189999999999876</c:v>
+                  <c:v>1.2189999999999874</c:v>
                 </c:pt>
                 <c:pt idx="16">
-                  <c:v>1.2189999999999876</c:v>
+                  <c:v>1.2189999999999874</c:v>
                 </c:pt>
                 <c:pt idx="17">
                   <c:v>0.61000000000000065</c:v>
@@ -4766,7 +4773,7 @@
                   <c:v>3.048</c:v>
                 </c:pt>
                 <c:pt idx="22">
-                  <c:v>1.2189999999999876</c:v>
+                  <c:v>1.2189999999999874</c:v>
                 </c:pt>
                 <c:pt idx="23">
                   <c:v>1.829</c:v>
@@ -4790,34 +4797,34 @@
                   <c:v>0.61000000000000065</c:v>
                 </c:pt>
                 <c:pt idx="30">
-                  <c:v>1.2189999999999876</c:v>
+                  <c:v>1.2189999999999874</c:v>
                 </c:pt>
                 <c:pt idx="31">
-                  <c:v>1.2189999999999876</c:v>
+                  <c:v>1.2189999999999874</c:v>
                 </c:pt>
                 <c:pt idx="32">
-                  <c:v>1.2189999999999876</c:v>
+                  <c:v>1.2189999999999874</c:v>
                 </c:pt>
                 <c:pt idx="33">
-                  <c:v>1.2189999999999876</c:v>
+                  <c:v>1.2189999999999874</c:v>
                 </c:pt>
                 <c:pt idx="34">
-                  <c:v>1.2189999999999876</c:v>
+                  <c:v>1.2189999999999874</c:v>
                 </c:pt>
                 <c:pt idx="35">
                   <c:v>3.048</c:v>
                 </c:pt>
                 <c:pt idx="36">
-                  <c:v>1.2189999999999876</c:v>
+                  <c:v>1.2189999999999874</c:v>
                 </c:pt>
                 <c:pt idx="37">
                   <c:v>0.61000000000000065</c:v>
                 </c:pt>
                 <c:pt idx="38">
-                  <c:v>1.2189999999999876</c:v>
+                  <c:v>1.2189999999999874</c:v>
                 </c:pt>
                 <c:pt idx="39">
-                  <c:v>1.2189999999999876</c:v>
+                  <c:v>1.2189999999999874</c:v>
                 </c:pt>
                 <c:pt idx="40">
                   <c:v>2.4379999999999997</c:v>
@@ -4832,7 +4839,7 @@
                   <c:v>0.61000000000000065</c:v>
                 </c:pt>
                 <c:pt idx="44">
-                  <c:v>1.2189999999999876</c:v>
+                  <c:v>1.2189999999999874</c:v>
                 </c:pt>
                 <c:pt idx="45">
                   <c:v>4.8769999999999998</c:v>
@@ -4841,34 +4848,34 @@
                   <c:v>0.61000000000000065</c:v>
                 </c:pt>
                 <c:pt idx="47">
-                  <c:v>1.2189999999999876</c:v>
+                  <c:v>1.2189999999999874</c:v>
                 </c:pt>
                 <c:pt idx="48">
                   <c:v>7.3149999999999755</c:v>
                 </c:pt>
                 <c:pt idx="49">
-                  <c:v>1.2189999999999876</c:v>
+                  <c:v>1.2189999999999874</c:v>
                 </c:pt>
                 <c:pt idx="50">
-                  <c:v>1.2189999999999876</c:v>
+                  <c:v>1.2189999999999874</c:v>
                 </c:pt>
                 <c:pt idx="51">
                   <c:v>0.61000000000000065</c:v>
                 </c:pt>
                 <c:pt idx="52">
-                  <c:v>1.2189999999999876</c:v>
+                  <c:v>1.2189999999999874</c:v>
                 </c:pt>
                 <c:pt idx="53">
-                  <c:v>1.2189999999999876</c:v>
+                  <c:v>1.2189999999999874</c:v>
                 </c:pt>
                 <c:pt idx="54">
-                  <c:v>1.2189999999999876</c:v>
+                  <c:v>1.2189999999999874</c:v>
                 </c:pt>
                 <c:pt idx="55">
                   <c:v>2.4379999999999997</c:v>
                 </c:pt>
                 <c:pt idx="56">
-                  <c:v>1.2189999999999876</c:v>
+                  <c:v>1.2189999999999874</c:v>
                 </c:pt>
                 <c:pt idx="57">
                   <c:v>4.8769999999999998</c:v>
@@ -4880,7 +4887,7 @@
                   <c:v>2.4379999999999997</c:v>
                 </c:pt>
                 <c:pt idx="60">
-                  <c:v>1.2189999999999876</c:v>
+                  <c:v>1.2189999999999874</c:v>
                 </c:pt>
                 <c:pt idx="61">
                   <c:v>0.61000000000000065</c:v>
@@ -4889,7 +4896,7 @@
                   <c:v>3.048</c:v>
                 </c:pt>
                 <c:pt idx="63">
-                  <c:v>1.2189999999999876</c:v>
+                  <c:v>1.2189999999999874</c:v>
                 </c:pt>
               </c:numCache>
             </c:numRef>
@@ -4996,11 +5003,11 @@
             </c:numRef>
           </c:yVal>
         </c:ser>
-        <c:axId val="145007360"/>
-        <c:axId val="145009280"/>
+        <c:axId val="64862848"/>
+        <c:axId val="64877312"/>
       </c:scatterChart>
       <c:valAx>
-        <c:axId val="145007360"/>
+        <c:axId val="64862848"/>
         <c:scaling>
           <c:orientation val="minMax"/>
           <c:max val="8"/>
@@ -5027,6 +5034,7 @@
               </a:p>
             </c:rich>
           </c:tx>
+          <c:layout/>
         </c:title>
         <c:numFmt formatCode="#,##0;\-#,##0" sourceLinked="0"/>
         <c:tickLblPos val="nextTo"/>
@@ -5040,13 +5048,13 @@
             <a:endParaRPr lang="es-ES"/>
           </a:p>
         </c:txPr>
-        <c:crossAx val="145009280"/>
+        <c:crossAx val="64877312"/>
         <c:crosses val="autoZero"/>
         <c:crossBetween val="midCat"/>
         <c:majorUnit val="2"/>
       </c:valAx>
       <c:valAx>
-        <c:axId val="145009280"/>
+        <c:axId val="64877312"/>
         <c:scaling>
           <c:orientation val="minMax"/>
         </c:scaling>
@@ -5069,6 +5077,7 @@
               </a:p>
             </c:rich>
           </c:tx>
+          <c:layout/>
         </c:title>
         <c:numFmt formatCode="General" sourceLinked="1"/>
         <c:tickLblPos val="nextTo"/>
@@ -5082,7 +5091,7 @@
             <a:endParaRPr lang="es-ES"/>
           </a:p>
         </c:txPr>
-        <c:crossAx val="145007360"/>
+        <c:crossAx val="64862848"/>
         <c:crosses val="autoZero"/>
         <c:crossBetween val="midCat"/>
       </c:valAx>
@@ -5149,7 +5158,7 @@
                 <c:formatCode>0%</c:formatCode>
                 <c:ptCount val="5"/>
                 <c:pt idx="0">
-                  <c:v>0.66000000000000125</c:v>
+                  <c:v>0.66000000000000136</c:v>
                 </c:pt>
                 <c:pt idx="1">
                   <c:v>0.82000000000000062</c:v>
@@ -5235,12 +5244,12 @@
           </c:val>
         </c:ser>
         <c:shape val="box"/>
-        <c:axId val="127278464"/>
-        <c:axId val="127280256"/>
+        <c:axId val="64984576"/>
+        <c:axId val="64986112"/>
         <c:axId val="0"/>
       </c:bar3DChart>
       <c:catAx>
-        <c:axId val="127278464"/>
+        <c:axId val="64984576"/>
         <c:scaling>
           <c:orientation val="minMax"/>
         </c:scaling>
@@ -5256,14 +5265,14 @@
             <a:endParaRPr lang="es-ES"/>
           </a:p>
         </c:txPr>
-        <c:crossAx val="127280256"/>
+        <c:crossAx val="64986112"/>
         <c:crosses val="autoZero"/>
         <c:auto val="1"/>
         <c:lblAlgn val="ctr"/>
         <c:lblOffset val="100"/>
       </c:catAx>
       <c:valAx>
-        <c:axId val="127280256"/>
+        <c:axId val="64986112"/>
         <c:scaling>
           <c:orientation val="minMax"/>
         </c:scaling>
@@ -5281,13 +5290,14 @@
             <a:endParaRPr lang="es-ES"/>
           </a:p>
         </c:txPr>
-        <c:crossAx val="127278464"/>
+        <c:crossAx val="64984576"/>
         <c:crosses val="autoZero"/>
         <c:crossBetween val="between"/>
       </c:valAx>
     </c:plotArea>
     <c:legend>
       <c:legendPos val="r"/>
+      <c:layout/>
       <c:txPr>
         <a:bodyPr/>
         <a:lstStyle/>
@@ -5368,7 +5378,7 @@
                   <c:v>1.35</c:v>
                 </c:pt>
                 <c:pt idx="2">
-                  <c:v>1.1800000000000019</c:v>
+                  <c:v>1.1800000000000022</c:v>
                 </c:pt>
                 <c:pt idx="3">
                   <c:v>0.99</c:v>
@@ -5448,12 +5458,12 @@
           </c:val>
         </c:ser>
         <c:shape val="cylinder"/>
-        <c:axId val="127292928"/>
-        <c:axId val="127294464"/>
+        <c:axId val="63122816"/>
+        <c:axId val="63124608"/>
         <c:axId val="0"/>
       </c:bar3DChart>
       <c:catAx>
-        <c:axId val="127292928"/>
+        <c:axId val="63122816"/>
         <c:scaling>
           <c:orientation val="minMax"/>
         </c:scaling>
@@ -5469,14 +5479,14 @@
             <a:endParaRPr lang="es-ES"/>
           </a:p>
         </c:txPr>
-        <c:crossAx val="127294464"/>
+        <c:crossAx val="63124608"/>
         <c:crosses val="autoZero"/>
         <c:auto val="1"/>
         <c:lblAlgn val="ctr"/>
         <c:lblOffset val="100"/>
       </c:catAx>
       <c:valAx>
-        <c:axId val="127294464"/>
+        <c:axId val="63124608"/>
         <c:scaling>
           <c:orientation val="minMax"/>
         </c:scaling>
@@ -5494,13 +5504,14 @@
             <a:endParaRPr lang="es-ES"/>
           </a:p>
         </c:txPr>
-        <c:crossAx val="127292928"/>
+        <c:crossAx val="63122816"/>
         <c:crosses val="autoZero"/>
         <c:crossBetween val="between"/>
       </c:valAx>
     </c:plotArea>
     <c:legend>
       <c:legendPos val="r"/>
+      <c:layout/>
       <c:txPr>
         <a:bodyPr/>
         <a:lstStyle/>
@@ -5600,7 +5611,8 @@
           <a:p>
             <a:fld id="{CC836ABB-6633-4F2E-9CC4-347080E95772}" type="datetimeFigureOut">
               <a:rPr lang="es-ES" smtClean="0"/>
-              <a:t>19/08/2010</a:t>
+              <a:pPr/>
+              <a:t>21/08/2010</a:t>
             </a:fld>
             <a:endParaRPr lang="es-ES"/>
           </a:p>
@@ -5761,6 +5773,7 @@
           <a:p>
             <a:fld id="{8E7D32D0-E9B5-40DC-909E-F2E33DCC3B23}" type="slidenum">
               <a:rPr lang="es-ES" smtClean="0"/>
+              <a:pPr/>
               <a:t>‹Nº›</a:t>
             </a:fld>
             <a:endParaRPr lang="es-ES"/>
@@ -6048,7 +6061,7 @@
             <a:fld id="{705F1E1A-BC64-4D15-8F19-F9D22DF3568A}" type="slidenum">
               <a:rPr lang="es-ES" smtClean="0"/>
               <a:pPr/>
-              <a:t>11</a:t>
+              <a:t>16</a:t>
             </a:fld>
             <a:endParaRPr lang="es-ES"/>
           </a:p>
@@ -6133,7 +6146,7 @@
             <a:fld id="{0B94F1A4-9E02-42A3-A48D-511FB3467974}" type="slidenum">
               <a:rPr lang="es-AR" smtClean="0"/>
               <a:pPr/>
-              <a:t>13</a:t>
+              <a:t>18</a:t>
             </a:fld>
             <a:endParaRPr lang="es-AR"/>
           </a:p>
@@ -6218,7 +6231,7 @@
             <a:fld id="{0B94F1A4-9E02-42A3-A48D-511FB3467974}" type="slidenum">
               <a:rPr lang="es-AR" smtClean="0"/>
               <a:pPr/>
-              <a:t>26</a:t>
+              <a:t>31</a:t>
             </a:fld>
             <a:endParaRPr lang="es-AR"/>
           </a:p>
@@ -7856,7 +7869,7 @@
             <a:fld id="{705F1E1A-BC64-4D15-8F19-F9D22DF3568A}" type="slidenum">
               <a:rPr lang="es-ES" smtClean="0"/>
               <a:pPr/>
-              <a:t>8</a:t>
+              <a:t>13</a:t>
             </a:fld>
             <a:endParaRPr lang="es-ES"/>
           </a:p>
@@ -8076,7 +8089,7 @@
             <a:fld id="{705F1E1A-BC64-4D15-8F19-F9D22DF3568A}" type="slidenum">
               <a:rPr lang="es-ES" smtClean="0"/>
               <a:pPr/>
-              <a:t>9</a:t>
+              <a:t>14</a:t>
             </a:fld>
             <a:endParaRPr lang="es-ES"/>
           </a:p>
@@ -8264,7 +8277,7 @@
             <a:fld id="{47C9B81F-C347-4BEF-BFDF-29C42F48304A}" type="datetimeFigureOut">
               <a:rPr lang="en-US" smtClean="0"/>
               <a:pPr/>
-              <a:t>8/19/2010</a:t>
+              <a:t>8/21/2010</a:t>
             </a:fld>
             <a:endParaRPr lang="en-US"/>
           </a:p>
@@ -8431,7 +8444,7 @@
             <a:fld id="{47C9B81F-C347-4BEF-BFDF-29C42F48304A}" type="datetimeFigureOut">
               <a:rPr lang="en-US" smtClean="0"/>
               <a:pPr/>
-              <a:t>8/19/2010</a:t>
+              <a:t>8/21/2010</a:t>
             </a:fld>
             <a:endParaRPr lang="en-US"/>
           </a:p>
@@ -8608,7 +8621,7 @@
             <a:fld id="{47C9B81F-C347-4BEF-BFDF-29C42F48304A}" type="datetimeFigureOut">
               <a:rPr lang="en-US" smtClean="0"/>
               <a:pPr/>
-              <a:t>8/19/2010</a:t>
+              <a:t>8/21/2010</a:t>
             </a:fld>
             <a:endParaRPr lang="en-US"/>
           </a:p>
@@ -8775,7 +8788,7 @@
             <a:fld id="{47C9B81F-C347-4BEF-BFDF-29C42F48304A}" type="datetimeFigureOut">
               <a:rPr lang="en-US" smtClean="0"/>
               <a:pPr/>
-              <a:t>8/19/2010</a:t>
+              <a:t>8/21/2010</a:t>
             </a:fld>
             <a:endParaRPr lang="en-US"/>
           </a:p>
@@ -9019,7 +9032,7 @@
             <a:fld id="{47C9B81F-C347-4BEF-BFDF-29C42F48304A}" type="datetimeFigureOut">
               <a:rPr lang="en-US" smtClean="0"/>
               <a:pPr/>
-              <a:t>8/19/2010</a:t>
+              <a:t>8/21/2010</a:t>
             </a:fld>
             <a:endParaRPr lang="en-US"/>
           </a:p>
@@ -9285,7 +9298,7 @@
             <a:fld id="{47C9B81F-C347-4BEF-BFDF-29C42F48304A}" type="datetimeFigureOut">
               <a:rPr lang="en-US" smtClean="0"/>
               <a:pPr/>
-              <a:t>8/19/2010</a:t>
+              <a:t>8/21/2010</a:t>
             </a:fld>
             <a:endParaRPr lang="en-US"/>
           </a:p>
@@ -9665,7 +9678,7 @@
             <a:fld id="{47C9B81F-C347-4BEF-BFDF-29C42F48304A}" type="datetimeFigureOut">
               <a:rPr lang="en-US" smtClean="0"/>
               <a:pPr/>
-              <a:t>8/19/2010</a:t>
+              <a:t>8/21/2010</a:t>
             </a:fld>
             <a:endParaRPr lang="en-US"/>
           </a:p>
@@ -9817,7 +9830,7 @@
             <a:fld id="{47C9B81F-C347-4BEF-BFDF-29C42F48304A}" type="datetimeFigureOut">
               <a:rPr lang="en-US" smtClean="0"/>
               <a:pPr/>
-              <a:t>8/19/2010</a:t>
+              <a:t>8/21/2010</a:t>
             </a:fld>
             <a:endParaRPr lang="en-US"/>
           </a:p>
@@ -9909,7 +9922,7 @@
             <a:fld id="{47C9B81F-C347-4BEF-BFDF-29C42F48304A}" type="datetimeFigureOut">
               <a:rPr lang="en-US" smtClean="0"/>
               <a:pPr/>
-              <a:t>8/19/2010</a:t>
+              <a:t>8/21/2010</a:t>
             </a:fld>
             <a:endParaRPr lang="en-US"/>
           </a:p>
@@ -10172,7 +10185,7 @@
             <a:fld id="{47C9B81F-C347-4BEF-BFDF-29C42F48304A}" type="datetimeFigureOut">
               <a:rPr lang="en-US" smtClean="0"/>
               <a:pPr/>
-              <a:t>8/19/2010</a:t>
+              <a:t>8/21/2010</a:t>
             </a:fld>
             <a:endParaRPr lang="en-US"/>
           </a:p>
@@ -10462,7 +10475,7 @@
             <a:fld id="{47C9B81F-C347-4BEF-BFDF-29C42F48304A}" type="datetimeFigureOut">
               <a:rPr lang="en-US" smtClean="0"/>
               <a:pPr/>
-              <a:t>8/19/2010</a:t>
+              <a:t>8/21/2010</a:t>
             </a:fld>
             <a:endParaRPr lang="en-US"/>
           </a:p>
@@ -11235,7 +11248,7 @@
             <a:fld id="{47C9B81F-C347-4BEF-BFDF-29C42F48304A}" type="datetimeFigureOut">
               <a:rPr lang="en-US" smtClean="0"/>
               <a:pPr/>
-              <a:t>8/19/2010</a:t>
+              <a:t>8/21/2010</a:t>
             </a:fld>
             <a:endParaRPr lang="en-US" dirty="0">
               <a:solidFill>
@@ -12120,7 +12133,1297 @@
           <a:p>
             <a:r>
               <a:rPr lang="es-US" dirty="0" smtClean="0"/>
-              <a:t>Experimentación (9)</a:t>
+              <a:t>Experimentación </a:t>
+            </a:r>
+            <a:r>
+              <a:rPr lang="es-US" dirty="0" smtClean="0"/>
+              <a:t>(9)</a:t>
+            </a:r>
+            <a:endParaRPr lang="es-ES" dirty="0"/>
+          </a:p>
+        </p:txBody>
+      </p:sp>
+      <p:pic>
+        <p:nvPicPr>
+          <p:cNvPr id="34819" name="Picture 3"/>
+          <p:cNvPicPr>
+            <a:picLocks noChangeAspect="1" noChangeArrowheads="1"/>
+          </p:cNvPicPr>
+          <p:nvPr/>
+        </p:nvPicPr>
+        <p:blipFill>
+          <a:blip r:embed="rId2"/>
+          <a:srcRect/>
+          <a:stretch>
+            <a:fillRect/>
+          </a:stretch>
+        </p:blipFill>
+        <p:spPr bwMode="auto">
+          <a:xfrm>
+            <a:off x="0" y="1928802"/>
+            <a:ext cx="9144000" cy="4929198"/>
+          </a:xfrm>
+          <a:prstGeom prst="rect">
+            <a:avLst/>
+          </a:prstGeom>
+          <a:noFill/>
+          <a:ln w="9525">
+            <a:noFill/>
+            <a:miter lim="800000"/>
+            <a:headEnd/>
+            <a:tailEnd/>
+          </a:ln>
+          <a:effectLst/>
+        </p:spPr>
+      </p:pic>
+    </p:spTree>
+  </p:cSld>
+  <p:clrMapOvr>
+    <a:masterClrMapping/>
+  </p:clrMapOvr>
+  <p:timing>
+    <p:tnLst>
+      <p:par>
+        <p:cTn id="1" dur="indefinite" restart="never" nodeType="tmRoot"/>
+      </p:par>
+    </p:tnLst>
+  </p:timing>
+</p:sld>
+</file>
+
+<file path=ppt/slides/slide11.xml><?xml version="1.0" encoding="utf-8"?>
+<p:sld xmlns:a="http://schemas.openxmlformats.org/drawingml/2006/main" xmlns:r="http://schemas.openxmlformats.org/officeDocument/2006/relationships" xmlns:p="http://schemas.openxmlformats.org/presentationml/2006/main">
+  <p:cSld>
+    <p:spTree>
+      <p:nvGrpSpPr>
+        <p:cNvPr id="1" name=""/>
+        <p:cNvGrpSpPr/>
+        <p:nvPr/>
+      </p:nvGrpSpPr>
+      <p:grpSpPr>
+        <a:xfrm>
+          <a:off x="0" y="0"/>
+          <a:ext cx="0" cy="0"/>
+          <a:chOff x="0" y="0"/>
+          <a:chExt cx="0" cy="0"/>
+        </a:xfrm>
+      </p:grpSpPr>
+      <p:sp>
+        <p:nvSpPr>
+          <p:cNvPr id="2" name="1 Título"/>
+          <p:cNvSpPr>
+            <a:spLocks noGrp="1"/>
+          </p:cNvSpPr>
+          <p:nvPr>
+            <p:ph type="title"/>
+          </p:nvPr>
+        </p:nvSpPr>
+        <p:spPr/>
+        <p:txBody>
+          <a:bodyPr/>
+          <a:lstStyle/>
+          <a:p>
+            <a:r>
+              <a:rPr lang="es-US" dirty="0" smtClean="0"/>
+              <a:t>Experimentación </a:t>
+            </a:r>
+            <a:r>
+              <a:rPr lang="es-US" dirty="0" smtClean="0"/>
+              <a:t>(10)</a:t>
+            </a:r>
+            <a:endParaRPr lang="es-ES" dirty="0"/>
+          </a:p>
+        </p:txBody>
+      </p:sp>
+      <p:pic>
+        <p:nvPicPr>
+          <p:cNvPr id="35843" name="Picture 3"/>
+          <p:cNvPicPr>
+            <a:picLocks noChangeAspect="1" noChangeArrowheads="1"/>
+          </p:cNvPicPr>
+          <p:nvPr/>
+        </p:nvPicPr>
+        <p:blipFill>
+          <a:blip r:embed="rId2"/>
+          <a:srcRect/>
+          <a:stretch>
+            <a:fillRect/>
+          </a:stretch>
+        </p:blipFill>
+        <p:spPr bwMode="auto">
+          <a:xfrm>
+            <a:off x="0" y="1928802"/>
+            <a:ext cx="9194034" cy="4929198"/>
+          </a:xfrm>
+          <a:prstGeom prst="rect">
+            <a:avLst/>
+          </a:prstGeom>
+          <a:noFill/>
+          <a:ln w="9525">
+            <a:noFill/>
+            <a:miter lim="800000"/>
+            <a:headEnd/>
+            <a:tailEnd/>
+          </a:ln>
+          <a:effectLst/>
+        </p:spPr>
+      </p:pic>
+    </p:spTree>
+  </p:cSld>
+  <p:clrMapOvr>
+    <a:masterClrMapping/>
+  </p:clrMapOvr>
+  <p:timing>
+    <p:tnLst>
+      <p:par>
+        <p:cTn id="1" dur="indefinite" restart="never" nodeType="tmRoot"/>
+      </p:par>
+    </p:tnLst>
+  </p:timing>
+</p:sld>
+</file>
+
+<file path=ppt/slides/slide12.xml><?xml version="1.0" encoding="utf-8"?>
+<p:sld xmlns:a="http://schemas.openxmlformats.org/drawingml/2006/main" xmlns:r="http://schemas.openxmlformats.org/officeDocument/2006/relationships" xmlns:p="http://schemas.openxmlformats.org/presentationml/2006/main">
+  <p:cSld>
+    <p:spTree>
+      <p:nvGrpSpPr>
+        <p:cNvPr id="1" name=""/>
+        <p:cNvGrpSpPr/>
+        <p:nvPr/>
+      </p:nvGrpSpPr>
+      <p:grpSpPr>
+        <a:xfrm>
+          <a:off x="0" y="0"/>
+          <a:ext cx="0" cy="0"/>
+          <a:chOff x="0" y="0"/>
+          <a:chExt cx="0" cy="0"/>
+        </a:xfrm>
+      </p:grpSpPr>
+      <p:sp>
+        <p:nvSpPr>
+          <p:cNvPr id="2" name="1 Título"/>
+          <p:cNvSpPr>
+            <a:spLocks noGrp="1"/>
+          </p:cNvSpPr>
+          <p:nvPr>
+            <p:ph type="title"/>
+          </p:nvPr>
+        </p:nvSpPr>
+        <p:spPr/>
+        <p:txBody>
+          <a:bodyPr/>
+          <a:lstStyle/>
+          <a:p>
+            <a:r>
+              <a:rPr lang="es-US" dirty="0" smtClean="0"/>
+              <a:t>Experimentación </a:t>
+            </a:r>
+            <a:r>
+              <a:rPr lang="es-US" dirty="0" smtClean="0"/>
+              <a:t>(11)</a:t>
+            </a:r>
+            <a:endParaRPr lang="es-ES" dirty="0"/>
+          </a:p>
+        </p:txBody>
+      </p:sp>
+      <p:pic>
+        <p:nvPicPr>
+          <p:cNvPr id="36867" name="Picture 3"/>
+          <p:cNvPicPr>
+            <a:picLocks noChangeAspect="1" noChangeArrowheads="1"/>
+          </p:cNvPicPr>
+          <p:nvPr/>
+        </p:nvPicPr>
+        <p:blipFill>
+          <a:blip r:embed="rId2"/>
+          <a:srcRect/>
+          <a:stretch>
+            <a:fillRect/>
+          </a:stretch>
+        </p:blipFill>
+        <p:spPr bwMode="auto">
+          <a:xfrm>
+            <a:off x="0" y="1928802"/>
+            <a:ext cx="9076543" cy="4929198"/>
+          </a:xfrm>
+          <a:prstGeom prst="rect">
+            <a:avLst/>
+          </a:prstGeom>
+          <a:noFill/>
+          <a:ln w="9525">
+            <a:noFill/>
+            <a:miter lim="800000"/>
+            <a:headEnd/>
+            <a:tailEnd/>
+          </a:ln>
+          <a:effectLst/>
+        </p:spPr>
+      </p:pic>
+    </p:spTree>
+  </p:cSld>
+  <p:clrMapOvr>
+    <a:masterClrMapping/>
+  </p:clrMapOvr>
+  <p:timing>
+    <p:tnLst>
+      <p:par>
+        <p:cTn id="1" dur="indefinite" restart="never" nodeType="tmRoot"/>
+      </p:par>
+    </p:tnLst>
+  </p:timing>
+</p:sld>
+</file>
+
+<file path=ppt/slides/slide13.xml><?xml version="1.0" encoding="utf-8"?>
+<p:sld xmlns:a="http://schemas.openxmlformats.org/drawingml/2006/main" xmlns:r="http://schemas.openxmlformats.org/officeDocument/2006/relationships" xmlns:p="http://schemas.openxmlformats.org/presentationml/2006/main">
+  <p:cSld>
+    <p:spTree>
+      <p:nvGrpSpPr>
+        <p:cNvPr id="1" name=""/>
+        <p:cNvGrpSpPr/>
+        <p:nvPr/>
+      </p:nvGrpSpPr>
+      <p:grpSpPr>
+        <a:xfrm>
+          <a:off x="0" y="0"/>
+          <a:ext cx="0" cy="0"/>
+          <a:chOff x="0" y="0"/>
+          <a:chExt cx="0" cy="0"/>
+        </a:xfrm>
+      </p:grpSpPr>
+      <p:sp>
+        <p:nvSpPr>
+          <p:cNvPr id="2" name="1 Título"/>
+          <p:cNvSpPr>
+            <a:spLocks noGrp="1"/>
+          </p:cNvSpPr>
+          <p:nvPr>
+            <p:ph type="title"/>
+          </p:nvPr>
+        </p:nvSpPr>
+        <p:spPr/>
+        <p:txBody>
+          <a:bodyPr/>
+          <a:lstStyle/>
+          <a:p>
+            <a:r>
+              <a:rPr lang="es-US" dirty="0" smtClean="0"/>
+              <a:t>Experimentación </a:t>
+            </a:r>
+            <a:r>
+              <a:rPr lang="es-US" dirty="0" smtClean="0"/>
+              <a:t>(12)</a:t>
+            </a:r>
+            <a:endParaRPr lang="es-ES" dirty="0"/>
+          </a:p>
+        </p:txBody>
+      </p:sp>
+      <p:sp>
+        <p:nvSpPr>
+          <p:cNvPr id="3" name="2 Marcador de contenido"/>
+          <p:cNvSpPr>
+            <a:spLocks noGrp="1"/>
+          </p:cNvSpPr>
+          <p:nvPr>
+            <p:ph idx="1"/>
+          </p:nvPr>
+        </p:nvSpPr>
+        <p:spPr/>
+        <p:txBody>
+          <a:bodyPr>
+            <a:normAutofit fontScale="92500" lnSpcReduction="10000"/>
+          </a:bodyPr>
+          <a:lstStyle/>
+          <a:p>
+            <a:r>
+              <a:rPr lang="es-US" dirty="0" smtClean="0">
+                <a:latin typeface="+mj-lt"/>
+              </a:rPr>
+              <a:t>Resultados </a:t>
+            </a:r>
+            <a:r>
+              <a:rPr lang="es-US" dirty="0" smtClean="0">
+                <a:latin typeface="+mj-lt"/>
+              </a:rPr>
+              <a:t>generales (3)</a:t>
+            </a:r>
+            <a:endParaRPr lang="es-US" dirty="0" smtClean="0">
+              <a:latin typeface="+mj-lt"/>
+            </a:endParaRPr>
+          </a:p>
+          <a:p>
+            <a:endParaRPr lang="es-US" dirty="0" smtClean="0">
+              <a:latin typeface="+mj-lt"/>
+            </a:endParaRPr>
+          </a:p>
+          <a:p>
+            <a:endParaRPr lang="es-US" dirty="0" smtClean="0">
+              <a:latin typeface="+mj-lt"/>
+            </a:endParaRPr>
+          </a:p>
+          <a:p>
+            <a:endParaRPr lang="es-US" dirty="0" smtClean="0">
+              <a:latin typeface="+mj-lt"/>
+            </a:endParaRPr>
+          </a:p>
+          <a:p>
+            <a:endParaRPr lang="es-US" dirty="0" smtClean="0">
+              <a:latin typeface="+mj-lt"/>
+            </a:endParaRPr>
+          </a:p>
+          <a:p>
+            <a:endParaRPr lang="es-US" dirty="0" smtClean="0">
+              <a:latin typeface="+mj-lt"/>
+            </a:endParaRPr>
+          </a:p>
+          <a:p>
+            <a:endParaRPr lang="es-US" dirty="0" smtClean="0">
+              <a:latin typeface="+mj-lt"/>
+            </a:endParaRPr>
+          </a:p>
+          <a:p>
+            <a:endParaRPr lang="es-US" dirty="0" smtClean="0">
+              <a:latin typeface="+mj-lt"/>
+            </a:endParaRPr>
+          </a:p>
+          <a:p>
+            <a:endParaRPr lang="es-US" dirty="0" smtClean="0">
+              <a:latin typeface="+mj-lt"/>
+            </a:endParaRPr>
+          </a:p>
+          <a:p>
+            <a:pPr lvl="1">
+              <a:buNone/>
+            </a:pPr>
+            <a:endParaRPr lang="es-US" dirty="0" smtClean="0">
+              <a:latin typeface="+mj-lt"/>
+            </a:endParaRPr>
+          </a:p>
+          <a:p>
+            <a:pPr lvl="1">
+              <a:buNone/>
+            </a:pPr>
+            <a:r>
+              <a:rPr lang="es-US" dirty="0" smtClean="0">
+                <a:latin typeface="+mj-lt"/>
+              </a:rPr>
+              <a:t>Combinación óptima = </a:t>
+            </a:r>
+            <a:r>
+              <a:rPr lang="es-US" dirty="0" smtClean="0">
+                <a:latin typeface="+mj-lt"/>
+              </a:rPr>
+              <a:t>[SVM/WW3Last3DaysStrategy]</a:t>
+            </a:r>
+          </a:p>
+          <a:p>
+            <a:endParaRPr lang="es-US" dirty="0" smtClean="0"/>
+          </a:p>
+          <a:p>
+            <a:endParaRPr lang="es-US" dirty="0" smtClean="0"/>
+          </a:p>
+          <a:p>
+            <a:endParaRPr lang="es-US" dirty="0" smtClean="0"/>
+          </a:p>
+          <a:p>
+            <a:endParaRPr lang="es-US" dirty="0" smtClean="0"/>
+          </a:p>
+          <a:p>
+            <a:endParaRPr lang="es-US" dirty="0" smtClean="0"/>
+          </a:p>
+          <a:p>
+            <a:endParaRPr lang="es-US" dirty="0" smtClean="0"/>
+          </a:p>
+          <a:p>
+            <a:pPr>
+              <a:buNone/>
+            </a:pPr>
+            <a:endParaRPr lang="es-ES" dirty="0">
+              <a:solidFill>
+                <a:schemeClr val="accent6"/>
+              </a:solidFill>
+            </a:endParaRPr>
+          </a:p>
+        </p:txBody>
+      </p:sp>
+      <p:graphicFrame>
+        <p:nvGraphicFramePr>
+          <p:cNvPr id="22533" name="Object 5"/>
+          <p:cNvGraphicFramePr>
+            <a:graphicFrameLocks noChangeAspect="1"/>
+          </p:cNvGraphicFramePr>
+          <p:nvPr/>
+        </p:nvGraphicFramePr>
+        <p:xfrm>
+          <a:off x="571472" y="2377112"/>
+          <a:ext cx="7953618" cy="3429024"/>
+        </p:xfrm>
+        <a:graphic>
+          <a:graphicData uri="http://schemas.openxmlformats.org/presentationml/2006/ole">
+            <p:oleObj spid="_x0000_s1026" name="Hoja de cálculo" r:id="rId4" imgW="5590137" imgH="2409567" progId="Excel.Sheet.12">
+              <p:embed/>
+            </p:oleObj>
+          </a:graphicData>
+        </a:graphic>
+      </p:graphicFrame>
+      <p:pic>
+        <p:nvPicPr>
+          <p:cNvPr id="22534" name="Picture 6"/>
+          <p:cNvPicPr>
+            <a:picLocks noChangeAspect="1" noChangeArrowheads="1"/>
+          </p:cNvPicPr>
+          <p:nvPr/>
+        </p:nvPicPr>
+        <p:blipFill>
+          <a:blip r:embed="rId5" cstate="print"/>
+          <a:srcRect/>
+          <a:stretch>
+            <a:fillRect/>
+          </a:stretch>
+        </p:blipFill>
+        <p:spPr bwMode="auto">
+          <a:xfrm>
+            <a:off x="874476" y="5568277"/>
+            <a:ext cx="85725" cy="66675"/>
+          </a:xfrm>
+          <a:prstGeom prst="rect">
+            <a:avLst/>
+          </a:prstGeom>
+          <a:noFill/>
+          <a:ln w="9525">
+            <a:noFill/>
+            <a:miter lim="800000"/>
+            <a:headEnd/>
+            <a:tailEnd/>
+          </a:ln>
+          <a:effectLst/>
+        </p:spPr>
+      </p:pic>
+    </p:spTree>
+  </p:cSld>
+  <p:clrMapOvr>
+    <a:masterClrMapping/>
+  </p:clrMapOvr>
+  <p:timing>
+    <p:tnLst>
+      <p:par>
+        <p:cTn id="1" dur="indefinite" restart="never" nodeType="tmRoot"/>
+      </p:par>
+    </p:tnLst>
+  </p:timing>
+</p:sld>
+</file>
+
+<file path=ppt/slides/slide14.xml><?xml version="1.0" encoding="utf-8"?>
+<p:sld xmlns:a="http://schemas.openxmlformats.org/drawingml/2006/main" xmlns:r="http://schemas.openxmlformats.org/officeDocument/2006/relationships" xmlns:p="http://schemas.openxmlformats.org/presentationml/2006/main">
+  <p:cSld>
+    <p:spTree>
+      <p:nvGrpSpPr>
+        <p:cNvPr id="1" name=""/>
+        <p:cNvGrpSpPr/>
+        <p:nvPr/>
+      </p:nvGrpSpPr>
+      <p:grpSpPr>
+        <a:xfrm>
+          <a:off x="0" y="0"/>
+          <a:ext cx="0" cy="0"/>
+          <a:chOff x="0" y="0"/>
+          <a:chExt cx="0" cy="0"/>
+        </a:xfrm>
+      </p:grpSpPr>
+      <p:sp>
+        <p:nvSpPr>
+          <p:cNvPr id="2" name="1 Título"/>
+          <p:cNvSpPr>
+            <a:spLocks noGrp="1"/>
+          </p:cNvSpPr>
+          <p:nvPr>
+            <p:ph type="title"/>
+          </p:nvPr>
+        </p:nvSpPr>
+        <p:spPr/>
+        <p:txBody>
+          <a:bodyPr/>
+          <a:lstStyle/>
+          <a:p>
+            <a:r>
+              <a:rPr lang="es-US" dirty="0" smtClean="0"/>
+              <a:t>Experimentación </a:t>
+            </a:r>
+            <a:r>
+              <a:rPr lang="es-US" dirty="0" smtClean="0"/>
+              <a:t>(13)</a:t>
+            </a:r>
+            <a:endParaRPr lang="es-ES" dirty="0"/>
+          </a:p>
+        </p:txBody>
+      </p:sp>
+      <p:sp>
+        <p:nvSpPr>
+          <p:cNvPr id="3" name="2 Marcador de contenido"/>
+          <p:cNvSpPr>
+            <a:spLocks noGrp="1"/>
+          </p:cNvSpPr>
+          <p:nvPr>
+            <p:ph idx="1"/>
+          </p:nvPr>
+        </p:nvSpPr>
+        <p:spPr/>
+        <p:txBody>
+          <a:bodyPr/>
+          <a:lstStyle/>
+          <a:p>
+            <a:r>
+              <a:rPr lang="es-US" dirty="0" smtClean="0">
+                <a:latin typeface="+mj-lt"/>
+              </a:rPr>
+              <a:t>Resultados detallados para la ola “Makaha”</a:t>
+            </a:r>
+          </a:p>
+        </p:txBody>
+      </p:sp>
+      <p:graphicFrame>
+        <p:nvGraphicFramePr>
+          <p:cNvPr id="6" name="5 Tabla"/>
+          <p:cNvGraphicFramePr>
+            <a:graphicFrameLocks noGrp="1"/>
+          </p:cNvGraphicFramePr>
+          <p:nvPr/>
+        </p:nvGraphicFramePr>
+        <p:xfrm>
+          <a:off x="857224" y="3214686"/>
+          <a:ext cx="3786214" cy="773432"/>
+        </p:xfrm>
+        <a:graphic>
+          <a:graphicData uri="http://schemas.openxmlformats.org/drawingml/2006/table">
+            <a:tbl>
+              <a:tblPr/>
+              <a:tblGrid>
+                <a:gridCol w="1920731"/>
+                <a:gridCol w="1865483"/>
+              </a:tblGrid>
+              <a:tr h="285752">
+                <a:tc>
+                  <a:txBody>
+                    <a:bodyPr/>
+                    <a:lstStyle/>
+                    <a:p>
+                      <a:pPr algn="ctr">
+                        <a:spcAft>
+                          <a:spcPts val="1000"/>
+                        </a:spcAft>
+                      </a:pPr>
+                      <a:r>
+                        <a:rPr lang="es-ES" sz="1600" b="1" dirty="0">
+                          <a:solidFill>
+                            <a:srgbClr val="000000"/>
+                          </a:solidFill>
+                          <a:latin typeface="Calibri"/>
+                          <a:ea typeface="Times New Roman"/>
+                          <a:cs typeface="Times New Roman"/>
+                        </a:rPr>
+                        <a:t>Correlación WW3 / Obs. Visual</a:t>
+                      </a:r>
+                      <a:endParaRPr lang="es-ES" sz="1600" dirty="0">
+                        <a:latin typeface="Times New Roman"/>
+                        <a:ea typeface="Times New Roman"/>
+                        <a:cs typeface="Times New Roman"/>
+                      </a:endParaRPr>
+                    </a:p>
+                  </a:txBody>
+                  <a:tcPr marL="68580" marR="68580" marT="0" marB="0">
+                    <a:lnL w="12700" cap="flat" cmpd="sng" algn="ctr">
+                      <a:solidFill>
+                        <a:srgbClr val="000000"/>
+                      </a:solidFill>
+                      <a:prstDash val="solid"/>
+                      <a:round/>
+                      <a:headEnd type="none" w="med" len="med"/>
+                      <a:tailEnd type="none" w="med" len="med"/>
+                    </a:lnL>
+                    <a:lnR w="12700" cap="flat" cmpd="sng" algn="ctr">
+                      <a:solidFill>
+                        <a:srgbClr val="000000"/>
+                      </a:solidFill>
+                      <a:prstDash val="solid"/>
+                      <a:round/>
+                      <a:headEnd type="none" w="med" len="med"/>
+                      <a:tailEnd type="none" w="med" len="med"/>
+                    </a:lnR>
+                    <a:lnT w="12700" cap="flat" cmpd="sng" algn="ctr">
+                      <a:solidFill>
+                        <a:srgbClr val="000000"/>
+                      </a:solidFill>
+                      <a:prstDash val="solid"/>
+                      <a:round/>
+                      <a:headEnd type="none" w="med" len="med"/>
+                      <a:tailEnd type="none" w="med" len="med"/>
+                    </a:lnT>
+                    <a:lnB w="12700" cap="flat" cmpd="sng" algn="ctr">
+                      <a:solidFill>
+                        <a:srgbClr val="000000"/>
+                      </a:solidFill>
+                      <a:prstDash val="solid"/>
+                      <a:round/>
+                      <a:headEnd type="none" w="med" len="med"/>
+                      <a:tailEnd type="none" w="med" len="med"/>
+                    </a:lnB>
+                    <a:pattFill prst="pct10">
+                      <a:fgClr>
+                        <a:srgbClr val="FFFFFF"/>
+                      </a:fgClr>
+                      <a:bgClr>
+                        <a:srgbClr val="E5E5E5"/>
+                      </a:bgClr>
+                    </a:pattFill>
+                  </a:tcPr>
+                </a:tc>
+                <a:tc>
+                  <a:txBody>
+                    <a:bodyPr/>
+                    <a:lstStyle/>
+                    <a:p>
+                      <a:pPr algn="ctr">
+                        <a:spcAft>
+                          <a:spcPts val="1000"/>
+                        </a:spcAft>
+                      </a:pPr>
+                      <a:r>
+                        <a:rPr lang="es-ES" sz="1600" b="1" dirty="0">
+                          <a:solidFill>
+                            <a:srgbClr val="000000"/>
+                          </a:solidFill>
+                          <a:latin typeface="Calibri"/>
+                          <a:ea typeface="Times New Roman"/>
+                          <a:cs typeface="Times New Roman"/>
+                        </a:rPr>
+                        <a:t>Correlación SVM / </a:t>
+                      </a:r>
+                      <a:r>
+                        <a:rPr lang="es-ES" sz="1600" b="1" dirty="0" err="1">
+                          <a:solidFill>
+                            <a:srgbClr val="000000"/>
+                          </a:solidFill>
+                          <a:latin typeface="Calibri"/>
+                          <a:ea typeface="Times New Roman"/>
+                          <a:cs typeface="Times New Roman"/>
+                        </a:rPr>
+                        <a:t>Obs</a:t>
+                      </a:r>
+                      <a:r>
+                        <a:rPr lang="es-ES" sz="1600" b="1" dirty="0">
+                          <a:solidFill>
+                            <a:srgbClr val="000000"/>
+                          </a:solidFill>
+                          <a:latin typeface="Calibri"/>
+                          <a:ea typeface="Times New Roman"/>
+                          <a:cs typeface="Times New Roman"/>
+                        </a:rPr>
+                        <a:t>. Visual</a:t>
+                      </a:r>
+                      <a:endParaRPr lang="es-ES" sz="1600" dirty="0">
+                        <a:latin typeface="Times New Roman"/>
+                        <a:ea typeface="Times New Roman"/>
+                        <a:cs typeface="Times New Roman"/>
+                      </a:endParaRPr>
+                    </a:p>
+                  </a:txBody>
+                  <a:tcPr marL="68580" marR="68580" marT="0" marB="0">
+                    <a:lnL w="12700" cap="flat" cmpd="sng" algn="ctr">
+                      <a:solidFill>
+                        <a:srgbClr val="000000"/>
+                      </a:solidFill>
+                      <a:prstDash val="solid"/>
+                      <a:round/>
+                      <a:headEnd type="none" w="med" len="med"/>
+                      <a:tailEnd type="none" w="med" len="med"/>
+                    </a:lnL>
+                    <a:lnR w="12700" cap="flat" cmpd="sng" algn="ctr">
+                      <a:solidFill>
+                        <a:srgbClr val="000000"/>
+                      </a:solidFill>
+                      <a:prstDash val="solid"/>
+                      <a:round/>
+                      <a:headEnd type="none" w="med" len="med"/>
+                      <a:tailEnd type="none" w="med" len="med"/>
+                    </a:lnR>
+                    <a:lnT w="12700" cap="flat" cmpd="sng" algn="ctr">
+                      <a:solidFill>
+                        <a:srgbClr val="000000"/>
+                      </a:solidFill>
+                      <a:prstDash val="solid"/>
+                      <a:round/>
+                      <a:headEnd type="none" w="med" len="med"/>
+                      <a:tailEnd type="none" w="med" len="med"/>
+                    </a:lnT>
+                    <a:lnB w="12700" cap="flat" cmpd="sng" algn="ctr">
+                      <a:solidFill>
+                        <a:srgbClr val="000000"/>
+                      </a:solidFill>
+                      <a:prstDash val="solid"/>
+                      <a:round/>
+                      <a:headEnd type="none" w="med" len="med"/>
+                      <a:tailEnd type="none" w="med" len="med"/>
+                    </a:lnB>
+                    <a:pattFill prst="pct10">
+                      <a:fgClr>
+                        <a:srgbClr val="FFFFFF"/>
+                      </a:fgClr>
+                      <a:bgClr>
+                        <a:srgbClr val="E5E5E5"/>
+                      </a:bgClr>
+                    </a:pattFill>
+                  </a:tcPr>
+                </a:tc>
+              </a:tr>
+              <a:tr h="285752">
+                <a:tc>
+                  <a:txBody>
+                    <a:bodyPr/>
+                    <a:lstStyle/>
+                    <a:p>
+                      <a:pPr algn="ctr">
+                        <a:spcAft>
+                          <a:spcPts val="1000"/>
+                        </a:spcAft>
+                      </a:pPr>
+                      <a:r>
+                        <a:rPr lang="es-ES" sz="1600" dirty="0" smtClean="0">
+                          <a:solidFill>
+                            <a:srgbClr val="000000"/>
+                          </a:solidFill>
+                          <a:latin typeface="Calibri"/>
+                          <a:ea typeface="Times New Roman"/>
+                          <a:cs typeface="Times New Roman"/>
+                        </a:rPr>
+                        <a:t>66%</a:t>
+                      </a:r>
+                      <a:endParaRPr lang="es-ES" sz="1600" dirty="0">
+                        <a:latin typeface="Times New Roman"/>
+                        <a:ea typeface="Times New Roman"/>
+                        <a:cs typeface="Times New Roman"/>
+                      </a:endParaRPr>
+                    </a:p>
+                  </a:txBody>
+                  <a:tcPr marL="68580" marR="68580" marT="0" marB="0">
+                    <a:lnL w="12700" cap="flat" cmpd="sng" algn="ctr">
+                      <a:solidFill>
+                        <a:srgbClr val="000000"/>
+                      </a:solidFill>
+                      <a:prstDash val="solid"/>
+                      <a:round/>
+                      <a:headEnd type="none" w="med" len="med"/>
+                      <a:tailEnd type="none" w="med" len="med"/>
+                    </a:lnL>
+                    <a:lnR w="12700" cap="flat" cmpd="sng" algn="ctr">
+                      <a:solidFill>
+                        <a:srgbClr val="000000"/>
+                      </a:solidFill>
+                      <a:prstDash val="solid"/>
+                      <a:round/>
+                      <a:headEnd type="none" w="med" len="med"/>
+                      <a:tailEnd type="none" w="med" len="med"/>
+                    </a:lnR>
+                    <a:lnT w="12700" cap="flat" cmpd="sng" algn="ctr">
+                      <a:solidFill>
+                        <a:srgbClr val="000000"/>
+                      </a:solidFill>
+                      <a:prstDash val="solid"/>
+                      <a:round/>
+                      <a:headEnd type="none" w="med" len="med"/>
+                      <a:tailEnd type="none" w="med" len="med"/>
+                    </a:lnT>
+                    <a:lnB w="12700" cap="flat" cmpd="sng" algn="ctr">
+                      <a:solidFill>
+                        <a:srgbClr val="000000"/>
+                      </a:solidFill>
+                      <a:prstDash val="solid"/>
+                      <a:round/>
+                      <a:headEnd type="none" w="med" len="med"/>
+                      <a:tailEnd type="none" w="med" len="med"/>
+                    </a:lnB>
+                  </a:tcPr>
+                </a:tc>
+                <a:tc>
+                  <a:txBody>
+                    <a:bodyPr/>
+                    <a:lstStyle/>
+                    <a:p>
+                      <a:pPr algn="ctr">
+                        <a:spcAft>
+                          <a:spcPts val="1000"/>
+                        </a:spcAft>
+                      </a:pPr>
+                      <a:r>
+                        <a:rPr lang="es-ES" sz="1600" dirty="0" smtClean="0">
+                          <a:solidFill>
+                            <a:srgbClr val="000000"/>
+                          </a:solidFill>
+                          <a:latin typeface="Calibri"/>
+                          <a:ea typeface="Times New Roman"/>
+                          <a:cs typeface="Times New Roman"/>
+                        </a:rPr>
+                        <a:t>82%</a:t>
+                      </a:r>
+                      <a:endParaRPr lang="es-ES" sz="1600" dirty="0">
+                        <a:latin typeface="Times New Roman"/>
+                        <a:ea typeface="Times New Roman"/>
+                        <a:cs typeface="Times New Roman"/>
+                      </a:endParaRPr>
+                    </a:p>
+                  </a:txBody>
+                  <a:tcPr marL="68580" marR="68580" marT="0" marB="0">
+                    <a:lnL w="12700" cap="flat" cmpd="sng" algn="ctr">
+                      <a:solidFill>
+                        <a:srgbClr val="000000"/>
+                      </a:solidFill>
+                      <a:prstDash val="solid"/>
+                      <a:round/>
+                      <a:headEnd type="none" w="med" len="med"/>
+                      <a:tailEnd type="none" w="med" len="med"/>
+                    </a:lnL>
+                    <a:lnR w="12700" cap="flat" cmpd="sng" algn="ctr">
+                      <a:solidFill>
+                        <a:srgbClr val="000000"/>
+                      </a:solidFill>
+                      <a:prstDash val="solid"/>
+                      <a:round/>
+                      <a:headEnd type="none" w="med" len="med"/>
+                      <a:tailEnd type="none" w="med" len="med"/>
+                    </a:lnR>
+                    <a:lnT w="12700" cap="flat" cmpd="sng" algn="ctr">
+                      <a:solidFill>
+                        <a:srgbClr val="000000"/>
+                      </a:solidFill>
+                      <a:prstDash val="solid"/>
+                      <a:round/>
+                      <a:headEnd type="none" w="med" len="med"/>
+                      <a:tailEnd type="none" w="med" len="med"/>
+                    </a:lnT>
+                    <a:lnB w="12700" cap="flat" cmpd="sng" algn="ctr">
+                      <a:solidFill>
+                        <a:srgbClr val="000000"/>
+                      </a:solidFill>
+                      <a:prstDash val="solid"/>
+                      <a:round/>
+                      <a:headEnd type="none" w="med" len="med"/>
+                      <a:tailEnd type="none" w="med" len="med"/>
+                    </a:lnB>
+                  </a:tcPr>
+                </a:tc>
+              </a:tr>
+            </a:tbl>
+          </a:graphicData>
+        </a:graphic>
+      </p:graphicFrame>
+      <p:graphicFrame>
+        <p:nvGraphicFramePr>
+          <p:cNvPr id="7" name="6 Tabla"/>
+          <p:cNvGraphicFramePr>
+            <a:graphicFrameLocks noGrp="1"/>
+          </p:cNvGraphicFramePr>
+          <p:nvPr/>
+        </p:nvGraphicFramePr>
+        <p:xfrm>
+          <a:off x="857224" y="4929198"/>
+          <a:ext cx="3786214" cy="792852"/>
+        </p:xfrm>
+        <a:graphic>
+          <a:graphicData uri="http://schemas.openxmlformats.org/drawingml/2006/table">
+            <a:tbl>
+              <a:tblPr/>
+              <a:tblGrid>
+                <a:gridCol w="1928826"/>
+                <a:gridCol w="1857388"/>
+              </a:tblGrid>
+              <a:tr h="480646">
+                <a:tc>
+                  <a:txBody>
+                    <a:bodyPr/>
+                    <a:lstStyle/>
+                    <a:p>
+                      <a:pPr algn="ctr">
+                        <a:spcAft>
+                          <a:spcPts val="1000"/>
+                        </a:spcAft>
+                      </a:pPr>
+                      <a:r>
+                        <a:rPr lang="es-ES" sz="1600" b="1" dirty="0">
+                          <a:solidFill>
+                            <a:srgbClr val="000000"/>
+                          </a:solidFill>
+                          <a:latin typeface="Calibri"/>
+                          <a:ea typeface="Times New Roman"/>
+                          <a:cs typeface="Times New Roman"/>
+                        </a:rPr>
+                        <a:t>MAE WW3 / Obs. Visual</a:t>
+                      </a:r>
+                      <a:endParaRPr lang="es-ES" sz="1600" dirty="0">
+                        <a:latin typeface="Times New Roman"/>
+                        <a:ea typeface="Times New Roman"/>
+                        <a:cs typeface="Times New Roman"/>
+                      </a:endParaRPr>
+                    </a:p>
+                  </a:txBody>
+                  <a:tcPr marL="68580" marR="68580" marT="0" marB="0">
+                    <a:lnL w="12700" cap="flat" cmpd="sng" algn="ctr">
+                      <a:solidFill>
+                        <a:srgbClr val="000000"/>
+                      </a:solidFill>
+                      <a:prstDash val="solid"/>
+                      <a:round/>
+                      <a:headEnd type="none" w="med" len="med"/>
+                      <a:tailEnd type="none" w="med" len="med"/>
+                    </a:lnL>
+                    <a:lnR w="12700" cap="flat" cmpd="sng" algn="ctr">
+                      <a:solidFill>
+                        <a:srgbClr val="000000"/>
+                      </a:solidFill>
+                      <a:prstDash val="solid"/>
+                      <a:round/>
+                      <a:headEnd type="none" w="med" len="med"/>
+                      <a:tailEnd type="none" w="med" len="med"/>
+                    </a:lnR>
+                    <a:lnT w="12700" cap="flat" cmpd="sng" algn="ctr">
+                      <a:solidFill>
+                        <a:srgbClr val="000000"/>
+                      </a:solidFill>
+                      <a:prstDash val="solid"/>
+                      <a:round/>
+                      <a:headEnd type="none" w="med" len="med"/>
+                      <a:tailEnd type="none" w="med" len="med"/>
+                    </a:lnT>
+                    <a:lnB w="12700" cap="flat" cmpd="sng" algn="ctr">
+                      <a:solidFill>
+                        <a:srgbClr val="000000"/>
+                      </a:solidFill>
+                      <a:prstDash val="solid"/>
+                      <a:round/>
+                      <a:headEnd type="none" w="med" len="med"/>
+                      <a:tailEnd type="none" w="med" len="med"/>
+                    </a:lnB>
+                    <a:pattFill prst="pct10">
+                      <a:fgClr>
+                        <a:srgbClr val="FFFFFF"/>
+                      </a:fgClr>
+                      <a:bgClr>
+                        <a:srgbClr val="E5E5E5"/>
+                      </a:bgClr>
+                    </a:pattFill>
+                  </a:tcPr>
+                </a:tc>
+                <a:tc>
+                  <a:txBody>
+                    <a:bodyPr/>
+                    <a:lstStyle/>
+                    <a:p>
+                      <a:pPr algn="ctr">
+                        <a:spcAft>
+                          <a:spcPts val="1000"/>
+                        </a:spcAft>
+                      </a:pPr>
+                      <a:r>
+                        <a:rPr lang="es-ES" sz="1600" b="1" dirty="0">
+                          <a:solidFill>
+                            <a:srgbClr val="000000"/>
+                          </a:solidFill>
+                          <a:latin typeface="Calibri"/>
+                          <a:ea typeface="Times New Roman"/>
+                          <a:cs typeface="Times New Roman"/>
+                        </a:rPr>
+                        <a:t>MAE SVM / Obs. Visual</a:t>
+                      </a:r>
+                      <a:endParaRPr lang="es-ES" sz="1600" dirty="0">
+                        <a:latin typeface="Times New Roman"/>
+                        <a:ea typeface="Times New Roman"/>
+                        <a:cs typeface="Times New Roman"/>
+                      </a:endParaRPr>
+                    </a:p>
+                  </a:txBody>
+                  <a:tcPr marL="68580" marR="68580" marT="0" marB="0">
+                    <a:lnL w="12700" cap="flat" cmpd="sng" algn="ctr">
+                      <a:solidFill>
+                        <a:srgbClr val="000000"/>
+                      </a:solidFill>
+                      <a:prstDash val="solid"/>
+                      <a:round/>
+                      <a:headEnd type="none" w="med" len="med"/>
+                      <a:tailEnd type="none" w="med" len="med"/>
+                    </a:lnL>
+                    <a:lnR w="12700" cap="flat" cmpd="sng" algn="ctr">
+                      <a:solidFill>
+                        <a:srgbClr val="000000"/>
+                      </a:solidFill>
+                      <a:prstDash val="solid"/>
+                      <a:round/>
+                      <a:headEnd type="none" w="med" len="med"/>
+                      <a:tailEnd type="none" w="med" len="med"/>
+                    </a:lnR>
+                    <a:lnT w="12700" cap="flat" cmpd="sng" algn="ctr">
+                      <a:solidFill>
+                        <a:srgbClr val="000000"/>
+                      </a:solidFill>
+                      <a:prstDash val="solid"/>
+                      <a:round/>
+                      <a:headEnd type="none" w="med" len="med"/>
+                      <a:tailEnd type="none" w="med" len="med"/>
+                    </a:lnT>
+                    <a:lnB w="12700" cap="flat" cmpd="sng" algn="ctr">
+                      <a:solidFill>
+                        <a:srgbClr val="000000"/>
+                      </a:solidFill>
+                      <a:prstDash val="solid"/>
+                      <a:round/>
+                      <a:headEnd type="none" w="med" len="med"/>
+                      <a:tailEnd type="none" w="med" len="med"/>
+                    </a:lnB>
+                    <a:pattFill prst="pct10">
+                      <a:fgClr>
+                        <a:srgbClr val="FFFFFF"/>
+                      </a:fgClr>
+                      <a:bgClr>
+                        <a:srgbClr val="E5E5E5"/>
+                      </a:bgClr>
+                    </a:pattFill>
+                  </a:tcPr>
+                </a:tc>
+              </a:tr>
+              <a:tr h="305172">
+                <a:tc>
+                  <a:txBody>
+                    <a:bodyPr/>
+                    <a:lstStyle/>
+                    <a:p>
+                      <a:pPr algn="ctr">
+                        <a:spcAft>
+                          <a:spcPts val="1000"/>
+                        </a:spcAft>
+                      </a:pPr>
+                      <a:r>
+                        <a:rPr lang="es-ES" sz="1600" dirty="0" smtClean="0">
+                          <a:solidFill>
+                            <a:srgbClr val="000000"/>
+                          </a:solidFill>
+                          <a:latin typeface="Calibri"/>
+                          <a:ea typeface="Times New Roman"/>
+                          <a:cs typeface="Times New Roman"/>
+                        </a:rPr>
+                        <a:t>0.96 </a:t>
+                      </a:r>
+                      <a:r>
+                        <a:rPr lang="es-ES" sz="1600" dirty="0">
+                          <a:solidFill>
+                            <a:srgbClr val="000000"/>
+                          </a:solidFill>
+                          <a:latin typeface="Calibri"/>
+                          <a:ea typeface="Times New Roman"/>
+                          <a:cs typeface="Times New Roman"/>
+                        </a:rPr>
+                        <a:t>mts</a:t>
+                      </a:r>
+                      <a:endParaRPr lang="es-ES" sz="1600" dirty="0">
+                        <a:latin typeface="Times New Roman"/>
+                        <a:ea typeface="Times New Roman"/>
+                        <a:cs typeface="Times New Roman"/>
+                      </a:endParaRPr>
+                    </a:p>
+                  </a:txBody>
+                  <a:tcPr marL="68580" marR="68580" marT="0" marB="0">
+                    <a:lnL w="12700" cap="flat" cmpd="sng" algn="ctr">
+                      <a:solidFill>
+                        <a:srgbClr val="000000"/>
+                      </a:solidFill>
+                      <a:prstDash val="solid"/>
+                      <a:round/>
+                      <a:headEnd type="none" w="med" len="med"/>
+                      <a:tailEnd type="none" w="med" len="med"/>
+                    </a:lnL>
+                    <a:lnR w="12700" cap="flat" cmpd="sng" algn="ctr">
+                      <a:solidFill>
+                        <a:srgbClr val="000000"/>
+                      </a:solidFill>
+                      <a:prstDash val="solid"/>
+                      <a:round/>
+                      <a:headEnd type="none" w="med" len="med"/>
+                      <a:tailEnd type="none" w="med" len="med"/>
+                    </a:lnR>
+                    <a:lnT w="12700" cap="flat" cmpd="sng" algn="ctr">
+                      <a:solidFill>
+                        <a:srgbClr val="000000"/>
+                      </a:solidFill>
+                      <a:prstDash val="solid"/>
+                      <a:round/>
+                      <a:headEnd type="none" w="med" len="med"/>
+                      <a:tailEnd type="none" w="med" len="med"/>
+                    </a:lnT>
+                    <a:lnB w="12700" cap="flat" cmpd="sng" algn="ctr">
+                      <a:solidFill>
+                        <a:srgbClr val="000000"/>
+                      </a:solidFill>
+                      <a:prstDash val="solid"/>
+                      <a:round/>
+                      <a:headEnd type="none" w="med" len="med"/>
+                      <a:tailEnd type="none" w="med" len="med"/>
+                    </a:lnB>
+                  </a:tcPr>
+                </a:tc>
+                <a:tc>
+                  <a:txBody>
+                    <a:bodyPr/>
+                    <a:lstStyle/>
+                    <a:p>
+                      <a:pPr algn="ctr">
+                        <a:spcAft>
+                          <a:spcPts val="1000"/>
+                        </a:spcAft>
+                      </a:pPr>
+                      <a:r>
+                        <a:rPr lang="es-ES" sz="1600" dirty="0" smtClean="0">
+                          <a:solidFill>
+                            <a:srgbClr val="000000"/>
+                          </a:solidFill>
+                          <a:latin typeface="Calibri"/>
+                          <a:ea typeface="Times New Roman"/>
+                          <a:cs typeface="Times New Roman"/>
+                        </a:rPr>
+                        <a:t>0.61mts</a:t>
+                      </a:r>
+                      <a:endParaRPr lang="es-ES" sz="1600" dirty="0">
+                        <a:latin typeface="Times New Roman"/>
+                        <a:ea typeface="Times New Roman"/>
+                        <a:cs typeface="Times New Roman"/>
+                      </a:endParaRPr>
+                    </a:p>
+                  </a:txBody>
+                  <a:tcPr marL="68580" marR="68580" marT="0" marB="0">
+                    <a:lnL w="12700" cap="flat" cmpd="sng" algn="ctr">
+                      <a:solidFill>
+                        <a:srgbClr val="000000"/>
+                      </a:solidFill>
+                      <a:prstDash val="solid"/>
+                      <a:round/>
+                      <a:headEnd type="none" w="med" len="med"/>
+                      <a:tailEnd type="none" w="med" len="med"/>
+                    </a:lnL>
+                    <a:lnR w="12700" cap="flat" cmpd="sng" algn="ctr">
+                      <a:solidFill>
+                        <a:srgbClr val="000000"/>
+                      </a:solidFill>
+                      <a:prstDash val="solid"/>
+                      <a:round/>
+                      <a:headEnd type="none" w="med" len="med"/>
+                      <a:tailEnd type="none" w="med" len="med"/>
+                    </a:lnR>
+                    <a:lnT w="12700" cap="flat" cmpd="sng" algn="ctr">
+                      <a:solidFill>
+                        <a:srgbClr val="000000"/>
+                      </a:solidFill>
+                      <a:prstDash val="solid"/>
+                      <a:round/>
+                      <a:headEnd type="none" w="med" len="med"/>
+                      <a:tailEnd type="none" w="med" len="med"/>
+                    </a:lnT>
+                    <a:lnB w="12700" cap="flat" cmpd="sng" algn="ctr">
+                      <a:solidFill>
+                        <a:srgbClr val="000000"/>
+                      </a:solidFill>
+                      <a:prstDash val="solid"/>
+                      <a:round/>
+                      <a:headEnd type="none" w="med" len="med"/>
+                      <a:tailEnd type="none" w="med" len="med"/>
+                    </a:lnB>
+                  </a:tcPr>
+                </a:tc>
+              </a:tr>
+            </a:tbl>
+          </a:graphicData>
+        </a:graphic>
+      </p:graphicFrame>
+      <p:pic>
+        <p:nvPicPr>
+          <p:cNvPr id="8" name="7 Imagen"/>
+          <p:cNvPicPr/>
+          <p:nvPr/>
+        </p:nvPicPr>
+        <p:blipFill>
+          <a:blip r:embed="rId3" cstate="print"/>
+          <a:srcRect/>
+          <a:stretch>
+            <a:fillRect/>
+          </a:stretch>
+        </p:blipFill>
+        <p:spPr bwMode="auto">
+          <a:xfrm>
+            <a:off x="4695488" y="3000372"/>
+            <a:ext cx="4448512" cy="2990850"/>
+          </a:xfrm>
+          <a:prstGeom prst="rect">
+            <a:avLst/>
+          </a:prstGeom>
+          <a:noFill/>
+          <a:ln w="9525">
+            <a:noFill/>
+            <a:miter lim="800000"/>
+            <a:headEnd/>
+            <a:tailEnd/>
+          </a:ln>
+        </p:spPr>
+      </p:pic>
+    </p:spTree>
+  </p:cSld>
+  <p:clrMapOvr>
+    <a:masterClrMapping/>
+  </p:clrMapOvr>
+  <p:timing>
+    <p:tnLst>
+      <p:par>
+        <p:cTn id="1" dur="indefinite" restart="never" nodeType="tmRoot"/>
+      </p:par>
+    </p:tnLst>
+  </p:timing>
+</p:sld>
+</file>
+
+<file path=ppt/slides/slide15.xml><?xml version="1.0" encoding="utf-8"?>
+<p:sld xmlns:a="http://schemas.openxmlformats.org/drawingml/2006/main" xmlns:r="http://schemas.openxmlformats.org/officeDocument/2006/relationships" xmlns:p="http://schemas.openxmlformats.org/presentationml/2006/main">
+  <p:cSld>
+    <p:spTree>
+      <p:nvGrpSpPr>
+        <p:cNvPr id="1" name=""/>
+        <p:cNvGrpSpPr/>
+        <p:nvPr/>
+      </p:nvGrpSpPr>
+      <p:grpSpPr>
+        <a:xfrm>
+          <a:off x="0" y="0"/>
+          <a:ext cx="0" cy="0"/>
+          <a:chOff x="0" y="0"/>
+          <a:chExt cx="0" cy="0"/>
+        </a:xfrm>
+      </p:grpSpPr>
+      <p:sp>
+        <p:nvSpPr>
+          <p:cNvPr id="2" name="1 Título"/>
+          <p:cNvSpPr>
+            <a:spLocks noGrp="1"/>
+          </p:cNvSpPr>
+          <p:nvPr>
+            <p:ph type="title"/>
+          </p:nvPr>
+        </p:nvSpPr>
+        <p:spPr/>
+        <p:txBody>
+          <a:bodyPr/>
+          <a:lstStyle/>
+          <a:p>
+            <a:r>
+              <a:rPr lang="es-US" dirty="0" smtClean="0"/>
+              <a:t>Experimentación </a:t>
+            </a:r>
+            <a:r>
+              <a:rPr lang="es-US" dirty="0" smtClean="0"/>
+              <a:t>(14)</a:t>
             </a:r>
             <a:endParaRPr lang="es-ES" dirty="0"/>
           </a:p>
@@ -12310,7 +13613,7 @@
 </p:sld>
 </file>
 
-<file path=ppt/slides/slide11.xml><?xml version="1.0" encoding="utf-8"?>
+<file path=ppt/slides/slide16.xml><?xml version="1.0" encoding="utf-8"?>
 <p:sld xmlns:a="http://schemas.openxmlformats.org/drawingml/2006/main" xmlns:r="http://schemas.openxmlformats.org/officeDocument/2006/relationships" xmlns:p="http://schemas.openxmlformats.org/presentationml/2006/main">
   <p:cSld>
     <p:spTree>
@@ -12346,7 +13649,11 @@
           <a:p>
             <a:r>
               <a:rPr lang="es-US" dirty="0" smtClean="0"/>
-              <a:t>Experimentación (10)</a:t>
+              <a:t>Experimentación (</a:t>
+            </a:r>
+            <a:r>
+              <a:rPr lang="es-US" dirty="0" smtClean="0"/>
+              <a:t>15)</a:t>
             </a:r>
             <a:endParaRPr lang="es-ES" dirty="0"/>
           </a:p>
@@ -12399,7 +13706,7 @@
 </p:sld>
 </file>
 
-<file path=ppt/slides/slide12.xml><?xml version="1.0" encoding="utf-8"?>
+<file path=ppt/slides/slide17.xml><?xml version="1.0" encoding="utf-8"?>
 <p:sld xmlns:a="http://schemas.openxmlformats.org/drawingml/2006/main" xmlns:r="http://schemas.openxmlformats.org/officeDocument/2006/relationships" xmlns:p="http://schemas.openxmlformats.org/presentationml/2006/main">
   <p:cSld>
     <p:spTree>
@@ -12433,7 +13740,11 @@
           <a:p>
             <a:r>
               <a:rPr lang="es-US" dirty="0" smtClean="0"/>
-              <a:t>Experimentación (11)</a:t>
+              <a:t>Experimentación (</a:t>
+            </a:r>
+            <a:r>
+              <a:rPr lang="es-US" dirty="0" smtClean="0"/>
+              <a:t>16)</a:t>
             </a:r>
             <a:endParaRPr lang="es-ES" dirty="0"/>
           </a:p>
@@ -12586,7 +13897,7 @@
 </p:sld>
 </file>
 
-<file path=ppt/slides/slide13.xml><?xml version="1.0" encoding="utf-8"?>
+<file path=ppt/slides/slide18.xml><?xml version="1.0" encoding="utf-8"?>
 <p:sld xmlns:a="http://schemas.openxmlformats.org/drawingml/2006/main" xmlns:r="http://schemas.openxmlformats.org/officeDocument/2006/relationships" xmlns:p="http://schemas.openxmlformats.org/presentationml/2006/main">
   <p:cSld>
     <p:spTree>
@@ -12811,7 +14122,7 @@
 </p:sld>
 </file>
 
-<file path=ppt/slides/slide14.xml><?xml version="1.0" encoding="utf-8"?>
+<file path=ppt/slides/slide19.xml><?xml version="1.0" encoding="utf-8"?>
 <p:sld xmlns:a="http://schemas.openxmlformats.org/drawingml/2006/main" xmlns:r="http://schemas.openxmlformats.org/officeDocument/2006/relationships" xmlns:p="http://schemas.openxmlformats.org/presentationml/2006/main">
   <p:cSld>
     <p:spTree>
@@ -12989,7 +14300,192 @@
 </p:sld>
 </file>
 
-<file path=ppt/slides/slide15.xml><?xml version="1.0" encoding="utf-8"?>
+<file path=ppt/slides/slide2.xml><?xml version="1.0" encoding="utf-8"?>
+<p:sld xmlns:a="http://schemas.openxmlformats.org/drawingml/2006/main" xmlns:r="http://schemas.openxmlformats.org/officeDocument/2006/relationships" xmlns:p="http://schemas.openxmlformats.org/presentationml/2006/main">
+  <p:cSld>
+    <p:spTree>
+      <p:nvGrpSpPr>
+        <p:cNvPr id="1" name=""/>
+        <p:cNvGrpSpPr/>
+        <p:nvPr/>
+      </p:nvGrpSpPr>
+      <p:grpSpPr>
+        <a:xfrm>
+          <a:off x="0" y="0"/>
+          <a:ext cx="0" cy="0"/>
+          <a:chOff x="0" y="0"/>
+          <a:chExt cx="0" cy="0"/>
+        </a:xfrm>
+      </p:grpSpPr>
+      <p:sp>
+        <p:nvSpPr>
+          <p:cNvPr id="2" name="Title 1"/>
+          <p:cNvSpPr>
+            <a:spLocks noGrp="1"/>
+          </p:cNvSpPr>
+          <p:nvPr>
+            <p:ph type="title"/>
+          </p:nvPr>
+        </p:nvSpPr>
+        <p:spPr/>
+        <p:txBody>
+          <a:bodyPr/>
+          <a:lstStyle/>
+          <a:p>
+            <a:r>
+              <a:rPr lang="es-AR" dirty="0" smtClean="0"/>
+              <a:t>Experimentación (1)</a:t>
+            </a:r>
+            <a:endParaRPr lang="es-AR" dirty="0"/>
+          </a:p>
+        </p:txBody>
+      </p:sp>
+      <p:sp>
+        <p:nvSpPr>
+          <p:cNvPr id="3" name="Content Placeholder 2"/>
+          <p:cNvSpPr>
+            <a:spLocks noGrp="1"/>
+          </p:cNvSpPr>
+          <p:nvPr>
+            <p:ph idx="1"/>
+          </p:nvPr>
+        </p:nvSpPr>
+        <p:spPr/>
+        <p:txBody>
+          <a:bodyPr/>
+          <a:lstStyle/>
+          <a:p>
+            <a:r>
+              <a:rPr lang="es-AR" dirty="0" smtClean="0">
+                <a:latin typeface="+mj-lt"/>
+              </a:rPr>
+              <a:t>Objetivos: </a:t>
+            </a:r>
+          </a:p>
+          <a:p>
+            <a:pPr marL="880110" lvl="1" indent="-514350">
+              <a:buFont typeface="+mj-lt"/>
+              <a:buAutoNum type="arabicPeriod"/>
+            </a:pPr>
+            <a:r>
+              <a:rPr lang="es-AR" dirty="0" smtClean="0">
+                <a:latin typeface="+mj-lt"/>
+              </a:rPr>
+              <a:t>Encontrar la combinación óptima [algoritmo de aprendizaje de máquina / modelo de instancia].</a:t>
+            </a:r>
+          </a:p>
+          <a:p>
+            <a:pPr marL="880110" lvl="1" indent="-514350">
+              <a:buFont typeface="+mj-lt"/>
+              <a:buAutoNum type="arabicPeriod"/>
+            </a:pPr>
+            <a:r>
+              <a:rPr lang="es-AR" dirty="0" smtClean="0">
+                <a:latin typeface="+mj-lt"/>
+              </a:rPr>
+              <a:t>Evaluar el desempeño del clasificador  resultante.</a:t>
+            </a:r>
+          </a:p>
+          <a:p>
+            <a:endParaRPr lang="es-AR" dirty="0" smtClean="0">
+              <a:latin typeface="+mj-lt"/>
+            </a:endParaRPr>
+          </a:p>
+          <a:p>
+            <a:r>
+              <a:rPr lang="es-AR" dirty="0" smtClean="0">
+                <a:latin typeface="+mj-lt"/>
+              </a:rPr>
+              <a:t>Consideraciones  generales:</a:t>
+            </a:r>
+          </a:p>
+          <a:p>
+            <a:pPr lvl="1"/>
+            <a:r>
+              <a:rPr lang="es-AR" dirty="0" smtClean="0">
+                <a:latin typeface="+mj-lt"/>
+              </a:rPr>
+              <a:t>Utilización de la herramienta WEKA.</a:t>
+            </a:r>
+          </a:p>
+          <a:p>
+            <a:pPr lvl="1"/>
+            <a:r>
+              <a:rPr lang="es-AR" dirty="0" smtClean="0">
+                <a:latin typeface="+mj-lt"/>
+              </a:rPr>
+              <a:t>Se evaluaron 4 algoritmos de clasificación : [Reg. Lineal, SVM, Redes neuronales, Arboles Modelo]</a:t>
+            </a:r>
+          </a:p>
+          <a:p>
+            <a:pPr lvl="1"/>
+            <a:r>
+              <a:rPr lang="es-AR" dirty="0" smtClean="0">
+                <a:latin typeface="+mj-lt"/>
+              </a:rPr>
+              <a:t>Parametrización de los algoritmos</a:t>
+            </a:r>
+          </a:p>
+          <a:p>
+            <a:pPr lvl="1"/>
+            <a:endParaRPr lang="es-AR" dirty="0" smtClean="0">
+              <a:latin typeface="+mj-lt"/>
+            </a:endParaRPr>
+          </a:p>
+          <a:p>
+            <a:endParaRPr lang="es-AR" dirty="0" smtClean="0"/>
+          </a:p>
+        </p:txBody>
+      </p:sp>
+      <p:pic>
+        <p:nvPicPr>
+          <p:cNvPr id="32769" name="Picture 1"/>
+          <p:cNvPicPr>
+            <a:picLocks noChangeAspect="1" noChangeArrowheads="1"/>
+          </p:cNvPicPr>
+          <p:nvPr/>
+        </p:nvPicPr>
+        <p:blipFill>
+          <a:blip r:embed="rId3" cstate="print"/>
+          <a:srcRect/>
+          <a:stretch>
+            <a:fillRect/>
+          </a:stretch>
+        </p:blipFill>
+        <p:spPr bwMode="auto">
+          <a:xfrm>
+            <a:off x="7072330" y="3571876"/>
+            <a:ext cx="1714512" cy="1500198"/>
+          </a:xfrm>
+          <a:prstGeom prst="rect">
+            <a:avLst/>
+          </a:prstGeom>
+          <a:noFill/>
+          <a:ln w="9525">
+            <a:noFill/>
+            <a:miter lim="800000"/>
+            <a:headEnd/>
+            <a:tailEnd/>
+          </a:ln>
+          <a:effectLst/>
+        </p:spPr>
+      </p:pic>
+    </p:spTree>
+  </p:cSld>
+  <p:clrMapOvr>
+    <a:masterClrMapping/>
+  </p:clrMapOvr>
+  <p:timing>
+    <p:tnLst>
+      <p:par>
+        <p:cTn id="1" dur="indefinite" restart="never" nodeType="tmRoot"/>
+      </p:par>
+    </p:tnLst>
+  </p:timing>
+</p:sld>
+</file>
+
+<file path=ppt/slides/slide20.xml><?xml version="1.0" encoding="utf-8"?>
 <p:sld xmlns:a="http://schemas.openxmlformats.org/drawingml/2006/main" xmlns:r="http://schemas.openxmlformats.org/officeDocument/2006/relationships" xmlns:p="http://schemas.openxmlformats.org/presentationml/2006/main">
   <p:cSld>
     <p:spTree>
@@ -13620,7 +15116,7 @@
 </p:sld>
 </file>
 
-<file path=ppt/slides/slide16.xml><?xml version="1.0" encoding="utf-8"?>
+<file path=ppt/slides/slide21.xml><?xml version="1.0" encoding="utf-8"?>
 <p:sld xmlns:a="http://schemas.openxmlformats.org/drawingml/2006/main" xmlns:r="http://schemas.openxmlformats.org/officeDocument/2006/relationships" xmlns:p="http://schemas.openxmlformats.org/presentationml/2006/main">
   <p:cSld>
     <p:spTree>
@@ -13737,788 +15233,6 @@
           <a:xfrm>
             <a:off x="6429388" y="4214818"/>
             <a:ext cx="2428892" cy="2421893"/>
-          </a:xfrm>
-          <a:prstGeom prst="rect">
-            <a:avLst/>
-          </a:prstGeom>
-          <a:noFill/>
-          <a:ln w="9525">
-            <a:noFill/>
-            <a:miter lim="800000"/>
-            <a:headEnd/>
-            <a:tailEnd/>
-          </a:ln>
-          <a:effectLst/>
-        </p:spPr>
-      </p:pic>
-    </p:spTree>
-  </p:cSld>
-  <p:clrMapOvr>
-    <a:masterClrMapping/>
-  </p:clrMapOvr>
-  <p:timing>
-    <p:tnLst>
-      <p:par>
-        <p:cTn id="1" dur="indefinite" restart="never" nodeType="tmRoot"/>
-      </p:par>
-    </p:tnLst>
-  </p:timing>
-</p:sld>
-</file>
-
-<file path=ppt/slides/slide17.xml><?xml version="1.0" encoding="utf-8"?>
-<p:sld xmlns:a="http://schemas.openxmlformats.org/drawingml/2006/main" xmlns:r="http://schemas.openxmlformats.org/officeDocument/2006/relationships" xmlns:p="http://schemas.openxmlformats.org/presentationml/2006/main">
-  <p:cSld>
-    <p:spTree>
-      <p:nvGrpSpPr>
-        <p:cNvPr id="1" name=""/>
-        <p:cNvGrpSpPr/>
-        <p:nvPr/>
-      </p:nvGrpSpPr>
-      <p:grpSpPr>
-        <a:xfrm>
-          <a:off x="0" y="0"/>
-          <a:ext cx="0" cy="0"/>
-          <a:chOff x="0" y="0"/>
-          <a:chExt cx="0" cy="0"/>
-        </a:xfrm>
-      </p:grpSpPr>
-      <p:sp>
-        <p:nvSpPr>
-          <p:cNvPr id="2" name="1 Título"/>
-          <p:cNvSpPr>
-            <a:spLocks noGrp="1"/>
-          </p:cNvSpPr>
-          <p:nvPr>
-            <p:ph type="title"/>
-          </p:nvPr>
-        </p:nvSpPr>
-        <p:spPr/>
-        <p:txBody>
-          <a:bodyPr>
-            <a:normAutofit/>
-          </a:bodyPr>
-          <a:lstStyle/>
-          <a:p>
-            <a:r>
-              <a:rPr lang="es-US" dirty="0" smtClean="0"/>
-              <a:t>Surf-Forecaster (4)</a:t>
-            </a:r>
-            <a:endParaRPr lang="es-ES" dirty="0"/>
-          </a:p>
-        </p:txBody>
-      </p:sp>
-      <p:sp>
-        <p:nvSpPr>
-          <p:cNvPr id="5" name="4 Marcador de contenido"/>
-          <p:cNvSpPr>
-            <a:spLocks noGrp="1"/>
-          </p:cNvSpPr>
-          <p:nvPr>
-            <p:ph idx="1"/>
-          </p:nvPr>
-        </p:nvSpPr>
-        <p:spPr/>
-        <p:txBody>
-          <a:bodyPr>
-            <a:normAutofit/>
-          </a:bodyPr>
-          <a:lstStyle/>
-          <a:p>
-            <a:r>
-              <a:rPr lang="es-US" sz="2000" dirty="0" smtClean="0">
-                <a:latin typeface="+mj-lt"/>
-              </a:rPr>
-              <a:t>Página de inicio (Usuario anónimo)</a:t>
-            </a:r>
-            <a:endParaRPr lang="es-ES" sz="2000" dirty="0">
-              <a:latin typeface="+mj-lt"/>
-            </a:endParaRPr>
-          </a:p>
-        </p:txBody>
-      </p:sp>
-      <p:pic>
-        <p:nvPicPr>
-          <p:cNvPr id="55299" name="Picture 3"/>
-          <p:cNvPicPr>
-            <a:picLocks noChangeAspect="1" noChangeArrowheads="1"/>
-          </p:cNvPicPr>
-          <p:nvPr/>
-        </p:nvPicPr>
-        <p:blipFill>
-          <a:blip r:embed="rId2" cstate="print"/>
-          <a:srcRect/>
-          <a:stretch>
-            <a:fillRect/>
-          </a:stretch>
-        </p:blipFill>
-        <p:spPr bwMode="auto">
-          <a:xfrm>
-            <a:off x="142844" y="2571744"/>
-            <a:ext cx="8850959" cy="3571900"/>
-          </a:xfrm>
-          <a:prstGeom prst="rect">
-            <a:avLst/>
-          </a:prstGeom>
-          <a:noFill/>
-          <a:ln w="9525">
-            <a:noFill/>
-            <a:miter lim="800000"/>
-            <a:headEnd/>
-            <a:tailEnd/>
-          </a:ln>
-          <a:effectLst/>
-        </p:spPr>
-      </p:pic>
-    </p:spTree>
-  </p:cSld>
-  <p:clrMapOvr>
-    <a:masterClrMapping/>
-  </p:clrMapOvr>
-  <p:timing>
-    <p:tnLst>
-      <p:par>
-        <p:cTn id="1" dur="indefinite" restart="never" nodeType="tmRoot"/>
-      </p:par>
-    </p:tnLst>
-  </p:timing>
-</p:sld>
-</file>
-
-<file path=ppt/slides/slide18.xml><?xml version="1.0" encoding="utf-8"?>
-<p:sld xmlns:a="http://schemas.openxmlformats.org/drawingml/2006/main" xmlns:r="http://schemas.openxmlformats.org/officeDocument/2006/relationships" xmlns:p="http://schemas.openxmlformats.org/presentationml/2006/main">
-  <p:cSld>
-    <p:spTree>
-      <p:nvGrpSpPr>
-        <p:cNvPr id="1" name=""/>
-        <p:cNvGrpSpPr/>
-        <p:nvPr/>
-      </p:nvGrpSpPr>
-      <p:grpSpPr>
-        <a:xfrm>
-          <a:off x="0" y="0"/>
-          <a:ext cx="0" cy="0"/>
-          <a:chOff x="0" y="0"/>
-          <a:chExt cx="0" cy="0"/>
-        </a:xfrm>
-      </p:grpSpPr>
-      <p:sp>
-        <p:nvSpPr>
-          <p:cNvPr id="2" name="1 Título"/>
-          <p:cNvSpPr>
-            <a:spLocks noGrp="1"/>
-          </p:cNvSpPr>
-          <p:nvPr>
-            <p:ph type="title"/>
-          </p:nvPr>
-        </p:nvSpPr>
-        <p:spPr/>
-        <p:txBody>
-          <a:bodyPr/>
-          <a:lstStyle/>
-          <a:p>
-            <a:r>
-              <a:rPr lang="es-US" dirty="0" smtClean="0"/>
-              <a:t>Surf-Forecaster (5)</a:t>
-            </a:r>
-            <a:endParaRPr lang="es-ES" dirty="0"/>
-          </a:p>
-        </p:txBody>
-      </p:sp>
-      <p:sp>
-        <p:nvSpPr>
-          <p:cNvPr id="3" name="2 Marcador de contenido"/>
-          <p:cNvSpPr>
-            <a:spLocks noGrp="1"/>
-          </p:cNvSpPr>
-          <p:nvPr>
-            <p:ph idx="1"/>
-          </p:nvPr>
-        </p:nvSpPr>
-        <p:spPr/>
-        <p:txBody>
-          <a:bodyPr>
-            <a:normAutofit/>
-          </a:bodyPr>
-          <a:lstStyle/>
-          <a:p>
-            <a:r>
-              <a:rPr lang="es-US" sz="2000" dirty="0" smtClean="0">
-                <a:latin typeface="+mj-lt"/>
-              </a:rPr>
-              <a:t>Página de inicio (Usuario registrado)</a:t>
-            </a:r>
-            <a:endParaRPr lang="es-ES" sz="2000" dirty="0">
-              <a:latin typeface="+mj-lt"/>
-            </a:endParaRPr>
-          </a:p>
-        </p:txBody>
-      </p:sp>
-      <p:pic>
-        <p:nvPicPr>
-          <p:cNvPr id="56322" name="Picture 2"/>
-          <p:cNvPicPr>
-            <a:picLocks noChangeAspect="1" noChangeArrowheads="1"/>
-          </p:cNvPicPr>
-          <p:nvPr/>
-        </p:nvPicPr>
-        <p:blipFill>
-          <a:blip r:embed="rId2" cstate="print"/>
-          <a:srcRect/>
-          <a:stretch>
-            <a:fillRect/>
-          </a:stretch>
-        </p:blipFill>
-        <p:spPr bwMode="auto">
-          <a:xfrm>
-            <a:off x="142844" y="2571744"/>
-            <a:ext cx="8839333" cy="2928958"/>
-          </a:xfrm>
-          <a:prstGeom prst="rect">
-            <a:avLst/>
-          </a:prstGeom>
-          <a:noFill/>
-          <a:ln w="9525">
-            <a:noFill/>
-            <a:miter lim="800000"/>
-            <a:headEnd/>
-            <a:tailEnd/>
-          </a:ln>
-          <a:effectLst/>
-        </p:spPr>
-      </p:pic>
-    </p:spTree>
-  </p:cSld>
-  <p:clrMapOvr>
-    <a:masterClrMapping/>
-  </p:clrMapOvr>
-  <p:timing>
-    <p:tnLst>
-      <p:par>
-        <p:cTn id="1" dur="indefinite" restart="never" nodeType="tmRoot"/>
-      </p:par>
-    </p:tnLst>
-  </p:timing>
-</p:sld>
-</file>
-
-<file path=ppt/slides/slide19.xml><?xml version="1.0" encoding="utf-8"?>
-<p:sld xmlns:a="http://schemas.openxmlformats.org/drawingml/2006/main" xmlns:r="http://schemas.openxmlformats.org/officeDocument/2006/relationships" xmlns:p="http://schemas.openxmlformats.org/presentationml/2006/main">
-  <p:cSld>
-    <p:spTree>
-      <p:nvGrpSpPr>
-        <p:cNvPr id="1" name=""/>
-        <p:cNvGrpSpPr/>
-        <p:nvPr/>
-      </p:nvGrpSpPr>
-      <p:grpSpPr>
-        <a:xfrm>
-          <a:off x="0" y="0"/>
-          <a:ext cx="0" cy="0"/>
-          <a:chOff x="0" y="0"/>
-          <a:chExt cx="0" cy="0"/>
-        </a:xfrm>
-      </p:grpSpPr>
-      <p:sp>
-        <p:nvSpPr>
-          <p:cNvPr id="2" name="1 Título"/>
-          <p:cNvSpPr>
-            <a:spLocks noGrp="1"/>
-          </p:cNvSpPr>
-          <p:nvPr>
-            <p:ph type="title"/>
-          </p:nvPr>
-        </p:nvSpPr>
-        <p:spPr/>
-        <p:txBody>
-          <a:bodyPr/>
-          <a:lstStyle/>
-          <a:p>
-            <a:r>
-              <a:rPr lang="es-US" dirty="0" smtClean="0"/>
-              <a:t>Surf-Forecaster (6)</a:t>
-            </a:r>
-            <a:endParaRPr lang="es-ES" dirty="0"/>
-          </a:p>
-        </p:txBody>
-      </p:sp>
-      <p:sp>
-        <p:nvSpPr>
-          <p:cNvPr id="3" name="2 Marcador de contenido"/>
-          <p:cNvSpPr>
-            <a:spLocks noGrp="1"/>
-          </p:cNvSpPr>
-          <p:nvPr>
-            <p:ph idx="1"/>
-          </p:nvPr>
-        </p:nvSpPr>
-        <p:spPr/>
-        <p:txBody>
-          <a:bodyPr/>
-          <a:lstStyle/>
-          <a:p>
-            <a:r>
-              <a:rPr lang="es-US" sz="2000" dirty="0" smtClean="0">
-                <a:latin typeface="+mj-lt"/>
-              </a:rPr>
-              <a:t>Pronósticos</a:t>
-            </a:r>
-            <a:endParaRPr lang="es-ES" sz="2000" dirty="0">
-              <a:latin typeface="+mj-lt"/>
-            </a:endParaRPr>
-          </a:p>
-        </p:txBody>
-      </p:sp>
-      <p:pic>
-        <p:nvPicPr>
-          <p:cNvPr id="57347" name="Picture 3"/>
-          <p:cNvPicPr>
-            <a:picLocks noChangeAspect="1" noChangeArrowheads="1"/>
-          </p:cNvPicPr>
-          <p:nvPr/>
-        </p:nvPicPr>
-        <p:blipFill>
-          <a:blip r:embed="rId2" cstate="print"/>
-          <a:srcRect/>
-          <a:stretch>
-            <a:fillRect/>
-          </a:stretch>
-        </p:blipFill>
-        <p:spPr bwMode="auto">
-          <a:xfrm>
-            <a:off x="71406" y="2357430"/>
-            <a:ext cx="9029700" cy="4500570"/>
-          </a:xfrm>
-          <a:prstGeom prst="rect">
-            <a:avLst/>
-          </a:prstGeom>
-          <a:noFill/>
-          <a:ln w="9525">
-            <a:noFill/>
-            <a:miter lim="800000"/>
-            <a:headEnd/>
-            <a:tailEnd/>
-          </a:ln>
-          <a:effectLst/>
-        </p:spPr>
-      </p:pic>
-    </p:spTree>
-  </p:cSld>
-  <p:clrMapOvr>
-    <a:masterClrMapping/>
-  </p:clrMapOvr>
-  <p:timing>
-    <p:tnLst>
-      <p:par>
-        <p:cTn id="1" dur="indefinite" restart="never" nodeType="tmRoot"/>
-      </p:par>
-    </p:tnLst>
-  </p:timing>
-</p:sld>
-</file>
-
-<file path=ppt/slides/slide2.xml><?xml version="1.0" encoding="utf-8"?>
-<p:sld xmlns:a="http://schemas.openxmlformats.org/drawingml/2006/main" xmlns:r="http://schemas.openxmlformats.org/officeDocument/2006/relationships" xmlns:p="http://schemas.openxmlformats.org/presentationml/2006/main">
-  <p:cSld>
-    <p:spTree>
-      <p:nvGrpSpPr>
-        <p:cNvPr id="1" name=""/>
-        <p:cNvGrpSpPr/>
-        <p:nvPr/>
-      </p:nvGrpSpPr>
-      <p:grpSpPr>
-        <a:xfrm>
-          <a:off x="0" y="0"/>
-          <a:ext cx="0" cy="0"/>
-          <a:chOff x="0" y="0"/>
-          <a:chExt cx="0" cy="0"/>
-        </a:xfrm>
-      </p:grpSpPr>
-      <p:sp>
-        <p:nvSpPr>
-          <p:cNvPr id="2" name="Title 1"/>
-          <p:cNvSpPr>
-            <a:spLocks noGrp="1"/>
-          </p:cNvSpPr>
-          <p:nvPr>
-            <p:ph type="title"/>
-          </p:nvPr>
-        </p:nvSpPr>
-        <p:spPr/>
-        <p:txBody>
-          <a:bodyPr/>
-          <a:lstStyle/>
-          <a:p>
-            <a:r>
-              <a:rPr lang="es-AR" dirty="0" smtClean="0"/>
-              <a:t>Experimentación (1)</a:t>
-            </a:r>
-            <a:endParaRPr lang="es-AR" dirty="0"/>
-          </a:p>
-        </p:txBody>
-      </p:sp>
-      <p:sp>
-        <p:nvSpPr>
-          <p:cNvPr id="3" name="Content Placeholder 2"/>
-          <p:cNvSpPr>
-            <a:spLocks noGrp="1"/>
-          </p:cNvSpPr>
-          <p:nvPr>
-            <p:ph idx="1"/>
-          </p:nvPr>
-        </p:nvSpPr>
-        <p:spPr/>
-        <p:txBody>
-          <a:bodyPr/>
-          <a:lstStyle/>
-          <a:p>
-            <a:r>
-              <a:rPr lang="es-AR" dirty="0" smtClean="0">
-                <a:latin typeface="+mj-lt"/>
-              </a:rPr>
-              <a:t>Objetivos: </a:t>
-            </a:r>
-          </a:p>
-          <a:p>
-            <a:pPr marL="880110" lvl="1" indent="-514350">
-              <a:buFont typeface="+mj-lt"/>
-              <a:buAutoNum type="arabicPeriod"/>
-            </a:pPr>
-            <a:r>
-              <a:rPr lang="es-AR" dirty="0" smtClean="0">
-                <a:latin typeface="+mj-lt"/>
-              </a:rPr>
-              <a:t>Encontrar la combinación óptima [algoritmo de aprendizaje de máquina / modelo de instancia].</a:t>
-            </a:r>
-          </a:p>
-          <a:p>
-            <a:pPr marL="880110" lvl="1" indent="-514350">
-              <a:buFont typeface="+mj-lt"/>
-              <a:buAutoNum type="arabicPeriod"/>
-            </a:pPr>
-            <a:r>
-              <a:rPr lang="es-AR" dirty="0" smtClean="0">
-                <a:latin typeface="+mj-lt"/>
-              </a:rPr>
-              <a:t>Evaluar el desempeño del clasificador  resultante.</a:t>
-            </a:r>
-          </a:p>
-          <a:p>
-            <a:endParaRPr lang="es-AR" dirty="0" smtClean="0">
-              <a:latin typeface="+mj-lt"/>
-            </a:endParaRPr>
-          </a:p>
-          <a:p>
-            <a:r>
-              <a:rPr lang="es-AR" dirty="0" smtClean="0">
-                <a:latin typeface="+mj-lt"/>
-              </a:rPr>
-              <a:t>Consideraciones  generales:</a:t>
-            </a:r>
-          </a:p>
-          <a:p>
-            <a:pPr lvl="1"/>
-            <a:r>
-              <a:rPr lang="es-AR" dirty="0" smtClean="0">
-                <a:latin typeface="+mj-lt"/>
-              </a:rPr>
-              <a:t>Utilización de la herramienta WEKA.</a:t>
-            </a:r>
-          </a:p>
-          <a:p>
-            <a:pPr lvl="1"/>
-            <a:r>
-              <a:rPr lang="es-AR" dirty="0" smtClean="0">
-                <a:latin typeface="+mj-lt"/>
-              </a:rPr>
-              <a:t>Se evaluaron 4 algoritmos de clasificación : [Reg. Lineal, SVM, Redes neuronales, Arboles Modelo]</a:t>
-            </a:r>
-          </a:p>
-          <a:p>
-            <a:pPr lvl="1"/>
-            <a:r>
-              <a:rPr lang="es-AR" dirty="0" smtClean="0">
-                <a:latin typeface="+mj-lt"/>
-              </a:rPr>
-              <a:t>Parametrización de los algoritmos</a:t>
-            </a:r>
-          </a:p>
-          <a:p>
-            <a:pPr lvl="1"/>
-            <a:endParaRPr lang="es-AR" dirty="0" smtClean="0">
-              <a:latin typeface="+mj-lt"/>
-            </a:endParaRPr>
-          </a:p>
-          <a:p>
-            <a:endParaRPr lang="es-AR" dirty="0" smtClean="0"/>
-          </a:p>
-        </p:txBody>
-      </p:sp>
-      <p:pic>
-        <p:nvPicPr>
-          <p:cNvPr id="32769" name="Picture 1"/>
-          <p:cNvPicPr>
-            <a:picLocks noChangeAspect="1" noChangeArrowheads="1"/>
-          </p:cNvPicPr>
-          <p:nvPr/>
-        </p:nvPicPr>
-        <p:blipFill>
-          <a:blip r:embed="rId3" cstate="print"/>
-          <a:srcRect/>
-          <a:stretch>
-            <a:fillRect/>
-          </a:stretch>
-        </p:blipFill>
-        <p:spPr bwMode="auto">
-          <a:xfrm>
-            <a:off x="7072330" y="3571876"/>
-            <a:ext cx="1714512" cy="1500198"/>
-          </a:xfrm>
-          <a:prstGeom prst="rect">
-            <a:avLst/>
-          </a:prstGeom>
-          <a:noFill/>
-          <a:ln w="9525">
-            <a:noFill/>
-            <a:miter lim="800000"/>
-            <a:headEnd/>
-            <a:tailEnd/>
-          </a:ln>
-          <a:effectLst/>
-        </p:spPr>
-      </p:pic>
-    </p:spTree>
-  </p:cSld>
-  <p:clrMapOvr>
-    <a:masterClrMapping/>
-  </p:clrMapOvr>
-  <p:timing>
-    <p:tnLst>
-      <p:par>
-        <p:cTn id="1" dur="indefinite" restart="never" nodeType="tmRoot"/>
-      </p:par>
-    </p:tnLst>
-  </p:timing>
-</p:sld>
-</file>
-
-<file path=ppt/slides/slide20.xml><?xml version="1.0" encoding="utf-8"?>
-<p:sld xmlns:a="http://schemas.openxmlformats.org/drawingml/2006/main" xmlns:r="http://schemas.openxmlformats.org/officeDocument/2006/relationships" xmlns:p="http://schemas.openxmlformats.org/presentationml/2006/main">
-  <p:cSld>
-    <p:spTree>
-      <p:nvGrpSpPr>
-        <p:cNvPr id="1" name=""/>
-        <p:cNvGrpSpPr/>
-        <p:nvPr/>
-      </p:nvGrpSpPr>
-      <p:grpSpPr>
-        <a:xfrm>
-          <a:off x="0" y="0"/>
-          <a:ext cx="0" cy="0"/>
-          <a:chOff x="0" y="0"/>
-          <a:chExt cx="0" cy="0"/>
-        </a:xfrm>
-      </p:grpSpPr>
-      <p:sp>
-        <p:nvSpPr>
-          <p:cNvPr id="2" name="1 Título"/>
-          <p:cNvSpPr>
-            <a:spLocks noGrp="1"/>
-          </p:cNvSpPr>
-          <p:nvPr>
-            <p:ph type="title"/>
-          </p:nvPr>
-        </p:nvSpPr>
-        <p:spPr/>
-        <p:txBody>
-          <a:bodyPr/>
-          <a:lstStyle/>
-          <a:p>
-            <a:r>
-              <a:rPr lang="es-US" dirty="0" smtClean="0"/>
-              <a:t>Surf-Forecaster (7)</a:t>
-            </a:r>
-            <a:endParaRPr lang="es-ES" dirty="0"/>
-          </a:p>
-        </p:txBody>
-      </p:sp>
-      <p:sp>
-        <p:nvSpPr>
-          <p:cNvPr id="3" name="2 Marcador de contenido"/>
-          <p:cNvSpPr>
-            <a:spLocks noGrp="1"/>
-          </p:cNvSpPr>
-          <p:nvPr>
-            <p:ph idx="1"/>
-          </p:nvPr>
-        </p:nvSpPr>
-        <p:spPr/>
-        <p:txBody>
-          <a:bodyPr>
-            <a:normAutofit/>
-          </a:bodyPr>
-          <a:lstStyle/>
-          <a:p>
-            <a:r>
-              <a:rPr lang="es-US" sz="2000" dirty="0" smtClean="0">
-                <a:latin typeface="+mj-lt"/>
-              </a:rPr>
-              <a:t>Comparador  de olas (1)</a:t>
-            </a:r>
-            <a:endParaRPr lang="es-ES" sz="2000" dirty="0">
-              <a:latin typeface="+mj-lt"/>
-            </a:endParaRPr>
-          </a:p>
-        </p:txBody>
-      </p:sp>
-      <p:pic>
-        <p:nvPicPr>
-          <p:cNvPr id="58370" name="Picture 2"/>
-          <p:cNvPicPr>
-            <a:picLocks noChangeAspect="1" noChangeArrowheads="1"/>
-          </p:cNvPicPr>
-          <p:nvPr/>
-        </p:nvPicPr>
-        <p:blipFill>
-          <a:blip r:embed="rId2" cstate="print"/>
-          <a:srcRect/>
-          <a:stretch>
-            <a:fillRect/>
-          </a:stretch>
-        </p:blipFill>
-        <p:spPr bwMode="auto">
-          <a:xfrm>
-            <a:off x="39507" y="2305605"/>
-            <a:ext cx="9058239" cy="4552396"/>
-          </a:xfrm>
-          <a:prstGeom prst="rect">
-            <a:avLst/>
-          </a:prstGeom>
-          <a:noFill/>
-          <a:ln w="9525">
-            <a:noFill/>
-            <a:miter lim="800000"/>
-            <a:headEnd/>
-            <a:tailEnd/>
-          </a:ln>
-          <a:effectLst/>
-        </p:spPr>
-      </p:pic>
-    </p:spTree>
-  </p:cSld>
-  <p:clrMapOvr>
-    <a:masterClrMapping/>
-  </p:clrMapOvr>
-  <p:timing>
-    <p:tnLst>
-      <p:par>
-        <p:cTn id="1" dur="indefinite" restart="never" nodeType="tmRoot"/>
-      </p:par>
-    </p:tnLst>
-  </p:timing>
-</p:sld>
-</file>
-
-<file path=ppt/slides/slide21.xml><?xml version="1.0" encoding="utf-8"?>
-<p:sld xmlns:a="http://schemas.openxmlformats.org/drawingml/2006/main" xmlns:r="http://schemas.openxmlformats.org/officeDocument/2006/relationships" xmlns:p="http://schemas.openxmlformats.org/presentationml/2006/main">
-  <p:cSld>
-    <p:spTree>
-      <p:nvGrpSpPr>
-        <p:cNvPr id="1" name=""/>
-        <p:cNvGrpSpPr/>
-        <p:nvPr/>
-      </p:nvGrpSpPr>
-      <p:grpSpPr>
-        <a:xfrm>
-          <a:off x="0" y="0"/>
-          <a:ext cx="0" cy="0"/>
-          <a:chOff x="0" y="0"/>
-          <a:chExt cx="0" cy="0"/>
-        </a:xfrm>
-      </p:grpSpPr>
-      <p:sp>
-        <p:nvSpPr>
-          <p:cNvPr id="2" name="1 Título"/>
-          <p:cNvSpPr>
-            <a:spLocks noGrp="1"/>
-          </p:cNvSpPr>
-          <p:nvPr>
-            <p:ph type="title"/>
-          </p:nvPr>
-        </p:nvSpPr>
-        <p:spPr>
-          <a:xfrm>
-            <a:off x="457200" y="704088"/>
-            <a:ext cx="8229600" cy="653210"/>
-          </a:xfrm>
-        </p:spPr>
-        <p:txBody>
-          <a:bodyPr>
-            <a:normAutofit fontScale="90000"/>
-          </a:bodyPr>
-          <a:lstStyle/>
-          <a:p>
-            <a:r>
-              <a:rPr lang="es-US" dirty="0" smtClean="0"/>
-              <a:t>Surf-Forecaster (8)</a:t>
-            </a:r>
-            <a:endParaRPr lang="es-ES" dirty="0"/>
-          </a:p>
-        </p:txBody>
-      </p:sp>
-      <p:sp>
-        <p:nvSpPr>
-          <p:cNvPr id="3" name="2 Marcador de contenido"/>
-          <p:cNvSpPr>
-            <a:spLocks noGrp="1"/>
-          </p:cNvSpPr>
-          <p:nvPr>
-            <p:ph idx="1"/>
-          </p:nvPr>
-        </p:nvSpPr>
-        <p:spPr>
-          <a:xfrm>
-            <a:off x="428596" y="1428736"/>
-            <a:ext cx="8229600" cy="4389120"/>
-          </a:xfrm>
-        </p:spPr>
-        <p:txBody>
-          <a:bodyPr>
-            <a:normAutofit/>
-          </a:bodyPr>
-          <a:lstStyle/>
-          <a:p>
-            <a:r>
-              <a:rPr lang="es-US" sz="2000" dirty="0" smtClean="0">
-                <a:latin typeface="+mj-lt"/>
-              </a:rPr>
-              <a:t>Comparador  de olas (2)</a:t>
-            </a:r>
-            <a:endParaRPr lang="es-ES" sz="2000" dirty="0">
-              <a:latin typeface="+mj-lt"/>
-            </a:endParaRPr>
-          </a:p>
-        </p:txBody>
-      </p:sp>
-      <p:pic>
-        <p:nvPicPr>
-          <p:cNvPr id="59395" name="Picture 3"/>
-          <p:cNvPicPr>
-            <a:picLocks noChangeAspect="1" noChangeArrowheads="1"/>
-          </p:cNvPicPr>
-          <p:nvPr/>
-        </p:nvPicPr>
-        <p:blipFill>
-          <a:blip r:embed="rId2" cstate="print"/>
-          <a:srcRect/>
-          <a:stretch>
-            <a:fillRect/>
-          </a:stretch>
-        </p:blipFill>
-        <p:spPr bwMode="auto">
-          <a:xfrm>
-            <a:off x="1" y="1799173"/>
-            <a:ext cx="9144000" cy="5058827"/>
           </a:xfrm>
           <a:prstGeom prst="rect">
             <a:avLst/>
@@ -14575,21 +15289,16 @@
             <p:ph type="title"/>
           </p:nvPr>
         </p:nvSpPr>
-        <p:spPr>
-          <a:xfrm>
-            <a:off x="457200" y="704088"/>
-            <a:ext cx="8229600" cy="653210"/>
-          </a:xfrm>
-        </p:spPr>
+        <p:spPr/>
         <p:txBody>
           <a:bodyPr>
-            <a:normAutofit fontScale="90000"/>
+            <a:normAutofit/>
           </a:bodyPr>
           <a:lstStyle/>
           <a:p>
             <a:r>
               <a:rPr lang="es-US" dirty="0" smtClean="0"/>
-              <a:t>Surf-Forecaster (9)</a:t>
+              <a:t>Surf-Forecaster (4)</a:t>
             </a:r>
             <a:endParaRPr lang="es-ES" dirty="0"/>
           </a:p>
@@ -14597,7 +15306,7 @@
       </p:sp>
       <p:sp>
         <p:nvSpPr>
-          <p:cNvPr id="3" name="2 Marcador de contenido"/>
+          <p:cNvPr id="5" name="4 Marcador de contenido"/>
           <p:cNvSpPr>
             <a:spLocks noGrp="1"/>
           </p:cNvSpPr>
@@ -14605,12 +15314,7 @@
             <p:ph idx="1"/>
           </p:nvPr>
         </p:nvSpPr>
-        <p:spPr>
-          <a:xfrm>
-            <a:off x="428596" y="1428736"/>
-            <a:ext cx="8229600" cy="4389120"/>
-          </a:xfrm>
-        </p:spPr>
+        <p:spPr/>
         <p:txBody>
           <a:bodyPr>
             <a:normAutofit/>
@@ -14621,7 +15325,7 @@
               <a:rPr lang="es-US" sz="2000" dirty="0" smtClean="0">
                 <a:latin typeface="+mj-lt"/>
               </a:rPr>
-              <a:t>Comparador de olas (3)</a:t>
+              <a:t>Página de inicio (Usuario anónimo)</a:t>
             </a:r>
             <a:endParaRPr lang="es-ES" sz="2000" dirty="0">
               <a:latin typeface="+mj-lt"/>
@@ -14631,7 +15335,7 @@
       </p:sp>
       <p:pic>
         <p:nvPicPr>
-          <p:cNvPr id="60418" name="Picture 2"/>
+          <p:cNvPr id="55299" name="Picture 3"/>
           <p:cNvPicPr>
             <a:picLocks noChangeAspect="1" noChangeArrowheads="1"/>
           </p:cNvPicPr>
@@ -14646,8 +15350,8 @@
         </p:blipFill>
         <p:spPr bwMode="auto">
           <a:xfrm>
-            <a:off x="0" y="1813785"/>
-            <a:ext cx="9144000" cy="5044216"/>
+            <a:off x="142844" y="2571744"/>
+            <a:ext cx="8850959" cy="3571900"/>
           </a:xfrm>
           <a:prstGeom prst="rect">
             <a:avLst/>
@@ -14704,6 +15408,613 @@
             <p:ph type="title"/>
           </p:nvPr>
         </p:nvSpPr>
+        <p:spPr/>
+        <p:txBody>
+          <a:bodyPr/>
+          <a:lstStyle/>
+          <a:p>
+            <a:r>
+              <a:rPr lang="es-US" dirty="0" smtClean="0"/>
+              <a:t>Surf-Forecaster (5)</a:t>
+            </a:r>
+            <a:endParaRPr lang="es-ES" dirty="0"/>
+          </a:p>
+        </p:txBody>
+      </p:sp>
+      <p:sp>
+        <p:nvSpPr>
+          <p:cNvPr id="3" name="2 Marcador de contenido"/>
+          <p:cNvSpPr>
+            <a:spLocks noGrp="1"/>
+          </p:cNvSpPr>
+          <p:nvPr>
+            <p:ph idx="1"/>
+          </p:nvPr>
+        </p:nvSpPr>
+        <p:spPr/>
+        <p:txBody>
+          <a:bodyPr>
+            <a:normAutofit/>
+          </a:bodyPr>
+          <a:lstStyle/>
+          <a:p>
+            <a:r>
+              <a:rPr lang="es-US" sz="2000" dirty="0" smtClean="0">
+                <a:latin typeface="+mj-lt"/>
+              </a:rPr>
+              <a:t>Página de inicio (Usuario registrado)</a:t>
+            </a:r>
+            <a:endParaRPr lang="es-ES" sz="2000" dirty="0">
+              <a:latin typeface="+mj-lt"/>
+            </a:endParaRPr>
+          </a:p>
+        </p:txBody>
+      </p:sp>
+      <p:pic>
+        <p:nvPicPr>
+          <p:cNvPr id="56322" name="Picture 2"/>
+          <p:cNvPicPr>
+            <a:picLocks noChangeAspect="1" noChangeArrowheads="1"/>
+          </p:cNvPicPr>
+          <p:nvPr/>
+        </p:nvPicPr>
+        <p:blipFill>
+          <a:blip r:embed="rId2" cstate="print"/>
+          <a:srcRect/>
+          <a:stretch>
+            <a:fillRect/>
+          </a:stretch>
+        </p:blipFill>
+        <p:spPr bwMode="auto">
+          <a:xfrm>
+            <a:off x="142844" y="2571744"/>
+            <a:ext cx="8839333" cy="2928958"/>
+          </a:xfrm>
+          <a:prstGeom prst="rect">
+            <a:avLst/>
+          </a:prstGeom>
+          <a:noFill/>
+          <a:ln w="9525">
+            <a:noFill/>
+            <a:miter lim="800000"/>
+            <a:headEnd/>
+            <a:tailEnd/>
+          </a:ln>
+          <a:effectLst/>
+        </p:spPr>
+      </p:pic>
+    </p:spTree>
+  </p:cSld>
+  <p:clrMapOvr>
+    <a:masterClrMapping/>
+  </p:clrMapOvr>
+  <p:timing>
+    <p:tnLst>
+      <p:par>
+        <p:cTn id="1" dur="indefinite" restart="never" nodeType="tmRoot"/>
+      </p:par>
+    </p:tnLst>
+  </p:timing>
+</p:sld>
+</file>
+
+<file path=ppt/slides/slide24.xml><?xml version="1.0" encoding="utf-8"?>
+<p:sld xmlns:a="http://schemas.openxmlformats.org/drawingml/2006/main" xmlns:r="http://schemas.openxmlformats.org/officeDocument/2006/relationships" xmlns:p="http://schemas.openxmlformats.org/presentationml/2006/main">
+  <p:cSld>
+    <p:spTree>
+      <p:nvGrpSpPr>
+        <p:cNvPr id="1" name=""/>
+        <p:cNvGrpSpPr/>
+        <p:nvPr/>
+      </p:nvGrpSpPr>
+      <p:grpSpPr>
+        <a:xfrm>
+          <a:off x="0" y="0"/>
+          <a:ext cx="0" cy="0"/>
+          <a:chOff x="0" y="0"/>
+          <a:chExt cx="0" cy="0"/>
+        </a:xfrm>
+      </p:grpSpPr>
+      <p:sp>
+        <p:nvSpPr>
+          <p:cNvPr id="2" name="1 Título"/>
+          <p:cNvSpPr>
+            <a:spLocks noGrp="1"/>
+          </p:cNvSpPr>
+          <p:nvPr>
+            <p:ph type="title"/>
+          </p:nvPr>
+        </p:nvSpPr>
+        <p:spPr/>
+        <p:txBody>
+          <a:bodyPr/>
+          <a:lstStyle/>
+          <a:p>
+            <a:r>
+              <a:rPr lang="es-US" dirty="0" smtClean="0"/>
+              <a:t>Surf-Forecaster (6)</a:t>
+            </a:r>
+            <a:endParaRPr lang="es-ES" dirty="0"/>
+          </a:p>
+        </p:txBody>
+      </p:sp>
+      <p:sp>
+        <p:nvSpPr>
+          <p:cNvPr id="3" name="2 Marcador de contenido"/>
+          <p:cNvSpPr>
+            <a:spLocks noGrp="1"/>
+          </p:cNvSpPr>
+          <p:nvPr>
+            <p:ph idx="1"/>
+          </p:nvPr>
+        </p:nvSpPr>
+        <p:spPr/>
+        <p:txBody>
+          <a:bodyPr/>
+          <a:lstStyle/>
+          <a:p>
+            <a:r>
+              <a:rPr lang="es-US" sz="2000" dirty="0" smtClean="0">
+                <a:latin typeface="+mj-lt"/>
+              </a:rPr>
+              <a:t>Pronósticos</a:t>
+            </a:r>
+            <a:endParaRPr lang="es-ES" sz="2000" dirty="0">
+              <a:latin typeface="+mj-lt"/>
+            </a:endParaRPr>
+          </a:p>
+        </p:txBody>
+      </p:sp>
+      <p:pic>
+        <p:nvPicPr>
+          <p:cNvPr id="57347" name="Picture 3"/>
+          <p:cNvPicPr>
+            <a:picLocks noChangeAspect="1" noChangeArrowheads="1"/>
+          </p:cNvPicPr>
+          <p:nvPr/>
+        </p:nvPicPr>
+        <p:blipFill>
+          <a:blip r:embed="rId2" cstate="print"/>
+          <a:srcRect/>
+          <a:stretch>
+            <a:fillRect/>
+          </a:stretch>
+        </p:blipFill>
+        <p:spPr bwMode="auto">
+          <a:xfrm>
+            <a:off x="71406" y="2357430"/>
+            <a:ext cx="9029700" cy="4500570"/>
+          </a:xfrm>
+          <a:prstGeom prst="rect">
+            <a:avLst/>
+          </a:prstGeom>
+          <a:noFill/>
+          <a:ln w="9525">
+            <a:noFill/>
+            <a:miter lim="800000"/>
+            <a:headEnd/>
+            <a:tailEnd/>
+          </a:ln>
+          <a:effectLst/>
+        </p:spPr>
+      </p:pic>
+    </p:spTree>
+  </p:cSld>
+  <p:clrMapOvr>
+    <a:masterClrMapping/>
+  </p:clrMapOvr>
+  <p:timing>
+    <p:tnLst>
+      <p:par>
+        <p:cTn id="1" dur="indefinite" restart="never" nodeType="tmRoot"/>
+      </p:par>
+    </p:tnLst>
+  </p:timing>
+</p:sld>
+</file>
+
+<file path=ppt/slides/slide25.xml><?xml version="1.0" encoding="utf-8"?>
+<p:sld xmlns:a="http://schemas.openxmlformats.org/drawingml/2006/main" xmlns:r="http://schemas.openxmlformats.org/officeDocument/2006/relationships" xmlns:p="http://schemas.openxmlformats.org/presentationml/2006/main">
+  <p:cSld>
+    <p:spTree>
+      <p:nvGrpSpPr>
+        <p:cNvPr id="1" name=""/>
+        <p:cNvGrpSpPr/>
+        <p:nvPr/>
+      </p:nvGrpSpPr>
+      <p:grpSpPr>
+        <a:xfrm>
+          <a:off x="0" y="0"/>
+          <a:ext cx="0" cy="0"/>
+          <a:chOff x="0" y="0"/>
+          <a:chExt cx="0" cy="0"/>
+        </a:xfrm>
+      </p:grpSpPr>
+      <p:sp>
+        <p:nvSpPr>
+          <p:cNvPr id="2" name="1 Título"/>
+          <p:cNvSpPr>
+            <a:spLocks noGrp="1"/>
+          </p:cNvSpPr>
+          <p:nvPr>
+            <p:ph type="title"/>
+          </p:nvPr>
+        </p:nvSpPr>
+        <p:spPr/>
+        <p:txBody>
+          <a:bodyPr/>
+          <a:lstStyle/>
+          <a:p>
+            <a:r>
+              <a:rPr lang="es-US" dirty="0" smtClean="0"/>
+              <a:t>Surf-Forecaster (7)</a:t>
+            </a:r>
+            <a:endParaRPr lang="es-ES" dirty="0"/>
+          </a:p>
+        </p:txBody>
+      </p:sp>
+      <p:sp>
+        <p:nvSpPr>
+          <p:cNvPr id="3" name="2 Marcador de contenido"/>
+          <p:cNvSpPr>
+            <a:spLocks noGrp="1"/>
+          </p:cNvSpPr>
+          <p:nvPr>
+            <p:ph idx="1"/>
+          </p:nvPr>
+        </p:nvSpPr>
+        <p:spPr/>
+        <p:txBody>
+          <a:bodyPr>
+            <a:normAutofit/>
+          </a:bodyPr>
+          <a:lstStyle/>
+          <a:p>
+            <a:r>
+              <a:rPr lang="es-US" sz="2000" dirty="0" smtClean="0">
+                <a:latin typeface="+mj-lt"/>
+              </a:rPr>
+              <a:t>Comparador  de olas (1)</a:t>
+            </a:r>
+            <a:endParaRPr lang="es-ES" sz="2000" dirty="0">
+              <a:latin typeface="+mj-lt"/>
+            </a:endParaRPr>
+          </a:p>
+        </p:txBody>
+      </p:sp>
+      <p:pic>
+        <p:nvPicPr>
+          <p:cNvPr id="58370" name="Picture 2"/>
+          <p:cNvPicPr>
+            <a:picLocks noChangeAspect="1" noChangeArrowheads="1"/>
+          </p:cNvPicPr>
+          <p:nvPr/>
+        </p:nvPicPr>
+        <p:blipFill>
+          <a:blip r:embed="rId2" cstate="print"/>
+          <a:srcRect/>
+          <a:stretch>
+            <a:fillRect/>
+          </a:stretch>
+        </p:blipFill>
+        <p:spPr bwMode="auto">
+          <a:xfrm>
+            <a:off x="39507" y="2305605"/>
+            <a:ext cx="9058239" cy="4552396"/>
+          </a:xfrm>
+          <a:prstGeom prst="rect">
+            <a:avLst/>
+          </a:prstGeom>
+          <a:noFill/>
+          <a:ln w="9525">
+            <a:noFill/>
+            <a:miter lim="800000"/>
+            <a:headEnd/>
+            <a:tailEnd/>
+          </a:ln>
+          <a:effectLst/>
+        </p:spPr>
+      </p:pic>
+    </p:spTree>
+  </p:cSld>
+  <p:clrMapOvr>
+    <a:masterClrMapping/>
+  </p:clrMapOvr>
+  <p:timing>
+    <p:tnLst>
+      <p:par>
+        <p:cTn id="1" dur="indefinite" restart="never" nodeType="tmRoot"/>
+      </p:par>
+    </p:tnLst>
+  </p:timing>
+</p:sld>
+</file>
+
+<file path=ppt/slides/slide26.xml><?xml version="1.0" encoding="utf-8"?>
+<p:sld xmlns:a="http://schemas.openxmlformats.org/drawingml/2006/main" xmlns:r="http://schemas.openxmlformats.org/officeDocument/2006/relationships" xmlns:p="http://schemas.openxmlformats.org/presentationml/2006/main">
+  <p:cSld>
+    <p:spTree>
+      <p:nvGrpSpPr>
+        <p:cNvPr id="1" name=""/>
+        <p:cNvGrpSpPr/>
+        <p:nvPr/>
+      </p:nvGrpSpPr>
+      <p:grpSpPr>
+        <a:xfrm>
+          <a:off x="0" y="0"/>
+          <a:ext cx="0" cy="0"/>
+          <a:chOff x="0" y="0"/>
+          <a:chExt cx="0" cy="0"/>
+        </a:xfrm>
+      </p:grpSpPr>
+      <p:sp>
+        <p:nvSpPr>
+          <p:cNvPr id="2" name="1 Título"/>
+          <p:cNvSpPr>
+            <a:spLocks noGrp="1"/>
+          </p:cNvSpPr>
+          <p:nvPr>
+            <p:ph type="title"/>
+          </p:nvPr>
+        </p:nvSpPr>
+        <p:spPr>
+          <a:xfrm>
+            <a:off x="457200" y="704088"/>
+            <a:ext cx="8229600" cy="653210"/>
+          </a:xfrm>
+        </p:spPr>
+        <p:txBody>
+          <a:bodyPr>
+            <a:normAutofit fontScale="90000"/>
+          </a:bodyPr>
+          <a:lstStyle/>
+          <a:p>
+            <a:r>
+              <a:rPr lang="es-US" dirty="0" smtClean="0"/>
+              <a:t>Surf-Forecaster (8)</a:t>
+            </a:r>
+            <a:endParaRPr lang="es-ES" dirty="0"/>
+          </a:p>
+        </p:txBody>
+      </p:sp>
+      <p:sp>
+        <p:nvSpPr>
+          <p:cNvPr id="3" name="2 Marcador de contenido"/>
+          <p:cNvSpPr>
+            <a:spLocks noGrp="1"/>
+          </p:cNvSpPr>
+          <p:nvPr>
+            <p:ph idx="1"/>
+          </p:nvPr>
+        </p:nvSpPr>
+        <p:spPr>
+          <a:xfrm>
+            <a:off x="428596" y="1428736"/>
+            <a:ext cx="8229600" cy="4389120"/>
+          </a:xfrm>
+        </p:spPr>
+        <p:txBody>
+          <a:bodyPr>
+            <a:normAutofit/>
+          </a:bodyPr>
+          <a:lstStyle/>
+          <a:p>
+            <a:r>
+              <a:rPr lang="es-US" sz="2000" dirty="0" smtClean="0">
+                <a:latin typeface="+mj-lt"/>
+              </a:rPr>
+              <a:t>Comparador  de olas (2)</a:t>
+            </a:r>
+            <a:endParaRPr lang="es-ES" sz="2000" dirty="0">
+              <a:latin typeface="+mj-lt"/>
+            </a:endParaRPr>
+          </a:p>
+        </p:txBody>
+      </p:sp>
+      <p:pic>
+        <p:nvPicPr>
+          <p:cNvPr id="59395" name="Picture 3"/>
+          <p:cNvPicPr>
+            <a:picLocks noChangeAspect="1" noChangeArrowheads="1"/>
+          </p:cNvPicPr>
+          <p:nvPr/>
+        </p:nvPicPr>
+        <p:blipFill>
+          <a:blip r:embed="rId2" cstate="print"/>
+          <a:srcRect/>
+          <a:stretch>
+            <a:fillRect/>
+          </a:stretch>
+        </p:blipFill>
+        <p:spPr bwMode="auto">
+          <a:xfrm>
+            <a:off x="1" y="1799173"/>
+            <a:ext cx="9144000" cy="5058827"/>
+          </a:xfrm>
+          <a:prstGeom prst="rect">
+            <a:avLst/>
+          </a:prstGeom>
+          <a:noFill/>
+          <a:ln w="9525">
+            <a:noFill/>
+            <a:miter lim="800000"/>
+            <a:headEnd/>
+            <a:tailEnd/>
+          </a:ln>
+          <a:effectLst/>
+        </p:spPr>
+      </p:pic>
+    </p:spTree>
+  </p:cSld>
+  <p:clrMapOvr>
+    <a:masterClrMapping/>
+  </p:clrMapOvr>
+  <p:timing>
+    <p:tnLst>
+      <p:par>
+        <p:cTn id="1" dur="indefinite" restart="never" nodeType="tmRoot"/>
+      </p:par>
+    </p:tnLst>
+  </p:timing>
+</p:sld>
+</file>
+
+<file path=ppt/slides/slide27.xml><?xml version="1.0" encoding="utf-8"?>
+<p:sld xmlns:a="http://schemas.openxmlformats.org/drawingml/2006/main" xmlns:r="http://schemas.openxmlformats.org/officeDocument/2006/relationships" xmlns:p="http://schemas.openxmlformats.org/presentationml/2006/main">
+  <p:cSld>
+    <p:spTree>
+      <p:nvGrpSpPr>
+        <p:cNvPr id="1" name=""/>
+        <p:cNvGrpSpPr/>
+        <p:nvPr/>
+      </p:nvGrpSpPr>
+      <p:grpSpPr>
+        <a:xfrm>
+          <a:off x="0" y="0"/>
+          <a:ext cx="0" cy="0"/>
+          <a:chOff x="0" y="0"/>
+          <a:chExt cx="0" cy="0"/>
+        </a:xfrm>
+      </p:grpSpPr>
+      <p:sp>
+        <p:nvSpPr>
+          <p:cNvPr id="2" name="1 Título"/>
+          <p:cNvSpPr>
+            <a:spLocks noGrp="1"/>
+          </p:cNvSpPr>
+          <p:nvPr>
+            <p:ph type="title"/>
+          </p:nvPr>
+        </p:nvSpPr>
+        <p:spPr>
+          <a:xfrm>
+            <a:off x="457200" y="704088"/>
+            <a:ext cx="8229600" cy="653210"/>
+          </a:xfrm>
+        </p:spPr>
+        <p:txBody>
+          <a:bodyPr>
+            <a:normAutofit fontScale="90000"/>
+          </a:bodyPr>
+          <a:lstStyle/>
+          <a:p>
+            <a:r>
+              <a:rPr lang="es-US" dirty="0" smtClean="0"/>
+              <a:t>Surf-Forecaster (9)</a:t>
+            </a:r>
+            <a:endParaRPr lang="es-ES" dirty="0"/>
+          </a:p>
+        </p:txBody>
+      </p:sp>
+      <p:sp>
+        <p:nvSpPr>
+          <p:cNvPr id="3" name="2 Marcador de contenido"/>
+          <p:cNvSpPr>
+            <a:spLocks noGrp="1"/>
+          </p:cNvSpPr>
+          <p:nvPr>
+            <p:ph idx="1"/>
+          </p:nvPr>
+        </p:nvSpPr>
+        <p:spPr>
+          <a:xfrm>
+            <a:off x="428596" y="1428736"/>
+            <a:ext cx="8229600" cy="4389120"/>
+          </a:xfrm>
+        </p:spPr>
+        <p:txBody>
+          <a:bodyPr>
+            <a:normAutofit/>
+          </a:bodyPr>
+          <a:lstStyle/>
+          <a:p>
+            <a:r>
+              <a:rPr lang="es-US" sz="2000" dirty="0" smtClean="0">
+                <a:latin typeface="+mj-lt"/>
+              </a:rPr>
+              <a:t>Comparador de olas (3)</a:t>
+            </a:r>
+            <a:endParaRPr lang="es-ES" sz="2000" dirty="0">
+              <a:latin typeface="+mj-lt"/>
+            </a:endParaRPr>
+          </a:p>
+        </p:txBody>
+      </p:sp>
+      <p:pic>
+        <p:nvPicPr>
+          <p:cNvPr id="60418" name="Picture 2"/>
+          <p:cNvPicPr>
+            <a:picLocks noChangeAspect="1" noChangeArrowheads="1"/>
+          </p:cNvPicPr>
+          <p:nvPr/>
+        </p:nvPicPr>
+        <p:blipFill>
+          <a:blip r:embed="rId2" cstate="print"/>
+          <a:srcRect/>
+          <a:stretch>
+            <a:fillRect/>
+          </a:stretch>
+        </p:blipFill>
+        <p:spPr bwMode="auto">
+          <a:xfrm>
+            <a:off x="0" y="1813785"/>
+            <a:ext cx="9144000" cy="5044216"/>
+          </a:xfrm>
+          <a:prstGeom prst="rect">
+            <a:avLst/>
+          </a:prstGeom>
+          <a:noFill/>
+          <a:ln w="9525">
+            <a:noFill/>
+            <a:miter lim="800000"/>
+            <a:headEnd/>
+            <a:tailEnd/>
+          </a:ln>
+          <a:effectLst/>
+        </p:spPr>
+      </p:pic>
+    </p:spTree>
+  </p:cSld>
+  <p:clrMapOvr>
+    <a:masterClrMapping/>
+  </p:clrMapOvr>
+  <p:timing>
+    <p:tnLst>
+      <p:par>
+        <p:cTn id="1" dur="indefinite" restart="never" nodeType="tmRoot"/>
+      </p:par>
+    </p:tnLst>
+  </p:timing>
+</p:sld>
+</file>
+
+<file path=ppt/slides/slide28.xml><?xml version="1.0" encoding="utf-8"?>
+<p:sld xmlns:a="http://schemas.openxmlformats.org/drawingml/2006/main" xmlns:r="http://schemas.openxmlformats.org/officeDocument/2006/relationships" xmlns:p="http://schemas.openxmlformats.org/presentationml/2006/main">
+  <p:cSld>
+    <p:spTree>
+      <p:nvGrpSpPr>
+        <p:cNvPr id="1" name=""/>
+        <p:cNvGrpSpPr/>
+        <p:nvPr/>
+      </p:nvGrpSpPr>
+      <p:grpSpPr>
+        <a:xfrm>
+          <a:off x="0" y="0"/>
+          <a:ext cx="0" cy="0"/>
+          <a:chOff x="0" y="0"/>
+          <a:chExt cx="0" cy="0"/>
+        </a:xfrm>
+      </p:grpSpPr>
+      <p:sp>
+        <p:nvSpPr>
+          <p:cNvPr id="2" name="1 Título"/>
+          <p:cNvSpPr>
+            <a:spLocks noGrp="1"/>
+          </p:cNvSpPr>
+          <p:nvPr>
+            <p:ph type="title"/>
+          </p:nvPr>
+        </p:nvSpPr>
         <p:spPr>
           <a:xfrm>
             <a:off x="457200" y="704088"/>
@@ -14806,7 +16117,7 @@
 </p:sld>
 </file>
 
-<file path=ppt/slides/slide24.xml><?xml version="1.0" encoding="utf-8"?>
+<file path=ppt/slides/slide29.xml><?xml version="1.0" encoding="utf-8"?>
 <p:sld xmlns:a="http://schemas.openxmlformats.org/drawingml/2006/main" xmlns:r="http://schemas.openxmlformats.org/officeDocument/2006/relationships" xmlns:p="http://schemas.openxmlformats.org/presentationml/2006/main">
   <p:cSld>
     <p:spTree>
@@ -15091,7 +16402,163 @@
 </p:sld>
 </file>
 
-<file path=ppt/slides/slide25.xml><?xml version="1.0" encoding="utf-8"?>
+<file path=ppt/slides/slide3.xml><?xml version="1.0" encoding="utf-8"?>
+<p:sld xmlns:a="http://schemas.openxmlformats.org/drawingml/2006/main" xmlns:r="http://schemas.openxmlformats.org/officeDocument/2006/relationships" xmlns:p="http://schemas.openxmlformats.org/presentationml/2006/main">
+  <p:cSld>
+    <p:spTree>
+      <p:nvGrpSpPr>
+        <p:cNvPr id="1" name=""/>
+        <p:cNvGrpSpPr/>
+        <p:nvPr/>
+      </p:nvGrpSpPr>
+      <p:grpSpPr>
+        <a:xfrm>
+          <a:off x="0" y="0"/>
+          <a:ext cx="0" cy="0"/>
+          <a:chOff x="0" y="0"/>
+          <a:chExt cx="0" cy="0"/>
+        </a:xfrm>
+      </p:grpSpPr>
+      <p:sp>
+        <p:nvSpPr>
+          <p:cNvPr id="2" name="1 Título"/>
+          <p:cNvSpPr>
+            <a:spLocks noGrp="1"/>
+          </p:cNvSpPr>
+          <p:nvPr>
+            <p:ph type="title"/>
+          </p:nvPr>
+        </p:nvSpPr>
+        <p:spPr/>
+        <p:txBody>
+          <a:bodyPr/>
+          <a:lstStyle/>
+          <a:p>
+            <a:r>
+              <a:rPr lang="es-US" dirty="0" smtClean="0"/>
+              <a:t>Experimentación (2)</a:t>
+            </a:r>
+            <a:endParaRPr lang="es-ES" dirty="0"/>
+          </a:p>
+        </p:txBody>
+      </p:sp>
+      <p:sp>
+        <p:nvSpPr>
+          <p:cNvPr id="3" name="2 Marcador de contenido"/>
+          <p:cNvSpPr>
+            <a:spLocks noGrp="1"/>
+          </p:cNvSpPr>
+          <p:nvPr>
+            <p:ph idx="1"/>
+          </p:nvPr>
+        </p:nvSpPr>
+        <p:spPr/>
+        <p:txBody>
+          <a:bodyPr/>
+          <a:lstStyle/>
+          <a:p>
+            <a:r>
+              <a:rPr lang="es-US" dirty="0" smtClean="0">
+                <a:latin typeface="+mj-lt"/>
+              </a:rPr>
+              <a:t>Técnica de validación cruzada de 10 conjuntos</a:t>
+            </a:r>
+          </a:p>
+          <a:p>
+            <a:endParaRPr lang="es-US" dirty="0" smtClean="0">
+              <a:latin typeface="+mj-lt"/>
+            </a:endParaRPr>
+          </a:p>
+          <a:p>
+            <a:r>
+              <a:rPr lang="es-US" dirty="0" smtClean="0">
+                <a:latin typeface="+mj-lt"/>
+              </a:rPr>
+              <a:t>Métricas de evaluación:</a:t>
+            </a:r>
+          </a:p>
+          <a:p>
+            <a:pPr lvl="1"/>
+            <a:r>
+              <a:rPr lang="es-US" dirty="0" smtClean="0">
+                <a:latin typeface="+mj-lt"/>
+              </a:rPr>
+              <a:t>Correlación -&gt; [-1, 1]</a:t>
+            </a:r>
+          </a:p>
+          <a:p>
+            <a:pPr lvl="1"/>
+            <a:r>
+              <a:rPr lang="es-US" dirty="0" smtClean="0">
+                <a:latin typeface="+mj-lt"/>
+              </a:rPr>
+              <a:t>Error absoluto promedio (MAE) [mts.]</a:t>
+            </a:r>
+          </a:p>
+          <a:p>
+            <a:endParaRPr lang="es-US" dirty="0" smtClean="0">
+              <a:latin typeface="+mj-lt"/>
+            </a:endParaRPr>
+          </a:p>
+          <a:p>
+            <a:r>
+              <a:rPr lang="es-US" dirty="0" smtClean="0">
+                <a:latin typeface="+mj-lt"/>
+              </a:rPr>
+              <a:t>Modelos de instancia</a:t>
+            </a:r>
+          </a:p>
+        </p:txBody>
+      </p:sp>
+      <p:pic>
+        <p:nvPicPr>
+          <p:cNvPr id="30723" name="Picture 3"/>
+          <p:cNvPicPr>
+            <a:picLocks noChangeAspect="1" noChangeArrowheads="1"/>
+          </p:cNvPicPr>
+          <p:nvPr/>
+        </p:nvPicPr>
+        <p:blipFill>
+          <a:blip r:embed="rId3" cstate="print"/>
+          <a:srcRect/>
+          <a:stretch>
+            <a:fillRect/>
+          </a:stretch>
+        </p:blipFill>
+        <p:spPr bwMode="auto">
+          <a:xfrm>
+            <a:off x="7000875" y="4572008"/>
+            <a:ext cx="2143125" cy="2133600"/>
+          </a:xfrm>
+          <a:prstGeom prst="rect">
+            <a:avLst/>
+          </a:prstGeom>
+          <a:noFill/>
+          <a:ln w="9525">
+            <a:noFill/>
+            <a:miter lim="800000"/>
+            <a:headEnd/>
+            <a:tailEnd/>
+          </a:ln>
+          <a:effectLst/>
+        </p:spPr>
+      </p:pic>
+    </p:spTree>
+  </p:cSld>
+  <p:clrMapOvr>
+    <a:masterClrMapping/>
+  </p:clrMapOvr>
+  <p:timing>
+    <p:tnLst>
+      <p:par>
+        <p:cTn id="1" dur="indefinite" restart="never" nodeType="tmRoot"/>
+      </p:par>
+    </p:tnLst>
+  </p:timing>
+</p:sld>
+</file>
+
+<file path=ppt/slides/slide30.xml><?xml version="1.0" encoding="utf-8"?>
 <p:sld xmlns:a="http://schemas.openxmlformats.org/drawingml/2006/main" xmlns:r="http://schemas.openxmlformats.org/officeDocument/2006/relationships" xmlns:p="http://schemas.openxmlformats.org/presentationml/2006/main">
   <p:cSld>
     <p:spTree>
@@ -15507,7 +16974,7 @@
 </p:sld>
 </file>
 
-<file path=ppt/slides/slide26.xml><?xml version="1.0" encoding="utf-8"?>
+<file path=ppt/slides/slide31.xml><?xml version="1.0" encoding="utf-8"?>
 <p:sld xmlns:a="http://schemas.openxmlformats.org/drawingml/2006/main" xmlns:r="http://schemas.openxmlformats.org/officeDocument/2006/relationships" xmlns:p="http://schemas.openxmlformats.org/presentationml/2006/main">
   <p:cSld>
     <p:spTree>
@@ -15737,7 +17204,7 @@
 </p:sld>
 </file>
 
-<file path=ppt/slides/slide27.xml><?xml version="1.0" encoding="utf-8"?>
+<file path=ppt/slides/slide32.xml><?xml version="1.0" encoding="utf-8"?>
 <p:sld xmlns:a="http://schemas.openxmlformats.org/drawingml/2006/main" xmlns:r="http://schemas.openxmlformats.org/officeDocument/2006/relationships" xmlns:p="http://schemas.openxmlformats.org/presentationml/2006/main">
   <p:cSld>
     <p:spTree>
@@ -15883,7 +17350,7 @@
 </p:sld>
 </file>
 
-<file path=ppt/slides/slide28.xml><?xml version="1.0" encoding="utf-8"?>
+<file path=ppt/slides/slide33.xml><?xml version="1.0" encoding="utf-8"?>
 <p:sld xmlns:a="http://schemas.openxmlformats.org/drawingml/2006/main" xmlns:r="http://schemas.openxmlformats.org/officeDocument/2006/relationships" xmlns:p="http://schemas.openxmlformats.org/presentationml/2006/main">
   <p:cSld>
     <p:spTree>
@@ -15969,8 +17436,23 @@
               <a:rPr lang="es-US" dirty="0" smtClean="0">
                 <a:latin typeface="+mj-lt"/>
               </a:rPr>
-              <a:t>En algunos casos depende de la geografía o arquitectura de la zona.</a:t>
-            </a:r>
+              <a:t>Cambios en </a:t>
+            </a:r>
+            <a:r>
+              <a:rPr lang="es-US" dirty="0" smtClean="0">
+                <a:latin typeface="+mj-lt"/>
+              </a:rPr>
+              <a:t>la geografía o arquitectura de la </a:t>
+            </a:r>
+            <a:r>
+              <a:rPr lang="es-US" dirty="0" smtClean="0">
+                <a:latin typeface="+mj-lt"/>
+              </a:rPr>
+              <a:t>zona podrían requerir observaciones visuales actualizadas.</a:t>
+            </a:r>
+            <a:endParaRPr lang="es-US" dirty="0" smtClean="0">
+              <a:latin typeface="+mj-lt"/>
+            </a:endParaRPr>
           </a:p>
           <a:p>
             <a:pPr lvl="1"/>
@@ -16001,7 +17483,7 @@
 </p:sld>
 </file>
 
-<file path=ppt/slides/slide29.xml><?xml version="1.0" encoding="utf-8"?>
+<file path=ppt/slides/slide34.xml><?xml version="1.0" encoding="utf-8"?>
 <p:sld xmlns:a="http://schemas.openxmlformats.org/drawingml/2006/main" xmlns:r="http://schemas.openxmlformats.org/officeDocument/2006/relationships" xmlns:p="http://schemas.openxmlformats.org/presentationml/2006/main">
   <p:cSld>
     <p:spTree>
@@ -16067,162 +17549,6 @@
             <a:avLst/>
           </a:prstGeom>
           <a:noFill/>
-        </p:spPr>
-      </p:pic>
-    </p:spTree>
-  </p:cSld>
-  <p:clrMapOvr>
-    <a:masterClrMapping/>
-  </p:clrMapOvr>
-  <p:timing>
-    <p:tnLst>
-      <p:par>
-        <p:cTn id="1" dur="indefinite" restart="never" nodeType="tmRoot"/>
-      </p:par>
-    </p:tnLst>
-  </p:timing>
-</p:sld>
-</file>
-
-<file path=ppt/slides/slide3.xml><?xml version="1.0" encoding="utf-8"?>
-<p:sld xmlns:a="http://schemas.openxmlformats.org/drawingml/2006/main" xmlns:r="http://schemas.openxmlformats.org/officeDocument/2006/relationships" xmlns:p="http://schemas.openxmlformats.org/presentationml/2006/main">
-  <p:cSld>
-    <p:spTree>
-      <p:nvGrpSpPr>
-        <p:cNvPr id="1" name=""/>
-        <p:cNvGrpSpPr/>
-        <p:nvPr/>
-      </p:nvGrpSpPr>
-      <p:grpSpPr>
-        <a:xfrm>
-          <a:off x="0" y="0"/>
-          <a:ext cx="0" cy="0"/>
-          <a:chOff x="0" y="0"/>
-          <a:chExt cx="0" cy="0"/>
-        </a:xfrm>
-      </p:grpSpPr>
-      <p:sp>
-        <p:nvSpPr>
-          <p:cNvPr id="2" name="1 Título"/>
-          <p:cNvSpPr>
-            <a:spLocks noGrp="1"/>
-          </p:cNvSpPr>
-          <p:nvPr>
-            <p:ph type="title"/>
-          </p:nvPr>
-        </p:nvSpPr>
-        <p:spPr/>
-        <p:txBody>
-          <a:bodyPr/>
-          <a:lstStyle/>
-          <a:p>
-            <a:r>
-              <a:rPr lang="es-US" dirty="0" smtClean="0"/>
-              <a:t>Experimentación (2)</a:t>
-            </a:r>
-            <a:endParaRPr lang="es-ES" dirty="0"/>
-          </a:p>
-        </p:txBody>
-      </p:sp>
-      <p:sp>
-        <p:nvSpPr>
-          <p:cNvPr id="3" name="2 Marcador de contenido"/>
-          <p:cNvSpPr>
-            <a:spLocks noGrp="1"/>
-          </p:cNvSpPr>
-          <p:nvPr>
-            <p:ph idx="1"/>
-          </p:nvPr>
-        </p:nvSpPr>
-        <p:spPr/>
-        <p:txBody>
-          <a:bodyPr/>
-          <a:lstStyle/>
-          <a:p>
-            <a:r>
-              <a:rPr lang="es-US" dirty="0" smtClean="0">
-                <a:latin typeface="+mj-lt"/>
-              </a:rPr>
-              <a:t>Técnica de validación cruzada de 10 conjuntos</a:t>
-            </a:r>
-          </a:p>
-          <a:p>
-            <a:endParaRPr lang="es-US" dirty="0" smtClean="0">
-              <a:latin typeface="+mj-lt"/>
-            </a:endParaRPr>
-          </a:p>
-          <a:p>
-            <a:r>
-              <a:rPr lang="es-US" dirty="0" smtClean="0">
-                <a:latin typeface="+mj-lt"/>
-              </a:rPr>
-              <a:t>Métricas de evaluación:</a:t>
-            </a:r>
-          </a:p>
-          <a:p>
-            <a:pPr lvl="1"/>
-            <a:r>
-              <a:rPr lang="es-US" dirty="0" smtClean="0">
-                <a:latin typeface="+mj-lt"/>
-              </a:rPr>
-              <a:t>Correlación -&gt; [-1, 1]</a:t>
-            </a:r>
-          </a:p>
-          <a:p>
-            <a:pPr lvl="1"/>
-            <a:r>
-              <a:rPr lang="es-US" dirty="0" smtClean="0">
-                <a:latin typeface="+mj-lt"/>
-              </a:rPr>
-              <a:t>Error absoluto promedio (MAE) [mts.]</a:t>
-            </a:r>
-          </a:p>
-          <a:p>
-            <a:endParaRPr lang="es-US" dirty="0" smtClean="0">
-              <a:latin typeface="+mj-lt"/>
-            </a:endParaRPr>
-          </a:p>
-          <a:p>
-            <a:r>
-              <a:rPr lang="es-US" dirty="0" smtClean="0">
-                <a:latin typeface="+mj-lt"/>
-              </a:rPr>
-              <a:t>Modelos de instancia</a:t>
-            </a:r>
-          </a:p>
-        </p:txBody>
-      </p:sp>
-      <p:pic>
-        <p:nvPicPr>
-          <p:cNvPr id="30723" name="Picture 3"/>
-          <p:cNvPicPr>
-            <a:picLocks noChangeAspect="1" noChangeArrowheads="1"/>
-          </p:cNvPicPr>
-          <p:nvPr/>
-        </p:nvPicPr>
-        <p:blipFill>
-          <a:blip r:embed="rId3" cstate="print"/>
-          <a:srcRect/>
-          <a:stretch>
-            <a:fillRect/>
-          </a:stretch>
-        </p:blipFill>
-        <p:spPr bwMode="auto">
-          <a:xfrm>
-            <a:off x="7000875" y="4572008"/>
-            <a:ext cx="2143125" cy="2133600"/>
-          </a:xfrm>
-          <a:prstGeom prst="rect">
-            <a:avLst/>
-          </a:prstGeom>
-          <a:noFill/>
-          <a:ln w="9525">
-            <a:noFill/>
-            <a:miter lim="800000"/>
-            <a:headEnd/>
-            <a:tailEnd/>
-          </a:ln>
-          <a:effectLst/>
         </p:spPr>
       </p:pic>
     </p:spTree>
@@ -22338,7 +23664,7 @@
         <p:spPr/>
         <p:txBody>
           <a:bodyPr>
-            <a:normAutofit lnSpcReduction="10000"/>
+            <a:normAutofit/>
           </a:bodyPr>
           <a:lstStyle/>
           <a:p>
@@ -22346,20 +23672,17 @@
               <a:rPr lang="es-US" dirty="0" smtClean="0">
                 <a:latin typeface="+mj-lt"/>
               </a:rPr>
-              <a:t>Resultados generales</a:t>
-            </a:r>
-            <a:endParaRPr lang="es-ES" dirty="0" smtClean="0">
-              <a:latin typeface="+mj-lt"/>
-            </a:endParaRPr>
-          </a:p>
-          <a:p>
-            <a:pPr lvl="1"/>
+              <a:t>Resultados </a:t>
+            </a:r>
             <a:r>
               <a:rPr lang="es-US" dirty="0" smtClean="0">
                 <a:latin typeface="+mj-lt"/>
               </a:rPr>
-              <a:t>Basados en:</a:t>
-            </a:r>
+              <a:t>generales (1)</a:t>
+            </a:r>
+            <a:endParaRPr lang="es-US" dirty="0" smtClean="0">
+              <a:latin typeface="+mj-lt"/>
+            </a:endParaRPr>
           </a:p>
           <a:p>
             <a:pPr lvl="2"/>
@@ -22503,138 +23826,16 @@
           </a:p>
         </p:txBody>
       </p:sp>
-      <p:sp>
-        <p:nvSpPr>
-          <p:cNvPr id="3" name="2 Marcador de contenido"/>
-          <p:cNvSpPr>
-            <a:spLocks noGrp="1"/>
-          </p:cNvSpPr>
-          <p:nvPr>
-            <p:ph idx="1"/>
-          </p:nvPr>
-        </p:nvSpPr>
-        <p:spPr/>
-        <p:txBody>
-          <a:bodyPr>
-            <a:normAutofit lnSpcReduction="10000"/>
-          </a:bodyPr>
-          <a:lstStyle/>
-          <a:p>
-            <a:r>
-              <a:rPr lang="es-US" dirty="0" smtClean="0">
-                <a:latin typeface="+mj-lt"/>
-              </a:rPr>
-              <a:t>Resultados generales</a:t>
-            </a:r>
-          </a:p>
-          <a:p>
-            <a:endParaRPr lang="es-US" dirty="0" smtClean="0">
-              <a:latin typeface="+mj-lt"/>
-            </a:endParaRPr>
-          </a:p>
-          <a:p>
-            <a:endParaRPr lang="es-US" dirty="0" smtClean="0">
-              <a:latin typeface="+mj-lt"/>
-            </a:endParaRPr>
-          </a:p>
-          <a:p>
-            <a:endParaRPr lang="es-US" dirty="0" smtClean="0">
-              <a:latin typeface="+mj-lt"/>
-            </a:endParaRPr>
-          </a:p>
-          <a:p>
-            <a:endParaRPr lang="es-US" dirty="0" smtClean="0">
-              <a:latin typeface="+mj-lt"/>
-            </a:endParaRPr>
-          </a:p>
-          <a:p>
-            <a:endParaRPr lang="es-US" dirty="0" smtClean="0">
-              <a:latin typeface="+mj-lt"/>
-            </a:endParaRPr>
-          </a:p>
-          <a:p>
-            <a:endParaRPr lang="es-US" dirty="0" smtClean="0">
-              <a:latin typeface="+mj-lt"/>
-            </a:endParaRPr>
-          </a:p>
-          <a:p>
-            <a:endParaRPr lang="es-US" dirty="0" smtClean="0">
-              <a:latin typeface="+mj-lt"/>
-            </a:endParaRPr>
-          </a:p>
-          <a:p>
-            <a:endParaRPr lang="es-US" dirty="0" smtClean="0">
-              <a:latin typeface="+mj-lt"/>
-            </a:endParaRPr>
-          </a:p>
-          <a:p>
-            <a:r>
-              <a:rPr lang="es-US" dirty="0" smtClean="0">
-                <a:latin typeface="+mj-lt"/>
-              </a:rPr>
-              <a:t>Optimo [SVM/WW3Last3DaysStrategy]</a:t>
-            </a:r>
-          </a:p>
-          <a:p>
-            <a:endParaRPr lang="es-US" dirty="0" smtClean="0"/>
-          </a:p>
-          <a:p>
-            <a:endParaRPr lang="es-US" dirty="0" smtClean="0"/>
-          </a:p>
-          <a:p>
-            <a:endParaRPr lang="es-US" dirty="0" smtClean="0"/>
-          </a:p>
-          <a:p>
-            <a:endParaRPr lang="es-US" dirty="0" smtClean="0"/>
-          </a:p>
-          <a:p>
-            <a:endParaRPr lang="es-US" dirty="0" smtClean="0"/>
-          </a:p>
-          <a:p>
-            <a:endParaRPr lang="es-US" dirty="0" smtClean="0"/>
-          </a:p>
-          <a:p>
-            <a:pPr>
-              <a:buNone/>
-            </a:pPr>
-            <a:endParaRPr lang="es-ES" dirty="0">
-              <a:solidFill>
-                <a:schemeClr val="accent6"/>
-              </a:solidFill>
-            </a:endParaRPr>
-          </a:p>
-        </p:txBody>
-      </p:sp>
-      <p:graphicFrame>
-        <p:nvGraphicFramePr>
-          <p:cNvPr id="22533" name="Object 5"/>
-          <p:cNvGraphicFramePr>
-            <a:graphicFrameLocks noChangeAspect="1"/>
-          </p:cNvGraphicFramePr>
-          <p:nvPr/>
-        </p:nvGraphicFramePr>
-        <p:xfrm>
-          <a:off x="571472" y="2377112"/>
-          <a:ext cx="7953618" cy="3429024"/>
-        </p:xfrm>
-        <a:graphic>
-          <a:graphicData uri="http://schemas.openxmlformats.org/presentationml/2006/ole">
-            <p:oleObj spid="_x0000_s1026" name="Hoja de cálculo" r:id="rId4" imgW="5590137" imgH="2409567" progId="Excel.Sheet.12">
-              <p:embed/>
-            </p:oleObj>
-          </a:graphicData>
-        </a:graphic>
-      </p:graphicFrame>
       <p:pic>
         <p:nvPicPr>
-          <p:cNvPr id="22534" name="Picture 6"/>
+          <p:cNvPr id="33796" name="Picture 4"/>
           <p:cNvPicPr>
             <a:picLocks noChangeAspect="1" noChangeArrowheads="1"/>
           </p:cNvPicPr>
           <p:nvPr/>
         </p:nvPicPr>
         <p:blipFill>
-          <a:blip r:embed="rId5" cstate="print"/>
+          <a:blip r:embed="rId2"/>
           <a:srcRect/>
           <a:stretch>
             <a:fillRect/>
@@ -22642,8 +23843,8 @@
         </p:blipFill>
         <p:spPr bwMode="auto">
           <a:xfrm>
-            <a:off x="874476" y="5568277"/>
-            <a:ext cx="85725" cy="66675"/>
+            <a:off x="0" y="1971690"/>
+            <a:ext cx="9123106" cy="4886310"/>
           </a:xfrm>
           <a:prstGeom prst="rect">
             <a:avLst/>
@@ -22707,701 +23908,26 @@
           <a:p>
             <a:r>
               <a:rPr lang="es-US" dirty="0" smtClean="0"/>
-              <a:t>Experimentación (8)</a:t>
+              <a:t>Experimentación </a:t>
+            </a:r>
+            <a:r>
+              <a:rPr lang="es-US" dirty="0" smtClean="0"/>
+              <a:t>(8)</a:t>
             </a:r>
             <a:endParaRPr lang="es-ES" dirty="0"/>
           </a:p>
         </p:txBody>
       </p:sp>
-      <p:sp>
-        <p:nvSpPr>
-          <p:cNvPr id="3" name="2 Marcador de contenido"/>
-          <p:cNvSpPr>
-            <a:spLocks noGrp="1"/>
-          </p:cNvSpPr>
-          <p:nvPr>
-            <p:ph idx="1"/>
-          </p:nvPr>
-        </p:nvSpPr>
-        <p:spPr/>
-        <p:txBody>
-          <a:bodyPr/>
-          <a:lstStyle/>
-          <a:p>
-            <a:r>
-              <a:rPr lang="es-US" dirty="0" smtClean="0">
-                <a:latin typeface="+mj-lt"/>
-              </a:rPr>
-              <a:t>Resultados detallados para la ola “Makaha”</a:t>
-            </a:r>
-          </a:p>
-        </p:txBody>
-      </p:sp>
-      <p:graphicFrame>
-        <p:nvGraphicFramePr>
-          <p:cNvPr id="6" name="5 Tabla"/>
-          <p:cNvGraphicFramePr>
-            <a:graphicFrameLocks noGrp="1"/>
-          </p:cNvGraphicFramePr>
-          <p:nvPr/>
-        </p:nvGraphicFramePr>
-        <p:xfrm>
-          <a:off x="857224" y="3214686"/>
-          <a:ext cx="3786214" cy="773432"/>
-        </p:xfrm>
-        <a:graphic>
-          <a:graphicData uri="http://schemas.openxmlformats.org/drawingml/2006/table">
-            <a:tbl>
-              <a:tblPr/>
-              <a:tblGrid>
-                <a:gridCol w="1920731"/>
-                <a:gridCol w="1865483"/>
-              </a:tblGrid>
-              <a:tr h="285752">
-                <a:tc>
-                  <a:txBody>
-                    <a:bodyPr/>
-                    <a:lstStyle/>
-                    <a:p>
-                      <a:pPr algn="ctr">
-                        <a:spcAft>
-                          <a:spcPts val="1000"/>
-                        </a:spcAft>
-                      </a:pPr>
-                      <a:r>
-                        <a:rPr lang="es-ES" sz="1600" b="1" dirty="0">
-                          <a:solidFill>
-                            <a:srgbClr val="000000"/>
-                          </a:solidFill>
-                          <a:latin typeface="Calibri"/>
-                          <a:ea typeface="Times New Roman"/>
-                          <a:cs typeface="Times New Roman"/>
-                        </a:rPr>
-                        <a:t>Correlación WW3 / Obs. Visual</a:t>
-                      </a:r>
-                      <a:endParaRPr lang="es-ES" sz="1600" dirty="0">
-                        <a:latin typeface="Times New Roman"/>
-                        <a:ea typeface="Times New Roman"/>
-                        <a:cs typeface="Times New Roman"/>
-                      </a:endParaRPr>
-                    </a:p>
-                  </a:txBody>
-                  <a:tcPr marL="68580" marR="68580" marT="0" marB="0">
-                    <a:lnL w="12700" cap="flat" cmpd="sng" algn="ctr">
-                      <a:solidFill>
-                        <a:srgbClr val="000000"/>
-                      </a:solidFill>
-                      <a:prstDash val="solid"/>
-                      <a:round/>
-                      <a:headEnd type="none" w="med" len="med"/>
-                      <a:tailEnd type="none" w="med" len="med"/>
-                    </a:lnL>
-                    <a:lnR w="12700" cap="flat" cmpd="sng" algn="ctr">
-                      <a:solidFill>
-                        <a:srgbClr val="000000"/>
-                      </a:solidFill>
-                      <a:prstDash val="solid"/>
-                      <a:round/>
-                      <a:headEnd type="none" w="med" len="med"/>
-                      <a:tailEnd type="none" w="med" len="med"/>
-                    </a:lnR>
-                    <a:lnT w="12700" cap="flat" cmpd="sng" algn="ctr">
-                      <a:solidFill>
-                        <a:srgbClr val="000000"/>
-                      </a:solidFill>
-                      <a:prstDash val="solid"/>
-                      <a:round/>
-                      <a:headEnd type="none" w="med" len="med"/>
-                      <a:tailEnd type="none" w="med" len="med"/>
-                    </a:lnT>
-                    <a:lnB w="12700" cap="flat" cmpd="sng" algn="ctr">
-                      <a:solidFill>
-                        <a:srgbClr val="000000"/>
-                      </a:solidFill>
-                      <a:prstDash val="solid"/>
-                      <a:round/>
-                      <a:headEnd type="none" w="med" len="med"/>
-                      <a:tailEnd type="none" w="med" len="med"/>
-                    </a:lnB>
-                    <a:pattFill prst="pct10">
-                      <a:fgClr>
-                        <a:srgbClr val="FFFFFF"/>
-                      </a:fgClr>
-                      <a:bgClr>
-                        <a:srgbClr val="E5E5E5"/>
-                      </a:bgClr>
-                    </a:pattFill>
-                  </a:tcPr>
-                </a:tc>
-                <a:tc>
-                  <a:txBody>
-                    <a:bodyPr/>
-                    <a:lstStyle/>
-                    <a:p>
-                      <a:pPr algn="ctr">
-                        <a:spcAft>
-                          <a:spcPts val="1000"/>
-                        </a:spcAft>
-                      </a:pPr>
-                      <a:r>
-                        <a:rPr lang="es-ES" sz="1600" b="1" dirty="0">
-                          <a:solidFill>
-                            <a:srgbClr val="000000"/>
-                          </a:solidFill>
-                          <a:latin typeface="Calibri"/>
-                          <a:ea typeface="Times New Roman"/>
-                          <a:cs typeface="Times New Roman"/>
-                        </a:rPr>
-                        <a:t>Correlación SVM / </a:t>
-                      </a:r>
-                      <a:r>
-                        <a:rPr lang="es-ES" sz="1600" b="1" dirty="0" err="1">
-                          <a:solidFill>
-                            <a:srgbClr val="000000"/>
-                          </a:solidFill>
-                          <a:latin typeface="Calibri"/>
-                          <a:ea typeface="Times New Roman"/>
-                          <a:cs typeface="Times New Roman"/>
-                        </a:rPr>
-                        <a:t>Obs</a:t>
-                      </a:r>
-                      <a:r>
-                        <a:rPr lang="es-ES" sz="1600" b="1" dirty="0">
-                          <a:solidFill>
-                            <a:srgbClr val="000000"/>
-                          </a:solidFill>
-                          <a:latin typeface="Calibri"/>
-                          <a:ea typeface="Times New Roman"/>
-                          <a:cs typeface="Times New Roman"/>
-                        </a:rPr>
-                        <a:t>. Visual</a:t>
-                      </a:r>
-                      <a:endParaRPr lang="es-ES" sz="1600" dirty="0">
-                        <a:latin typeface="Times New Roman"/>
-                        <a:ea typeface="Times New Roman"/>
-                        <a:cs typeface="Times New Roman"/>
-                      </a:endParaRPr>
-                    </a:p>
-                  </a:txBody>
-                  <a:tcPr marL="68580" marR="68580" marT="0" marB="0">
-                    <a:lnL w="12700" cap="flat" cmpd="sng" algn="ctr">
-                      <a:solidFill>
-                        <a:srgbClr val="000000"/>
-                      </a:solidFill>
-                      <a:prstDash val="solid"/>
-                      <a:round/>
-                      <a:headEnd type="none" w="med" len="med"/>
-                      <a:tailEnd type="none" w="med" len="med"/>
-                    </a:lnL>
-                    <a:lnR w="12700" cap="flat" cmpd="sng" algn="ctr">
-                      <a:solidFill>
-                        <a:srgbClr val="000000"/>
-                      </a:solidFill>
-                      <a:prstDash val="solid"/>
-                      <a:round/>
-                      <a:headEnd type="none" w="med" len="med"/>
-                      <a:tailEnd type="none" w="med" len="med"/>
-                    </a:lnR>
-                    <a:lnT w="12700" cap="flat" cmpd="sng" algn="ctr">
-                      <a:solidFill>
-                        <a:srgbClr val="000000"/>
-                      </a:solidFill>
-                      <a:prstDash val="solid"/>
-                      <a:round/>
-                      <a:headEnd type="none" w="med" len="med"/>
-                      <a:tailEnd type="none" w="med" len="med"/>
-                    </a:lnT>
-                    <a:lnB w="12700" cap="flat" cmpd="sng" algn="ctr">
-                      <a:solidFill>
-                        <a:srgbClr val="000000"/>
-                      </a:solidFill>
-                      <a:prstDash val="solid"/>
-                      <a:round/>
-                      <a:headEnd type="none" w="med" len="med"/>
-                      <a:tailEnd type="none" w="med" len="med"/>
-                    </a:lnB>
-                    <a:pattFill prst="pct10">
-                      <a:fgClr>
-                        <a:srgbClr val="FFFFFF"/>
-                      </a:fgClr>
-                      <a:bgClr>
-                        <a:srgbClr val="E5E5E5"/>
-                      </a:bgClr>
-                    </a:pattFill>
-                  </a:tcPr>
-                </a:tc>
-              </a:tr>
-              <a:tr h="285752">
-                <a:tc>
-                  <a:txBody>
-                    <a:bodyPr/>
-                    <a:lstStyle/>
-                    <a:p>
-                      <a:pPr algn="ctr">
-                        <a:spcAft>
-                          <a:spcPts val="1000"/>
-                        </a:spcAft>
-                      </a:pPr>
-                      <a:r>
-                        <a:rPr lang="es-ES" sz="1600" dirty="0" smtClean="0">
-                          <a:solidFill>
-                            <a:srgbClr val="000000"/>
-                          </a:solidFill>
-                          <a:latin typeface="Calibri"/>
-                          <a:ea typeface="Times New Roman"/>
-                          <a:cs typeface="Times New Roman"/>
-                        </a:rPr>
-                        <a:t>66%</a:t>
-                      </a:r>
-                      <a:endParaRPr lang="es-ES" sz="1600" dirty="0">
-                        <a:latin typeface="Times New Roman"/>
-                        <a:ea typeface="Times New Roman"/>
-                        <a:cs typeface="Times New Roman"/>
-                      </a:endParaRPr>
-                    </a:p>
-                  </a:txBody>
-                  <a:tcPr marL="68580" marR="68580" marT="0" marB="0">
-                    <a:lnL w="12700" cap="flat" cmpd="sng" algn="ctr">
-                      <a:solidFill>
-                        <a:srgbClr val="000000"/>
-                      </a:solidFill>
-                      <a:prstDash val="solid"/>
-                      <a:round/>
-                      <a:headEnd type="none" w="med" len="med"/>
-                      <a:tailEnd type="none" w="med" len="med"/>
-                    </a:lnL>
-                    <a:lnR w="12700" cap="flat" cmpd="sng" algn="ctr">
-                      <a:solidFill>
-                        <a:srgbClr val="000000"/>
-                      </a:solidFill>
-                      <a:prstDash val="solid"/>
-                      <a:round/>
-                      <a:headEnd type="none" w="med" len="med"/>
-                      <a:tailEnd type="none" w="med" len="med"/>
-                    </a:lnR>
-                    <a:lnT w="12700" cap="flat" cmpd="sng" algn="ctr">
-                      <a:solidFill>
-                        <a:srgbClr val="000000"/>
-                      </a:solidFill>
-                      <a:prstDash val="solid"/>
-                      <a:round/>
-                      <a:headEnd type="none" w="med" len="med"/>
-                      <a:tailEnd type="none" w="med" len="med"/>
-                    </a:lnT>
-                    <a:lnB w="12700" cap="flat" cmpd="sng" algn="ctr">
-                      <a:solidFill>
-                        <a:srgbClr val="000000"/>
-                      </a:solidFill>
-                      <a:prstDash val="solid"/>
-                      <a:round/>
-                      <a:headEnd type="none" w="med" len="med"/>
-                      <a:tailEnd type="none" w="med" len="med"/>
-                    </a:lnB>
-                  </a:tcPr>
-                </a:tc>
-                <a:tc>
-                  <a:txBody>
-                    <a:bodyPr/>
-                    <a:lstStyle/>
-                    <a:p>
-                      <a:pPr algn="ctr">
-                        <a:spcAft>
-                          <a:spcPts val="1000"/>
-                        </a:spcAft>
-                      </a:pPr>
-                      <a:r>
-                        <a:rPr lang="es-ES" sz="1600" dirty="0" smtClean="0">
-                          <a:solidFill>
-                            <a:srgbClr val="000000"/>
-                          </a:solidFill>
-                          <a:latin typeface="Calibri"/>
-                          <a:ea typeface="Times New Roman"/>
-                          <a:cs typeface="Times New Roman"/>
-                        </a:rPr>
-                        <a:t>82%</a:t>
-                      </a:r>
-                      <a:endParaRPr lang="es-ES" sz="1600" dirty="0">
-                        <a:latin typeface="Times New Roman"/>
-                        <a:ea typeface="Times New Roman"/>
-                        <a:cs typeface="Times New Roman"/>
-                      </a:endParaRPr>
-                    </a:p>
-                  </a:txBody>
-                  <a:tcPr marL="68580" marR="68580" marT="0" marB="0">
-                    <a:lnL w="12700" cap="flat" cmpd="sng" algn="ctr">
-                      <a:solidFill>
-                        <a:srgbClr val="000000"/>
-                      </a:solidFill>
-                      <a:prstDash val="solid"/>
-                      <a:round/>
-                      <a:headEnd type="none" w="med" len="med"/>
-                      <a:tailEnd type="none" w="med" len="med"/>
-                    </a:lnL>
-                    <a:lnR w="12700" cap="flat" cmpd="sng" algn="ctr">
-                      <a:solidFill>
-                        <a:srgbClr val="000000"/>
-                      </a:solidFill>
-                      <a:prstDash val="solid"/>
-                      <a:round/>
-                      <a:headEnd type="none" w="med" len="med"/>
-                      <a:tailEnd type="none" w="med" len="med"/>
-                    </a:lnR>
-                    <a:lnT w="12700" cap="flat" cmpd="sng" algn="ctr">
-                      <a:solidFill>
-                        <a:srgbClr val="000000"/>
-                      </a:solidFill>
-                      <a:prstDash val="solid"/>
-                      <a:round/>
-                      <a:headEnd type="none" w="med" len="med"/>
-                      <a:tailEnd type="none" w="med" len="med"/>
-                    </a:lnT>
-                    <a:lnB w="12700" cap="flat" cmpd="sng" algn="ctr">
-                      <a:solidFill>
-                        <a:srgbClr val="000000"/>
-                      </a:solidFill>
-                      <a:prstDash val="solid"/>
-                      <a:round/>
-                      <a:headEnd type="none" w="med" len="med"/>
-                      <a:tailEnd type="none" w="med" len="med"/>
-                    </a:lnB>
-                  </a:tcPr>
-                </a:tc>
-              </a:tr>
-            </a:tbl>
-          </a:graphicData>
-        </a:graphic>
-      </p:graphicFrame>
-      <p:graphicFrame>
-        <p:nvGraphicFramePr>
-          <p:cNvPr id="7" name="6 Tabla"/>
-          <p:cNvGraphicFramePr>
-            <a:graphicFrameLocks noGrp="1"/>
-          </p:cNvGraphicFramePr>
-          <p:nvPr/>
-        </p:nvGraphicFramePr>
-        <p:xfrm>
-          <a:off x="857224" y="4929198"/>
-          <a:ext cx="3786214" cy="792852"/>
-        </p:xfrm>
-        <a:graphic>
-          <a:graphicData uri="http://schemas.openxmlformats.org/drawingml/2006/table">
-            <a:tbl>
-              <a:tblPr/>
-              <a:tblGrid>
-                <a:gridCol w="1928826"/>
-                <a:gridCol w="1857388"/>
-              </a:tblGrid>
-              <a:tr h="480646">
-                <a:tc>
-                  <a:txBody>
-                    <a:bodyPr/>
-                    <a:lstStyle/>
-                    <a:p>
-                      <a:pPr algn="ctr">
-                        <a:spcAft>
-                          <a:spcPts val="1000"/>
-                        </a:spcAft>
-                      </a:pPr>
-                      <a:r>
-                        <a:rPr lang="es-ES" sz="1600" b="1" dirty="0">
-                          <a:solidFill>
-                            <a:srgbClr val="000000"/>
-                          </a:solidFill>
-                          <a:latin typeface="Calibri"/>
-                          <a:ea typeface="Times New Roman"/>
-                          <a:cs typeface="Times New Roman"/>
-                        </a:rPr>
-                        <a:t>MAE WW3 / Obs. Visual</a:t>
-                      </a:r>
-                      <a:endParaRPr lang="es-ES" sz="1600" dirty="0">
-                        <a:latin typeface="Times New Roman"/>
-                        <a:ea typeface="Times New Roman"/>
-                        <a:cs typeface="Times New Roman"/>
-                      </a:endParaRPr>
-                    </a:p>
-                  </a:txBody>
-                  <a:tcPr marL="68580" marR="68580" marT="0" marB="0">
-                    <a:lnL w="12700" cap="flat" cmpd="sng" algn="ctr">
-                      <a:solidFill>
-                        <a:srgbClr val="000000"/>
-                      </a:solidFill>
-                      <a:prstDash val="solid"/>
-                      <a:round/>
-                      <a:headEnd type="none" w="med" len="med"/>
-                      <a:tailEnd type="none" w="med" len="med"/>
-                    </a:lnL>
-                    <a:lnR w="12700" cap="flat" cmpd="sng" algn="ctr">
-                      <a:solidFill>
-                        <a:srgbClr val="000000"/>
-                      </a:solidFill>
-                      <a:prstDash val="solid"/>
-                      <a:round/>
-                      <a:headEnd type="none" w="med" len="med"/>
-                      <a:tailEnd type="none" w="med" len="med"/>
-                    </a:lnR>
-                    <a:lnT w="12700" cap="flat" cmpd="sng" algn="ctr">
-                      <a:solidFill>
-                        <a:srgbClr val="000000"/>
-                      </a:solidFill>
-                      <a:prstDash val="solid"/>
-                      <a:round/>
-                      <a:headEnd type="none" w="med" len="med"/>
-                      <a:tailEnd type="none" w="med" len="med"/>
-                    </a:lnT>
-                    <a:lnB w="12700" cap="flat" cmpd="sng" algn="ctr">
-                      <a:solidFill>
-                        <a:srgbClr val="000000"/>
-                      </a:solidFill>
-                      <a:prstDash val="solid"/>
-                      <a:round/>
-                      <a:headEnd type="none" w="med" len="med"/>
-                      <a:tailEnd type="none" w="med" len="med"/>
-                    </a:lnB>
-                    <a:pattFill prst="pct10">
-                      <a:fgClr>
-                        <a:srgbClr val="FFFFFF"/>
-                      </a:fgClr>
-                      <a:bgClr>
-                        <a:srgbClr val="E5E5E5"/>
-                      </a:bgClr>
-                    </a:pattFill>
-                  </a:tcPr>
-                </a:tc>
-                <a:tc>
-                  <a:txBody>
-                    <a:bodyPr/>
-                    <a:lstStyle/>
-                    <a:p>
-                      <a:pPr algn="ctr">
-                        <a:spcAft>
-                          <a:spcPts val="1000"/>
-                        </a:spcAft>
-                      </a:pPr>
-                      <a:r>
-                        <a:rPr lang="es-ES" sz="1600" b="1" dirty="0">
-                          <a:solidFill>
-                            <a:srgbClr val="000000"/>
-                          </a:solidFill>
-                          <a:latin typeface="Calibri"/>
-                          <a:ea typeface="Times New Roman"/>
-                          <a:cs typeface="Times New Roman"/>
-                        </a:rPr>
-                        <a:t>MAE SVM / Obs. Visual</a:t>
-                      </a:r>
-                      <a:endParaRPr lang="es-ES" sz="1600" dirty="0">
-                        <a:latin typeface="Times New Roman"/>
-                        <a:ea typeface="Times New Roman"/>
-                        <a:cs typeface="Times New Roman"/>
-                      </a:endParaRPr>
-                    </a:p>
-                  </a:txBody>
-                  <a:tcPr marL="68580" marR="68580" marT="0" marB="0">
-                    <a:lnL w="12700" cap="flat" cmpd="sng" algn="ctr">
-                      <a:solidFill>
-                        <a:srgbClr val="000000"/>
-                      </a:solidFill>
-                      <a:prstDash val="solid"/>
-                      <a:round/>
-                      <a:headEnd type="none" w="med" len="med"/>
-                      <a:tailEnd type="none" w="med" len="med"/>
-                    </a:lnL>
-                    <a:lnR w="12700" cap="flat" cmpd="sng" algn="ctr">
-                      <a:solidFill>
-                        <a:srgbClr val="000000"/>
-                      </a:solidFill>
-                      <a:prstDash val="solid"/>
-                      <a:round/>
-                      <a:headEnd type="none" w="med" len="med"/>
-                      <a:tailEnd type="none" w="med" len="med"/>
-                    </a:lnR>
-                    <a:lnT w="12700" cap="flat" cmpd="sng" algn="ctr">
-                      <a:solidFill>
-                        <a:srgbClr val="000000"/>
-                      </a:solidFill>
-                      <a:prstDash val="solid"/>
-                      <a:round/>
-                      <a:headEnd type="none" w="med" len="med"/>
-                      <a:tailEnd type="none" w="med" len="med"/>
-                    </a:lnT>
-                    <a:lnB w="12700" cap="flat" cmpd="sng" algn="ctr">
-                      <a:solidFill>
-                        <a:srgbClr val="000000"/>
-                      </a:solidFill>
-                      <a:prstDash val="solid"/>
-                      <a:round/>
-                      <a:headEnd type="none" w="med" len="med"/>
-                      <a:tailEnd type="none" w="med" len="med"/>
-                    </a:lnB>
-                    <a:pattFill prst="pct10">
-                      <a:fgClr>
-                        <a:srgbClr val="FFFFFF"/>
-                      </a:fgClr>
-                      <a:bgClr>
-                        <a:srgbClr val="E5E5E5"/>
-                      </a:bgClr>
-                    </a:pattFill>
-                  </a:tcPr>
-                </a:tc>
-              </a:tr>
-              <a:tr h="305172">
-                <a:tc>
-                  <a:txBody>
-                    <a:bodyPr/>
-                    <a:lstStyle/>
-                    <a:p>
-                      <a:pPr algn="ctr">
-                        <a:spcAft>
-                          <a:spcPts val="1000"/>
-                        </a:spcAft>
-                      </a:pPr>
-                      <a:r>
-                        <a:rPr lang="es-ES" sz="1600" dirty="0" smtClean="0">
-                          <a:solidFill>
-                            <a:srgbClr val="000000"/>
-                          </a:solidFill>
-                          <a:latin typeface="Calibri"/>
-                          <a:ea typeface="Times New Roman"/>
-                          <a:cs typeface="Times New Roman"/>
-                        </a:rPr>
-                        <a:t>0.96 </a:t>
-                      </a:r>
-                      <a:r>
-                        <a:rPr lang="es-ES" sz="1600" dirty="0">
-                          <a:solidFill>
-                            <a:srgbClr val="000000"/>
-                          </a:solidFill>
-                          <a:latin typeface="Calibri"/>
-                          <a:ea typeface="Times New Roman"/>
-                          <a:cs typeface="Times New Roman"/>
-                        </a:rPr>
-                        <a:t>mts</a:t>
-                      </a:r>
-                      <a:endParaRPr lang="es-ES" sz="1600" dirty="0">
-                        <a:latin typeface="Times New Roman"/>
-                        <a:ea typeface="Times New Roman"/>
-                        <a:cs typeface="Times New Roman"/>
-                      </a:endParaRPr>
-                    </a:p>
-                  </a:txBody>
-                  <a:tcPr marL="68580" marR="68580" marT="0" marB="0">
-                    <a:lnL w="12700" cap="flat" cmpd="sng" algn="ctr">
-                      <a:solidFill>
-                        <a:srgbClr val="000000"/>
-                      </a:solidFill>
-                      <a:prstDash val="solid"/>
-                      <a:round/>
-                      <a:headEnd type="none" w="med" len="med"/>
-                      <a:tailEnd type="none" w="med" len="med"/>
-                    </a:lnL>
-                    <a:lnR w="12700" cap="flat" cmpd="sng" algn="ctr">
-                      <a:solidFill>
-                        <a:srgbClr val="000000"/>
-                      </a:solidFill>
-                      <a:prstDash val="solid"/>
-                      <a:round/>
-                      <a:headEnd type="none" w="med" len="med"/>
-                      <a:tailEnd type="none" w="med" len="med"/>
-                    </a:lnR>
-                    <a:lnT w="12700" cap="flat" cmpd="sng" algn="ctr">
-                      <a:solidFill>
-                        <a:srgbClr val="000000"/>
-                      </a:solidFill>
-                      <a:prstDash val="solid"/>
-                      <a:round/>
-                      <a:headEnd type="none" w="med" len="med"/>
-                      <a:tailEnd type="none" w="med" len="med"/>
-                    </a:lnT>
-                    <a:lnB w="12700" cap="flat" cmpd="sng" algn="ctr">
-                      <a:solidFill>
-                        <a:srgbClr val="000000"/>
-                      </a:solidFill>
-                      <a:prstDash val="solid"/>
-                      <a:round/>
-                      <a:headEnd type="none" w="med" len="med"/>
-                      <a:tailEnd type="none" w="med" len="med"/>
-                    </a:lnB>
-                  </a:tcPr>
-                </a:tc>
-                <a:tc>
-                  <a:txBody>
-                    <a:bodyPr/>
-                    <a:lstStyle/>
-                    <a:p>
-                      <a:pPr algn="ctr">
-                        <a:spcAft>
-                          <a:spcPts val="1000"/>
-                        </a:spcAft>
-                      </a:pPr>
-                      <a:r>
-                        <a:rPr lang="es-ES" sz="1600" dirty="0" smtClean="0">
-                          <a:solidFill>
-                            <a:srgbClr val="000000"/>
-                          </a:solidFill>
-                          <a:latin typeface="Calibri"/>
-                          <a:ea typeface="Times New Roman"/>
-                          <a:cs typeface="Times New Roman"/>
-                        </a:rPr>
-                        <a:t>0.61mts</a:t>
-                      </a:r>
-                      <a:endParaRPr lang="es-ES" sz="1600" dirty="0">
-                        <a:latin typeface="Times New Roman"/>
-                        <a:ea typeface="Times New Roman"/>
-                        <a:cs typeface="Times New Roman"/>
-                      </a:endParaRPr>
-                    </a:p>
-                  </a:txBody>
-                  <a:tcPr marL="68580" marR="68580" marT="0" marB="0">
-                    <a:lnL w="12700" cap="flat" cmpd="sng" algn="ctr">
-                      <a:solidFill>
-                        <a:srgbClr val="000000"/>
-                      </a:solidFill>
-                      <a:prstDash val="solid"/>
-                      <a:round/>
-                      <a:headEnd type="none" w="med" len="med"/>
-                      <a:tailEnd type="none" w="med" len="med"/>
-                    </a:lnL>
-                    <a:lnR w="12700" cap="flat" cmpd="sng" algn="ctr">
-                      <a:solidFill>
-                        <a:srgbClr val="000000"/>
-                      </a:solidFill>
-                      <a:prstDash val="solid"/>
-                      <a:round/>
-                      <a:headEnd type="none" w="med" len="med"/>
-                      <a:tailEnd type="none" w="med" len="med"/>
-                    </a:lnR>
-                    <a:lnT w="12700" cap="flat" cmpd="sng" algn="ctr">
-                      <a:solidFill>
-                        <a:srgbClr val="000000"/>
-                      </a:solidFill>
-                      <a:prstDash val="solid"/>
-                      <a:round/>
-                      <a:headEnd type="none" w="med" len="med"/>
-                      <a:tailEnd type="none" w="med" len="med"/>
-                    </a:lnT>
-                    <a:lnB w="12700" cap="flat" cmpd="sng" algn="ctr">
-                      <a:solidFill>
-                        <a:srgbClr val="000000"/>
-                      </a:solidFill>
-                      <a:prstDash val="solid"/>
-                      <a:round/>
-                      <a:headEnd type="none" w="med" len="med"/>
-                      <a:tailEnd type="none" w="med" len="med"/>
-                    </a:lnB>
-                  </a:tcPr>
-                </a:tc>
-              </a:tr>
-            </a:tbl>
-          </a:graphicData>
-        </a:graphic>
-      </p:graphicFrame>
       <p:pic>
         <p:nvPicPr>
-          <p:cNvPr id="8" name="7 Imagen"/>
-          <p:cNvPicPr/>
+          <p:cNvPr id="37890" name="Picture 2"/>
+          <p:cNvPicPr>
+            <a:picLocks noChangeAspect="1" noChangeArrowheads="1"/>
+          </p:cNvPicPr>
           <p:nvPr/>
         </p:nvPicPr>
         <p:blipFill>
-          <a:blip r:embed="rId3" cstate="print"/>
+          <a:blip r:embed="rId2"/>
           <a:srcRect/>
           <a:stretch>
             <a:fillRect/>
@@ -23409,8 +23935,8 @@
         </p:blipFill>
         <p:spPr bwMode="auto">
           <a:xfrm>
-            <a:off x="4695488" y="3000372"/>
-            <a:ext cx="4448512" cy="2990850"/>
+            <a:off x="0" y="1928802"/>
+            <a:ext cx="9105218" cy="4929198"/>
           </a:xfrm>
           <a:prstGeom prst="rect">
             <a:avLst/>
@@ -23422,6 +23948,7 @@
             <a:headEnd/>
             <a:tailEnd/>
           </a:ln>
+          <a:effectLst/>
         </p:spPr>
       </p:pic>
     </p:spTree>

--- a/neuralito/ArfGen/docs/Entregas/Informe Final/presentacion/maxi2.pptx
+++ b/neuralito/ArfGen/docs/Entregas/Informe Final/presentacion/maxi2.pptx
@@ -234,25 +234,25 @@
                   <c:v>0.66595893894255365</c:v>
                 </c:pt>
                 <c:pt idx="1">
-                  <c:v>0.77390980695120537</c:v>
+                  <c:v>0.77390980695120548</c:v>
                 </c:pt>
                 <c:pt idx="2">
                   <c:v>0.82116824635668784</c:v>
                 </c:pt>
                 <c:pt idx="3">
-                  <c:v>0.84278473777508334</c:v>
+                  <c:v>0.84278473777508345</c:v>
                 </c:pt>
                 <c:pt idx="4">
-                  <c:v>0.84383865537210945</c:v>
+                  <c:v>0.84383865537210956</c:v>
                 </c:pt>
                 <c:pt idx="5">
                   <c:v>0.85894670929201788</c:v>
                 </c:pt>
                 <c:pt idx="6">
-                  <c:v>0.84967487574973144</c:v>
+                  <c:v>0.84967487574973155</c:v>
                 </c:pt>
                 <c:pt idx="7">
-                  <c:v>0.87199747639294944</c:v>
+                  <c:v>0.87199747639294956</c:v>
                 </c:pt>
                 <c:pt idx="8">
                   <c:v>0.87308657275405044</c:v>
@@ -261,10 +261,10 @@
                   <c:v>0.8805672244799716</c:v>
                 </c:pt>
                 <c:pt idx="10">
-                  <c:v>0.88425402324804125</c:v>
+                  <c:v>0.88425402324804137</c:v>
                 </c:pt>
                 <c:pt idx="11">
-                  <c:v>0.88378998114559293</c:v>
+                  <c:v>0.88378998114559304</c:v>
                 </c:pt>
                 <c:pt idx="12">
                   <c:v>0.88710112017025267</c:v>
@@ -273,10 +273,10 @@
                   <c:v>0.88859349505985463</c:v>
                 </c:pt>
                 <c:pt idx="14">
-                  <c:v>0.88932515639249576</c:v>
+                  <c:v>0.88932515639249599</c:v>
                 </c:pt>
                 <c:pt idx="15">
-                  <c:v>0.88979442278916876</c:v>
+                  <c:v>0.88979442278916898</c:v>
                 </c:pt>
                 <c:pt idx="16">
                   <c:v>0.89050470137757365</c:v>
@@ -381,10 +381,10 @@
                   <c:v>0.45195561849074034</c:v>
                 </c:pt>
                 <c:pt idx="1">
-                  <c:v>0.57215581949427941</c:v>
+                  <c:v>0.57215581949427963</c:v>
                 </c:pt>
                 <c:pt idx="2">
-                  <c:v>0.624500990682896</c:v>
+                  <c:v>0.62450099068289611</c:v>
                 </c:pt>
                 <c:pt idx="3">
                   <c:v>0.66411572966000465</c:v>
@@ -393,7 +393,7 @@
                   <c:v>0.74483311690120912</c:v>
                 </c:pt>
                 <c:pt idx="5">
-                  <c:v>0.74913092370987566</c:v>
+                  <c:v>0.74913092370987577</c:v>
                 </c:pt>
                 <c:pt idx="6">
                   <c:v>0.7507812790712286</c:v>
@@ -402,7 +402,7 @@
                   <c:v>0.74615794410022251</c:v>
                 </c:pt>
                 <c:pt idx="8">
-                  <c:v>0.76473712742559086</c:v>
+                  <c:v>0.76473712742559108</c:v>
                 </c:pt>
                 <c:pt idx="9">
                   <c:v>0.78030975508297951</c:v>
@@ -417,7 +417,7 @@
                   <c:v>0.79454547384463925</c:v>
                 </c:pt>
                 <c:pt idx="13">
-                  <c:v>0.80275073868568025</c:v>
+                  <c:v>0.80275073868568037</c:v>
                 </c:pt>
                 <c:pt idx="14">
                   <c:v>0.8070254483799697</c:v>
@@ -426,10 +426,10 @@
                   <c:v>0.80758714251854524</c:v>
                 </c:pt>
                 <c:pt idx="16">
-                  <c:v>0.81189884836444182</c:v>
+                  <c:v>0.81189884836444193</c:v>
                 </c:pt>
                 <c:pt idx="17">
-                  <c:v>0.81267156633446458</c:v>
+                  <c:v>0.8126715663344648</c:v>
                 </c:pt>
                 <c:pt idx="18">
                   <c:v>0.81495442086601244</c:v>
@@ -527,43 +527,43 @@
                   <c:v>0.10918893085792125</c:v>
                 </c:pt>
                 <c:pt idx="2">
-                  <c:v>2.2061880915201556E-2</c:v>
+                  <c:v>2.2061880915201559E-2</c:v>
                 </c:pt>
                 <c:pt idx="3">
-                  <c:v>0.16744350433735894</c:v>
+                  <c:v>0.16744350433735897</c:v>
                 </c:pt>
                 <c:pt idx="4">
-                  <c:v>0.19606871899944525</c:v>
+                  <c:v>0.19606871899944528</c:v>
                 </c:pt>
                 <c:pt idx="5">
-                  <c:v>0.19883932721616651</c:v>
+                  <c:v>0.19883932721616654</c:v>
                 </c:pt>
                 <c:pt idx="6">
                   <c:v>0.21852557439483689</c:v>
                 </c:pt>
                 <c:pt idx="7">
-                  <c:v>0.18963030437506273</c:v>
+                  <c:v>0.18963030437506276</c:v>
                 </c:pt>
                 <c:pt idx="8">
-                  <c:v>0.31329234492981112</c:v>
+                  <c:v>0.31329234492981117</c:v>
                 </c:pt>
                 <c:pt idx="9">
                   <c:v>0.30854195458238609</c:v>
                 </c:pt>
                 <c:pt idx="10">
-                  <c:v>0.33996429339252926</c:v>
+                  <c:v>0.33996429339252943</c:v>
                 </c:pt>
                 <c:pt idx="11">
-                  <c:v>0.39000788763685629</c:v>
+                  <c:v>0.39000788763685645</c:v>
                 </c:pt>
                 <c:pt idx="12">
-                  <c:v>0.37452278792340493</c:v>
+                  <c:v>0.3745227879234051</c:v>
                 </c:pt>
                 <c:pt idx="13">
-                  <c:v>0.39639657365579711</c:v>
+                  <c:v>0.39639657365579722</c:v>
                 </c:pt>
                 <c:pt idx="14">
-                  <c:v>0.45661986014735267</c:v>
+                  <c:v>0.45661986014735273</c:v>
                 </c:pt>
                 <c:pt idx="15">
                   <c:v>0.48000000000000032</c:v>
@@ -668,19 +668,19 @@
                 <c:formatCode>0.00</c:formatCode>
                 <c:ptCount val="18"/>
                 <c:pt idx="0">
-                  <c:v>6.3837399085048749E-2</c:v>
+                  <c:v>6.3837399085048777E-2</c:v>
                 </c:pt>
                 <c:pt idx="1">
-                  <c:v>0.10509372944250719</c:v>
+                  <c:v>0.10509372944250721</c:v>
                 </c:pt>
                 <c:pt idx="2">
                   <c:v>0.12395822380363669</c:v>
                 </c:pt>
                 <c:pt idx="3">
-                  <c:v>0.17533238646771657</c:v>
+                  <c:v>0.17533238646771662</c:v>
                 </c:pt>
                 <c:pt idx="4">
-                  <c:v>0.18994629844945077</c:v>
+                  <c:v>0.18994629844945085</c:v>
                 </c:pt>
                 <c:pt idx="5">
                   <c:v>0.22687270194889519</c:v>
@@ -689,34 +689,34 @@
                   <c:v>0.23790997736954461</c:v>
                 </c:pt>
                 <c:pt idx="7">
-                  <c:v>0.23411148955337002</c:v>
+                  <c:v>0.23411148955337008</c:v>
                 </c:pt>
                 <c:pt idx="8">
                   <c:v>0.25778608542670911</c:v>
                 </c:pt>
                 <c:pt idx="9">
-                  <c:v>0.31056299933227516</c:v>
+                  <c:v>0.31056299933227532</c:v>
                 </c:pt>
                 <c:pt idx="10">
-                  <c:v>0.33877739342409313</c:v>
+                  <c:v>0.33877739342409324</c:v>
                 </c:pt>
                 <c:pt idx="11">
                   <c:v>0.35225259726803532</c:v>
                 </c:pt>
                 <c:pt idx="12">
-                  <c:v>0.35947445565100478</c:v>
+                  <c:v>0.35947445565100483</c:v>
                 </c:pt>
                 <c:pt idx="13">
-                  <c:v>0.3900000000000029</c:v>
+                  <c:v>0.39000000000000296</c:v>
                 </c:pt>
                 <c:pt idx="14">
-                  <c:v>0.3900000000000029</c:v>
+                  <c:v>0.39000000000000296</c:v>
                 </c:pt>
                 <c:pt idx="15">
                   <c:v>0.4</c:v>
                 </c:pt>
                 <c:pt idx="16">
-                  <c:v>0.40041490630404658</c:v>
+                  <c:v>0.40041490630404669</c:v>
                 </c:pt>
                 <c:pt idx="17">
                   <c:v>0.4</c:v>
@@ -808,7 +808,7 @@
                 <c:formatCode>General</c:formatCode>
                 <c:ptCount val="19"/>
                 <c:pt idx="0">
-                  <c:v>0.28931899175148829</c:v>
+                  <c:v>0.28931899175148845</c:v>
                 </c:pt>
                 <c:pt idx="1">
                   <c:v>0.30427205718078232</c:v>
@@ -817,46 +817,46 @@
                   <c:v>0.28833535935117605</c:v>
                 </c:pt>
                 <c:pt idx="3">
-                  <c:v>0.50673831628888932</c:v>
+                  <c:v>0.50673831628888955</c:v>
                 </c:pt>
                 <c:pt idx="4">
-                  <c:v>0.58986811562939234</c:v>
+                  <c:v>0.58986811562939245</c:v>
                 </c:pt>
                 <c:pt idx="5">
-                  <c:v>0.60174244358029161</c:v>
+                  <c:v>0.60174244358029172</c:v>
                 </c:pt>
                 <c:pt idx="6">
                   <c:v>0.62230234655114092</c:v>
                 </c:pt>
                 <c:pt idx="7">
-                  <c:v>0.64892172802499914</c:v>
+                  <c:v>0.64892172802499926</c:v>
                 </c:pt>
                 <c:pt idx="8">
                   <c:v>0.60213497372141267</c:v>
                 </c:pt>
                 <c:pt idx="9">
-                  <c:v>0.65929398719852594</c:v>
+                  <c:v>0.65929398719852605</c:v>
                 </c:pt>
                 <c:pt idx="10">
-                  <c:v>0.63740945216596523</c:v>
+                  <c:v>0.63740945216596534</c:v>
                 </c:pt>
                 <c:pt idx="11">
-                  <c:v>0.6649682960574792</c:v>
+                  <c:v>0.66496829605747942</c:v>
                 </c:pt>
                 <c:pt idx="12">
-                  <c:v>0.68587643695394074</c:v>
+                  <c:v>0.68587643695394085</c:v>
                 </c:pt>
                 <c:pt idx="13">
-                  <c:v>0.70280463859163744</c:v>
+                  <c:v>0.70280463859163755</c:v>
                 </c:pt>
                 <c:pt idx="14">
-                  <c:v>0.68555591749742395</c:v>
+                  <c:v>0.68555591749742406</c:v>
                 </c:pt>
                 <c:pt idx="15">
-                  <c:v>0.71798687616048895</c:v>
+                  <c:v>0.71798687616048906</c:v>
                 </c:pt>
                 <c:pt idx="16">
-                  <c:v>0.72902988600000773</c:v>
+                  <c:v>0.72902988600000784</c:v>
                 </c:pt>
                 <c:pt idx="17">
                   <c:v>0.73331457600000005</c:v>
@@ -869,11 +869,11 @@
           </c:yVal>
           <c:smooth val="1"/>
         </c:ser>
-        <c:axId val="64195200"/>
-        <c:axId val="64213760"/>
+        <c:axId val="59103872"/>
+        <c:axId val="62665472"/>
       </c:scatterChart>
       <c:valAx>
-        <c:axId val="64195200"/>
+        <c:axId val="59103872"/>
         <c:scaling>
           <c:orientation val="minMax"/>
           <c:max val="1000"/>
@@ -899,7 +899,7 @@
             <c:manualLayout>
               <c:xMode val="edge"/>
               <c:yMode val="edge"/>
-              <c:x val="0.38494599693816828"/>
+              <c:x val="0.38494599693816833"/>
               <c:y val="0.85101357098414687"/>
             </c:manualLayout>
           </c:layout>
@@ -916,12 +916,12 @@
             <a:endParaRPr lang="es-ES"/>
           </a:p>
         </c:txPr>
-        <c:crossAx val="64213760"/>
+        <c:crossAx val="62665472"/>
         <c:crosses val="autoZero"/>
         <c:crossBetween val="midCat"/>
       </c:valAx>
       <c:valAx>
-        <c:axId val="64213760"/>
+        <c:axId val="62665472"/>
         <c:scaling>
           <c:orientation val="minMax"/>
           <c:min val="0"/>
@@ -958,7 +958,7 @@
             <a:endParaRPr lang="es-ES"/>
           </a:p>
         </c:txPr>
-        <c:crossAx val="64195200"/>
+        <c:crossAx val="59103872"/>
         <c:crosses val="autoZero"/>
         <c:crossBetween val="midCat"/>
         <c:minorUnit val="0.2"/>
@@ -1100,19 +1100,19 @@
                   <c:v>1.0330390684786552</c:v>
                 </c:pt>
                 <c:pt idx="6">
-                  <c:v>1.0302429519403231</c:v>
+                  <c:v>1.0302429519403233</c:v>
                 </c:pt>
                 <c:pt idx="7">
                   <c:v>0.94738273200566459</c:v>
                 </c:pt>
                 <c:pt idx="8">
-                  <c:v>0.92793801360197792</c:v>
+                  <c:v>0.92793801360197803</c:v>
                 </c:pt>
                 <c:pt idx="9">
                   <c:v>0.92012906293872665</c:v>
                 </c:pt>
                 <c:pt idx="10">
-                  <c:v>0.88481716181109493</c:v>
+                  <c:v>0.88481716181109471</c:v>
                 </c:pt>
                 <c:pt idx="11">
                   <c:v>0.88417424754272178</c:v>
@@ -1124,7 +1124,7 @@
                   <c:v>0.85063806565684563</c:v>
                 </c:pt>
                 <c:pt idx="14">
-                  <c:v>0.84777133793555937</c:v>
+                  <c:v>0.84777133793555959</c:v>
                 </c:pt>
                 <c:pt idx="15">
                   <c:v>0.8445144923789446</c:v>
@@ -1133,7 +1133,7 @@
                   <c:v>0.83725594840038564</c:v>
                 </c:pt>
                 <c:pt idx="17">
-                  <c:v>0.83461703141919108</c:v>
+                  <c:v>0.8346170314191913</c:v>
                 </c:pt>
               </c:numCache>
             </c:numRef>
@@ -1232,7 +1232,7 @@
                   <c:v>0.9387309603633297</c:v>
                 </c:pt>
                 <c:pt idx="1">
-                  <c:v>0.89153277738271075</c:v>
+                  <c:v>0.89153277738271053</c:v>
                 </c:pt>
                 <c:pt idx="2">
                   <c:v>0.82301056544373608</c:v>
@@ -1244,22 +1244,22 @@
                   <c:v>0.75252199659024765</c:v>
                 </c:pt>
                 <c:pt idx="5">
-                  <c:v>0.74212373331281811</c:v>
+                  <c:v>0.74212373331281822</c:v>
                 </c:pt>
                 <c:pt idx="6">
                   <c:v>0.73688717786732749</c:v>
                 </c:pt>
                 <c:pt idx="7">
-                  <c:v>0.72860146352750677</c:v>
+                  <c:v>0.72860146352750699</c:v>
                 </c:pt>
                 <c:pt idx="8">
-                  <c:v>0.70577785559581374</c:v>
+                  <c:v>0.70577785559581385</c:v>
                 </c:pt>
                 <c:pt idx="9">
                   <c:v>0.69274686371956962</c:v>
                 </c:pt>
                 <c:pt idx="10">
-                  <c:v>0.67930161414046808</c:v>
+                  <c:v>0.6793016141404683</c:v>
                 </c:pt>
                 <c:pt idx="11">
                   <c:v>0.67228263477634131</c:v>
@@ -1268,22 +1268,22 @@
                   <c:v>0.68022471453120004</c:v>
                 </c:pt>
                 <c:pt idx="13">
-                  <c:v>0.66398503161852473</c:v>
+                  <c:v>0.66398503161852496</c:v>
                 </c:pt>
                 <c:pt idx="14">
                   <c:v>0.6640628299517749</c:v>
                 </c:pt>
                 <c:pt idx="15">
-                  <c:v>0.66308558009337926</c:v>
+                  <c:v>0.66308558009337948</c:v>
                 </c:pt>
                 <c:pt idx="16">
                   <c:v>0.65656511915425986</c:v>
                 </c:pt>
                 <c:pt idx="17">
-                  <c:v>0.65158141257238977</c:v>
+                  <c:v>0.65158141257239</c:v>
                 </c:pt>
                 <c:pt idx="18">
-                  <c:v>0.65187548701494835</c:v>
+                  <c:v>0.65187548701494846</c:v>
                 </c:pt>
               </c:numCache>
             </c:numRef>
@@ -1372,7 +1372,7 @@
                 <c:formatCode>General</c:formatCode>
                 <c:ptCount val="19"/>
                 <c:pt idx="0">
-                  <c:v>0.66149732049012755</c:v>
+                  <c:v>0.66149732049012766</c:v>
                 </c:pt>
                 <c:pt idx="1">
                   <c:v>0.6001326027033127</c:v>
@@ -1381,13 +1381,13 @@
                   <c:v>0.55639887771499263</c:v>
                 </c:pt>
                 <c:pt idx="3">
-                  <c:v>0.62284472485511322</c:v>
+                  <c:v>0.62284472485511333</c:v>
                 </c:pt>
                 <c:pt idx="4">
                   <c:v>0.55351605829049677</c:v>
                 </c:pt>
                 <c:pt idx="5">
-                  <c:v>0.58846095302595547</c:v>
+                  <c:v>0.58846095302595536</c:v>
                 </c:pt>
                 <c:pt idx="6">
                   <c:v>0.57298820383188065</c:v>
@@ -1399,7 +1399,7 @@
                   <c:v>0.55636349504129456</c:v>
                 </c:pt>
                 <c:pt idx="9">
-                  <c:v>0.56175580469495112</c:v>
+                  <c:v>0.56175580469495123</c:v>
                 </c:pt>
                 <c:pt idx="10">
                   <c:v>0.54619756290876298</c:v>
@@ -1519,7 +1519,7 @@
                 <c:formatCode>General</c:formatCode>
                 <c:ptCount val="18"/>
                 <c:pt idx="0">
-                  <c:v>0.63237080268503865</c:v>
+                  <c:v>0.63237080268503876</c:v>
                 </c:pt>
                 <c:pt idx="1">
                   <c:v>0.58374227027070569</c:v>
@@ -1528,7 +1528,7 @@
                   <c:v>0.59186681564330168</c:v>
                 </c:pt>
                 <c:pt idx="3">
-                  <c:v>0.56326543263150131</c:v>
+                  <c:v>0.56326543263150153</c:v>
                 </c:pt>
                 <c:pt idx="4">
                   <c:v>0.57183044589207288</c:v>
@@ -1543,7 +1543,7 @@
                   <c:v>0.53802118949602251</c:v>
                 </c:pt>
                 <c:pt idx="8">
-                  <c:v>0.53450509736819396</c:v>
+                  <c:v>0.53450509736819418</c:v>
                 </c:pt>
                 <c:pt idx="9">
                   <c:v>0.52829897414829863</c:v>
@@ -1567,7 +1567,7 @@
                   <c:v>0.50670323954628771</c:v>
                 </c:pt>
                 <c:pt idx="16">
-                  <c:v>0.50238192552660199</c:v>
+                  <c:v>0.50238192552660188</c:v>
                 </c:pt>
                 <c:pt idx="17">
                   <c:v>0.49463977381829932</c:v>
@@ -1659,31 +1659,31 @@
                 <c:formatCode>General</c:formatCode>
                 <c:ptCount val="19"/>
                 <c:pt idx="0">
-                  <c:v>0.77289983769924053</c:v>
+                  <c:v>0.77289983769924087</c:v>
                 </c:pt>
                 <c:pt idx="1">
                   <c:v>0.74632356481168916</c:v>
                 </c:pt>
                 <c:pt idx="2">
-                  <c:v>0.78634361659647734</c:v>
+                  <c:v>0.78634361659647756</c:v>
                 </c:pt>
                 <c:pt idx="3">
-                  <c:v>0.68296121733003679</c:v>
+                  <c:v>0.6829612173300369</c:v>
                 </c:pt>
                 <c:pt idx="4">
-                  <c:v>0.66450739252953905</c:v>
+                  <c:v>0.66450739252953916</c:v>
                 </c:pt>
                 <c:pt idx="5">
-                  <c:v>0.61644319255847924</c:v>
+                  <c:v>0.61644319255847946</c:v>
                 </c:pt>
                 <c:pt idx="6">
                   <c:v>0.6102724059818817</c:v>
                 </c:pt>
                 <c:pt idx="7">
-                  <c:v>0.60925823106012389</c:v>
+                  <c:v>0.609258231060124</c:v>
                 </c:pt>
                 <c:pt idx="8">
-                  <c:v>0.6285123964672491</c:v>
+                  <c:v>0.62851239646724899</c:v>
                 </c:pt>
                 <c:pt idx="9">
                   <c:v>0.60456332932399459</c:v>
@@ -1692,10 +1692,10 @@
                   <c:v>0.59800801508451062</c:v>
                 </c:pt>
                 <c:pt idx="11">
-                  <c:v>0.59484127138609599</c:v>
+                  <c:v>0.5948412713860961</c:v>
                 </c:pt>
                 <c:pt idx="12">
-                  <c:v>0.57774424327942353</c:v>
+                  <c:v>0.57774424327942375</c:v>
                 </c:pt>
                 <c:pt idx="13">
                   <c:v>0.57412911597622418</c:v>
@@ -1710,7 +1710,7 @@
                   <c:v>0.56487792557592453</c:v>
                 </c:pt>
                 <c:pt idx="17">
-                  <c:v>0.55704303471989713</c:v>
+                  <c:v>0.55704303471989725</c:v>
                 </c:pt>
                 <c:pt idx="18">
                   <c:v>0.55532457683742076</c:v>
@@ -1720,11 +1720,11 @@
           </c:yVal>
           <c:smooth val="1"/>
         </c:ser>
-        <c:axId val="64253312"/>
-        <c:axId val="64259584"/>
+        <c:axId val="62684544"/>
+        <c:axId val="62694912"/>
       </c:scatterChart>
       <c:valAx>
-        <c:axId val="64253312"/>
+        <c:axId val="62684544"/>
         <c:scaling>
           <c:orientation val="minMax"/>
           <c:max val="1000"/>
@@ -1760,12 +1760,12 @@
             <a:endParaRPr lang="es-ES"/>
           </a:p>
         </c:txPr>
-        <c:crossAx val="64259584"/>
+        <c:crossAx val="62694912"/>
         <c:crosses val="autoZero"/>
         <c:crossBetween val="midCat"/>
       </c:valAx>
       <c:valAx>
-        <c:axId val="64259584"/>
+        <c:axId val="62694912"/>
         <c:scaling>
           <c:orientation val="minMax"/>
           <c:min val="0.4"/>
@@ -1802,7 +1802,7 @@
             <a:endParaRPr lang="es-ES"/>
           </a:p>
         </c:txPr>
-        <c:crossAx val="64253312"/>
+        <c:crossAx val="62684544"/>
         <c:crosses val="autoZero"/>
         <c:crossBetween val="midCat"/>
       </c:valAx>
@@ -1879,7 +1879,7 @@
           <c:x val="5.0128971669717602E-2"/>
           <c:y val="0.16285573489051136"/>
           <c:w val="0.91229087688864363"/>
-          <c:h val="0.42844667523762597"/>
+          <c:h val="0.42844667523762608"/>
         </c:manualLayout>
       </c:layout>
       <c:scatterChart>
@@ -2100,7 +2100,7 @@
                   <c:v>0</c:v>
                 </c:pt>
                 <c:pt idx="1">
-                  <c:v>1.2189999999999874</c:v>
+                  <c:v>1.2189999999999872</c:v>
                 </c:pt>
                 <c:pt idx="2">
                   <c:v>2.4379999999999997</c:v>
@@ -2112,19 +2112,19 @@
                   <c:v>1.829</c:v>
                 </c:pt>
                 <c:pt idx="5">
-                  <c:v>1.2189999999999874</c:v>
+                  <c:v>1.2189999999999872</c:v>
                 </c:pt>
                 <c:pt idx="6">
-                  <c:v>1.2189999999999874</c:v>
+                  <c:v>1.2189999999999872</c:v>
                 </c:pt>
                 <c:pt idx="7">
-                  <c:v>1.2189999999999874</c:v>
+                  <c:v>1.2189999999999872</c:v>
                 </c:pt>
                 <c:pt idx="8">
                   <c:v>2.4379999999999997</c:v>
                 </c:pt>
                 <c:pt idx="9">
-                  <c:v>1.2189999999999874</c:v>
+                  <c:v>1.2189999999999872</c:v>
                 </c:pt>
                 <c:pt idx="10">
                   <c:v>0.61000000000000065</c:v>
@@ -2133,22 +2133,22 @@
                   <c:v>3.048</c:v>
                 </c:pt>
                 <c:pt idx="12">
-                  <c:v>1.2189999999999874</c:v>
+                  <c:v>1.2189999999999872</c:v>
                 </c:pt>
                 <c:pt idx="13">
                   <c:v>0.61000000000000065</c:v>
                 </c:pt>
                 <c:pt idx="14">
-                  <c:v>1.2189999999999874</c:v>
+                  <c:v>1.2189999999999872</c:v>
                 </c:pt>
                 <c:pt idx="15">
                   <c:v>2.4379999999999997</c:v>
                 </c:pt>
                 <c:pt idx="16">
-                  <c:v>1.2189999999999874</c:v>
+                  <c:v>1.2189999999999872</c:v>
                 </c:pt>
                 <c:pt idx="17">
-                  <c:v>1.2189999999999874</c:v>
+                  <c:v>1.2189999999999872</c:v>
                 </c:pt>
                 <c:pt idx="18">
                   <c:v>0.61000000000000065</c:v>
@@ -2166,7 +2166,7 @@
                   <c:v>3.048</c:v>
                 </c:pt>
                 <c:pt idx="23">
-                  <c:v>1.2189999999999874</c:v>
+                  <c:v>1.2189999999999872</c:v>
                 </c:pt>
                 <c:pt idx="24">
                   <c:v>1.829</c:v>
@@ -2190,34 +2190,34 @@
                   <c:v>0.61000000000000065</c:v>
                 </c:pt>
                 <c:pt idx="31">
-                  <c:v>1.2189999999999874</c:v>
+                  <c:v>1.2189999999999872</c:v>
                 </c:pt>
                 <c:pt idx="32">
-                  <c:v>1.2189999999999874</c:v>
+                  <c:v>1.2189999999999872</c:v>
                 </c:pt>
                 <c:pt idx="33">
-                  <c:v>1.2189999999999874</c:v>
+                  <c:v>1.2189999999999872</c:v>
                 </c:pt>
                 <c:pt idx="34">
-                  <c:v>1.2189999999999874</c:v>
+                  <c:v>1.2189999999999872</c:v>
                 </c:pt>
                 <c:pt idx="35">
-                  <c:v>1.2189999999999874</c:v>
+                  <c:v>1.2189999999999872</c:v>
                 </c:pt>
                 <c:pt idx="36">
                   <c:v>3.048</c:v>
                 </c:pt>
                 <c:pt idx="37">
-                  <c:v>1.2189999999999874</c:v>
+                  <c:v>1.2189999999999872</c:v>
                 </c:pt>
                 <c:pt idx="38">
                   <c:v>0.61000000000000065</c:v>
                 </c:pt>
                 <c:pt idx="39">
-                  <c:v>1.2189999999999874</c:v>
+                  <c:v>1.2189999999999872</c:v>
                 </c:pt>
                 <c:pt idx="40">
-                  <c:v>1.2189999999999874</c:v>
+                  <c:v>1.2189999999999872</c:v>
                 </c:pt>
                 <c:pt idx="41">
                   <c:v>2.4379999999999997</c:v>
@@ -2232,7 +2232,7 @@
                   <c:v>0.61000000000000065</c:v>
                 </c:pt>
                 <c:pt idx="45">
-                  <c:v>1.2189999999999874</c:v>
+                  <c:v>1.2189999999999872</c:v>
                 </c:pt>
                 <c:pt idx="46">
                   <c:v>4.8769999999999998</c:v>
@@ -2241,34 +2241,34 @@
                   <c:v>0.61000000000000065</c:v>
                 </c:pt>
                 <c:pt idx="48">
-                  <c:v>1.2189999999999874</c:v>
+                  <c:v>1.2189999999999872</c:v>
                 </c:pt>
                 <c:pt idx="49">
                   <c:v>7.3149999999999755</c:v>
                 </c:pt>
                 <c:pt idx="50">
-                  <c:v>1.2189999999999874</c:v>
+                  <c:v>1.2189999999999872</c:v>
                 </c:pt>
                 <c:pt idx="51">
-                  <c:v>1.2189999999999874</c:v>
+                  <c:v>1.2189999999999872</c:v>
                 </c:pt>
                 <c:pt idx="52">
                   <c:v>0.61000000000000065</c:v>
                 </c:pt>
                 <c:pt idx="53">
-                  <c:v>1.2189999999999874</c:v>
+                  <c:v>1.2189999999999872</c:v>
                 </c:pt>
                 <c:pt idx="54">
-                  <c:v>1.2189999999999874</c:v>
+                  <c:v>1.2189999999999872</c:v>
                 </c:pt>
                 <c:pt idx="55">
-                  <c:v>1.2189999999999874</c:v>
+                  <c:v>1.2189999999999872</c:v>
                 </c:pt>
                 <c:pt idx="56">
                   <c:v>2.4379999999999997</c:v>
                 </c:pt>
                 <c:pt idx="57">
-                  <c:v>1.2189999999999874</c:v>
+                  <c:v>1.2189999999999872</c:v>
                 </c:pt>
                 <c:pt idx="58">
                   <c:v>4.8769999999999998</c:v>
@@ -2280,7 +2280,7 @@
                   <c:v>2.4379999999999997</c:v>
                 </c:pt>
                 <c:pt idx="61">
-                  <c:v>1.2189999999999874</c:v>
+                  <c:v>1.2189999999999872</c:v>
                 </c:pt>
                 <c:pt idx="62">
                   <c:v>0.61000000000000065</c:v>
@@ -2540,13 +2540,13 @@
                   <c:v>1.87</c:v>
                 </c:pt>
                 <c:pt idx="8">
-                  <c:v>1.9500000000000099</c:v>
+                  <c:v>1.9500000000000102</c:v>
                 </c:pt>
                 <c:pt idx="9">
                   <c:v>2.4899999999999998</c:v>
                 </c:pt>
                 <c:pt idx="10">
-                  <c:v>1.6800000000000099</c:v>
+                  <c:v>1.6800000000000102</c:v>
                 </c:pt>
                 <c:pt idx="11">
                   <c:v>2.98</c:v>
@@ -2564,7 +2564,7 @@
                   <c:v>3.3099999999999987</c:v>
                 </c:pt>
                 <c:pt idx="16">
-                  <c:v>1.9500000000000099</c:v>
+                  <c:v>1.9500000000000102</c:v>
                 </c:pt>
                 <c:pt idx="17">
                   <c:v>1.4</c:v>
@@ -2594,7 +2594,7 @@
                   <c:v>1.45</c:v>
                 </c:pt>
                 <c:pt idx="26">
-                  <c:v>1.9900000000000111</c:v>
+                  <c:v>1.9900000000000113</c:v>
                 </c:pt>
                 <c:pt idx="27">
                   <c:v>3</c:v>
@@ -2636,7 +2636,7 @@
                   <c:v>2.04</c:v>
                 </c:pt>
                 <c:pt idx="40">
-                  <c:v>1.96000000000001</c:v>
+                  <c:v>1.9600000000000102</c:v>
                 </c:pt>
                 <c:pt idx="41">
                   <c:v>3.09</c:v>
@@ -2711,11 +2711,11 @@
             </c:numRef>
           </c:yVal>
         </c:ser>
-        <c:axId val="64289024"/>
-        <c:axId val="64913792"/>
+        <c:axId val="59455744"/>
+        <c:axId val="59478400"/>
       </c:scatterChart>
       <c:valAx>
-        <c:axId val="64289024"/>
+        <c:axId val="59455744"/>
         <c:scaling>
           <c:orientation val="minMax"/>
         </c:scaling>
@@ -2751,13 +2751,13 @@
             <a:endParaRPr lang="es-ES"/>
           </a:p>
         </c:txPr>
-        <c:crossAx val="64913792"/>
+        <c:crossAx val="59478400"/>
         <c:crosses val="autoZero"/>
         <c:crossBetween val="midCat"/>
         <c:majorUnit val="5"/>
       </c:valAx>
       <c:valAx>
-        <c:axId val="64913792"/>
+        <c:axId val="59478400"/>
         <c:scaling>
           <c:orientation val="minMax"/>
         </c:scaling>
@@ -2801,7 +2801,7 @@
             <a:endParaRPr lang="es-ES"/>
           </a:p>
         </c:txPr>
-        <c:crossAx val="64289024"/>
+        <c:crossAx val="59455744"/>
         <c:crosses val="autoZero"/>
         <c:crossBetween val="midCat"/>
       </c:valAx>
@@ -2814,7 +2814,7 @@
           <c:yMode val="edge"/>
           <c:x val="0.74133589770230268"/>
           <c:y val="0.71233526043915962"/>
-          <c:w val="0.2420143434757262"/>
+          <c:w val="0.24201434347572626"/>
           <c:h val="0.16317756172635517"/>
         </c:manualLayout>
       </c:layout>
@@ -2869,7 +2869,7 @@
           <c:x val="5.0128971669717602E-2"/>
           <c:y val="0.16285573489051136"/>
           <c:w val="0.91229087688864363"/>
-          <c:h val="0.4284466752376257"/>
+          <c:h val="0.42844667523762586"/>
         </c:manualLayout>
       </c:layout>
       <c:scatterChart>
@@ -3090,7 +3090,7 @@
                   <c:v>0</c:v>
                 </c:pt>
                 <c:pt idx="1">
-                  <c:v>1.2189999999999874</c:v>
+                  <c:v>1.2189999999999872</c:v>
                 </c:pt>
                 <c:pt idx="2">
                   <c:v>2.4379999999999997</c:v>
@@ -3102,19 +3102,19 @@
                   <c:v>1.829</c:v>
                 </c:pt>
                 <c:pt idx="5">
-                  <c:v>1.2189999999999874</c:v>
+                  <c:v>1.2189999999999872</c:v>
                 </c:pt>
                 <c:pt idx="6">
-                  <c:v>1.2189999999999874</c:v>
+                  <c:v>1.2189999999999872</c:v>
                 </c:pt>
                 <c:pt idx="7">
-                  <c:v>1.2189999999999874</c:v>
+                  <c:v>1.2189999999999872</c:v>
                 </c:pt>
                 <c:pt idx="8">
                   <c:v>2.4379999999999997</c:v>
                 </c:pt>
                 <c:pt idx="9">
-                  <c:v>1.2189999999999874</c:v>
+                  <c:v>1.2189999999999872</c:v>
                 </c:pt>
                 <c:pt idx="10">
                   <c:v>0.61000000000000065</c:v>
@@ -3123,22 +3123,22 @@
                   <c:v>3.048</c:v>
                 </c:pt>
                 <c:pt idx="12">
-                  <c:v>1.2189999999999874</c:v>
+                  <c:v>1.2189999999999872</c:v>
                 </c:pt>
                 <c:pt idx="13">
                   <c:v>0.61000000000000065</c:v>
                 </c:pt>
                 <c:pt idx="14">
-                  <c:v>1.2189999999999874</c:v>
+                  <c:v>1.2189999999999872</c:v>
                 </c:pt>
                 <c:pt idx="15">
                   <c:v>2.4379999999999997</c:v>
                 </c:pt>
                 <c:pt idx="16">
-                  <c:v>1.2189999999999874</c:v>
+                  <c:v>1.2189999999999872</c:v>
                 </c:pt>
                 <c:pt idx="17">
-                  <c:v>1.2189999999999874</c:v>
+                  <c:v>1.2189999999999872</c:v>
                 </c:pt>
                 <c:pt idx="18">
                   <c:v>0.61000000000000065</c:v>
@@ -3156,7 +3156,7 @@
                   <c:v>3.048</c:v>
                 </c:pt>
                 <c:pt idx="23">
-                  <c:v>1.2189999999999874</c:v>
+                  <c:v>1.2189999999999872</c:v>
                 </c:pt>
                 <c:pt idx="24">
                   <c:v>1.829</c:v>
@@ -3180,34 +3180,34 @@
                   <c:v>0.61000000000000065</c:v>
                 </c:pt>
                 <c:pt idx="31">
-                  <c:v>1.2189999999999874</c:v>
+                  <c:v>1.2189999999999872</c:v>
                 </c:pt>
                 <c:pt idx="32">
-                  <c:v>1.2189999999999874</c:v>
+                  <c:v>1.2189999999999872</c:v>
                 </c:pt>
                 <c:pt idx="33">
-                  <c:v>1.2189999999999874</c:v>
+                  <c:v>1.2189999999999872</c:v>
                 </c:pt>
                 <c:pt idx="34">
-                  <c:v>1.2189999999999874</c:v>
+                  <c:v>1.2189999999999872</c:v>
                 </c:pt>
                 <c:pt idx="35">
-                  <c:v>1.2189999999999874</c:v>
+                  <c:v>1.2189999999999872</c:v>
                 </c:pt>
                 <c:pt idx="36">
                   <c:v>3.048</c:v>
                 </c:pt>
                 <c:pt idx="37">
-                  <c:v>1.2189999999999874</c:v>
+                  <c:v>1.2189999999999872</c:v>
                 </c:pt>
                 <c:pt idx="38">
                   <c:v>0.61000000000000065</c:v>
                 </c:pt>
                 <c:pt idx="39">
-                  <c:v>1.2189999999999874</c:v>
+                  <c:v>1.2189999999999872</c:v>
                 </c:pt>
                 <c:pt idx="40">
-                  <c:v>1.2189999999999874</c:v>
+                  <c:v>1.2189999999999872</c:v>
                 </c:pt>
                 <c:pt idx="41">
                   <c:v>2.4379999999999997</c:v>
@@ -3222,7 +3222,7 @@
                   <c:v>0.61000000000000065</c:v>
                 </c:pt>
                 <c:pt idx="45">
-                  <c:v>1.2189999999999874</c:v>
+                  <c:v>1.2189999999999872</c:v>
                 </c:pt>
                 <c:pt idx="46">
                   <c:v>4.8769999999999998</c:v>
@@ -3231,34 +3231,34 @@
                   <c:v>0.61000000000000065</c:v>
                 </c:pt>
                 <c:pt idx="48">
-                  <c:v>1.2189999999999874</c:v>
+                  <c:v>1.2189999999999872</c:v>
                 </c:pt>
                 <c:pt idx="49">
                   <c:v>7.3149999999999755</c:v>
                 </c:pt>
                 <c:pt idx="50">
-                  <c:v>1.2189999999999874</c:v>
+                  <c:v>1.2189999999999872</c:v>
                 </c:pt>
                 <c:pt idx="51">
-                  <c:v>1.2189999999999874</c:v>
+                  <c:v>1.2189999999999872</c:v>
                 </c:pt>
                 <c:pt idx="52">
                   <c:v>0.61000000000000065</c:v>
                 </c:pt>
                 <c:pt idx="53">
-                  <c:v>1.2189999999999874</c:v>
+                  <c:v>1.2189999999999872</c:v>
                 </c:pt>
                 <c:pt idx="54">
-                  <c:v>1.2189999999999874</c:v>
+                  <c:v>1.2189999999999872</c:v>
                 </c:pt>
                 <c:pt idx="55">
-                  <c:v>1.2189999999999874</c:v>
+                  <c:v>1.2189999999999872</c:v>
                 </c:pt>
                 <c:pt idx="56">
                   <c:v>2.4379999999999997</c:v>
                 </c:pt>
                 <c:pt idx="57">
-                  <c:v>1.2189999999999874</c:v>
+                  <c:v>1.2189999999999872</c:v>
                 </c:pt>
                 <c:pt idx="58">
                   <c:v>4.8769999999999998</c:v>
@@ -3270,7 +3270,7 @@
                   <c:v>2.4379999999999997</c:v>
                 </c:pt>
                 <c:pt idx="61">
-                  <c:v>1.2189999999999874</c:v>
+                  <c:v>1.2189999999999872</c:v>
                 </c:pt>
                 <c:pt idx="62">
                   <c:v>0.61000000000000065</c:v>
@@ -3548,7 +3548,7 @@
                   <c:v>0.96900000000000064</c:v>
                 </c:pt>
                 <c:pt idx="14">
-                  <c:v>1.2769999999999888</c:v>
+                  <c:v>1.2769999999999886</c:v>
                 </c:pt>
                 <c:pt idx="15">
                   <c:v>3.0789999999999997</c:v>
@@ -3560,13 +3560,13 @@
                   <c:v>1.1990000000000001</c:v>
                 </c:pt>
                 <c:pt idx="18">
-                  <c:v>1.0249999999999888</c:v>
+                  <c:v>1.0249999999999886</c:v>
                 </c:pt>
                 <c:pt idx="19">
-                  <c:v>1.0409999999999897</c:v>
+                  <c:v>1.0409999999999895</c:v>
                 </c:pt>
                 <c:pt idx="20">
-                  <c:v>1.9940000000000111</c:v>
+                  <c:v>1.9940000000000113</c:v>
                 </c:pt>
                 <c:pt idx="21">
                   <c:v>2.6759999999999997</c:v>
@@ -3599,7 +3599,7 @@
                   <c:v>1.127</c:v>
                 </c:pt>
                 <c:pt idx="31">
-                  <c:v>1.1619999999999893</c:v>
+                  <c:v>1.161999999999989</c:v>
                 </c:pt>
                 <c:pt idx="32">
                   <c:v>1.175</c:v>
@@ -3614,7 +3614,7 @@
                   <c:v>2.0880000000000001</c:v>
                 </c:pt>
                 <c:pt idx="36">
-                  <c:v>1.95400000000001</c:v>
+                  <c:v>1.9540000000000102</c:v>
                 </c:pt>
                 <c:pt idx="37">
                   <c:v>1.073</c:v>
@@ -3623,7 +3623,7 @@
                   <c:v>0.93200000000000005</c:v>
                 </c:pt>
                 <c:pt idx="39">
-                  <c:v>1.2209999999999874</c:v>
+                  <c:v>1.2209999999999872</c:v>
                 </c:pt>
                 <c:pt idx="40">
                   <c:v>1.081</c:v>
@@ -3638,7 +3638,7 @@
                   <c:v>1.538</c:v>
                 </c:pt>
                 <c:pt idx="44">
-                  <c:v>1.0569999999999899</c:v>
+                  <c:v>1.0569999999999897</c:v>
                 </c:pt>
                 <c:pt idx="45">
                   <c:v>1.028</c:v>
@@ -3656,10 +3656,10 @@
                   <c:v>6.8039999999999985</c:v>
                 </c:pt>
                 <c:pt idx="50">
-                  <c:v>1.0489999999999899</c:v>
+                  <c:v>1.0489999999999897</c:v>
                 </c:pt>
                 <c:pt idx="51">
-                  <c:v>1.4489999999999874</c:v>
+                  <c:v>1.4489999999999872</c:v>
                 </c:pt>
                 <c:pt idx="52">
                   <c:v>0.91600000000000004</c:v>
@@ -3689,7 +3689,7 @@
                   <c:v>1.599</c:v>
                 </c:pt>
                 <c:pt idx="61">
-                  <c:v>1.56299999999999</c:v>
+                  <c:v>1.5629999999999897</c:v>
                 </c:pt>
                 <c:pt idx="62">
                   <c:v>0.99199999999999999</c:v>
@@ -3701,11 +3701,11 @@
             </c:numRef>
           </c:yVal>
         </c:ser>
-        <c:axId val="64935040"/>
-        <c:axId val="64936960"/>
+        <c:axId val="59499648"/>
+        <c:axId val="59501568"/>
       </c:scatterChart>
       <c:valAx>
-        <c:axId val="64935040"/>
+        <c:axId val="59499648"/>
         <c:scaling>
           <c:orientation val="minMax"/>
         </c:scaling>
@@ -3741,13 +3741,13 @@
             <a:endParaRPr lang="es-ES"/>
           </a:p>
         </c:txPr>
-        <c:crossAx val="64936960"/>
+        <c:crossAx val="59501568"/>
         <c:crosses val="autoZero"/>
         <c:crossBetween val="midCat"/>
         <c:majorUnit val="5"/>
       </c:valAx>
       <c:valAx>
-        <c:axId val="64936960"/>
+        <c:axId val="59501568"/>
         <c:scaling>
           <c:orientation val="minMax"/>
         </c:scaling>
@@ -3791,7 +3791,7 @@
             <a:endParaRPr lang="es-ES"/>
           </a:p>
         </c:txPr>
-        <c:crossAx val="64935040"/>
+        <c:crossAx val="59499648"/>
         <c:crosses val="autoZero"/>
         <c:crossBetween val="midCat"/>
       </c:valAx>
@@ -3804,7 +3804,7 @@
           <c:yMode val="edge"/>
           <c:x val="0.74133589770230268"/>
           <c:y val="0.71233526043915962"/>
-          <c:w val="0.24201434347572606"/>
+          <c:w val="0.24201434347572612"/>
           <c:h val="0.16317756172635517"/>
         </c:manualLayout>
       </c:layout>
@@ -3840,7 +3840,7 @@
           <c:x val="0.10048349150099888"/>
           <c:y val="4.1238940589567646E-2"/>
           <c:w val="0.87042860499284569"/>
-          <c:h val="0.7593513820844886"/>
+          <c:h val="0.75935138208448871"/>
         </c:manualLayout>
       </c:layout>
       <c:scatterChart>
@@ -3884,13 +3884,13 @@
                   <c:v>1.87</c:v>
                 </c:pt>
                 <c:pt idx="7">
-                  <c:v>1.9500000000000099</c:v>
+                  <c:v>1.9500000000000102</c:v>
                 </c:pt>
                 <c:pt idx="8">
                   <c:v>2.4899999999999998</c:v>
                 </c:pt>
                 <c:pt idx="9">
-                  <c:v>1.6800000000000099</c:v>
+                  <c:v>1.6800000000000102</c:v>
                 </c:pt>
                 <c:pt idx="10">
                   <c:v>2.98</c:v>
@@ -3908,7 +3908,7 @@
                   <c:v>3.3099999999999987</c:v>
                 </c:pt>
                 <c:pt idx="15">
-                  <c:v>1.9500000000000099</c:v>
+                  <c:v>1.9500000000000102</c:v>
                 </c:pt>
                 <c:pt idx="16">
                   <c:v>1.4</c:v>
@@ -3938,7 +3938,7 @@
                   <c:v>1.45</c:v>
                 </c:pt>
                 <c:pt idx="25">
-                  <c:v>1.9900000000000111</c:v>
+                  <c:v>1.9900000000000113</c:v>
                 </c:pt>
                 <c:pt idx="26">
                   <c:v>3</c:v>
@@ -3980,7 +3980,7 @@
                   <c:v>2.04</c:v>
                 </c:pt>
                 <c:pt idx="39">
-                  <c:v>1.96000000000001</c:v>
+                  <c:v>1.9600000000000102</c:v>
                 </c:pt>
                 <c:pt idx="40">
                   <c:v>3.09</c:v>
@@ -4064,7 +4064,7 @@
                 <c:formatCode>General</c:formatCode>
                 <c:ptCount val="64"/>
                 <c:pt idx="0">
-                  <c:v>1.2189999999999874</c:v>
+                  <c:v>1.2189999999999872</c:v>
                 </c:pt>
                 <c:pt idx="1">
                   <c:v>2.4379999999999997</c:v>
@@ -4076,19 +4076,19 @@
                   <c:v>1.829</c:v>
                 </c:pt>
                 <c:pt idx="4">
-                  <c:v>1.2189999999999874</c:v>
+                  <c:v>1.2189999999999872</c:v>
                 </c:pt>
                 <c:pt idx="5">
-                  <c:v>1.2189999999999874</c:v>
+                  <c:v>1.2189999999999872</c:v>
                 </c:pt>
                 <c:pt idx="6">
-                  <c:v>1.2189999999999874</c:v>
+                  <c:v>1.2189999999999872</c:v>
                 </c:pt>
                 <c:pt idx="7">
                   <c:v>2.4379999999999997</c:v>
                 </c:pt>
                 <c:pt idx="8">
-                  <c:v>1.2189999999999874</c:v>
+                  <c:v>1.2189999999999872</c:v>
                 </c:pt>
                 <c:pt idx="9">
                   <c:v>0.61000000000000065</c:v>
@@ -4097,22 +4097,22 @@
                   <c:v>3.048</c:v>
                 </c:pt>
                 <c:pt idx="11">
-                  <c:v>1.2189999999999874</c:v>
+                  <c:v>1.2189999999999872</c:v>
                 </c:pt>
                 <c:pt idx="12">
                   <c:v>0.61000000000000065</c:v>
                 </c:pt>
                 <c:pt idx="13">
-                  <c:v>1.2189999999999874</c:v>
+                  <c:v>1.2189999999999872</c:v>
                 </c:pt>
                 <c:pt idx="14">
                   <c:v>2.4379999999999997</c:v>
                 </c:pt>
                 <c:pt idx="15">
-                  <c:v>1.2189999999999874</c:v>
+                  <c:v>1.2189999999999872</c:v>
                 </c:pt>
                 <c:pt idx="16">
-                  <c:v>1.2189999999999874</c:v>
+                  <c:v>1.2189999999999872</c:v>
                 </c:pt>
                 <c:pt idx="17">
                   <c:v>0.61000000000000065</c:v>
@@ -4130,7 +4130,7 @@
                   <c:v>3.048</c:v>
                 </c:pt>
                 <c:pt idx="22">
-                  <c:v>1.2189999999999874</c:v>
+                  <c:v>1.2189999999999872</c:v>
                 </c:pt>
                 <c:pt idx="23">
                   <c:v>1.829</c:v>
@@ -4154,34 +4154,34 @@
                   <c:v>0.61000000000000065</c:v>
                 </c:pt>
                 <c:pt idx="30">
-                  <c:v>1.2189999999999874</c:v>
+                  <c:v>1.2189999999999872</c:v>
                 </c:pt>
                 <c:pt idx="31">
-                  <c:v>1.2189999999999874</c:v>
+                  <c:v>1.2189999999999872</c:v>
                 </c:pt>
                 <c:pt idx="32">
-                  <c:v>1.2189999999999874</c:v>
+                  <c:v>1.2189999999999872</c:v>
                 </c:pt>
                 <c:pt idx="33">
-                  <c:v>1.2189999999999874</c:v>
+                  <c:v>1.2189999999999872</c:v>
                 </c:pt>
                 <c:pt idx="34">
-                  <c:v>1.2189999999999874</c:v>
+                  <c:v>1.2189999999999872</c:v>
                 </c:pt>
                 <c:pt idx="35">
                   <c:v>3.048</c:v>
                 </c:pt>
                 <c:pt idx="36">
-                  <c:v>1.2189999999999874</c:v>
+                  <c:v>1.2189999999999872</c:v>
                 </c:pt>
                 <c:pt idx="37">
                   <c:v>0.61000000000000065</c:v>
                 </c:pt>
                 <c:pt idx="38">
-                  <c:v>1.2189999999999874</c:v>
+                  <c:v>1.2189999999999872</c:v>
                 </c:pt>
                 <c:pt idx="39">
-                  <c:v>1.2189999999999874</c:v>
+                  <c:v>1.2189999999999872</c:v>
                 </c:pt>
                 <c:pt idx="40">
                   <c:v>2.4379999999999997</c:v>
@@ -4196,7 +4196,7 @@
                   <c:v>0.61000000000000065</c:v>
                 </c:pt>
                 <c:pt idx="44">
-                  <c:v>1.2189999999999874</c:v>
+                  <c:v>1.2189999999999872</c:v>
                 </c:pt>
                 <c:pt idx="45">
                   <c:v>4.8769999999999998</c:v>
@@ -4205,34 +4205,34 @@
                   <c:v>0.61000000000000065</c:v>
                 </c:pt>
                 <c:pt idx="47">
-                  <c:v>1.2189999999999874</c:v>
+                  <c:v>1.2189999999999872</c:v>
                 </c:pt>
                 <c:pt idx="48">
                   <c:v>7.3149999999999755</c:v>
                 </c:pt>
                 <c:pt idx="49">
-                  <c:v>1.2189999999999874</c:v>
+                  <c:v>1.2189999999999872</c:v>
                 </c:pt>
                 <c:pt idx="50">
-                  <c:v>1.2189999999999874</c:v>
+                  <c:v>1.2189999999999872</c:v>
                 </c:pt>
                 <c:pt idx="51">
                   <c:v>0.61000000000000065</c:v>
                 </c:pt>
                 <c:pt idx="52">
-                  <c:v>1.2189999999999874</c:v>
+                  <c:v>1.2189999999999872</c:v>
                 </c:pt>
                 <c:pt idx="53">
-                  <c:v>1.2189999999999874</c:v>
+                  <c:v>1.2189999999999872</c:v>
                 </c:pt>
                 <c:pt idx="54">
-                  <c:v>1.2189999999999874</c:v>
+                  <c:v>1.2189999999999872</c:v>
                 </c:pt>
                 <c:pt idx="55">
                   <c:v>2.4379999999999997</c:v>
                 </c:pt>
                 <c:pt idx="56">
-                  <c:v>1.2189999999999874</c:v>
+                  <c:v>1.2189999999999872</c:v>
                 </c:pt>
                 <c:pt idx="57">
                   <c:v>4.8769999999999998</c:v>
@@ -4244,7 +4244,7 @@
                   <c:v>2.4379999999999997</c:v>
                 </c:pt>
                 <c:pt idx="60">
-                  <c:v>1.2189999999999874</c:v>
+                  <c:v>1.2189999999999872</c:v>
                 </c:pt>
                 <c:pt idx="61">
                   <c:v>0.61000000000000065</c:v>
@@ -4253,7 +4253,7 @@
                   <c:v>3.048</c:v>
                 </c:pt>
                 <c:pt idx="63">
-                  <c:v>1.2189999999999874</c:v>
+                  <c:v>1.2189999999999872</c:v>
                 </c:pt>
               </c:numCache>
             </c:numRef>
@@ -4360,11 +4360,11 @@
             </c:numRef>
           </c:yVal>
         </c:ser>
-        <c:axId val="64832256"/>
-        <c:axId val="64834176"/>
+        <c:axId val="64131840"/>
+        <c:axId val="64133760"/>
       </c:scatterChart>
       <c:valAx>
-        <c:axId val="64832256"/>
+        <c:axId val="64131840"/>
         <c:scaling>
           <c:orientation val="minMax"/>
           <c:max val="8"/>
@@ -4406,13 +4406,13 @@
             <a:endParaRPr lang="es-ES"/>
           </a:p>
         </c:txPr>
-        <c:crossAx val="64834176"/>
+        <c:crossAx val="64133760"/>
         <c:crosses val="autoZero"/>
         <c:crossBetween val="midCat"/>
         <c:majorUnit val="2"/>
       </c:valAx>
       <c:valAx>
-        <c:axId val="64834176"/>
+        <c:axId val="64133760"/>
         <c:scaling>
           <c:orientation val="minMax"/>
         </c:scaling>
@@ -4457,7 +4457,7 @@
             <a:endParaRPr lang="es-ES"/>
           </a:p>
         </c:txPr>
-        <c:crossAx val="64832256"/>
+        <c:crossAx val="64131840"/>
         <c:crosses val="autoZero"/>
         <c:crossBetween val="midCat"/>
       </c:valAx>
@@ -4483,7 +4483,7 @@
           <c:x val="0.10048349150099888"/>
           <c:y val="4.1238940589567646E-2"/>
           <c:w val="0.87042860499284569"/>
-          <c:h val="0.75935138208448816"/>
+          <c:h val="0.75935138208448838"/>
         </c:manualLayout>
       </c:layout>
       <c:scatterChart>
@@ -4545,7 +4545,7 @@
                   <c:v>0.96900000000000064</c:v>
                 </c:pt>
                 <c:pt idx="13">
-                  <c:v>1.2769999999999888</c:v>
+                  <c:v>1.2769999999999886</c:v>
                 </c:pt>
                 <c:pt idx="14">
                   <c:v>3.0789999999999997</c:v>
@@ -4557,13 +4557,13 @@
                   <c:v>1.1990000000000001</c:v>
                 </c:pt>
                 <c:pt idx="17">
-                  <c:v>1.0249999999999888</c:v>
+                  <c:v>1.0249999999999886</c:v>
                 </c:pt>
                 <c:pt idx="18">
-                  <c:v>1.0409999999999897</c:v>
+                  <c:v>1.0409999999999895</c:v>
                 </c:pt>
                 <c:pt idx="19">
-                  <c:v>1.9940000000000111</c:v>
+                  <c:v>1.9940000000000113</c:v>
                 </c:pt>
                 <c:pt idx="20">
                   <c:v>2.6759999999999997</c:v>
@@ -4596,7 +4596,7 @@
                   <c:v>1.127</c:v>
                 </c:pt>
                 <c:pt idx="30">
-                  <c:v>1.1619999999999893</c:v>
+                  <c:v>1.161999999999989</c:v>
                 </c:pt>
                 <c:pt idx="31">
                   <c:v>1.175</c:v>
@@ -4611,7 +4611,7 @@
                   <c:v>2.0880000000000001</c:v>
                 </c:pt>
                 <c:pt idx="35">
-                  <c:v>1.95400000000001</c:v>
+                  <c:v>1.9540000000000102</c:v>
                 </c:pt>
                 <c:pt idx="36">
                   <c:v>1.073</c:v>
@@ -4620,7 +4620,7 @@
                   <c:v>0.93200000000000005</c:v>
                 </c:pt>
                 <c:pt idx="38">
-                  <c:v>1.2209999999999874</c:v>
+                  <c:v>1.2209999999999872</c:v>
                 </c:pt>
                 <c:pt idx="39">
                   <c:v>1.081</c:v>
@@ -4635,7 +4635,7 @@
                   <c:v>1.538</c:v>
                 </c:pt>
                 <c:pt idx="43">
-                  <c:v>1.0569999999999899</c:v>
+                  <c:v>1.0569999999999897</c:v>
                 </c:pt>
                 <c:pt idx="44">
                   <c:v>1.028</c:v>
@@ -4653,10 +4653,10 @@
                   <c:v>6.8039999999999985</c:v>
                 </c:pt>
                 <c:pt idx="49">
-                  <c:v>1.0489999999999899</c:v>
+                  <c:v>1.0489999999999897</c:v>
                 </c:pt>
                 <c:pt idx="50">
-                  <c:v>1.4489999999999874</c:v>
+                  <c:v>1.4489999999999872</c:v>
                 </c:pt>
                 <c:pt idx="51">
                   <c:v>0.91600000000000004</c:v>
@@ -4686,7 +4686,7 @@
                   <c:v>1.599</c:v>
                 </c:pt>
                 <c:pt idx="60">
-                  <c:v>1.56299999999999</c:v>
+                  <c:v>1.5629999999999897</c:v>
                 </c:pt>
                 <c:pt idx="61">
                   <c:v>0.99199999999999999</c:v>
@@ -4707,7 +4707,7 @@
                 <c:formatCode>General</c:formatCode>
                 <c:ptCount val="64"/>
                 <c:pt idx="0">
-                  <c:v>1.2189999999999874</c:v>
+                  <c:v>1.2189999999999872</c:v>
                 </c:pt>
                 <c:pt idx="1">
                   <c:v>2.4379999999999997</c:v>
@@ -4719,19 +4719,19 @@
                   <c:v>1.829</c:v>
                 </c:pt>
                 <c:pt idx="4">
-                  <c:v>1.2189999999999874</c:v>
+                  <c:v>1.2189999999999872</c:v>
                 </c:pt>
                 <c:pt idx="5">
-                  <c:v>1.2189999999999874</c:v>
+                  <c:v>1.2189999999999872</c:v>
                 </c:pt>
                 <c:pt idx="6">
-                  <c:v>1.2189999999999874</c:v>
+                  <c:v>1.2189999999999872</c:v>
                 </c:pt>
                 <c:pt idx="7">
                   <c:v>2.4379999999999997</c:v>
                 </c:pt>
                 <c:pt idx="8">
-                  <c:v>1.2189999999999874</c:v>
+                  <c:v>1.2189999999999872</c:v>
                 </c:pt>
                 <c:pt idx="9">
                   <c:v>0.61000000000000065</c:v>
@@ -4740,22 +4740,22 @@
                   <c:v>3.048</c:v>
                 </c:pt>
                 <c:pt idx="11">
-                  <c:v>1.2189999999999874</c:v>
+                  <c:v>1.2189999999999872</c:v>
                 </c:pt>
                 <c:pt idx="12">
                   <c:v>0.61000000000000065</c:v>
                 </c:pt>
                 <c:pt idx="13">
-                  <c:v>1.2189999999999874</c:v>
+                  <c:v>1.2189999999999872</c:v>
                 </c:pt>
                 <c:pt idx="14">
                   <c:v>2.4379999999999997</c:v>
                 </c:pt>
                 <c:pt idx="15">
-                  <c:v>1.2189999999999874</c:v>
+                  <c:v>1.2189999999999872</c:v>
                 </c:pt>
                 <c:pt idx="16">
-                  <c:v>1.2189999999999874</c:v>
+                  <c:v>1.2189999999999872</c:v>
                 </c:pt>
                 <c:pt idx="17">
                   <c:v>0.61000000000000065</c:v>
@@ -4773,7 +4773,7 @@
                   <c:v>3.048</c:v>
                 </c:pt>
                 <c:pt idx="22">
-                  <c:v>1.2189999999999874</c:v>
+                  <c:v>1.2189999999999872</c:v>
                 </c:pt>
                 <c:pt idx="23">
                   <c:v>1.829</c:v>
@@ -4797,34 +4797,34 @@
                   <c:v>0.61000000000000065</c:v>
                 </c:pt>
                 <c:pt idx="30">
-                  <c:v>1.2189999999999874</c:v>
+                  <c:v>1.2189999999999872</c:v>
                 </c:pt>
                 <c:pt idx="31">
-                  <c:v>1.2189999999999874</c:v>
+                  <c:v>1.2189999999999872</c:v>
                 </c:pt>
                 <c:pt idx="32">
-                  <c:v>1.2189999999999874</c:v>
+                  <c:v>1.2189999999999872</c:v>
                 </c:pt>
                 <c:pt idx="33">
-                  <c:v>1.2189999999999874</c:v>
+                  <c:v>1.2189999999999872</c:v>
                 </c:pt>
                 <c:pt idx="34">
-                  <c:v>1.2189999999999874</c:v>
+                  <c:v>1.2189999999999872</c:v>
                 </c:pt>
                 <c:pt idx="35">
                   <c:v>3.048</c:v>
                 </c:pt>
                 <c:pt idx="36">
-                  <c:v>1.2189999999999874</c:v>
+                  <c:v>1.2189999999999872</c:v>
                 </c:pt>
                 <c:pt idx="37">
                   <c:v>0.61000000000000065</c:v>
                 </c:pt>
                 <c:pt idx="38">
-                  <c:v>1.2189999999999874</c:v>
+                  <c:v>1.2189999999999872</c:v>
                 </c:pt>
                 <c:pt idx="39">
-                  <c:v>1.2189999999999874</c:v>
+                  <c:v>1.2189999999999872</c:v>
                 </c:pt>
                 <c:pt idx="40">
                   <c:v>2.4379999999999997</c:v>
@@ -4839,7 +4839,7 @@
                   <c:v>0.61000000000000065</c:v>
                 </c:pt>
                 <c:pt idx="44">
-                  <c:v>1.2189999999999874</c:v>
+                  <c:v>1.2189999999999872</c:v>
                 </c:pt>
                 <c:pt idx="45">
                   <c:v>4.8769999999999998</c:v>
@@ -4848,34 +4848,34 @@
                   <c:v>0.61000000000000065</c:v>
                 </c:pt>
                 <c:pt idx="47">
-                  <c:v>1.2189999999999874</c:v>
+                  <c:v>1.2189999999999872</c:v>
                 </c:pt>
                 <c:pt idx="48">
                   <c:v>7.3149999999999755</c:v>
                 </c:pt>
                 <c:pt idx="49">
-                  <c:v>1.2189999999999874</c:v>
+                  <c:v>1.2189999999999872</c:v>
                 </c:pt>
                 <c:pt idx="50">
-                  <c:v>1.2189999999999874</c:v>
+                  <c:v>1.2189999999999872</c:v>
                 </c:pt>
                 <c:pt idx="51">
                   <c:v>0.61000000000000065</c:v>
                 </c:pt>
                 <c:pt idx="52">
-                  <c:v>1.2189999999999874</c:v>
+                  <c:v>1.2189999999999872</c:v>
                 </c:pt>
                 <c:pt idx="53">
-                  <c:v>1.2189999999999874</c:v>
+                  <c:v>1.2189999999999872</c:v>
                 </c:pt>
                 <c:pt idx="54">
-                  <c:v>1.2189999999999874</c:v>
+                  <c:v>1.2189999999999872</c:v>
                 </c:pt>
                 <c:pt idx="55">
                   <c:v>2.4379999999999997</c:v>
                 </c:pt>
                 <c:pt idx="56">
-                  <c:v>1.2189999999999874</c:v>
+                  <c:v>1.2189999999999872</c:v>
                 </c:pt>
                 <c:pt idx="57">
                   <c:v>4.8769999999999998</c:v>
@@ -4887,7 +4887,7 @@
                   <c:v>2.4379999999999997</c:v>
                 </c:pt>
                 <c:pt idx="60">
-                  <c:v>1.2189999999999874</c:v>
+                  <c:v>1.2189999999999872</c:v>
                 </c:pt>
                 <c:pt idx="61">
                   <c:v>0.61000000000000065</c:v>
@@ -4896,7 +4896,7 @@
                   <c:v>3.048</c:v>
                 </c:pt>
                 <c:pt idx="63">
-                  <c:v>1.2189999999999874</c:v>
+                  <c:v>1.2189999999999872</c:v>
                 </c:pt>
               </c:numCache>
             </c:numRef>
@@ -5003,11 +5003,11 @@
             </c:numRef>
           </c:yVal>
         </c:ser>
-        <c:axId val="64862848"/>
-        <c:axId val="64877312"/>
+        <c:axId val="64150144"/>
+        <c:axId val="65213184"/>
       </c:scatterChart>
       <c:valAx>
-        <c:axId val="64862848"/>
+        <c:axId val="64150144"/>
         <c:scaling>
           <c:orientation val="minMax"/>
           <c:max val="8"/>
@@ -5048,13 +5048,13 @@
             <a:endParaRPr lang="es-ES"/>
           </a:p>
         </c:txPr>
-        <c:crossAx val="64877312"/>
+        <c:crossAx val="65213184"/>
         <c:crosses val="autoZero"/>
         <c:crossBetween val="midCat"/>
         <c:majorUnit val="2"/>
       </c:valAx>
       <c:valAx>
-        <c:axId val="64877312"/>
+        <c:axId val="65213184"/>
         <c:scaling>
           <c:orientation val="minMax"/>
         </c:scaling>
@@ -5091,7 +5091,7 @@
             <a:endParaRPr lang="es-ES"/>
           </a:p>
         </c:txPr>
-        <c:crossAx val="64862848"/>
+        <c:crossAx val="64150144"/>
         <c:crosses val="autoZero"/>
         <c:crossBetween val="midCat"/>
       </c:valAx>
@@ -5158,7 +5158,7 @@
                 <c:formatCode>0%</c:formatCode>
                 <c:ptCount val="5"/>
                 <c:pt idx="0">
-                  <c:v>0.66000000000000136</c:v>
+                  <c:v>0.66000000000000159</c:v>
                 </c:pt>
                 <c:pt idx="1">
                   <c:v>0.82000000000000062</c:v>
@@ -5244,12 +5244,12 @@
           </c:val>
         </c:ser>
         <c:shape val="box"/>
-        <c:axId val="64984576"/>
-        <c:axId val="64986112"/>
+        <c:axId val="65259008"/>
+        <c:axId val="65260544"/>
         <c:axId val="0"/>
       </c:bar3DChart>
       <c:catAx>
-        <c:axId val="64984576"/>
+        <c:axId val="65259008"/>
         <c:scaling>
           <c:orientation val="minMax"/>
         </c:scaling>
@@ -5265,14 +5265,14 @@
             <a:endParaRPr lang="es-ES"/>
           </a:p>
         </c:txPr>
-        <c:crossAx val="64986112"/>
+        <c:crossAx val="65260544"/>
         <c:crosses val="autoZero"/>
         <c:auto val="1"/>
         <c:lblAlgn val="ctr"/>
         <c:lblOffset val="100"/>
       </c:catAx>
       <c:valAx>
-        <c:axId val="64986112"/>
+        <c:axId val="65260544"/>
         <c:scaling>
           <c:orientation val="minMax"/>
         </c:scaling>
@@ -5290,7 +5290,7 @@
             <a:endParaRPr lang="es-ES"/>
           </a:p>
         </c:txPr>
-        <c:crossAx val="64984576"/>
+        <c:crossAx val="65259008"/>
         <c:crosses val="autoZero"/>
         <c:crossBetween val="between"/>
       </c:valAx>
@@ -5378,7 +5378,7 @@
                   <c:v>1.35</c:v>
                 </c:pt>
                 <c:pt idx="2">
-                  <c:v>1.1800000000000022</c:v>
+                  <c:v>1.1800000000000024</c:v>
                 </c:pt>
                 <c:pt idx="3">
                   <c:v>0.99</c:v>
@@ -5458,12 +5458,12 @@
           </c:val>
         </c:ser>
         <c:shape val="cylinder"/>
-        <c:axId val="63122816"/>
-        <c:axId val="63124608"/>
+        <c:axId val="64044416"/>
+        <c:axId val="64046208"/>
         <c:axId val="0"/>
       </c:bar3DChart>
       <c:catAx>
-        <c:axId val="63122816"/>
+        <c:axId val="64044416"/>
         <c:scaling>
           <c:orientation val="minMax"/>
         </c:scaling>
@@ -5479,14 +5479,14 @@
             <a:endParaRPr lang="es-ES"/>
           </a:p>
         </c:txPr>
-        <c:crossAx val="63124608"/>
+        <c:crossAx val="64046208"/>
         <c:crosses val="autoZero"/>
         <c:auto val="1"/>
         <c:lblAlgn val="ctr"/>
         <c:lblOffset val="100"/>
       </c:catAx>
       <c:valAx>
-        <c:axId val="63124608"/>
+        <c:axId val="64046208"/>
         <c:scaling>
           <c:orientation val="minMax"/>
         </c:scaling>
@@ -5504,7 +5504,7 @@
             <a:endParaRPr lang="es-ES"/>
           </a:p>
         </c:txPr>
-        <c:crossAx val="63122816"/>
+        <c:crossAx val="64044416"/>
         <c:crosses val="autoZero"/>
         <c:crossBetween val="between"/>
       </c:valAx>
@@ -12133,11 +12133,7 @@
           <a:p>
             <a:r>
               <a:rPr lang="es-US" dirty="0" smtClean="0"/>
-              <a:t>Experimentación </a:t>
-            </a:r>
-            <a:r>
-              <a:rPr lang="es-US" dirty="0" smtClean="0"/>
-              <a:t>(9)</a:t>
+              <a:t>Experimentación (9)</a:t>
             </a:r>
             <a:endParaRPr lang="es-ES" dirty="0"/>
           </a:p>
@@ -12225,11 +12221,7 @@
           <a:p>
             <a:r>
               <a:rPr lang="es-US" dirty="0" smtClean="0"/>
-              <a:t>Experimentación </a:t>
-            </a:r>
-            <a:r>
-              <a:rPr lang="es-US" dirty="0" smtClean="0"/>
-              <a:t>(10)</a:t>
+              <a:t>Experimentación (10)</a:t>
             </a:r>
             <a:endParaRPr lang="es-ES" dirty="0"/>
           </a:p>
@@ -12317,11 +12309,7 @@
           <a:p>
             <a:r>
               <a:rPr lang="es-US" dirty="0" smtClean="0"/>
-              <a:t>Experimentación </a:t>
-            </a:r>
-            <a:r>
-              <a:rPr lang="es-US" dirty="0" smtClean="0"/>
-              <a:t>(11)</a:t>
+              <a:t>Experimentación (11)</a:t>
             </a:r>
             <a:endParaRPr lang="es-ES" dirty="0"/>
           </a:p>
@@ -12409,11 +12397,7 @@
           <a:p>
             <a:r>
               <a:rPr lang="es-US" dirty="0" smtClean="0"/>
-              <a:t>Experimentación </a:t>
-            </a:r>
-            <a:r>
-              <a:rPr lang="es-US" dirty="0" smtClean="0"/>
-              <a:t>(12)</a:t>
+              <a:t>Experimentación (12)</a:t>
             </a:r>
             <a:endParaRPr lang="es-ES" dirty="0"/>
           </a:p>
@@ -12440,17 +12424,8 @@
               <a:rPr lang="es-US" dirty="0" smtClean="0">
                 <a:latin typeface="+mj-lt"/>
               </a:rPr>
-              <a:t>Resultados </a:t>
-            </a:r>
-            <a:r>
-              <a:rPr lang="es-US" dirty="0" smtClean="0">
-                <a:latin typeface="+mj-lt"/>
-              </a:rPr>
-              <a:t>generales (3)</a:t>
-            </a:r>
-            <a:endParaRPr lang="es-US" dirty="0" smtClean="0">
-              <a:latin typeface="+mj-lt"/>
-            </a:endParaRPr>
+              <a:t>Resultados generales (3)</a:t>
+            </a:r>
           </a:p>
           <a:p>
             <a:endParaRPr lang="es-US" dirty="0" smtClean="0">
@@ -12508,13 +12483,7 @@
               <a:rPr lang="es-US" dirty="0" smtClean="0">
                 <a:latin typeface="+mj-lt"/>
               </a:rPr>
-              <a:t>Combinación óptima = </a:t>
-            </a:r>
-            <a:r>
-              <a:rPr lang="es-US" dirty="0" smtClean="0">
-                <a:latin typeface="+mj-lt"/>
-              </a:rPr>
-              <a:t>[SVM/WW3Last3DaysStrategy]</a:t>
+              <a:t>Combinación óptima = [SVM/WW3Last3DaysStrategy]</a:t>
             </a:r>
           </a:p>
           <a:p>
@@ -12649,11 +12618,7 @@
           <a:p>
             <a:r>
               <a:rPr lang="es-US" dirty="0" smtClean="0"/>
-              <a:t>Experimentación </a:t>
-            </a:r>
-            <a:r>
-              <a:rPr lang="es-US" dirty="0" smtClean="0"/>
-              <a:t>(13)</a:t>
+              <a:t>Experimentación (13)</a:t>
             </a:r>
             <a:endParaRPr lang="es-ES" dirty="0"/>
           </a:p>
@@ -13419,11 +13384,7 @@
           <a:p>
             <a:r>
               <a:rPr lang="es-US" dirty="0" smtClean="0"/>
-              <a:t>Experimentación </a:t>
-            </a:r>
-            <a:r>
-              <a:rPr lang="es-US" dirty="0" smtClean="0"/>
-              <a:t>(14)</a:t>
+              <a:t>Experimentación (14)</a:t>
             </a:r>
             <a:endParaRPr lang="es-ES" dirty="0"/>
           </a:p>
@@ -13649,11 +13610,7 @@
           <a:p>
             <a:r>
               <a:rPr lang="es-US" dirty="0" smtClean="0"/>
-              <a:t>Experimentación (</a:t>
-            </a:r>
-            <a:r>
-              <a:rPr lang="es-US" dirty="0" smtClean="0"/>
-              <a:t>15)</a:t>
+              <a:t>Experimentación (15)</a:t>
             </a:r>
             <a:endParaRPr lang="es-ES" dirty="0"/>
           </a:p>
@@ -13740,11 +13697,7 @@
           <a:p>
             <a:r>
               <a:rPr lang="es-US" dirty="0" smtClean="0"/>
-              <a:t>Experimentación (</a:t>
-            </a:r>
-            <a:r>
-              <a:rPr lang="es-US" dirty="0" smtClean="0"/>
-              <a:t>16)</a:t>
+              <a:t>Experimentación (16)</a:t>
             </a:r>
             <a:endParaRPr lang="es-ES" dirty="0"/>
           </a:p>
@@ -14352,7 +14305,9 @@
         </p:nvSpPr>
         <p:spPr/>
         <p:txBody>
-          <a:bodyPr/>
+          <a:bodyPr>
+            <a:normAutofit lnSpcReduction="10000"/>
+          </a:bodyPr>
           <a:lstStyle/>
           <a:p>
             <a:r>
@@ -14414,7 +14369,33 @@
               <a:rPr lang="es-AR" dirty="0" smtClean="0">
                 <a:latin typeface="+mj-lt"/>
               </a:rPr>
-              <a:t>Se evaluaron 4 algoritmos de clasificación : [Reg. Lineal, SVM, Redes neuronales, Arboles Modelo]</a:t>
+              <a:t>Se evaluaron 4 algoritmos de clasificación : </a:t>
+            </a:r>
+            <a:endParaRPr lang="es-AR" dirty="0" smtClean="0">
+              <a:latin typeface="+mj-lt"/>
+            </a:endParaRPr>
+          </a:p>
+          <a:p>
+            <a:pPr lvl="1">
+              <a:buNone/>
+            </a:pPr>
+            <a:r>
+              <a:rPr lang="es-AR" dirty="0" smtClean="0">
+                <a:latin typeface="+mj-lt"/>
+              </a:rPr>
+              <a:t>	</a:t>
+            </a:r>
+            <a:r>
+              <a:rPr lang="es-AR" dirty="0" smtClean="0">
+                <a:latin typeface="+mj-lt"/>
+              </a:rPr>
+              <a:t>[</a:t>
+            </a:r>
+            <a:r>
+              <a:rPr lang="es-AR" dirty="0" smtClean="0">
+                <a:latin typeface="+mj-lt"/>
+              </a:rPr>
+              <a:t>Reg. Lineal, SVM, Redes neuronales, Arboles Modelo]</a:t>
             </a:r>
           </a:p>
           <a:p>
@@ -16461,7 +16442,33 @@
               <a:rPr lang="es-US" dirty="0" smtClean="0">
                 <a:latin typeface="+mj-lt"/>
               </a:rPr>
-              <a:t>Técnica de validación cruzada de 10 conjuntos</a:t>
+              <a:t>Consideraciones generales (2):</a:t>
+            </a:r>
+          </a:p>
+          <a:p>
+            <a:pPr lvl="1"/>
+            <a:r>
+              <a:rPr lang="es-US" dirty="0" smtClean="0">
+                <a:latin typeface="+mj-lt"/>
+              </a:rPr>
+              <a:t>Técnica </a:t>
+            </a:r>
+            <a:r>
+              <a:rPr lang="es-US" dirty="0" smtClean="0">
+                <a:latin typeface="+mj-lt"/>
+              </a:rPr>
+              <a:t>de validación cruzada de 10 conjuntos</a:t>
+            </a:r>
+          </a:p>
+          <a:p>
+            <a:endParaRPr lang="es-US" dirty="0" smtClean="0">
+              <a:latin typeface="+mj-lt"/>
+            </a:endParaRPr>
+          </a:p>
+          <a:p>
+            <a:r>
+              <a:rPr lang="es-US" dirty="0" smtClean="0"/>
+              <a:t>Modelos de instancia</a:t>
             </a:r>
           </a:p>
           <a:p>
@@ -16499,14 +16506,6 @@
             <a:endParaRPr lang="es-US" dirty="0" smtClean="0">
               <a:latin typeface="+mj-lt"/>
             </a:endParaRPr>
-          </a:p>
-          <a:p>
-            <a:r>
-              <a:rPr lang="es-US" dirty="0" smtClean="0">
-                <a:latin typeface="+mj-lt"/>
-              </a:rPr>
-              <a:t>Modelos de instancia</a:t>
-            </a:r>
           </a:p>
         </p:txBody>
       </p:sp>
@@ -17436,23 +17435,8 @@
               <a:rPr lang="es-US" dirty="0" smtClean="0">
                 <a:latin typeface="+mj-lt"/>
               </a:rPr>
-              <a:t>Cambios en </a:t>
-            </a:r>
-            <a:r>
-              <a:rPr lang="es-US" dirty="0" smtClean="0">
-                <a:latin typeface="+mj-lt"/>
-              </a:rPr>
-              <a:t>la geografía o arquitectura de la </a:t>
-            </a:r>
-            <a:r>
-              <a:rPr lang="es-US" dirty="0" smtClean="0">
-                <a:latin typeface="+mj-lt"/>
-              </a:rPr>
-              <a:t>zona podrían requerir observaciones visuales actualizadas.</a:t>
-            </a:r>
-            <a:endParaRPr lang="es-US" dirty="0" smtClean="0">
-              <a:latin typeface="+mj-lt"/>
-            </a:endParaRPr>
+              <a:t>Cambios en la geografía o arquitectura de la zona podrían requerir observaciones visuales actualizadas.</a:t>
+            </a:r>
           </a:p>
           <a:p>
             <a:pPr lvl="1"/>
@@ -17623,14 +17607,28 @@
           </a:xfrm>
         </p:spPr>
         <p:txBody>
-          <a:bodyPr/>
+          <a:bodyPr>
+            <a:normAutofit fontScale="92500"/>
+          </a:bodyPr>
           <a:lstStyle/>
           <a:p>
             <a:r>
               <a:rPr lang="es-US" dirty="0" smtClean="0">
                 <a:latin typeface="+mj-lt"/>
               </a:rPr>
-              <a:t>Selección de puntos del modelo WAVEWATCH III.</a:t>
+              <a:t>Selección de </a:t>
+            </a:r>
+            <a:r>
+              <a:rPr lang="es-US" dirty="0" smtClean="0">
+                <a:latin typeface="+mj-lt"/>
+              </a:rPr>
+              <a:t>GridPoints óptimos </a:t>
+            </a:r>
+            <a:r>
+              <a:rPr lang="es-US" dirty="0" smtClean="0">
+                <a:latin typeface="+mj-lt"/>
+              </a:rPr>
+              <a:t>del modelo WAVEWATCH III.</a:t>
             </a:r>
           </a:p>
           <a:p>
@@ -23678,68 +23676,62 @@
               <a:rPr lang="es-US" dirty="0" smtClean="0">
                 <a:latin typeface="+mj-lt"/>
               </a:rPr>
-              <a:t>generales (1)</a:t>
+              <a:t>generales</a:t>
             </a:r>
             <a:endParaRPr lang="es-US" dirty="0" smtClean="0">
               <a:latin typeface="+mj-lt"/>
             </a:endParaRPr>
           </a:p>
           <a:p>
-            <a:pPr lvl="2"/>
+            <a:pPr lvl="1"/>
             <a:r>
               <a:rPr lang="es-US" dirty="0" smtClean="0">
                 <a:latin typeface="+mj-lt"/>
               </a:rPr>
-              <a:t>Olas a estudiar (Oahu - Hawái)</a:t>
-            </a:r>
-          </a:p>
-          <a:p>
-            <a:pPr lvl="2"/>
+              <a:t>Olas a estudiar (Oahu - Hawái</a:t>
+            </a:r>
             <a:r>
               <a:rPr lang="es-US" dirty="0" smtClean="0">
                 <a:latin typeface="+mj-lt"/>
               </a:rPr>
-              <a:t>Algoritmos de aprendizaje de máquina</a:t>
-            </a:r>
-          </a:p>
-          <a:p>
-            <a:pPr lvl="2"/>
+              <a:t>).</a:t>
+            </a:r>
+            <a:endParaRPr lang="es-US" dirty="0" smtClean="0">
+              <a:latin typeface="+mj-lt"/>
+            </a:endParaRPr>
+          </a:p>
+          <a:p>
+            <a:pPr lvl="1"/>
             <a:r>
               <a:rPr lang="es-US" dirty="0" smtClean="0">
                 <a:latin typeface="+mj-lt"/>
               </a:rPr>
-              <a:t>Modelos de instancia</a:t>
-            </a:r>
-          </a:p>
-          <a:p>
-            <a:pPr lvl="2"/>
+              <a:t>Algoritmos de aprendizaje de </a:t>
+            </a:r>
             <a:r>
               <a:rPr lang="es-US" dirty="0" smtClean="0">
                 <a:latin typeface="+mj-lt"/>
               </a:rPr>
-              <a:t>Métricas de evaluación de clasificadores</a:t>
-            </a:r>
-          </a:p>
-          <a:p>
-            <a:pPr lvl="2"/>
+              <a:t>máquina.</a:t>
+            </a:r>
+            <a:endParaRPr lang="es-US" dirty="0" smtClean="0">
+              <a:latin typeface="+mj-lt"/>
+            </a:endParaRPr>
+          </a:p>
+          <a:p>
+            <a:pPr lvl="1"/>
             <a:r>
               <a:rPr lang="es-US" dirty="0" smtClean="0">
                 <a:latin typeface="+mj-lt"/>
               </a:rPr>
-              <a:t>GridPoint WW3 óptimo para cada ola</a:t>
-            </a:r>
-          </a:p>
-          <a:p>
-            <a:pPr lvl="2"/>
+              <a:t>Modelos de </a:t>
+            </a:r>
             <a:r>
               <a:rPr lang="es-US" dirty="0" smtClean="0">
                 <a:latin typeface="+mj-lt"/>
               </a:rPr>
-              <a:t>Tamaño de conjunto de entrenamiento óptimo</a:t>
-            </a:r>
-          </a:p>
-          <a:p>
-            <a:pPr lvl="2"/>
+              <a:t>instancia.</a:t>
+            </a:r>
             <a:endParaRPr lang="es-US" dirty="0" smtClean="0">
               <a:latin typeface="+mj-lt"/>
             </a:endParaRPr>
@@ -23750,7 +23742,74 @@
               <a:rPr lang="es-US" dirty="0" smtClean="0">
                 <a:latin typeface="+mj-lt"/>
               </a:rPr>
-              <a:t>Obtenemos la combinación óptima [</a:t>
+              <a:t>GridPoint </a:t>
+            </a:r>
+            <a:r>
+              <a:rPr lang="es-US" dirty="0" smtClean="0">
+                <a:latin typeface="+mj-lt"/>
+              </a:rPr>
+              <a:t>WW3 óptimo para cada </a:t>
+            </a:r>
+            <a:r>
+              <a:rPr lang="es-US" dirty="0" smtClean="0">
+                <a:latin typeface="+mj-lt"/>
+              </a:rPr>
+              <a:t>ola.</a:t>
+            </a:r>
+            <a:endParaRPr lang="es-US" dirty="0" smtClean="0">
+              <a:latin typeface="+mj-lt"/>
+            </a:endParaRPr>
+          </a:p>
+          <a:p>
+            <a:pPr lvl="1"/>
+            <a:r>
+              <a:rPr lang="es-US" dirty="0" smtClean="0">
+                <a:latin typeface="+mj-lt"/>
+              </a:rPr>
+              <a:t>Tamaño de conjunto de entrenamiento </a:t>
+            </a:r>
+            <a:r>
+              <a:rPr lang="es-US" dirty="0" smtClean="0">
+                <a:latin typeface="+mj-lt"/>
+              </a:rPr>
+              <a:t>óptimo.</a:t>
+            </a:r>
+          </a:p>
+          <a:p>
+            <a:pPr lvl="1"/>
+            <a:r>
+              <a:rPr lang="es-US" dirty="0" smtClean="0"/>
+              <a:t>Métricas de evaluación de </a:t>
+            </a:r>
+            <a:r>
+              <a:rPr lang="es-US" dirty="0" smtClean="0"/>
+              <a:t>clasificadores.</a:t>
+            </a:r>
+            <a:endParaRPr lang="es-US" dirty="0" smtClean="0">
+              <a:latin typeface="+mj-lt"/>
+            </a:endParaRPr>
+          </a:p>
+          <a:p>
+            <a:pPr lvl="1"/>
+            <a:endParaRPr lang="es-US" dirty="0" smtClean="0">
+              <a:latin typeface="+mj-lt"/>
+            </a:endParaRPr>
+          </a:p>
+          <a:p>
+            <a:pPr lvl="1">
+              <a:buNone/>
+            </a:pPr>
+            <a:r>
+              <a:rPr lang="es-US" dirty="0" smtClean="0">
+                <a:latin typeface="+mj-lt"/>
+              </a:rPr>
+              <a:t>Obtenemos </a:t>
+            </a:r>
+            <a:r>
+              <a:rPr lang="es-US" dirty="0" smtClean="0">
+                <a:latin typeface="+mj-lt"/>
+              </a:rPr>
+              <a:t>la combinación óptima [</a:t>
             </a:r>
             <a:r>
               <a:rPr lang="es-US" dirty="0" err="1" smtClean="0">
@@ -23908,11 +23967,7 @@
           <a:p>
             <a:r>
               <a:rPr lang="es-US" dirty="0" smtClean="0"/>
-              <a:t>Experimentación </a:t>
-            </a:r>
-            <a:r>
-              <a:rPr lang="es-US" dirty="0" smtClean="0"/>
-              <a:t>(8)</a:t>
+              <a:t>Experimentación (8)</a:t>
             </a:r>
             <a:endParaRPr lang="es-ES" dirty="0"/>
           </a:p>

--- a/neuralito/ArfGen/docs/Entregas/Informe Final/presentacion/maxi2.pptx
+++ b/neuralito/ArfGen/docs/Entregas/Informe Final/presentacion/maxi2.pptx
@@ -234,25 +234,25 @@
                   <c:v>0.66595893894255365</c:v>
                 </c:pt>
                 <c:pt idx="1">
-                  <c:v>0.77390980695120548</c:v>
+                  <c:v>0.77390980695120559</c:v>
                 </c:pt>
                 <c:pt idx="2">
                   <c:v>0.82116824635668784</c:v>
                 </c:pt>
                 <c:pt idx="3">
-                  <c:v>0.84278473777508345</c:v>
+                  <c:v>0.84278473777508356</c:v>
                 </c:pt>
                 <c:pt idx="4">
-                  <c:v>0.84383865537210956</c:v>
+                  <c:v>0.84383865537210978</c:v>
                 </c:pt>
                 <c:pt idx="5">
                   <c:v>0.85894670929201788</c:v>
                 </c:pt>
                 <c:pt idx="6">
-                  <c:v>0.84967487574973155</c:v>
+                  <c:v>0.84967487574973166</c:v>
                 </c:pt>
                 <c:pt idx="7">
-                  <c:v>0.87199747639294956</c:v>
+                  <c:v>0.87199747639294978</c:v>
                 </c:pt>
                 <c:pt idx="8">
                   <c:v>0.87308657275405044</c:v>
@@ -261,10 +261,10 @@
                   <c:v>0.8805672244799716</c:v>
                 </c:pt>
                 <c:pt idx="10">
-                  <c:v>0.88425402324804137</c:v>
+                  <c:v>0.88425402324804159</c:v>
                 </c:pt>
                 <c:pt idx="11">
-                  <c:v>0.88378998114559304</c:v>
+                  <c:v>0.88378998114559315</c:v>
                 </c:pt>
                 <c:pt idx="12">
                   <c:v>0.88710112017025267</c:v>
@@ -273,10 +273,10 @@
                   <c:v>0.88859349505985463</c:v>
                 </c:pt>
                 <c:pt idx="14">
-                  <c:v>0.88932515639249599</c:v>
+                  <c:v>0.88932515639249621</c:v>
                 </c:pt>
                 <c:pt idx="15">
-                  <c:v>0.88979442278916898</c:v>
+                  <c:v>0.8897944227891692</c:v>
                 </c:pt>
                 <c:pt idx="16">
                   <c:v>0.89050470137757365</c:v>
@@ -381,10 +381,10 @@
                   <c:v>0.45195561849074034</c:v>
                 </c:pt>
                 <c:pt idx="1">
-                  <c:v>0.57215581949427963</c:v>
+                  <c:v>0.57215581949427974</c:v>
                 </c:pt>
                 <c:pt idx="2">
-                  <c:v>0.62450099068289611</c:v>
+                  <c:v>0.62450099068289622</c:v>
                 </c:pt>
                 <c:pt idx="3">
                   <c:v>0.66411572966000465</c:v>
@@ -393,7 +393,7 @@
                   <c:v>0.74483311690120912</c:v>
                 </c:pt>
                 <c:pt idx="5">
-                  <c:v>0.74913092370987577</c:v>
+                  <c:v>0.74913092370987588</c:v>
                 </c:pt>
                 <c:pt idx="6">
                   <c:v>0.7507812790712286</c:v>
@@ -402,7 +402,7 @@
                   <c:v>0.74615794410022251</c:v>
                 </c:pt>
                 <c:pt idx="8">
-                  <c:v>0.76473712742559108</c:v>
+                  <c:v>0.7647371274255913</c:v>
                 </c:pt>
                 <c:pt idx="9">
                   <c:v>0.78030975508297951</c:v>
@@ -417,7 +417,7 @@
                   <c:v>0.79454547384463925</c:v>
                 </c:pt>
                 <c:pt idx="13">
-                  <c:v>0.80275073868568037</c:v>
+                  <c:v>0.80275073868568059</c:v>
                 </c:pt>
                 <c:pt idx="14">
                   <c:v>0.8070254483799697</c:v>
@@ -426,10 +426,10 @@
                   <c:v>0.80758714251854524</c:v>
                 </c:pt>
                 <c:pt idx="16">
-                  <c:v>0.81189884836444193</c:v>
+                  <c:v>0.81189884836444204</c:v>
                 </c:pt>
                 <c:pt idx="17">
-                  <c:v>0.8126715663344648</c:v>
+                  <c:v>0.81267156633446491</c:v>
                 </c:pt>
                 <c:pt idx="18">
                   <c:v>0.81495442086601244</c:v>
@@ -527,43 +527,43 @@
                   <c:v>0.10918893085792125</c:v>
                 </c:pt>
                 <c:pt idx="2">
-                  <c:v>2.2061880915201559E-2</c:v>
+                  <c:v>2.2061880915201563E-2</c:v>
                 </c:pt>
                 <c:pt idx="3">
-                  <c:v>0.16744350433735897</c:v>
+                  <c:v>0.16744350433735902</c:v>
                 </c:pt>
                 <c:pt idx="4">
-                  <c:v>0.19606871899944528</c:v>
+                  <c:v>0.19606871899944531</c:v>
                 </c:pt>
                 <c:pt idx="5">
-                  <c:v>0.19883932721616654</c:v>
+                  <c:v>0.19883932721616657</c:v>
                 </c:pt>
                 <c:pt idx="6">
                   <c:v>0.21852557439483689</c:v>
                 </c:pt>
                 <c:pt idx="7">
-                  <c:v>0.18963030437506276</c:v>
+                  <c:v>0.18963030437506279</c:v>
                 </c:pt>
                 <c:pt idx="8">
-                  <c:v>0.31329234492981117</c:v>
+                  <c:v>0.31329234492981123</c:v>
                 </c:pt>
                 <c:pt idx="9">
                   <c:v>0.30854195458238609</c:v>
                 </c:pt>
                 <c:pt idx="10">
-                  <c:v>0.33996429339252943</c:v>
+                  <c:v>0.33996429339252959</c:v>
                 </c:pt>
                 <c:pt idx="11">
-                  <c:v>0.39000788763685645</c:v>
+                  <c:v>0.39000788763685657</c:v>
                 </c:pt>
                 <c:pt idx="12">
-                  <c:v>0.3745227879234051</c:v>
+                  <c:v>0.37452278792340526</c:v>
                 </c:pt>
                 <c:pt idx="13">
-                  <c:v>0.39639657365579722</c:v>
+                  <c:v>0.39639657365579734</c:v>
                 </c:pt>
                 <c:pt idx="14">
-                  <c:v>0.45661986014735273</c:v>
+                  <c:v>0.45661986014735284</c:v>
                 </c:pt>
                 <c:pt idx="15">
                   <c:v>0.48000000000000032</c:v>
@@ -668,19 +668,19 @@
                 <c:formatCode>0.00</c:formatCode>
                 <c:ptCount val="18"/>
                 <c:pt idx="0">
-                  <c:v>6.3837399085048777E-2</c:v>
+                  <c:v>6.3837399085048804E-2</c:v>
                 </c:pt>
                 <c:pt idx="1">
-                  <c:v>0.10509372944250721</c:v>
+                  <c:v>0.10509372944250724</c:v>
                 </c:pt>
                 <c:pt idx="2">
                   <c:v>0.12395822380363669</c:v>
                 </c:pt>
                 <c:pt idx="3">
-                  <c:v>0.17533238646771662</c:v>
+                  <c:v>0.17533238646771668</c:v>
                 </c:pt>
                 <c:pt idx="4">
-                  <c:v>0.18994629844945085</c:v>
+                  <c:v>0.18994629844945093</c:v>
                 </c:pt>
                 <c:pt idx="5">
                   <c:v>0.22687270194889519</c:v>
@@ -689,34 +689,34 @@
                   <c:v>0.23790997736954461</c:v>
                 </c:pt>
                 <c:pt idx="7">
-                  <c:v>0.23411148955337008</c:v>
+                  <c:v>0.23411148955337013</c:v>
                 </c:pt>
                 <c:pt idx="8">
                   <c:v>0.25778608542670911</c:v>
                 </c:pt>
                 <c:pt idx="9">
-                  <c:v>0.31056299933227532</c:v>
+                  <c:v>0.31056299933227544</c:v>
                 </c:pt>
                 <c:pt idx="10">
-                  <c:v>0.33877739342409324</c:v>
+                  <c:v>0.33877739342409335</c:v>
                 </c:pt>
                 <c:pt idx="11">
                   <c:v>0.35225259726803532</c:v>
                 </c:pt>
                 <c:pt idx="12">
-                  <c:v>0.35947445565100483</c:v>
+                  <c:v>0.35947445565100489</c:v>
                 </c:pt>
                 <c:pt idx="13">
-                  <c:v>0.39000000000000296</c:v>
+                  <c:v>0.39000000000000301</c:v>
                 </c:pt>
                 <c:pt idx="14">
-                  <c:v>0.39000000000000296</c:v>
+                  <c:v>0.39000000000000301</c:v>
                 </c:pt>
                 <c:pt idx="15">
                   <c:v>0.4</c:v>
                 </c:pt>
                 <c:pt idx="16">
-                  <c:v>0.40041490630404669</c:v>
+                  <c:v>0.40041490630404686</c:v>
                 </c:pt>
                 <c:pt idx="17">
                   <c:v>0.4</c:v>
@@ -808,7 +808,7 @@
                 <c:formatCode>General</c:formatCode>
                 <c:ptCount val="19"/>
                 <c:pt idx="0">
-                  <c:v>0.28931899175148845</c:v>
+                  <c:v>0.28931899175148856</c:v>
                 </c:pt>
                 <c:pt idx="1">
                   <c:v>0.30427205718078232</c:v>
@@ -817,46 +817,46 @@
                   <c:v>0.28833535935117605</c:v>
                 </c:pt>
                 <c:pt idx="3">
-                  <c:v>0.50673831628888955</c:v>
+                  <c:v>0.50673831628888977</c:v>
                 </c:pt>
                 <c:pt idx="4">
-                  <c:v>0.58986811562939245</c:v>
+                  <c:v>0.58986811562939256</c:v>
                 </c:pt>
                 <c:pt idx="5">
-                  <c:v>0.60174244358029172</c:v>
+                  <c:v>0.60174244358029183</c:v>
                 </c:pt>
                 <c:pt idx="6">
                   <c:v>0.62230234655114092</c:v>
                 </c:pt>
                 <c:pt idx="7">
-                  <c:v>0.64892172802499926</c:v>
+                  <c:v>0.64892172802499948</c:v>
                 </c:pt>
                 <c:pt idx="8">
                   <c:v>0.60213497372141267</c:v>
                 </c:pt>
                 <c:pt idx="9">
-                  <c:v>0.65929398719852605</c:v>
+                  <c:v>0.65929398719852617</c:v>
                 </c:pt>
                 <c:pt idx="10">
-                  <c:v>0.63740945216596534</c:v>
+                  <c:v>0.63740945216596545</c:v>
                 </c:pt>
                 <c:pt idx="11">
-                  <c:v>0.66496829605747942</c:v>
+                  <c:v>0.66496829605747965</c:v>
                 </c:pt>
                 <c:pt idx="12">
-                  <c:v>0.68587643695394085</c:v>
+                  <c:v>0.68587643695394096</c:v>
                 </c:pt>
                 <c:pt idx="13">
-                  <c:v>0.70280463859163755</c:v>
+                  <c:v>0.70280463859163766</c:v>
                 </c:pt>
                 <c:pt idx="14">
-                  <c:v>0.68555591749742406</c:v>
+                  <c:v>0.68555591749742428</c:v>
                 </c:pt>
                 <c:pt idx="15">
-                  <c:v>0.71798687616048906</c:v>
+                  <c:v>0.71798687616048928</c:v>
                 </c:pt>
                 <c:pt idx="16">
-                  <c:v>0.72902988600000784</c:v>
+                  <c:v>0.72902988600000795</c:v>
                 </c:pt>
                 <c:pt idx="17">
                   <c:v>0.73331457600000005</c:v>
@@ -869,11 +869,11 @@
           </c:yVal>
           <c:smooth val="1"/>
         </c:ser>
-        <c:axId val="59103872"/>
-        <c:axId val="62665472"/>
+        <c:axId val="54254208"/>
+        <c:axId val="56242944"/>
       </c:scatterChart>
       <c:valAx>
-        <c:axId val="59103872"/>
+        <c:axId val="54254208"/>
         <c:scaling>
           <c:orientation val="minMax"/>
           <c:max val="1000"/>
@@ -889,9 +889,26 @@
                   <a:defRPr lang="es-AR"/>
                 </a:pPr>
                 <a:r>
-                  <a:rPr lang="en-US"/>
-                  <a:t>Instancias de entrenamiento</a:t>
+                  <a:rPr lang="en-US" sz="1600" b="0" dirty="0" err="1">
+                    <a:latin typeface="+mj-lt"/>
+                  </a:rPr>
+                  <a:t>Instancias</a:t>
                 </a:r>
+                <a:r>
+                  <a:rPr lang="en-US" sz="1600" b="0" dirty="0">
+                    <a:latin typeface="+mj-lt"/>
+                  </a:rPr>
+                  <a:t> de </a:t>
+                </a:r>
+                <a:r>
+                  <a:rPr lang="en-US" sz="1600" b="0" dirty="0" err="1">
+                    <a:latin typeface="+mj-lt"/>
+                  </a:rPr>
+                  <a:t>entrenamiento</a:t>
+                </a:r>
+                <a:endParaRPr lang="en-US" sz="1600" b="0" dirty="0">
+                  <a:latin typeface="+mj-lt"/>
+                </a:endParaRPr>
               </a:p>
             </c:rich>
           </c:tx>
@@ -899,7 +916,7 @@
             <c:manualLayout>
               <c:xMode val="edge"/>
               <c:yMode val="edge"/>
-              <c:x val="0.38494599693816833"/>
+              <c:x val="0.38494599693816839"/>
               <c:y val="0.85101357098414687"/>
             </c:manualLayout>
           </c:layout>
@@ -916,12 +933,12 @@
             <a:endParaRPr lang="es-ES"/>
           </a:p>
         </c:txPr>
-        <c:crossAx val="62665472"/>
+        <c:crossAx val="56242944"/>
         <c:crosses val="autoZero"/>
         <c:crossBetween val="midCat"/>
       </c:valAx>
       <c:valAx>
-        <c:axId val="62665472"/>
+        <c:axId val="56242944"/>
         <c:scaling>
           <c:orientation val="minMax"/>
           <c:min val="0"/>
@@ -938,9 +955,14 @@
                   <a:defRPr lang="es-AR"/>
                 </a:pPr>
                 <a:r>
-                  <a:rPr lang="en-US"/>
+                  <a:rPr lang="en-US" sz="1400" b="0" dirty="0" err="1">
+                    <a:latin typeface="+mj-lt"/>
+                  </a:rPr>
                   <a:t>Correlación</a:t>
                 </a:r>
+                <a:endParaRPr lang="en-US" sz="1400" b="0" dirty="0">
+                  <a:latin typeface="+mj-lt"/>
+                </a:endParaRPr>
               </a:p>
             </c:rich>
           </c:tx>
@@ -958,7 +980,7 @@
             <a:endParaRPr lang="es-ES"/>
           </a:p>
         </c:txPr>
-        <c:crossAx val="59103872"/>
+        <c:crossAx val="54254208"/>
         <c:crosses val="autoZero"/>
         <c:crossBetween val="midCat"/>
         <c:minorUnit val="0.2"/>
@@ -972,7 +994,9 @@
         <a:lstStyle/>
         <a:p>
           <a:pPr>
-            <a:defRPr lang="es-AR"/>
+            <a:defRPr lang="es-AR" sz="1400">
+              <a:latin typeface="+mj-lt"/>
+            </a:defRPr>
           </a:pPr>
           <a:endParaRPr lang="es-ES"/>
         </a:p>
@@ -1100,19 +1124,19 @@
                   <c:v>1.0330390684786552</c:v>
                 </c:pt>
                 <c:pt idx="6">
-                  <c:v>1.0302429519403233</c:v>
+                  <c:v>1.0302429519403236</c:v>
                 </c:pt>
                 <c:pt idx="7">
                   <c:v>0.94738273200566459</c:v>
                 </c:pt>
                 <c:pt idx="8">
-                  <c:v>0.92793801360197803</c:v>
+                  <c:v>0.92793801360197814</c:v>
                 </c:pt>
                 <c:pt idx="9">
                   <c:v>0.92012906293872665</c:v>
                 </c:pt>
                 <c:pt idx="10">
-                  <c:v>0.88481716181109471</c:v>
+                  <c:v>0.88481716181109449</c:v>
                 </c:pt>
                 <c:pt idx="11">
                   <c:v>0.88417424754272178</c:v>
@@ -1124,7 +1148,7 @@
                   <c:v>0.85063806565684563</c:v>
                 </c:pt>
                 <c:pt idx="14">
-                  <c:v>0.84777133793555959</c:v>
+                  <c:v>0.84777133793555981</c:v>
                 </c:pt>
                 <c:pt idx="15">
                   <c:v>0.8445144923789446</c:v>
@@ -1133,7 +1157,7 @@
                   <c:v>0.83725594840038564</c:v>
                 </c:pt>
                 <c:pt idx="17">
-                  <c:v>0.8346170314191913</c:v>
+                  <c:v>0.83461703141919152</c:v>
                 </c:pt>
               </c:numCache>
             </c:numRef>
@@ -1232,7 +1256,7 @@
                   <c:v>0.9387309603633297</c:v>
                 </c:pt>
                 <c:pt idx="1">
-                  <c:v>0.89153277738271053</c:v>
+                  <c:v>0.89153277738271042</c:v>
                 </c:pt>
                 <c:pt idx="2">
                   <c:v>0.82301056544373608</c:v>
@@ -1244,22 +1268,22 @@
                   <c:v>0.75252199659024765</c:v>
                 </c:pt>
                 <c:pt idx="5">
-                  <c:v>0.74212373331281822</c:v>
+                  <c:v>0.74212373331281833</c:v>
                 </c:pt>
                 <c:pt idx="6">
                   <c:v>0.73688717786732749</c:v>
                 </c:pt>
                 <c:pt idx="7">
-                  <c:v>0.72860146352750699</c:v>
+                  <c:v>0.72860146352750721</c:v>
                 </c:pt>
                 <c:pt idx="8">
-                  <c:v>0.70577785559581385</c:v>
+                  <c:v>0.70577785559581396</c:v>
                 </c:pt>
                 <c:pt idx="9">
                   <c:v>0.69274686371956962</c:v>
                 </c:pt>
                 <c:pt idx="10">
-                  <c:v>0.6793016141404683</c:v>
+                  <c:v>0.67930161414046852</c:v>
                 </c:pt>
                 <c:pt idx="11">
                   <c:v>0.67228263477634131</c:v>
@@ -1268,22 +1292,22 @@
                   <c:v>0.68022471453120004</c:v>
                 </c:pt>
                 <c:pt idx="13">
-                  <c:v>0.66398503161852496</c:v>
+                  <c:v>0.66398503161852529</c:v>
                 </c:pt>
                 <c:pt idx="14">
                   <c:v>0.6640628299517749</c:v>
                 </c:pt>
                 <c:pt idx="15">
-                  <c:v>0.66308558009337948</c:v>
+                  <c:v>0.6630855800933797</c:v>
                 </c:pt>
                 <c:pt idx="16">
                   <c:v>0.65656511915425986</c:v>
                 </c:pt>
                 <c:pt idx="17">
-                  <c:v>0.65158141257239</c:v>
+                  <c:v>0.65158141257239022</c:v>
                 </c:pt>
                 <c:pt idx="18">
-                  <c:v>0.65187548701494846</c:v>
+                  <c:v>0.65187548701494868</c:v>
                 </c:pt>
               </c:numCache>
             </c:numRef>
@@ -1372,7 +1396,7 @@
                 <c:formatCode>General</c:formatCode>
                 <c:ptCount val="19"/>
                 <c:pt idx="0">
-                  <c:v>0.66149732049012766</c:v>
+                  <c:v>0.66149732049012777</c:v>
                 </c:pt>
                 <c:pt idx="1">
                   <c:v>0.6001326027033127</c:v>
@@ -1381,13 +1405,13 @@
                   <c:v>0.55639887771499263</c:v>
                 </c:pt>
                 <c:pt idx="3">
-                  <c:v>0.62284472485511333</c:v>
+                  <c:v>0.62284472485511344</c:v>
                 </c:pt>
                 <c:pt idx="4">
                   <c:v>0.55351605829049677</c:v>
                 </c:pt>
                 <c:pt idx="5">
-                  <c:v>0.58846095302595536</c:v>
+                  <c:v>0.58846095302595525</c:v>
                 </c:pt>
                 <c:pt idx="6">
                   <c:v>0.57298820383188065</c:v>
@@ -1399,7 +1423,7 @@
                   <c:v>0.55636349504129456</c:v>
                 </c:pt>
                 <c:pt idx="9">
-                  <c:v>0.56175580469495123</c:v>
+                  <c:v>0.56175580469495134</c:v>
                 </c:pt>
                 <c:pt idx="10">
                   <c:v>0.54619756290876298</c:v>
@@ -1519,7 +1543,7 @@
                 <c:formatCode>General</c:formatCode>
                 <c:ptCount val="18"/>
                 <c:pt idx="0">
-                  <c:v>0.63237080268503876</c:v>
+                  <c:v>0.63237080268503898</c:v>
                 </c:pt>
                 <c:pt idx="1">
                   <c:v>0.58374227027070569</c:v>
@@ -1528,7 +1552,7 @@
                   <c:v>0.59186681564330168</c:v>
                 </c:pt>
                 <c:pt idx="3">
-                  <c:v>0.56326543263150153</c:v>
+                  <c:v>0.56326543263150175</c:v>
                 </c:pt>
                 <c:pt idx="4">
                   <c:v>0.57183044589207288</c:v>
@@ -1543,7 +1567,7 @@
                   <c:v>0.53802118949602251</c:v>
                 </c:pt>
                 <c:pt idx="8">
-                  <c:v>0.53450509736819418</c:v>
+                  <c:v>0.5345050973681944</c:v>
                 </c:pt>
                 <c:pt idx="9">
                   <c:v>0.52829897414829863</c:v>
@@ -1567,7 +1591,7 @@
                   <c:v>0.50670323954628771</c:v>
                 </c:pt>
                 <c:pt idx="16">
-                  <c:v>0.50238192552660188</c:v>
+                  <c:v>0.50238192552660177</c:v>
                 </c:pt>
                 <c:pt idx="17">
                   <c:v>0.49463977381829932</c:v>
@@ -1659,31 +1683,31 @@
                 <c:formatCode>General</c:formatCode>
                 <c:ptCount val="19"/>
                 <c:pt idx="0">
-                  <c:v>0.77289983769924087</c:v>
+                  <c:v>0.7728998376992412</c:v>
                 </c:pt>
                 <c:pt idx="1">
                   <c:v>0.74632356481168916</c:v>
                 </c:pt>
                 <c:pt idx="2">
-                  <c:v>0.78634361659647756</c:v>
+                  <c:v>0.78634361659647789</c:v>
                 </c:pt>
                 <c:pt idx="3">
-                  <c:v>0.6829612173300369</c:v>
+                  <c:v>0.68296121733003701</c:v>
                 </c:pt>
                 <c:pt idx="4">
-                  <c:v>0.66450739252953916</c:v>
+                  <c:v>0.66450739252953939</c:v>
                 </c:pt>
                 <c:pt idx="5">
-                  <c:v>0.61644319255847946</c:v>
+                  <c:v>0.61644319255847979</c:v>
                 </c:pt>
                 <c:pt idx="6">
                   <c:v>0.6102724059818817</c:v>
                 </c:pt>
                 <c:pt idx="7">
-                  <c:v>0.609258231060124</c:v>
+                  <c:v>0.60925823106012411</c:v>
                 </c:pt>
                 <c:pt idx="8">
-                  <c:v>0.62851239646724899</c:v>
+                  <c:v>0.62851239646724888</c:v>
                 </c:pt>
                 <c:pt idx="9">
                   <c:v>0.60456332932399459</c:v>
@@ -1692,10 +1716,10 @@
                   <c:v>0.59800801508451062</c:v>
                 </c:pt>
                 <c:pt idx="11">
-                  <c:v>0.5948412713860961</c:v>
+                  <c:v>0.59484127138609622</c:v>
                 </c:pt>
                 <c:pt idx="12">
-                  <c:v>0.57774424327942375</c:v>
+                  <c:v>0.57774424327942386</c:v>
                 </c:pt>
                 <c:pt idx="13">
                   <c:v>0.57412911597622418</c:v>
@@ -1710,7 +1734,7 @@
                   <c:v>0.56487792557592453</c:v>
                 </c:pt>
                 <c:pt idx="17">
-                  <c:v>0.55704303471989725</c:v>
+                  <c:v>0.55704303471989736</c:v>
                 </c:pt>
                 <c:pt idx="18">
                   <c:v>0.55532457683742076</c:v>
@@ -1720,11 +1744,11 @@
           </c:yVal>
           <c:smooth val="1"/>
         </c:ser>
-        <c:axId val="62684544"/>
-        <c:axId val="62694912"/>
+        <c:axId val="56262016"/>
+        <c:axId val="56272384"/>
       </c:scatterChart>
       <c:valAx>
-        <c:axId val="62684544"/>
+        <c:axId val="56262016"/>
         <c:scaling>
           <c:orientation val="minMax"/>
           <c:max val="1000"/>
@@ -1736,17 +1760,79 @@
               <a:bodyPr/>
               <a:lstStyle/>
               <a:p>
-                <a:pPr>
-                  <a:defRPr lang="es-AR"/>
+                <a:pPr algn="ctr" rtl="0">
+                  <a:defRPr lang="en-US" sz="1600" b="0" i="0" u="none" strike="noStrike" kern="1200" baseline="0">
+                    <a:solidFill>
+                      <a:prstClr val="black"/>
+                    </a:solidFill>
+                    <a:latin typeface="+mj-lt"/>
+                    <a:ea typeface="+mn-ea"/>
+                    <a:cs typeface="+mn-cs"/>
+                  </a:defRPr>
                 </a:pPr>
                 <a:r>
-                  <a:rPr lang="en-US"/>
-                  <a:t>Instancias de entrenamiento</a:t>
+                  <a:rPr lang="en-US" sz="1600" b="0" i="0" u="none" strike="noStrike" kern="1200" baseline="0" dirty="0" err="1" smtClean="0">
+                    <a:solidFill>
+                      <a:prstClr val="black"/>
+                    </a:solidFill>
+                    <a:latin typeface="+mj-lt"/>
+                    <a:ea typeface="+mn-ea"/>
+                    <a:cs typeface="+mn-cs"/>
+                  </a:rPr>
+                  <a:t>Instancias</a:t>
                 </a:r>
+                <a:r>
+                  <a:rPr lang="en-US" sz="1600" b="0" i="0" u="none" strike="noStrike" kern="1200" baseline="0" dirty="0" smtClean="0">
+                    <a:solidFill>
+                      <a:prstClr val="black"/>
+                    </a:solidFill>
+                    <a:latin typeface="+mj-lt"/>
+                    <a:ea typeface="+mn-ea"/>
+                    <a:cs typeface="+mn-cs"/>
+                  </a:rPr>
+                  <a:t> </a:t>
+                </a:r>
+                <a:r>
+                  <a:rPr lang="en-US" sz="1600" b="0" i="0" u="none" strike="noStrike" kern="1200" baseline="0" dirty="0">
+                    <a:solidFill>
+                      <a:prstClr val="black"/>
+                    </a:solidFill>
+                    <a:latin typeface="+mj-lt"/>
+                    <a:ea typeface="+mn-ea"/>
+                    <a:cs typeface="+mn-cs"/>
+                  </a:rPr>
+                  <a:t>de </a:t>
+                </a:r>
+                <a:r>
+                  <a:rPr lang="en-US" sz="1600" b="0" i="0" u="none" strike="noStrike" kern="1200" baseline="0" dirty="0" err="1">
+                    <a:solidFill>
+                      <a:prstClr val="black"/>
+                    </a:solidFill>
+                    <a:latin typeface="+mj-lt"/>
+                    <a:ea typeface="+mn-ea"/>
+                    <a:cs typeface="+mn-cs"/>
+                  </a:rPr>
+                  <a:t>entrenamiento</a:t>
+                </a:r>
+                <a:endParaRPr lang="en-US" sz="1600" b="0" i="0" u="none" strike="noStrike" kern="1200" baseline="0" dirty="0">
+                  <a:solidFill>
+                    <a:prstClr val="black"/>
+                  </a:solidFill>
+                  <a:latin typeface="+mj-lt"/>
+                  <a:ea typeface="+mn-ea"/>
+                  <a:cs typeface="+mn-cs"/>
+                </a:endParaRPr>
               </a:p>
             </c:rich>
           </c:tx>
-          <c:layout/>
+          <c:layout>
+            <c:manualLayout>
+              <c:xMode val="edge"/>
+              <c:yMode val="edge"/>
+              <c:x val="0.31703777702969227"/>
+              <c:y val="0.86625336375377393"/>
+            </c:manualLayout>
+          </c:layout>
         </c:title>
         <c:numFmt formatCode="General" sourceLinked="1"/>
         <c:tickLblPos val="nextTo"/>
@@ -1760,12 +1846,12 @@
             <a:endParaRPr lang="es-ES"/>
           </a:p>
         </c:txPr>
-        <c:crossAx val="62694912"/>
+        <c:crossAx val="56272384"/>
         <c:crosses val="autoZero"/>
         <c:crossBetween val="midCat"/>
       </c:valAx>
       <c:valAx>
-        <c:axId val="62694912"/>
+        <c:axId val="56272384"/>
         <c:scaling>
           <c:orientation val="minMax"/>
           <c:min val="0.4"/>
@@ -1782,7 +1868,9 @@
                   <a:defRPr lang="es-AR"/>
                 </a:pPr>
                 <a:r>
-                  <a:rPr lang="en-US"/>
+                  <a:rPr lang="en-US" sz="1400" b="0" dirty="0">
+                    <a:latin typeface="+mj-lt"/>
+                  </a:rPr>
                   <a:t>MAE (mts.)</a:t>
                 </a:r>
               </a:p>
@@ -1802,7 +1890,7 @@
             <a:endParaRPr lang="es-ES"/>
           </a:p>
         </c:txPr>
-        <c:crossAx val="62684544"/>
+        <c:crossAx val="56262016"/>
         <c:crosses val="autoZero"/>
         <c:crossBetween val="midCat"/>
       </c:valAx>
@@ -1815,7 +1903,9 @@
         <a:lstStyle/>
         <a:p>
           <a:pPr>
-            <a:defRPr lang="es-AR"/>
+            <a:defRPr lang="es-AR" sz="1400">
+              <a:latin typeface="+mj-lt"/>
+            </a:defRPr>
           </a:pPr>
           <a:endParaRPr lang="es-ES"/>
         </a:p>
@@ -1842,29 +1932,20 @@
               <a:defRPr lang="es-AR"/>
             </a:pPr>
             <a:r>
-              <a:rPr lang="es-AR" sz="1200" b="0" i="0" baseline="0" dirty="0">
+              <a:rPr lang="es-AR" sz="2000" b="0" i="0" baseline="0" dirty="0">
                 <a:latin typeface="+mj-lt"/>
               </a:rPr>
               <a:t>Makaha - Observación Visual/ </a:t>
             </a:r>
             <a:r>
-              <a:rPr lang="es-AR" sz="1200" b="0" i="0" baseline="0" dirty="0" err="1" smtClean="0">
+              <a:rPr lang="es-AR" sz="2000" b="0" i="0" baseline="0" dirty="0" smtClean="0">
                 <a:latin typeface="+mj-lt"/>
               </a:rPr>
-              <a:t>WaveWatch</a:t>
-            </a:r>
-            <a:r>
-              <a:rPr lang="es-AR" sz="1200" b="0" i="0" baseline="0" dirty="0" smtClean="0">
-                <a:latin typeface="+mj-lt"/>
-              </a:rPr>
-              <a:t> </a:t>
-            </a:r>
-            <a:r>
-              <a:rPr lang="es-AR" sz="1200" b="0" i="0" baseline="0" dirty="0">
-                <a:latin typeface="+mj-lt"/>
-              </a:rPr>
-              <a:t>III</a:t>
-            </a:r>
+              <a:t>WAVEWATCH III</a:t>
+            </a:r>
+            <a:endParaRPr lang="es-AR" sz="2000" b="0" i="0" baseline="0" dirty="0">
+              <a:latin typeface="+mj-lt"/>
+            </a:endParaRPr>
           </a:p>
         </c:rich>
       </c:tx>
@@ -1879,7 +1960,7 @@
           <c:x val="5.0128971669717602E-2"/>
           <c:y val="0.16285573489051136"/>
           <c:w val="0.91229087688864363"/>
-          <c:h val="0.42844667523762608"/>
+          <c:h val="0.4284466752376262"/>
         </c:manualLayout>
       </c:layout>
       <c:scatterChart>
@@ -2100,7 +2181,7 @@
                   <c:v>0</c:v>
                 </c:pt>
                 <c:pt idx="1">
-                  <c:v>1.2189999999999872</c:v>
+                  <c:v>1.218999999999987</c:v>
                 </c:pt>
                 <c:pt idx="2">
                   <c:v>2.4379999999999997</c:v>
@@ -2112,19 +2193,19 @@
                   <c:v>1.829</c:v>
                 </c:pt>
                 <c:pt idx="5">
-                  <c:v>1.2189999999999872</c:v>
+                  <c:v>1.218999999999987</c:v>
                 </c:pt>
                 <c:pt idx="6">
-                  <c:v>1.2189999999999872</c:v>
+                  <c:v>1.218999999999987</c:v>
                 </c:pt>
                 <c:pt idx="7">
-                  <c:v>1.2189999999999872</c:v>
+                  <c:v>1.218999999999987</c:v>
                 </c:pt>
                 <c:pt idx="8">
                   <c:v>2.4379999999999997</c:v>
                 </c:pt>
                 <c:pt idx="9">
-                  <c:v>1.2189999999999872</c:v>
+                  <c:v>1.218999999999987</c:v>
                 </c:pt>
                 <c:pt idx="10">
                   <c:v>0.61000000000000065</c:v>
@@ -2133,22 +2214,22 @@
                   <c:v>3.048</c:v>
                 </c:pt>
                 <c:pt idx="12">
-                  <c:v>1.2189999999999872</c:v>
+                  <c:v>1.218999999999987</c:v>
                 </c:pt>
                 <c:pt idx="13">
                   <c:v>0.61000000000000065</c:v>
                 </c:pt>
                 <c:pt idx="14">
-                  <c:v>1.2189999999999872</c:v>
+                  <c:v>1.218999999999987</c:v>
                 </c:pt>
                 <c:pt idx="15">
                   <c:v>2.4379999999999997</c:v>
                 </c:pt>
                 <c:pt idx="16">
-                  <c:v>1.2189999999999872</c:v>
+                  <c:v>1.218999999999987</c:v>
                 </c:pt>
                 <c:pt idx="17">
-                  <c:v>1.2189999999999872</c:v>
+                  <c:v>1.218999999999987</c:v>
                 </c:pt>
                 <c:pt idx="18">
                   <c:v>0.61000000000000065</c:v>
@@ -2166,7 +2247,7 @@
                   <c:v>3.048</c:v>
                 </c:pt>
                 <c:pt idx="23">
-                  <c:v>1.2189999999999872</c:v>
+                  <c:v>1.218999999999987</c:v>
                 </c:pt>
                 <c:pt idx="24">
                   <c:v>1.829</c:v>
@@ -2190,34 +2271,34 @@
                   <c:v>0.61000000000000065</c:v>
                 </c:pt>
                 <c:pt idx="31">
-                  <c:v>1.2189999999999872</c:v>
+                  <c:v>1.218999999999987</c:v>
                 </c:pt>
                 <c:pt idx="32">
-                  <c:v>1.2189999999999872</c:v>
+                  <c:v>1.218999999999987</c:v>
                 </c:pt>
                 <c:pt idx="33">
-                  <c:v>1.2189999999999872</c:v>
+                  <c:v>1.218999999999987</c:v>
                 </c:pt>
                 <c:pt idx="34">
-                  <c:v>1.2189999999999872</c:v>
+                  <c:v>1.218999999999987</c:v>
                 </c:pt>
                 <c:pt idx="35">
-                  <c:v>1.2189999999999872</c:v>
+                  <c:v>1.218999999999987</c:v>
                 </c:pt>
                 <c:pt idx="36">
                   <c:v>3.048</c:v>
                 </c:pt>
                 <c:pt idx="37">
-                  <c:v>1.2189999999999872</c:v>
+                  <c:v>1.218999999999987</c:v>
                 </c:pt>
                 <c:pt idx="38">
                   <c:v>0.61000000000000065</c:v>
                 </c:pt>
                 <c:pt idx="39">
-                  <c:v>1.2189999999999872</c:v>
+                  <c:v>1.218999999999987</c:v>
                 </c:pt>
                 <c:pt idx="40">
-                  <c:v>1.2189999999999872</c:v>
+                  <c:v>1.218999999999987</c:v>
                 </c:pt>
                 <c:pt idx="41">
                   <c:v>2.4379999999999997</c:v>
@@ -2232,7 +2313,7 @@
                   <c:v>0.61000000000000065</c:v>
                 </c:pt>
                 <c:pt idx="45">
-                  <c:v>1.2189999999999872</c:v>
+                  <c:v>1.218999999999987</c:v>
                 </c:pt>
                 <c:pt idx="46">
                   <c:v>4.8769999999999998</c:v>
@@ -2241,34 +2322,34 @@
                   <c:v>0.61000000000000065</c:v>
                 </c:pt>
                 <c:pt idx="48">
-                  <c:v>1.2189999999999872</c:v>
+                  <c:v>1.218999999999987</c:v>
                 </c:pt>
                 <c:pt idx="49">
                   <c:v>7.3149999999999755</c:v>
                 </c:pt>
                 <c:pt idx="50">
-                  <c:v>1.2189999999999872</c:v>
+                  <c:v>1.218999999999987</c:v>
                 </c:pt>
                 <c:pt idx="51">
-                  <c:v>1.2189999999999872</c:v>
+                  <c:v>1.218999999999987</c:v>
                 </c:pt>
                 <c:pt idx="52">
                   <c:v>0.61000000000000065</c:v>
                 </c:pt>
                 <c:pt idx="53">
-                  <c:v>1.2189999999999872</c:v>
+                  <c:v>1.218999999999987</c:v>
                 </c:pt>
                 <c:pt idx="54">
-                  <c:v>1.2189999999999872</c:v>
+                  <c:v>1.218999999999987</c:v>
                 </c:pt>
                 <c:pt idx="55">
-                  <c:v>1.2189999999999872</c:v>
+                  <c:v>1.218999999999987</c:v>
                 </c:pt>
                 <c:pt idx="56">
                   <c:v>2.4379999999999997</c:v>
                 </c:pt>
                 <c:pt idx="57">
-                  <c:v>1.2189999999999872</c:v>
+                  <c:v>1.218999999999987</c:v>
                 </c:pt>
                 <c:pt idx="58">
                   <c:v>4.8769999999999998</c:v>
@@ -2280,7 +2361,7 @@
                   <c:v>2.4379999999999997</c:v>
                 </c:pt>
                 <c:pt idx="61">
-                  <c:v>1.2189999999999872</c:v>
+                  <c:v>1.218999999999987</c:v>
                 </c:pt>
                 <c:pt idx="62">
                   <c:v>0.61000000000000065</c:v>
@@ -2540,13 +2621,13 @@
                   <c:v>1.87</c:v>
                 </c:pt>
                 <c:pt idx="8">
-                  <c:v>1.9500000000000102</c:v>
+                  <c:v>1.9500000000000104</c:v>
                 </c:pt>
                 <c:pt idx="9">
                   <c:v>2.4899999999999998</c:v>
                 </c:pt>
                 <c:pt idx="10">
-                  <c:v>1.6800000000000102</c:v>
+                  <c:v>1.6800000000000104</c:v>
                 </c:pt>
                 <c:pt idx="11">
                   <c:v>2.98</c:v>
@@ -2564,7 +2645,7 @@
                   <c:v>3.3099999999999987</c:v>
                 </c:pt>
                 <c:pt idx="16">
-                  <c:v>1.9500000000000102</c:v>
+                  <c:v>1.9500000000000104</c:v>
                 </c:pt>
                 <c:pt idx="17">
                   <c:v>1.4</c:v>
@@ -2594,7 +2675,7 @@
                   <c:v>1.45</c:v>
                 </c:pt>
                 <c:pt idx="26">
-                  <c:v>1.9900000000000113</c:v>
+                  <c:v>1.9900000000000115</c:v>
                 </c:pt>
                 <c:pt idx="27">
                   <c:v>3</c:v>
@@ -2636,7 +2717,7 @@
                   <c:v>2.04</c:v>
                 </c:pt>
                 <c:pt idx="40">
-                  <c:v>1.9600000000000102</c:v>
+                  <c:v>1.9600000000000104</c:v>
                 </c:pt>
                 <c:pt idx="41">
                   <c:v>3.09</c:v>
@@ -2711,11 +2792,11 @@
             </c:numRef>
           </c:yVal>
         </c:ser>
-        <c:axId val="59455744"/>
-        <c:axId val="59478400"/>
+        <c:axId val="55785728"/>
+        <c:axId val="55808384"/>
       </c:scatterChart>
       <c:valAx>
-        <c:axId val="59455744"/>
+        <c:axId val="55785728"/>
         <c:scaling>
           <c:orientation val="minMax"/>
         </c:scaling>
@@ -2730,7 +2811,9 @@
                   <a:defRPr lang="es-AR"/>
                 </a:pPr>
                 <a:r>
-                  <a:rPr lang="es-AR"/>
+                  <a:rPr lang="es-AR" sz="1600" b="0" dirty="0">
+                    <a:latin typeface="+mj-lt"/>
+                  </a:rPr>
                   <a:t>Día de observación</a:t>
                 </a:r>
               </a:p>
@@ -2751,13 +2834,13 @@
             <a:endParaRPr lang="es-ES"/>
           </a:p>
         </c:txPr>
-        <c:crossAx val="59478400"/>
+        <c:crossAx val="55808384"/>
         <c:crosses val="autoZero"/>
         <c:crossBetween val="midCat"/>
         <c:majorUnit val="5"/>
       </c:valAx>
       <c:valAx>
-        <c:axId val="59478400"/>
+        <c:axId val="55808384"/>
         <c:scaling>
           <c:orientation val="minMax"/>
         </c:scaling>
@@ -2773,8 +2856,16 @@
                   <a:defRPr lang="es-AR"/>
                 </a:pPr>
                 <a:r>
-                  <a:rPr lang="es-AR"/>
-                  <a:t>Altura de ola (mts.)</a:t>
+                  <a:rPr lang="es-AR" sz="1400" b="0" dirty="0" smtClean="0">
+                    <a:latin typeface="+mj-lt"/>
+                  </a:rPr>
+                  <a:t>Altura </a:t>
+                </a:r>
+                <a:r>
+                  <a:rPr lang="es-AR" sz="1400" b="0" dirty="0">
+                    <a:latin typeface="+mj-lt"/>
+                  </a:rPr>
+                  <a:t>de ola (mts.)</a:t>
                 </a:r>
               </a:p>
             </c:rich>
@@ -2801,7 +2892,7 @@
             <a:endParaRPr lang="es-ES"/>
           </a:p>
         </c:txPr>
-        <c:crossAx val="59455744"/>
+        <c:crossAx val="55785728"/>
         <c:crosses val="autoZero"/>
         <c:crossBetween val="midCat"/>
       </c:valAx>
@@ -2814,7 +2905,7 @@
           <c:yMode val="edge"/>
           <c:x val="0.74133589770230268"/>
           <c:y val="0.71233526043915962"/>
-          <c:w val="0.24201434347572626"/>
+          <c:w val="0.24201434347572631"/>
           <c:h val="0.16317756172635517"/>
         </c:manualLayout>
       </c:layout>
@@ -2850,7 +2941,7 @@
               <a:defRPr lang="es-AR"/>
             </a:pPr>
             <a:r>
-              <a:rPr lang="es-AR" sz="1200" b="0" i="0" baseline="0" dirty="0">
+              <a:rPr lang="es-AR" sz="2000" b="0" i="0" baseline="0" dirty="0">
                 <a:latin typeface="+mj-lt"/>
               </a:rPr>
               <a:t>Makaha - Observación Visual/ Máquina de Soporte Vectorial</a:t>
@@ -2869,7 +2960,7 @@
           <c:x val="5.0128971669717602E-2"/>
           <c:y val="0.16285573489051136"/>
           <c:w val="0.91229087688864363"/>
-          <c:h val="0.42844667523762586"/>
+          <c:h val="0.42844667523762597"/>
         </c:manualLayout>
       </c:layout>
       <c:scatterChart>
@@ -3090,7 +3181,7 @@
                   <c:v>0</c:v>
                 </c:pt>
                 <c:pt idx="1">
-                  <c:v>1.2189999999999872</c:v>
+                  <c:v>1.218999999999987</c:v>
                 </c:pt>
                 <c:pt idx="2">
                   <c:v>2.4379999999999997</c:v>
@@ -3102,19 +3193,19 @@
                   <c:v>1.829</c:v>
                 </c:pt>
                 <c:pt idx="5">
-                  <c:v>1.2189999999999872</c:v>
+                  <c:v>1.218999999999987</c:v>
                 </c:pt>
                 <c:pt idx="6">
-                  <c:v>1.2189999999999872</c:v>
+                  <c:v>1.218999999999987</c:v>
                 </c:pt>
                 <c:pt idx="7">
-                  <c:v>1.2189999999999872</c:v>
+                  <c:v>1.218999999999987</c:v>
                 </c:pt>
                 <c:pt idx="8">
                   <c:v>2.4379999999999997</c:v>
                 </c:pt>
                 <c:pt idx="9">
-                  <c:v>1.2189999999999872</c:v>
+                  <c:v>1.218999999999987</c:v>
                 </c:pt>
                 <c:pt idx="10">
                   <c:v>0.61000000000000065</c:v>
@@ -3123,22 +3214,22 @@
                   <c:v>3.048</c:v>
                 </c:pt>
                 <c:pt idx="12">
-                  <c:v>1.2189999999999872</c:v>
+                  <c:v>1.218999999999987</c:v>
                 </c:pt>
                 <c:pt idx="13">
                   <c:v>0.61000000000000065</c:v>
                 </c:pt>
                 <c:pt idx="14">
-                  <c:v>1.2189999999999872</c:v>
+                  <c:v>1.218999999999987</c:v>
                 </c:pt>
                 <c:pt idx="15">
                   <c:v>2.4379999999999997</c:v>
                 </c:pt>
                 <c:pt idx="16">
-                  <c:v>1.2189999999999872</c:v>
+                  <c:v>1.218999999999987</c:v>
                 </c:pt>
                 <c:pt idx="17">
-                  <c:v>1.2189999999999872</c:v>
+                  <c:v>1.218999999999987</c:v>
                 </c:pt>
                 <c:pt idx="18">
                   <c:v>0.61000000000000065</c:v>
@@ -3156,7 +3247,7 @@
                   <c:v>3.048</c:v>
                 </c:pt>
                 <c:pt idx="23">
-                  <c:v>1.2189999999999872</c:v>
+                  <c:v>1.218999999999987</c:v>
                 </c:pt>
                 <c:pt idx="24">
                   <c:v>1.829</c:v>
@@ -3180,34 +3271,34 @@
                   <c:v>0.61000000000000065</c:v>
                 </c:pt>
                 <c:pt idx="31">
-                  <c:v>1.2189999999999872</c:v>
+                  <c:v>1.218999999999987</c:v>
                 </c:pt>
                 <c:pt idx="32">
-                  <c:v>1.2189999999999872</c:v>
+                  <c:v>1.218999999999987</c:v>
                 </c:pt>
                 <c:pt idx="33">
-                  <c:v>1.2189999999999872</c:v>
+                  <c:v>1.218999999999987</c:v>
                 </c:pt>
                 <c:pt idx="34">
-                  <c:v>1.2189999999999872</c:v>
+                  <c:v>1.218999999999987</c:v>
                 </c:pt>
                 <c:pt idx="35">
-                  <c:v>1.2189999999999872</c:v>
+                  <c:v>1.218999999999987</c:v>
                 </c:pt>
                 <c:pt idx="36">
                   <c:v>3.048</c:v>
                 </c:pt>
                 <c:pt idx="37">
-                  <c:v>1.2189999999999872</c:v>
+                  <c:v>1.218999999999987</c:v>
                 </c:pt>
                 <c:pt idx="38">
                   <c:v>0.61000000000000065</c:v>
                 </c:pt>
                 <c:pt idx="39">
-                  <c:v>1.2189999999999872</c:v>
+                  <c:v>1.218999999999987</c:v>
                 </c:pt>
                 <c:pt idx="40">
-                  <c:v>1.2189999999999872</c:v>
+                  <c:v>1.218999999999987</c:v>
                 </c:pt>
                 <c:pt idx="41">
                   <c:v>2.4379999999999997</c:v>
@@ -3222,7 +3313,7 @@
                   <c:v>0.61000000000000065</c:v>
                 </c:pt>
                 <c:pt idx="45">
-                  <c:v>1.2189999999999872</c:v>
+                  <c:v>1.218999999999987</c:v>
                 </c:pt>
                 <c:pt idx="46">
                   <c:v>4.8769999999999998</c:v>
@@ -3231,34 +3322,34 @@
                   <c:v>0.61000000000000065</c:v>
                 </c:pt>
                 <c:pt idx="48">
-                  <c:v>1.2189999999999872</c:v>
+                  <c:v>1.218999999999987</c:v>
                 </c:pt>
                 <c:pt idx="49">
                   <c:v>7.3149999999999755</c:v>
                 </c:pt>
                 <c:pt idx="50">
-                  <c:v>1.2189999999999872</c:v>
+                  <c:v>1.218999999999987</c:v>
                 </c:pt>
                 <c:pt idx="51">
-                  <c:v>1.2189999999999872</c:v>
+                  <c:v>1.218999999999987</c:v>
                 </c:pt>
                 <c:pt idx="52">
                   <c:v>0.61000000000000065</c:v>
                 </c:pt>
                 <c:pt idx="53">
-                  <c:v>1.2189999999999872</c:v>
+                  <c:v>1.218999999999987</c:v>
                 </c:pt>
                 <c:pt idx="54">
-                  <c:v>1.2189999999999872</c:v>
+                  <c:v>1.218999999999987</c:v>
                 </c:pt>
                 <c:pt idx="55">
-                  <c:v>1.2189999999999872</c:v>
+                  <c:v>1.218999999999987</c:v>
                 </c:pt>
                 <c:pt idx="56">
                   <c:v>2.4379999999999997</c:v>
                 </c:pt>
                 <c:pt idx="57">
-                  <c:v>1.2189999999999872</c:v>
+                  <c:v>1.218999999999987</c:v>
                 </c:pt>
                 <c:pt idx="58">
                   <c:v>4.8769999999999998</c:v>
@@ -3270,7 +3361,7 @@
                   <c:v>2.4379999999999997</c:v>
                 </c:pt>
                 <c:pt idx="61">
-                  <c:v>1.2189999999999872</c:v>
+                  <c:v>1.218999999999987</c:v>
                 </c:pt>
                 <c:pt idx="62">
                   <c:v>0.61000000000000065</c:v>
@@ -3548,7 +3639,7 @@
                   <c:v>0.96900000000000064</c:v>
                 </c:pt>
                 <c:pt idx="14">
-                  <c:v>1.2769999999999886</c:v>
+                  <c:v>1.2769999999999884</c:v>
                 </c:pt>
                 <c:pt idx="15">
                   <c:v>3.0789999999999997</c:v>
@@ -3560,13 +3651,13 @@
                   <c:v>1.1990000000000001</c:v>
                 </c:pt>
                 <c:pt idx="18">
-                  <c:v>1.0249999999999886</c:v>
+                  <c:v>1.0249999999999884</c:v>
                 </c:pt>
                 <c:pt idx="19">
-                  <c:v>1.0409999999999895</c:v>
+                  <c:v>1.0409999999999893</c:v>
                 </c:pt>
                 <c:pt idx="20">
-                  <c:v>1.9940000000000113</c:v>
+                  <c:v>1.9940000000000115</c:v>
                 </c:pt>
                 <c:pt idx="21">
                   <c:v>2.6759999999999997</c:v>
@@ -3599,7 +3690,7 @@
                   <c:v>1.127</c:v>
                 </c:pt>
                 <c:pt idx="31">
-                  <c:v>1.161999999999989</c:v>
+                  <c:v>1.1619999999999888</c:v>
                 </c:pt>
                 <c:pt idx="32">
                   <c:v>1.175</c:v>
@@ -3614,7 +3705,7 @@
                   <c:v>2.0880000000000001</c:v>
                 </c:pt>
                 <c:pt idx="36">
-                  <c:v>1.9540000000000102</c:v>
+                  <c:v>1.9540000000000104</c:v>
                 </c:pt>
                 <c:pt idx="37">
                   <c:v>1.073</c:v>
@@ -3623,7 +3714,7 @@
                   <c:v>0.93200000000000005</c:v>
                 </c:pt>
                 <c:pt idx="39">
-                  <c:v>1.2209999999999872</c:v>
+                  <c:v>1.220999999999987</c:v>
                 </c:pt>
                 <c:pt idx="40">
                   <c:v>1.081</c:v>
@@ -3638,7 +3729,7 @@
                   <c:v>1.538</c:v>
                 </c:pt>
                 <c:pt idx="44">
-                  <c:v>1.0569999999999897</c:v>
+                  <c:v>1.0569999999999895</c:v>
                 </c:pt>
                 <c:pt idx="45">
                   <c:v>1.028</c:v>
@@ -3656,10 +3747,10 @@
                   <c:v>6.8039999999999985</c:v>
                 </c:pt>
                 <c:pt idx="50">
-                  <c:v>1.0489999999999897</c:v>
+                  <c:v>1.0489999999999895</c:v>
                 </c:pt>
                 <c:pt idx="51">
-                  <c:v>1.4489999999999872</c:v>
+                  <c:v>1.448999999999987</c:v>
                 </c:pt>
                 <c:pt idx="52">
                   <c:v>0.91600000000000004</c:v>
@@ -3689,7 +3780,7 @@
                   <c:v>1.599</c:v>
                 </c:pt>
                 <c:pt idx="61">
-                  <c:v>1.5629999999999897</c:v>
+                  <c:v>1.5629999999999895</c:v>
                 </c:pt>
                 <c:pt idx="62">
                   <c:v>0.99199999999999999</c:v>
@@ -3701,11 +3792,11 @@
             </c:numRef>
           </c:yVal>
         </c:ser>
-        <c:axId val="59499648"/>
-        <c:axId val="59501568"/>
+        <c:axId val="55829632"/>
+        <c:axId val="55831552"/>
       </c:scatterChart>
       <c:valAx>
-        <c:axId val="59499648"/>
+        <c:axId val="55829632"/>
         <c:scaling>
           <c:orientation val="minMax"/>
         </c:scaling>
@@ -3720,7 +3811,9 @@
                   <a:defRPr lang="es-AR"/>
                 </a:pPr>
                 <a:r>
-                  <a:rPr lang="es-AR"/>
+                  <a:rPr lang="es-AR" sz="1600" b="0" dirty="0">
+                    <a:latin typeface="+mj-lt"/>
+                  </a:rPr>
                   <a:t>Día de observación</a:t>
                 </a:r>
               </a:p>
@@ -3741,13 +3834,13 @@
             <a:endParaRPr lang="es-ES"/>
           </a:p>
         </c:txPr>
-        <c:crossAx val="59501568"/>
+        <c:crossAx val="55831552"/>
         <c:crosses val="autoZero"/>
         <c:crossBetween val="midCat"/>
         <c:majorUnit val="5"/>
       </c:valAx>
       <c:valAx>
-        <c:axId val="59501568"/>
+        <c:axId val="55831552"/>
         <c:scaling>
           <c:orientation val="minMax"/>
         </c:scaling>
@@ -3763,7 +3856,9 @@
                   <a:defRPr lang="es-AR"/>
                 </a:pPr>
                 <a:r>
-                  <a:rPr lang="es-AR"/>
+                  <a:rPr lang="es-AR" sz="1400" b="0" dirty="0">
+                    <a:latin typeface="+mj-lt"/>
+                  </a:rPr>
                   <a:t>Altura de ola (mts.)</a:t>
                 </a:r>
               </a:p>
@@ -3791,7 +3886,7 @@
             <a:endParaRPr lang="es-ES"/>
           </a:p>
         </c:txPr>
-        <c:crossAx val="59499648"/>
+        <c:crossAx val="55829632"/>
         <c:crosses val="autoZero"/>
         <c:crossBetween val="midCat"/>
       </c:valAx>
@@ -3804,7 +3899,7 @@
           <c:yMode val="edge"/>
           <c:x val="0.74133589770230268"/>
           <c:y val="0.71233526043915962"/>
-          <c:w val="0.24201434347572612"/>
+          <c:w val="0.2420143434757262"/>
           <c:h val="0.16317756172635517"/>
         </c:manualLayout>
       </c:layout>
@@ -3840,7 +3935,7 @@
           <c:x val="0.10048349150099888"/>
           <c:y val="4.1238940589567646E-2"/>
           <c:w val="0.87042860499284569"/>
-          <c:h val="0.75935138208448871"/>
+          <c:h val="0.75935138208448882"/>
         </c:manualLayout>
       </c:layout>
       <c:scatterChart>
@@ -3884,13 +3979,13 @@
                   <c:v>1.87</c:v>
                 </c:pt>
                 <c:pt idx="7">
-                  <c:v>1.9500000000000102</c:v>
+                  <c:v>1.9500000000000104</c:v>
                 </c:pt>
                 <c:pt idx="8">
                   <c:v>2.4899999999999998</c:v>
                 </c:pt>
                 <c:pt idx="9">
-                  <c:v>1.6800000000000102</c:v>
+                  <c:v>1.6800000000000104</c:v>
                 </c:pt>
                 <c:pt idx="10">
                   <c:v>2.98</c:v>
@@ -3908,7 +4003,7 @@
                   <c:v>3.3099999999999987</c:v>
                 </c:pt>
                 <c:pt idx="15">
-                  <c:v>1.9500000000000102</c:v>
+                  <c:v>1.9500000000000104</c:v>
                 </c:pt>
                 <c:pt idx="16">
                   <c:v>1.4</c:v>
@@ -3938,7 +4033,7 @@
                   <c:v>1.45</c:v>
                 </c:pt>
                 <c:pt idx="25">
-                  <c:v>1.9900000000000113</c:v>
+                  <c:v>1.9900000000000115</c:v>
                 </c:pt>
                 <c:pt idx="26">
                   <c:v>3</c:v>
@@ -3980,7 +4075,7 @@
                   <c:v>2.04</c:v>
                 </c:pt>
                 <c:pt idx="39">
-                  <c:v>1.9600000000000102</c:v>
+                  <c:v>1.9600000000000104</c:v>
                 </c:pt>
                 <c:pt idx="40">
                   <c:v>3.09</c:v>
@@ -4064,7 +4159,7 @@
                 <c:formatCode>General</c:formatCode>
                 <c:ptCount val="64"/>
                 <c:pt idx="0">
-                  <c:v>1.2189999999999872</c:v>
+                  <c:v>1.218999999999987</c:v>
                 </c:pt>
                 <c:pt idx="1">
                   <c:v>2.4379999999999997</c:v>
@@ -4076,19 +4171,19 @@
                   <c:v>1.829</c:v>
                 </c:pt>
                 <c:pt idx="4">
-                  <c:v>1.2189999999999872</c:v>
+                  <c:v>1.218999999999987</c:v>
                 </c:pt>
                 <c:pt idx="5">
-                  <c:v>1.2189999999999872</c:v>
+                  <c:v>1.218999999999987</c:v>
                 </c:pt>
                 <c:pt idx="6">
-                  <c:v>1.2189999999999872</c:v>
+                  <c:v>1.218999999999987</c:v>
                 </c:pt>
                 <c:pt idx="7">
                   <c:v>2.4379999999999997</c:v>
                 </c:pt>
                 <c:pt idx="8">
-                  <c:v>1.2189999999999872</c:v>
+                  <c:v>1.218999999999987</c:v>
                 </c:pt>
                 <c:pt idx="9">
                   <c:v>0.61000000000000065</c:v>
@@ -4097,22 +4192,22 @@
                   <c:v>3.048</c:v>
                 </c:pt>
                 <c:pt idx="11">
-                  <c:v>1.2189999999999872</c:v>
+                  <c:v>1.218999999999987</c:v>
                 </c:pt>
                 <c:pt idx="12">
                   <c:v>0.61000000000000065</c:v>
                 </c:pt>
                 <c:pt idx="13">
-                  <c:v>1.2189999999999872</c:v>
+                  <c:v>1.218999999999987</c:v>
                 </c:pt>
                 <c:pt idx="14">
                   <c:v>2.4379999999999997</c:v>
                 </c:pt>
                 <c:pt idx="15">
-                  <c:v>1.2189999999999872</c:v>
+                  <c:v>1.218999999999987</c:v>
                 </c:pt>
                 <c:pt idx="16">
-                  <c:v>1.2189999999999872</c:v>
+                  <c:v>1.218999999999987</c:v>
                 </c:pt>
                 <c:pt idx="17">
                   <c:v>0.61000000000000065</c:v>
@@ -4130,7 +4225,7 @@
                   <c:v>3.048</c:v>
                 </c:pt>
                 <c:pt idx="22">
-                  <c:v>1.2189999999999872</c:v>
+                  <c:v>1.218999999999987</c:v>
                 </c:pt>
                 <c:pt idx="23">
                   <c:v>1.829</c:v>
@@ -4154,34 +4249,34 @@
                   <c:v>0.61000000000000065</c:v>
                 </c:pt>
                 <c:pt idx="30">
-                  <c:v>1.2189999999999872</c:v>
+                  <c:v>1.218999999999987</c:v>
                 </c:pt>
                 <c:pt idx="31">
-                  <c:v>1.2189999999999872</c:v>
+                  <c:v>1.218999999999987</c:v>
                 </c:pt>
                 <c:pt idx="32">
-                  <c:v>1.2189999999999872</c:v>
+                  <c:v>1.218999999999987</c:v>
                 </c:pt>
                 <c:pt idx="33">
-                  <c:v>1.2189999999999872</c:v>
+                  <c:v>1.218999999999987</c:v>
                 </c:pt>
                 <c:pt idx="34">
-                  <c:v>1.2189999999999872</c:v>
+                  <c:v>1.218999999999987</c:v>
                 </c:pt>
                 <c:pt idx="35">
                   <c:v>3.048</c:v>
                 </c:pt>
                 <c:pt idx="36">
-                  <c:v>1.2189999999999872</c:v>
+                  <c:v>1.218999999999987</c:v>
                 </c:pt>
                 <c:pt idx="37">
                   <c:v>0.61000000000000065</c:v>
                 </c:pt>
                 <c:pt idx="38">
-                  <c:v>1.2189999999999872</c:v>
+                  <c:v>1.218999999999987</c:v>
                 </c:pt>
                 <c:pt idx="39">
-                  <c:v>1.2189999999999872</c:v>
+                  <c:v>1.218999999999987</c:v>
                 </c:pt>
                 <c:pt idx="40">
                   <c:v>2.4379999999999997</c:v>
@@ -4196,7 +4291,7 @@
                   <c:v>0.61000000000000065</c:v>
                 </c:pt>
                 <c:pt idx="44">
-                  <c:v>1.2189999999999872</c:v>
+                  <c:v>1.218999999999987</c:v>
                 </c:pt>
                 <c:pt idx="45">
                   <c:v>4.8769999999999998</c:v>
@@ -4205,34 +4300,34 @@
                   <c:v>0.61000000000000065</c:v>
                 </c:pt>
                 <c:pt idx="47">
-                  <c:v>1.2189999999999872</c:v>
+                  <c:v>1.218999999999987</c:v>
                 </c:pt>
                 <c:pt idx="48">
                   <c:v>7.3149999999999755</c:v>
                 </c:pt>
                 <c:pt idx="49">
-                  <c:v>1.2189999999999872</c:v>
+                  <c:v>1.218999999999987</c:v>
                 </c:pt>
                 <c:pt idx="50">
-                  <c:v>1.2189999999999872</c:v>
+                  <c:v>1.218999999999987</c:v>
                 </c:pt>
                 <c:pt idx="51">
                   <c:v>0.61000000000000065</c:v>
                 </c:pt>
                 <c:pt idx="52">
-                  <c:v>1.2189999999999872</c:v>
+                  <c:v>1.218999999999987</c:v>
                 </c:pt>
                 <c:pt idx="53">
-                  <c:v>1.2189999999999872</c:v>
+                  <c:v>1.218999999999987</c:v>
                 </c:pt>
                 <c:pt idx="54">
-                  <c:v>1.2189999999999872</c:v>
+                  <c:v>1.218999999999987</c:v>
                 </c:pt>
                 <c:pt idx="55">
                   <c:v>2.4379999999999997</c:v>
                 </c:pt>
                 <c:pt idx="56">
-                  <c:v>1.2189999999999872</c:v>
+                  <c:v>1.218999999999987</c:v>
                 </c:pt>
                 <c:pt idx="57">
                   <c:v>4.8769999999999998</c:v>
@@ -4244,7 +4339,7 @@
                   <c:v>2.4379999999999997</c:v>
                 </c:pt>
                 <c:pt idx="60">
-                  <c:v>1.2189999999999872</c:v>
+                  <c:v>1.218999999999987</c:v>
                 </c:pt>
                 <c:pt idx="61">
                   <c:v>0.61000000000000065</c:v>
@@ -4253,7 +4348,7 @@
                   <c:v>3.048</c:v>
                 </c:pt>
                 <c:pt idx="63">
-                  <c:v>1.2189999999999872</c:v>
+                  <c:v>1.218999999999987</c:v>
                 </c:pt>
               </c:numCache>
             </c:numRef>
@@ -4360,11 +4455,11 @@
             </c:numRef>
           </c:yVal>
         </c:ser>
-        <c:axId val="64131840"/>
-        <c:axId val="64133760"/>
+        <c:axId val="62034688"/>
+        <c:axId val="62036608"/>
       </c:scatterChart>
       <c:valAx>
-        <c:axId val="64131840"/>
+        <c:axId val="62034688"/>
         <c:scaling>
           <c:orientation val="minMax"/>
           <c:max val="8"/>
@@ -4381,14 +4476,26 @@
                   <a:defRPr lang="es-AR"/>
                 </a:pPr>
                 <a:r>
-                  <a:rPr lang="es-AR"/>
-                  <a:t>Wave</a:t>
+                  <a:rPr lang="es-AR" sz="1800" b="0" dirty="0" smtClean="0">
+                    <a:latin typeface="+mj-lt"/>
+                  </a:rPr>
+                  <a:t>WAVEWATCH </a:t>
                 </a:r>
                 <a:r>
-                  <a:rPr lang="es-AR" baseline="0"/>
-                  <a:t>Watch III (Altura en mts.)</a:t>
+                  <a:rPr lang="es-AR" sz="1800" b="0" baseline="0" dirty="0" smtClean="0">
+                    <a:latin typeface="+mj-lt"/>
+                  </a:rPr>
+                  <a:t>III </a:t>
                 </a:r>
-                <a:endParaRPr lang="es-AR"/>
+                <a:r>
+                  <a:rPr lang="es-AR" sz="1800" b="0" baseline="0" dirty="0">
+                    <a:latin typeface="+mj-lt"/>
+                  </a:rPr>
+                  <a:t>(Altura en mts.)</a:t>
+                </a:r>
+                <a:endParaRPr lang="es-AR" sz="1800" b="0" dirty="0">
+                  <a:latin typeface="+mj-lt"/>
+                </a:endParaRPr>
               </a:p>
             </c:rich>
           </c:tx>
@@ -4406,13 +4513,13 @@
             <a:endParaRPr lang="es-ES"/>
           </a:p>
         </c:txPr>
-        <c:crossAx val="64133760"/>
+        <c:crossAx val="62036608"/>
         <c:crosses val="autoZero"/>
         <c:crossBetween val="midCat"/>
         <c:majorUnit val="2"/>
       </c:valAx>
       <c:valAx>
-        <c:axId val="64133760"/>
+        <c:axId val="62036608"/>
         <c:scaling>
           <c:orientation val="minMax"/>
         </c:scaling>
@@ -4429,15 +4536,21 @@
                   <a:defRPr lang="es-AR"/>
                 </a:pPr>
                 <a:r>
-                  <a:rPr lang="es-AR"/>
+                  <a:rPr lang="es-AR" sz="1800" b="0" dirty="0">
+                    <a:latin typeface="+mj-lt"/>
+                  </a:rPr>
                   <a:t>Observación Visual (Altura</a:t>
                 </a:r>
                 <a:r>
-                  <a:rPr lang="es-AR" baseline="0"/>
+                  <a:rPr lang="es-AR" sz="1800" b="0" baseline="0" dirty="0">
+                    <a:latin typeface="+mj-lt"/>
+                  </a:rPr>
                   <a:t> en </a:t>
                 </a:r>
                 <a:r>
-                  <a:rPr lang="es-AR"/>
+                  <a:rPr lang="es-AR" sz="1800" b="0" dirty="0">
+                    <a:latin typeface="+mj-lt"/>
+                  </a:rPr>
                   <a:t>mts.)</a:t>
                 </a:r>
               </a:p>
@@ -4457,7 +4570,7 @@
             <a:endParaRPr lang="es-ES"/>
           </a:p>
         </c:txPr>
-        <c:crossAx val="64131840"/>
+        <c:crossAx val="62034688"/>
         <c:crosses val="autoZero"/>
         <c:crossBetween val="midCat"/>
       </c:valAx>
@@ -4483,7 +4596,7 @@
           <c:x val="0.10048349150099888"/>
           <c:y val="4.1238940589567646E-2"/>
           <c:w val="0.87042860499284569"/>
-          <c:h val="0.75935138208448838"/>
+          <c:h val="0.7593513820844886"/>
         </c:manualLayout>
       </c:layout>
       <c:scatterChart>
@@ -4545,7 +4658,7 @@
                   <c:v>0.96900000000000064</c:v>
                 </c:pt>
                 <c:pt idx="13">
-                  <c:v>1.2769999999999886</c:v>
+                  <c:v>1.2769999999999884</c:v>
                 </c:pt>
                 <c:pt idx="14">
                   <c:v>3.0789999999999997</c:v>
@@ -4557,13 +4670,13 @@
                   <c:v>1.1990000000000001</c:v>
                 </c:pt>
                 <c:pt idx="17">
-                  <c:v>1.0249999999999886</c:v>
+                  <c:v>1.0249999999999884</c:v>
                 </c:pt>
                 <c:pt idx="18">
-                  <c:v>1.0409999999999895</c:v>
+                  <c:v>1.0409999999999893</c:v>
                 </c:pt>
                 <c:pt idx="19">
-                  <c:v>1.9940000000000113</c:v>
+                  <c:v>1.9940000000000115</c:v>
                 </c:pt>
                 <c:pt idx="20">
                   <c:v>2.6759999999999997</c:v>
@@ -4596,7 +4709,7 @@
                   <c:v>1.127</c:v>
                 </c:pt>
                 <c:pt idx="30">
-                  <c:v>1.161999999999989</c:v>
+                  <c:v>1.1619999999999888</c:v>
                 </c:pt>
                 <c:pt idx="31">
                   <c:v>1.175</c:v>
@@ -4611,7 +4724,7 @@
                   <c:v>2.0880000000000001</c:v>
                 </c:pt>
                 <c:pt idx="35">
-                  <c:v>1.9540000000000102</c:v>
+                  <c:v>1.9540000000000104</c:v>
                 </c:pt>
                 <c:pt idx="36">
                   <c:v>1.073</c:v>
@@ -4620,7 +4733,7 @@
                   <c:v>0.93200000000000005</c:v>
                 </c:pt>
                 <c:pt idx="38">
-                  <c:v>1.2209999999999872</c:v>
+                  <c:v>1.220999999999987</c:v>
                 </c:pt>
                 <c:pt idx="39">
                   <c:v>1.081</c:v>
@@ -4635,7 +4748,7 @@
                   <c:v>1.538</c:v>
                 </c:pt>
                 <c:pt idx="43">
-                  <c:v>1.0569999999999897</c:v>
+                  <c:v>1.0569999999999895</c:v>
                 </c:pt>
                 <c:pt idx="44">
                   <c:v>1.028</c:v>
@@ -4653,10 +4766,10 @@
                   <c:v>6.8039999999999985</c:v>
                 </c:pt>
                 <c:pt idx="49">
-                  <c:v>1.0489999999999897</c:v>
+                  <c:v>1.0489999999999895</c:v>
                 </c:pt>
                 <c:pt idx="50">
-                  <c:v>1.4489999999999872</c:v>
+                  <c:v>1.448999999999987</c:v>
                 </c:pt>
                 <c:pt idx="51">
                   <c:v>0.91600000000000004</c:v>
@@ -4686,7 +4799,7 @@
                   <c:v>1.599</c:v>
                 </c:pt>
                 <c:pt idx="60">
-                  <c:v>1.5629999999999897</c:v>
+                  <c:v>1.5629999999999895</c:v>
                 </c:pt>
                 <c:pt idx="61">
                   <c:v>0.99199999999999999</c:v>
@@ -4707,7 +4820,7 @@
                 <c:formatCode>General</c:formatCode>
                 <c:ptCount val="64"/>
                 <c:pt idx="0">
-                  <c:v>1.2189999999999872</c:v>
+                  <c:v>1.218999999999987</c:v>
                 </c:pt>
                 <c:pt idx="1">
                   <c:v>2.4379999999999997</c:v>
@@ -4719,19 +4832,19 @@
                   <c:v>1.829</c:v>
                 </c:pt>
                 <c:pt idx="4">
-                  <c:v>1.2189999999999872</c:v>
+                  <c:v>1.218999999999987</c:v>
                 </c:pt>
                 <c:pt idx="5">
-                  <c:v>1.2189999999999872</c:v>
+                  <c:v>1.218999999999987</c:v>
                 </c:pt>
                 <c:pt idx="6">
-                  <c:v>1.2189999999999872</c:v>
+                  <c:v>1.218999999999987</c:v>
                 </c:pt>
                 <c:pt idx="7">
                   <c:v>2.4379999999999997</c:v>
                 </c:pt>
                 <c:pt idx="8">
-                  <c:v>1.2189999999999872</c:v>
+                  <c:v>1.218999999999987</c:v>
                 </c:pt>
                 <c:pt idx="9">
                   <c:v>0.61000000000000065</c:v>
@@ -4740,22 +4853,22 @@
                   <c:v>3.048</c:v>
                 </c:pt>
                 <c:pt idx="11">
-                  <c:v>1.2189999999999872</c:v>
+                  <c:v>1.218999999999987</c:v>
                 </c:pt>
                 <c:pt idx="12">
                   <c:v>0.61000000000000065</c:v>
                 </c:pt>
                 <c:pt idx="13">
-                  <c:v>1.2189999999999872</c:v>
+                  <c:v>1.218999999999987</c:v>
                 </c:pt>
                 <c:pt idx="14">
                   <c:v>2.4379999999999997</c:v>
                 </c:pt>
                 <c:pt idx="15">
-                  <c:v>1.2189999999999872</c:v>
+                  <c:v>1.218999999999987</c:v>
                 </c:pt>
                 <c:pt idx="16">
-                  <c:v>1.2189999999999872</c:v>
+                  <c:v>1.218999999999987</c:v>
                 </c:pt>
                 <c:pt idx="17">
                   <c:v>0.61000000000000065</c:v>
@@ -4773,7 +4886,7 @@
                   <c:v>3.048</c:v>
                 </c:pt>
                 <c:pt idx="22">
-                  <c:v>1.2189999999999872</c:v>
+                  <c:v>1.218999999999987</c:v>
                 </c:pt>
                 <c:pt idx="23">
                   <c:v>1.829</c:v>
@@ -4797,34 +4910,34 @@
                   <c:v>0.61000000000000065</c:v>
                 </c:pt>
                 <c:pt idx="30">
-                  <c:v>1.2189999999999872</c:v>
+                  <c:v>1.218999999999987</c:v>
                 </c:pt>
                 <c:pt idx="31">
-                  <c:v>1.2189999999999872</c:v>
+                  <c:v>1.218999999999987</c:v>
                 </c:pt>
                 <c:pt idx="32">
-                  <c:v>1.2189999999999872</c:v>
+                  <c:v>1.218999999999987</c:v>
                 </c:pt>
                 <c:pt idx="33">
-                  <c:v>1.2189999999999872</c:v>
+                  <c:v>1.218999999999987</c:v>
                 </c:pt>
                 <c:pt idx="34">
-                  <c:v>1.2189999999999872</c:v>
+                  <c:v>1.218999999999987</c:v>
                 </c:pt>
                 <c:pt idx="35">
                   <c:v>3.048</c:v>
                 </c:pt>
                 <c:pt idx="36">
-                  <c:v>1.2189999999999872</c:v>
+                  <c:v>1.218999999999987</c:v>
                 </c:pt>
                 <c:pt idx="37">
                   <c:v>0.61000000000000065</c:v>
                 </c:pt>
                 <c:pt idx="38">
-                  <c:v>1.2189999999999872</c:v>
+                  <c:v>1.218999999999987</c:v>
                 </c:pt>
                 <c:pt idx="39">
-                  <c:v>1.2189999999999872</c:v>
+                  <c:v>1.218999999999987</c:v>
                 </c:pt>
                 <c:pt idx="40">
                   <c:v>2.4379999999999997</c:v>
@@ -4839,7 +4952,7 @@
                   <c:v>0.61000000000000065</c:v>
                 </c:pt>
                 <c:pt idx="44">
-                  <c:v>1.2189999999999872</c:v>
+                  <c:v>1.218999999999987</c:v>
                 </c:pt>
                 <c:pt idx="45">
                   <c:v>4.8769999999999998</c:v>
@@ -4848,34 +4961,34 @@
                   <c:v>0.61000000000000065</c:v>
                 </c:pt>
                 <c:pt idx="47">
-                  <c:v>1.2189999999999872</c:v>
+                  <c:v>1.218999999999987</c:v>
                 </c:pt>
                 <c:pt idx="48">
                   <c:v>7.3149999999999755</c:v>
                 </c:pt>
                 <c:pt idx="49">
-                  <c:v>1.2189999999999872</c:v>
+                  <c:v>1.218999999999987</c:v>
                 </c:pt>
                 <c:pt idx="50">
-                  <c:v>1.2189999999999872</c:v>
+                  <c:v>1.218999999999987</c:v>
                 </c:pt>
                 <c:pt idx="51">
                   <c:v>0.61000000000000065</c:v>
                 </c:pt>
                 <c:pt idx="52">
-                  <c:v>1.2189999999999872</c:v>
+                  <c:v>1.218999999999987</c:v>
                 </c:pt>
                 <c:pt idx="53">
-                  <c:v>1.2189999999999872</c:v>
+                  <c:v>1.218999999999987</c:v>
                 </c:pt>
                 <c:pt idx="54">
-                  <c:v>1.2189999999999872</c:v>
+                  <c:v>1.218999999999987</c:v>
                 </c:pt>
                 <c:pt idx="55">
                   <c:v>2.4379999999999997</c:v>
                 </c:pt>
                 <c:pt idx="56">
-                  <c:v>1.2189999999999872</c:v>
+                  <c:v>1.218999999999987</c:v>
                 </c:pt>
                 <c:pt idx="57">
                   <c:v>4.8769999999999998</c:v>
@@ -4887,7 +5000,7 @@
                   <c:v>2.4379999999999997</c:v>
                 </c:pt>
                 <c:pt idx="60">
-                  <c:v>1.2189999999999872</c:v>
+                  <c:v>1.218999999999987</c:v>
                 </c:pt>
                 <c:pt idx="61">
                   <c:v>0.61000000000000065</c:v>
@@ -4896,7 +5009,7 @@
                   <c:v>3.048</c:v>
                 </c:pt>
                 <c:pt idx="63">
-                  <c:v>1.2189999999999872</c:v>
+                  <c:v>1.218999999999987</c:v>
                 </c:pt>
               </c:numCache>
             </c:numRef>
@@ -5003,11 +5116,11 @@
             </c:numRef>
           </c:yVal>
         </c:ser>
-        <c:axId val="64150144"/>
-        <c:axId val="65213184"/>
+        <c:axId val="62052992"/>
+        <c:axId val="62067456"/>
       </c:scatterChart>
       <c:valAx>
-        <c:axId val="64150144"/>
+        <c:axId val="62052992"/>
         <c:scaling>
           <c:orientation val="minMax"/>
           <c:max val="8"/>
@@ -5024,11 +5137,15 @@
                   <a:defRPr lang="es-AR"/>
                 </a:pPr>
                 <a:r>
-                  <a:rPr lang="es-AR"/>
+                  <a:rPr lang="es-AR" sz="1800" b="0" dirty="0">
+                    <a:latin typeface="+mj-lt"/>
+                  </a:rPr>
                   <a:t>Predicción</a:t>
                 </a:r>
                 <a:r>
-                  <a:rPr lang="es-AR" baseline="0"/>
+                  <a:rPr lang="es-AR" sz="1800" b="0" baseline="0" dirty="0">
+                    <a:latin typeface="+mj-lt"/>
+                  </a:rPr>
                   <a:t> SVM (Altura en mts.)</a:t>
                 </a:r>
               </a:p>
@@ -5048,13 +5165,13 @@
             <a:endParaRPr lang="es-ES"/>
           </a:p>
         </c:txPr>
-        <c:crossAx val="65213184"/>
+        <c:crossAx val="62067456"/>
         <c:crosses val="autoZero"/>
         <c:crossBetween val="midCat"/>
         <c:majorUnit val="2"/>
       </c:valAx>
       <c:valAx>
-        <c:axId val="65213184"/>
+        <c:axId val="62067456"/>
         <c:scaling>
           <c:orientation val="minMax"/>
         </c:scaling>
@@ -5071,8 +5188,16 @@
                   <a:defRPr lang="es-AR"/>
                 </a:pPr>
                 <a:r>
-                  <a:rPr lang="es-AR"/>
-                  <a:t>Observacion Visual (Altura en mts.)</a:t>
+                  <a:rPr lang="es-AR" sz="1800" b="0" dirty="0" smtClean="0">
+                    <a:latin typeface="+mj-lt"/>
+                  </a:rPr>
+                  <a:t>Observación </a:t>
+                </a:r>
+                <a:r>
+                  <a:rPr lang="es-AR" sz="1800" b="0" dirty="0">
+                    <a:latin typeface="+mj-lt"/>
+                  </a:rPr>
+                  <a:t>Visual (Altura en mts.)</a:t>
                 </a:r>
               </a:p>
             </c:rich>
@@ -5091,7 +5216,7 @@
             <a:endParaRPr lang="es-ES"/>
           </a:p>
         </c:txPr>
-        <c:crossAx val="64150144"/>
+        <c:crossAx val="62052992"/>
         <c:crosses val="autoZero"/>
         <c:crossBetween val="midCat"/>
       </c:valAx>
@@ -5158,7 +5283,7 @@
                 <c:formatCode>0%</c:formatCode>
                 <c:ptCount val="5"/>
                 <c:pt idx="0">
-                  <c:v>0.66000000000000159</c:v>
+                  <c:v>0.66000000000000181</c:v>
                 </c:pt>
                 <c:pt idx="1">
                   <c:v>0.82000000000000062</c:v>
@@ -5244,12 +5369,12 @@
           </c:val>
         </c:ser>
         <c:shape val="box"/>
-        <c:axId val="65259008"/>
-        <c:axId val="65260544"/>
+        <c:axId val="62113280"/>
+        <c:axId val="62114816"/>
         <c:axId val="0"/>
       </c:bar3DChart>
       <c:catAx>
-        <c:axId val="65259008"/>
+        <c:axId val="62113280"/>
         <c:scaling>
           <c:orientation val="minMax"/>
         </c:scaling>
@@ -5260,19 +5385,21 @@
           <a:lstStyle/>
           <a:p>
             <a:pPr>
-              <a:defRPr lang="es-AR"/>
+              <a:defRPr lang="es-AR" sz="1400">
+                <a:latin typeface="+mj-lt"/>
+              </a:defRPr>
             </a:pPr>
             <a:endParaRPr lang="es-ES"/>
           </a:p>
         </c:txPr>
-        <c:crossAx val="65260544"/>
+        <c:crossAx val="62114816"/>
         <c:crosses val="autoZero"/>
         <c:auto val="1"/>
         <c:lblAlgn val="ctr"/>
         <c:lblOffset val="100"/>
       </c:catAx>
       <c:valAx>
-        <c:axId val="65260544"/>
+        <c:axId val="62114816"/>
         <c:scaling>
           <c:orientation val="minMax"/>
         </c:scaling>
@@ -5290,13 +5417,43 @@
             <a:endParaRPr lang="es-ES"/>
           </a:p>
         </c:txPr>
-        <c:crossAx val="65259008"/>
+        <c:crossAx val="62113280"/>
         <c:crosses val="autoZero"/>
         <c:crossBetween val="between"/>
       </c:valAx>
     </c:plotArea>
     <c:legend>
       <c:legendPos val="r"/>
+      <c:legendEntry>
+        <c:idx val="0"/>
+        <c:txPr>
+          <a:bodyPr/>
+          <a:lstStyle/>
+          <a:p>
+            <a:pPr>
+              <a:defRPr lang="es-AR" sz="1400">
+                <a:latin typeface="+mj-lt"/>
+              </a:defRPr>
+            </a:pPr>
+            <a:endParaRPr lang="es-ES"/>
+          </a:p>
+        </c:txPr>
+      </c:legendEntry>
+      <c:legendEntry>
+        <c:idx val="1"/>
+        <c:txPr>
+          <a:bodyPr/>
+          <a:lstStyle/>
+          <a:p>
+            <a:pPr>
+              <a:defRPr lang="es-AR" sz="1400">
+                <a:latin typeface="+mj-lt"/>
+              </a:defRPr>
+            </a:pPr>
+            <a:endParaRPr lang="es-ES"/>
+          </a:p>
+        </c:txPr>
+      </c:legendEntry>
       <c:layout/>
       <c:txPr>
         <a:bodyPr/>
@@ -5378,7 +5535,7 @@
                   <c:v>1.35</c:v>
                 </c:pt>
                 <c:pt idx="2">
-                  <c:v>1.1800000000000024</c:v>
+                  <c:v>1.1800000000000026</c:v>
                 </c:pt>
                 <c:pt idx="3">
                   <c:v>0.99</c:v>
@@ -5458,12 +5615,12 @@
           </c:val>
         </c:ser>
         <c:shape val="cylinder"/>
-        <c:axId val="64044416"/>
-        <c:axId val="64046208"/>
+        <c:axId val="61947264"/>
+        <c:axId val="61949056"/>
         <c:axId val="0"/>
       </c:bar3DChart>
       <c:catAx>
-        <c:axId val="64044416"/>
+        <c:axId val="61947264"/>
         <c:scaling>
           <c:orientation val="minMax"/>
         </c:scaling>
@@ -5474,19 +5631,21 @@
           <a:lstStyle/>
           <a:p>
             <a:pPr>
-              <a:defRPr lang="es-AR"/>
+              <a:defRPr lang="es-AR" sz="1400">
+                <a:latin typeface="+mj-lt"/>
+              </a:defRPr>
             </a:pPr>
             <a:endParaRPr lang="es-ES"/>
           </a:p>
         </c:txPr>
-        <c:crossAx val="64046208"/>
+        <c:crossAx val="61949056"/>
         <c:crosses val="autoZero"/>
         <c:auto val="1"/>
         <c:lblAlgn val="ctr"/>
         <c:lblOffset val="100"/>
       </c:catAx>
       <c:valAx>
-        <c:axId val="64046208"/>
+        <c:axId val="61949056"/>
         <c:scaling>
           <c:orientation val="minMax"/>
         </c:scaling>
@@ -5504,7 +5663,7 @@
             <a:endParaRPr lang="es-ES"/>
           </a:p>
         </c:txPr>
-        <c:crossAx val="64044416"/>
+        <c:crossAx val="61947264"/>
         <c:crosses val="autoZero"/>
         <c:crossBetween val="between"/>
       </c:valAx>
@@ -5517,7 +5676,9 @@
         <a:lstStyle/>
         <a:p>
           <a:pPr>
-            <a:defRPr lang="es-AR"/>
+            <a:defRPr lang="es-AR" sz="1400">
+              <a:latin typeface="+mj-lt"/>
+            </a:defRPr>
           </a:pPr>
           <a:endParaRPr lang="es-ES"/>
         </a:p>
@@ -12172,6 +12333,105 @@
           <a:effectLst/>
         </p:spPr>
       </p:pic>
+      <p:sp>
+        <p:nvSpPr>
+          <p:cNvPr id="4" name="3 Rectángulo"/>
+          <p:cNvSpPr/>
+          <p:nvPr/>
+        </p:nvSpPr>
+        <p:spPr>
+          <a:xfrm>
+            <a:off x="4080726" y="2125532"/>
+            <a:ext cx="1785950" cy="4572032"/>
+          </a:xfrm>
+          <a:prstGeom prst="rect">
+            <a:avLst/>
+          </a:prstGeom>
+          <a:noFill/>
+          <a:ln>
+            <a:solidFill>
+              <a:srgbClr val="FF0000"/>
+            </a:solidFill>
+          </a:ln>
+        </p:spPr>
+        <p:style>
+          <a:lnRef idx="2">
+            <a:schemeClr val="accent1">
+              <a:shade val="50000"/>
+            </a:schemeClr>
+          </a:lnRef>
+          <a:fillRef idx="1">
+            <a:schemeClr val="accent1"/>
+          </a:fillRef>
+          <a:effectRef idx="0">
+            <a:schemeClr val="accent1"/>
+          </a:effectRef>
+          <a:fontRef idx="minor">
+            <a:schemeClr val="lt1"/>
+          </a:fontRef>
+        </p:style>
+        <p:txBody>
+          <a:bodyPr rtlCol="0" anchor="ctr"/>
+          <a:lstStyle/>
+          <a:p>
+            <a:pPr algn="ctr"/>
+            <a:endParaRPr lang="es-ES"/>
+          </a:p>
+        </p:txBody>
+      </p:sp>
+      <p:sp>
+        <p:nvSpPr>
+          <p:cNvPr id="5" name="4 Rectángulo"/>
+          <p:cNvSpPr/>
+          <p:nvPr/>
+        </p:nvSpPr>
+        <p:spPr>
+          <a:xfrm>
+            <a:off x="4081828" y="2125532"/>
+            <a:ext cx="428628" cy="4572032"/>
+          </a:xfrm>
+          <a:prstGeom prst="rect">
+            <a:avLst/>
+          </a:prstGeom>
+          <a:solidFill>
+            <a:schemeClr val="accent6">
+              <a:lumMod val="75000"/>
+              <a:alpha val="35000"/>
+            </a:schemeClr>
+          </a:solidFill>
+          <a:ln>
+            <a:solidFill>
+              <a:schemeClr val="accent6">
+                <a:lumMod val="75000"/>
+              </a:schemeClr>
+            </a:solidFill>
+          </a:ln>
+        </p:spPr>
+        <p:style>
+          <a:lnRef idx="2">
+            <a:schemeClr val="accent1">
+              <a:shade val="50000"/>
+            </a:schemeClr>
+          </a:lnRef>
+          <a:fillRef idx="1">
+            <a:schemeClr val="accent1"/>
+          </a:fillRef>
+          <a:effectRef idx="0">
+            <a:schemeClr val="accent1"/>
+          </a:effectRef>
+          <a:fontRef idx="minor">
+            <a:schemeClr val="lt1"/>
+          </a:fontRef>
+        </p:style>
+        <p:txBody>
+          <a:bodyPr rtlCol="0" anchor="ctr"/>
+          <a:lstStyle/>
+          <a:p>
+            <a:pPr algn="ctr"/>
+            <a:endParaRPr lang="es-ES"/>
+          </a:p>
+        </p:txBody>
+      </p:sp>
     </p:spTree>
   </p:cSld>
   <p:clrMapOvr>
@@ -12260,6 +12520,158 @@
           <a:effectLst/>
         </p:spPr>
       </p:pic>
+      <p:sp>
+        <p:nvSpPr>
+          <p:cNvPr id="4" name="3 Rectángulo"/>
+          <p:cNvSpPr/>
+          <p:nvPr/>
+        </p:nvSpPr>
+        <p:spPr>
+          <a:xfrm>
+            <a:off x="4125788" y="2125532"/>
+            <a:ext cx="1785950" cy="4572032"/>
+          </a:xfrm>
+          <a:prstGeom prst="rect">
+            <a:avLst/>
+          </a:prstGeom>
+          <a:noFill/>
+          <a:ln>
+            <a:solidFill>
+              <a:srgbClr val="FF0000"/>
+            </a:solidFill>
+          </a:ln>
+        </p:spPr>
+        <p:style>
+          <a:lnRef idx="2">
+            <a:schemeClr val="accent1">
+              <a:shade val="50000"/>
+            </a:schemeClr>
+          </a:lnRef>
+          <a:fillRef idx="1">
+            <a:schemeClr val="accent1"/>
+          </a:fillRef>
+          <a:effectRef idx="0">
+            <a:schemeClr val="accent1"/>
+          </a:effectRef>
+          <a:fontRef idx="minor">
+            <a:schemeClr val="lt1"/>
+          </a:fontRef>
+        </p:style>
+        <p:txBody>
+          <a:bodyPr rtlCol="0" anchor="ctr"/>
+          <a:lstStyle/>
+          <a:p>
+            <a:pPr algn="ctr"/>
+            <a:endParaRPr lang="es-ES"/>
+          </a:p>
+        </p:txBody>
+      </p:sp>
+      <p:sp>
+        <p:nvSpPr>
+          <p:cNvPr id="5" name="4 Rectángulo"/>
+          <p:cNvSpPr/>
+          <p:nvPr/>
+        </p:nvSpPr>
+        <p:spPr>
+          <a:xfrm>
+            <a:off x="4126890" y="2125532"/>
+            <a:ext cx="428628" cy="4572032"/>
+          </a:xfrm>
+          <a:prstGeom prst="rect">
+            <a:avLst/>
+          </a:prstGeom>
+          <a:solidFill>
+            <a:schemeClr val="accent6">
+              <a:lumMod val="75000"/>
+              <a:alpha val="35000"/>
+            </a:schemeClr>
+          </a:solidFill>
+          <a:ln>
+            <a:solidFill>
+              <a:schemeClr val="accent6">
+                <a:lumMod val="75000"/>
+              </a:schemeClr>
+            </a:solidFill>
+          </a:ln>
+        </p:spPr>
+        <p:style>
+          <a:lnRef idx="2">
+            <a:schemeClr val="accent1">
+              <a:shade val="50000"/>
+            </a:schemeClr>
+          </a:lnRef>
+          <a:fillRef idx="1">
+            <a:schemeClr val="accent1"/>
+          </a:fillRef>
+          <a:effectRef idx="0">
+            <a:schemeClr val="accent1"/>
+          </a:effectRef>
+          <a:fontRef idx="minor">
+            <a:schemeClr val="lt1"/>
+          </a:fontRef>
+        </p:style>
+        <p:txBody>
+          <a:bodyPr rtlCol="0" anchor="ctr"/>
+          <a:lstStyle/>
+          <a:p>
+            <a:pPr algn="ctr"/>
+            <a:endParaRPr lang="es-ES"/>
+          </a:p>
+        </p:txBody>
+      </p:sp>
+      <p:sp>
+        <p:nvSpPr>
+          <p:cNvPr id="6" name="5 Rectángulo"/>
+          <p:cNvSpPr/>
+          <p:nvPr/>
+        </p:nvSpPr>
+        <p:spPr>
+          <a:xfrm>
+            <a:off x="6366742" y="2125532"/>
+            <a:ext cx="428628" cy="4572032"/>
+          </a:xfrm>
+          <a:prstGeom prst="rect">
+            <a:avLst/>
+          </a:prstGeom>
+          <a:solidFill>
+            <a:schemeClr val="accent6">
+              <a:lumMod val="75000"/>
+              <a:alpha val="35000"/>
+            </a:schemeClr>
+          </a:solidFill>
+          <a:ln>
+            <a:solidFill>
+              <a:schemeClr val="accent6">
+                <a:lumMod val="75000"/>
+              </a:schemeClr>
+            </a:solidFill>
+          </a:ln>
+        </p:spPr>
+        <p:style>
+          <a:lnRef idx="2">
+            <a:schemeClr val="accent1">
+              <a:shade val="50000"/>
+            </a:schemeClr>
+          </a:lnRef>
+          <a:fillRef idx="1">
+            <a:schemeClr val="accent1"/>
+          </a:fillRef>
+          <a:effectRef idx="0">
+            <a:schemeClr val="accent1"/>
+          </a:effectRef>
+          <a:fontRef idx="minor">
+            <a:schemeClr val="lt1"/>
+          </a:fontRef>
+        </p:style>
+        <p:txBody>
+          <a:bodyPr rtlCol="0" anchor="ctr"/>
+          <a:lstStyle/>
+          <a:p>
+            <a:pPr algn="ctr"/>
+            <a:endParaRPr lang="es-ES"/>
+          </a:p>
+        </p:txBody>
+      </p:sp>
     </p:spTree>
   </p:cSld>
   <p:clrMapOvr>
@@ -12332,7 +12744,7 @@
         </p:blipFill>
         <p:spPr bwMode="auto">
           <a:xfrm>
-            <a:off x="0" y="1928802"/>
+            <a:off x="0" y="1946386"/>
             <a:ext cx="9076543" cy="4929198"/>
           </a:xfrm>
           <a:prstGeom prst="rect">
@@ -12348,6 +12760,158 @@
           <a:effectLst/>
         </p:spPr>
       </p:pic>
+      <p:sp>
+        <p:nvSpPr>
+          <p:cNvPr id="4" name="3 Rectángulo"/>
+          <p:cNvSpPr/>
+          <p:nvPr/>
+        </p:nvSpPr>
+        <p:spPr>
+          <a:xfrm>
+            <a:off x="4027974" y="2143116"/>
+            <a:ext cx="1785950" cy="4572032"/>
+          </a:xfrm>
+          <a:prstGeom prst="rect">
+            <a:avLst/>
+          </a:prstGeom>
+          <a:noFill/>
+          <a:ln>
+            <a:solidFill>
+              <a:srgbClr val="FF0000"/>
+            </a:solidFill>
+          </a:ln>
+        </p:spPr>
+        <p:style>
+          <a:lnRef idx="2">
+            <a:schemeClr val="accent1">
+              <a:shade val="50000"/>
+            </a:schemeClr>
+          </a:lnRef>
+          <a:fillRef idx="1">
+            <a:schemeClr val="accent1"/>
+          </a:fillRef>
+          <a:effectRef idx="0">
+            <a:schemeClr val="accent1"/>
+          </a:effectRef>
+          <a:fontRef idx="minor">
+            <a:schemeClr val="lt1"/>
+          </a:fontRef>
+        </p:style>
+        <p:txBody>
+          <a:bodyPr rtlCol="0" anchor="ctr"/>
+          <a:lstStyle/>
+          <a:p>
+            <a:pPr algn="ctr"/>
+            <a:endParaRPr lang="es-ES"/>
+          </a:p>
+        </p:txBody>
+      </p:sp>
+      <p:sp>
+        <p:nvSpPr>
+          <p:cNvPr id="5" name="4 Rectángulo"/>
+          <p:cNvSpPr/>
+          <p:nvPr/>
+        </p:nvSpPr>
+        <p:spPr>
+          <a:xfrm>
+            <a:off x="5384194" y="2143116"/>
+            <a:ext cx="428628" cy="4572032"/>
+          </a:xfrm>
+          <a:prstGeom prst="rect">
+            <a:avLst/>
+          </a:prstGeom>
+          <a:solidFill>
+            <a:schemeClr val="accent6">
+              <a:lumMod val="75000"/>
+              <a:alpha val="35000"/>
+            </a:schemeClr>
+          </a:solidFill>
+          <a:ln>
+            <a:solidFill>
+              <a:schemeClr val="accent6">
+                <a:lumMod val="75000"/>
+              </a:schemeClr>
+            </a:solidFill>
+          </a:ln>
+        </p:spPr>
+        <p:style>
+          <a:lnRef idx="2">
+            <a:schemeClr val="accent1">
+              <a:shade val="50000"/>
+            </a:schemeClr>
+          </a:lnRef>
+          <a:fillRef idx="1">
+            <a:schemeClr val="accent1"/>
+          </a:fillRef>
+          <a:effectRef idx="0">
+            <a:schemeClr val="accent1"/>
+          </a:effectRef>
+          <a:fontRef idx="minor">
+            <a:schemeClr val="lt1"/>
+          </a:fontRef>
+        </p:style>
+        <p:txBody>
+          <a:bodyPr rtlCol="0" anchor="ctr"/>
+          <a:lstStyle/>
+          <a:p>
+            <a:pPr algn="ctr"/>
+            <a:endParaRPr lang="es-ES"/>
+          </a:p>
+        </p:txBody>
+      </p:sp>
+      <p:sp>
+        <p:nvSpPr>
+          <p:cNvPr id="6" name="5 Rectángulo"/>
+          <p:cNvSpPr/>
+          <p:nvPr/>
+        </p:nvSpPr>
+        <p:spPr>
+          <a:xfrm>
+            <a:off x="4027974" y="2143116"/>
+            <a:ext cx="428628" cy="4572032"/>
+          </a:xfrm>
+          <a:prstGeom prst="rect">
+            <a:avLst/>
+          </a:prstGeom>
+          <a:solidFill>
+            <a:schemeClr val="accent1">
+              <a:lumMod val="75000"/>
+              <a:alpha val="35000"/>
+            </a:schemeClr>
+          </a:solidFill>
+          <a:ln>
+            <a:solidFill>
+              <a:schemeClr val="accent1">
+                <a:lumMod val="75000"/>
+              </a:schemeClr>
+            </a:solidFill>
+          </a:ln>
+        </p:spPr>
+        <p:style>
+          <a:lnRef idx="2">
+            <a:schemeClr val="accent1">
+              <a:shade val="50000"/>
+            </a:schemeClr>
+          </a:lnRef>
+          <a:fillRef idx="1">
+            <a:schemeClr val="accent1"/>
+          </a:fillRef>
+          <a:effectRef idx="0">
+            <a:schemeClr val="accent1"/>
+          </a:effectRef>
+          <a:fontRef idx="minor">
+            <a:schemeClr val="lt1"/>
+          </a:fontRef>
+        </p:style>
+        <p:txBody>
+          <a:bodyPr rtlCol="0" anchor="ctr"/>
+          <a:lstStyle/>
+          <a:p>
+            <a:pPr algn="ctr"/>
+            <a:endParaRPr lang="es-ES"/>
+          </a:p>
+        </p:txBody>
+      </p:sp>
     </p:spTree>
   </p:cSld>
   <p:clrMapOvr>
@@ -12480,7 +13044,7 @@
               <a:buNone/>
             </a:pPr>
             <a:r>
-              <a:rPr lang="es-US" dirty="0" smtClean="0">
+              <a:rPr lang="es-US" b="1" dirty="0" smtClean="0">
                 <a:latin typeface="+mj-lt"/>
               </a:rPr>
               <a:t>Combinación óptima = [SVM/WW3Last3DaysStrategy]</a:t>
@@ -12658,7 +13222,7 @@
         </p:nvGraphicFramePr>
         <p:xfrm>
           <a:off x="857224" y="3214686"/>
-          <a:ext cx="3786214" cy="773432"/>
+          <a:ext cx="3786214" cy="1229360"/>
         </p:xfrm>
         <a:graphic>
           <a:graphicData uri="http://schemas.openxmlformats.org/drawingml/2006/table">
@@ -12688,9 +13252,46 @@
                           <a:ea typeface="Times New Roman"/>
                           <a:cs typeface="Times New Roman"/>
                         </a:rPr>
-                        <a:t>Correlación WW3 / Obs. Visual</a:t>
+                        <a:t>Correlación </a:t>
                       </a:r>
-                      <a:endParaRPr lang="es-ES" sz="1600" dirty="0">
+                      <a:endParaRPr lang="es-ES" sz="1600" b="1" dirty="0" smtClean="0">
+                        <a:solidFill>
+                          <a:srgbClr val="000000"/>
+                        </a:solidFill>
+                        <a:latin typeface="Calibri"/>
+                        <a:ea typeface="Times New Roman"/>
+                        <a:cs typeface="Times New Roman"/>
+                      </a:endParaRPr>
+                    </a:p>
+                    <a:p>
+                      <a:pPr algn="ctr">
+                        <a:spcAft>
+                          <a:spcPts val="1000"/>
+                        </a:spcAft>
+                      </a:pPr>
+                      <a:r>
+                        <a:rPr lang="es-ES" sz="1600" b="1" dirty="0" smtClean="0">
+                          <a:solidFill>
+                            <a:srgbClr val="000000"/>
+                          </a:solidFill>
+                          <a:latin typeface="Calibri"/>
+                          <a:ea typeface="Times New Roman"/>
+                          <a:cs typeface="Times New Roman"/>
+                        </a:rPr>
+                        <a:t>WW3 </a:t>
+                      </a:r>
+                      <a:r>
+                        <a:rPr lang="es-ES" sz="1600" b="1" dirty="0">
+                          <a:solidFill>
+                            <a:srgbClr val="000000"/>
+                          </a:solidFill>
+                          <a:latin typeface="Calibri"/>
+                          <a:ea typeface="Times New Roman"/>
+                          <a:cs typeface="Times New Roman"/>
+                        </a:rPr>
+                        <a:t>/ Obs. Visual</a:t>
+                      </a:r>
+                      <a:endParaRPr lang="es-ES" sz="1600" b="1" dirty="0">
                         <a:latin typeface="Times New Roman"/>
                         <a:ea typeface="Times New Roman"/>
                         <a:cs typeface="Times New Roman"/>
@@ -12763,10 +13364,25 @@
                           <a:ea typeface="Times New Roman"/>
                           <a:cs typeface="Times New Roman"/>
                         </a:rPr>
-                        <a:t>Correlación SVM / </a:t>
+                        <a:t>Correlación </a:t>
                       </a:r>
+                      <a:endParaRPr lang="es-ES" sz="1600" b="1" dirty="0" smtClean="0">
+                        <a:solidFill>
+                          <a:srgbClr val="000000"/>
+                        </a:solidFill>
+                        <a:latin typeface="Calibri"/>
+                        <a:ea typeface="Times New Roman"/>
+                        <a:cs typeface="Times New Roman"/>
+                      </a:endParaRPr>
+                    </a:p>
+                    <a:p>
+                      <a:pPr algn="ctr">
+                        <a:spcAft>
+                          <a:spcPts val="1000"/>
+                        </a:spcAft>
+                      </a:pPr>
                       <a:r>
-                        <a:rPr lang="es-ES" sz="1600" b="1" dirty="0" err="1">
+                        <a:rPr lang="es-ES" sz="1600" b="1" dirty="0" smtClean="0">
                           <a:solidFill>
                             <a:srgbClr val="000000"/>
                           </a:solidFill>
@@ -12774,7 +13390,7 @@
                           <a:ea typeface="Times New Roman"/>
                           <a:cs typeface="Times New Roman"/>
                         </a:rPr>
-                        <a:t>Obs</a:t>
+                        <a:t>SVM </a:t>
                       </a:r>
                       <a:r>
                         <a:rPr lang="es-ES" sz="1600" b="1" dirty="0">
@@ -12785,7 +13401,7 @@
                           <a:ea typeface="Times New Roman"/>
                           <a:cs typeface="Times New Roman"/>
                         </a:rPr>
-                        <a:t>. Visual</a:t>
+                        <a:t>/ Obs. Visual</a:t>
                       </a:r>
                       <a:endParaRPr lang="es-ES" sz="1600" dirty="0">
                         <a:latin typeface="Times New Roman"/>
@@ -12853,67 +13469,15 @@
                           <a:spcPts val="1000"/>
                         </a:spcAft>
                       </a:pPr>
-                      <a:r>
-                        <a:rPr lang="es-ES" sz="1600" dirty="0" smtClean="0">
-                          <a:solidFill>
-                            <a:srgbClr val="000000"/>
-                          </a:solidFill>
-                          <a:latin typeface="Calibri"/>
-                          <a:ea typeface="Times New Roman"/>
-                          <a:cs typeface="Times New Roman"/>
-                        </a:rPr>
-                        <a:t>66%</a:t>
-                      </a:r>
-                      <a:endParaRPr lang="es-ES" sz="1600" dirty="0">
-                        <a:latin typeface="Times New Roman"/>
+                      <a:endParaRPr lang="es-ES" sz="1600" dirty="0" smtClean="0">
+                        <a:solidFill>
+                          <a:srgbClr val="000000"/>
+                        </a:solidFill>
+                        <a:latin typeface="Calibri"/>
                         <a:ea typeface="Times New Roman"/>
                         <a:cs typeface="Times New Roman"/>
                       </a:endParaRPr>
                     </a:p>
-                  </a:txBody>
-                  <a:tcPr marL="68580" marR="68580" marT="0" marB="0">
-                    <a:lnL w="12700" cap="flat" cmpd="sng" algn="ctr">
-                      <a:solidFill>
-                        <a:srgbClr val="000000"/>
-                      </a:solidFill>
-                      <a:prstDash val="solid"/>
-                      <a:round/>
-                      <a:headEnd type="none" w="med" len="med"/>
-                      <a:tailEnd type="none" w="med" len="med"/>
-                    </a:lnL>
-                    <a:lnR w="12700" cap="flat" cmpd="sng" algn="ctr">
-                      <a:solidFill>
-                        <a:srgbClr val="000000"/>
-                      </a:solidFill>
-                      <a:prstDash val="solid"/>
-                      <a:round/>
-                      <a:headEnd type="none" w="med" len="med"/>
-                      <a:tailEnd type="none" w="med" len="med"/>
-                    </a:lnR>
-                    <a:lnT w="12700" cap="flat" cmpd="sng" algn="ctr">
-                      <a:solidFill>
-                        <a:srgbClr val="000000"/>
-                      </a:solidFill>
-                      <a:prstDash val="solid"/>
-                      <a:round/>
-                      <a:headEnd type="none" w="med" len="med"/>
-                      <a:tailEnd type="none" w="med" len="med"/>
-                    </a:lnT>
-                    <a:lnB w="12700" cap="flat" cmpd="sng" algn="ctr">
-                      <a:solidFill>
-                        <a:srgbClr val="000000"/>
-                      </a:solidFill>
-                      <a:prstDash val="solid"/>
-                      <a:round/>
-                      <a:headEnd type="none" w="med" len="med"/>
-                      <a:tailEnd type="none" w="med" len="med"/>
-                    </a:lnB>
-                  </a:tcPr>
-                </a:tc>
-                <a:tc>
-                  <a:txBody>
-                    <a:bodyPr/>
-                    <a:lstStyle/>
                     <a:p>
                       <a:pPr algn="ctr">
                         <a:spcAft>
@@ -12929,7 +13493,111 @@
                           <a:ea typeface="Times New Roman"/>
                           <a:cs typeface="Times New Roman"/>
                         </a:rPr>
-                        <a:t>82%</a:t>
+                        <a:t>66</a:t>
+                      </a:r>
+                      <a:r>
+                        <a:rPr lang="es-ES" sz="1600" dirty="0" smtClean="0">
+                          <a:solidFill>
+                            <a:srgbClr val="000000"/>
+                          </a:solidFill>
+                          <a:latin typeface="Calibri"/>
+                          <a:ea typeface="Times New Roman"/>
+                          <a:cs typeface="Times New Roman"/>
+                        </a:rPr>
+                        <a:t>%</a:t>
+                      </a:r>
+                      <a:endParaRPr lang="es-ES" sz="1600" dirty="0">
+                        <a:latin typeface="Times New Roman"/>
+                        <a:ea typeface="Times New Roman"/>
+                        <a:cs typeface="Times New Roman"/>
+                      </a:endParaRPr>
+                    </a:p>
+                  </a:txBody>
+                  <a:tcPr marL="68580" marR="68580" marT="0" marB="0">
+                    <a:lnL w="12700" cap="flat" cmpd="sng" algn="ctr">
+                      <a:solidFill>
+                        <a:srgbClr val="000000"/>
+                      </a:solidFill>
+                      <a:prstDash val="solid"/>
+                      <a:round/>
+                      <a:headEnd type="none" w="med" len="med"/>
+                      <a:tailEnd type="none" w="med" len="med"/>
+                    </a:lnL>
+                    <a:lnR w="12700" cap="flat" cmpd="sng" algn="ctr">
+                      <a:solidFill>
+                        <a:srgbClr val="000000"/>
+                      </a:solidFill>
+                      <a:prstDash val="solid"/>
+                      <a:round/>
+                      <a:headEnd type="none" w="med" len="med"/>
+                      <a:tailEnd type="none" w="med" len="med"/>
+                    </a:lnR>
+                    <a:lnT w="12700" cap="flat" cmpd="sng" algn="ctr">
+                      <a:solidFill>
+                        <a:srgbClr val="000000"/>
+                      </a:solidFill>
+                      <a:prstDash val="solid"/>
+                      <a:round/>
+                      <a:headEnd type="none" w="med" len="med"/>
+                      <a:tailEnd type="none" w="med" len="med"/>
+                    </a:lnT>
+                    <a:lnB w="12700" cap="flat" cmpd="sng" algn="ctr">
+                      <a:solidFill>
+                        <a:srgbClr val="000000"/>
+                      </a:solidFill>
+                      <a:prstDash val="solid"/>
+                      <a:round/>
+                      <a:headEnd type="none" w="med" len="med"/>
+                      <a:tailEnd type="none" w="med" len="med"/>
+                    </a:lnB>
+                  </a:tcPr>
+                </a:tc>
+                <a:tc>
+                  <a:txBody>
+                    <a:bodyPr/>
+                    <a:lstStyle/>
+                    <a:p>
+                      <a:pPr algn="ctr">
+                        <a:spcAft>
+                          <a:spcPts val="1000"/>
+                        </a:spcAft>
+                      </a:pPr>
+                      <a:endParaRPr lang="es-ES" sz="1600" dirty="0" smtClean="0">
+                        <a:solidFill>
+                          <a:srgbClr val="000000"/>
+                        </a:solidFill>
+                        <a:latin typeface="Calibri"/>
+                        <a:ea typeface="Times New Roman"/>
+                        <a:cs typeface="Times New Roman"/>
+                      </a:endParaRPr>
+                    </a:p>
+                    <a:p>
+                      <a:pPr algn="ctr">
+                        <a:spcAft>
+                          <a:spcPts val="1000"/>
+                        </a:spcAft>
+                      </a:pPr>
+                      <a:r>
+                        <a:rPr lang="es-ES" sz="1600" dirty="0" smtClean="0">
+                          <a:solidFill>
+                            <a:srgbClr val="000000"/>
+                          </a:solidFill>
+                          <a:latin typeface="Calibri"/>
+                          <a:ea typeface="Times New Roman"/>
+                          <a:cs typeface="Times New Roman"/>
+                        </a:rPr>
+                        <a:t>82</a:t>
+                      </a:r>
+                      <a:r>
+                        <a:rPr lang="es-ES" sz="1600" dirty="0" smtClean="0">
+                          <a:solidFill>
+                            <a:srgbClr val="000000"/>
+                          </a:solidFill>
+                          <a:latin typeface="Calibri"/>
+                          <a:ea typeface="Times New Roman"/>
+                          <a:cs typeface="Times New Roman"/>
+                        </a:rPr>
+                        <a:t>%</a:t>
                       </a:r>
                       <a:endParaRPr lang="es-ES" sz="1600" dirty="0">
                         <a:latin typeface="Times New Roman"/>
@@ -12992,7 +13660,7 @@
         </p:nvGraphicFramePr>
         <p:xfrm>
           <a:off x="857224" y="4929198"/>
-          <a:ext cx="3786214" cy="792852"/>
+          <a:ext cx="3786214" cy="1229360"/>
         </p:xfrm>
         <a:graphic>
           <a:graphicData uri="http://schemas.openxmlformats.org/drawingml/2006/table">
@@ -13022,7 +13690,44 @@
                           <a:ea typeface="Times New Roman"/>
                           <a:cs typeface="Times New Roman"/>
                         </a:rPr>
-                        <a:t>MAE WW3 / Obs. Visual</a:t>
+                        <a:t>MAE </a:t>
+                      </a:r>
+                      <a:endParaRPr lang="es-ES" sz="1600" b="1" dirty="0" smtClean="0">
+                        <a:solidFill>
+                          <a:srgbClr val="000000"/>
+                        </a:solidFill>
+                        <a:latin typeface="Calibri"/>
+                        <a:ea typeface="Times New Roman"/>
+                        <a:cs typeface="Times New Roman"/>
+                      </a:endParaRPr>
+                    </a:p>
+                    <a:p>
+                      <a:pPr algn="ctr">
+                        <a:spcAft>
+                          <a:spcPts val="1000"/>
+                        </a:spcAft>
+                      </a:pPr>
+                      <a:r>
+                        <a:rPr lang="es-ES" sz="1600" b="1" dirty="0" smtClean="0">
+                          <a:solidFill>
+                            <a:srgbClr val="000000"/>
+                          </a:solidFill>
+                          <a:latin typeface="Calibri"/>
+                          <a:ea typeface="Times New Roman"/>
+                          <a:cs typeface="Times New Roman"/>
+                        </a:rPr>
+                        <a:t>WW3 </a:t>
+                      </a:r>
+                      <a:r>
+                        <a:rPr lang="es-ES" sz="1600" b="1" dirty="0">
+                          <a:solidFill>
+                            <a:srgbClr val="000000"/>
+                          </a:solidFill>
+                          <a:latin typeface="Calibri"/>
+                          <a:ea typeface="Times New Roman"/>
+                          <a:cs typeface="Times New Roman"/>
+                        </a:rPr>
+                        <a:t>/ Obs. Visual</a:t>
                       </a:r>
                       <a:endParaRPr lang="es-ES" sz="1600" dirty="0">
                         <a:latin typeface="Times New Roman"/>
@@ -13097,7 +13802,44 @@
                           <a:ea typeface="Times New Roman"/>
                           <a:cs typeface="Times New Roman"/>
                         </a:rPr>
-                        <a:t>MAE SVM / Obs. Visual</a:t>
+                        <a:t>MAE </a:t>
+                      </a:r>
+                      <a:endParaRPr lang="es-ES" sz="1600" b="1" dirty="0" smtClean="0">
+                        <a:solidFill>
+                          <a:srgbClr val="000000"/>
+                        </a:solidFill>
+                        <a:latin typeface="Calibri"/>
+                        <a:ea typeface="Times New Roman"/>
+                        <a:cs typeface="Times New Roman"/>
+                      </a:endParaRPr>
+                    </a:p>
+                    <a:p>
+                      <a:pPr algn="ctr">
+                        <a:spcAft>
+                          <a:spcPts val="1000"/>
+                        </a:spcAft>
+                      </a:pPr>
+                      <a:r>
+                        <a:rPr lang="es-ES" sz="1600" b="1" dirty="0" smtClean="0">
+                          <a:solidFill>
+                            <a:srgbClr val="000000"/>
+                          </a:solidFill>
+                          <a:latin typeface="Calibri"/>
+                          <a:ea typeface="Times New Roman"/>
+                          <a:cs typeface="Times New Roman"/>
+                        </a:rPr>
+                        <a:t>SVM </a:t>
+                      </a:r>
+                      <a:r>
+                        <a:rPr lang="es-ES" sz="1600" b="1" dirty="0">
+                          <a:solidFill>
+                            <a:srgbClr val="000000"/>
+                          </a:solidFill>
+                          <a:latin typeface="Calibri"/>
+                          <a:ea typeface="Times New Roman"/>
+                          <a:cs typeface="Times New Roman"/>
+                        </a:rPr>
+                        <a:t>/ Obs. Visual</a:t>
                       </a:r>
                       <a:endParaRPr lang="es-ES" sz="1600" dirty="0">
                         <a:latin typeface="Times New Roman"/>
@@ -13159,6 +13901,21 @@
                   <a:txBody>
                     <a:bodyPr/>
                     <a:lstStyle/>
+                    <a:p>
+                      <a:pPr algn="ctr">
+                        <a:spcAft>
+                          <a:spcPts val="1000"/>
+                        </a:spcAft>
+                      </a:pPr>
+                      <a:endParaRPr lang="es-ES" sz="1600" dirty="0" smtClean="0">
+                        <a:solidFill>
+                          <a:srgbClr val="000000"/>
+                        </a:solidFill>
+                        <a:latin typeface="Calibri"/>
+                        <a:ea typeface="Times New Roman"/>
+                        <a:cs typeface="Times New Roman"/>
+                      </a:endParaRPr>
+                    </a:p>
                     <a:p>
                       <a:pPr algn="ctr">
                         <a:spcAft>
@@ -13237,6 +13994,21 @@
                   <a:txBody>
                     <a:bodyPr/>
                     <a:lstStyle/>
+                    <a:p>
+                      <a:pPr algn="ctr">
+                        <a:spcAft>
+                          <a:spcPts val="1000"/>
+                        </a:spcAft>
+                      </a:pPr>
+                      <a:endParaRPr lang="es-ES" sz="1600" dirty="0" smtClean="0">
+                        <a:solidFill>
+                          <a:srgbClr val="000000"/>
+                        </a:solidFill>
+                        <a:latin typeface="Calibri"/>
+                        <a:ea typeface="Times New Roman"/>
+                        <a:cs typeface="Times New Roman"/>
+                      </a:endParaRPr>
+                    </a:p>
                     <a:p>
                       <a:pPr algn="ctr">
                         <a:spcAft>
@@ -13422,39 +14194,6 @@
           </a:graphicData>
         </a:graphic>
       </p:graphicFrame>
-      <p:pic>
-        <p:nvPicPr>
-          <p:cNvPr id="38914" name="Picture 2"/>
-          <p:cNvPicPr>
-            <a:picLocks noChangeAspect="1" noChangeArrowheads="1"/>
-          </p:cNvPicPr>
-          <p:nvPr/>
-        </p:nvPicPr>
-        <p:blipFill>
-          <a:blip r:embed="rId4" cstate="print"/>
-          <a:srcRect/>
-          <a:stretch>
-            <a:fillRect/>
-          </a:stretch>
-        </p:blipFill>
-        <p:spPr bwMode="auto">
-          <a:xfrm>
-            <a:off x="5729522" y="4519176"/>
-            <a:ext cx="2305050" cy="1238250"/>
-          </a:xfrm>
-          <a:prstGeom prst="rect">
-            <a:avLst/>
-          </a:prstGeom>
-          <a:noFill/>
-          <a:ln w="9525">
-            <a:noFill/>
-            <a:miter lim="800000"/>
-            <a:headEnd/>
-            <a:tailEnd/>
-          </a:ln>
-          <a:effectLst/>
-        </p:spPr>
-      </p:pic>
     </p:spTree>
   </p:cSld>
   <p:clrMapOvr>
@@ -13463,111 +14202,7 @@
   <p:timing>
     <p:tnLst>
       <p:par>
-        <p:cTn id="1" dur="indefinite" restart="never" nodeType="tmRoot">
-          <p:childTnLst>
-            <p:seq concurrent="1" nextAc="seek">
-              <p:cTn id="2" dur="indefinite" nodeType="mainSeq">
-                <p:childTnLst>
-                  <p:par>
-                    <p:cTn id="3" fill="hold">
-                      <p:stCondLst>
-                        <p:cond delay="indefinite"/>
-                      </p:stCondLst>
-                      <p:childTnLst>
-                        <p:par>
-                          <p:cTn id="4" fill="hold">
-                            <p:stCondLst>
-                              <p:cond delay="0"/>
-                            </p:stCondLst>
-                            <p:childTnLst>
-                              <p:par>
-                                <p:cTn id="5" presetID="1" presetClass="entr" presetSubtype="0" fill="hold" nodeType="clickEffect">
-                                  <p:stCondLst>
-                                    <p:cond delay="0"/>
-                                  </p:stCondLst>
-                                  <p:childTnLst>
-                                    <p:set>
-                                      <p:cBhvr>
-                                        <p:cTn id="6" dur="1" fill="hold">
-                                          <p:stCondLst>
-                                            <p:cond delay="0"/>
-                                          </p:stCondLst>
-                                        </p:cTn>
-                                        <p:tgtEl>
-                                          <p:spTgt spid="38914"/>
-                                        </p:tgtEl>
-                                        <p:attrNameLst>
-                                          <p:attrName>style.visibility</p:attrName>
-                                        </p:attrNameLst>
-                                      </p:cBhvr>
-                                      <p:to>
-                                        <p:strVal val="visible"/>
-                                      </p:to>
-                                    </p:set>
-                                  </p:childTnLst>
-                                </p:cTn>
-                              </p:par>
-                            </p:childTnLst>
-                          </p:cTn>
-                        </p:par>
-                      </p:childTnLst>
-                    </p:cTn>
-                  </p:par>
-                  <p:par>
-                    <p:cTn id="7" fill="hold">
-                      <p:stCondLst>
-                        <p:cond delay="indefinite"/>
-                      </p:stCondLst>
-                      <p:childTnLst>
-                        <p:par>
-                          <p:cTn id="8" fill="hold">
-                            <p:stCondLst>
-                              <p:cond delay="0"/>
-                            </p:stCondLst>
-                            <p:childTnLst>
-                              <p:par>
-                                <p:cTn id="9" presetID="6" presetClass="emph" presetSubtype="0" fill="hold" nodeType="clickEffect">
-                                  <p:stCondLst>
-                                    <p:cond delay="0"/>
-                                  </p:stCondLst>
-                                  <p:childTnLst>
-                                    <p:animScale>
-                                      <p:cBhvr>
-                                        <p:cTn id="10" dur="2000" fill="hold"/>
-                                        <p:tgtEl>
-                                          <p:spTgt spid="38914"/>
-                                        </p:tgtEl>
-                                      </p:cBhvr>
-                                      <p:by x="150000" y="150000"/>
-                                    </p:animScale>
-                                  </p:childTnLst>
-                                </p:cTn>
-                              </p:par>
-                            </p:childTnLst>
-                          </p:cTn>
-                        </p:par>
-                      </p:childTnLst>
-                    </p:cTn>
-                  </p:par>
-                </p:childTnLst>
-              </p:cTn>
-              <p:prevCondLst>
-                <p:cond evt="onPrev" delay="0">
-                  <p:tgtEl>
-                    <p:sldTgt/>
-                  </p:tgtEl>
-                </p:cond>
-              </p:prevCondLst>
-              <p:nextCondLst>
-                <p:cond evt="onNext" delay="0">
-                  <p:tgtEl>
-                    <p:sldTgt/>
-                  </p:tgtEl>
-                </p:cond>
-              </p:nextCondLst>
-            </p:seq>
-          </p:childTnLst>
-        </p:cTn>
+        <p:cTn id="1" dur="indefinite" restart="never" nodeType="tmRoot"/>
       </p:par>
     </p:tnLst>
   </p:timing>
@@ -13776,7 +14411,7 @@
         <p:spPr>
           <a:xfrm>
             <a:off x="1714480" y="2571744"/>
-            <a:ext cx="1260473" cy="369332"/>
+            <a:ext cx="1275349" cy="369332"/>
           </a:xfrm>
           <a:prstGeom prst="rect">
             <a:avLst/>
@@ -14371,9 +15006,6 @@
               </a:rPr>
               <a:t>Se evaluaron 4 algoritmos de clasificación : </a:t>
             </a:r>
-            <a:endParaRPr lang="es-AR" dirty="0" smtClean="0">
-              <a:latin typeface="+mj-lt"/>
-            </a:endParaRPr>
           </a:p>
           <a:p>
             <a:pPr lvl="1">
@@ -14383,19 +15015,7 @@
               <a:rPr lang="es-AR" dirty="0" smtClean="0">
                 <a:latin typeface="+mj-lt"/>
               </a:rPr>
-              <a:t>	</a:t>
-            </a:r>
-            <a:r>
-              <a:rPr lang="es-AR" dirty="0" smtClean="0">
-                <a:latin typeface="+mj-lt"/>
-              </a:rPr>
-              <a:t>[</a:t>
-            </a:r>
-            <a:r>
-              <a:rPr lang="es-AR" dirty="0" smtClean="0">
-                <a:latin typeface="+mj-lt"/>
-              </a:rPr>
-              <a:t>Reg. Lineal, SVM, Redes neuronales, Arboles Modelo]</a:t>
+              <a:t>	[Reg. Lineal, SVM, Redes neuronales, Arboles Modelo]</a:t>
             </a:r>
           </a:p>
           <a:p>
@@ -16451,13 +17071,7 @@
               <a:rPr lang="es-US" dirty="0" smtClean="0">
                 <a:latin typeface="+mj-lt"/>
               </a:rPr>
-              <a:t>Técnica </a:t>
-            </a:r>
-            <a:r>
-              <a:rPr lang="es-US" dirty="0" smtClean="0">
-                <a:latin typeface="+mj-lt"/>
-              </a:rPr>
-              <a:t>de validación cruzada de 10 conjuntos</a:t>
+              <a:t>Técnica de validación cruzada de 10 conjuntos</a:t>
             </a:r>
           </a:p>
           <a:p>
@@ -17616,19 +18230,7 @@
               <a:rPr lang="es-US" dirty="0" smtClean="0">
                 <a:latin typeface="+mj-lt"/>
               </a:rPr>
-              <a:t>Selección de </a:t>
-            </a:r>
-            <a:r>
-              <a:rPr lang="es-US" dirty="0" smtClean="0">
-                <a:latin typeface="+mj-lt"/>
-              </a:rPr>
-              <a:t>GridPoints óptimos </a:t>
-            </a:r>
-            <a:r>
-              <a:rPr lang="es-US" dirty="0" smtClean="0">
-                <a:latin typeface="+mj-lt"/>
-              </a:rPr>
-              <a:t>del modelo WAVEWATCH III.</a:t>
+              <a:t>Selección de GridPoints óptimos del modelo WAVEWATCH III.</a:t>
             </a:r>
           </a:p>
           <a:p>
@@ -23569,8 +24171,8 @@
           </p:nvPr>
         </p:nvGraphicFramePr>
         <p:xfrm>
-          <a:off x="142844" y="1935163"/>
-          <a:ext cx="8786874" cy="2208217"/>
+          <a:off x="0" y="1928803"/>
+          <a:ext cx="8858280" cy="2000264"/>
         </p:xfrm>
         <a:graphic>
           <a:graphicData uri="http://schemas.openxmlformats.org/drawingml/2006/chart">
@@ -23585,8 +24187,8 @@
           <p:nvPr/>
         </p:nvGraphicFramePr>
         <p:xfrm>
-          <a:off x="214282" y="4357694"/>
-          <a:ext cx="8786874" cy="2139351"/>
+          <a:off x="142844" y="3929066"/>
+          <a:ext cx="8786874" cy="2282227"/>
         </p:xfrm>
         <a:graphic>
           <a:graphicData uri="http://schemas.openxmlformats.org/drawingml/2006/chart">
@@ -23670,17 +24272,17 @@
               <a:rPr lang="es-US" dirty="0" smtClean="0">
                 <a:latin typeface="+mj-lt"/>
               </a:rPr>
-              <a:t>Resultados </a:t>
-            </a:r>
+              <a:t>Resultados generales</a:t>
+            </a:r>
+          </a:p>
+          <a:p>
+            <a:pPr lvl="1"/>
             <a:r>
               <a:rPr lang="es-US" dirty="0" smtClean="0">
                 <a:latin typeface="+mj-lt"/>
               </a:rPr>
-              <a:t>generales</a:t>
-            </a:r>
-            <a:endParaRPr lang="es-US" dirty="0" smtClean="0">
-              <a:latin typeface="+mj-lt"/>
-            </a:endParaRPr>
+              <a:t>Olas a estudiar (Oahu - Hawái).</a:t>
+            </a:r>
           </a:p>
           <a:p>
             <a:pPr lvl="1"/>
@@ -23688,17 +24290,17 @@
               <a:rPr lang="es-US" dirty="0" smtClean="0">
                 <a:latin typeface="+mj-lt"/>
               </a:rPr>
-              <a:t>Olas a estudiar (Oahu - Hawái</a:t>
-            </a:r>
+              <a:t>Algoritmos de aprendizaje de máquina.</a:t>
+            </a:r>
+          </a:p>
+          <a:p>
+            <a:pPr lvl="1"/>
             <a:r>
               <a:rPr lang="es-US" dirty="0" smtClean="0">
                 <a:latin typeface="+mj-lt"/>
               </a:rPr>
-              <a:t>).</a:t>
-            </a:r>
-            <a:endParaRPr lang="es-US" dirty="0" smtClean="0">
-              <a:latin typeface="+mj-lt"/>
-            </a:endParaRPr>
+              <a:t>Modelos de instancia.</a:t>
+            </a:r>
           </a:p>
           <a:p>
             <a:pPr lvl="1"/>
@@ -23706,84 +24308,23 @@
               <a:rPr lang="es-US" dirty="0" smtClean="0">
                 <a:latin typeface="+mj-lt"/>
               </a:rPr>
-              <a:t>Algoritmos de aprendizaje de </a:t>
-            </a:r>
+              <a:t>GridPoint WW3 óptimo para cada ola.</a:t>
+            </a:r>
+          </a:p>
+          <a:p>
+            <a:pPr lvl="1"/>
             <a:r>
               <a:rPr lang="es-US" dirty="0" smtClean="0">
                 <a:latin typeface="+mj-lt"/>
               </a:rPr>
-              <a:t>máquina.</a:t>
-            </a:r>
-            <a:endParaRPr lang="es-US" dirty="0" smtClean="0">
-              <a:latin typeface="+mj-lt"/>
-            </a:endParaRPr>
+              <a:t>Tamaño de conjunto de entrenamiento óptimo.</a:t>
+            </a:r>
           </a:p>
           <a:p>
             <a:pPr lvl="1"/>
             <a:r>
-              <a:rPr lang="es-US" dirty="0" smtClean="0">
-                <a:latin typeface="+mj-lt"/>
-              </a:rPr>
-              <a:t>Modelos de </a:t>
-            </a:r>
-            <a:r>
-              <a:rPr lang="es-US" dirty="0" smtClean="0">
-                <a:latin typeface="+mj-lt"/>
-              </a:rPr>
-              <a:t>instancia.</a:t>
-            </a:r>
-            <a:endParaRPr lang="es-US" dirty="0" smtClean="0">
-              <a:latin typeface="+mj-lt"/>
-            </a:endParaRPr>
-          </a:p>
-          <a:p>
-            <a:pPr lvl="1"/>
-            <a:r>
-              <a:rPr lang="es-US" dirty="0" smtClean="0">
-                <a:latin typeface="+mj-lt"/>
-              </a:rPr>
-              <a:t>GridPoint </a:t>
-            </a:r>
-            <a:r>
-              <a:rPr lang="es-US" dirty="0" smtClean="0">
-                <a:latin typeface="+mj-lt"/>
-              </a:rPr>
-              <a:t>WW3 óptimo para cada </a:t>
-            </a:r>
-            <a:r>
-              <a:rPr lang="es-US" dirty="0" smtClean="0">
-                <a:latin typeface="+mj-lt"/>
-              </a:rPr>
-              <a:t>ola.</a:t>
-            </a:r>
-            <a:endParaRPr lang="es-US" dirty="0" smtClean="0">
-              <a:latin typeface="+mj-lt"/>
-            </a:endParaRPr>
-          </a:p>
-          <a:p>
-            <a:pPr lvl="1"/>
-            <a:r>
-              <a:rPr lang="es-US" dirty="0" smtClean="0">
-                <a:latin typeface="+mj-lt"/>
-              </a:rPr>
-              <a:t>Tamaño de conjunto de entrenamiento </a:t>
-            </a:r>
-            <a:r>
-              <a:rPr lang="es-US" dirty="0" smtClean="0">
-                <a:latin typeface="+mj-lt"/>
-              </a:rPr>
-              <a:t>óptimo.</a:t>
-            </a:r>
-          </a:p>
-          <a:p>
-            <a:pPr lvl="1"/>
-            <a:r>
               <a:rPr lang="es-US" dirty="0" smtClean="0"/>
-              <a:t>Métricas de evaluación de </a:t>
-            </a:r>
-            <a:r>
-              <a:rPr lang="es-US" dirty="0" smtClean="0"/>
-              <a:t>clasificadores.</a:t>
+              <a:t>Métricas de evaluación de clasificadores.</a:t>
             </a:r>
             <a:endParaRPr lang="es-US" dirty="0" smtClean="0">
               <a:latin typeface="+mj-lt"/>
@@ -23800,25 +24341,19 @@
               <a:buNone/>
             </a:pPr>
             <a:r>
-              <a:rPr lang="es-US" dirty="0" smtClean="0">
+              <a:rPr lang="es-US" b="1" dirty="0" smtClean="0">
                 <a:latin typeface="+mj-lt"/>
               </a:rPr>
-              <a:t>Obtenemos </a:t>
-            </a:r>
-            <a:r>
-              <a:rPr lang="es-US" dirty="0" smtClean="0">
-                <a:latin typeface="+mj-lt"/>
-              </a:rPr>
-              <a:t>la combinación óptima [</a:t>
-            </a:r>
-            <a:r>
-              <a:rPr lang="es-US" dirty="0" err="1" smtClean="0">
+              <a:t>Obtenemos la combinación óptima [</a:t>
+            </a:r>
+            <a:r>
+              <a:rPr lang="es-US" b="1" dirty="0" err="1" smtClean="0">
                 <a:latin typeface="+mj-lt"/>
               </a:rPr>
               <a:t>alg</a:t>
             </a:r>
             <a:r>
-              <a:rPr lang="es-US" dirty="0" smtClean="0">
+              <a:rPr lang="es-US" b="1" dirty="0" smtClean="0">
                 <a:latin typeface="+mj-lt"/>
               </a:rPr>
               <a:t>. de aprendizaje de máquina / modelo de instancia]</a:t>
@@ -23918,6 +24453,158 @@
           <a:effectLst/>
         </p:spPr>
       </p:pic>
+      <p:sp>
+        <p:nvSpPr>
+          <p:cNvPr id="4" name="3 Rectángulo"/>
+          <p:cNvSpPr/>
+          <p:nvPr/>
+        </p:nvSpPr>
+        <p:spPr>
+          <a:xfrm>
+            <a:off x="4071934" y="2143116"/>
+            <a:ext cx="1785950" cy="4572032"/>
+          </a:xfrm>
+          <a:prstGeom prst="rect">
+            <a:avLst/>
+          </a:prstGeom>
+          <a:noFill/>
+          <a:ln>
+            <a:solidFill>
+              <a:srgbClr val="FF0000"/>
+            </a:solidFill>
+          </a:ln>
+        </p:spPr>
+        <p:style>
+          <a:lnRef idx="2">
+            <a:schemeClr val="accent1">
+              <a:shade val="50000"/>
+            </a:schemeClr>
+          </a:lnRef>
+          <a:fillRef idx="1">
+            <a:schemeClr val="accent1"/>
+          </a:fillRef>
+          <a:effectRef idx="0">
+            <a:schemeClr val="accent1"/>
+          </a:effectRef>
+          <a:fontRef idx="minor">
+            <a:schemeClr val="lt1"/>
+          </a:fontRef>
+        </p:style>
+        <p:txBody>
+          <a:bodyPr rtlCol="0" anchor="ctr"/>
+          <a:lstStyle/>
+          <a:p>
+            <a:pPr algn="ctr"/>
+            <a:endParaRPr lang="es-ES"/>
+          </a:p>
+        </p:txBody>
+      </p:sp>
+      <p:sp>
+        <p:nvSpPr>
+          <p:cNvPr id="5" name="4 Rectángulo"/>
+          <p:cNvSpPr/>
+          <p:nvPr/>
+        </p:nvSpPr>
+        <p:spPr>
+          <a:xfrm>
+            <a:off x="5428154" y="2143116"/>
+            <a:ext cx="428628" cy="4572032"/>
+          </a:xfrm>
+          <a:prstGeom prst="rect">
+            <a:avLst/>
+          </a:prstGeom>
+          <a:solidFill>
+            <a:schemeClr val="accent6">
+              <a:lumMod val="75000"/>
+              <a:alpha val="35000"/>
+            </a:schemeClr>
+          </a:solidFill>
+          <a:ln>
+            <a:solidFill>
+              <a:schemeClr val="accent6">
+                <a:lumMod val="75000"/>
+              </a:schemeClr>
+            </a:solidFill>
+          </a:ln>
+        </p:spPr>
+        <p:style>
+          <a:lnRef idx="2">
+            <a:schemeClr val="accent1">
+              <a:shade val="50000"/>
+            </a:schemeClr>
+          </a:lnRef>
+          <a:fillRef idx="1">
+            <a:schemeClr val="accent1"/>
+          </a:fillRef>
+          <a:effectRef idx="0">
+            <a:schemeClr val="accent1"/>
+          </a:effectRef>
+          <a:fontRef idx="minor">
+            <a:schemeClr val="lt1"/>
+          </a:fontRef>
+        </p:style>
+        <p:txBody>
+          <a:bodyPr rtlCol="0" anchor="ctr"/>
+          <a:lstStyle/>
+          <a:p>
+            <a:pPr algn="ctr"/>
+            <a:endParaRPr lang="es-ES"/>
+          </a:p>
+        </p:txBody>
+      </p:sp>
+      <p:sp>
+        <p:nvSpPr>
+          <p:cNvPr id="6" name="5 Rectángulo"/>
+          <p:cNvSpPr/>
+          <p:nvPr/>
+        </p:nvSpPr>
+        <p:spPr>
+          <a:xfrm>
+            <a:off x="4071934" y="2143116"/>
+            <a:ext cx="428628" cy="4572032"/>
+          </a:xfrm>
+          <a:prstGeom prst="rect">
+            <a:avLst/>
+          </a:prstGeom>
+          <a:solidFill>
+            <a:schemeClr val="accent1">
+              <a:lumMod val="75000"/>
+              <a:alpha val="35000"/>
+            </a:schemeClr>
+          </a:solidFill>
+          <a:ln>
+            <a:solidFill>
+              <a:schemeClr val="accent1">
+                <a:lumMod val="75000"/>
+              </a:schemeClr>
+            </a:solidFill>
+          </a:ln>
+        </p:spPr>
+        <p:style>
+          <a:lnRef idx="2">
+            <a:schemeClr val="accent1">
+              <a:shade val="50000"/>
+            </a:schemeClr>
+          </a:lnRef>
+          <a:fillRef idx="1">
+            <a:schemeClr val="accent1"/>
+          </a:fillRef>
+          <a:effectRef idx="0">
+            <a:schemeClr val="accent1"/>
+          </a:effectRef>
+          <a:fontRef idx="minor">
+            <a:schemeClr val="lt1"/>
+          </a:fontRef>
+        </p:style>
+        <p:txBody>
+          <a:bodyPr rtlCol="0" anchor="ctr"/>
+          <a:lstStyle/>
+          <a:p>
+            <a:pPr algn="ctr"/>
+            <a:endParaRPr lang="es-ES"/>
+          </a:p>
+        </p:txBody>
+      </p:sp>
     </p:spTree>
   </p:cSld>
   <p:clrMapOvr>
@@ -23926,9 +24613,196 @@
   <p:timing>
     <p:tnLst>
       <p:par>
-        <p:cTn id="1" dur="indefinite" restart="never" nodeType="tmRoot"/>
+        <p:cTn id="1" dur="indefinite" restart="never" nodeType="tmRoot">
+          <p:childTnLst>
+            <p:seq concurrent="1" nextAc="seek">
+              <p:cTn id="2" dur="indefinite" nodeType="mainSeq">
+                <p:childTnLst>
+                  <p:par>
+                    <p:cTn id="3" fill="hold">
+                      <p:stCondLst>
+                        <p:cond delay="indefinite"/>
+                      </p:stCondLst>
+                      <p:childTnLst>
+                        <p:par>
+                          <p:cTn id="4" fill="hold">
+                            <p:stCondLst>
+                              <p:cond delay="0"/>
+                            </p:stCondLst>
+                            <p:childTnLst>
+                              <p:par>
+                                <p:cTn id="5" presetID="10" presetClass="entr" presetSubtype="0" fill="hold" grpId="0" nodeType="clickEffect">
+                                  <p:stCondLst>
+                                    <p:cond delay="0"/>
+                                  </p:stCondLst>
+                                  <p:childTnLst>
+                                    <p:set>
+                                      <p:cBhvr>
+                                        <p:cTn id="6" dur="1" fill="hold">
+                                          <p:stCondLst>
+                                            <p:cond delay="0"/>
+                                          </p:stCondLst>
+                                        </p:cTn>
+                                        <p:tgtEl>
+                                          <p:spTgt spid="4"/>
+                                        </p:tgtEl>
+                                        <p:attrNameLst>
+                                          <p:attrName>style.visibility</p:attrName>
+                                        </p:attrNameLst>
+                                      </p:cBhvr>
+                                      <p:to>
+                                        <p:strVal val="visible"/>
+                                      </p:to>
+                                    </p:set>
+                                    <p:animEffect transition="in" filter="fade">
+                                      <p:cBhvr>
+                                        <p:cTn id="7" dur="1000"/>
+                                        <p:tgtEl>
+                                          <p:spTgt spid="4"/>
+                                        </p:tgtEl>
+                                      </p:cBhvr>
+                                    </p:animEffect>
+                                  </p:childTnLst>
+                                </p:cTn>
+                              </p:par>
+                            </p:childTnLst>
+                          </p:cTn>
+                        </p:par>
+                      </p:childTnLst>
+                    </p:cTn>
+                  </p:par>
+                  <p:par>
+                    <p:cTn id="8" fill="hold">
+                      <p:stCondLst>
+                        <p:cond delay="indefinite"/>
+                      </p:stCondLst>
+                      <p:childTnLst>
+                        <p:par>
+                          <p:cTn id="9" fill="hold">
+                            <p:stCondLst>
+                              <p:cond delay="0"/>
+                            </p:stCondLst>
+                            <p:childTnLst>
+                              <p:par>
+                                <p:cTn id="10" presetID="10" presetClass="entr" presetSubtype="0" fill="hold" grpId="1" nodeType="clickEffect">
+                                  <p:stCondLst>
+                                    <p:cond delay="0"/>
+                                  </p:stCondLst>
+                                  <p:childTnLst>
+                                    <p:set>
+                                      <p:cBhvr>
+                                        <p:cTn id="11" dur="1" fill="hold">
+                                          <p:stCondLst>
+                                            <p:cond delay="0"/>
+                                          </p:stCondLst>
+                                        </p:cTn>
+                                        <p:tgtEl>
+                                          <p:spTgt spid="5"/>
+                                        </p:tgtEl>
+                                        <p:attrNameLst>
+                                          <p:attrName>style.visibility</p:attrName>
+                                        </p:attrNameLst>
+                                      </p:cBhvr>
+                                      <p:to>
+                                        <p:strVal val="visible"/>
+                                      </p:to>
+                                    </p:set>
+                                    <p:animEffect transition="in" filter="fade">
+                                      <p:cBhvr>
+                                        <p:cTn id="12" dur="1000"/>
+                                        <p:tgtEl>
+                                          <p:spTgt spid="5"/>
+                                        </p:tgtEl>
+                                      </p:cBhvr>
+                                    </p:animEffect>
+                                  </p:childTnLst>
+                                </p:cTn>
+                              </p:par>
+                            </p:childTnLst>
+                          </p:cTn>
+                        </p:par>
+                      </p:childTnLst>
+                    </p:cTn>
+                  </p:par>
+                  <p:par>
+                    <p:cTn id="13" fill="hold">
+                      <p:stCondLst>
+                        <p:cond delay="indefinite"/>
+                      </p:stCondLst>
+                      <p:childTnLst>
+                        <p:par>
+                          <p:cTn id="14" fill="hold">
+                            <p:stCondLst>
+                              <p:cond delay="0"/>
+                            </p:stCondLst>
+                            <p:childTnLst>
+                              <p:par>
+                                <p:cTn id="15" presetID="10" presetClass="entr" presetSubtype="0" fill="hold" grpId="0" nodeType="clickEffect">
+                                  <p:stCondLst>
+                                    <p:cond delay="0"/>
+                                  </p:stCondLst>
+                                  <p:childTnLst>
+                                    <p:set>
+                                      <p:cBhvr>
+                                        <p:cTn id="16" dur="1" fill="hold">
+                                          <p:stCondLst>
+                                            <p:cond delay="0"/>
+                                          </p:stCondLst>
+                                        </p:cTn>
+                                        <p:tgtEl>
+                                          <p:spTgt spid="6"/>
+                                        </p:tgtEl>
+                                        <p:attrNameLst>
+                                          <p:attrName>style.visibility</p:attrName>
+                                        </p:attrNameLst>
+                                      </p:cBhvr>
+                                      <p:to>
+                                        <p:strVal val="visible"/>
+                                      </p:to>
+                                    </p:set>
+                                    <p:animEffect transition="in" filter="fade">
+                                      <p:cBhvr>
+                                        <p:cTn id="17" dur="1000"/>
+                                        <p:tgtEl>
+                                          <p:spTgt spid="6"/>
+                                        </p:tgtEl>
+                                      </p:cBhvr>
+                                    </p:animEffect>
+                                  </p:childTnLst>
+                                </p:cTn>
+                              </p:par>
+                            </p:childTnLst>
+                          </p:cTn>
+                        </p:par>
+                      </p:childTnLst>
+                    </p:cTn>
+                  </p:par>
+                </p:childTnLst>
+              </p:cTn>
+              <p:prevCondLst>
+                <p:cond evt="onPrev" delay="0">
+                  <p:tgtEl>
+                    <p:sldTgt/>
+                  </p:tgtEl>
+                </p:cond>
+              </p:prevCondLst>
+              <p:nextCondLst>
+                <p:cond evt="onNext" delay="0">
+                  <p:tgtEl>
+                    <p:sldTgt/>
+                  </p:tgtEl>
+                </p:cond>
+              </p:nextCondLst>
+            </p:seq>
+          </p:childTnLst>
+        </p:cTn>
       </p:par>
     </p:tnLst>
+    <p:bldLst>
+      <p:bldP spid="4" grpId="0" animBg="1"/>
+      <p:bldP spid="5" grpId="1" animBg="1"/>
+      <p:bldP spid="6" grpId="0" animBg="1"/>
+    </p:bldLst>
   </p:timing>
 </p:sld>
 </file>
@@ -24006,6 +24880,105 @@
           <a:effectLst/>
         </p:spPr>
       </p:pic>
+      <p:sp>
+        <p:nvSpPr>
+          <p:cNvPr id="4" name="3 Rectángulo"/>
+          <p:cNvSpPr/>
+          <p:nvPr/>
+        </p:nvSpPr>
+        <p:spPr>
+          <a:xfrm>
+            <a:off x="4035664" y="2143116"/>
+            <a:ext cx="1785950" cy="4572032"/>
+          </a:xfrm>
+          <a:prstGeom prst="rect">
+            <a:avLst/>
+          </a:prstGeom>
+          <a:noFill/>
+          <a:ln>
+            <a:solidFill>
+              <a:srgbClr val="FF0000"/>
+            </a:solidFill>
+          </a:ln>
+        </p:spPr>
+        <p:style>
+          <a:lnRef idx="2">
+            <a:schemeClr val="accent1">
+              <a:shade val="50000"/>
+            </a:schemeClr>
+          </a:lnRef>
+          <a:fillRef idx="1">
+            <a:schemeClr val="accent1"/>
+          </a:fillRef>
+          <a:effectRef idx="0">
+            <a:schemeClr val="accent1"/>
+          </a:effectRef>
+          <a:fontRef idx="minor">
+            <a:schemeClr val="lt1"/>
+          </a:fontRef>
+        </p:style>
+        <p:txBody>
+          <a:bodyPr rtlCol="0" anchor="ctr"/>
+          <a:lstStyle/>
+          <a:p>
+            <a:pPr algn="ctr"/>
+            <a:endParaRPr lang="es-ES"/>
+          </a:p>
+        </p:txBody>
+      </p:sp>
+      <p:sp>
+        <p:nvSpPr>
+          <p:cNvPr id="5" name="4 Rectángulo"/>
+          <p:cNvSpPr/>
+          <p:nvPr/>
+        </p:nvSpPr>
+        <p:spPr>
+          <a:xfrm>
+            <a:off x="4036766" y="2143116"/>
+            <a:ext cx="428628" cy="4572032"/>
+          </a:xfrm>
+          <a:prstGeom prst="rect">
+            <a:avLst/>
+          </a:prstGeom>
+          <a:solidFill>
+            <a:schemeClr val="accent6">
+              <a:lumMod val="75000"/>
+              <a:alpha val="35000"/>
+            </a:schemeClr>
+          </a:solidFill>
+          <a:ln>
+            <a:solidFill>
+              <a:schemeClr val="accent6">
+                <a:lumMod val="75000"/>
+              </a:schemeClr>
+            </a:solidFill>
+          </a:ln>
+        </p:spPr>
+        <p:style>
+          <a:lnRef idx="2">
+            <a:schemeClr val="accent1">
+              <a:shade val="50000"/>
+            </a:schemeClr>
+          </a:lnRef>
+          <a:fillRef idx="1">
+            <a:schemeClr val="accent1"/>
+          </a:fillRef>
+          <a:effectRef idx="0">
+            <a:schemeClr val="accent1"/>
+          </a:effectRef>
+          <a:fontRef idx="minor">
+            <a:schemeClr val="lt1"/>
+          </a:fontRef>
+        </p:style>
+        <p:txBody>
+          <a:bodyPr rtlCol="0" anchor="ctr"/>
+          <a:lstStyle/>
+          <a:p>
+            <a:pPr algn="ctr"/>
+            <a:endParaRPr lang="es-ES"/>
+          </a:p>
+        </p:txBody>
+      </p:sp>
     </p:spTree>
   </p:cSld>
   <p:clrMapOvr>

--- a/neuralito/ArfGen/docs/Entregas/Informe Final/presentacion/maxi2.pptx
+++ b/neuralito/ArfGen/docs/Entregas/Informe Final/presentacion/maxi2.pptx
@@ -5,7 +5,7 @@
     <p:sldMasterId id="2147483660" r:id="rId1"/>
   </p:sldMasterIdLst>
   <p:notesMasterIdLst>
-    <p:notesMasterId r:id="rId36"/>
+    <p:notesMasterId r:id="rId33"/>
   </p:notesMasterIdLst>
   <p:sldIdLst>
     <p:sldId id="257" r:id="rId2"/>
@@ -17,31 +17,28 @@
     <p:sldId id="263" r:id="rId8"/>
     <p:sldId id="286" r:id="rId9"/>
     <p:sldId id="287" r:id="rId10"/>
-    <p:sldId id="288" r:id="rId11"/>
-    <p:sldId id="289" r:id="rId12"/>
-    <p:sldId id="290" r:id="rId13"/>
-    <p:sldId id="264" r:id="rId14"/>
-    <p:sldId id="265" r:id="rId15"/>
-    <p:sldId id="266" r:id="rId16"/>
-    <p:sldId id="267" r:id="rId17"/>
-    <p:sldId id="268" r:id="rId18"/>
-    <p:sldId id="269" r:id="rId19"/>
-    <p:sldId id="270" r:id="rId20"/>
-    <p:sldId id="271" r:id="rId21"/>
-    <p:sldId id="272" r:id="rId22"/>
-    <p:sldId id="273" r:id="rId23"/>
-    <p:sldId id="274" r:id="rId24"/>
-    <p:sldId id="275" r:id="rId25"/>
-    <p:sldId id="276" r:id="rId26"/>
-    <p:sldId id="277" r:id="rId27"/>
-    <p:sldId id="278" r:id="rId28"/>
-    <p:sldId id="279" r:id="rId29"/>
-    <p:sldId id="280" r:id="rId30"/>
-    <p:sldId id="281" r:id="rId31"/>
-    <p:sldId id="282" r:id="rId32"/>
-    <p:sldId id="283" r:id="rId33"/>
-    <p:sldId id="284" r:id="rId34"/>
-    <p:sldId id="285" r:id="rId35"/>
+    <p:sldId id="264" r:id="rId11"/>
+    <p:sldId id="265" r:id="rId12"/>
+    <p:sldId id="266" r:id="rId13"/>
+    <p:sldId id="267" r:id="rId14"/>
+    <p:sldId id="268" r:id="rId15"/>
+    <p:sldId id="269" r:id="rId16"/>
+    <p:sldId id="270" r:id="rId17"/>
+    <p:sldId id="271" r:id="rId18"/>
+    <p:sldId id="272" r:id="rId19"/>
+    <p:sldId id="273" r:id="rId20"/>
+    <p:sldId id="274" r:id="rId21"/>
+    <p:sldId id="275" r:id="rId22"/>
+    <p:sldId id="276" r:id="rId23"/>
+    <p:sldId id="277" r:id="rId24"/>
+    <p:sldId id="278" r:id="rId25"/>
+    <p:sldId id="279" r:id="rId26"/>
+    <p:sldId id="280" r:id="rId27"/>
+    <p:sldId id="281" r:id="rId28"/>
+    <p:sldId id="282" r:id="rId29"/>
+    <p:sldId id="283" r:id="rId30"/>
+    <p:sldId id="284" r:id="rId31"/>
+    <p:sldId id="285" r:id="rId32"/>
   </p:sldIdLst>
   <p:sldSz cx="9144000" cy="6858000" type="screen4x3"/>
   <p:notesSz cx="6858000" cy="9144000"/>
@@ -234,25 +231,25 @@
                   <c:v>0.66595893894255365</c:v>
                 </c:pt>
                 <c:pt idx="1">
-                  <c:v>0.77390980695120559</c:v>
+                  <c:v>0.7739098069512057</c:v>
                 </c:pt>
                 <c:pt idx="2">
                   <c:v>0.82116824635668784</c:v>
                 </c:pt>
                 <c:pt idx="3">
-                  <c:v>0.84278473777508356</c:v>
+                  <c:v>0.84278473777508378</c:v>
                 </c:pt>
                 <c:pt idx="4">
-                  <c:v>0.84383865537210978</c:v>
+                  <c:v>0.84383865537210989</c:v>
                 </c:pt>
                 <c:pt idx="5">
                   <c:v>0.85894670929201788</c:v>
                 </c:pt>
                 <c:pt idx="6">
-                  <c:v>0.84967487574973166</c:v>
+                  <c:v>0.84967487574973177</c:v>
                 </c:pt>
                 <c:pt idx="7">
-                  <c:v>0.87199747639294978</c:v>
+                  <c:v>0.87199747639294989</c:v>
                 </c:pt>
                 <c:pt idx="8">
                   <c:v>0.87308657275405044</c:v>
@@ -261,10 +258,10 @@
                   <c:v>0.8805672244799716</c:v>
                 </c:pt>
                 <c:pt idx="10">
-                  <c:v>0.88425402324804159</c:v>
+                  <c:v>0.88425402324804181</c:v>
                 </c:pt>
                 <c:pt idx="11">
-                  <c:v>0.88378998114559315</c:v>
+                  <c:v>0.88378998114559326</c:v>
                 </c:pt>
                 <c:pt idx="12">
                   <c:v>0.88710112017025267</c:v>
@@ -273,10 +270,10 @@
                   <c:v>0.88859349505985463</c:v>
                 </c:pt>
                 <c:pt idx="14">
-                  <c:v>0.88932515639249621</c:v>
+                  <c:v>0.88932515639249643</c:v>
                 </c:pt>
                 <c:pt idx="15">
-                  <c:v>0.8897944227891692</c:v>
+                  <c:v>0.88979442278916943</c:v>
                 </c:pt>
                 <c:pt idx="16">
                   <c:v>0.89050470137757365</c:v>
@@ -381,10 +378,10 @@
                   <c:v>0.45195561849074034</c:v>
                 </c:pt>
                 <c:pt idx="1">
-                  <c:v>0.57215581949427974</c:v>
+                  <c:v>0.57215581949427985</c:v>
                 </c:pt>
                 <c:pt idx="2">
-                  <c:v>0.62450099068289622</c:v>
+                  <c:v>0.62450099068289633</c:v>
                 </c:pt>
                 <c:pt idx="3">
                   <c:v>0.66411572966000465</c:v>
@@ -393,7 +390,7 @@
                   <c:v>0.74483311690120912</c:v>
                 </c:pt>
                 <c:pt idx="5">
-                  <c:v>0.74913092370987588</c:v>
+                  <c:v>0.749130923709876</c:v>
                 </c:pt>
                 <c:pt idx="6">
                   <c:v>0.7507812790712286</c:v>
@@ -402,7 +399,7 @@
                   <c:v>0.74615794410022251</c:v>
                 </c:pt>
                 <c:pt idx="8">
-                  <c:v>0.7647371274255913</c:v>
+                  <c:v>0.76473712742559152</c:v>
                 </c:pt>
                 <c:pt idx="9">
                   <c:v>0.78030975508297951</c:v>
@@ -417,7 +414,7 @@
                   <c:v>0.79454547384463925</c:v>
                 </c:pt>
                 <c:pt idx="13">
-                  <c:v>0.80275073868568059</c:v>
+                  <c:v>0.80275073868568081</c:v>
                 </c:pt>
                 <c:pt idx="14">
                   <c:v>0.8070254483799697</c:v>
@@ -426,10 +423,10 @@
                   <c:v>0.80758714251854524</c:v>
                 </c:pt>
                 <c:pt idx="16">
-                  <c:v>0.81189884836444204</c:v>
+                  <c:v>0.81189884836444215</c:v>
                 </c:pt>
                 <c:pt idx="17">
-                  <c:v>0.81267156633446491</c:v>
+                  <c:v>0.81267156633446502</c:v>
                 </c:pt>
                 <c:pt idx="18">
                   <c:v>0.81495442086601244</c:v>
@@ -527,43 +524,43 @@
                   <c:v>0.10918893085792125</c:v>
                 </c:pt>
                 <c:pt idx="2">
-                  <c:v>2.2061880915201563E-2</c:v>
+                  <c:v>2.2061880915201573E-2</c:v>
                 </c:pt>
                 <c:pt idx="3">
-                  <c:v>0.16744350433735902</c:v>
+                  <c:v>0.16744350433735908</c:v>
                 </c:pt>
                 <c:pt idx="4">
-                  <c:v>0.19606871899944531</c:v>
+                  <c:v>0.19606871899944533</c:v>
                 </c:pt>
                 <c:pt idx="5">
-                  <c:v>0.19883932721616657</c:v>
+                  <c:v>0.19883932721616662</c:v>
                 </c:pt>
                 <c:pt idx="6">
                   <c:v>0.21852557439483689</c:v>
                 </c:pt>
                 <c:pt idx="7">
-                  <c:v>0.18963030437506279</c:v>
+                  <c:v>0.18963030437506281</c:v>
                 </c:pt>
                 <c:pt idx="8">
-                  <c:v>0.31329234492981123</c:v>
+                  <c:v>0.31329234492981134</c:v>
                 </c:pt>
                 <c:pt idx="9">
                   <c:v>0.30854195458238609</c:v>
                 </c:pt>
                 <c:pt idx="10">
-                  <c:v>0.33996429339252959</c:v>
+                  <c:v>0.33996429339252976</c:v>
                 </c:pt>
                 <c:pt idx="11">
-                  <c:v>0.39000788763685657</c:v>
+                  <c:v>0.39000788763685668</c:v>
                 </c:pt>
                 <c:pt idx="12">
-                  <c:v>0.37452278792340526</c:v>
+                  <c:v>0.37452278792340543</c:v>
                 </c:pt>
                 <c:pt idx="13">
-                  <c:v>0.39639657365579734</c:v>
+                  <c:v>0.39639657365579745</c:v>
                 </c:pt>
                 <c:pt idx="14">
-                  <c:v>0.45661986014735284</c:v>
+                  <c:v>0.4566198601473529</c:v>
                 </c:pt>
                 <c:pt idx="15">
                   <c:v>0.48000000000000032</c:v>
@@ -668,19 +665,19 @@
                 <c:formatCode>0.00</c:formatCode>
                 <c:ptCount val="18"/>
                 <c:pt idx="0">
-                  <c:v>6.3837399085048804E-2</c:v>
+                  <c:v>6.3837399085048818E-2</c:v>
                 </c:pt>
                 <c:pt idx="1">
-                  <c:v>0.10509372944250724</c:v>
+                  <c:v>0.10509372944250726</c:v>
                 </c:pt>
                 <c:pt idx="2">
                   <c:v>0.12395822380363669</c:v>
                 </c:pt>
                 <c:pt idx="3">
-                  <c:v>0.17533238646771668</c:v>
+                  <c:v>0.17533238646771673</c:v>
                 </c:pt>
                 <c:pt idx="4">
-                  <c:v>0.18994629844945093</c:v>
+                  <c:v>0.18994629844945099</c:v>
                 </c:pt>
                 <c:pt idx="5">
                   <c:v>0.22687270194889519</c:v>
@@ -689,34 +686,34 @@
                   <c:v>0.23790997736954461</c:v>
                 </c:pt>
                 <c:pt idx="7">
-                  <c:v>0.23411148955337013</c:v>
+                  <c:v>0.23411148955337019</c:v>
                 </c:pt>
                 <c:pt idx="8">
                   <c:v>0.25778608542670911</c:v>
                 </c:pt>
                 <c:pt idx="9">
-                  <c:v>0.31056299933227544</c:v>
+                  <c:v>0.3105629993322756</c:v>
                 </c:pt>
                 <c:pt idx="10">
-                  <c:v>0.33877739342409335</c:v>
+                  <c:v>0.33877739342409341</c:v>
                 </c:pt>
                 <c:pt idx="11">
                   <c:v>0.35225259726803532</c:v>
                 </c:pt>
                 <c:pt idx="12">
-                  <c:v>0.35947445565100489</c:v>
+                  <c:v>0.35947445565100494</c:v>
                 </c:pt>
                 <c:pt idx="13">
-                  <c:v>0.39000000000000301</c:v>
+                  <c:v>0.39000000000000307</c:v>
                 </c:pt>
                 <c:pt idx="14">
-                  <c:v>0.39000000000000301</c:v>
+                  <c:v>0.39000000000000307</c:v>
                 </c:pt>
                 <c:pt idx="15">
                   <c:v>0.4</c:v>
                 </c:pt>
                 <c:pt idx="16">
-                  <c:v>0.40041490630404686</c:v>
+                  <c:v>0.40041490630404697</c:v>
                 </c:pt>
                 <c:pt idx="17">
                   <c:v>0.4</c:v>
@@ -808,7 +805,7 @@
                 <c:formatCode>General</c:formatCode>
                 <c:ptCount val="19"/>
                 <c:pt idx="0">
-                  <c:v>0.28931899175148856</c:v>
+                  <c:v>0.28931899175148867</c:v>
                 </c:pt>
                 <c:pt idx="1">
                   <c:v>0.30427205718078232</c:v>
@@ -817,46 +814,46 @@
                   <c:v>0.28833535935117605</c:v>
                 </c:pt>
                 <c:pt idx="3">
-                  <c:v>0.50673831628888977</c:v>
+                  <c:v>0.50673831628888999</c:v>
                 </c:pt>
                 <c:pt idx="4">
-                  <c:v>0.58986811562939256</c:v>
+                  <c:v>0.58986811562939279</c:v>
                 </c:pt>
                 <c:pt idx="5">
-                  <c:v>0.60174244358029183</c:v>
+                  <c:v>0.60174244358029194</c:v>
                 </c:pt>
                 <c:pt idx="6">
                   <c:v>0.62230234655114092</c:v>
                 </c:pt>
                 <c:pt idx="7">
-                  <c:v>0.64892172802499948</c:v>
+                  <c:v>0.6489217280249997</c:v>
                 </c:pt>
                 <c:pt idx="8">
                   <c:v>0.60213497372141267</c:v>
                 </c:pt>
                 <c:pt idx="9">
-                  <c:v>0.65929398719852617</c:v>
+                  <c:v>0.65929398719852639</c:v>
                 </c:pt>
                 <c:pt idx="10">
-                  <c:v>0.63740945216596545</c:v>
+                  <c:v>0.63740945216596556</c:v>
                 </c:pt>
                 <c:pt idx="11">
-                  <c:v>0.66496829605747965</c:v>
+                  <c:v>0.66496829605747976</c:v>
                 </c:pt>
                 <c:pt idx="12">
-                  <c:v>0.68587643695394096</c:v>
+                  <c:v>0.68587643695394118</c:v>
                 </c:pt>
                 <c:pt idx="13">
-                  <c:v>0.70280463859163766</c:v>
+                  <c:v>0.70280463859163778</c:v>
                 </c:pt>
                 <c:pt idx="14">
-                  <c:v>0.68555591749742428</c:v>
+                  <c:v>0.68555591749742451</c:v>
                 </c:pt>
                 <c:pt idx="15">
-                  <c:v>0.71798687616048928</c:v>
+                  <c:v>0.71798687616048951</c:v>
                 </c:pt>
                 <c:pt idx="16">
-                  <c:v>0.72902988600000795</c:v>
+                  <c:v>0.72902988600000806</c:v>
                 </c:pt>
                 <c:pt idx="17">
                   <c:v>0.73331457600000005</c:v>
@@ -869,11 +866,11 @@
           </c:yVal>
           <c:smooth val="1"/>
         </c:ser>
-        <c:axId val="54254208"/>
-        <c:axId val="56242944"/>
+        <c:axId val="58964608"/>
+        <c:axId val="59388672"/>
       </c:scatterChart>
       <c:valAx>
-        <c:axId val="54254208"/>
+        <c:axId val="58964608"/>
         <c:scaling>
           <c:orientation val="minMax"/>
           <c:max val="1000"/>
@@ -916,7 +913,7 @@
             <c:manualLayout>
               <c:xMode val="edge"/>
               <c:yMode val="edge"/>
-              <c:x val="0.38494599693816839"/>
+              <c:x val="0.38494599693816844"/>
               <c:y val="0.85101357098414687"/>
             </c:manualLayout>
           </c:layout>
@@ -933,12 +930,12 @@
             <a:endParaRPr lang="es-ES"/>
           </a:p>
         </c:txPr>
-        <c:crossAx val="56242944"/>
+        <c:crossAx val="59388672"/>
         <c:crosses val="autoZero"/>
         <c:crossBetween val="midCat"/>
       </c:valAx>
       <c:valAx>
-        <c:axId val="56242944"/>
+        <c:axId val="59388672"/>
         <c:scaling>
           <c:orientation val="minMax"/>
           <c:min val="0"/>
@@ -980,10 +977,1120 @@
             <a:endParaRPr lang="es-ES"/>
           </a:p>
         </c:txPr>
-        <c:crossAx val="54254208"/>
+        <c:crossAx val="58964608"/>
         <c:crosses val="autoZero"/>
         <c:crossBetween val="midCat"/>
         <c:minorUnit val="0.2"/>
+      </c:valAx>
+    </c:plotArea>
+    <c:legend>
+      <c:legendPos val="r"/>
+      <c:layout/>
+      <c:txPr>
+        <a:bodyPr/>
+        <a:lstStyle/>
+        <a:p>
+          <a:pPr>
+            <a:defRPr lang="es-AR" sz="1400">
+              <a:latin typeface="+mj-lt"/>
+            </a:defRPr>
+          </a:pPr>
+          <a:endParaRPr lang="es-ES"/>
+        </a:p>
+      </c:txPr>
+    </c:legend>
+    <c:plotVisOnly val="1"/>
+  </c:chart>
+  <c:externalData r:id="rId1"/>
+</c:chartSpace>
+</file>
+
+<file path=ppt/charts/chart10.xml><?xml version="1.0" encoding="utf-8"?>
+<c:chartSpace xmlns:c="http://schemas.openxmlformats.org/drawingml/2006/chart" xmlns:a="http://schemas.openxmlformats.org/drawingml/2006/main" xmlns:r="http://schemas.openxmlformats.org/officeDocument/2006/relationships">
+  <c:date1904 val="1"/>
+  <c:lang val="es-ES"/>
+  <c:chart>
+    <c:autoTitleDeleted val="1"/>
+    <c:plotArea>
+      <c:layout>
+        <c:manualLayout>
+          <c:layoutTarget val="inner"/>
+          <c:xMode val="edge"/>
+          <c:yMode val="edge"/>
+          <c:x val="0.10048349150099888"/>
+          <c:y val="4.1238940589567646E-2"/>
+          <c:w val="0.87042860499284569"/>
+          <c:h val="0.75935138208448871"/>
+        </c:manualLayout>
+      </c:layout>
+      <c:scatterChart>
+        <c:scatterStyle val="lineMarker"/>
+        <c:ser>
+          <c:idx val="0"/>
+          <c:order val="0"/>
+          <c:tx>
+            <c:v>Observacion Visual</c:v>
+          </c:tx>
+          <c:spPr>
+            <a:ln w="28575">
+              <a:noFill/>
+            </a:ln>
+          </c:spPr>
+          <c:xVal>
+            <c:numRef>
+              <c:f>Sheet1!$C$2:$C$65</c:f>
+              <c:numCache>
+                <c:formatCode>General</c:formatCode>
+                <c:ptCount val="64"/>
+                <c:pt idx="0">
+                  <c:v>1.103</c:v>
+                </c:pt>
+                <c:pt idx="1">
+                  <c:v>1.3580000000000001</c:v>
+                </c:pt>
+                <c:pt idx="2">
+                  <c:v>4.9340000000000002</c:v>
+                </c:pt>
+                <c:pt idx="3">
+                  <c:v>1.02</c:v>
+                </c:pt>
+                <c:pt idx="4">
+                  <c:v>0.97700000000000065</c:v>
+                </c:pt>
+                <c:pt idx="5">
+                  <c:v>1.03</c:v>
+                </c:pt>
+                <c:pt idx="6">
+                  <c:v>0.97700000000000065</c:v>
+                </c:pt>
+                <c:pt idx="7">
+                  <c:v>1.153</c:v>
+                </c:pt>
+                <c:pt idx="8">
+                  <c:v>1.3560000000000001</c:v>
+                </c:pt>
+                <c:pt idx="9">
+                  <c:v>1.121</c:v>
+                </c:pt>
+                <c:pt idx="10">
+                  <c:v>2.9569999999999967</c:v>
+                </c:pt>
+                <c:pt idx="11">
+                  <c:v>2.2909999999999999</c:v>
+                </c:pt>
+                <c:pt idx="12">
+                  <c:v>0.96900000000000064</c:v>
+                </c:pt>
+                <c:pt idx="13">
+                  <c:v>1.2769999999999881</c:v>
+                </c:pt>
+                <c:pt idx="14">
+                  <c:v>3.0789999999999997</c:v>
+                </c:pt>
+                <c:pt idx="15">
+                  <c:v>1.137</c:v>
+                </c:pt>
+                <c:pt idx="16">
+                  <c:v>1.1990000000000001</c:v>
+                </c:pt>
+                <c:pt idx="17">
+                  <c:v>1.0249999999999881</c:v>
+                </c:pt>
+                <c:pt idx="18">
+                  <c:v>1.040999999999989</c:v>
+                </c:pt>
+                <c:pt idx="19">
+                  <c:v>1.9940000000000118</c:v>
+                </c:pt>
+                <c:pt idx="20">
+                  <c:v>2.6759999999999997</c:v>
+                </c:pt>
+                <c:pt idx="21">
+                  <c:v>2.258</c:v>
+                </c:pt>
+                <c:pt idx="22">
+                  <c:v>0.93799999999999994</c:v>
+                </c:pt>
+                <c:pt idx="23">
+                  <c:v>1.159</c:v>
+                </c:pt>
+                <c:pt idx="24">
+                  <c:v>0.89300000000000002</c:v>
+                </c:pt>
+                <c:pt idx="25">
+                  <c:v>1.0580000000000001</c:v>
+                </c:pt>
+                <c:pt idx="26">
+                  <c:v>1.657</c:v>
+                </c:pt>
+                <c:pt idx="27">
+                  <c:v>1.367</c:v>
+                </c:pt>
+                <c:pt idx="28">
+                  <c:v>1.32</c:v>
+                </c:pt>
+                <c:pt idx="29">
+                  <c:v>1.127</c:v>
+                </c:pt>
+                <c:pt idx="30">
+                  <c:v>1.1619999999999886</c:v>
+                </c:pt>
+                <c:pt idx="31">
+                  <c:v>1.175</c:v>
+                </c:pt>
+                <c:pt idx="32">
+                  <c:v>1.635</c:v>
+                </c:pt>
+                <c:pt idx="33">
+                  <c:v>2.3759999999999977</c:v>
+                </c:pt>
+                <c:pt idx="34">
+                  <c:v>2.0880000000000001</c:v>
+                </c:pt>
+                <c:pt idx="35">
+                  <c:v>1.9540000000000106</c:v>
+                </c:pt>
+                <c:pt idx="36">
+                  <c:v>1.073</c:v>
+                </c:pt>
+                <c:pt idx="37">
+                  <c:v>0.93200000000000005</c:v>
+                </c:pt>
+                <c:pt idx="38">
+                  <c:v>1.2209999999999868</c:v>
+                </c:pt>
+                <c:pt idx="39">
+                  <c:v>1.081</c:v>
+                </c:pt>
+                <c:pt idx="40">
+                  <c:v>3.5019999999999998</c:v>
+                </c:pt>
+                <c:pt idx="41">
+                  <c:v>1.052</c:v>
+                </c:pt>
+                <c:pt idx="42">
+                  <c:v>1.538</c:v>
+                </c:pt>
+                <c:pt idx="43">
+                  <c:v>1.0569999999999893</c:v>
+                </c:pt>
+                <c:pt idx="44">
+                  <c:v>1.028</c:v>
+                </c:pt>
+                <c:pt idx="45">
+                  <c:v>3.6629999999999998</c:v>
+                </c:pt>
+                <c:pt idx="46">
+                  <c:v>0.96500000000000064</c:v>
+                </c:pt>
+                <c:pt idx="47">
+                  <c:v>1.595</c:v>
+                </c:pt>
+                <c:pt idx="48">
+                  <c:v>6.8039999999999985</c:v>
+                </c:pt>
+                <c:pt idx="49">
+                  <c:v>1.0489999999999893</c:v>
+                </c:pt>
+                <c:pt idx="50">
+                  <c:v>1.4489999999999867</c:v>
+                </c:pt>
+                <c:pt idx="51">
+                  <c:v>0.91600000000000004</c:v>
+                </c:pt>
+                <c:pt idx="52">
+                  <c:v>0.91700000000000004</c:v>
+                </c:pt>
+                <c:pt idx="53">
+                  <c:v>0.99299999999999999</c:v>
+                </c:pt>
+                <c:pt idx="54">
+                  <c:v>1.165</c:v>
+                </c:pt>
+                <c:pt idx="55">
+                  <c:v>2.363</c:v>
+                </c:pt>
+                <c:pt idx="56">
+                  <c:v>1.0580000000000001</c:v>
+                </c:pt>
+                <c:pt idx="57">
+                  <c:v>5.9459999999999997</c:v>
+                </c:pt>
+                <c:pt idx="58">
+                  <c:v>1.5940000000000001</c:v>
+                </c:pt>
+                <c:pt idx="59">
+                  <c:v>1.599</c:v>
+                </c:pt>
+                <c:pt idx="60">
+                  <c:v>1.5629999999999893</c:v>
+                </c:pt>
+                <c:pt idx="61">
+                  <c:v>0.99199999999999999</c:v>
+                </c:pt>
+                <c:pt idx="62">
+                  <c:v>2.8779999999999997</c:v>
+                </c:pt>
+                <c:pt idx="63">
+                  <c:v>1.109</c:v>
+                </c:pt>
+              </c:numCache>
+            </c:numRef>
+          </c:xVal>
+          <c:yVal>
+            <c:numRef>
+              <c:f>Sheet1!$B$2:$B$65</c:f>
+              <c:numCache>
+                <c:formatCode>General</c:formatCode>
+                <c:ptCount val="64"/>
+                <c:pt idx="0">
+                  <c:v>1.2189999999999868</c:v>
+                </c:pt>
+                <c:pt idx="1">
+                  <c:v>2.4379999999999997</c:v>
+                </c:pt>
+                <c:pt idx="2">
+                  <c:v>3.6579999999999999</c:v>
+                </c:pt>
+                <c:pt idx="3">
+                  <c:v>1.829</c:v>
+                </c:pt>
+                <c:pt idx="4">
+                  <c:v>1.2189999999999868</c:v>
+                </c:pt>
+                <c:pt idx="5">
+                  <c:v>1.2189999999999868</c:v>
+                </c:pt>
+                <c:pt idx="6">
+                  <c:v>1.2189999999999868</c:v>
+                </c:pt>
+                <c:pt idx="7">
+                  <c:v>2.4379999999999997</c:v>
+                </c:pt>
+                <c:pt idx="8">
+                  <c:v>1.2189999999999868</c:v>
+                </c:pt>
+                <c:pt idx="9">
+                  <c:v>0.61000000000000065</c:v>
+                </c:pt>
+                <c:pt idx="10">
+                  <c:v>3.048</c:v>
+                </c:pt>
+                <c:pt idx="11">
+                  <c:v>1.2189999999999868</c:v>
+                </c:pt>
+                <c:pt idx="12">
+                  <c:v>0.61000000000000065</c:v>
+                </c:pt>
+                <c:pt idx="13">
+                  <c:v>1.2189999999999868</c:v>
+                </c:pt>
+                <c:pt idx="14">
+                  <c:v>2.4379999999999997</c:v>
+                </c:pt>
+                <c:pt idx="15">
+                  <c:v>1.2189999999999868</c:v>
+                </c:pt>
+                <c:pt idx="16">
+                  <c:v>1.2189999999999868</c:v>
+                </c:pt>
+                <c:pt idx="17">
+                  <c:v>0.61000000000000065</c:v>
+                </c:pt>
+                <c:pt idx="18">
+                  <c:v>0.61000000000000065</c:v>
+                </c:pt>
+                <c:pt idx="19">
+                  <c:v>1.829</c:v>
+                </c:pt>
+                <c:pt idx="20">
+                  <c:v>3.048</c:v>
+                </c:pt>
+                <c:pt idx="21">
+                  <c:v>3.048</c:v>
+                </c:pt>
+                <c:pt idx="22">
+                  <c:v>1.2189999999999868</c:v>
+                </c:pt>
+                <c:pt idx="23">
+                  <c:v>1.829</c:v>
+                </c:pt>
+                <c:pt idx="24">
+                  <c:v>0.61000000000000065</c:v>
+                </c:pt>
+                <c:pt idx="25">
+                  <c:v>1.829</c:v>
+                </c:pt>
+                <c:pt idx="26">
+                  <c:v>2.4379999999999997</c:v>
+                </c:pt>
+                <c:pt idx="27">
+                  <c:v>0.61000000000000065</c:v>
+                </c:pt>
+                <c:pt idx="28">
+                  <c:v>0.61000000000000065</c:v>
+                </c:pt>
+                <c:pt idx="29">
+                  <c:v>0.61000000000000065</c:v>
+                </c:pt>
+                <c:pt idx="30">
+                  <c:v>1.2189999999999868</c:v>
+                </c:pt>
+                <c:pt idx="31">
+                  <c:v>1.2189999999999868</c:v>
+                </c:pt>
+                <c:pt idx="32">
+                  <c:v>1.2189999999999868</c:v>
+                </c:pt>
+                <c:pt idx="33">
+                  <c:v>1.2189999999999868</c:v>
+                </c:pt>
+                <c:pt idx="34">
+                  <c:v>1.2189999999999868</c:v>
+                </c:pt>
+                <c:pt idx="35">
+                  <c:v>3.048</c:v>
+                </c:pt>
+                <c:pt idx="36">
+                  <c:v>1.2189999999999868</c:v>
+                </c:pt>
+                <c:pt idx="37">
+                  <c:v>0.61000000000000065</c:v>
+                </c:pt>
+                <c:pt idx="38">
+                  <c:v>1.2189999999999868</c:v>
+                </c:pt>
+                <c:pt idx="39">
+                  <c:v>1.2189999999999868</c:v>
+                </c:pt>
+                <c:pt idx="40">
+                  <c:v>2.4379999999999997</c:v>
+                </c:pt>
+                <c:pt idx="41">
+                  <c:v>1.829</c:v>
+                </c:pt>
+                <c:pt idx="42">
+                  <c:v>1.829</c:v>
+                </c:pt>
+                <c:pt idx="43">
+                  <c:v>0.61000000000000065</c:v>
+                </c:pt>
+                <c:pt idx="44">
+                  <c:v>1.2189999999999868</c:v>
+                </c:pt>
+                <c:pt idx="45">
+                  <c:v>4.8769999999999998</c:v>
+                </c:pt>
+                <c:pt idx="46">
+                  <c:v>0.61000000000000065</c:v>
+                </c:pt>
+                <c:pt idx="47">
+                  <c:v>1.2189999999999868</c:v>
+                </c:pt>
+                <c:pt idx="48">
+                  <c:v>7.3149999999999755</c:v>
+                </c:pt>
+                <c:pt idx="49">
+                  <c:v>1.2189999999999868</c:v>
+                </c:pt>
+                <c:pt idx="50">
+                  <c:v>1.2189999999999868</c:v>
+                </c:pt>
+                <c:pt idx="51">
+                  <c:v>0.61000000000000065</c:v>
+                </c:pt>
+                <c:pt idx="52">
+                  <c:v>1.2189999999999868</c:v>
+                </c:pt>
+                <c:pt idx="53">
+                  <c:v>1.2189999999999868</c:v>
+                </c:pt>
+                <c:pt idx="54">
+                  <c:v>1.2189999999999868</c:v>
+                </c:pt>
+                <c:pt idx="55">
+                  <c:v>2.4379999999999997</c:v>
+                </c:pt>
+                <c:pt idx="56">
+                  <c:v>1.2189999999999868</c:v>
+                </c:pt>
+                <c:pt idx="57">
+                  <c:v>4.8769999999999998</c:v>
+                </c:pt>
+                <c:pt idx="58">
+                  <c:v>1.829</c:v>
+                </c:pt>
+                <c:pt idx="59">
+                  <c:v>2.4379999999999997</c:v>
+                </c:pt>
+                <c:pt idx="60">
+                  <c:v>1.2189999999999868</c:v>
+                </c:pt>
+                <c:pt idx="61">
+                  <c:v>0.61000000000000065</c:v>
+                </c:pt>
+                <c:pt idx="62">
+                  <c:v>3.048</c:v>
+                </c:pt>
+                <c:pt idx="63">
+                  <c:v>1.2189999999999868</c:v>
+                </c:pt>
+              </c:numCache>
+            </c:numRef>
+          </c:yVal>
+        </c:ser>
+        <c:ser>
+          <c:idx val="1"/>
+          <c:order val="1"/>
+          <c:spPr>
+            <a:ln w="34925">
+              <a:solidFill>
+                <a:srgbClr val="9BBB59">
+                  <a:lumMod val="60000"/>
+                  <a:lumOff val="40000"/>
+                </a:srgbClr>
+              </a:solidFill>
+            </a:ln>
+          </c:spPr>
+          <c:marker>
+            <c:symbol val="none"/>
+          </c:marker>
+          <c:xVal>
+            <c:numRef>
+              <c:f>Sheet1!$O$4:$O$14</c:f>
+              <c:numCache>
+                <c:formatCode>General</c:formatCode>
+                <c:ptCount val="11"/>
+                <c:pt idx="0">
+                  <c:v>0</c:v>
+                </c:pt>
+                <c:pt idx="1">
+                  <c:v>1</c:v>
+                </c:pt>
+                <c:pt idx="2">
+                  <c:v>2</c:v>
+                </c:pt>
+                <c:pt idx="3">
+                  <c:v>3</c:v>
+                </c:pt>
+                <c:pt idx="4">
+                  <c:v>4</c:v>
+                </c:pt>
+                <c:pt idx="5">
+                  <c:v>5</c:v>
+                </c:pt>
+                <c:pt idx="6">
+                  <c:v>6</c:v>
+                </c:pt>
+                <c:pt idx="7">
+                  <c:v>7</c:v>
+                </c:pt>
+                <c:pt idx="8">
+                  <c:v>8</c:v>
+                </c:pt>
+                <c:pt idx="9">
+                  <c:v>9</c:v>
+                </c:pt>
+                <c:pt idx="10">
+                  <c:v>10</c:v>
+                </c:pt>
+              </c:numCache>
+            </c:numRef>
+          </c:xVal>
+          <c:yVal>
+            <c:numRef>
+              <c:f>Sheet1!$O$4:$O$14</c:f>
+              <c:numCache>
+                <c:formatCode>General</c:formatCode>
+                <c:ptCount val="11"/>
+                <c:pt idx="0">
+                  <c:v>0</c:v>
+                </c:pt>
+                <c:pt idx="1">
+                  <c:v>1</c:v>
+                </c:pt>
+                <c:pt idx="2">
+                  <c:v>2</c:v>
+                </c:pt>
+                <c:pt idx="3">
+                  <c:v>3</c:v>
+                </c:pt>
+                <c:pt idx="4">
+                  <c:v>4</c:v>
+                </c:pt>
+                <c:pt idx="5">
+                  <c:v>5</c:v>
+                </c:pt>
+                <c:pt idx="6">
+                  <c:v>6</c:v>
+                </c:pt>
+                <c:pt idx="7">
+                  <c:v>7</c:v>
+                </c:pt>
+                <c:pt idx="8">
+                  <c:v>8</c:v>
+                </c:pt>
+                <c:pt idx="9">
+                  <c:v>9</c:v>
+                </c:pt>
+                <c:pt idx="10">
+                  <c:v>10</c:v>
+                </c:pt>
+              </c:numCache>
+            </c:numRef>
+          </c:yVal>
+        </c:ser>
+        <c:axId val="59046144"/>
+        <c:axId val="61940096"/>
+      </c:scatterChart>
+      <c:valAx>
+        <c:axId val="59046144"/>
+        <c:scaling>
+          <c:orientation val="minMax"/>
+          <c:max val="8"/>
+        </c:scaling>
+        <c:axPos val="b"/>
+        <c:minorGridlines/>
+        <c:title>
+          <c:tx>
+            <c:rich>
+              <a:bodyPr/>
+              <a:lstStyle/>
+              <a:p>
+                <a:pPr>
+                  <a:defRPr lang="es-AR"/>
+                </a:pPr>
+                <a:r>
+                  <a:rPr lang="es-AR" sz="1800" b="0" dirty="0">
+                    <a:latin typeface="+mj-lt"/>
+                  </a:rPr>
+                  <a:t>Predicción</a:t>
+                </a:r>
+                <a:r>
+                  <a:rPr lang="es-AR" sz="1800" b="0" baseline="0" dirty="0">
+                    <a:latin typeface="+mj-lt"/>
+                  </a:rPr>
+                  <a:t> SVM (Altura en mts.)</a:t>
+                </a:r>
+              </a:p>
+            </c:rich>
+          </c:tx>
+          <c:layout/>
+        </c:title>
+        <c:numFmt formatCode="#,##0;\-#,##0" sourceLinked="0"/>
+        <c:tickLblPos val="nextTo"/>
+        <c:txPr>
+          <a:bodyPr/>
+          <a:lstStyle/>
+          <a:p>
+            <a:pPr>
+              <a:defRPr lang="es-AR" baseline="0"/>
+            </a:pPr>
+            <a:endParaRPr lang="es-ES"/>
+          </a:p>
+        </c:txPr>
+        <c:crossAx val="61940096"/>
+        <c:crosses val="autoZero"/>
+        <c:crossBetween val="midCat"/>
+        <c:majorUnit val="2"/>
+      </c:valAx>
+      <c:valAx>
+        <c:axId val="61940096"/>
+        <c:scaling>
+          <c:orientation val="minMax"/>
+        </c:scaling>
+        <c:axPos val="l"/>
+        <c:majorGridlines/>
+        <c:minorGridlines/>
+        <c:title>
+          <c:tx>
+            <c:rich>
+              <a:bodyPr/>
+              <a:lstStyle/>
+              <a:p>
+                <a:pPr>
+                  <a:defRPr lang="es-AR"/>
+                </a:pPr>
+                <a:r>
+                  <a:rPr lang="es-AR" sz="1800" b="0" dirty="0" smtClean="0">
+                    <a:latin typeface="+mj-lt"/>
+                  </a:rPr>
+                  <a:t>Observación </a:t>
+                </a:r>
+                <a:r>
+                  <a:rPr lang="es-AR" sz="1800" b="0" dirty="0">
+                    <a:latin typeface="+mj-lt"/>
+                  </a:rPr>
+                  <a:t>Visual (Altura en mts.)</a:t>
+                </a:r>
+              </a:p>
+            </c:rich>
+          </c:tx>
+          <c:layout/>
+        </c:title>
+        <c:numFmt formatCode="General" sourceLinked="1"/>
+        <c:tickLblPos val="nextTo"/>
+        <c:txPr>
+          <a:bodyPr/>
+          <a:lstStyle/>
+          <a:p>
+            <a:pPr>
+              <a:defRPr lang="es-AR"/>
+            </a:pPr>
+            <a:endParaRPr lang="es-ES"/>
+          </a:p>
+        </c:txPr>
+        <c:crossAx val="59046144"/>
+        <c:crosses val="autoZero"/>
+        <c:crossBetween val="midCat"/>
+      </c:valAx>
+    </c:plotArea>
+    <c:plotVisOnly val="1"/>
+  </c:chart>
+  <c:externalData r:id="rId1"/>
+</c:chartSpace>
+</file>
+
+<file path=ppt/charts/chart11.xml><?xml version="1.0" encoding="utf-8"?>
+<c:chartSpace xmlns:c="http://schemas.openxmlformats.org/drawingml/2006/chart" xmlns:a="http://schemas.openxmlformats.org/drawingml/2006/main" xmlns:r="http://schemas.openxmlformats.org/officeDocument/2006/relationships">
+  <c:date1904 val="1"/>
+  <c:lang val="es-ES"/>
+  <c:chart>
+    <c:view3D>
+      <c:rAngAx val="1"/>
+    </c:view3D>
+    <c:plotArea>
+      <c:layout/>
+      <c:bar3DChart>
+        <c:barDir val="col"/>
+        <c:grouping val="clustered"/>
+        <c:ser>
+          <c:idx val="0"/>
+          <c:order val="0"/>
+          <c:tx>
+            <c:strRef>
+              <c:f>Hoja1!$B$1</c:f>
+              <c:strCache>
+                <c:ptCount val="1"/>
+                <c:pt idx="0">
+                  <c:v>Correlación WW3 / Obs. Visual</c:v>
+                </c:pt>
+              </c:strCache>
+            </c:strRef>
+          </c:tx>
+          <c:cat>
+            <c:strRef>
+              <c:f>Hoja1!$A$2:$A$6</c:f>
+              <c:strCache>
+                <c:ptCount val="5"/>
+                <c:pt idx="0">
+                  <c:v>Makaha</c:v>
+                </c:pt>
+                <c:pt idx="1">
+                  <c:v>Sunset</c:v>
+                </c:pt>
+                <c:pt idx="2">
+                  <c:v>Ala Moana</c:v>
+                </c:pt>
+                <c:pt idx="3">
+                  <c:v>Diamond Head</c:v>
+                </c:pt>
+                <c:pt idx="4">
+                  <c:v>Makapuu</c:v>
+                </c:pt>
+              </c:strCache>
+            </c:strRef>
+          </c:cat>
+          <c:val>
+            <c:numRef>
+              <c:f>Hoja1!$B$2:$B$6</c:f>
+              <c:numCache>
+                <c:formatCode>0%</c:formatCode>
+                <c:ptCount val="5"/>
+                <c:pt idx="0">
+                  <c:v>0.66000000000000192</c:v>
+                </c:pt>
+                <c:pt idx="1">
+                  <c:v>0.82000000000000062</c:v>
+                </c:pt>
+                <c:pt idx="2">
+                  <c:v>0</c:v>
+                </c:pt>
+                <c:pt idx="3">
+                  <c:v>0</c:v>
+                </c:pt>
+                <c:pt idx="4">
+                  <c:v>0.4</c:v>
+                </c:pt>
+              </c:numCache>
+            </c:numRef>
+          </c:val>
+        </c:ser>
+        <c:ser>
+          <c:idx val="1"/>
+          <c:order val="1"/>
+          <c:tx>
+            <c:strRef>
+              <c:f>Hoja1!$C$1</c:f>
+              <c:strCache>
+                <c:ptCount val="1"/>
+                <c:pt idx="0">
+                  <c:v>Correlación SVM / Obs. Visual</c:v>
+                </c:pt>
+              </c:strCache>
+            </c:strRef>
+          </c:tx>
+          <c:spPr>
+            <a:solidFill>
+              <a:srgbClr val="FF0000"/>
+            </a:solidFill>
+          </c:spPr>
+          <c:cat>
+            <c:strRef>
+              <c:f>Hoja1!$A$2:$A$6</c:f>
+              <c:strCache>
+                <c:ptCount val="5"/>
+                <c:pt idx="0">
+                  <c:v>Makaha</c:v>
+                </c:pt>
+                <c:pt idx="1">
+                  <c:v>Sunset</c:v>
+                </c:pt>
+                <c:pt idx="2">
+                  <c:v>Ala Moana</c:v>
+                </c:pt>
+                <c:pt idx="3">
+                  <c:v>Diamond Head</c:v>
+                </c:pt>
+                <c:pt idx="4">
+                  <c:v>Makapuu</c:v>
+                </c:pt>
+              </c:strCache>
+            </c:strRef>
+          </c:cat>
+          <c:val>
+            <c:numRef>
+              <c:f>Hoja1!$C$2:$C$6</c:f>
+              <c:numCache>
+                <c:formatCode>0%</c:formatCode>
+                <c:ptCount val="5"/>
+                <c:pt idx="0">
+                  <c:v>0.82000000000000062</c:v>
+                </c:pt>
+                <c:pt idx="1">
+                  <c:v>0.89</c:v>
+                </c:pt>
+                <c:pt idx="2">
+                  <c:v>0.5</c:v>
+                </c:pt>
+                <c:pt idx="3">
+                  <c:v>0.48000000000000032</c:v>
+                </c:pt>
+                <c:pt idx="4">
+                  <c:v>0.79</c:v>
+                </c:pt>
+              </c:numCache>
+            </c:numRef>
+          </c:val>
+        </c:ser>
+        <c:shape val="box"/>
+        <c:axId val="61981824"/>
+        <c:axId val="61983360"/>
+        <c:axId val="0"/>
+      </c:bar3DChart>
+      <c:catAx>
+        <c:axId val="61981824"/>
+        <c:scaling>
+          <c:orientation val="minMax"/>
+        </c:scaling>
+        <c:axPos val="b"/>
+        <c:tickLblPos val="nextTo"/>
+        <c:txPr>
+          <a:bodyPr/>
+          <a:lstStyle/>
+          <a:p>
+            <a:pPr>
+              <a:defRPr lang="es-AR" sz="1400">
+                <a:latin typeface="+mj-lt"/>
+              </a:defRPr>
+            </a:pPr>
+            <a:endParaRPr lang="es-ES"/>
+          </a:p>
+        </c:txPr>
+        <c:crossAx val="61983360"/>
+        <c:crosses val="autoZero"/>
+        <c:auto val="1"/>
+        <c:lblAlgn val="ctr"/>
+        <c:lblOffset val="100"/>
+      </c:catAx>
+      <c:valAx>
+        <c:axId val="61983360"/>
+        <c:scaling>
+          <c:orientation val="minMax"/>
+        </c:scaling>
+        <c:axPos val="l"/>
+        <c:majorGridlines/>
+        <c:numFmt formatCode="0%" sourceLinked="1"/>
+        <c:tickLblPos val="nextTo"/>
+        <c:txPr>
+          <a:bodyPr/>
+          <a:lstStyle/>
+          <a:p>
+            <a:pPr>
+              <a:defRPr lang="es-AR"/>
+            </a:pPr>
+            <a:endParaRPr lang="es-ES"/>
+          </a:p>
+        </c:txPr>
+        <c:crossAx val="61981824"/>
+        <c:crosses val="autoZero"/>
+        <c:crossBetween val="between"/>
+      </c:valAx>
+    </c:plotArea>
+    <c:legend>
+      <c:legendPos val="r"/>
+      <c:legendEntry>
+        <c:idx val="0"/>
+        <c:txPr>
+          <a:bodyPr/>
+          <a:lstStyle/>
+          <a:p>
+            <a:pPr>
+              <a:defRPr lang="es-AR" sz="1400">
+                <a:latin typeface="+mj-lt"/>
+              </a:defRPr>
+            </a:pPr>
+            <a:endParaRPr lang="es-ES"/>
+          </a:p>
+        </c:txPr>
+      </c:legendEntry>
+      <c:legendEntry>
+        <c:idx val="1"/>
+        <c:txPr>
+          <a:bodyPr/>
+          <a:lstStyle/>
+          <a:p>
+            <a:pPr>
+              <a:defRPr lang="es-AR" sz="1400">
+                <a:latin typeface="+mj-lt"/>
+              </a:defRPr>
+            </a:pPr>
+            <a:endParaRPr lang="es-ES"/>
+          </a:p>
+        </c:txPr>
+      </c:legendEntry>
+      <c:layout/>
+      <c:txPr>
+        <a:bodyPr/>
+        <a:lstStyle/>
+        <a:p>
+          <a:pPr>
+            <a:defRPr lang="es-AR"/>
+          </a:pPr>
+          <a:endParaRPr lang="es-ES"/>
+        </a:p>
+      </c:txPr>
+    </c:legend>
+    <c:plotVisOnly val="1"/>
+  </c:chart>
+  <c:externalData r:id="rId1"/>
+</c:chartSpace>
+</file>
+
+<file path=ppt/charts/chart12.xml><?xml version="1.0" encoding="utf-8"?>
+<c:chartSpace xmlns:c="http://schemas.openxmlformats.org/drawingml/2006/chart" xmlns:a="http://schemas.openxmlformats.org/drawingml/2006/main" xmlns:r="http://schemas.openxmlformats.org/officeDocument/2006/relationships">
+  <c:date1904 val="1"/>
+  <c:lang val="es-ES"/>
+  <c:chart>
+    <c:view3D>
+      <c:rAngAx val="1"/>
+    </c:view3D>
+    <c:plotArea>
+      <c:layout/>
+      <c:bar3DChart>
+        <c:barDir val="col"/>
+        <c:grouping val="clustered"/>
+        <c:ser>
+          <c:idx val="0"/>
+          <c:order val="0"/>
+          <c:tx>
+            <c:strRef>
+              <c:f>Hoja1!$B$25</c:f>
+              <c:strCache>
+                <c:ptCount val="1"/>
+                <c:pt idx="0">
+                  <c:v>MAE WW3 / Obs. Visual [mts.]</c:v>
+                </c:pt>
+              </c:strCache>
+            </c:strRef>
+          </c:tx>
+          <c:cat>
+            <c:strRef>
+              <c:f>Hoja1!$A$26:$A$30</c:f>
+              <c:strCache>
+                <c:ptCount val="5"/>
+                <c:pt idx="0">
+                  <c:v>Makaha</c:v>
+                </c:pt>
+                <c:pt idx="1">
+                  <c:v>Sunset</c:v>
+                </c:pt>
+                <c:pt idx="2">
+                  <c:v>Ala Moana</c:v>
+                </c:pt>
+                <c:pt idx="3">
+                  <c:v>Diamond Head</c:v>
+                </c:pt>
+                <c:pt idx="4">
+                  <c:v>Makapuu</c:v>
+                </c:pt>
+              </c:strCache>
+            </c:strRef>
+          </c:cat>
+          <c:val>
+            <c:numRef>
+              <c:f>Hoja1!$B$26:$B$30</c:f>
+              <c:numCache>
+                <c:formatCode>General</c:formatCode>
+                <c:ptCount val="5"/>
+                <c:pt idx="0">
+                  <c:v>0.96000000000000063</c:v>
+                </c:pt>
+                <c:pt idx="1">
+                  <c:v>1.35</c:v>
+                </c:pt>
+                <c:pt idx="2">
+                  <c:v>1.1800000000000028</c:v>
+                </c:pt>
+                <c:pt idx="3">
+                  <c:v>0.99</c:v>
+                </c:pt>
+                <c:pt idx="4">
+                  <c:v>0.9</c:v>
+                </c:pt>
+              </c:numCache>
+            </c:numRef>
+          </c:val>
+        </c:ser>
+        <c:ser>
+          <c:idx val="1"/>
+          <c:order val="1"/>
+          <c:tx>
+            <c:strRef>
+              <c:f>Hoja1!$C$25</c:f>
+              <c:strCache>
+                <c:ptCount val="1"/>
+                <c:pt idx="0">
+                  <c:v>MAE SVM / Obs. Visual [mts.]</c:v>
+                </c:pt>
+              </c:strCache>
+            </c:strRef>
+          </c:tx>
+          <c:spPr>
+            <a:solidFill>
+              <a:srgbClr val="FF0000"/>
+            </a:solidFill>
+          </c:spPr>
+          <c:cat>
+            <c:strRef>
+              <c:f>Hoja1!$A$26:$A$30</c:f>
+              <c:strCache>
+                <c:ptCount val="5"/>
+                <c:pt idx="0">
+                  <c:v>Makaha</c:v>
+                </c:pt>
+                <c:pt idx="1">
+                  <c:v>Sunset</c:v>
+                </c:pt>
+                <c:pt idx="2">
+                  <c:v>Ala Moana</c:v>
+                </c:pt>
+                <c:pt idx="3">
+                  <c:v>Diamond Head</c:v>
+                </c:pt>
+                <c:pt idx="4">
+                  <c:v>Makapuu</c:v>
+                </c:pt>
+              </c:strCache>
+            </c:strRef>
+          </c:cat>
+          <c:val>
+            <c:numRef>
+              <c:f>Hoja1!$C$26:$C$30</c:f>
+              <c:numCache>
+                <c:formatCode>General</c:formatCode>
+                <c:ptCount val="5"/>
+                <c:pt idx="0">
+                  <c:v>0.61000000000000065</c:v>
+                </c:pt>
+                <c:pt idx="1">
+                  <c:v>0.82000000000000062</c:v>
+                </c:pt>
+                <c:pt idx="2">
+                  <c:v>0.46</c:v>
+                </c:pt>
+                <c:pt idx="3">
+                  <c:v>0.47000000000000008</c:v>
+                </c:pt>
+                <c:pt idx="4">
+                  <c:v>0.47000000000000008</c:v>
+                </c:pt>
+              </c:numCache>
+            </c:numRef>
+          </c:val>
+        </c:ser>
+        <c:shape val="cylinder"/>
+        <c:axId val="62156800"/>
+        <c:axId val="62158336"/>
+        <c:axId val="0"/>
+      </c:bar3DChart>
+      <c:catAx>
+        <c:axId val="62156800"/>
+        <c:scaling>
+          <c:orientation val="minMax"/>
+        </c:scaling>
+        <c:axPos val="b"/>
+        <c:tickLblPos val="nextTo"/>
+        <c:txPr>
+          <a:bodyPr/>
+          <a:lstStyle/>
+          <a:p>
+            <a:pPr>
+              <a:defRPr lang="es-AR" sz="1400">
+                <a:latin typeface="+mj-lt"/>
+              </a:defRPr>
+            </a:pPr>
+            <a:endParaRPr lang="es-ES"/>
+          </a:p>
+        </c:txPr>
+        <c:crossAx val="62158336"/>
+        <c:crosses val="autoZero"/>
+        <c:auto val="1"/>
+        <c:lblAlgn val="ctr"/>
+        <c:lblOffset val="100"/>
+      </c:catAx>
+      <c:valAx>
+        <c:axId val="62158336"/>
+        <c:scaling>
+          <c:orientation val="minMax"/>
+        </c:scaling>
+        <c:axPos val="l"/>
+        <c:majorGridlines/>
+        <c:numFmt formatCode="General" sourceLinked="1"/>
+        <c:tickLblPos val="nextTo"/>
+        <c:txPr>
+          <a:bodyPr/>
+          <a:lstStyle/>
+          <a:p>
+            <a:pPr>
+              <a:defRPr lang="es-AR"/>
+            </a:pPr>
+            <a:endParaRPr lang="es-ES"/>
+          </a:p>
+        </c:txPr>
+        <c:crossAx val="62156800"/>
+        <c:crosses val="autoZero"/>
+        <c:crossBetween val="between"/>
       </c:valAx>
     </c:plotArea>
     <c:legend>
@@ -1124,19 +2231,19 @@
                   <c:v>1.0330390684786552</c:v>
                 </c:pt>
                 <c:pt idx="6">
-                  <c:v>1.0302429519403236</c:v>
+                  <c:v>1.030242951940324</c:v>
                 </c:pt>
                 <c:pt idx="7">
                   <c:v>0.94738273200566459</c:v>
                 </c:pt>
                 <c:pt idx="8">
-                  <c:v>0.92793801360197814</c:v>
+                  <c:v>0.92793801360197825</c:v>
                 </c:pt>
                 <c:pt idx="9">
                   <c:v>0.92012906293872665</c:v>
                 </c:pt>
                 <c:pt idx="10">
-                  <c:v>0.88481716181109449</c:v>
+                  <c:v>0.88481716181109438</c:v>
                 </c:pt>
                 <c:pt idx="11">
                   <c:v>0.88417424754272178</c:v>
@@ -1148,7 +2255,7 @@
                   <c:v>0.85063806565684563</c:v>
                 </c:pt>
                 <c:pt idx="14">
-                  <c:v>0.84777133793555981</c:v>
+                  <c:v>0.84777133793555992</c:v>
                 </c:pt>
                 <c:pt idx="15">
                   <c:v>0.8445144923789446</c:v>
@@ -1157,7 +2264,7 @@
                   <c:v>0.83725594840038564</c:v>
                 </c:pt>
                 <c:pt idx="17">
-                  <c:v>0.83461703141919152</c:v>
+                  <c:v>0.83461703141919175</c:v>
                 </c:pt>
               </c:numCache>
             </c:numRef>
@@ -1256,7 +2363,7 @@
                   <c:v>0.9387309603633297</c:v>
                 </c:pt>
                 <c:pt idx="1">
-                  <c:v>0.89153277738271042</c:v>
+                  <c:v>0.89153277738271031</c:v>
                 </c:pt>
                 <c:pt idx="2">
                   <c:v>0.82301056544373608</c:v>
@@ -1268,22 +2375,22 @@
                   <c:v>0.75252199659024765</c:v>
                 </c:pt>
                 <c:pt idx="5">
-                  <c:v>0.74212373331281833</c:v>
+                  <c:v>0.74212373331281845</c:v>
                 </c:pt>
                 <c:pt idx="6">
                   <c:v>0.73688717786732749</c:v>
                 </c:pt>
                 <c:pt idx="7">
-                  <c:v>0.72860146352750721</c:v>
+                  <c:v>0.72860146352750743</c:v>
                 </c:pt>
                 <c:pt idx="8">
-                  <c:v>0.70577785559581396</c:v>
+                  <c:v>0.70577785559581419</c:v>
                 </c:pt>
                 <c:pt idx="9">
                   <c:v>0.69274686371956962</c:v>
                 </c:pt>
                 <c:pt idx="10">
-                  <c:v>0.67930161414046852</c:v>
+                  <c:v>0.67930161414046875</c:v>
                 </c:pt>
                 <c:pt idx="11">
                   <c:v>0.67228263477634131</c:v>
@@ -1292,22 +2399,22 @@
                   <c:v>0.68022471453120004</c:v>
                 </c:pt>
                 <c:pt idx="13">
-                  <c:v>0.66398503161852529</c:v>
+                  <c:v>0.66398503161852562</c:v>
                 </c:pt>
                 <c:pt idx="14">
                   <c:v>0.6640628299517749</c:v>
                 </c:pt>
                 <c:pt idx="15">
-                  <c:v>0.6630855800933797</c:v>
+                  <c:v>0.66308558009337981</c:v>
                 </c:pt>
                 <c:pt idx="16">
                   <c:v>0.65656511915425986</c:v>
                 </c:pt>
                 <c:pt idx="17">
-                  <c:v>0.65158141257239022</c:v>
+                  <c:v>0.65158141257239044</c:v>
                 </c:pt>
                 <c:pt idx="18">
-                  <c:v>0.65187548701494868</c:v>
+                  <c:v>0.6518754870149488</c:v>
                 </c:pt>
               </c:numCache>
             </c:numRef>
@@ -1396,7 +2503,7 @@
                 <c:formatCode>General</c:formatCode>
                 <c:ptCount val="19"/>
                 <c:pt idx="0">
-                  <c:v>0.66149732049012777</c:v>
+                  <c:v>0.66149732049012788</c:v>
                 </c:pt>
                 <c:pt idx="1">
                   <c:v>0.6001326027033127</c:v>
@@ -1405,13 +2512,13 @@
                   <c:v>0.55639887771499263</c:v>
                 </c:pt>
                 <c:pt idx="3">
-                  <c:v>0.62284472485511344</c:v>
+                  <c:v>0.62284472485511355</c:v>
                 </c:pt>
                 <c:pt idx="4">
                   <c:v>0.55351605829049677</c:v>
                 </c:pt>
                 <c:pt idx="5">
-                  <c:v>0.58846095302595525</c:v>
+                  <c:v>0.58846095302595502</c:v>
                 </c:pt>
                 <c:pt idx="6">
                   <c:v>0.57298820383188065</c:v>
@@ -1423,7 +2530,7 @@
                   <c:v>0.55636349504129456</c:v>
                 </c:pt>
                 <c:pt idx="9">
-                  <c:v>0.56175580469495134</c:v>
+                  <c:v>0.56175580469495145</c:v>
                 </c:pt>
                 <c:pt idx="10">
                   <c:v>0.54619756290876298</c:v>
@@ -1543,7 +2650,7 @@
                 <c:formatCode>General</c:formatCode>
                 <c:ptCount val="18"/>
                 <c:pt idx="0">
-                  <c:v>0.63237080268503898</c:v>
+                  <c:v>0.6323708026850392</c:v>
                 </c:pt>
                 <c:pt idx="1">
                   <c:v>0.58374227027070569</c:v>
@@ -1552,7 +2659,7 @@
                   <c:v>0.59186681564330168</c:v>
                 </c:pt>
                 <c:pt idx="3">
-                  <c:v>0.56326543263150175</c:v>
+                  <c:v>0.56326543263150186</c:v>
                 </c:pt>
                 <c:pt idx="4">
                   <c:v>0.57183044589207288</c:v>
@@ -1567,7 +2674,7 @@
                   <c:v>0.53802118949602251</c:v>
                 </c:pt>
                 <c:pt idx="8">
-                  <c:v>0.5345050973681944</c:v>
+                  <c:v>0.53450509736819463</c:v>
                 </c:pt>
                 <c:pt idx="9">
                   <c:v>0.52829897414829863</c:v>
@@ -1591,7 +2698,7 @@
                   <c:v>0.50670323954628771</c:v>
                 </c:pt>
                 <c:pt idx="16">
-                  <c:v>0.50238192552660177</c:v>
+                  <c:v>0.50238192552660166</c:v>
                 </c:pt>
                 <c:pt idx="17">
                   <c:v>0.49463977381829932</c:v>
@@ -1683,31 +2790,31 @@
                 <c:formatCode>General</c:formatCode>
                 <c:ptCount val="19"/>
                 <c:pt idx="0">
-                  <c:v>0.7728998376992412</c:v>
+                  <c:v>0.77289983769924153</c:v>
                 </c:pt>
                 <c:pt idx="1">
                   <c:v>0.74632356481168916</c:v>
                 </c:pt>
                 <c:pt idx="2">
-                  <c:v>0.78634361659647789</c:v>
+                  <c:v>0.78634361659647811</c:v>
                 </c:pt>
                 <c:pt idx="3">
-                  <c:v>0.68296121733003701</c:v>
+                  <c:v>0.68296121733003712</c:v>
                 </c:pt>
                 <c:pt idx="4">
-                  <c:v>0.66450739252953939</c:v>
+                  <c:v>0.66450739252953961</c:v>
                 </c:pt>
                 <c:pt idx="5">
-                  <c:v>0.61644319255847979</c:v>
+                  <c:v>0.61644319255848001</c:v>
                 </c:pt>
                 <c:pt idx="6">
                   <c:v>0.6102724059818817</c:v>
                 </c:pt>
                 <c:pt idx="7">
-                  <c:v>0.60925823106012411</c:v>
+                  <c:v>0.60925823106012422</c:v>
                 </c:pt>
                 <c:pt idx="8">
-                  <c:v>0.62851239646724888</c:v>
+                  <c:v>0.62851239646724877</c:v>
                 </c:pt>
                 <c:pt idx="9">
                   <c:v>0.60456332932399459</c:v>
@@ -1716,10 +2823,10 @@
                   <c:v>0.59800801508451062</c:v>
                 </c:pt>
                 <c:pt idx="11">
-                  <c:v>0.59484127138609622</c:v>
+                  <c:v>0.59484127138609633</c:v>
                 </c:pt>
                 <c:pt idx="12">
-                  <c:v>0.57774424327942386</c:v>
+                  <c:v>0.57774424327942409</c:v>
                 </c:pt>
                 <c:pt idx="13">
                   <c:v>0.57412911597622418</c:v>
@@ -1734,7 +2841,7 @@
                   <c:v>0.56487792557592453</c:v>
                 </c:pt>
                 <c:pt idx="17">
-                  <c:v>0.55704303471989736</c:v>
+                  <c:v>0.55704303471989758</c:v>
                 </c:pt>
                 <c:pt idx="18">
                   <c:v>0.55532457683742076</c:v>
@@ -1744,11 +2851,11 @@
           </c:yVal>
           <c:smooth val="1"/>
         </c:ser>
-        <c:axId val="56262016"/>
-        <c:axId val="56272384"/>
+        <c:axId val="59415936"/>
+        <c:axId val="59430400"/>
       </c:scatterChart>
       <c:valAx>
-        <c:axId val="56262016"/>
+        <c:axId val="59415936"/>
         <c:scaling>
           <c:orientation val="minMax"/>
           <c:max val="1000"/>
@@ -1829,7 +2936,7 @@
             <c:manualLayout>
               <c:xMode val="edge"/>
               <c:yMode val="edge"/>
-              <c:x val="0.31703777702969227"/>
+              <c:x val="0.31703777702969238"/>
               <c:y val="0.86625336375377393"/>
             </c:manualLayout>
           </c:layout>
@@ -1846,12 +2953,12 @@
             <a:endParaRPr lang="es-ES"/>
           </a:p>
         </c:txPr>
-        <c:crossAx val="56272384"/>
+        <c:crossAx val="59430400"/>
         <c:crosses val="autoZero"/>
         <c:crossBetween val="midCat"/>
       </c:valAx>
       <c:valAx>
-        <c:axId val="56272384"/>
+        <c:axId val="59430400"/>
         <c:scaling>
           <c:orientation val="minMax"/>
           <c:min val="0.4"/>
@@ -1890,7 +2997,7 @@
             <a:endParaRPr lang="es-ES"/>
           </a:p>
         </c:txPr>
-        <c:crossAx val="56262016"/>
+        <c:crossAx val="59415936"/>
         <c:crosses val="autoZero"/>
         <c:crossBetween val="midCat"/>
       </c:valAx>
@@ -1919,6 +3026,1093 @@
 
 <file path=ppt/charts/chart3.xml><?xml version="1.0" encoding="utf-8"?>
 <c:chartSpace xmlns:c="http://schemas.openxmlformats.org/drawingml/2006/chart" xmlns:a="http://schemas.openxmlformats.org/drawingml/2006/main" xmlns:r="http://schemas.openxmlformats.org/officeDocument/2006/relationships">
+  <c:lang val="es-ES"/>
+  <c:chart>
+    <c:title>
+      <c:tx>
+        <c:rich>
+          <a:bodyPr/>
+          <a:lstStyle/>
+          <a:p>
+            <a:pPr>
+              <a:defRPr sz="2000">
+                <a:latin typeface="+mj-lt"/>
+              </a:defRPr>
+            </a:pPr>
+            <a:r>
+              <a:rPr lang="es-ES" sz="2000">
+                <a:latin typeface="+mj-lt"/>
+              </a:rPr>
+              <a:t>Correlación</a:t>
+            </a:r>
+          </a:p>
+        </c:rich>
+      </c:tx>
+      <c:layout/>
+    </c:title>
+    <c:plotArea>
+      <c:layout/>
+      <c:barChart>
+        <c:barDir val="col"/>
+        <c:grouping val="clustered"/>
+        <c:ser>
+          <c:idx val="0"/>
+          <c:order val="0"/>
+          <c:tx>
+            <c:strRef>
+              <c:f>Hoja1!$B$111</c:f>
+              <c:strCache>
+                <c:ptCount val="1"/>
+                <c:pt idx="0">
+                  <c:v>RL</c:v>
+                </c:pt>
+              </c:strCache>
+            </c:strRef>
+          </c:tx>
+          <c:cat>
+            <c:strRef>
+              <c:f>Hoja1!$A$112:$A$116</c:f>
+              <c:strCache>
+                <c:ptCount val="5"/>
+                <c:pt idx="0">
+                  <c:v>Sunset</c:v>
+                </c:pt>
+                <c:pt idx="1">
+                  <c:v>Ala Moana</c:v>
+                </c:pt>
+                <c:pt idx="2">
+                  <c:v>Diamond Head</c:v>
+                </c:pt>
+                <c:pt idx="3">
+                  <c:v>Makapuu</c:v>
+                </c:pt>
+                <c:pt idx="4">
+                  <c:v>Makaha</c:v>
+                </c:pt>
+              </c:strCache>
+            </c:strRef>
+          </c:cat>
+          <c:val>
+            <c:numRef>
+              <c:f>Hoja1!$B$112:$B$116</c:f>
+              <c:numCache>
+                <c:formatCode>General</c:formatCode>
+                <c:ptCount val="5"/>
+                <c:pt idx="0">
+                  <c:v>0.85</c:v>
+                </c:pt>
+                <c:pt idx="1">
+                  <c:v>0.28000000000000003</c:v>
+                </c:pt>
+                <c:pt idx="2">
+                  <c:v>0.22</c:v>
+                </c:pt>
+                <c:pt idx="3">
+                  <c:v>0.54</c:v>
+                </c:pt>
+                <c:pt idx="4">
+                  <c:v>0.78</c:v>
+                </c:pt>
+              </c:numCache>
+            </c:numRef>
+          </c:val>
+        </c:ser>
+        <c:ser>
+          <c:idx val="1"/>
+          <c:order val="1"/>
+          <c:tx>
+            <c:strRef>
+              <c:f>Hoja1!$C$111</c:f>
+              <c:strCache>
+                <c:ptCount val="1"/>
+                <c:pt idx="0">
+                  <c:v>RN</c:v>
+                </c:pt>
+              </c:strCache>
+            </c:strRef>
+          </c:tx>
+          <c:spPr>
+            <a:solidFill>
+              <a:srgbClr val="FF0000"/>
+            </a:solidFill>
+          </c:spPr>
+          <c:cat>
+            <c:strRef>
+              <c:f>Hoja1!$A$112:$A$116</c:f>
+              <c:strCache>
+                <c:ptCount val="5"/>
+                <c:pt idx="0">
+                  <c:v>Sunset</c:v>
+                </c:pt>
+                <c:pt idx="1">
+                  <c:v>Ala Moana</c:v>
+                </c:pt>
+                <c:pt idx="2">
+                  <c:v>Diamond Head</c:v>
+                </c:pt>
+                <c:pt idx="3">
+                  <c:v>Makapuu</c:v>
+                </c:pt>
+                <c:pt idx="4">
+                  <c:v>Makaha</c:v>
+                </c:pt>
+              </c:strCache>
+            </c:strRef>
+          </c:cat>
+          <c:val>
+            <c:numRef>
+              <c:f>Hoja1!$C$112:$C$116</c:f>
+              <c:numCache>
+                <c:formatCode>General</c:formatCode>
+                <c:ptCount val="5"/>
+                <c:pt idx="0">
+                  <c:v>0.88</c:v>
+                </c:pt>
+                <c:pt idx="1">
+                  <c:v>0.42</c:v>
+                </c:pt>
+                <c:pt idx="2">
+                  <c:v>0.37</c:v>
+                </c:pt>
+                <c:pt idx="3">
+                  <c:v>0.61</c:v>
+                </c:pt>
+                <c:pt idx="4">
+                  <c:v>0.81</c:v>
+                </c:pt>
+              </c:numCache>
+            </c:numRef>
+          </c:val>
+        </c:ser>
+        <c:ser>
+          <c:idx val="2"/>
+          <c:order val="2"/>
+          <c:tx>
+            <c:strRef>
+              <c:f>Hoja1!$D$111</c:f>
+              <c:strCache>
+                <c:ptCount val="1"/>
+                <c:pt idx="0">
+                  <c:v>SVM</c:v>
+                </c:pt>
+              </c:strCache>
+            </c:strRef>
+          </c:tx>
+          <c:spPr>
+            <a:solidFill>
+              <a:schemeClr val="accent6">
+                <a:lumMod val="75000"/>
+              </a:schemeClr>
+            </a:solidFill>
+          </c:spPr>
+          <c:cat>
+            <c:strRef>
+              <c:f>Hoja1!$A$112:$A$116</c:f>
+              <c:strCache>
+                <c:ptCount val="5"/>
+                <c:pt idx="0">
+                  <c:v>Sunset</c:v>
+                </c:pt>
+                <c:pt idx="1">
+                  <c:v>Ala Moana</c:v>
+                </c:pt>
+                <c:pt idx="2">
+                  <c:v>Diamond Head</c:v>
+                </c:pt>
+                <c:pt idx="3">
+                  <c:v>Makapuu</c:v>
+                </c:pt>
+                <c:pt idx="4">
+                  <c:v>Makaha</c:v>
+                </c:pt>
+              </c:strCache>
+            </c:strRef>
+          </c:cat>
+          <c:val>
+            <c:numRef>
+              <c:f>Hoja1!$D$112:$D$116</c:f>
+              <c:numCache>
+                <c:formatCode>General</c:formatCode>
+                <c:ptCount val="5"/>
+                <c:pt idx="0">
+                  <c:v>0.89</c:v>
+                </c:pt>
+                <c:pt idx="1">
+                  <c:v>0.5</c:v>
+                </c:pt>
+                <c:pt idx="2">
+                  <c:v>0.48</c:v>
+                </c:pt>
+                <c:pt idx="3">
+                  <c:v>0.74</c:v>
+                </c:pt>
+                <c:pt idx="4">
+                  <c:v>0.82</c:v>
+                </c:pt>
+              </c:numCache>
+            </c:numRef>
+          </c:val>
+        </c:ser>
+        <c:ser>
+          <c:idx val="3"/>
+          <c:order val="3"/>
+          <c:tx>
+            <c:strRef>
+              <c:f>Hoja1!$E$111</c:f>
+              <c:strCache>
+                <c:ptCount val="1"/>
+                <c:pt idx="0">
+                  <c:v>MSP</c:v>
+                </c:pt>
+              </c:strCache>
+            </c:strRef>
+          </c:tx>
+          <c:spPr>
+            <a:solidFill>
+              <a:srgbClr val="7030A0"/>
+            </a:solidFill>
+          </c:spPr>
+          <c:cat>
+            <c:strRef>
+              <c:f>Hoja1!$A$112:$A$116</c:f>
+              <c:strCache>
+                <c:ptCount val="5"/>
+                <c:pt idx="0">
+                  <c:v>Sunset</c:v>
+                </c:pt>
+                <c:pt idx="1">
+                  <c:v>Ala Moana</c:v>
+                </c:pt>
+                <c:pt idx="2">
+                  <c:v>Diamond Head</c:v>
+                </c:pt>
+                <c:pt idx="3">
+                  <c:v>Makapuu</c:v>
+                </c:pt>
+                <c:pt idx="4">
+                  <c:v>Makaha</c:v>
+                </c:pt>
+              </c:strCache>
+            </c:strRef>
+          </c:cat>
+          <c:val>
+            <c:numRef>
+              <c:f>Hoja1!$E$112:$E$116</c:f>
+              <c:numCache>
+                <c:formatCode>General</c:formatCode>
+                <c:ptCount val="5"/>
+                <c:pt idx="0">
+                  <c:v>0.88</c:v>
+                </c:pt>
+                <c:pt idx="1">
+                  <c:v>0.47</c:v>
+                </c:pt>
+                <c:pt idx="2">
+                  <c:v>0.35</c:v>
+                </c:pt>
+                <c:pt idx="3">
+                  <c:v>0.7</c:v>
+                </c:pt>
+                <c:pt idx="4">
+                  <c:v>0.82</c:v>
+                </c:pt>
+              </c:numCache>
+            </c:numRef>
+          </c:val>
+        </c:ser>
+        <c:axId val="83273600"/>
+        <c:axId val="93877760"/>
+      </c:barChart>
+      <c:catAx>
+        <c:axId val="83273600"/>
+        <c:scaling>
+          <c:orientation val="minMax"/>
+        </c:scaling>
+        <c:axPos val="b"/>
+        <c:majorTickMark val="none"/>
+        <c:tickLblPos val="nextTo"/>
+        <c:crossAx val="93877760"/>
+        <c:crosses val="autoZero"/>
+        <c:auto val="1"/>
+        <c:lblAlgn val="ctr"/>
+        <c:lblOffset val="100"/>
+      </c:catAx>
+      <c:valAx>
+        <c:axId val="93877760"/>
+        <c:scaling>
+          <c:orientation val="minMax"/>
+        </c:scaling>
+        <c:axPos val="l"/>
+        <c:majorGridlines/>
+        <c:numFmt formatCode="General" sourceLinked="1"/>
+        <c:majorTickMark val="none"/>
+        <c:tickLblPos val="nextTo"/>
+        <c:crossAx val="83273600"/>
+        <c:crosses val="autoZero"/>
+        <c:crossBetween val="between"/>
+      </c:valAx>
+    </c:plotArea>
+    <c:legend>
+      <c:legendPos val="r"/>
+      <c:layout/>
+    </c:legend>
+    <c:plotVisOnly val="1"/>
+  </c:chart>
+  <c:externalData r:id="rId1"/>
+</c:chartSpace>
+</file>
+
+<file path=ppt/charts/chart4.xml><?xml version="1.0" encoding="utf-8"?>
+<c:chartSpace xmlns:c="http://schemas.openxmlformats.org/drawingml/2006/chart" xmlns:a="http://schemas.openxmlformats.org/drawingml/2006/main" xmlns:r="http://schemas.openxmlformats.org/officeDocument/2006/relationships">
+  <c:lang val="es-ES"/>
+  <c:chart>
+    <c:title>
+      <c:tx>
+        <c:rich>
+          <a:bodyPr/>
+          <a:lstStyle/>
+          <a:p>
+            <a:pPr>
+              <a:defRPr sz="2000">
+                <a:latin typeface="+mj-lt"/>
+              </a:defRPr>
+            </a:pPr>
+            <a:r>
+              <a:rPr lang="es-ES" sz="2000">
+                <a:latin typeface="+mj-lt"/>
+              </a:rPr>
+              <a:t>Error absoluto medio [mts.]</a:t>
+            </a:r>
+          </a:p>
+        </c:rich>
+      </c:tx>
+      <c:layout/>
+    </c:title>
+    <c:plotArea>
+      <c:layout/>
+      <c:barChart>
+        <c:barDir val="col"/>
+        <c:grouping val="clustered"/>
+        <c:ser>
+          <c:idx val="0"/>
+          <c:order val="0"/>
+          <c:tx>
+            <c:strRef>
+              <c:f>Hoja1!$B$118</c:f>
+              <c:strCache>
+                <c:ptCount val="1"/>
+                <c:pt idx="0">
+                  <c:v>RL</c:v>
+                </c:pt>
+              </c:strCache>
+            </c:strRef>
+          </c:tx>
+          <c:cat>
+            <c:strRef>
+              <c:f>Hoja1!$A$119:$A$123</c:f>
+              <c:strCache>
+                <c:ptCount val="5"/>
+                <c:pt idx="0">
+                  <c:v>Sunset</c:v>
+                </c:pt>
+                <c:pt idx="1">
+                  <c:v>Ala Moana</c:v>
+                </c:pt>
+                <c:pt idx="2">
+                  <c:v>Diamond Head</c:v>
+                </c:pt>
+                <c:pt idx="3">
+                  <c:v>Makapuu</c:v>
+                </c:pt>
+                <c:pt idx="4">
+                  <c:v>Makaha</c:v>
+                </c:pt>
+              </c:strCache>
+            </c:strRef>
+          </c:cat>
+          <c:val>
+            <c:numRef>
+              <c:f>Hoja1!$B$119:$B$123</c:f>
+              <c:numCache>
+                <c:formatCode>General</c:formatCode>
+                <c:ptCount val="5"/>
+                <c:pt idx="0">
+                  <c:v>0.97</c:v>
+                </c:pt>
+                <c:pt idx="1">
+                  <c:v>0.53</c:v>
+                </c:pt>
+                <c:pt idx="2">
+                  <c:v>0.6</c:v>
+                </c:pt>
+                <c:pt idx="3">
+                  <c:v>0.6</c:v>
+                </c:pt>
+                <c:pt idx="4">
+                  <c:v>0.67</c:v>
+                </c:pt>
+              </c:numCache>
+            </c:numRef>
+          </c:val>
+        </c:ser>
+        <c:ser>
+          <c:idx val="1"/>
+          <c:order val="1"/>
+          <c:tx>
+            <c:strRef>
+              <c:f>Hoja1!$C$118</c:f>
+              <c:strCache>
+                <c:ptCount val="1"/>
+                <c:pt idx="0">
+                  <c:v>RN</c:v>
+                </c:pt>
+              </c:strCache>
+            </c:strRef>
+          </c:tx>
+          <c:spPr>
+            <a:solidFill>
+              <a:srgbClr val="FF0000"/>
+            </a:solidFill>
+          </c:spPr>
+          <c:cat>
+            <c:strRef>
+              <c:f>Hoja1!$A$119:$A$123</c:f>
+              <c:strCache>
+                <c:ptCount val="5"/>
+                <c:pt idx="0">
+                  <c:v>Sunset</c:v>
+                </c:pt>
+                <c:pt idx="1">
+                  <c:v>Ala Moana</c:v>
+                </c:pt>
+                <c:pt idx="2">
+                  <c:v>Diamond Head</c:v>
+                </c:pt>
+                <c:pt idx="3">
+                  <c:v>Makapuu</c:v>
+                </c:pt>
+                <c:pt idx="4">
+                  <c:v>Makaha</c:v>
+                </c:pt>
+              </c:strCache>
+            </c:strRef>
+          </c:cat>
+          <c:val>
+            <c:numRef>
+              <c:f>Hoja1!$C$119:$C$123</c:f>
+              <c:numCache>
+                <c:formatCode>General</c:formatCode>
+                <c:ptCount val="5"/>
+                <c:pt idx="0">
+                  <c:v>0.86</c:v>
+                </c:pt>
+                <c:pt idx="1">
+                  <c:v>0.5</c:v>
+                </c:pt>
+                <c:pt idx="2">
+                  <c:v>0.54</c:v>
+                </c:pt>
+                <c:pt idx="3">
+                  <c:v>0.54</c:v>
+                </c:pt>
+                <c:pt idx="4">
+                  <c:v>0.63</c:v>
+                </c:pt>
+              </c:numCache>
+            </c:numRef>
+          </c:val>
+        </c:ser>
+        <c:ser>
+          <c:idx val="2"/>
+          <c:order val="2"/>
+          <c:tx>
+            <c:strRef>
+              <c:f>Hoja1!$D$118</c:f>
+              <c:strCache>
+                <c:ptCount val="1"/>
+                <c:pt idx="0">
+                  <c:v>SVM</c:v>
+                </c:pt>
+              </c:strCache>
+            </c:strRef>
+          </c:tx>
+          <c:spPr>
+            <a:solidFill>
+              <a:schemeClr val="accent6">
+                <a:lumMod val="75000"/>
+              </a:schemeClr>
+            </a:solidFill>
+          </c:spPr>
+          <c:cat>
+            <c:strRef>
+              <c:f>Hoja1!$A$119:$A$123</c:f>
+              <c:strCache>
+                <c:ptCount val="5"/>
+                <c:pt idx="0">
+                  <c:v>Sunset</c:v>
+                </c:pt>
+                <c:pt idx="1">
+                  <c:v>Ala Moana</c:v>
+                </c:pt>
+                <c:pt idx="2">
+                  <c:v>Diamond Head</c:v>
+                </c:pt>
+                <c:pt idx="3">
+                  <c:v>Makapuu</c:v>
+                </c:pt>
+                <c:pt idx="4">
+                  <c:v>Makaha</c:v>
+                </c:pt>
+              </c:strCache>
+            </c:strRef>
+          </c:cat>
+          <c:val>
+            <c:numRef>
+              <c:f>Hoja1!$D$119:$D$123</c:f>
+              <c:numCache>
+                <c:formatCode>General</c:formatCode>
+                <c:ptCount val="5"/>
+                <c:pt idx="0">
+                  <c:v>0.82</c:v>
+                </c:pt>
+                <c:pt idx="1">
+                  <c:v>0.46</c:v>
+                </c:pt>
+                <c:pt idx="2">
+                  <c:v>0.47</c:v>
+                </c:pt>
+                <c:pt idx="3">
+                  <c:v>0.47</c:v>
+                </c:pt>
+                <c:pt idx="4">
+                  <c:v>0.61</c:v>
+                </c:pt>
+              </c:numCache>
+            </c:numRef>
+          </c:val>
+        </c:ser>
+        <c:ser>
+          <c:idx val="3"/>
+          <c:order val="3"/>
+          <c:tx>
+            <c:strRef>
+              <c:f>Hoja1!$E$118</c:f>
+              <c:strCache>
+                <c:ptCount val="1"/>
+                <c:pt idx="0">
+                  <c:v>MSP</c:v>
+                </c:pt>
+              </c:strCache>
+            </c:strRef>
+          </c:tx>
+          <c:spPr>
+            <a:solidFill>
+              <a:srgbClr val="7030A0"/>
+            </a:solidFill>
+          </c:spPr>
+          <c:cat>
+            <c:strRef>
+              <c:f>Hoja1!$A$119:$A$123</c:f>
+              <c:strCache>
+                <c:ptCount val="5"/>
+                <c:pt idx="0">
+                  <c:v>Sunset</c:v>
+                </c:pt>
+                <c:pt idx="1">
+                  <c:v>Ala Moana</c:v>
+                </c:pt>
+                <c:pt idx="2">
+                  <c:v>Diamond Head</c:v>
+                </c:pt>
+                <c:pt idx="3">
+                  <c:v>Makapuu</c:v>
+                </c:pt>
+                <c:pt idx="4">
+                  <c:v>Makaha</c:v>
+                </c:pt>
+              </c:strCache>
+            </c:strRef>
+          </c:cat>
+          <c:val>
+            <c:numRef>
+              <c:f>Hoja1!$E$119:$E$123</c:f>
+              <c:numCache>
+                <c:formatCode>General</c:formatCode>
+                <c:ptCount val="5"/>
+                <c:pt idx="0">
+                  <c:v>0.88</c:v>
+                </c:pt>
+                <c:pt idx="1">
+                  <c:v>0.49</c:v>
+                </c:pt>
+                <c:pt idx="2">
+                  <c:v>0.5</c:v>
+                </c:pt>
+                <c:pt idx="3">
+                  <c:v>0.5</c:v>
+                </c:pt>
+                <c:pt idx="4">
+                  <c:v>0.61</c:v>
+                </c:pt>
+              </c:numCache>
+            </c:numRef>
+          </c:val>
+        </c:ser>
+        <c:axId val="83117184"/>
+        <c:axId val="83118720"/>
+      </c:barChart>
+      <c:catAx>
+        <c:axId val="83117184"/>
+        <c:scaling>
+          <c:orientation val="minMax"/>
+        </c:scaling>
+        <c:axPos val="b"/>
+        <c:majorTickMark val="none"/>
+        <c:tickLblPos val="nextTo"/>
+        <c:crossAx val="83118720"/>
+        <c:crosses val="autoZero"/>
+        <c:auto val="1"/>
+        <c:lblAlgn val="ctr"/>
+        <c:lblOffset val="100"/>
+      </c:catAx>
+      <c:valAx>
+        <c:axId val="83118720"/>
+        <c:scaling>
+          <c:orientation val="minMax"/>
+        </c:scaling>
+        <c:axPos val="l"/>
+        <c:majorGridlines/>
+        <c:numFmt formatCode="General" sourceLinked="1"/>
+        <c:majorTickMark val="none"/>
+        <c:tickLblPos val="nextTo"/>
+        <c:crossAx val="83117184"/>
+        <c:crosses val="autoZero"/>
+        <c:crossBetween val="between"/>
+      </c:valAx>
+    </c:plotArea>
+    <c:legend>
+      <c:legendPos val="r"/>
+      <c:layout/>
+    </c:legend>
+    <c:plotVisOnly val="1"/>
+  </c:chart>
+  <c:externalData r:id="rId1"/>
+</c:chartSpace>
+</file>
+
+<file path=ppt/charts/chart5.xml><?xml version="1.0" encoding="utf-8"?>
+<c:chartSpace xmlns:c="http://schemas.openxmlformats.org/drawingml/2006/chart" xmlns:a="http://schemas.openxmlformats.org/drawingml/2006/main" xmlns:r="http://schemas.openxmlformats.org/officeDocument/2006/relationships">
+  <c:lang val="es-ES"/>
+  <c:chart>
+    <c:title>
+      <c:tx>
+        <c:rich>
+          <a:bodyPr/>
+          <a:lstStyle/>
+          <a:p>
+            <a:pPr>
+              <a:defRPr sz="2000">
+                <a:latin typeface="+mj-lt"/>
+              </a:defRPr>
+            </a:pPr>
+            <a:r>
+              <a:rPr lang="es-ES" sz="2000">
+                <a:latin typeface="+mj-lt"/>
+              </a:rPr>
+              <a:t>Diamond Head - Correlación (SVM)</a:t>
+            </a:r>
+          </a:p>
+        </c:rich>
+      </c:tx>
+      <c:layout/>
+    </c:title>
+    <c:view3D>
+      <c:rAngAx val="1"/>
+    </c:view3D>
+    <c:plotArea>
+      <c:layout/>
+      <c:bar3DChart>
+        <c:barDir val="col"/>
+        <c:grouping val="clustered"/>
+        <c:ser>
+          <c:idx val="0"/>
+          <c:order val="0"/>
+          <c:tx>
+            <c:strRef>
+              <c:f>Hoja1!$C$144</c:f>
+              <c:strCache>
+                <c:ptCount val="1"/>
+                <c:pt idx="0">
+                  <c:v>Optimo</c:v>
+                </c:pt>
+              </c:strCache>
+            </c:strRef>
+          </c:tx>
+          <c:cat>
+            <c:strRef>
+              <c:f>Hoja1!$B$145:$B$148</c:f>
+              <c:strCache>
+                <c:ptCount val="4"/>
+                <c:pt idx="0">
+                  <c:v>WW3Last3Lectures</c:v>
+                </c:pt>
+                <c:pt idx="1">
+                  <c:v>WW3Simple</c:v>
+                </c:pt>
+                <c:pt idx="2">
+                  <c:v>TwoGridPoint</c:v>
+                </c:pt>
+                <c:pt idx="3">
+                  <c:v>WW3Last2Days</c:v>
+                </c:pt>
+              </c:strCache>
+            </c:strRef>
+          </c:cat>
+          <c:val>
+            <c:numRef>
+              <c:f>Hoja1!$C$145:$C$148</c:f>
+              <c:numCache>
+                <c:formatCode>General</c:formatCode>
+                <c:ptCount val="4"/>
+                <c:pt idx="0">
+                  <c:v>0.48</c:v>
+                </c:pt>
+                <c:pt idx="1">
+                  <c:v>0.4</c:v>
+                </c:pt>
+                <c:pt idx="2">
+                  <c:v>0.42</c:v>
+                </c:pt>
+                <c:pt idx="3">
+                  <c:v>0.42</c:v>
+                </c:pt>
+              </c:numCache>
+            </c:numRef>
+          </c:val>
+        </c:ser>
+        <c:ser>
+          <c:idx val="1"/>
+          <c:order val="1"/>
+          <c:tx>
+            <c:strRef>
+              <c:f>Hoja1!$D$144</c:f>
+              <c:strCache>
+                <c:ptCount val="1"/>
+                <c:pt idx="0">
+                  <c:v>No óptimo</c:v>
+                </c:pt>
+              </c:strCache>
+            </c:strRef>
+          </c:tx>
+          <c:spPr>
+            <a:solidFill>
+              <a:srgbClr val="FF0000"/>
+            </a:solidFill>
+          </c:spPr>
+          <c:cat>
+            <c:strRef>
+              <c:f>Hoja1!$B$145:$B$148</c:f>
+              <c:strCache>
+                <c:ptCount val="4"/>
+                <c:pt idx="0">
+                  <c:v>WW3Last3Lectures</c:v>
+                </c:pt>
+                <c:pt idx="1">
+                  <c:v>WW3Simple</c:v>
+                </c:pt>
+                <c:pt idx="2">
+                  <c:v>TwoGridPoint</c:v>
+                </c:pt>
+                <c:pt idx="3">
+                  <c:v>WW3Last2Days</c:v>
+                </c:pt>
+              </c:strCache>
+            </c:strRef>
+          </c:cat>
+          <c:val>
+            <c:numRef>
+              <c:f>Hoja1!$D$145:$D$148</c:f>
+              <c:numCache>
+                <c:formatCode>General</c:formatCode>
+                <c:ptCount val="4"/>
+                <c:pt idx="0">
+                  <c:v>0.19</c:v>
+                </c:pt>
+                <c:pt idx="1">
+                  <c:v>0.23</c:v>
+                </c:pt>
+                <c:pt idx="2">
+                  <c:v>0.24</c:v>
+                </c:pt>
+                <c:pt idx="3">
+                  <c:v>0.26</c:v>
+                </c:pt>
+              </c:numCache>
+            </c:numRef>
+          </c:val>
+        </c:ser>
+        <c:shape val="box"/>
+        <c:axId val="43298176"/>
+        <c:axId val="62163584"/>
+        <c:axId val="0"/>
+      </c:bar3DChart>
+      <c:catAx>
+        <c:axId val="43298176"/>
+        <c:scaling>
+          <c:orientation val="minMax"/>
+        </c:scaling>
+        <c:axPos val="b"/>
+        <c:majorTickMark val="none"/>
+        <c:tickLblPos val="nextTo"/>
+        <c:txPr>
+          <a:bodyPr/>
+          <a:lstStyle/>
+          <a:p>
+            <a:pPr>
+              <a:defRPr sz="1000" b="1">
+                <a:latin typeface="+mj-lt"/>
+              </a:defRPr>
+            </a:pPr>
+            <a:endParaRPr lang="es-ES"/>
+          </a:p>
+        </c:txPr>
+        <c:crossAx val="62163584"/>
+        <c:crosses val="autoZero"/>
+        <c:auto val="1"/>
+        <c:lblAlgn val="ctr"/>
+        <c:lblOffset val="100"/>
+      </c:catAx>
+      <c:valAx>
+        <c:axId val="62163584"/>
+        <c:scaling>
+          <c:orientation val="minMax"/>
+        </c:scaling>
+        <c:axPos val="l"/>
+        <c:majorGridlines/>
+        <c:numFmt formatCode="General" sourceLinked="1"/>
+        <c:majorTickMark val="none"/>
+        <c:tickLblPos val="nextTo"/>
+        <c:crossAx val="43298176"/>
+        <c:crosses val="autoZero"/>
+        <c:crossBetween val="between"/>
+      </c:valAx>
+    </c:plotArea>
+    <c:legend>
+      <c:legendPos val="r"/>
+      <c:layout/>
+      <c:txPr>
+        <a:bodyPr/>
+        <a:lstStyle/>
+        <a:p>
+          <a:pPr>
+            <a:defRPr sz="1600" b="0">
+              <a:latin typeface="+mj-lt"/>
+            </a:defRPr>
+          </a:pPr>
+          <a:endParaRPr lang="es-ES"/>
+        </a:p>
+      </c:txPr>
+    </c:legend>
+    <c:plotVisOnly val="1"/>
+  </c:chart>
+  <c:externalData r:id="rId1"/>
+</c:chartSpace>
+</file>
+
+<file path=ppt/charts/chart6.xml><?xml version="1.0" encoding="utf-8"?>
+<c:chartSpace xmlns:c="http://schemas.openxmlformats.org/drawingml/2006/chart" xmlns:a="http://schemas.openxmlformats.org/drawingml/2006/main" xmlns:r="http://schemas.openxmlformats.org/officeDocument/2006/relationships">
+  <c:lang val="es-ES"/>
+  <c:chart>
+    <c:title>
+      <c:tx>
+        <c:rich>
+          <a:bodyPr/>
+          <a:lstStyle/>
+          <a:p>
+            <a:pPr>
+              <a:defRPr/>
+            </a:pPr>
+            <a:r>
+              <a:rPr lang="es-ES" sz="1800" b="1" i="0" baseline="0"/>
+              <a:t>Diamond Head - MAE(SVM) [mts.]</a:t>
+            </a:r>
+            <a:endParaRPr lang="es-ES"/>
+          </a:p>
+        </c:rich>
+      </c:tx>
+      <c:layout/>
+    </c:title>
+    <c:view3D>
+      <c:rAngAx val="1"/>
+    </c:view3D>
+    <c:plotArea>
+      <c:layout/>
+      <c:bar3DChart>
+        <c:barDir val="col"/>
+        <c:grouping val="clustered"/>
+        <c:ser>
+          <c:idx val="0"/>
+          <c:order val="0"/>
+          <c:tx>
+            <c:strRef>
+              <c:f>Hoja1!$E$144</c:f>
+              <c:strCache>
+                <c:ptCount val="1"/>
+                <c:pt idx="0">
+                  <c:v>Optimo</c:v>
+                </c:pt>
+              </c:strCache>
+            </c:strRef>
+          </c:tx>
+          <c:cat>
+            <c:strRef>
+              <c:f>Hoja1!$B$145:$B$148</c:f>
+              <c:strCache>
+                <c:ptCount val="4"/>
+                <c:pt idx="0">
+                  <c:v>WW3Last3Lectures</c:v>
+                </c:pt>
+                <c:pt idx="1">
+                  <c:v>WW3Simple</c:v>
+                </c:pt>
+                <c:pt idx="2">
+                  <c:v>TwoGridPoint</c:v>
+                </c:pt>
+                <c:pt idx="3">
+                  <c:v>WW3Last2Days</c:v>
+                </c:pt>
+              </c:strCache>
+            </c:strRef>
+          </c:cat>
+          <c:val>
+            <c:numRef>
+              <c:f>Hoja1!$E$145:$E$148</c:f>
+              <c:numCache>
+                <c:formatCode>General</c:formatCode>
+                <c:ptCount val="4"/>
+                <c:pt idx="0">
+                  <c:v>0.47</c:v>
+                </c:pt>
+                <c:pt idx="1">
+                  <c:v>0.49</c:v>
+                </c:pt>
+                <c:pt idx="2">
+                  <c:v>0.48</c:v>
+                </c:pt>
+                <c:pt idx="3">
+                  <c:v>0.48</c:v>
+                </c:pt>
+              </c:numCache>
+            </c:numRef>
+          </c:val>
+        </c:ser>
+        <c:ser>
+          <c:idx val="1"/>
+          <c:order val="1"/>
+          <c:tx>
+            <c:strRef>
+              <c:f>Hoja1!$F$144</c:f>
+              <c:strCache>
+                <c:ptCount val="1"/>
+                <c:pt idx="0">
+                  <c:v>No óptimo</c:v>
+                </c:pt>
+              </c:strCache>
+            </c:strRef>
+          </c:tx>
+          <c:spPr>
+            <a:solidFill>
+              <a:srgbClr val="FF0000"/>
+            </a:solidFill>
+          </c:spPr>
+          <c:cat>
+            <c:strRef>
+              <c:f>Hoja1!$B$145:$B$148</c:f>
+              <c:strCache>
+                <c:ptCount val="4"/>
+                <c:pt idx="0">
+                  <c:v>WW3Last3Lectures</c:v>
+                </c:pt>
+                <c:pt idx="1">
+                  <c:v>WW3Simple</c:v>
+                </c:pt>
+                <c:pt idx="2">
+                  <c:v>TwoGridPoint</c:v>
+                </c:pt>
+                <c:pt idx="3">
+                  <c:v>WW3Last2Days</c:v>
+                </c:pt>
+              </c:strCache>
+            </c:strRef>
+          </c:cat>
+          <c:val>
+            <c:numRef>
+              <c:f>Hoja1!$F$145:$F$148</c:f>
+              <c:numCache>
+                <c:formatCode>General</c:formatCode>
+                <c:ptCount val="4"/>
+                <c:pt idx="0">
+                  <c:v>0.54</c:v>
+                </c:pt>
+                <c:pt idx="1">
+                  <c:v>0.54</c:v>
+                </c:pt>
+                <c:pt idx="2">
+                  <c:v>0.54</c:v>
+                </c:pt>
+                <c:pt idx="3">
+                  <c:v>0.53</c:v>
+                </c:pt>
+              </c:numCache>
+            </c:numRef>
+          </c:val>
+        </c:ser>
+        <c:shape val="cylinder"/>
+        <c:axId val="82309888"/>
+        <c:axId val="82311424"/>
+        <c:axId val="0"/>
+      </c:bar3DChart>
+      <c:catAx>
+        <c:axId val="82309888"/>
+        <c:scaling>
+          <c:orientation val="minMax"/>
+        </c:scaling>
+        <c:axPos val="b"/>
+        <c:majorTickMark val="none"/>
+        <c:tickLblPos val="nextTo"/>
+        <c:crossAx val="82311424"/>
+        <c:crosses val="autoZero"/>
+        <c:auto val="1"/>
+        <c:lblAlgn val="ctr"/>
+        <c:lblOffset val="100"/>
+      </c:catAx>
+      <c:valAx>
+        <c:axId val="82311424"/>
+        <c:scaling>
+          <c:orientation val="minMax"/>
+        </c:scaling>
+        <c:axPos val="l"/>
+        <c:majorGridlines/>
+        <c:numFmt formatCode="General" sourceLinked="1"/>
+        <c:majorTickMark val="none"/>
+        <c:tickLblPos val="nextTo"/>
+        <c:crossAx val="82309888"/>
+        <c:crosses val="autoZero"/>
+        <c:crossBetween val="between"/>
+      </c:valAx>
+    </c:plotArea>
+    <c:legend>
+      <c:legendPos val="r"/>
+      <c:layout/>
+    </c:legend>
+    <c:plotVisOnly val="1"/>
+  </c:chart>
+  <c:externalData r:id="rId1"/>
+</c:chartSpace>
+</file>
+
+<file path=ppt/charts/chart7.xml><?xml version="1.0" encoding="utf-8"?>
+<c:chartSpace xmlns:c="http://schemas.openxmlformats.org/drawingml/2006/chart" xmlns:a="http://schemas.openxmlformats.org/drawingml/2006/main" xmlns:r="http://schemas.openxmlformats.org/officeDocument/2006/relationships">
   <c:date1904 val="1"/>
   <c:lang val="es-ES"/>
   <c:chart>
@@ -1960,7 +4154,7 @@
           <c:x val="5.0128971669717602E-2"/>
           <c:y val="0.16285573489051136"/>
           <c:w val="0.91229087688864363"/>
-          <c:h val="0.4284466752376262"/>
+          <c:h val="0.42844667523762636"/>
         </c:manualLayout>
       </c:layout>
       <c:scatterChart>
@@ -2181,7 +4375,7 @@
                   <c:v>0</c:v>
                 </c:pt>
                 <c:pt idx="1">
-                  <c:v>1.218999999999987</c:v>
+                  <c:v>1.2189999999999868</c:v>
                 </c:pt>
                 <c:pt idx="2">
                   <c:v>2.4379999999999997</c:v>
@@ -2193,19 +4387,19 @@
                   <c:v>1.829</c:v>
                 </c:pt>
                 <c:pt idx="5">
-                  <c:v>1.218999999999987</c:v>
+                  <c:v>1.2189999999999868</c:v>
                 </c:pt>
                 <c:pt idx="6">
-                  <c:v>1.218999999999987</c:v>
+                  <c:v>1.2189999999999868</c:v>
                 </c:pt>
                 <c:pt idx="7">
-                  <c:v>1.218999999999987</c:v>
+                  <c:v>1.2189999999999868</c:v>
                 </c:pt>
                 <c:pt idx="8">
                   <c:v>2.4379999999999997</c:v>
                 </c:pt>
                 <c:pt idx="9">
-                  <c:v>1.218999999999987</c:v>
+                  <c:v>1.2189999999999868</c:v>
                 </c:pt>
                 <c:pt idx="10">
                   <c:v>0.61000000000000065</c:v>
@@ -2214,22 +4408,22 @@
                   <c:v>3.048</c:v>
                 </c:pt>
                 <c:pt idx="12">
-                  <c:v>1.218999999999987</c:v>
+                  <c:v>1.2189999999999868</c:v>
                 </c:pt>
                 <c:pt idx="13">
                   <c:v>0.61000000000000065</c:v>
                 </c:pt>
                 <c:pt idx="14">
-                  <c:v>1.218999999999987</c:v>
+                  <c:v>1.2189999999999868</c:v>
                 </c:pt>
                 <c:pt idx="15">
                   <c:v>2.4379999999999997</c:v>
                 </c:pt>
                 <c:pt idx="16">
-                  <c:v>1.218999999999987</c:v>
+                  <c:v>1.2189999999999868</c:v>
                 </c:pt>
                 <c:pt idx="17">
-                  <c:v>1.218999999999987</c:v>
+                  <c:v>1.2189999999999868</c:v>
                 </c:pt>
                 <c:pt idx="18">
                   <c:v>0.61000000000000065</c:v>
@@ -2247,7 +4441,7 @@
                   <c:v>3.048</c:v>
                 </c:pt>
                 <c:pt idx="23">
-                  <c:v>1.218999999999987</c:v>
+                  <c:v>1.2189999999999868</c:v>
                 </c:pt>
                 <c:pt idx="24">
                   <c:v>1.829</c:v>
@@ -2271,34 +4465,34 @@
                   <c:v>0.61000000000000065</c:v>
                 </c:pt>
                 <c:pt idx="31">
-                  <c:v>1.218999999999987</c:v>
+                  <c:v>1.2189999999999868</c:v>
                 </c:pt>
                 <c:pt idx="32">
-                  <c:v>1.218999999999987</c:v>
+                  <c:v>1.2189999999999868</c:v>
                 </c:pt>
                 <c:pt idx="33">
-                  <c:v>1.218999999999987</c:v>
+                  <c:v>1.2189999999999868</c:v>
                 </c:pt>
                 <c:pt idx="34">
-                  <c:v>1.218999999999987</c:v>
+                  <c:v>1.2189999999999868</c:v>
                 </c:pt>
                 <c:pt idx="35">
-                  <c:v>1.218999999999987</c:v>
+                  <c:v>1.2189999999999868</c:v>
                 </c:pt>
                 <c:pt idx="36">
                   <c:v>3.048</c:v>
                 </c:pt>
                 <c:pt idx="37">
-                  <c:v>1.218999999999987</c:v>
+                  <c:v>1.2189999999999868</c:v>
                 </c:pt>
                 <c:pt idx="38">
                   <c:v>0.61000000000000065</c:v>
                 </c:pt>
                 <c:pt idx="39">
-                  <c:v>1.218999999999987</c:v>
+                  <c:v>1.2189999999999868</c:v>
                 </c:pt>
                 <c:pt idx="40">
-                  <c:v>1.218999999999987</c:v>
+                  <c:v>1.2189999999999868</c:v>
                 </c:pt>
                 <c:pt idx="41">
                   <c:v>2.4379999999999997</c:v>
@@ -2313,7 +4507,7 @@
                   <c:v>0.61000000000000065</c:v>
                 </c:pt>
                 <c:pt idx="45">
-                  <c:v>1.218999999999987</c:v>
+                  <c:v>1.2189999999999868</c:v>
                 </c:pt>
                 <c:pt idx="46">
                   <c:v>4.8769999999999998</c:v>
@@ -2322,34 +4516,34 @@
                   <c:v>0.61000000000000065</c:v>
                 </c:pt>
                 <c:pt idx="48">
-                  <c:v>1.218999999999987</c:v>
+                  <c:v>1.2189999999999868</c:v>
                 </c:pt>
                 <c:pt idx="49">
                   <c:v>7.3149999999999755</c:v>
                 </c:pt>
                 <c:pt idx="50">
-                  <c:v>1.218999999999987</c:v>
+                  <c:v>1.2189999999999868</c:v>
                 </c:pt>
                 <c:pt idx="51">
-                  <c:v>1.218999999999987</c:v>
+                  <c:v>1.2189999999999868</c:v>
                 </c:pt>
                 <c:pt idx="52">
                   <c:v>0.61000000000000065</c:v>
                 </c:pt>
                 <c:pt idx="53">
-                  <c:v>1.218999999999987</c:v>
+                  <c:v>1.2189999999999868</c:v>
                 </c:pt>
                 <c:pt idx="54">
-                  <c:v>1.218999999999987</c:v>
+                  <c:v>1.2189999999999868</c:v>
                 </c:pt>
                 <c:pt idx="55">
-                  <c:v>1.218999999999987</c:v>
+                  <c:v>1.2189999999999868</c:v>
                 </c:pt>
                 <c:pt idx="56">
                   <c:v>2.4379999999999997</c:v>
                 </c:pt>
                 <c:pt idx="57">
-                  <c:v>1.218999999999987</c:v>
+                  <c:v>1.2189999999999868</c:v>
                 </c:pt>
                 <c:pt idx="58">
                   <c:v>4.8769999999999998</c:v>
@@ -2361,7 +4555,7 @@
                   <c:v>2.4379999999999997</c:v>
                 </c:pt>
                 <c:pt idx="61">
-                  <c:v>1.218999999999987</c:v>
+                  <c:v>1.2189999999999868</c:v>
                 </c:pt>
                 <c:pt idx="62">
                   <c:v>0.61000000000000065</c:v>
@@ -2621,13 +4815,13 @@
                   <c:v>1.87</c:v>
                 </c:pt>
                 <c:pt idx="8">
-                  <c:v>1.9500000000000104</c:v>
+                  <c:v>1.9500000000000106</c:v>
                 </c:pt>
                 <c:pt idx="9">
                   <c:v>2.4899999999999998</c:v>
                 </c:pt>
                 <c:pt idx="10">
-                  <c:v>1.6800000000000104</c:v>
+                  <c:v>1.6800000000000106</c:v>
                 </c:pt>
                 <c:pt idx="11">
                   <c:v>2.98</c:v>
@@ -2645,7 +4839,7 @@
                   <c:v>3.3099999999999987</c:v>
                 </c:pt>
                 <c:pt idx="16">
-                  <c:v>1.9500000000000104</c:v>
+                  <c:v>1.9500000000000106</c:v>
                 </c:pt>
                 <c:pt idx="17">
                   <c:v>1.4</c:v>
@@ -2675,7 +4869,7 @@
                   <c:v>1.45</c:v>
                 </c:pt>
                 <c:pt idx="26">
-                  <c:v>1.9900000000000115</c:v>
+                  <c:v>1.9900000000000118</c:v>
                 </c:pt>
                 <c:pt idx="27">
                   <c:v>3</c:v>
@@ -2717,7 +4911,7 @@
                   <c:v>2.04</c:v>
                 </c:pt>
                 <c:pt idx="40">
-                  <c:v>1.9600000000000104</c:v>
+                  <c:v>1.9600000000000106</c:v>
                 </c:pt>
                 <c:pt idx="41">
                   <c:v>3.09</c:v>
@@ -2792,11 +4986,11 @@
             </c:numRef>
           </c:yVal>
         </c:ser>
-        <c:axId val="55785728"/>
-        <c:axId val="55808384"/>
+        <c:axId val="59726080"/>
+        <c:axId val="59748736"/>
       </c:scatterChart>
       <c:valAx>
-        <c:axId val="55785728"/>
+        <c:axId val="59726080"/>
         <c:scaling>
           <c:orientation val="minMax"/>
         </c:scaling>
@@ -2834,13 +5028,13 @@
             <a:endParaRPr lang="es-ES"/>
           </a:p>
         </c:txPr>
-        <c:crossAx val="55808384"/>
+        <c:crossAx val="59748736"/>
         <c:crosses val="autoZero"/>
         <c:crossBetween val="midCat"/>
         <c:majorUnit val="5"/>
       </c:valAx>
       <c:valAx>
-        <c:axId val="55808384"/>
+        <c:axId val="59748736"/>
         <c:scaling>
           <c:orientation val="minMax"/>
         </c:scaling>
@@ -2892,7 +5086,7 @@
             <a:endParaRPr lang="es-ES"/>
           </a:p>
         </c:txPr>
-        <c:crossAx val="55785728"/>
+        <c:crossAx val="59726080"/>
         <c:crosses val="autoZero"/>
         <c:crossBetween val="midCat"/>
       </c:valAx>
@@ -2905,7 +5099,7 @@
           <c:yMode val="edge"/>
           <c:x val="0.74133589770230268"/>
           <c:y val="0.71233526043915962"/>
-          <c:w val="0.24201434347572631"/>
+          <c:w val="0.24201434347572637"/>
           <c:h val="0.16317756172635517"/>
         </c:manualLayout>
       </c:layout>
@@ -2926,7 +5120,7 @@
 </c:chartSpace>
 </file>
 
-<file path=ppt/charts/chart4.xml><?xml version="1.0" encoding="utf-8"?>
+<file path=ppt/charts/chart8.xml><?xml version="1.0" encoding="utf-8"?>
 <c:chartSpace xmlns:c="http://schemas.openxmlformats.org/drawingml/2006/chart" xmlns:a="http://schemas.openxmlformats.org/drawingml/2006/main" xmlns:r="http://schemas.openxmlformats.org/officeDocument/2006/relationships">
   <c:date1904 val="1"/>
   <c:lang val="es-ES"/>
@@ -2960,7 +5154,7 @@
           <c:x val="5.0128971669717602E-2"/>
           <c:y val="0.16285573489051136"/>
           <c:w val="0.91229087688864363"/>
-          <c:h val="0.42844667523762597"/>
+          <c:h val="0.42844667523762608"/>
         </c:manualLayout>
       </c:layout>
       <c:scatterChart>
@@ -3181,7 +5375,7 @@
                   <c:v>0</c:v>
                 </c:pt>
                 <c:pt idx="1">
-                  <c:v>1.218999999999987</c:v>
+                  <c:v>1.2189999999999868</c:v>
                 </c:pt>
                 <c:pt idx="2">
                   <c:v>2.4379999999999997</c:v>
@@ -3193,19 +5387,19 @@
                   <c:v>1.829</c:v>
                 </c:pt>
                 <c:pt idx="5">
-                  <c:v>1.218999999999987</c:v>
+                  <c:v>1.2189999999999868</c:v>
                 </c:pt>
                 <c:pt idx="6">
-                  <c:v>1.218999999999987</c:v>
+                  <c:v>1.2189999999999868</c:v>
                 </c:pt>
                 <c:pt idx="7">
-                  <c:v>1.218999999999987</c:v>
+                  <c:v>1.2189999999999868</c:v>
                 </c:pt>
                 <c:pt idx="8">
                   <c:v>2.4379999999999997</c:v>
                 </c:pt>
                 <c:pt idx="9">
-                  <c:v>1.218999999999987</c:v>
+                  <c:v>1.2189999999999868</c:v>
                 </c:pt>
                 <c:pt idx="10">
                   <c:v>0.61000000000000065</c:v>
@@ -3214,22 +5408,22 @@
                   <c:v>3.048</c:v>
                 </c:pt>
                 <c:pt idx="12">
-                  <c:v>1.218999999999987</c:v>
+                  <c:v>1.2189999999999868</c:v>
                 </c:pt>
                 <c:pt idx="13">
                   <c:v>0.61000000000000065</c:v>
                 </c:pt>
                 <c:pt idx="14">
-                  <c:v>1.218999999999987</c:v>
+                  <c:v>1.2189999999999868</c:v>
                 </c:pt>
                 <c:pt idx="15">
                   <c:v>2.4379999999999997</c:v>
                 </c:pt>
                 <c:pt idx="16">
-                  <c:v>1.218999999999987</c:v>
+                  <c:v>1.2189999999999868</c:v>
                 </c:pt>
                 <c:pt idx="17">
-                  <c:v>1.218999999999987</c:v>
+                  <c:v>1.2189999999999868</c:v>
                 </c:pt>
                 <c:pt idx="18">
                   <c:v>0.61000000000000065</c:v>
@@ -3247,7 +5441,7 @@
                   <c:v>3.048</c:v>
                 </c:pt>
                 <c:pt idx="23">
-                  <c:v>1.218999999999987</c:v>
+                  <c:v>1.2189999999999868</c:v>
                 </c:pt>
                 <c:pt idx="24">
                   <c:v>1.829</c:v>
@@ -3271,34 +5465,34 @@
                   <c:v>0.61000000000000065</c:v>
                 </c:pt>
                 <c:pt idx="31">
-                  <c:v>1.218999999999987</c:v>
+                  <c:v>1.2189999999999868</c:v>
                 </c:pt>
                 <c:pt idx="32">
-                  <c:v>1.218999999999987</c:v>
+                  <c:v>1.2189999999999868</c:v>
                 </c:pt>
                 <c:pt idx="33">
-                  <c:v>1.218999999999987</c:v>
+                  <c:v>1.2189999999999868</c:v>
                 </c:pt>
                 <c:pt idx="34">
-                  <c:v>1.218999999999987</c:v>
+                  <c:v>1.2189999999999868</c:v>
                 </c:pt>
                 <c:pt idx="35">
-                  <c:v>1.218999999999987</c:v>
+                  <c:v>1.2189999999999868</c:v>
                 </c:pt>
                 <c:pt idx="36">
                   <c:v>3.048</c:v>
                 </c:pt>
                 <c:pt idx="37">
-                  <c:v>1.218999999999987</c:v>
+                  <c:v>1.2189999999999868</c:v>
                 </c:pt>
                 <c:pt idx="38">
                   <c:v>0.61000000000000065</c:v>
                 </c:pt>
                 <c:pt idx="39">
-                  <c:v>1.218999999999987</c:v>
+                  <c:v>1.2189999999999868</c:v>
                 </c:pt>
                 <c:pt idx="40">
-                  <c:v>1.218999999999987</c:v>
+                  <c:v>1.2189999999999868</c:v>
                 </c:pt>
                 <c:pt idx="41">
                   <c:v>2.4379999999999997</c:v>
@@ -3313,7 +5507,7 @@
                   <c:v>0.61000000000000065</c:v>
                 </c:pt>
                 <c:pt idx="45">
-                  <c:v>1.218999999999987</c:v>
+                  <c:v>1.2189999999999868</c:v>
                 </c:pt>
                 <c:pt idx="46">
                   <c:v>4.8769999999999998</c:v>
@@ -3322,34 +5516,34 @@
                   <c:v>0.61000000000000065</c:v>
                 </c:pt>
                 <c:pt idx="48">
-                  <c:v>1.218999999999987</c:v>
+                  <c:v>1.2189999999999868</c:v>
                 </c:pt>
                 <c:pt idx="49">
                   <c:v>7.3149999999999755</c:v>
                 </c:pt>
                 <c:pt idx="50">
-                  <c:v>1.218999999999987</c:v>
+                  <c:v>1.2189999999999868</c:v>
                 </c:pt>
                 <c:pt idx="51">
-                  <c:v>1.218999999999987</c:v>
+                  <c:v>1.2189999999999868</c:v>
                 </c:pt>
                 <c:pt idx="52">
                   <c:v>0.61000000000000065</c:v>
                 </c:pt>
                 <c:pt idx="53">
-                  <c:v>1.218999999999987</c:v>
+                  <c:v>1.2189999999999868</c:v>
                 </c:pt>
                 <c:pt idx="54">
-                  <c:v>1.218999999999987</c:v>
+                  <c:v>1.2189999999999868</c:v>
                 </c:pt>
                 <c:pt idx="55">
-                  <c:v>1.218999999999987</c:v>
+                  <c:v>1.2189999999999868</c:v>
                 </c:pt>
                 <c:pt idx="56">
                   <c:v>2.4379999999999997</c:v>
                 </c:pt>
                 <c:pt idx="57">
-                  <c:v>1.218999999999987</c:v>
+                  <c:v>1.2189999999999868</c:v>
                 </c:pt>
                 <c:pt idx="58">
                   <c:v>4.8769999999999998</c:v>
@@ -3361,7 +5555,7 @@
                   <c:v>2.4379999999999997</c:v>
                 </c:pt>
                 <c:pt idx="61">
-                  <c:v>1.218999999999987</c:v>
+                  <c:v>1.2189999999999868</c:v>
                 </c:pt>
                 <c:pt idx="62">
                   <c:v>0.61000000000000065</c:v>
@@ -3639,7 +5833,7 @@
                   <c:v>0.96900000000000064</c:v>
                 </c:pt>
                 <c:pt idx="14">
-                  <c:v>1.2769999999999884</c:v>
+                  <c:v>1.2769999999999881</c:v>
                 </c:pt>
                 <c:pt idx="15">
                   <c:v>3.0789999999999997</c:v>
@@ -3651,13 +5845,13 @@
                   <c:v>1.1990000000000001</c:v>
                 </c:pt>
                 <c:pt idx="18">
-                  <c:v>1.0249999999999884</c:v>
+                  <c:v>1.0249999999999881</c:v>
                 </c:pt>
                 <c:pt idx="19">
-                  <c:v>1.0409999999999893</c:v>
+                  <c:v>1.040999999999989</c:v>
                 </c:pt>
                 <c:pt idx="20">
-                  <c:v>1.9940000000000115</c:v>
+                  <c:v>1.9940000000000118</c:v>
                 </c:pt>
                 <c:pt idx="21">
                   <c:v>2.6759999999999997</c:v>
@@ -3690,7 +5884,7 @@
                   <c:v>1.127</c:v>
                 </c:pt>
                 <c:pt idx="31">
-                  <c:v>1.1619999999999888</c:v>
+                  <c:v>1.1619999999999886</c:v>
                 </c:pt>
                 <c:pt idx="32">
                   <c:v>1.175</c:v>
@@ -3705,7 +5899,7 @@
                   <c:v>2.0880000000000001</c:v>
                 </c:pt>
                 <c:pt idx="36">
-                  <c:v>1.9540000000000104</c:v>
+                  <c:v>1.9540000000000106</c:v>
                 </c:pt>
                 <c:pt idx="37">
                   <c:v>1.073</c:v>
@@ -3714,7 +5908,7 @@
                   <c:v>0.93200000000000005</c:v>
                 </c:pt>
                 <c:pt idx="39">
-                  <c:v>1.220999999999987</c:v>
+                  <c:v>1.2209999999999868</c:v>
                 </c:pt>
                 <c:pt idx="40">
                   <c:v>1.081</c:v>
@@ -3729,7 +5923,7 @@
                   <c:v>1.538</c:v>
                 </c:pt>
                 <c:pt idx="44">
-                  <c:v>1.0569999999999895</c:v>
+                  <c:v>1.0569999999999893</c:v>
                 </c:pt>
                 <c:pt idx="45">
                   <c:v>1.028</c:v>
@@ -3747,10 +5941,10 @@
                   <c:v>6.8039999999999985</c:v>
                 </c:pt>
                 <c:pt idx="50">
-                  <c:v>1.0489999999999895</c:v>
+                  <c:v>1.0489999999999893</c:v>
                 </c:pt>
                 <c:pt idx="51">
-                  <c:v>1.448999999999987</c:v>
+                  <c:v>1.4489999999999867</c:v>
                 </c:pt>
                 <c:pt idx="52">
                   <c:v>0.91600000000000004</c:v>
@@ -3780,7 +5974,7 @@
                   <c:v>1.599</c:v>
                 </c:pt>
                 <c:pt idx="61">
-                  <c:v>1.5629999999999895</c:v>
+                  <c:v>1.5629999999999893</c:v>
                 </c:pt>
                 <c:pt idx="62">
                   <c:v>0.99199999999999999</c:v>
@@ -3792,11 +5986,11 @@
             </c:numRef>
           </c:yVal>
         </c:ser>
-        <c:axId val="55829632"/>
-        <c:axId val="55831552"/>
+        <c:axId val="58983552"/>
+        <c:axId val="58985472"/>
       </c:scatterChart>
       <c:valAx>
-        <c:axId val="55829632"/>
+        <c:axId val="58983552"/>
         <c:scaling>
           <c:orientation val="minMax"/>
         </c:scaling>
@@ -3834,13 +6028,13 @@
             <a:endParaRPr lang="es-ES"/>
           </a:p>
         </c:txPr>
-        <c:crossAx val="55831552"/>
+        <c:crossAx val="58985472"/>
         <c:crosses val="autoZero"/>
         <c:crossBetween val="midCat"/>
         <c:majorUnit val="5"/>
       </c:valAx>
       <c:valAx>
-        <c:axId val="55831552"/>
+        <c:axId val="58985472"/>
         <c:scaling>
           <c:orientation val="minMax"/>
         </c:scaling>
@@ -3886,7 +6080,7 @@
             <a:endParaRPr lang="es-ES"/>
           </a:p>
         </c:txPr>
-        <c:crossAx val="55829632"/>
+        <c:crossAx val="58983552"/>
         <c:crosses val="autoZero"/>
         <c:crossBetween val="midCat"/>
       </c:valAx>
@@ -3899,7 +6093,7 @@
           <c:yMode val="edge"/>
           <c:x val="0.74133589770230268"/>
           <c:y val="0.71233526043915962"/>
-          <c:w val="0.2420143434757262"/>
+          <c:w val="0.24201434347572626"/>
           <c:h val="0.16317756172635517"/>
         </c:manualLayout>
       </c:layout>
@@ -3920,7 +6114,7 @@
 </c:chartSpace>
 </file>
 
-<file path=ppt/charts/chart5.xml><?xml version="1.0" encoding="utf-8"?>
+<file path=ppt/charts/chart9.xml><?xml version="1.0" encoding="utf-8"?>
 <c:chartSpace xmlns:c="http://schemas.openxmlformats.org/drawingml/2006/chart" xmlns:a="http://schemas.openxmlformats.org/drawingml/2006/main" xmlns:r="http://schemas.openxmlformats.org/officeDocument/2006/relationships">
   <c:date1904 val="1"/>
   <c:lang val="es-ES"/>
@@ -3935,7 +6129,7 @@
           <c:x val="0.10048349150099888"/>
           <c:y val="4.1238940589567646E-2"/>
           <c:w val="0.87042860499284569"/>
-          <c:h val="0.75935138208448882"/>
+          <c:h val="0.75935138208448894"/>
         </c:manualLayout>
       </c:layout>
       <c:scatterChart>
@@ -3979,13 +6173,13 @@
                   <c:v>1.87</c:v>
                 </c:pt>
                 <c:pt idx="7">
-                  <c:v>1.9500000000000104</c:v>
+                  <c:v>1.9500000000000106</c:v>
                 </c:pt>
                 <c:pt idx="8">
                   <c:v>2.4899999999999998</c:v>
                 </c:pt>
                 <c:pt idx="9">
-                  <c:v>1.6800000000000104</c:v>
+                  <c:v>1.6800000000000106</c:v>
                 </c:pt>
                 <c:pt idx="10">
                   <c:v>2.98</c:v>
@@ -4003,7 +6197,7 @@
                   <c:v>3.3099999999999987</c:v>
                 </c:pt>
                 <c:pt idx="15">
-                  <c:v>1.9500000000000104</c:v>
+                  <c:v>1.9500000000000106</c:v>
                 </c:pt>
                 <c:pt idx="16">
                   <c:v>1.4</c:v>
@@ -4033,7 +6227,7 @@
                   <c:v>1.45</c:v>
                 </c:pt>
                 <c:pt idx="25">
-                  <c:v>1.9900000000000115</c:v>
+                  <c:v>1.9900000000000118</c:v>
                 </c:pt>
                 <c:pt idx="26">
                   <c:v>3</c:v>
@@ -4075,7 +6269,7 @@
                   <c:v>2.04</c:v>
                 </c:pt>
                 <c:pt idx="39">
-                  <c:v>1.9600000000000104</c:v>
+                  <c:v>1.9600000000000106</c:v>
                 </c:pt>
                 <c:pt idx="40">
                   <c:v>3.09</c:v>
@@ -4159,7 +6353,7 @@
                 <c:formatCode>General</c:formatCode>
                 <c:ptCount val="64"/>
                 <c:pt idx="0">
-                  <c:v>1.218999999999987</c:v>
+                  <c:v>1.2189999999999868</c:v>
                 </c:pt>
                 <c:pt idx="1">
                   <c:v>2.4379999999999997</c:v>
@@ -4171,19 +6365,19 @@
                   <c:v>1.829</c:v>
                 </c:pt>
                 <c:pt idx="4">
-                  <c:v>1.218999999999987</c:v>
+                  <c:v>1.2189999999999868</c:v>
                 </c:pt>
                 <c:pt idx="5">
-                  <c:v>1.218999999999987</c:v>
+                  <c:v>1.2189999999999868</c:v>
                 </c:pt>
                 <c:pt idx="6">
-                  <c:v>1.218999999999987</c:v>
+                  <c:v>1.2189999999999868</c:v>
                 </c:pt>
                 <c:pt idx="7">
                   <c:v>2.4379999999999997</c:v>
                 </c:pt>
                 <c:pt idx="8">
-                  <c:v>1.218999999999987</c:v>
+                  <c:v>1.2189999999999868</c:v>
                 </c:pt>
                 <c:pt idx="9">
                   <c:v>0.61000000000000065</c:v>
@@ -4192,22 +6386,22 @@
                   <c:v>3.048</c:v>
                 </c:pt>
                 <c:pt idx="11">
-                  <c:v>1.218999999999987</c:v>
+                  <c:v>1.2189999999999868</c:v>
                 </c:pt>
                 <c:pt idx="12">
                   <c:v>0.61000000000000065</c:v>
                 </c:pt>
                 <c:pt idx="13">
-                  <c:v>1.218999999999987</c:v>
+                  <c:v>1.2189999999999868</c:v>
                 </c:pt>
                 <c:pt idx="14">
                   <c:v>2.4379999999999997</c:v>
                 </c:pt>
                 <c:pt idx="15">
-                  <c:v>1.218999999999987</c:v>
+                  <c:v>1.2189999999999868</c:v>
                 </c:pt>
                 <c:pt idx="16">
-                  <c:v>1.218999999999987</c:v>
+                  <c:v>1.2189999999999868</c:v>
                 </c:pt>
                 <c:pt idx="17">
                   <c:v>0.61000000000000065</c:v>
@@ -4225,7 +6419,7 @@
                   <c:v>3.048</c:v>
                 </c:pt>
                 <c:pt idx="22">
-                  <c:v>1.218999999999987</c:v>
+                  <c:v>1.2189999999999868</c:v>
                 </c:pt>
                 <c:pt idx="23">
                   <c:v>1.829</c:v>
@@ -4249,34 +6443,34 @@
                   <c:v>0.61000000000000065</c:v>
                 </c:pt>
                 <c:pt idx="30">
-                  <c:v>1.218999999999987</c:v>
+                  <c:v>1.2189999999999868</c:v>
                 </c:pt>
                 <c:pt idx="31">
-                  <c:v>1.218999999999987</c:v>
+                  <c:v>1.2189999999999868</c:v>
                 </c:pt>
                 <c:pt idx="32">
-                  <c:v>1.218999999999987</c:v>
+                  <c:v>1.2189999999999868</c:v>
                 </c:pt>
                 <c:pt idx="33">
-                  <c:v>1.218999999999987</c:v>
+                  <c:v>1.2189999999999868</c:v>
                 </c:pt>
                 <c:pt idx="34">
-                  <c:v>1.218999999999987</c:v>
+                  <c:v>1.2189999999999868</c:v>
                 </c:pt>
                 <c:pt idx="35">
                   <c:v>3.048</c:v>
                 </c:pt>
                 <c:pt idx="36">
-                  <c:v>1.218999999999987</c:v>
+                  <c:v>1.2189999999999868</c:v>
                 </c:pt>
                 <c:pt idx="37">
                   <c:v>0.61000000000000065</c:v>
                 </c:pt>
                 <c:pt idx="38">
-                  <c:v>1.218999999999987</c:v>
+                  <c:v>1.2189999999999868</c:v>
                 </c:pt>
                 <c:pt idx="39">
-                  <c:v>1.218999999999987</c:v>
+                  <c:v>1.2189999999999868</c:v>
                 </c:pt>
                 <c:pt idx="40">
                   <c:v>2.4379999999999997</c:v>
@@ -4291,7 +6485,7 @@
                   <c:v>0.61000000000000065</c:v>
                 </c:pt>
                 <c:pt idx="44">
-                  <c:v>1.218999999999987</c:v>
+                  <c:v>1.2189999999999868</c:v>
                 </c:pt>
                 <c:pt idx="45">
                   <c:v>4.8769999999999998</c:v>
@@ -4300,34 +6494,34 @@
                   <c:v>0.61000000000000065</c:v>
                 </c:pt>
                 <c:pt idx="47">
-                  <c:v>1.218999999999987</c:v>
+                  <c:v>1.2189999999999868</c:v>
                 </c:pt>
                 <c:pt idx="48">
                   <c:v>7.3149999999999755</c:v>
                 </c:pt>
                 <c:pt idx="49">
-                  <c:v>1.218999999999987</c:v>
+                  <c:v>1.2189999999999868</c:v>
                 </c:pt>
                 <c:pt idx="50">
-                  <c:v>1.218999999999987</c:v>
+                  <c:v>1.2189999999999868</c:v>
                 </c:pt>
                 <c:pt idx="51">
                   <c:v>0.61000000000000065</c:v>
                 </c:pt>
                 <c:pt idx="52">
-                  <c:v>1.218999999999987</c:v>
+                  <c:v>1.2189999999999868</c:v>
                 </c:pt>
                 <c:pt idx="53">
-                  <c:v>1.218999999999987</c:v>
+                  <c:v>1.2189999999999868</c:v>
                 </c:pt>
                 <c:pt idx="54">
-                  <c:v>1.218999999999987</c:v>
+                  <c:v>1.2189999999999868</c:v>
                 </c:pt>
                 <c:pt idx="55">
                   <c:v>2.4379999999999997</c:v>
                 </c:pt>
                 <c:pt idx="56">
-                  <c:v>1.218999999999987</c:v>
+                  <c:v>1.2189999999999868</c:v>
                 </c:pt>
                 <c:pt idx="57">
                   <c:v>4.8769999999999998</c:v>
@@ -4339,7 +6533,7 @@
                   <c:v>2.4379999999999997</c:v>
                 </c:pt>
                 <c:pt idx="60">
-                  <c:v>1.218999999999987</c:v>
+                  <c:v>1.2189999999999868</c:v>
                 </c:pt>
                 <c:pt idx="61">
                   <c:v>0.61000000000000065</c:v>
@@ -4348,7 +6542,7 @@
                   <c:v>3.048</c:v>
                 </c:pt>
                 <c:pt idx="63">
-                  <c:v>1.218999999999987</c:v>
+                  <c:v>1.2189999999999868</c:v>
                 </c:pt>
               </c:numCache>
             </c:numRef>
@@ -4455,11 +6649,11 @@
             </c:numRef>
           </c:yVal>
         </c:ser>
-        <c:axId val="62034688"/>
-        <c:axId val="62036608"/>
+        <c:axId val="59023744"/>
+        <c:axId val="59025664"/>
       </c:scatterChart>
       <c:valAx>
-        <c:axId val="62034688"/>
+        <c:axId val="59023744"/>
         <c:scaling>
           <c:orientation val="minMax"/>
           <c:max val="8"/>
@@ -4513,13 +6707,13 @@
             <a:endParaRPr lang="es-ES"/>
           </a:p>
         </c:txPr>
-        <c:crossAx val="62036608"/>
+        <c:crossAx val="59025664"/>
         <c:crosses val="autoZero"/>
         <c:crossBetween val="midCat"/>
         <c:majorUnit val="2"/>
       </c:valAx>
       <c:valAx>
-        <c:axId val="62036608"/>
+        <c:axId val="59025664"/>
         <c:scaling>
           <c:orientation val="minMax"/>
         </c:scaling>
@@ -4570,1120 +6764,11 @@
             <a:endParaRPr lang="es-ES"/>
           </a:p>
         </c:txPr>
-        <c:crossAx val="62034688"/>
+        <c:crossAx val="59023744"/>
         <c:crosses val="autoZero"/>
         <c:crossBetween val="midCat"/>
       </c:valAx>
     </c:plotArea>
-    <c:plotVisOnly val="1"/>
-  </c:chart>
-  <c:externalData r:id="rId1"/>
-</c:chartSpace>
-</file>
-
-<file path=ppt/charts/chart6.xml><?xml version="1.0" encoding="utf-8"?>
-<c:chartSpace xmlns:c="http://schemas.openxmlformats.org/drawingml/2006/chart" xmlns:a="http://schemas.openxmlformats.org/drawingml/2006/main" xmlns:r="http://schemas.openxmlformats.org/officeDocument/2006/relationships">
-  <c:date1904 val="1"/>
-  <c:lang val="es-ES"/>
-  <c:chart>
-    <c:autoTitleDeleted val="1"/>
-    <c:plotArea>
-      <c:layout>
-        <c:manualLayout>
-          <c:layoutTarget val="inner"/>
-          <c:xMode val="edge"/>
-          <c:yMode val="edge"/>
-          <c:x val="0.10048349150099888"/>
-          <c:y val="4.1238940589567646E-2"/>
-          <c:w val="0.87042860499284569"/>
-          <c:h val="0.7593513820844886"/>
-        </c:manualLayout>
-      </c:layout>
-      <c:scatterChart>
-        <c:scatterStyle val="lineMarker"/>
-        <c:ser>
-          <c:idx val="0"/>
-          <c:order val="0"/>
-          <c:tx>
-            <c:v>Observacion Visual</c:v>
-          </c:tx>
-          <c:spPr>
-            <a:ln w="28575">
-              <a:noFill/>
-            </a:ln>
-          </c:spPr>
-          <c:xVal>
-            <c:numRef>
-              <c:f>Sheet1!$C$2:$C$65</c:f>
-              <c:numCache>
-                <c:formatCode>General</c:formatCode>
-                <c:ptCount val="64"/>
-                <c:pt idx="0">
-                  <c:v>1.103</c:v>
-                </c:pt>
-                <c:pt idx="1">
-                  <c:v>1.3580000000000001</c:v>
-                </c:pt>
-                <c:pt idx="2">
-                  <c:v>4.9340000000000002</c:v>
-                </c:pt>
-                <c:pt idx="3">
-                  <c:v>1.02</c:v>
-                </c:pt>
-                <c:pt idx="4">
-                  <c:v>0.97700000000000065</c:v>
-                </c:pt>
-                <c:pt idx="5">
-                  <c:v>1.03</c:v>
-                </c:pt>
-                <c:pt idx="6">
-                  <c:v>0.97700000000000065</c:v>
-                </c:pt>
-                <c:pt idx="7">
-                  <c:v>1.153</c:v>
-                </c:pt>
-                <c:pt idx="8">
-                  <c:v>1.3560000000000001</c:v>
-                </c:pt>
-                <c:pt idx="9">
-                  <c:v>1.121</c:v>
-                </c:pt>
-                <c:pt idx="10">
-                  <c:v>2.9569999999999967</c:v>
-                </c:pt>
-                <c:pt idx="11">
-                  <c:v>2.2909999999999999</c:v>
-                </c:pt>
-                <c:pt idx="12">
-                  <c:v>0.96900000000000064</c:v>
-                </c:pt>
-                <c:pt idx="13">
-                  <c:v>1.2769999999999884</c:v>
-                </c:pt>
-                <c:pt idx="14">
-                  <c:v>3.0789999999999997</c:v>
-                </c:pt>
-                <c:pt idx="15">
-                  <c:v>1.137</c:v>
-                </c:pt>
-                <c:pt idx="16">
-                  <c:v>1.1990000000000001</c:v>
-                </c:pt>
-                <c:pt idx="17">
-                  <c:v>1.0249999999999884</c:v>
-                </c:pt>
-                <c:pt idx="18">
-                  <c:v>1.0409999999999893</c:v>
-                </c:pt>
-                <c:pt idx="19">
-                  <c:v>1.9940000000000115</c:v>
-                </c:pt>
-                <c:pt idx="20">
-                  <c:v>2.6759999999999997</c:v>
-                </c:pt>
-                <c:pt idx="21">
-                  <c:v>2.258</c:v>
-                </c:pt>
-                <c:pt idx="22">
-                  <c:v>0.93799999999999994</c:v>
-                </c:pt>
-                <c:pt idx="23">
-                  <c:v>1.159</c:v>
-                </c:pt>
-                <c:pt idx="24">
-                  <c:v>0.89300000000000002</c:v>
-                </c:pt>
-                <c:pt idx="25">
-                  <c:v>1.0580000000000001</c:v>
-                </c:pt>
-                <c:pt idx="26">
-                  <c:v>1.657</c:v>
-                </c:pt>
-                <c:pt idx="27">
-                  <c:v>1.367</c:v>
-                </c:pt>
-                <c:pt idx="28">
-                  <c:v>1.32</c:v>
-                </c:pt>
-                <c:pt idx="29">
-                  <c:v>1.127</c:v>
-                </c:pt>
-                <c:pt idx="30">
-                  <c:v>1.1619999999999888</c:v>
-                </c:pt>
-                <c:pt idx="31">
-                  <c:v>1.175</c:v>
-                </c:pt>
-                <c:pt idx="32">
-                  <c:v>1.635</c:v>
-                </c:pt>
-                <c:pt idx="33">
-                  <c:v>2.3759999999999977</c:v>
-                </c:pt>
-                <c:pt idx="34">
-                  <c:v>2.0880000000000001</c:v>
-                </c:pt>
-                <c:pt idx="35">
-                  <c:v>1.9540000000000104</c:v>
-                </c:pt>
-                <c:pt idx="36">
-                  <c:v>1.073</c:v>
-                </c:pt>
-                <c:pt idx="37">
-                  <c:v>0.93200000000000005</c:v>
-                </c:pt>
-                <c:pt idx="38">
-                  <c:v>1.220999999999987</c:v>
-                </c:pt>
-                <c:pt idx="39">
-                  <c:v>1.081</c:v>
-                </c:pt>
-                <c:pt idx="40">
-                  <c:v>3.5019999999999998</c:v>
-                </c:pt>
-                <c:pt idx="41">
-                  <c:v>1.052</c:v>
-                </c:pt>
-                <c:pt idx="42">
-                  <c:v>1.538</c:v>
-                </c:pt>
-                <c:pt idx="43">
-                  <c:v>1.0569999999999895</c:v>
-                </c:pt>
-                <c:pt idx="44">
-                  <c:v>1.028</c:v>
-                </c:pt>
-                <c:pt idx="45">
-                  <c:v>3.6629999999999998</c:v>
-                </c:pt>
-                <c:pt idx="46">
-                  <c:v>0.96500000000000064</c:v>
-                </c:pt>
-                <c:pt idx="47">
-                  <c:v>1.595</c:v>
-                </c:pt>
-                <c:pt idx="48">
-                  <c:v>6.8039999999999985</c:v>
-                </c:pt>
-                <c:pt idx="49">
-                  <c:v>1.0489999999999895</c:v>
-                </c:pt>
-                <c:pt idx="50">
-                  <c:v>1.448999999999987</c:v>
-                </c:pt>
-                <c:pt idx="51">
-                  <c:v>0.91600000000000004</c:v>
-                </c:pt>
-                <c:pt idx="52">
-                  <c:v>0.91700000000000004</c:v>
-                </c:pt>
-                <c:pt idx="53">
-                  <c:v>0.99299999999999999</c:v>
-                </c:pt>
-                <c:pt idx="54">
-                  <c:v>1.165</c:v>
-                </c:pt>
-                <c:pt idx="55">
-                  <c:v>2.363</c:v>
-                </c:pt>
-                <c:pt idx="56">
-                  <c:v>1.0580000000000001</c:v>
-                </c:pt>
-                <c:pt idx="57">
-                  <c:v>5.9459999999999997</c:v>
-                </c:pt>
-                <c:pt idx="58">
-                  <c:v>1.5940000000000001</c:v>
-                </c:pt>
-                <c:pt idx="59">
-                  <c:v>1.599</c:v>
-                </c:pt>
-                <c:pt idx="60">
-                  <c:v>1.5629999999999895</c:v>
-                </c:pt>
-                <c:pt idx="61">
-                  <c:v>0.99199999999999999</c:v>
-                </c:pt>
-                <c:pt idx="62">
-                  <c:v>2.8779999999999997</c:v>
-                </c:pt>
-                <c:pt idx="63">
-                  <c:v>1.109</c:v>
-                </c:pt>
-              </c:numCache>
-            </c:numRef>
-          </c:xVal>
-          <c:yVal>
-            <c:numRef>
-              <c:f>Sheet1!$B$2:$B$65</c:f>
-              <c:numCache>
-                <c:formatCode>General</c:formatCode>
-                <c:ptCount val="64"/>
-                <c:pt idx="0">
-                  <c:v>1.218999999999987</c:v>
-                </c:pt>
-                <c:pt idx="1">
-                  <c:v>2.4379999999999997</c:v>
-                </c:pt>
-                <c:pt idx="2">
-                  <c:v>3.6579999999999999</c:v>
-                </c:pt>
-                <c:pt idx="3">
-                  <c:v>1.829</c:v>
-                </c:pt>
-                <c:pt idx="4">
-                  <c:v>1.218999999999987</c:v>
-                </c:pt>
-                <c:pt idx="5">
-                  <c:v>1.218999999999987</c:v>
-                </c:pt>
-                <c:pt idx="6">
-                  <c:v>1.218999999999987</c:v>
-                </c:pt>
-                <c:pt idx="7">
-                  <c:v>2.4379999999999997</c:v>
-                </c:pt>
-                <c:pt idx="8">
-                  <c:v>1.218999999999987</c:v>
-                </c:pt>
-                <c:pt idx="9">
-                  <c:v>0.61000000000000065</c:v>
-                </c:pt>
-                <c:pt idx="10">
-                  <c:v>3.048</c:v>
-                </c:pt>
-                <c:pt idx="11">
-                  <c:v>1.218999999999987</c:v>
-                </c:pt>
-                <c:pt idx="12">
-                  <c:v>0.61000000000000065</c:v>
-                </c:pt>
-                <c:pt idx="13">
-                  <c:v>1.218999999999987</c:v>
-                </c:pt>
-                <c:pt idx="14">
-                  <c:v>2.4379999999999997</c:v>
-                </c:pt>
-                <c:pt idx="15">
-                  <c:v>1.218999999999987</c:v>
-                </c:pt>
-                <c:pt idx="16">
-                  <c:v>1.218999999999987</c:v>
-                </c:pt>
-                <c:pt idx="17">
-                  <c:v>0.61000000000000065</c:v>
-                </c:pt>
-                <c:pt idx="18">
-                  <c:v>0.61000000000000065</c:v>
-                </c:pt>
-                <c:pt idx="19">
-                  <c:v>1.829</c:v>
-                </c:pt>
-                <c:pt idx="20">
-                  <c:v>3.048</c:v>
-                </c:pt>
-                <c:pt idx="21">
-                  <c:v>3.048</c:v>
-                </c:pt>
-                <c:pt idx="22">
-                  <c:v>1.218999999999987</c:v>
-                </c:pt>
-                <c:pt idx="23">
-                  <c:v>1.829</c:v>
-                </c:pt>
-                <c:pt idx="24">
-                  <c:v>0.61000000000000065</c:v>
-                </c:pt>
-                <c:pt idx="25">
-                  <c:v>1.829</c:v>
-                </c:pt>
-                <c:pt idx="26">
-                  <c:v>2.4379999999999997</c:v>
-                </c:pt>
-                <c:pt idx="27">
-                  <c:v>0.61000000000000065</c:v>
-                </c:pt>
-                <c:pt idx="28">
-                  <c:v>0.61000000000000065</c:v>
-                </c:pt>
-                <c:pt idx="29">
-                  <c:v>0.61000000000000065</c:v>
-                </c:pt>
-                <c:pt idx="30">
-                  <c:v>1.218999999999987</c:v>
-                </c:pt>
-                <c:pt idx="31">
-                  <c:v>1.218999999999987</c:v>
-                </c:pt>
-                <c:pt idx="32">
-                  <c:v>1.218999999999987</c:v>
-                </c:pt>
-                <c:pt idx="33">
-                  <c:v>1.218999999999987</c:v>
-                </c:pt>
-                <c:pt idx="34">
-                  <c:v>1.218999999999987</c:v>
-                </c:pt>
-                <c:pt idx="35">
-                  <c:v>3.048</c:v>
-                </c:pt>
-                <c:pt idx="36">
-                  <c:v>1.218999999999987</c:v>
-                </c:pt>
-                <c:pt idx="37">
-                  <c:v>0.61000000000000065</c:v>
-                </c:pt>
-                <c:pt idx="38">
-                  <c:v>1.218999999999987</c:v>
-                </c:pt>
-                <c:pt idx="39">
-                  <c:v>1.218999999999987</c:v>
-                </c:pt>
-                <c:pt idx="40">
-                  <c:v>2.4379999999999997</c:v>
-                </c:pt>
-                <c:pt idx="41">
-                  <c:v>1.829</c:v>
-                </c:pt>
-                <c:pt idx="42">
-                  <c:v>1.829</c:v>
-                </c:pt>
-                <c:pt idx="43">
-                  <c:v>0.61000000000000065</c:v>
-                </c:pt>
-                <c:pt idx="44">
-                  <c:v>1.218999999999987</c:v>
-                </c:pt>
-                <c:pt idx="45">
-                  <c:v>4.8769999999999998</c:v>
-                </c:pt>
-                <c:pt idx="46">
-                  <c:v>0.61000000000000065</c:v>
-                </c:pt>
-                <c:pt idx="47">
-                  <c:v>1.218999999999987</c:v>
-                </c:pt>
-                <c:pt idx="48">
-                  <c:v>7.3149999999999755</c:v>
-                </c:pt>
-                <c:pt idx="49">
-                  <c:v>1.218999999999987</c:v>
-                </c:pt>
-                <c:pt idx="50">
-                  <c:v>1.218999999999987</c:v>
-                </c:pt>
-                <c:pt idx="51">
-                  <c:v>0.61000000000000065</c:v>
-                </c:pt>
-                <c:pt idx="52">
-                  <c:v>1.218999999999987</c:v>
-                </c:pt>
-                <c:pt idx="53">
-                  <c:v>1.218999999999987</c:v>
-                </c:pt>
-                <c:pt idx="54">
-                  <c:v>1.218999999999987</c:v>
-                </c:pt>
-                <c:pt idx="55">
-                  <c:v>2.4379999999999997</c:v>
-                </c:pt>
-                <c:pt idx="56">
-                  <c:v>1.218999999999987</c:v>
-                </c:pt>
-                <c:pt idx="57">
-                  <c:v>4.8769999999999998</c:v>
-                </c:pt>
-                <c:pt idx="58">
-                  <c:v>1.829</c:v>
-                </c:pt>
-                <c:pt idx="59">
-                  <c:v>2.4379999999999997</c:v>
-                </c:pt>
-                <c:pt idx="60">
-                  <c:v>1.218999999999987</c:v>
-                </c:pt>
-                <c:pt idx="61">
-                  <c:v>0.61000000000000065</c:v>
-                </c:pt>
-                <c:pt idx="62">
-                  <c:v>3.048</c:v>
-                </c:pt>
-                <c:pt idx="63">
-                  <c:v>1.218999999999987</c:v>
-                </c:pt>
-              </c:numCache>
-            </c:numRef>
-          </c:yVal>
-        </c:ser>
-        <c:ser>
-          <c:idx val="1"/>
-          <c:order val="1"/>
-          <c:spPr>
-            <a:ln w="34925">
-              <a:solidFill>
-                <a:srgbClr val="9BBB59">
-                  <a:lumMod val="60000"/>
-                  <a:lumOff val="40000"/>
-                </a:srgbClr>
-              </a:solidFill>
-            </a:ln>
-          </c:spPr>
-          <c:marker>
-            <c:symbol val="none"/>
-          </c:marker>
-          <c:xVal>
-            <c:numRef>
-              <c:f>Sheet1!$O$4:$O$14</c:f>
-              <c:numCache>
-                <c:formatCode>General</c:formatCode>
-                <c:ptCount val="11"/>
-                <c:pt idx="0">
-                  <c:v>0</c:v>
-                </c:pt>
-                <c:pt idx="1">
-                  <c:v>1</c:v>
-                </c:pt>
-                <c:pt idx="2">
-                  <c:v>2</c:v>
-                </c:pt>
-                <c:pt idx="3">
-                  <c:v>3</c:v>
-                </c:pt>
-                <c:pt idx="4">
-                  <c:v>4</c:v>
-                </c:pt>
-                <c:pt idx="5">
-                  <c:v>5</c:v>
-                </c:pt>
-                <c:pt idx="6">
-                  <c:v>6</c:v>
-                </c:pt>
-                <c:pt idx="7">
-                  <c:v>7</c:v>
-                </c:pt>
-                <c:pt idx="8">
-                  <c:v>8</c:v>
-                </c:pt>
-                <c:pt idx="9">
-                  <c:v>9</c:v>
-                </c:pt>
-                <c:pt idx="10">
-                  <c:v>10</c:v>
-                </c:pt>
-              </c:numCache>
-            </c:numRef>
-          </c:xVal>
-          <c:yVal>
-            <c:numRef>
-              <c:f>Sheet1!$O$4:$O$14</c:f>
-              <c:numCache>
-                <c:formatCode>General</c:formatCode>
-                <c:ptCount val="11"/>
-                <c:pt idx="0">
-                  <c:v>0</c:v>
-                </c:pt>
-                <c:pt idx="1">
-                  <c:v>1</c:v>
-                </c:pt>
-                <c:pt idx="2">
-                  <c:v>2</c:v>
-                </c:pt>
-                <c:pt idx="3">
-                  <c:v>3</c:v>
-                </c:pt>
-                <c:pt idx="4">
-                  <c:v>4</c:v>
-                </c:pt>
-                <c:pt idx="5">
-                  <c:v>5</c:v>
-                </c:pt>
-                <c:pt idx="6">
-                  <c:v>6</c:v>
-                </c:pt>
-                <c:pt idx="7">
-                  <c:v>7</c:v>
-                </c:pt>
-                <c:pt idx="8">
-                  <c:v>8</c:v>
-                </c:pt>
-                <c:pt idx="9">
-                  <c:v>9</c:v>
-                </c:pt>
-                <c:pt idx="10">
-                  <c:v>10</c:v>
-                </c:pt>
-              </c:numCache>
-            </c:numRef>
-          </c:yVal>
-        </c:ser>
-        <c:axId val="62052992"/>
-        <c:axId val="62067456"/>
-      </c:scatterChart>
-      <c:valAx>
-        <c:axId val="62052992"/>
-        <c:scaling>
-          <c:orientation val="minMax"/>
-          <c:max val="8"/>
-        </c:scaling>
-        <c:axPos val="b"/>
-        <c:minorGridlines/>
-        <c:title>
-          <c:tx>
-            <c:rich>
-              <a:bodyPr/>
-              <a:lstStyle/>
-              <a:p>
-                <a:pPr>
-                  <a:defRPr lang="es-AR"/>
-                </a:pPr>
-                <a:r>
-                  <a:rPr lang="es-AR" sz="1800" b="0" dirty="0">
-                    <a:latin typeface="+mj-lt"/>
-                  </a:rPr>
-                  <a:t>Predicción</a:t>
-                </a:r>
-                <a:r>
-                  <a:rPr lang="es-AR" sz="1800" b="0" baseline="0" dirty="0">
-                    <a:latin typeface="+mj-lt"/>
-                  </a:rPr>
-                  <a:t> SVM (Altura en mts.)</a:t>
-                </a:r>
-              </a:p>
-            </c:rich>
-          </c:tx>
-          <c:layout/>
-        </c:title>
-        <c:numFmt formatCode="#,##0;\-#,##0" sourceLinked="0"/>
-        <c:tickLblPos val="nextTo"/>
-        <c:txPr>
-          <a:bodyPr/>
-          <a:lstStyle/>
-          <a:p>
-            <a:pPr>
-              <a:defRPr lang="es-AR" baseline="0"/>
-            </a:pPr>
-            <a:endParaRPr lang="es-ES"/>
-          </a:p>
-        </c:txPr>
-        <c:crossAx val="62067456"/>
-        <c:crosses val="autoZero"/>
-        <c:crossBetween val="midCat"/>
-        <c:majorUnit val="2"/>
-      </c:valAx>
-      <c:valAx>
-        <c:axId val="62067456"/>
-        <c:scaling>
-          <c:orientation val="minMax"/>
-        </c:scaling>
-        <c:axPos val="l"/>
-        <c:majorGridlines/>
-        <c:minorGridlines/>
-        <c:title>
-          <c:tx>
-            <c:rich>
-              <a:bodyPr/>
-              <a:lstStyle/>
-              <a:p>
-                <a:pPr>
-                  <a:defRPr lang="es-AR"/>
-                </a:pPr>
-                <a:r>
-                  <a:rPr lang="es-AR" sz="1800" b="0" dirty="0" smtClean="0">
-                    <a:latin typeface="+mj-lt"/>
-                  </a:rPr>
-                  <a:t>Observación </a:t>
-                </a:r>
-                <a:r>
-                  <a:rPr lang="es-AR" sz="1800" b="0" dirty="0">
-                    <a:latin typeface="+mj-lt"/>
-                  </a:rPr>
-                  <a:t>Visual (Altura en mts.)</a:t>
-                </a:r>
-              </a:p>
-            </c:rich>
-          </c:tx>
-          <c:layout/>
-        </c:title>
-        <c:numFmt formatCode="General" sourceLinked="1"/>
-        <c:tickLblPos val="nextTo"/>
-        <c:txPr>
-          <a:bodyPr/>
-          <a:lstStyle/>
-          <a:p>
-            <a:pPr>
-              <a:defRPr lang="es-AR"/>
-            </a:pPr>
-            <a:endParaRPr lang="es-ES"/>
-          </a:p>
-        </c:txPr>
-        <c:crossAx val="62052992"/>
-        <c:crosses val="autoZero"/>
-        <c:crossBetween val="midCat"/>
-      </c:valAx>
-    </c:plotArea>
-    <c:plotVisOnly val="1"/>
-  </c:chart>
-  <c:externalData r:id="rId1"/>
-</c:chartSpace>
-</file>
-
-<file path=ppt/charts/chart7.xml><?xml version="1.0" encoding="utf-8"?>
-<c:chartSpace xmlns:c="http://schemas.openxmlformats.org/drawingml/2006/chart" xmlns:a="http://schemas.openxmlformats.org/drawingml/2006/main" xmlns:r="http://schemas.openxmlformats.org/officeDocument/2006/relationships">
-  <c:lang val="es-ES"/>
-  <c:chart>
-    <c:view3D>
-      <c:rAngAx val="1"/>
-    </c:view3D>
-    <c:plotArea>
-      <c:layout/>
-      <c:bar3DChart>
-        <c:barDir val="col"/>
-        <c:grouping val="clustered"/>
-        <c:ser>
-          <c:idx val="0"/>
-          <c:order val="0"/>
-          <c:tx>
-            <c:strRef>
-              <c:f>Hoja1!$B$1</c:f>
-              <c:strCache>
-                <c:ptCount val="1"/>
-                <c:pt idx="0">
-                  <c:v>Correlación WW3 / Obs. Visual</c:v>
-                </c:pt>
-              </c:strCache>
-            </c:strRef>
-          </c:tx>
-          <c:cat>
-            <c:strRef>
-              <c:f>Hoja1!$A$2:$A$6</c:f>
-              <c:strCache>
-                <c:ptCount val="5"/>
-                <c:pt idx="0">
-                  <c:v>Makaha</c:v>
-                </c:pt>
-                <c:pt idx="1">
-                  <c:v>Sunset</c:v>
-                </c:pt>
-                <c:pt idx="2">
-                  <c:v>Ala Moana</c:v>
-                </c:pt>
-                <c:pt idx="3">
-                  <c:v>Diamond Head</c:v>
-                </c:pt>
-                <c:pt idx="4">
-                  <c:v>Makapuu</c:v>
-                </c:pt>
-              </c:strCache>
-            </c:strRef>
-          </c:cat>
-          <c:val>
-            <c:numRef>
-              <c:f>Hoja1!$B$2:$B$6</c:f>
-              <c:numCache>
-                <c:formatCode>0%</c:formatCode>
-                <c:ptCount val="5"/>
-                <c:pt idx="0">
-                  <c:v>0.66000000000000181</c:v>
-                </c:pt>
-                <c:pt idx="1">
-                  <c:v>0.82000000000000062</c:v>
-                </c:pt>
-                <c:pt idx="2">
-                  <c:v>0</c:v>
-                </c:pt>
-                <c:pt idx="3">
-                  <c:v>0</c:v>
-                </c:pt>
-                <c:pt idx="4">
-                  <c:v>0.4</c:v>
-                </c:pt>
-              </c:numCache>
-            </c:numRef>
-          </c:val>
-        </c:ser>
-        <c:ser>
-          <c:idx val="1"/>
-          <c:order val="1"/>
-          <c:tx>
-            <c:strRef>
-              <c:f>Hoja1!$C$1</c:f>
-              <c:strCache>
-                <c:ptCount val="1"/>
-                <c:pt idx="0">
-                  <c:v>Correlación SVM / Obs. Visual</c:v>
-                </c:pt>
-              </c:strCache>
-            </c:strRef>
-          </c:tx>
-          <c:spPr>
-            <a:solidFill>
-              <a:srgbClr val="FF0000"/>
-            </a:solidFill>
-          </c:spPr>
-          <c:cat>
-            <c:strRef>
-              <c:f>Hoja1!$A$2:$A$6</c:f>
-              <c:strCache>
-                <c:ptCount val="5"/>
-                <c:pt idx="0">
-                  <c:v>Makaha</c:v>
-                </c:pt>
-                <c:pt idx="1">
-                  <c:v>Sunset</c:v>
-                </c:pt>
-                <c:pt idx="2">
-                  <c:v>Ala Moana</c:v>
-                </c:pt>
-                <c:pt idx="3">
-                  <c:v>Diamond Head</c:v>
-                </c:pt>
-                <c:pt idx="4">
-                  <c:v>Makapuu</c:v>
-                </c:pt>
-              </c:strCache>
-            </c:strRef>
-          </c:cat>
-          <c:val>
-            <c:numRef>
-              <c:f>Hoja1!$C$2:$C$6</c:f>
-              <c:numCache>
-                <c:formatCode>0%</c:formatCode>
-                <c:ptCount val="5"/>
-                <c:pt idx="0">
-                  <c:v>0.82000000000000062</c:v>
-                </c:pt>
-                <c:pt idx="1">
-                  <c:v>0.89</c:v>
-                </c:pt>
-                <c:pt idx="2">
-                  <c:v>0.5</c:v>
-                </c:pt>
-                <c:pt idx="3">
-                  <c:v>0.48000000000000032</c:v>
-                </c:pt>
-                <c:pt idx="4">
-                  <c:v>0.79</c:v>
-                </c:pt>
-              </c:numCache>
-            </c:numRef>
-          </c:val>
-        </c:ser>
-        <c:shape val="box"/>
-        <c:axId val="62113280"/>
-        <c:axId val="62114816"/>
-        <c:axId val="0"/>
-      </c:bar3DChart>
-      <c:catAx>
-        <c:axId val="62113280"/>
-        <c:scaling>
-          <c:orientation val="minMax"/>
-        </c:scaling>
-        <c:axPos val="b"/>
-        <c:tickLblPos val="nextTo"/>
-        <c:txPr>
-          <a:bodyPr/>
-          <a:lstStyle/>
-          <a:p>
-            <a:pPr>
-              <a:defRPr lang="es-AR" sz="1400">
-                <a:latin typeface="+mj-lt"/>
-              </a:defRPr>
-            </a:pPr>
-            <a:endParaRPr lang="es-ES"/>
-          </a:p>
-        </c:txPr>
-        <c:crossAx val="62114816"/>
-        <c:crosses val="autoZero"/>
-        <c:auto val="1"/>
-        <c:lblAlgn val="ctr"/>
-        <c:lblOffset val="100"/>
-      </c:catAx>
-      <c:valAx>
-        <c:axId val="62114816"/>
-        <c:scaling>
-          <c:orientation val="minMax"/>
-        </c:scaling>
-        <c:axPos val="l"/>
-        <c:majorGridlines/>
-        <c:numFmt formatCode="0%" sourceLinked="1"/>
-        <c:tickLblPos val="nextTo"/>
-        <c:txPr>
-          <a:bodyPr/>
-          <a:lstStyle/>
-          <a:p>
-            <a:pPr>
-              <a:defRPr lang="es-AR"/>
-            </a:pPr>
-            <a:endParaRPr lang="es-ES"/>
-          </a:p>
-        </c:txPr>
-        <c:crossAx val="62113280"/>
-        <c:crosses val="autoZero"/>
-        <c:crossBetween val="between"/>
-      </c:valAx>
-    </c:plotArea>
-    <c:legend>
-      <c:legendPos val="r"/>
-      <c:legendEntry>
-        <c:idx val="0"/>
-        <c:txPr>
-          <a:bodyPr/>
-          <a:lstStyle/>
-          <a:p>
-            <a:pPr>
-              <a:defRPr lang="es-AR" sz="1400">
-                <a:latin typeface="+mj-lt"/>
-              </a:defRPr>
-            </a:pPr>
-            <a:endParaRPr lang="es-ES"/>
-          </a:p>
-        </c:txPr>
-      </c:legendEntry>
-      <c:legendEntry>
-        <c:idx val="1"/>
-        <c:txPr>
-          <a:bodyPr/>
-          <a:lstStyle/>
-          <a:p>
-            <a:pPr>
-              <a:defRPr lang="es-AR" sz="1400">
-                <a:latin typeface="+mj-lt"/>
-              </a:defRPr>
-            </a:pPr>
-            <a:endParaRPr lang="es-ES"/>
-          </a:p>
-        </c:txPr>
-      </c:legendEntry>
-      <c:layout/>
-      <c:txPr>
-        <a:bodyPr/>
-        <a:lstStyle/>
-        <a:p>
-          <a:pPr>
-            <a:defRPr lang="es-AR"/>
-          </a:pPr>
-          <a:endParaRPr lang="es-ES"/>
-        </a:p>
-      </c:txPr>
-    </c:legend>
-    <c:plotVisOnly val="1"/>
-  </c:chart>
-  <c:externalData r:id="rId1"/>
-</c:chartSpace>
-</file>
-
-<file path=ppt/charts/chart8.xml><?xml version="1.0" encoding="utf-8"?>
-<c:chartSpace xmlns:c="http://schemas.openxmlformats.org/drawingml/2006/chart" xmlns:a="http://schemas.openxmlformats.org/drawingml/2006/main" xmlns:r="http://schemas.openxmlformats.org/officeDocument/2006/relationships">
-  <c:date1904 val="1"/>
-  <c:lang val="es-ES"/>
-  <c:chart>
-    <c:view3D>
-      <c:rAngAx val="1"/>
-    </c:view3D>
-    <c:plotArea>
-      <c:layout/>
-      <c:bar3DChart>
-        <c:barDir val="col"/>
-        <c:grouping val="clustered"/>
-        <c:ser>
-          <c:idx val="0"/>
-          <c:order val="0"/>
-          <c:tx>
-            <c:strRef>
-              <c:f>Hoja1!$B$25</c:f>
-              <c:strCache>
-                <c:ptCount val="1"/>
-                <c:pt idx="0">
-                  <c:v>MAE WW3 / Obs. Visual [mts.]</c:v>
-                </c:pt>
-              </c:strCache>
-            </c:strRef>
-          </c:tx>
-          <c:cat>
-            <c:strRef>
-              <c:f>Hoja1!$A$26:$A$30</c:f>
-              <c:strCache>
-                <c:ptCount val="5"/>
-                <c:pt idx="0">
-                  <c:v>Makaha</c:v>
-                </c:pt>
-                <c:pt idx="1">
-                  <c:v>Sunset</c:v>
-                </c:pt>
-                <c:pt idx="2">
-                  <c:v>Ala Moana</c:v>
-                </c:pt>
-                <c:pt idx="3">
-                  <c:v>Diamond Head</c:v>
-                </c:pt>
-                <c:pt idx="4">
-                  <c:v>Makapuu</c:v>
-                </c:pt>
-              </c:strCache>
-            </c:strRef>
-          </c:cat>
-          <c:val>
-            <c:numRef>
-              <c:f>Hoja1!$B$26:$B$30</c:f>
-              <c:numCache>
-                <c:formatCode>General</c:formatCode>
-                <c:ptCount val="5"/>
-                <c:pt idx="0">
-                  <c:v>0.96000000000000063</c:v>
-                </c:pt>
-                <c:pt idx="1">
-                  <c:v>1.35</c:v>
-                </c:pt>
-                <c:pt idx="2">
-                  <c:v>1.1800000000000026</c:v>
-                </c:pt>
-                <c:pt idx="3">
-                  <c:v>0.99</c:v>
-                </c:pt>
-                <c:pt idx="4">
-                  <c:v>0.9</c:v>
-                </c:pt>
-              </c:numCache>
-            </c:numRef>
-          </c:val>
-        </c:ser>
-        <c:ser>
-          <c:idx val="1"/>
-          <c:order val="1"/>
-          <c:tx>
-            <c:strRef>
-              <c:f>Hoja1!$C$25</c:f>
-              <c:strCache>
-                <c:ptCount val="1"/>
-                <c:pt idx="0">
-                  <c:v>MAE SVM / Obs. Visual [mts.]</c:v>
-                </c:pt>
-              </c:strCache>
-            </c:strRef>
-          </c:tx>
-          <c:spPr>
-            <a:solidFill>
-              <a:srgbClr val="FF0000"/>
-            </a:solidFill>
-          </c:spPr>
-          <c:cat>
-            <c:strRef>
-              <c:f>Hoja1!$A$26:$A$30</c:f>
-              <c:strCache>
-                <c:ptCount val="5"/>
-                <c:pt idx="0">
-                  <c:v>Makaha</c:v>
-                </c:pt>
-                <c:pt idx="1">
-                  <c:v>Sunset</c:v>
-                </c:pt>
-                <c:pt idx="2">
-                  <c:v>Ala Moana</c:v>
-                </c:pt>
-                <c:pt idx="3">
-                  <c:v>Diamond Head</c:v>
-                </c:pt>
-                <c:pt idx="4">
-                  <c:v>Makapuu</c:v>
-                </c:pt>
-              </c:strCache>
-            </c:strRef>
-          </c:cat>
-          <c:val>
-            <c:numRef>
-              <c:f>Hoja1!$C$26:$C$30</c:f>
-              <c:numCache>
-                <c:formatCode>General</c:formatCode>
-                <c:ptCount val="5"/>
-                <c:pt idx="0">
-                  <c:v>0.61000000000000065</c:v>
-                </c:pt>
-                <c:pt idx="1">
-                  <c:v>0.82000000000000062</c:v>
-                </c:pt>
-                <c:pt idx="2">
-                  <c:v>0.46</c:v>
-                </c:pt>
-                <c:pt idx="3">
-                  <c:v>0.47000000000000008</c:v>
-                </c:pt>
-                <c:pt idx="4">
-                  <c:v>0.47000000000000008</c:v>
-                </c:pt>
-              </c:numCache>
-            </c:numRef>
-          </c:val>
-        </c:ser>
-        <c:shape val="cylinder"/>
-        <c:axId val="61947264"/>
-        <c:axId val="61949056"/>
-        <c:axId val="0"/>
-      </c:bar3DChart>
-      <c:catAx>
-        <c:axId val="61947264"/>
-        <c:scaling>
-          <c:orientation val="minMax"/>
-        </c:scaling>
-        <c:axPos val="b"/>
-        <c:tickLblPos val="nextTo"/>
-        <c:txPr>
-          <a:bodyPr/>
-          <a:lstStyle/>
-          <a:p>
-            <a:pPr>
-              <a:defRPr lang="es-AR" sz="1400">
-                <a:latin typeface="+mj-lt"/>
-              </a:defRPr>
-            </a:pPr>
-            <a:endParaRPr lang="es-ES"/>
-          </a:p>
-        </c:txPr>
-        <c:crossAx val="61949056"/>
-        <c:crosses val="autoZero"/>
-        <c:auto val="1"/>
-        <c:lblAlgn val="ctr"/>
-        <c:lblOffset val="100"/>
-      </c:catAx>
-      <c:valAx>
-        <c:axId val="61949056"/>
-        <c:scaling>
-          <c:orientation val="minMax"/>
-        </c:scaling>
-        <c:axPos val="l"/>
-        <c:majorGridlines/>
-        <c:numFmt formatCode="General" sourceLinked="1"/>
-        <c:tickLblPos val="nextTo"/>
-        <c:txPr>
-          <a:bodyPr/>
-          <a:lstStyle/>
-          <a:p>
-            <a:pPr>
-              <a:defRPr lang="es-AR"/>
-            </a:pPr>
-            <a:endParaRPr lang="es-ES"/>
-          </a:p>
-        </c:txPr>
-        <c:crossAx val="61947264"/>
-        <c:crosses val="autoZero"/>
-        <c:crossBetween val="between"/>
-      </c:valAx>
-    </c:plotArea>
-    <c:legend>
-      <c:legendPos val="r"/>
-      <c:layout/>
-      <c:txPr>
-        <a:bodyPr/>
-        <a:lstStyle/>
-        <a:p>
-          <a:pPr>
-            <a:defRPr lang="es-AR" sz="1400">
-              <a:latin typeface="+mj-lt"/>
-            </a:defRPr>
-          </a:pPr>
-          <a:endParaRPr lang="es-ES"/>
-        </a:p>
-      </c:txPr>
-    </c:legend>
     <c:plotVisOnly val="1"/>
   </c:chart>
   <c:externalData r:id="rId1"/>
@@ -5773,7 +6858,7 @@
             <a:fld id="{CC836ABB-6633-4F2E-9CC4-347080E95772}" type="datetimeFigureOut">
               <a:rPr lang="es-ES" smtClean="0"/>
               <a:pPr/>
-              <a:t>21/08/2010</a:t>
+              <a:t>23/08/2010</a:t>
             </a:fld>
             <a:endParaRPr lang="es-ES"/>
           </a:p>
@@ -6222,7 +7307,7 @@
             <a:fld id="{705F1E1A-BC64-4D15-8F19-F9D22DF3568A}" type="slidenum">
               <a:rPr lang="es-ES" smtClean="0"/>
               <a:pPr/>
-              <a:t>16</a:t>
+              <a:t>13</a:t>
             </a:fld>
             <a:endParaRPr lang="es-ES"/>
           </a:p>
@@ -6307,7 +7392,7 @@
             <a:fld id="{0B94F1A4-9E02-42A3-A48D-511FB3467974}" type="slidenum">
               <a:rPr lang="es-AR" smtClean="0"/>
               <a:pPr/>
-              <a:t>18</a:t>
+              <a:t>15</a:t>
             </a:fld>
             <a:endParaRPr lang="es-AR"/>
           </a:p>
@@ -6392,7 +7477,7 @@
             <a:fld id="{0B94F1A4-9E02-42A3-A48D-511FB3467974}" type="slidenum">
               <a:rPr lang="es-AR" smtClean="0"/>
               <a:pPr/>
-              <a:t>31</a:t>
+              <a:t>28</a:t>
             </a:fld>
             <a:endParaRPr lang="es-AR"/>
           </a:p>
@@ -8030,7 +9115,7 @@
             <a:fld id="{705F1E1A-BC64-4D15-8F19-F9D22DF3568A}" type="slidenum">
               <a:rPr lang="es-ES" smtClean="0"/>
               <a:pPr/>
-              <a:t>13</a:t>
+              <a:t>10</a:t>
             </a:fld>
             <a:endParaRPr lang="es-ES"/>
           </a:p>
@@ -8250,7 +9335,7 @@
             <a:fld id="{705F1E1A-BC64-4D15-8F19-F9D22DF3568A}" type="slidenum">
               <a:rPr lang="es-ES" smtClean="0"/>
               <a:pPr/>
-              <a:t>14</a:t>
+              <a:t>11</a:t>
             </a:fld>
             <a:endParaRPr lang="es-ES"/>
           </a:p>
@@ -8438,7 +9523,7 @@
             <a:fld id="{47C9B81F-C347-4BEF-BFDF-29C42F48304A}" type="datetimeFigureOut">
               <a:rPr lang="en-US" smtClean="0"/>
               <a:pPr/>
-              <a:t>8/21/2010</a:t>
+              <a:t>8/23/2010</a:t>
             </a:fld>
             <a:endParaRPr lang="en-US"/>
           </a:p>
@@ -8605,7 +9690,7 @@
             <a:fld id="{47C9B81F-C347-4BEF-BFDF-29C42F48304A}" type="datetimeFigureOut">
               <a:rPr lang="en-US" smtClean="0"/>
               <a:pPr/>
-              <a:t>8/21/2010</a:t>
+              <a:t>8/23/2010</a:t>
             </a:fld>
             <a:endParaRPr lang="en-US"/>
           </a:p>
@@ -8782,7 +9867,7 @@
             <a:fld id="{47C9B81F-C347-4BEF-BFDF-29C42F48304A}" type="datetimeFigureOut">
               <a:rPr lang="en-US" smtClean="0"/>
               <a:pPr/>
-              <a:t>8/21/2010</a:t>
+              <a:t>8/23/2010</a:t>
             </a:fld>
             <a:endParaRPr lang="en-US"/>
           </a:p>
@@ -8949,7 +10034,7 @@
             <a:fld id="{47C9B81F-C347-4BEF-BFDF-29C42F48304A}" type="datetimeFigureOut">
               <a:rPr lang="en-US" smtClean="0"/>
               <a:pPr/>
-              <a:t>8/21/2010</a:t>
+              <a:t>8/23/2010</a:t>
             </a:fld>
             <a:endParaRPr lang="en-US"/>
           </a:p>
@@ -9193,7 +10278,7 @@
             <a:fld id="{47C9B81F-C347-4BEF-BFDF-29C42F48304A}" type="datetimeFigureOut">
               <a:rPr lang="en-US" smtClean="0"/>
               <a:pPr/>
-              <a:t>8/21/2010</a:t>
+              <a:t>8/23/2010</a:t>
             </a:fld>
             <a:endParaRPr lang="en-US"/>
           </a:p>
@@ -9459,7 +10544,7 @@
             <a:fld id="{47C9B81F-C347-4BEF-BFDF-29C42F48304A}" type="datetimeFigureOut">
               <a:rPr lang="en-US" smtClean="0"/>
               <a:pPr/>
-              <a:t>8/21/2010</a:t>
+              <a:t>8/23/2010</a:t>
             </a:fld>
             <a:endParaRPr lang="en-US"/>
           </a:p>
@@ -9839,7 +10924,7 @@
             <a:fld id="{47C9B81F-C347-4BEF-BFDF-29C42F48304A}" type="datetimeFigureOut">
               <a:rPr lang="en-US" smtClean="0"/>
               <a:pPr/>
-              <a:t>8/21/2010</a:t>
+              <a:t>8/23/2010</a:t>
             </a:fld>
             <a:endParaRPr lang="en-US"/>
           </a:p>
@@ -9991,7 +11076,7 @@
             <a:fld id="{47C9B81F-C347-4BEF-BFDF-29C42F48304A}" type="datetimeFigureOut">
               <a:rPr lang="en-US" smtClean="0"/>
               <a:pPr/>
-              <a:t>8/21/2010</a:t>
+              <a:t>8/23/2010</a:t>
             </a:fld>
             <a:endParaRPr lang="en-US"/>
           </a:p>
@@ -10083,7 +11168,7 @@
             <a:fld id="{47C9B81F-C347-4BEF-BFDF-29C42F48304A}" type="datetimeFigureOut">
               <a:rPr lang="en-US" smtClean="0"/>
               <a:pPr/>
-              <a:t>8/21/2010</a:t>
+              <a:t>8/23/2010</a:t>
             </a:fld>
             <a:endParaRPr lang="en-US"/>
           </a:p>
@@ -10346,7 +11431,7 @@
             <a:fld id="{47C9B81F-C347-4BEF-BFDF-29C42F48304A}" type="datetimeFigureOut">
               <a:rPr lang="en-US" smtClean="0"/>
               <a:pPr/>
-              <a:t>8/21/2010</a:t>
+              <a:t>8/23/2010</a:t>
             </a:fld>
             <a:endParaRPr lang="en-US"/>
           </a:p>
@@ -10636,7 +11721,7 @@
             <a:fld id="{47C9B81F-C347-4BEF-BFDF-29C42F48304A}" type="datetimeFigureOut">
               <a:rPr lang="en-US" smtClean="0"/>
               <a:pPr/>
-              <a:t>8/21/2010</a:t>
+              <a:t>8/23/2010</a:t>
             </a:fld>
             <a:endParaRPr lang="en-US"/>
           </a:p>
@@ -11409,7 +12494,7 @@
             <a:fld id="{47C9B81F-C347-4BEF-BFDF-29C42F48304A}" type="datetimeFigureOut">
               <a:rPr lang="en-US" smtClean="0"/>
               <a:pPr/>
-              <a:t>8/21/2010</a:t>
+              <a:t>8/23/2010</a:t>
             </a:fld>
             <a:endParaRPr lang="en-US" dirty="0">
               <a:solidFill>
@@ -12294,674 +13379,19 @@
           <a:p>
             <a:r>
               <a:rPr lang="es-US" dirty="0" smtClean="0"/>
-              <a:t>Experimentación (9)</a:t>
-            </a:r>
-            <a:endParaRPr lang="es-ES" dirty="0"/>
-          </a:p>
-        </p:txBody>
-      </p:sp>
-      <p:pic>
-        <p:nvPicPr>
-          <p:cNvPr id="34819" name="Picture 3"/>
-          <p:cNvPicPr>
-            <a:picLocks noChangeAspect="1" noChangeArrowheads="1"/>
-          </p:cNvPicPr>
-          <p:nvPr/>
-        </p:nvPicPr>
-        <p:blipFill>
-          <a:blip r:embed="rId2"/>
-          <a:srcRect/>
-          <a:stretch>
-            <a:fillRect/>
-          </a:stretch>
-        </p:blipFill>
-        <p:spPr bwMode="auto">
-          <a:xfrm>
-            <a:off x="0" y="1928802"/>
-            <a:ext cx="9144000" cy="4929198"/>
-          </a:xfrm>
-          <a:prstGeom prst="rect">
-            <a:avLst/>
-          </a:prstGeom>
-          <a:noFill/>
-          <a:ln w="9525">
-            <a:noFill/>
-            <a:miter lim="800000"/>
-            <a:headEnd/>
-            <a:tailEnd/>
-          </a:ln>
-          <a:effectLst/>
-        </p:spPr>
-      </p:pic>
-      <p:sp>
-        <p:nvSpPr>
-          <p:cNvPr id="4" name="3 Rectángulo"/>
-          <p:cNvSpPr/>
-          <p:nvPr/>
-        </p:nvSpPr>
-        <p:spPr>
-          <a:xfrm>
-            <a:off x="4080726" y="2125532"/>
-            <a:ext cx="1785950" cy="4572032"/>
-          </a:xfrm>
-          <a:prstGeom prst="rect">
-            <a:avLst/>
-          </a:prstGeom>
-          <a:noFill/>
-          <a:ln>
-            <a:solidFill>
-              <a:srgbClr val="FF0000"/>
-            </a:solidFill>
-          </a:ln>
-        </p:spPr>
-        <p:style>
-          <a:lnRef idx="2">
-            <a:schemeClr val="accent1">
-              <a:shade val="50000"/>
-            </a:schemeClr>
-          </a:lnRef>
-          <a:fillRef idx="1">
-            <a:schemeClr val="accent1"/>
-          </a:fillRef>
-          <a:effectRef idx="0">
-            <a:schemeClr val="accent1"/>
-          </a:effectRef>
-          <a:fontRef idx="minor">
-            <a:schemeClr val="lt1"/>
-          </a:fontRef>
-        </p:style>
-        <p:txBody>
-          <a:bodyPr rtlCol="0" anchor="ctr"/>
-          <a:lstStyle/>
-          <a:p>
-            <a:pPr algn="ctr"/>
-            <a:endParaRPr lang="es-ES"/>
-          </a:p>
-        </p:txBody>
-      </p:sp>
-      <p:sp>
-        <p:nvSpPr>
-          <p:cNvPr id="5" name="4 Rectángulo"/>
-          <p:cNvSpPr/>
-          <p:nvPr/>
-        </p:nvSpPr>
-        <p:spPr>
-          <a:xfrm>
-            <a:off x="4081828" y="2125532"/>
-            <a:ext cx="428628" cy="4572032"/>
-          </a:xfrm>
-          <a:prstGeom prst="rect">
-            <a:avLst/>
-          </a:prstGeom>
-          <a:solidFill>
-            <a:schemeClr val="accent6">
-              <a:lumMod val="75000"/>
-              <a:alpha val="35000"/>
-            </a:schemeClr>
-          </a:solidFill>
-          <a:ln>
-            <a:solidFill>
-              <a:schemeClr val="accent6">
-                <a:lumMod val="75000"/>
-              </a:schemeClr>
-            </a:solidFill>
-          </a:ln>
-        </p:spPr>
-        <p:style>
-          <a:lnRef idx="2">
-            <a:schemeClr val="accent1">
-              <a:shade val="50000"/>
-            </a:schemeClr>
-          </a:lnRef>
-          <a:fillRef idx="1">
-            <a:schemeClr val="accent1"/>
-          </a:fillRef>
-          <a:effectRef idx="0">
-            <a:schemeClr val="accent1"/>
-          </a:effectRef>
-          <a:fontRef idx="minor">
-            <a:schemeClr val="lt1"/>
-          </a:fontRef>
-        </p:style>
-        <p:txBody>
-          <a:bodyPr rtlCol="0" anchor="ctr"/>
-          <a:lstStyle/>
-          <a:p>
-            <a:pPr algn="ctr"/>
-            <a:endParaRPr lang="es-ES"/>
-          </a:p>
-        </p:txBody>
-      </p:sp>
-    </p:spTree>
-  </p:cSld>
-  <p:clrMapOvr>
-    <a:masterClrMapping/>
-  </p:clrMapOvr>
-  <p:timing>
-    <p:tnLst>
-      <p:par>
-        <p:cTn id="1" dur="indefinite" restart="never" nodeType="tmRoot"/>
-      </p:par>
-    </p:tnLst>
-  </p:timing>
-</p:sld>
-</file>
-
-<file path=ppt/slides/slide11.xml><?xml version="1.0" encoding="utf-8"?>
-<p:sld xmlns:a="http://schemas.openxmlformats.org/drawingml/2006/main" xmlns:r="http://schemas.openxmlformats.org/officeDocument/2006/relationships" xmlns:p="http://schemas.openxmlformats.org/presentationml/2006/main">
-  <p:cSld>
-    <p:spTree>
-      <p:nvGrpSpPr>
-        <p:cNvPr id="1" name=""/>
-        <p:cNvGrpSpPr/>
-        <p:nvPr/>
-      </p:nvGrpSpPr>
-      <p:grpSpPr>
-        <a:xfrm>
-          <a:off x="0" y="0"/>
-          <a:ext cx="0" cy="0"/>
-          <a:chOff x="0" y="0"/>
-          <a:chExt cx="0" cy="0"/>
-        </a:xfrm>
-      </p:grpSpPr>
-      <p:sp>
-        <p:nvSpPr>
-          <p:cNvPr id="2" name="1 Título"/>
-          <p:cNvSpPr>
-            <a:spLocks noGrp="1"/>
-          </p:cNvSpPr>
-          <p:nvPr>
-            <p:ph type="title"/>
-          </p:nvPr>
-        </p:nvSpPr>
-        <p:spPr/>
-        <p:txBody>
-          <a:bodyPr/>
-          <a:lstStyle/>
-          <a:p>
+              <a:t>Experimentación </a:t>
+            </a:r>
             <a:r>
               <a:rPr lang="es-US" dirty="0" smtClean="0"/>
-              <a:t>Experimentación (10)</a:t>
-            </a:r>
-            <a:endParaRPr lang="es-ES" dirty="0"/>
-          </a:p>
-        </p:txBody>
-      </p:sp>
-      <p:pic>
-        <p:nvPicPr>
-          <p:cNvPr id="35843" name="Picture 3"/>
-          <p:cNvPicPr>
-            <a:picLocks noChangeAspect="1" noChangeArrowheads="1"/>
-          </p:cNvPicPr>
-          <p:nvPr/>
-        </p:nvPicPr>
-        <p:blipFill>
-          <a:blip r:embed="rId2"/>
-          <a:srcRect/>
-          <a:stretch>
-            <a:fillRect/>
-          </a:stretch>
-        </p:blipFill>
-        <p:spPr bwMode="auto">
-          <a:xfrm>
-            <a:off x="0" y="1928802"/>
-            <a:ext cx="9194034" cy="4929198"/>
-          </a:xfrm>
-          <a:prstGeom prst="rect">
-            <a:avLst/>
-          </a:prstGeom>
-          <a:noFill/>
-          <a:ln w="9525">
-            <a:noFill/>
-            <a:miter lim="800000"/>
-            <a:headEnd/>
-            <a:tailEnd/>
-          </a:ln>
-          <a:effectLst/>
-        </p:spPr>
-      </p:pic>
-      <p:sp>
-        <p:nvSpPr>
-          <p:cNvPr id="4" name="3 Rectángulo"/>
-          <p:cNvSpPr/>
-          <p:nvPr/>
-        </p:nvSpPr>
-        <p:spPr>
-          <a:xfrm>
-            <a:off x="4125788" y="2125532"/>
-            <a:ext cx="1785950" cy="4572032"/>
-          </a:xfrm>
-          <a:prstGeom prst="rect">
-            <a:avLst/>
-          </a:prstGeom>
-          <a:noFill/>
-          <a:ln>
-            <a:solidFill>
-              <a:srgbClr val="FF0000"/>
-            </a:solidFill>
-          </a:ln>
-        </p:spPr>
-        <p:style>
-          <a:lnRef idx="2">
-            <a:schemeClr val="accent1">
-              <a:shade val="50000"/>
-            </a:schemeClr>
-          </a:lnRef>
-          <a:fillRef idx="1">
-            <a:schemeClr val="accent1"/>
-          </a:fillRef>
-          <a:effectRef idx="0">
-            <a:schemeClr val="accent1"/>
-          </a:effectRef>
-          <a:fontRef idx="minor">
-            <a:schemeClr val="lt1"/>
-          </a:fontRef>
-        </p:style>
-        <p:txBody>
-          <a:bodyPr rtlCol="0" anchor="ctr"/>
-          <a:lstStyle/>
-          <a:p>
-            <a:pPr algn="ctr"/>
-            <a:endParaRPr lang="es-ES"/>
-          </a:p>
-        </p:txBody>
-      </p:sp>
-      <p:sp>
-        <p:nvSpPr>
-          <p:cNvPr id="5" name="4 Rectángulo"/>
-          <p:cNvSpPr/>
-          <p:nvPr/>
-        </p:nvSpPr>
-        <p:spPr>
-          <a:xfrm>
-            <a:off x="4126890" y="2125532"/>
-            <a:ext cx="428628" cy="4572032"/>
-          </a:xfrm>
-          <a:prstGeom prst="rect">
-            <a:avLst/>
-          </a:prstGeom>
-          <a:solidFill>
-            <a:schemeClr val="accent6">
-              <a:lumMod val="75000"/>
-              <a:alpha val="35000"/>
-            </a:schemeClr>
-          </a:solidFill>
-          <a:ln>
-            <a:solidFill>
-              <a:schemeClr val="accent6">
-                <a:lumMod val="75000"/>
-              </a:schemeClr>
-            </a:solidFill>
-          </a:ln>
-        </p:spPr>
-        <p:style>
-          <a:lnRef idx="2">
-            <a:schemeClr val="accent1">
-              <a:shade val="50000"/>
-            </a:schemeClr>
-          </a:lnRef>
-          <a:fillRef idx="1">
-            <a:schemeClr val="accent1"/>
-          </a:fillRef>
-          <a:effectRef idx="0">
-            <a:schemeClr val="accent1"/>
-          </a:effectRef>
-          <a:fontRef idx="minor">
-            <a:schemeClr val="lt1"/>
-          </a:fontRef>
-        </p:style>
-        <p:txBody>
-          <a:bodyPr rtlCol="0" anchor="ctr"/>
-          <a:lstStyle/>
-          <a:p>
-            <a:pPr algn="ctr"/>
-            <a:endParaRPr lang="es-ES"/>
-          </a:p>
-        </p:txBody>
-      </p:sp>
-      <p:sp>
-        <p:nvSpPr>
-          <p:cNvPr id="6" name="5 Rectángulo"/>
-          <p:cNvSpPr/>
-          <p:nvPr/>
-        </p:nvSpPr>
-        <p:spPr>
-          <a:xfrm>
-            <a:off x="6366742" y="2125532"/>
-            <a:ext cx="428628" cy="4572032"/>
-          </a:xfrm>
-          <a:prstGeom prst="rect">
-            <a:avLst/>
-          </a:prstGeom>
-          <a:solidFill>
-            <a:schemeClr val="accent6">
-              <a:lumMod val="75000"/>
-              <a:alpha val="35000"/>
-            </a:schemeClr>
-          </a:solidFill>
-          <a:ln>
-            <a:solidFill>
-              <a:schemeClr val="accent6">
-                <a:lumMod val="75000"/>
-              </a:schemeClr>
-            </a:solidFill>
-          </a:ln>
-        </p:spPr>
-        <p:style>
-          <a:lnRef idx="2">
-            <a:schemeClr val="accent1">
-              <a:shade val="50000"/>
-            </a:schemeClr>
-          </a:lnRef>
-          <a:fillRef idx="1">
-            <a:schemeClr val="accent1"/>
-          </a:fillRef>
-          <a:effectRef idx="0">
-            <a:schemeClr val="accent1"/>
-          </a:effectRef>
-          <a:fontRef idx="minor">
-            <a:schemeClr val="lt1"/>
-          </a:fontRef>
-        </p:style>
-        <p:txBody>
-          <a:bodyPr rtlCol="0" anchor="ctr"/>
-          <a:lstStyle/>
-          <a:p>
-            <a:pPr algn="ctr"/>
-            <a:endParaRPr lang="es-ES"/>
-          </a:p>
-        </p:txBody>
-      </p:sp>
-    </p:spTree>
-  </p:cSld>
-  <p:clrMapOvr>
-    <a:masterClrMapping/>
-  </p:clrMapOvr>
-  <p:timing>
-    <p:tnLst>
-      <p:par>
-        <p:cTn id="1" dur="indefinite" restart="never" nodeType="tmRoot"/>
-      </p:par>
-    </p:tnLst>
-  </p:timing>
-</p:sld>
-</file>
-
-<file path=ppt/slides/slide12.xml><?xml version="1.0" encoding="utf-8"?>
-<p:sld xmlns:a="http://schemas.openxmlformats.org/drawingml/2006/main" xmlns:r="http://schemas.openxmlformats.org/officeDocument/2006/relationships" xmlns:p="http://schemas.openxmlformats.org/presentationml/2006/main">
-  <p:cSld>
-    <p:spTree>
-      <p:nvGrpSpPr>
-        <p:cNvPr id="1" name=""/>
-        <p:cNvGrpSpPr/>
-        <p:nvPr/>
-      </p:nvGrpSpPr>
-      <p:grpSpPr>
-        <a:xfrm>
-          <a:off x="0" y="0"/>
-          <a:ext cx="0" cy="0"/>
-          <a:chOff x="0" y="0"/>
-          <a:chExt cx="0" cy="0"/>
-        </a:xfrm>
-      </p:grpSpPr>
-      <p:sp>
-        <p:nvSpPr>
-          <p:cNvPr id="2" name="1 Título"/>
-          <p:cNvSpPr>
-            <a:spLocks noGrp="1"/>
-          </p:cNvSpPr>
-          <p:nvPr>
-            <p:ph type="title"/>
-          </p:nvPr>
-        </p:nvSpPr>
-        <p:spPr/>
-        <p:txBody>
-          <a:bodyPr/>
-          <a:lstStyle/>
-          <a:p>
+              <a:t>(</a:t>
+            </a:r>
             <a:r>
               <a:rPr lang="es-US" dirty="0" smtClean="0"/>
-              <a:t>Experimentación (11)</a:t>
-            </a:r>
-            <a:endParaRPr lang="es-ES" dirty="0"/>
-          </a:p>
-        </p:txBody>
-      </p:sp>
-      <p:pic>
-        <p:nvPicPr>
-          <p:cNvPr id="36867" name="Picture 3"/>
-          <p:cNvPicPr>
-            <a:picLocks noChangeAspect="1" noChangeArrowheads="1"/>
-          </p:cNvPicPr>
-          <p:nvPr/>
-        </p:nvPicPr>
-        <p:blipFill>
-          <a:blip r:embed="rId2"/>
-          <a:srcRect/>
-          <a:stretch>
-            <a:fillRect/>
-          </a:stretch>
-        </p:blipFill>
-        <p:spPr bwMode="auto">
-          <a:xfrm>
-            <a:off x="0" y="1946386"/>
-            <a:ext cx="9076543" cy="4929198"/>
-          </a:xfrm>
-          <a:prstGeom prst="rect">
-            <a:avLst/>
-          </a:prstGeom>
-          <a:noFill/>
-          <a:ln w="9525">
-            <a:noFill/>
-            <a:miter lim="800000"/>
-            <a:headEnd/>
-            <a:tailEnd/>
-          </a:ln>
-          <a:effectLst/>
-        </p:spPr>
-      </p:pic>
-      <p:sp>
-        <p:nvSpPr>
-          <p:cNvPr id="4" name="3 Rectángulo"/>
-          <p:cNvSpPr/>
-          <p:nvPr/>
-        </p:nvSpPr>
-        <p:spPr>
-          <a:xfrm>
-            <a:off x="4027974" y="2143116"/>
-            <a:ext cx="1785950" cy="4572032"/>
-          </a:xfrm>
-          <a:prstGeom prst="rect">
-            <a:avLst/>
-          </a:prstGeom>
-          <a:noFill/>
-          <a:ln>
-            <a:solidFill>
-              <a:srgbClr val="FF0000"/>
-            </a:solidFill>
-          </a:ln>
-        </p:spPr>
-        <p:style>
-          <a:lnRef idx="2">
-            <a:schemeClr val="accent1">
-              <a:shade val="50000"/>
-            </a:schemeClr>
-          </a:lnRef>
-          <a:fillRef idx="1">
-            <a:schemeClr val="accent1"/>
-          </a:fillRef>
-          <a:effectRef idx="0">
-            <a:schemeClr val="accent1"/>
-          </a:effectRef>
-          <a:fontRef idx="minor">
-            <a:schemeClr val="lt1"/>
-          </a:fontRef>
-        </p:style>
-        <p:txBody>
-          <a:bodyPr rtlCol="0" anchor="ctr"/>
-          <a:lstStyle/>
-          <a:p>
-            <a:pPr algn="ctr"/>
-            <a:endParaRPr lang="es-ES"/>
-          </a:p>
-        </p:txBody>
-      </p:sp>
-      <p:sp>
-        <p:nvSpPr>
-          <p:cNvPr id="5" name="4 Rectángulo"/>
-          <p:cNvSpPr/>
-          <p:nvPr/>
-        </p:nvSpPr>
-        <p:spPr>
-          <a:xfrm>
-            <a:off x="5384194" y="2143116"/>
-            <a:ext cx="428628" cy="4572032"/>
-          </a:xfrm>
-          <a:prstGeom prst="rect">
-            <a:avLst/>
-          </a:prstGeom>
-          <a:solidFill>
-            <a:schemeClr val="accent6">
-              <a:lumMod val="75000"/>
-              <a:alpha val="35000"/>
-            </a:schemeClr>
-          </a:solidFill>
-          <a:ln>
-            <a:solidFill>
-              <a:schemeClr val="accent6">
-                <a:lumMod val="75000"/>
-              </a:schemeClr>
-            </a:solidFill>
-          </a:ln>
-        </p:spPr>
-        <p:style>
-          <a:lnRef idx="2">
-            <a:schemeClr val="accent1">
-              <a:shade val="50000"/>
-            </a:schemeClr>
-          </a:lnRef>
-          <a:fillRef idx="1">
-            <a:schemeClr val="accent1"/>
-          </a:fillRef>
-          <a:effectRef idx="0">
-            <a:schemeClr val="accent1"/>
-          </a:effectRef>
-          <a:fontRef idx="minor">
-            <a:schemeClr val="lt1"/>
-          </a:fontRef>
-        </p:style>
-        <p:txBody>
-          <a:bodyPr rtlCol="0" anchor="ctr"/>
-          <a:lstStyle/>
-          <a:p>
-            <a:pPr algn="ctr"/>
-            <a:endParaRPr lang="es-ES"/>
-          </a:p>
-        </p:txBody>
-      </p:sp>
-      <p:sp>
-        <p:nvSpPr>
-          <p:cNvPr id="6" name="5 Rectángulo"/>
-          <p:cNvSpPr/>
-          <p:nvPr/>
-        </p:nvSpPr>
-        <p:spPr>
-          <a:xfrm>
-            <a:off x="4027974" y="2143116"/>
-            <a:ext cx="428628" cy="4572032"/>
-          </a:xfrm>
-          <a:prstGeom prst="rect">
-            <a:avLst/>
-          </a:prstGeom>
-          <a:solidFill>
-            <a:schemeClr val="accent1">
-              <a:lumMod val="75000"/>
-              <a:alpha val="35000"/>
-            </a:schemeClr>
-          </a:solidFill>
-          <a:ln>
-            <a:solidFill>
-              <a:schemeClr val="accent1">
-                <a:lumMod val="75000"/>
-              </a:schemeClr>
-            </a:solidFill>
-          </a:ln>
-        </p:spPr>
-        <p:style>
-          <a:lnRef idx="2">
-            <a:schemeClr val="accent1">
-              <a:shade val="50000"/>
-            </a:schemeClr>
-          </a:lnRef>
-          <a:fillRef idx="1">
-            <a:schemeClr val="accent1"/>
-          </a:fillRef>
-          <a:effectRef idx="0">
-            <a:schemeClr val="accent1"/>
-          </a:effectRef>
-          <a:fontRef idx="minor">
-            <a:schemeClr val="lt1"/>
-          </a:fontRef>
-        </p:style>
-        <p:txBody>
-          <a:bodyPr rtlCol="0" anchor="ctr"/>
-          <a:lstStyle/>
-          <a:p>
-            <a:pPr algn="ctr"/>
-            <a:endParaRPr lang="es-ES"/>
-          </a:p>
-        </p:txBody>
-      </p:sp>
-    </p:spTree>
-  </p:cSld>
-  <p:clrMapOvr>
-    <a:masterClrMapping/>
-  </p:clrMapOvr>
-  <p:timing>
-    <p:tnLst>
-      <p:par>
-        <p:cTn id="1" dur="indefinite" restart="never" nodeType="tmRoot"/>
-      </p:par>
-    </p:tnLst>
-  </p:timing>
-</p:sld>
-</file>
-
-<file path=ppt/slides/slide13.xml><?xml version="1.0" encoding="utf-8"?>
-<p:sld xmlns:a="http://schemas.openxmlformats.org/drawingml/2006/main" xmlns:r="http://schemas.openxmlformats.org/officeDocument/2006/relationships" xmlns:p="http://schemas.openxmlformats.org/presentationml/2006/main">
-  <p:cSld>
-    <p:spTree>
-      <p:nvGrpSpPr>
-        <p:cNvPr id="1" name=""/>
-        <p:cNvGrpSpPr/>
-        <p:nvPr/>
-      </p:nvGrpSpPr>
-      <p:grpSpPr>
-        <a:xfrm>
-          <a:off x="0" y="0"/>
-          <a:ext cx="0" cy="0"/>
-          <a:chOff x="0" y="0"/>
-          <a:chExt cx="0" cy="0"/>
-        </a:xfrm>
-      </p:grpSpPr>
-      <p:sp>
-        <p:nvSpPr>
-          <p:cNvPr id="2" name="1 Título"/>
-          <p:cNvSpPr>
-            <a:spLocks noGrp="1"/>
-          </p:cNvSpPr>
-          <p:nvPr>
-            <p:ph type="title"/>
-          </p:nvPr>
-        </p:nvSpPr>
-        <p:spPr/>
-        <p:txBody>
-          <a:bodyPr/>
-          <a:lstStyle/>
-          <a:p>
+              <a:t>9</a:t>
+            </a:r>
             <a:r>
               <a:rPr lang="es-US" dirty="0" smtClean="0"/>
-              <a:t>Experimentación (12)</a:t>
+              <a:t>)</a:t>
             </a:r>
             <a:endParaRPr lang="es-ES" dirty="0"/>
           </a:p>
@@ -13148,7 +13578,7 @@
 </p:sld>
 </file>
 
-<file path=ppt/slides/slide14.xml><?xml version="1.0" encoding="utf-8"?>
+<file path=ppt/slides/slide11.xml><?xml version="1.0" encoding="utf-8"?>
 <p:sld xmlns:a="http://schemas.openxmlformats.org/drawingml/2006/main" xmlns:r="http://schemas.openxmlformats.org/officeDocument/2006/relationships" xmlns:p="http://schemas.openxmlformats.org/presentationml/2006/main">
   <p:cSld>
     <p:spTree>
@@ -13182,7 +13612,11 @@
           <a:p>
             <a:r>
               <a:rPr lang="es-US" dirty="0" smtClean="0"/>
-              <a:t>Experimentación (13)</a:t>
+              <a:t>Experimentación (</a:t>
+            </a:r>
+            <a:r>
+              <a:rPr lang="es-US" dirty="0" smtClean="0"/>
+              <a:t>10)</a:t>
             </a:r>
             <a:endParaRPr lang="es-ES" dirty="0"/>
           </a:p>
@@ -13493,18 +13927,7 @@
                           <a:ea typeface="Times New Roman"/>
                           <a:cs typeface="Times New Roman"/>
                         </a:rPr>
-                        <a:t>66</a:t>
-                      </a:r>
-                      <a:r>
-                        <a:rPr lang="es-ES" sz="1600" dirty="0" smtClean="0">
-                          <a:solidFill>
-                            <a:srgbClr val="000000"/>
-                          </a:solidFill>
-                          <a:latin typeface="Calibri"/>
-                          <a:ea typeface="Times New Roman"/>
-                          <a:cs typeface="Times New Roman"/>
-                        </a:rPr>
-                        <a:t>%</a:t>
+                        <a:t>66%</a:t>
                       </a:r>
                       <a:endParaRPr lang="es-ES" sz="1600" dirty="0">
                         <a:latin typeface="Times New Roman"/>
@@ -13586,18 +14009,7 @@
                           <a:ea typeface="Times New Roman"/>
                           <a:cs typeface="Times New Roman"/>
                         </a:rPr>
-                        <a:t>82</a:t>
-                      </a:r>
-                      <a:r>
-                        <a:rPr lang="es-ES" sz="1600" dirty="0" smtClean="0">
-                          <a:solidFill>
-                            <a:srgbClr val="000000"/>
-                          </a:solidFill>
-                          <a:latin typeface="Calibri"/>
-                          <a:ea typeface="Times New Roman"/>
-                          <a:cs typeface="Times New Roman"/>
-                        </a:rPr>
-                        <a:t>%</a:t>
+                        <a:t>82%</a:t>
                       </a:r>
                       <a:endParaRPr lang="es-ES" sz="1600" dirty="0">
                         <a:latin typeface="Times New Roman"/>
@@ -14122,7 +14534,7 @@
 </p:sld>
 </file>
 
-<file path=ppt/slides/slide15.xml><?xml version="1.0" encoding="utf-8"?>
+<file path=ppt/slides/slide12.xml><?xml version="1.0" encoding="utf-8"?>
 <p:sld xmlns:a="http://schemas.openxmlformats.org/drawingml/2006/main" xmlns:r="http://schemas.openxmlformats.org/officeDocument/2006/relationships" xmlns:p="http://schemas.openxmlformats.org/presentationml/2006/main">
   <p:cSld>
     <p:spTree>
@@ -14156,7 +14568,11 @@
           <a:p>
             <a:r>
               <a:rPr lang="es-US" dirty="0" smtClean="0"/>
-              <a:t>Experimentación (14)</a:t>
+              <a:t>Experimentación (</a:t>
+            </a:r>
+            <a:r>
+              <a:rPr lang="es-US" dirty="0" smtClean="0"/>
+              <a:t>11)</a:t>
             </a:r>
             <a:endParaRPr lang="es-ES" dirty="0"/>
           </a:p>
@@ -14209,7 +14625,7 @@
 </p:sld>
 </file>
 
-<file path=ppt/slides/slide16.xml><?xml version="1.0" encoding="utf-8"?>
+<file path=ppt/slides/slide13.xml><?xml version="1.0" encoding="utf-8"?>
 <p:sld xmlns:a="http://schemas.openxmlformats.org/drawingml/2006/main" xmlns:r="http://schemas.openxmlformats.org/officeDocument/2006/relationships" xmlns:p="http://schemas.openxmlformats.org/presentationml/2006/main">
   <p:cSld>
     <p:spTree>
@@ -14245,7 +14661,11 @@
           <a:p>
             <a:r>
               <a:rPr lang="es-US" dirty="0" smtClean="0"/>
-              <a:t>Experimentación (15)</a:t>
+              <a:t>Experimentación (</a:t>
+            </a:r>
+            <a:r>
+              <a:rPr lang="es-US" dirty="0" smtClean="0"/>
+              <a:t>12)</a:t>
             </a:r>
             <a:endParaRPr lang="es-ES" dirty="0"/>
           </a:p>
@@ -14298,7 +14718,7 @@
 </p:sld>
 </file>
 
-<file path=ppt/slides/slide17.xml><?xml version="1.0" encoding="utf-8"?>
+<file path=ppt/slides/slide14.xml><?xml version="1.0" encoding="utf-8"?>
 <p:sld xmlns:a="http://schemas.openxmlformats.org/drawingml/2006/main" xmlns:r="http://schemas.openxmlformats.org/officeDocument/2006/relationships" xmlns:p="http://schemas.openxmlformats.org/presentationml/2006/main">
   <p:cSld>
     <p:spTree>
@@ -14332,7 +14752,11 @@
           <a:p>
             <a:r>
               <a:rPr lang="es-US" dirty="0" smtClean="0"/>
-              <a:t>Experimentación (16)</a:t>
+              <a:t>Experimentación (</a:t>
+            </a:r>
+            <a:r>
+              <a:rPr lang="es-US" dirty="0" smtClean="0"/>
+              <a:t>13)</a:t>
             </a:r>
             <a:endParaRPr lang="es-ES" dirty="0"/>
           </a:p>
@@ -14485,7 +14909,7 @@
 </p:sld>
 </file>
 
-<file path=ppt/slides/slide18.xml><?xml version="1.0" encoding="utf-8"?>
+<file path=ppt/slides/slide15.xml><?xml version="1.0" encoding="utf-8"?>
 <p:sld xmlns:a="http://schemas.openxmlformats.org/drawingml/2006/main" xmlns:r="http://schemas.openxmlformats.org/officeDocument/2006/relationships" xmlns:p="http://schemas.openxmlformats.org/presentationml/2006/main">
   <p:cSld>
     <p:spTree>
@@ -14710,7 +15134,7 @@
 </p:sld>
 </file>
 
-<file path=ppt/slides/slide19.xml><?xml version="1.0" encoding="utf-8"?>
+<file path=ppt/slides/slide16.xml><?xml version="1.0" encoding="utf-8"?>
 <p:sld xmlns:a="http://schemas.openxmlformats.org/drawingml/2006/main" xmlns:r="http://schemas.openxmlformats.org/officeDocument/2006/relationships" xmlns:p="http://schemas.openxmlformats.org/presentationml/2006/main">
   <p:cSld>
     <p:spTree>
@@ -14888,205 +15312,7 @@
 </p:sld>
 </file>
 
-<file path=ppt/slides/slide2.xml><?xml version="1.0" encoding="utf-8"?>
-<p:sld xmlns:a="http://schemas.openxmlformats.org/drawingml/2006/main" xmlns:r="http://schemas.openxmlformats.org/officeDocument/2006/relationships" xmlns:p="http://schemas.openxmlformats.org/presentationml/2006/main">
-  <p:cSld>
-    <p:spTree>
-      <p:nvGrpSpPr>
-        <p:cNvPr id="1" name=""/>
-        <p:cNvGrpSpPr/>
-        <p:nvPr/>
-      </p:nvGrpSpPr>
-      <p:grpSpPr>
-        <a:xfrm>
-          <a:off x="0" y="0"/>
-          <a:ext cx="0" cy="0"/>
-          <a:chOff x="0" y="0"/>
-          <a:chExt cx="0" cy="0"/>
-        </a:xfrm>
-      </p:grpSpPr>
-      <p:sp>
-        <p:nvSpPr>
-          <p:cNvPr id="2" name="Title 1"/>
-          <p:cNvSpPr>
-            <a:spLocks noGrp="1"/>
-          </p:cNvSpPr>
-          <p:nvPr>
-            <p:ph type="title"/>
-          </p:nvPr>
-        </p:nvSpPr>
-        <p:spPr/>
-        <p:txBody>
-          <a:bodyPr/>
-          <a:lstStyle/>
-          <a:p>
-            <a:r>
-              <a:rPr lang="es-AR" dirty="0" smtClean="0"/>
-              <a:t>Experimentación (1)</a:t>
-            </a:r>
-            <a:endParaRPr lang="es-AR" dirty="0"/>
-          </a:p>
-        </p:txBody>
-      </p:sp>
-      <p:sp>
-        <p:nvSpPr>
-          <p:cNvPr id="3" name="Content Placeholder 2"/>
-          <p:cNvSpPr>
-            <a:spLocks noGrp="1"/>
-          </p:cNvSpPr>
-          <p:nvPr>
-            <p:ph idx="1"/>
-          </p:nvPr>
-        </p:nvSpPr>
-        <p:spPr/>
-        <p:txBody>
-          <a:bodyPr>
-            <a:normAutofit lnSpcReduction="10000"/>
-          </a:bodyPr>
-          <a:lstStyle/>
-          <a:p>
-            <a:r>
-              <a:rPr lang="es-AR" dirty="0" smtClean="0">
-                <a:latin typeface="+mj-lt"/>
-              </a:rPr>
-              <a:t>Objetivos: </a:t>
-            </a:r>
-          </a:p>
-          <a:p>
-            <a:pPr marL="880110" lvl="1" indent="-514350">
-              <a:buFont typeface="+mj-lt"/>
-              <a:buAutoNum type="arabicPeriod"/>
-            </a:pPr>
-            <a:r>
-              <a:rPr lang="es-AR" dirty="0" smtClean="0">
-                <a:latin typeface="+mj-lt"/>
-              </a:rPr>
-              <a:t>Encontrar la combinación óptima [algoritmo de aprendizaje de máquina / modelo de instancia].</a:t>
-            </a:r>
-          </a:p>
-          <a:p>
-            <a:pPr marL="880110" lvl="1" indent="-514350">
-              <a:buFont typeface="+mj-lt"/>
-              <a:buAutoNum type="arabicPeriod"/>
-            </a:pPr>
-            <a:r>
-              <a:rPr lang="es-AR" dirty="0" smtClean="0">
-                <a:latin typeface="+mj-lt"/>
-              </a:rPr>
-              <a:t>Evaluar el desempeño del clasificador  resultante.</a:t>
-            </a:r>
-          </a:p>
-          <a:p>
-            <a:endParaRPr lang="es-AR" dirty="0" smtClean="0">
-              <a:latin typeface="+mj-lt"/>
-            </a:endParaRPr>
-          </a:p>
-          <a:p>
-            <a:r>
-              <a:rPr lang="es-AR" dirty="0" smtClean="0">
-                <a:latin typeface="+mj-lt"/>
-              </a:rPr>
-              <a:t>Consideraciones  generales:</a:t>
-            </a:r>
-          </a:p>
-          <a:p>
-            <a:pPr lvl="1"/>
-            <a:r>
-              <a:rPr lang="es-AR" dirty="0" smtClean="0">
-                <a:latin typeface="+mj-lt"/>
-              </a:rPr>
-              <a:t>Utilización de la herramienta WEKA.</a:t>
-            </a:r>
-          </a:p>
-          <a:p>
-            <a:pPr lvl="1"/>
-            <a:r>
-              <a:rPr lang="es-AR" dirty="0" smtClean="0">
-                <a:latin typeface="+mj-lt"/>
-              </a:rPr>
-              <a:t>Se evaluaron 4 algoritmos de clasificación : </a:t>
-            </a:r>
-          </a:p>
-          <a:p>
-            <a:pPr lvl="1">
-              <a:buNone/>
-            </a:pPr>
-            <a:r>
-              <a:rPr lang="es-AR" dirty="0" smtClean="0">
-                <a:latin typeface="+mj-lt"/>
-              </a:rPr>
-              <a:t>	[Reg. Lineal, SVM, Redes neuronales, Arboles Modelo]</a:t>
-            </a:r>
-          </a:p>
-          <a:p>
-            <a:pPr lvl="1"/>
-            <a:r>
-              <a:rPr lang="es-AR" dirty="0" smtClean="0">
-                <a:latin typeface="+mj-lt"/>
-              </a:rPr>
-              <a:t>Parametrización de los algoritmos</a:t>
-            </a:r>
-          </a:p>
-          <a:p>
-            <a:pPr lvl="1"/>
-            <a:endParaRPr lang="es-AR" dirty="0" smtClean="0">
-              <a:latin typeface="+mj-lt"/>
-            </a:endParaRPr>
-          </a:p>
-          <a:p>
-            <a:endParaRPr lang="es-AR" dirty="0" smtClean="0"/>
-          </a:p>
-        </p:txBody>
-      </p:sp>
-      <p:pic>
-        <p:nvPicPr>
-          <p:cNvPr id="32769" name="Picture 1"/>
-          <p:cNvPicPr>
-            <a:picLocks noChangeAspect="1" noChangeArrowheads="1"/>
-          </p:cNvPicPr>
-          <p:nvPr/>
-        </p:nvPicPr>
-        <p:blipFill>
-          <a:blip r:embed="rId3" cstate="print"/>
-          <a:srcRect/>
-          <a:stretch>
-            <a:fillRect/>
-          </a:stretch>
-        </p:blipFill>
-        <p:spPr bwMode="auto">
-          <a:xfrm>
-            <a:off x="7072330" y="3571876"/>
-            <a:ext cx="1714512" cy="1500198"/>
-          </a:xfrm>
-          <a:prstGeom prst="rect">
-            <a:avLst/>
-          </a:prstGeom>
-          <a:noFill/>
-          <a:ln w="9525">
-            <a:noFill/>
-            <a:miter lim="800000"/>
-            <a:headEnd/>
-            <a:tailEnd/>
-          </a:ln>
-          <a:effectLst/>
-        </p:spPr>
-      </p:pic>
-    </p:spTree>
-  </p:cSld>
-  <p:clrMapOvr>
-    <a:masterClrMapping/>
-  </p:clrMapOvr>
-  <p:timing>
-    <p:tnLst>
-      <p:par>
-        <p:cTn id="1" dur="indefinite" restart="never" nodeType="tmRoot"/>
-      </p:par>
-    </p:tnLst>
-  </p:timing>
-</p:sld>
-</file>
-
-<file path=ppt/slides/slide20.xml><?xml version="1.0" encoding="utf-8"?>
+<file path=ppt/slides/slide17.xml><?xml version="1.0" encoding="utf-8"?>
 <p:sld xmlns:a="http://schemas.openxmlformats.org/drawingml/2006/main" xmlns:r="http://schemas.openxmlformats.org/officeDocument/2006/relationships" xmlns:p="http://schemas.openxmlformats.org/presentationml/2006/main">
   <p:cSld>
     <p:spTree>
@@ -15717,6 +15943,586 @@
 </p:sld>
 </file>
 
+<file path=ppt/slides/slide18.xml><?xml version="1.0" encoding="utf-8"?>
+<p:sld xmlns:a="http://schemas.openxmlformats.org/drawingml/2006/main" xmlns:r="http://schemas.openxmlformats.org/officeDocument/2006/relationships" xmlns:p="http://schemas.openxmlformats.org/presentationml/2006/main">
+  <p:cSld>
+    <p:spTree>
+      <p:nvGrpSpPr>
+        <p:cNvPr id="1" name=""/>
+        <p:cNvGrpSpPr/>
+        <p:nvPr/>
+      </p:nvGrpSpPr>
+      <p:grpSpPr>
+        <a:xfrm>
+          <a:off x="0" y="0"/>
+          <a:ext cx="0" cy="0"/>
+          <a:chOff x="0" y="0"/>
+          <a:chExt cx="0" cy="0"/>
+        </a:xfrm>
+      </p:grpSpPr>
+      <p:sp>
+        <p:nvSpPr>
+          <p:cNvPr id="2" name="1 Título"/>
+          <p:cNvSpPr>
+            <a:spLocks noGrp="1"/>
+          </p:cNvSpPr>
+          <p:nvPr>
+            <p:ph type="title"/>
+          </p:nvPr>
+        </p:nvSpPr>
+        <p:spPr/>
+        <p:txBody>
+          <a:bodyPr/>
+          <a:lstStyle/>
+          <a:p>
+            <a:r>
+              <a:rPr lang="es-US" dirty="0" smtClean="0"/>
+              <a:t>Surf-Forecaster (3)</a:t>
+            </a:r>
+            <a:endParaRPr lang="es-ES" dirty="0"/>
+          </a:p>
+        </p:txBody>
+      </p:sp>
+      <p:sp>
+        <p:nvSpPr>
+          <p:cNvPr id="3" name="2 Marcador de contenido"/>
+          <p:cNvSpPr>
+            <a:spLocks noGrp="1"/>
+          </p:cNvSpPr>
+          <p:nvPr>
+            <p:ph idx="1"/>
+          </p:nvPr>
+        </p:nvSpPr>
+        <p:spPr/>
+        <p:txBody>
+          <a:bodyPr/>
+          <a:lstStyle/>
+          <a:p>
+            <a:r>
+              <a:rPr lang="es-US" dirty="0" smtClean="0">
+                <a:latin typeface="+mj-lt"/>
+              </a:rPr>
+              <a:t>Tipos de usuario</a:t>
+            </a:r>
+          </a:p>
+          <a:p>
+            <a:pPr lvl="1"/>
+            <a:r>
+              <a:rPr lang="es-US" dirty="0" smtClean="0">
+                <a:latin typeface="+mj-lt"/>
+              </a:rPr>
+              <a:t>Usuario no registrado u anónimo.</a:t>
+            </a:r>
+          </a:p>
+          <a:p>
+            <a:pPr lvl="1"/>
+            <a:r>
+              <a:rPr lang="es-US" dirty="0" smtClean="0">
+                <a:latin typeface="+mj-lt"/>
+              </a:rPr>
+              <a:t>Usuario registrado.</a:t>
+            </a:r>
+          </a:p>
+          <a:p>
+            <a:pPr lvl="1"/>
+            <a:r>
+              <a:rPr lang="es-US" dirty="0" smtClean="0">
+                <a:latin typeface="+mj-lt"/>
+              </a:rPr>
+              <a:t>Administrador.</a:t>
+            </a:r>
+          </a:p>
+          <a:p>
+            <a:pPr lvl="1"/>
+            <a:endParaRPr lang="es-US" dirty="0" smtClean="0"/>
+          </a:p>
+          <a:p>
+            <a:endParaRPr lang="es-ES" dirty="0"/>
+          </a:p>
+        </p:txBody>
+      </p:sp>
+      <p:pic>
+        <p:nvPicPr>
+          <p:cNvPr id="56326" name="Picture 6"/>
+          <p:cNvPicPr>
+            <a:picLocks noChangeAspect="1" noChangeArrowheads="1"/>
+          </p:cNvPicPr>
+          <p:nvPr/>
+        </p:nvPicPr>
+        <p:blipFill>
+          <a:blip r:embed="rId2" cstate="print"/>
+          <a:srcRect/>
+          <a:stretch>
+            <a:fillRect/>
+          </a:stretch>
+        </p:blipFill>
+        <p:spPr bwMode="auto">
+          <a:xfrm>
+            <a:off x="6429388" y="4214818"/>
+            <a:ext cx="2428892" cy="2421893"/>
+          </a:xfrm>
+          <a:prstGeom prst="rect">
+            <a:avLst/>
+          </a:prstGeom>
+          <a:noFill/>
+          <a:ln w="9525">
+            <a:noFill/>
+            <a:miter lim="800000"/>
+            <a:headEnd/>
+            <a:tailEnd/>
+          </a:ln>
+          <a:effectLst/>
+        </p:spPr>
+      </p:pic>
+    </p:spTree>
+  </p:cSld>
+  <p:clrMapOvr>
+    <a:masterClrMapping/>
+  </p:clrMapOvr>
+  <p:timing>
+    <p:tnLst>
+      <p:par>
+        <p:cTn id="1" dur="indefinite" restart="never" nodeType="tmRoot"/>
+      </p:par>
+    </p:tnLst>
+  </p:timing>
+</p:sld>
+</file>
+
+<file path=ppt/slides/slide19.xml><?xml version="1.0" encoding="utf-8"?>
+<p:sld xmlns:a="http://schemas.openxmlformats.org/drawingml/2006/main" xmlns:r="http://schemas.openxmlformats.org/officeDocument/2006/relationships" xmlns:p="http://schemas.openxmlformats.org/presentationml/2006/main">
+  <p:cSld>
+    <p:spTree>
+      <p:nvGrpSpPr>
+        <p:cNvPr id="1" name=""/>
+        <p:cNvGrpSpPr/>
+        <p:nvPr/>
+      </p:nvGrpSpPr>
+      <p:grpSpPr>
+        <a:xfrm>
+          <a:off x="0" y="0"/>
+          <a:ext cx="0" cy="0"/>
+          <a:chOff x="0" y="0"/>
+          <a:chExt cx="0" cy="0"/>
+        </a:xfrm>
+      </p:grpSpPr>
+      <p:sp>
+        <p:nvSpPr>
+          <p:cNvPr id="2" name="1 Título"/>
+          <p:cNvSpPr>
+            <a:spLocks noGrp="1"/>
+          </p:cNvSpPr>
+          <p:nvPr>
+            <p:ph type="title"/>
+          </p:nvPr>
+        </p:nvSpPr>
+        <p:spPr/>
+        <p:txBody>
+          <a:bodyPr>
+            <a:normAutofit/>
+          </a:bodyPr>
+          <a:lstStyle/>
+          <a:p>
+            <a:r>
+              <a:rPr lang="es-US" dirty="0" smtClean="0"/>
+              <a:t>Surf-Forecaster (4)</a:t>
+            </a:r>
+            <a:endParaRPr lang="es-ES" dirty="0"/>
+          </a:p>
+        </p:txBody>
+      </p:sp>
+      <p:sp>
+        <p:nvSpPr>
+          <p:cNvPr id="5" name="4 Marcador de contenido"/>
+          <p:cNvSpPr>
+            <a:spLocks noGrp="1"/>
+          </p:cNvSpPr>
+          <p:nvPr>
+            <p:ph idx="1"/>
+          </p:nvPr>
+        </p:nvSpPr>
+        <p:spPr/>
+        <p:txBody>
+          <a:bodyPr>
+            <a:normAutofit/>
+          </a:bodyPr>
+          <a:lstStyle/>
+          <a:p>
+            <a:r>
+              <a:rPr lang="es-US" sz="2000" dirty="0" smtClean="0">
+                <a:latin typeface="+mj-lt"/>
+              </a:rPr>
+              <a:t>Página de inicio (Usuario anónimo)</a:t>
+            </a:r>
+            <a:endParaRPr lang="es-ES" sz="2000" dirty="0">
+              <a:latin typeface="+mj-lt"/>
+            </a:endParaRPr>
+          </a:p>
+        </p:txBody>
+      </p:sp>
+      <p:pic>
+        <p:nvPicPr>
+          <p:cNvPr id="55299" name="Picture 3"/>
+          <p:cNvPicPr>
+            <a:picLocks noChangeAspect="1" noChangeArrowheads="1"/>
+          </p:cNvPicPr>
+          <p:nvPr/>
+        </p:nvPicPr>
+        <p:blipFill>
+          <a:blip r:embed="rId2" cstate="print"/>
+          <a:srcRect/>
+          <a:stretch>
+            <a:fillRect/>
+          </a:stretch>
+        </p:blipFill>
+        <p:spPr bwMode="auto">
+          <a:xfrm>
+            <a:off x="142844" y="2571744"/>
+            <a:ext cx="8850959" cy="3571900"/>
+          </a:xfrm>
+          <a:prstGeom prst="rect">
+            <a:avLst/>
+          </a:prstGeom>
+          <a:noFill/>
+          <a:ln w="9525">
+            <a:noFill/>
+            <a:miter lim="800000"/>
+            <a:headEnd/>
+            <a:tailEnd/>
+          </a:ln>
+          <a:effectLst/>
+        </p:spPr>
+      </p:pic>
+    </p:spTree>
+  </p:cSld>
+  <p:clrMapOvr>
+    <a:masterClrMapping/>
+  </p:clrMapOvr>
+  <p:timing>
+    <p:tnLst>
+      <p:par>
+        <p:cTn id="1" dur="indefinite" restart="never" nodeType="tmRoot"/>
+      </p:par>
+    </p:tnLst>
+  </p:timing>
+</p:sld>
+</file>
+
+<file path=ppt/slides/slide2.xml><?xml version="1.0" encoding="utf-8"?>
+<p:sld xmlns:a="http://schemas.openxmlformats.org/drawingml/2006/main" xmlns:r="http://schemas.openxmlformats.org/officeDocument/2006/relationships" xmlns:p="http://schemas.openxmlformats.org/presentationml/2006/main">
+  <p:cSld>
+    <p:spTree>
+      <p:nvGrpSpPr>
+        <p:cNvPr id="1" name=""/>
+        <p:cNvGrpSpPr/>
+        <p:nvPr/>
+      </p:nvGrpSpPr>
+      <p:grpSpPr>
+        <a:xfrm>
+          <a:off x="0" y="0"/>
+          <a:ext cx="0" cy="0"/>
+          <a:chOff x="0" y="0"/>
+          <a:chExt cx="0" cy="0"/>
+        </a:xfrm>
+      </p:grpSpPr>
+      <p:sp>
+        <p:nvSpPr>
+          <p:cNvPr id="2" name="Title 1"/>
+          <p:cNvSpPr>
+            <a:spLocks noGrp="1"/>
+          </p:cNvSpPr>
+          <p:nvPr>
+            <p:ph type="title"/>
+          </p:nvPr>
+        </p:nvSpPr>
+        <p:spPr/>
+        <p:txBody>
+          <a:bodyPr/>
+          <a:lstStyle/>
+          <a:p>
+            <a:r>
+              <a:rPr lang="es-AR" dirty="0" smtClean="0"/>
+              <a:t>Experimentación (1)</a:t>
+            </a:r>
+            <a:endParaRPr lang="es-AR" dirty="0"/>
+          </a:p>
+        </p:txBody>
+      </p:sp>
+      <p:sp>
+        <p:nvSpPr>
+          <p:cNvPr id="3" name="Content Placeholder 2"/>
+          <p:cNvSpPr>
+            <a:spLocks noGrp="1"/>
+          </p:cNvSpPr>
+          <p:nvPr>
+            <p:ph idx="1"/>
+          </p:nvPr>
+        </p:nvSpPr>
+        <p:spPr/>
+        <p:txBody>
+          <a:bodyPr>
+            <a:normAutofit lnSpcReduction="10000"/>
+          </a:bodyPr>
+          <a:lstStyle/>
+          <a:p>
+            <a:r>
+              <a:rPr lang="es-AR" dirty="0" smtClean="0">
+                <a:latin typeface="+mj-lt"/>
+              </a:rPr>
+              <a:t>Objetivos: </a:t>
+            </a:r>
+          </a:p>
+          <a:p>
+            <a:pPr marL="880110" lvl="1" indent="-514350">
+              <a:buFont typeface="+mj-lt"/>
+              <a:buAutoNum type="arabicPeriod"/>
+            </a:pPr>
+            <a:r>
+              <a:rPr lang="es-AR" dirty="0" smtClean="0">
+                <a:latin typeface="+mj-lt"/>
+              </a:rPr>
+              <a:t>Encontrar la combinación óptima [algoritmo de aprendizaje de máquina / modelo de instancia].</a:t>
+            </a:r>
+          </a:p>
+          <a:p>
+            <a:pPr marL="880110" lvl="1" indent="-514350">
+              <a:buFont typeface="+mj-lt"/>
+              <a:buAutoNum type="arabicPeriod"/>
+            </a:pPr>
+            <a:r>
+              <a:rPr lang="es-AR" dirty="0" smtClean="0">
+                <a:latin typeface="+mj-lt"/>
+              </a:rPr>
+              <a:t>Evaluar el desempeño del clasificador  resultante.</a:t>
+            </a:r>
+          </a:p>
+          <a:p>
+            <a:endParaRPr lang="es-AR" dirty="0" smtClean="0">
+              <a:latin typeface="+mj-lt"/>
+            </a:endParaRPr>
+          </a:p>
+          <a:p>
+            <a:r>
+              <a:rPr lang="es-AR" dirty="0" smtClean="0">
+                <a:latin typeface="+mj-lt"/>
+              </a:rPr>
+              <a:t>Consideraciones  generales:</a:t>
+            </a:r>
+          </a:p>
+          <a:p>
+            <a:pPr lvl="1"/>
+            <a:r>
+              <a:rPr lang="es-AR" dirty="0" smtClean="0">
+                <a:latin typeface="+mj-lt"/>
+              </a:rPr>
+              <a:t>Utilización de la herramienta WEKA.</a:t>
+            </a:r>
+          </a:p>
+          <a:p>
+            <a:pPr lvl="1"/>
+            <a:r>
+              <a:rPr lang="es-AR" dirty="0" smtClean="0">
+                <a:latin typeface="+mj-lt"/>
+              </a:rPr>
+              <a:t>Se evaluaron 4 algoritmos de clasificación : </a:t>
+            </a:r>
+          </a:p>
+          <a:p>
+            <a:pPr lvl="1">
+              <a:buNone/>
+            </a:pPr>
+            <a:r>
+              <a:rPr lang="es-AR" dirty="0" smtClean="0">
+                <a:latin typeface="+mj-lt"/>
+              </a:rPr>
+              <a:t>	[Reg. Lineal, SVM, Redes neuronales, Arboles Modelo]</a:t>
+            </a:r>
+          </a:p>
+          <a:p>
+            <a:pPr lvl="1"/>
+            <a:r>
+              <a:rPr lang="es-AR" dirty="0" smtClean="0">
+                <a:latin typeface="+mj-lt"/>
+              </a:rPr>
+              <a:t>Parametrización de los algoritmos</a:t>
+            </a:r>
+          </a:p>
+          <a:p>
+            <a:pPr lvl="1"/>
+            <a:endParaRPr lang="es-AR" dirty="0" smtClean="0">
+              <a:latin typeface="+mj-lt"/>
+            </a:endParaRPr>
+          </a:p>
+          <a:p>
+            <a:endParaRPr lang="es-AR" dirty="0" smtClean="0"/>
+          </a:p>
+        </p:txBody>
+      </p:sp>
+      <p:pic>
+        <p:nvPicPr>
+          <p:cNvPr id="32769" name="Picture 1"/>
+          <p:cNvPicPr>
+            <a:picLocks noChangeAspect="1" noChangeArrowheads="1"/>
+          </p:cNvPicPr>
+          <p:nvPr/>
+        </p:nvPicPr>
+        <p:blipFill>
+          <a:blip r:embed="rId3" cstate="print"/>
+          <a:srcRect/>
+          <a:stretch>
+            <a:fillRect/>
+          </a:stretch>
+        </p:blipFill>
+        <p:spPr bwMode="auto">
+          <a:xfrm>
+            <a:off x="7072330" y="3571876"/>
+            <a:ext cx="1714512" cy="1500198"/>
+          </a:xfrm>
+          <a:prstGeom prst="rect">
+            <a:avLst/>
+          </a:prstGeom>
+          <a:noFill/>
+          <a:ln w="9525">
+            <a:noFill/>
+            <a:miter lim="800000"/>
+            <a:headEnd/>
+            <a:tailEnd/>
+          </a:ln>
+          <a:effectLst/>
+        </p:spPr>
+      </p:pic>
+    </p:spTree>
+  </p:cSld>
+  <p:clrMapOvr>
+    <a:masterClrMapping/>
+  </p:clrMapOvr>
+  <p:timing>
+    <p:tnLst>
+      <p:par>
+        <p:cTn id="1" dur="indefinite" restart="never" nodeType="tmRoot"/>
+      </p:par>
+    </p:tnLst>
+  </p:timing>
+</p:sld>
+</file>
+
+<file path=ppt/slides/slide20.xml><?xml version="1.0" encoding="utf-8"?>
+<p:sld xmlns:a="http://schemas.openxmlformats.org/drawingml/2006/main" xmlns:r="http://schemas.openxmlformats.org/officeDocument/2006/relationships" xmlns:p="http://schemas.openxmlformats.org/presentationml/2006/main">
+  <p:cSld>
+    <p:spTree>
+      <p:nvGrpSpPr>
+        <p:cNvPr id="1" name=""/>
+        <p:cNvGrpSpPr/>
+        <p:nvPr/>
+      </p:nvGrpSpPr>
+      <p:grpSpPr>
+        <a:xfrm>
+          <a:off x="0" y="0"/>
+          <a:ext cx="0" cy="0"/>
+          <a:chOff x="0" y="0"/>
+          <a:chExt cx="0" cy="0"/>
+        </a:xfrm>
+      </p:grpSpPr>
+      <p:sp>
+        <p:nvSpPr>
+          <p:cNvPr id="2" name="1 Título"/>
+          <p:cNvSpPr>
+            <a:spLocks noGrp="1"/>
+          </p:cNvSpPr>
+          <p:nvPr>
+            <p:ph type="title"/>
+          </p:nvPr>
+        </p:nvSpPr>
+        <p:spPr/>
+        <p:txBody>
+          <a:bodyPr/>
+          <a:lstStyle/>
+          <a:p>
+            <a:r>
+              <a:rPr lang="es-US" dirty="0" smtClean="0"/>
+              <a:t>Surf-Forecaster (5)</a:t>
+            </a:r>
+            <a:endParaRPr lang="es-ES" dirty="0"/>
+          </a:p>
+        </p:txBody>
+      </p:sp>
+      <p:sp>
+        <p:nvSpPr>
+          <p:cNvPr id="3" name="2 Marcador de contenido"/>
+          <p:cNvSpPr>
+            <a:spLocks noGrp="1"/>
+          </p:cNvSpPr>
+          <p:nvPr>
+            <p:ph idx="1"/>
+          </p:nvPr>
+        </p:nvSpPr>
+        <p:spPr/>
+        <p:txBody>
+          <a:bodyPr>
+            <a:normAutofit/>
+          </a:bodyPr>
+          <a:lstStyle/>
+          <a:p>
+            <a:r>
+              <a:rPr lang="es-US" sz="2000" dirty="0" smtClean="0">
+                <a:latin typeface="+mj-lt"/>
+              </a:rPr>
+              <a:t>Página de inicio (Usuario registrado)</a:t>
+            </a:r>
+            <a:endParaRPr lang="es-ES" sz="2000" dirty="0">
+              <a:latin typeface="+mj-lt"/>
+            </a:endParaRPr>
+          </a:p>
+        </p:txBody>
+      </p:sp>
+      <p:pic>
+        <p:nvPicPr>
+          <p:cNvPr id="56322" name="Picture 2"/>
+          <p:cNvPicPr>
+            <a:picLocks noChangeAspect="1" noChangeArrowheads="1"/>
+          </p:cNvPicPr>
+          <p:nvPr/>
+        </p:nvPicPr>
+        <p:blipFill>
+          <a:blip r:embed="rId2" cstate="print"/>
+          <a:srcRect/>
+          <a:stretch>
+            <a:fillRect/>
+          </a:stretch>
+        </p:blipFill>
+        <p:spPr bwMode="auto">
+          <a:xfrm>
+            <a:off x="142844" y="2571744"/>
+            <a:ext cx="8839333" cy="2928958"/>
+          </a:xfrm>
+          <a:prstGeom prst="rect">
+            <a:avLst/>
+          </a:prstGeom>
+          <a:noFill/>
+          <a:ln w="9525">
+            <a:noFill/>
+            <a:miter lim="800000"/>
+            <a:headEnd/>
+            <a:tailEnd/>
+          </a:ln>
+          <a:effectLst/>
+        </p:spPr>
+      </p:pic>
+    </p:spTree>
+  </p:cSld>
+  <p:clrMapOvr>
+    <a:masterClrMapping/>
+  </p:clrMapOvr>
+  <p:timing>
+    <p:tnLst>
+      <p:par>
+        <p:cTn id="1" dur="indefinite" restart="never" nodeType="tmRoot"/>
+      </p:par>
+    </p:tnLst>
+  </p:timing>
+</p:sld>
+</file>
+
 <file path=ppt/slides/slide21.xml><?xml version="1.0" encoding="utf-8"?>
 <p:sld xmlns:a="http://schemas.openxmlformats.org/drawingml/2006/main" xmlns:r="http://schemas.openxmlformats.org/officeDocument/2006/relationships" xmlns:p="http://schemas.openxmlformats.org/presentationml/2006/main">
   <p:cSld>
@@ -15751,7 +16557,7 @@
           <a:p>
             <a:r>
               <a:rPr lang="es-US" dirty="0" smtClean="0"/>
-              <a:t>Surf-Forecaster (3)</a:t>
+              <a:t>Surf-Forecaster (6)</a:t>
             </a:r>
             <a:endParaRPr lang="es-ES" dirty="0"/>
           </a:p>
@@ -15773,51 +16579,20 @@
           <a:lstStyle/>
           <a:p>
             <a:r>
-              <a:rPr lang="es-US" dirty="0" smtClean="0">
+              <a:rPr lang="es-US" sz="2000" dirty="0" smtClean="0">
                 <a:latin typeface="+mj-lt"/>
               </a:rPr>
-              <a:t>Tipos de usuario</a:t>
-            </a:r>
-          </a:p>
-          <a:p>
-            <a:pPr lvl="1"/>
-            <a:r>
-              <a:rPr lang="es-US" dirty="0" smtClean="0">
-                <a:latin typeface="+mj-lt"/>
-              </a:rPr>
-              <a:t>Usuario no registrado u anónimo.</a:t>
-            </a:r>
-          </a:p>
-          <a:p>
-            <a:pPr lvl="1"/>
-            <a:r>
-              <a:rPr lang="es-US" dirty="0" smtClean="0">
-                <a:latin typeface="+mj-lt"/>
-              </a:rPr>
-              <a:t>Usuario registrado.</a:t>
-            </a:r>
-          </a:p>
-          <a:p>
-            <a:pPr lvl="1"/>
-            <a:r>
-              <a:rPr lang="es-US" dirty="0" smtClean="0">
-                <a:latin typeface="+mj-lt"/>
-              </a:rPr>
-              <a:t>Administrador.</a:t>
-            </a:r>
-          </a:p>
-          <a:p>
-            <a:pPr lvl="1"/>
-            <a:endParaRPr lang="es-US" dirty="0" smtClean="0"/>
-          </a:p>
-          <a:p>
-            <a:endParaRPr lang="es-ES" dirty="0"/>
+              <a:t>Pronósticos</a:t>
+            </a:r>
+            <a:endParaRPr lang="es-ES" sz="2000" dirty="0">
+              <a:latin typeface="+mj-lt"/>
+            </a:endParaRPr>
           </a:p>
         </p:txBody>
       </p:sp>
       <p:pic>
         <p:nvPicPr>
-          <p:cNvPr id="56326" name="Picture 6"/>
+          <p:cNvPr id="57347" name="Picture 3"/>
           <p:cNvPicPr>
             <a:picLocks noChangeAspect="1" noChangeArrowheads="1"/>
           </p:cNvPicPr>
@@ -15832,8 +16607,8 @@
         </p:blipFill>
         <p:spPr bwMode="auto">
           <a:xfrm>
-            <a:off x="6429388" y="4214818"/>
-            <a:ext cx="2428892" cy="2421893"/>
+            <a:off x="71406" y="2357430"/>
+            <a:ext cx="9029700" cy="4500570"/>
           </a:xfrm>
           <a:prstGeom prst="rect">
             <a:avLst/>
@@ -15892,14 +16667,12 @@
         </p:nvSpPr>
         <p:spPr/>
         <p:txBody>
-          <a:bodyPr>
-            <a:normAutofit/>
-          </a:bodyPr>
+          <a:bodyPr/>
           <a:lstStyle/>
           <a:p>
             <a:r>
               <a:rPr lang="es-US" dirty="0" smtClean="0"/>
-              <a:t>Surf-Forecaster (4)</a:t>
+              <a:t>Surf-Forecaster (7)</a:t>
             </a:r>
             <a:endParaRPr lang="es-ES" dirty="0"/>
           </a:p>
@@ -15907,7 +16680,7 @@
       </p:sp>
       <p:sp>
         <p:nvSpPr>
-          <p:cNvPr id="5" name="4 Marcador de contenido"/>
+          <p:cNvPr id="3" name="2 Marcador de contenido"/>
           <p:cNvSpPr>
             <a:spLocks noGrp="1"/>
           </p:cNvSpPr>
@@ -15926,7 +16699,7 @@
               <a:rPr lang="es-US" sz="2000" dirty="0" smtClean="0">
                 <a:latin typeface="+mj-lt"/>
               </a:rPr>
-              <a:t>Página de inicio (Usuario anónimo)</a:t>
+              <a:t>Comparador  de olas (1)</a:t>
             </a:r>
             <a:endParaRPr lang="es-ES" sz="2000" dirty="0">
               <a:latin typeface="+mj-lt"/>
@@ -15936,7 +16709,7 @@
       </p:sp>
       <p:pic>
         <p:nvPicPr>
-          <p:cNvPr id="55299" name="Picture 3"/>
+          <p:cNvPr id="58370" name="Picture 2"/>
           <p:cNvPicPr>
             <a:picLocks noChangeAspect="1" noChangeArrowheads="1"/>
           </p:cNvPicPr>
@@ -15951,8 +16724,8 @@
         </p:blipFill>
         <p:spPr bwMode="auto">
           <a:xfrm>
-            <a:off x="142844" y="2571744"/>
-            <a:ext cx="8850959" cy="3571900"/>
+            <a:off x="39507" y="2305605"/>
+            <a:ext cx="9058239" cy="4552396"/>
           </a:xfrm>
           <a:prstGeom prst="rect">
             <a:avLst/>
@@ -16009,14 +16782,21 @@
             <p:ph type="title"/>
           </p:nvPr>
         </p:nvSpPr>
-        <p:spPr/>
+        <p:spPr>
+          <a:xfrm>
+            <a:off x="457200" y="704088"/>
+            <a:ext cx="8229600" cy="653210"/>
+          </a:xfrm>
+        </p:spPr>
         <p:txBody>
-          <a:bodyPr/>
+          <a:bodyPr>
+            <a:normAutofit fontScale="90000"/>
+          </a:bodyPr>
           <a:lstStyle/>
           <a:p>
             <a:r>
               <a:rPr lang="es-US" dirty="0" smtClean="0"/>
-              <a:t>Surf-Forecaster (5)</a:t>
+              <a:t>Surf-Forecaster (8)</a:t>
             </a:r>
             <a:endParaRPr lang="es-ES" dirty="0"/>
           </a:p>
@@ -16032,7 +16812,12 @@
             <p:ph idx="1"/>
           </p:nvPr>
         </p:nvSpPr>
-        <p:spPr/>
+        <p:spPr>
+          <a:xfrm>
+            <a:off x="428596" y="1428736"/>
+            <a:ext cx="8229600" cy="4389120"/>
+          </a:xfrm>
+        </p:spPr>
         <p:txBody>
           <a:bodyPr>
             <a:normAutofit/>
@@ -16043,7 +16828,7 @@
               <a:rPr lang="es-US" sz="2000" dirty="0" smtClean="0">
                 <a:latin typeface="+mj-lt"/>
               </a:rPr>
-              <a:t>Página de inicio (Usuario registrado)</a:t>
+              <a:t>Comparador  de olas (2)</a:t>
             </a:r>
             <a:endParaRPr lang="es-ES" sz="2000" dirty="0">
               <a:latin typeface="+mj-lt"/>
@@ -16053,7 +16838,7 @@
       </p:sp>
       <p:pic>
         <p:nvPicPr>
-          <p:cNvPr id="56322" name="Picture 2"/>
+          <p:cNvPr id="59395" name="Picture 3"/>
           <p:cNvPicPr>
             <a:picLocks noChangeAspect="1" noChangeArrowheads="1"/>
           </p:cNvPicPr>
@@ -16068,8 +16853,8 @@
         </p:blipFill>
         <p:spPr bwMode="auto">
           <a:xfrm>
-            <a:off x="142844" y="2571744"/>
-            <a:ext cx="8839333" cy="2928958"/>
+            <a:off x="1" y="1799173"/>
+            <a:ext cx="9144000" cy="5058827"/>
           </a:xfrm>
           <a:prstGeom prst="rect">
             <a:avLst/>
@@ -16126,14 +16911,21 @@
             <p:ph type="title"/>
           </p:nvPr>
         </p:nvSpPr>
-        <p:spPr/>
+        <p:spPr>
+          <a:xfrm>
+            <a:off x="457200" y="704088"/>
+            <a:ext cx="8229600" cy="653210"/>
+          </a:xfrm>
+        </p:spPr>
         <p:txBody>
-          <a:bodyPr/>
+          <a:bodyPr>
+            <a:normAutofit fontScale="90000"/>
+          </a:bodyPr>
           <a:lstStyle/>
           <a:p>
             <a:r>
               <a:rPr lang="es-US" dirty="0" smtClean="0"/>
-              <a:t>Surf-Forecaster (6)</a:t>
+              <a:t>Surf-Forecaster (9)</a:t>
             </a:r>
             <a:endParaRPr lang="es-ES" dirty="0"/>
           </a:p>
@@ -16149,16 +16941,23 @@
             <p:ph idx="1"/>
           </p:nvPr>
         </p:nvSpPr>
-        <p:spPr/>
+        <p:spPr>
+          <a:xfrm>
+            <a:off x="428596" y="1428736"/>
+            <a:ext cx="8229600" cy="4389120"/>
+          </a:xfrm>
+        </p:spPr>
         <p:txBody>
-          <a:bodyPr/>
+          <a:bodyPr>
+            <a:normAutofit/>
+          </a:bodyPr>
           <a:lstStyle/>
           <a:p>
             <a:r>
               <a:rPr lang="es-US" sz="2000" dirty="0" smtClean="0">
                 <a:latin typeface="+mj-lt"/>
               </a:rPr>
-              <a:t>Pronósticos</a:t>
+              <a:t>Comparador de olas (3)</a:t>
             </a:r>
             <a:endParaRPr lang="es-ES" sz="2000" dirty="0">
               <a:latin typeface="+mj-lt"/>
@@ -16168,7 +16967,7 @@
       </p:sp>
       <p:pic>
         <p:nvPicPr>
-          <p:cNvPr id="57347" name="Picture 3"/>
+          <p:cNvPr id="60418" name="Picture 2"/>
           <p:cNvPicPr>
             <a:picLocks noChangeAspect="1" noChangeArrowheads="1"/>
           </p:cNvPicPr>
@@ -16183,8 +16982,8 @@
         </p:blipFill>
         <p:spPr bwMode="auto">
           <a:xfrm>
-            <a:off x="71406" y="2357430"/>
-            <a:ext cx="9029700" cy="4500570"/>
+            <a:off x="0" y="1813785"/>
+            <a:ext cx="9144000" cy="5044216"/>
           </a:xfrm>
           <a:prstGeom prst="rect">
             <a:avLst/>
@@ -16241,381 +17040,6 @@
             <p:ph type="title"/>
           </p:nvPr>
         </p:nvSpPr>
-        <p:spPr/>
-        <p:txBody>
-          <a:bodyPr/>
-          <a:lstStyle/>
-          <a:p>
-            <a:r>
-              <a:rPr lang="es-US" dirty="0" smtClean="0"/>
-              <a:t>Surf-Forecaster (7)</a:t>
-            </a:r>
-            <a:endParaRPr lang="es-ES" dirty="0"/>
-          </a:p>
-        </p:txBody>
-      </p:sp>
-      <p:sp>
-        <p:nvSpPr>
-          <p:cNvPr id="3" name="2 Marcador de contenido"/>
-          <p:cNvSpPr>
-            <a:spLocks noGrp="1"/>
-          </p:cNvSpPr>
-          <p:nvPr>
-            <p:ph idx="1"/>
-          </p:nvPr>
-        </p:nvSpPr>
-        <p:spPr/>
-        <p:txBody>
-          <a:bodyPr>
-            <a:normAutofit/>
-          </a:bodyPr>
-          <a:lstStyle/>
-          <a:p>
-            <a:r>
-              <a:rPr lang="es-US" sz="2000" dirty="0" smtClean="0">
-                <a:latin typeface="+mj-lt"/>
-              </a:rPr>
-              <a:t>Comparador  de olas (1)</a:t>
-            </a:r>
-            <a:endParaRPr lang="es-ES" sz="2000" dirty="0">
-              <a:latin typeface="+mj-lt"/>
-            </a:endParaRPr>
-          </a:p>
-        </p:txBody>
-      </p:sp>
-      <p:pic>
-        <p:nvPicPr>
-          <p:cNvPr id="58370" name="Picture 2"/>
-          <p:cNvPicPr>
-            <a:picLocks noChangeAspect="1" noChangeArrowheads="1"/>
-          </p:cNvPicPr>
-          <p:nvPr/>
-        </p:nvPicPr>
-        <p:blipFill>
-          <a:blip r:embed="rId2" cstate="print"/>
-          <a:srcRect/>
-          <a:stretch>
-            <a:fillRect/>
-          </a:stretch>
-        </p:blipFill>
-        <p:spPr bwMode="auto">
-          <a:xfrm>
-            <a:off x="39507" y="2305605"/>
-            <a:ext cx="9058239" cy="4552396"/>
-          </a:xfrm>
-          <a:prstGeom prst="rect">
-            <a:avLst/>
-          </a:prstGeom>
-          <a:noFill/>
-          <a:ln w="9525">
-            <a:noFill/>
-            <a:miter lim="800000"/>
-            <a:headEnd/>
-            <a:tailEnd/>
-          </a:ln>
-          <a:effectLst/>
-        </p:spPr>
-      </p:pic>
-    </p:spTree>
-  </p:cSld>
-  <p:clrMapOvr>
-    <a:masterClrMapping/>
-  </p:clrMapOvr>
-  <p:timing>
-    <p:tnLst>
-      <p:par>
-        <p:cTn id="1" dur="indefinite" restart="never" nodeType="tmRoot"/>
-      </p:par>
-    </p:tnLst>
-  </p:timing>
-</p:sld>
-</file>
-
-<file path=ppt/slides/slide26.xml><?xml version="1.0" encoding="utf-8"?>
-<p:sld xmlns:a="http://schemas.openxmlformats.org/drawingml/2006/main" xmlns:r="http://schemas.openxmlformats.org/officeDocument/2006/relationships" xmlns:p="http://schemas.openxmlformats.org/presentationml/2006/main">
-  <p:cSld>
-    <p:spTree>
-      <p:nvGrpSpPr>
-        <p:cNvPr id="1" name=""/>
-        <p:cNvGrpSpPr/>
-        <p:nvPr/>
-      </p:nvGrpSpPr>
-      <p:grpSpPr>
-        <a:xfrm>
-          <a:off x="0" y="0"/>
-          <a:ext cx="0" cy="0"/>
-          <a:chOff x="0" y="0"/>
-          <a:chExt cx="0" cy="0"/>
-        </a:xfrm>
-      </p:grpSpPr>
-      <p:sp>
-        <p:nvSpPr>
-          <p:cNvPr id="2" name="1 Título"/>
-          <p:cNvSpPr>
-            <a:spLocks noGrp="1"/>
-          </p:cNvSpPr>
-          <p:nvPr>
-            <p:ph type="title"/>
-          </p:nvPr>
-        </p:nvSpPr>
-        <p:spPr>
-          <a:xfrm>
-            <a:off x="457200" y="704088"/>
-            <a:ext cx="8229600" cy="653210"/>
-          </a:xfrm>
-        </p:spPr>
-        <p:txBody>
-          <a:bodyPr>
-            <a:normAutofit fontScale="90000"/>
-          </a:bodyPr>
-          <a:lstStyle/>
-          <a:p>
-            <a:r>
-              <a:rPr lang="es-US" dirty="0" smtClean="0"/>
-              <a:t>Surf-Forecaster (8)</a:t>
-            </a:r>
-            <a:endParaRPr lang="es-ES" dirty="0"/>
-          </a:p>
-        </p:txBody>
-      </p:sp>
-      <p:sp>
-        <p:nvSpPr>
-          <p:cNvPr id="3" name="2 Marcador de contenido"/>
-          <p:cNvSpPr>
-            <a:spLocks noGrp="1"/>
-          </p:cNvSpPr>
-          <p:nvPr>
-            <p:ph idx="1"/>
-          </p:nvPr>
-        </p:nvSpPr>
-        <p:spPr>
-          <a:xfrm>
-            <a:off x="428596" y="1428736"/>
-            <a:ext cx="8229600" cy="4389120"/>
-          </a:xfrm>
-        </p:spPr>
-        <p:txBody>
-          <a:bodyPr>
-            <a:normAutofit/>
-          </a:bodyPr>
-          <a:lstStyle/>
-          <a:p>
-            <a:r>
-              <a:rPr lang="es-US" sz="2000" dirty="0" smtClean="0">
-                <a:latin typeface="+mj-lt"/>
-              </a:rPr>
-              <a:t>Comparador  de olas (2)</a:t>
-            </a:r>
-            <a:endParaRPr lang="es-ES" sz="2000" dirty="0">
-              <a:latin typeface="+mj-lt"/>
-            </a:endParaRPr>
-          </a:p>
-        </p:txBody>
-      </p:sp>
-      <p:pic>
-        <p:nvPicPr>
-          <p:cNvPr id="59395" name="Picture 3"/>
-          <p:cNvPicPr>
-            <a:picLocks noChangeAspect="1" noChangeArrowheads="1"/>
-          </p:cNvPicPr>
-          <p:nvPr/>
-        </p:nvPicPr>
-        <p:blipFill>
-          <a:blip r:embed="rId2" cstate="print"/>
-          <a:srcRect/>
-          <a:stretch>
-            <a:fillRect/>
-          </a:stretch>
-        </p:blipFill>
-        <p:spPr bwMode="auto">
-          <a:xfrm>
-            <a:off x="1" y="1799173"/>
-            <a:ext cx="9144000" cy="5058827"/>
-          </a:xfrm>
-          <a:prstGeom prst="rect">
-            <a:avLst/>
-          </a:prstGeom>
-          <a:noFill/>
-          <a:ln w="9525">
-            <a:noFill/>
-            <a:miter lim="800000"/>
-            <a:headEnd/>
-            <a:tailEnd/>
-          </a:ln>
-          <a:effectLst/>
-        </p:spPr>
-      </p:pic>
-    </p:spTree>
-  </p:cSld>
-  <p:clrMapOvr>
-    <a:masterClrMapping/>
-  </p:clrMapOvr>
-  <p:timing>
-    <p:tnLst>
-      <p:par>
-        <p:cTn id="1" dur="indefinite" restart="never" nodeType="tmRoot"/>
-      </p:par>
-    </p:tnLst>
-  </p:timing>
-</p:sld>
-</file>
-
-<file path=ppt/slides/slide27.xml><?xml version="1.0" encoding="utf-8"?>
-<p:sld xmlns:a="http://schemas.openxmlformats.org/drawingml/2006/main" xmlns:r="http://schemas.openxmlformats.org/officeDocument/2006/relationships" xmlns:p="http://schemas.openxmlformats.org/presentationml/2006/main">
-  <p:cSld>
-    <p:spTree>
-      <p:nvGrpSpPr>
-        <p:cNvPr id="1" name=""/>
-        <p:cNvGrpSpPr/>
-        <p:nvPr/>
-      </p:nvGrpSpPr>
-      <p:grpSpPr>
-        <a:xfrm>
-          <a:off x="0" y="0"/>
-          <a:ext cx="0" cy="0"/>
-          <a:chOff x="0" y="0"/>
-          <a:chExt cx="0" cy="0"/>
-        </a:xfrm>
-      </p:grpSpPr>
-      <p:sp>
-        <p:nvSpPr>
-          <p:cNvPr id="2" name="1 Título"/>
-          <p:cNvSpPr>
-            <a:spLocks noGrp="1"/>
-          </p:cNvSpPr>
-          <p:nvPr>
-            <p:ph type="title"/>
-          </p:nvPr>
-        </p:nvSpPr>
-        <p:spPr>
-          <a:xfrm>
-            <a:off x="457200" y="704088"/>
-            <a:ext cx="8229600" cy="653210"/>
-          </a:xfrm>
-        </p:spPr>
-        <p:txBody>
-          <a:bodyPr>
-            <a:normAutofit fontScale="90000"/>
-          </a:bodyPr>
-          <a:lstStyle/>
-          <a:p>
-            <a:r>
-              <a:rPr lang="es-US" dirty="0" smtClean="0"/>
-              <a:t>Surf-Forecaster (9)</a:t>
-            </a:r>
-            <a:endParaRPr lang="es-ES" dirty="0"/>
-          </a:p>
-        </p:txBody>
-      </p:sp>
-      <p:sp>
-        <p:nvSpPr>
-          <p:cNvPr id="3" name="2 Marcador de contenido"/>
-          <p:cNvSpPr>
-            <a:spLocks noGrp="1"/>
-          </p:cNvSpPr>
-          <p:nvPr>
-            <p:ph idx="1"/>
-          </p:nvPr>
-        </p:nvSpPr>
-        <p:spPr>
-          <a:xfrm>
-            <a:off x="428596" y="1428736"/>
-            <a:ext cx="8229600" cy="4389120"/>
-          </a:xfrm>
-        </p:spPr>
-        <p:txBody>
-          <a:bodyPr>
-            <a:normAutofit/>
-          </a:bodyPr>
-          <a:lstStyle/>
-          <a:p>
-            <a:r>
-              <a:rPr lang="es-US" sz="2000" dirty="0" smtClean="0">
-                <a:latin typeface="+mj-lt"/>
-              </a:rPr>
-              <a:t>Comparador de olas (3)</a:t>
-            </a:r>
-            <a:endParaRPr lang="es-ES" sz="2000" dirty="0">
-              <a:latin typeface="+mj-lt"/>
-            </a:endParaRPr>
-          </a:p>
-        </p:txBody>
-      </p:sp>
-      <p:pic>
-        <p:nvPicPr>
-          <p:cNvPr id="60418" name="Picture 2"/>
-          <p:cNvPicPr>
-            <a:picLocks noChangeAspect="1" noChangeArrowheads="1"/>
-          </p:cNvPicPr>
-          <p:nvPr/>
-        </p:nvPicPr>
-        <p:blipFill>
-          <a:blip r:embed="rId2" cstate="print"/>
-          <a:srcRect/>
-          <a:stretch>
-            <a:fillRect/>
-          </a:stretch>
-        </p:blipFill>
-        <p:spPr bwMode="auto">
-          <a:xfrm>
-            <a:off x="0" y="1813785"/>
-            <a:ext cx="9144000" cy="5044216"/>
-          </a:xfrm>
-          <a:prstGeom prst="rect">
-            <a:avLst/>
-          </a:prstGeom>
-          <a:noFill/>
-          <a:ln w="9525">
-            <a:noFill/>
-            <a:miter lim="800000"/>
-            <a:headEnd/>
-            <a:tailEnd/>
-          </a:ln>
-          <a:effectLst/>
-        </p:spPr>
-      </p:pic>
-    </p:spTree>
-  </p:cSld>
-  <p:clrMapOvr>
-    <a:masterClrMapping/>
-  </p:clrMapOvr>
-  <p:timing>
-    <p:tnLst>
-      <p:par>
-        <p:cTn id="1" dur="indefinite" restart="never" nodeType="tmRoot"/>
-      </p:par>
-    </p:tnLst>
-  </p:timing>
-</p:sld>
-</file>
-
-<file path=ppt/slides/slide28.xml><?xml version="1.0" encoding="utf-8"?>
-<p:sld xmlns:a="http://schemas.openxmlformats.org/drawingml/2006/main" xmlns:r="http://schemas.openxmlformats.org/officeDocument/2006/relationships" xmlns:p="http://schemas.openxmlformats.org/presentationml/2006/main">
-  <p:cSld>
-    <p:spTree>
-      <p:nvGrpSpPr>
-        <p:cNvPr id="1" name=""/>
-        <p:cNvGrpSpPr/>
-        <p:nvPr/>
-      </p:nvGrpSpPr>
-      <p:grpSpPr>
-        <a:xfrm>
-          <a:off x="0" y="0"/>
-          <a:ext cx="0" cy="0"/>
-          <a:chOff x="0" y="0"/>
-          <a:chExt cx="0" cy="0"/>
-        </a:xfrm>
-      </p:grpSpPr>
-      <p:sp>
-        <p:nvSpPr>
-          <p:cNvPr id="2" name="1 Título"/>
-          <p:cNvSpPr>
-            <a:spLocks noGrp="1"/>
-          </p:cNvSpPr>
-          <p:nvPr>
-            <p:ph type="title"/>
-          </p:nvPr>
-        </p:nvSpPr>
         <p:spPr>
           <a:xfrm>
             <a:off x="457200" y="704088"/>
@@ -16718,7 +17142,7 @@
 </p:sld>
 </file>
 
-<file path=ppt/slides/slide29.xml><?xml version="1.0" encoding="utf-8"?>
+<file path=ppt/slides/slide26.xml><?xml version="1.0" encoding="utf-8"?>
 <p:sld xmlns:a="http://schemas.openxmlformats.org/drawingml/2006/main" xmlns:r="http://schemas.openxmlformats.org/officeDocument/2006/relationships" xmlns:p="http://schemas.openxmlformats.org/presentationml/2006/main">
   <p:cSld>
     <p:spTree>
@@ -17003,175 +17427,7 @@
 </p:sld>
 </file>
 
-<file path=ppt/slides/slide3.xml><?xml version="1.0" encoding="utf-8"?>
-<p:sld xmlns:a="http://schemas.openxmlformats.org/drawingml/2006/main" xmlns:r="http://schemas.openxmlformats.org/officeDocument/2006/relationships" xmlns:p="http://schemas.openxmlformats.org/presentationml/2006/main">
-  <p:cSld>
-    <p:spTree>
-      <p:nvGrpSpPr>
-        <p:cNvPr id="1" name=""/>
-        <p:cNvGrpSpPr/>
-        <p:nvPr/>
-      </p:nvGrpSpPr>
-      <p:grpSpPr>
-        <a:xfrm>
-          <a:off x="0" y="0"/>
-          <a:ext cx="0" cy="0"/>
-          <a:chOff x="0" y="0"/>
-          <a:chExt cx="0" cy="0"/>
-        </a:xfrm>
-      </p:grpSpPr>
-      <p:sp>
-        <p:nvSpPr>
-          <p:cNvPr id="2" name="1 Título"/>
-          <p:cNvSpPr>
-            <a:spLocks noGrp="1"/>
-          </p:cNvSpPr>
-          <p:nvPr>
-            <p:ph type="title"/>
-          </p:nvPr>
-        </p:nvSpPr>
-        <p:spPr/>
-        <p:txBody>
-          <a:bodyPr/>
-          <a:lstStyle/>
-          <a:p>
-            <a:r>
-              <a:rPr lang="es-US" dirty="0" smtClean="0"/>
-              <a:t>Experimentación (2)</a:t>
-            </a:r>
-            <a:endParaRPr lang="es-ES" dirty="0"/>
-          </a:p>
-        </p:txBody>
-      </p:sp>
-      <p:sp>
-        <p:nvSpPr>
-          <p:cNvPr id="3" name="2 Marcador de contenido"/>
-          <p:cNvSpPr>
-            <a:spLocks noGrp="1"/>
-          </p:cNvSpPr>
-          <p:nvPr>
-            <p:ph idx="1"/>
-          </p:nvPr>
-        </p:nvSpPr>
-        <p:spPr/>
-        <p:txBody>
-          <a:bodyPr/>
-          <a:lstStyle/>
-          <a:p>
-            <a:r>
-              <a:rPr lang="es-US" dirty="0" smtClean="0">
-                <a:latin typeface="+mj-lt"/>
-              </a:rPr>
-              <a:t>Consideraciones generales (2):</a:t>
-            </a:r>
-          </a:p>
-          <a:p>
-            <a:pPr lvl="1"/>
-            <a:r>
-              <a:rPr lang="es-US" dirty="0" smtClean="0">
-                <a:latin typeface="+mj-lt"/>
-              </a:rPr>
-              <a:t>Técnica de validación cruzada de 10 conjuntos</a:t>
-            </a:r>
-          </a:p>
-          <a:p>
-            <a:endParaRPr lang="es-US" dirty="0" smtClean="0">
-              <a:latin typeface="+mj-lt"/>
-            </a:endParaRPr>
-          </a:p>
-          <a:p>
-            <a:r>
-              <a:rPr lang="es-US" dirty="0" smtClean="0"/>
-              <a:t>Modelos de instancia</a:t>
-            </a:r>
-          </a:p>
-          <a:p>
-            <a:endParaRPr lang="es-US" dirty="0" smtClean="0">
-              <a:latin typeface="+mj-lt"/>
-            </a:endParaRPr>
-          </a:p>
-          <a:p>
-            <a:r>
-              <a:rPr lang="es-US" dirty="0" smtClean="0">
-                <a:latin typeface="+mj-lt"/>
-              </a:rPr>
-              <a:t>Métricas de evaluación:</a:t>
-            </a:r>
-          </a:p>
-          <a:p>
-            <a:pPr lvl="1"/>
-            <a:r>
-              <a:rPr lang="es-US" dirty="0" smtClean="0">
-                <a:latin typeface="+mj-lt"/>
-              </a:rPr>
-              <a:t>Correlación -&gt; [-1, 1]</a:t>
-            </a:r>
-          </a:p>
-          <a:p>
-            <a:pPr lvl="1"/>
-            <a:r>
-              <a:rPr lang="es-US" dirty="0" smtClean="0">
-                <a:latin typeface="+mj-lt"/>
-              </a:rPr>
-              <a:t>Error absoluto promedio (MAE) [mts.]</a:t>
-            </a:r>
-          </a:p>
-          <a:p>
-            <a:endParaRPr lang="es-US" dirty="0" smtClean="0">
-              <a:latin typeface="+mj-lt"/>
-            </a:endParaRPr>
-          </a:p>
-        </p:txBody>
-      </p:sp>
-      <p:pic>
-        <p:nvPicPr>
-          <p:cNvPr id="30723" name="Picture 3"/>
-          <p:cNvPicPr>
-            <a:picLocks noChangeAspect="1" noChangeArrowheads="1"/>
-          </p:cNvPicPr>
-          <p:nvPr/>
-        </p:nvPicPr>
-        <p:blipFill>
-          <a:blip r:embed="rId3" cstate="print"/>
-          <a:srcRect/>
-          <a:stretch>
-            <a:fillRect/>
-          </a:stretch>
-        </p:blipFill>
-        <p:spPr bwMode="auto">
-          <a:xfrm>
-            <a:off x="7000875" y="4572008"/>
-            <a:ext cx="2143125" cy="2133600"/>
-          </a:xfrm>
-          <a:prstGeom prst="rect">
-            <a:avLst/>
-          </a:prstGeom>
-          <a:noFill/>
-          <a:ln w="9525">
-            <a:noFill/>
-            <a:miter lim="800000"/>
-            <a:headEnd/>
-            <a:tailEnd/>
-          </a:ln>
-          <a:effectLst/>
-        </p:spPr>
-      </p:pic>
-    </p:spTree>
-  </p:cSld>
-  <p:clrMapOvr>
-    <a:masterClrMapping/>
-  </p:clrMapOvr>
-  <p:timing>
-    <p:tnLst>
-      <p:par>
-        <p:cTn id="1" dur="indefinite" restart="never" nodeType="tmRoot"/>
-      </p:par>
-    </p:tnLst>
-  </p:timing>
-</p:sld>
-</file>
-
-<file path=ppt/slides/slide30.xml><?xml version="1.0" encoding="utf-8"?>
+<file path=ppt/slides/slide27.xml><?xml version="1.0" encoding="utf-8"?>
 <p:sld xmlns:a="http://schemas.openxmlformats.org/drawingml/2006/main" xmlns:r="http://schemas.openxmlformats.org/officeDocument/2006/relationships" xmlns:p="http://schemas.openxmlformats.org/presentationml/2006/main">
   <p:cSld>
     <p:spTree>
@@ -17587,7 +17843,7 @@
 </p:sld>
 </file>
 
-<file path=ppt/slides/slide31.xml><?xml version="1.0" encoding="utf-8"?>
+<file path=ppt/slides/slide28.xml><?xml version="1.0" encoding="utf-8"?>
 <p:sld xmlns:a="http://schemas.openxmlformats.org/drawingml/2006/main" xmlns:r="http://schemas.openxmlformats.org/officeDocument/2006/relationships" xmlns:p="http://schemas.openxmlformats.org/presentationml/2006/main">
   <p:cSld>
     <p:spTree>
@@ -17817,7 +18073,7 @@
 </p:sld>
 </file>
 
-<file path=ppt/slides/slide32.xml><?xml version="1.0" encoding="utf-8"?>
+<file path=ppt/slides/slide29.xml><?xml version="1.0" encoding="utf-8"?>
 <p:sld xmlns:a="http://schemas.openxmlformats.org/drawingml/2006/main" xmlns:r="http://schemas.openxmlformats.org/officeDocument/2006/relationships" xmlns:p="http://schemas.openxmlformats.org/presentationml/2006/main">
   <p:cSld>
     <p:spTree>
@@ -17963,7 +18219,7 @@
 </p:sld>
 </file>
 
-<file path=ppt/slides/slide33.xml><?xml version="1.0" encoding="utf-8"?>
+<file path=ppt/slides/slide3.xml><?xml version="1.0" encoding="utf-8"?>
 <p:sld xmlns:a="http://schemas.openxmlformats.org/drawingml/2006/main" xmlns:r="http://schemas.openxmlformats.org/officeDocument/2006/relationships" xmlns:p="http://schemas.openxmlformats.org/presentationml/2006/main">
   <p:cSld>
     <p:spTree>
@@ -17997,6 +18253,174 @@
           <a:p>
             <a:r>
               <a:rPr lang="es-US" dirty="0" smtClean="0"/>
+              <a:t>Experimentación (2)</a:t>
+            </a:r>
+            <a:endParaRPr lang="es-ES" dirty="0"/>
+          </a:p>
+        </p:txBody>
+      </p:sp>
+      <p:sp>
+        <p:nvSpPr>
+          <p:cNvPr id="3" name="2 Marcador de contenido"/>
+          <p:cNvSpPr>
+            <a:spLocks noGrp="1"/>
+          </p:cNvSpPr>
+          <p:nvPr>
+            <p:ph idx="1"/>
+          </p:nvPr>
+        </p:nvSpPr>
+        <p:spPr/>
+        <p:txBody>
+          <a:bodyPr/>
+          <a:lstStyle/>
+          <a:p>
+            <a:r>
+              <a:rPr lang="es-US" dirty="0" smtClean="0">
+                <a:latin typeface="+mj-lt"/>
+              </a:rPr>
+              <a:t>Consideraciones generales (2):</a:t>
+            </a:r>
+          </a:p>
+          <a:p>
+            <a:pPr lvl="1"/>
+            <a:r>
+              <a:rPr lang="es-US" dirty="0" smtClean="0">
+                <a:latin typeface="+mj-lt"/>
+              </a:rPr>
+              <a:t>Técnica de validación cruzada de 10 conjuntos</a:t>
+            </a:r>
+          </a:p>
+          <a:p>
+            <a:endParaRPr lang="es-US" dirty="0" smtClean="0">
+              <a:latin typeface="+mj-lt"/>
+            </a:endParaRPr>
+          </a:p>
+          <a:p>
+            <a:r>
+              <a:rPr lang="es-US" dirty="0" smtClean="0"/>
+              <a:t>Modelos de instancia</a:t>
+            </a:r>
+          </a:p>
+          <a:p>
+            <a:endParaRPr lang="es-US" dirty="0" smtClean="0">
+              <a:latin typeface="+mj-lt"/>
+            </a:endParaRPr>
+          </a:p>
+          <a:p>
+            <a:r>
+              <a:rPr lang="es-US" dirty="0" smtClean="0">
+                <a:latin typeface="+mj-lt"/>
+              </a:rPr>
+              <a:t>Métricas de evaluación:</a:t>
+            </a:r>
+          </a:p>
+          <a:p>
+            <a:pPr lvl="1"/>
+            <a:r>
+              <a:rPr lang="es-US" dirty="0" smtClean="0">
+                <a:latin typeface="+mj-lt"/>
+              </a:rPr>
+              <a:t>Correlación -&gt; [-1, 1]</a:t>
+            </a:r>
+          </a:p>
+          <a:p>
+            <a:pPr lvl="1"/>
+            <a:r>
+              <a:rPr lang="es-US" dirty="0" smtClean="0">
+                <a:latin typeface="+mj-lt"/>
+              </a:rPr>
+              <a:t>Error absoluto promedio (MAE) [mts.]</a:t>
+            </a:r>
+          </a:p>
+          <a:p>
+            <a:endParaRPr lang="es-US" dirty="0" smtClean="0">
+              <a:latin typeface="+mj-lt"/>
+            </a:endParaRPr>
+          </a:p>
+        </p:txBody>
+      </p:sp>
+      <p:pic>
+        <p:nvPicPr>
+          <p:cNvPr id="30723" name="Picture 3"/>
+          <p:cNvPicPr>
+            <a:picLocks noChangeAspect="1" noChangeArrowheads="1"/>
+          </p:cNvPicPr>
+          <p:nvPr/>
+        </p:nvPicPr>
+        <p:blipFill>
+          <a:blip r:embed="rId3" cstate="print"/>
+          <a:srcRect/>
+          <a:stretch>
+            <a:fillRect/>
+          </a:stretch>
+        </p:blipFill>
+        <p:spPr bwMode="auto">
+          <a:xfrm>
+            <a:off x="7000875" y="4572008"/>
+            <a:ext cx="2143125" cy="2133600"/>
+          </a:xfrm>
+          <a:prstGeom prst="rect">
+            <a:avLst/>
+          </a:prstGeom>
+          <a:noFill/>
+          <a:ln w="9525">
+            <a:noFill/>
+            <a:miter lim="800000"/>
+            <a:headEnd/>
+            <a:tailEnd/>
+          </a:ln>
+          <a:effectLst/>
+        </p:spPr>
+      </p:pic>
+    </p:spTree>
+  </p:cSld>
+  <p:clrMapOvr>
+    <a:masterClrMapping/>
+  </p:clrMapOvr>
+  <p:timing>
+    <p:tnLst>
+      <p:par>
+        <p:cTn id="1" dur="indefinite" restart="never" nodeType="tmRoot"/>
+      </p:par>
+    </p:tnLst>
+  </p:timing>
+</p:sld>
+</file>
+
+<file path=ppt/slides/slide30.xml><?xml version="1.0" encoding="utf-8"?>
+<p:sld xmlns:a="http://schemas.openxmlformats.org/drawingml/2006/main" xmlns:r="http://schemas.openxmlformats.org/officeDocument/2006/relationships" xmlns:p="http://schemas.openxmlformats.org/presentationml/2006/main">
+  <p:cSld>
+    <p:spTree>
+      <p:nvGrpSpPr>
+        <p:cNvPr id="1" name=""/>
+        <p:cNvGrpSpPr/>
+        <p:nvPr/>
+      </p:nvGrpSpPr>
+      <p:grpSpPr>
+        <a:xfrm>
+          <a:off x="0" y="0"/>
+          <a:ext cx="0" cy="0"/>
+          <a:chOff x="0" y="0"/>
+          <a:chExt cx="0" cy="0"/>
+        </a:xfrm>
+      </p:grpSpPr>
+      <p:sp>
+        <p:nvSpPr>
+          <p:cNvPr id="2" name="1 Título"/>
+          <p:cNvSpPr>
+            <a:spLocks noGrp="1"/>
+          </p:cNvSpPr>
+          <p:nvPr>
+            <p:ph type="title"/>
+          </p:nvPr>
+        </p:nvSpPr>
+        <p:spPr/>
+        <p:txBody>
+          <a:bodyPr/>
+          <a:lstStyle/>
+          <a:p>
+            <a:r>
+              <a:rPr lang="es-US" dirty="0" smtClean="0"/>
               <a:t>Conclusiones (2)</a:t>
             </a:r>
             <a:endParaRPr lang="es-ES" dirty="0"/>
@@ -18081,7 +18505,7 @@
 </p:sld>
 </file>
 
-<file path=ppt/slides/slide34.xml><?xml version="1.0" encoding="utf-8"?>
+<file path=ppt/slides/slide31.xml><?xml version="1.0" encoding="utf-8"?>
 <p:sld xmlns:a="http://schemas.openxmlformats.org/drawingml/2006/main" xmlns:r="http://schemas.openxmlformats.org/officeDocument/2006/relationships" xmlns:p="http://schemas.openxmlformats.org/presentationml/2006/main">
   <p:cSld>
     <p:spTree>
@@ -24420,191 +24844,38 @@
           </a:p>
         </p:txBody>
       </p:sp>
-      <p:pic>
-        <p:nvPicPr>
-          <p:cNvPr id="33796" name="Picture 4"/>
-          <p:cNvPicPr>
-            <a:picLocks noChangeAspect="1" noChangeArrowheads="1"/>
-          </p:cNvPicPr>
+      <p:graphicFrame>
+        <p:nvGraphicFramePr>
+          <p:cNvPr id="7" name="10 Gráfico"/>
+          <p:cNvGraphicFramePr/>
           <p:nvPr/>
-        </p:nvPicPr>
-        <p:blipFill>
-          <a:blip r:embed="rId2"/>
-          <a:srcRect/>
-          <a:stretch>
-            <a:fillRect/>
-          </a:stretch>
-        </p:blipFill>
-        <p:spPr bwMode="auto">
-          <a:xfrm>
-            <a:off x="0" y="1971690"/>
-            <a:ext cx="9123106" cy="4886310"/>
-          </a:xfrm>
-          <a:prstGeom prst="rect">
-            <a:avLst/>
-          </a:prstGeom>
-          <a:noFill/>
-          <a:ln w="9525">
-            <a:noFill/>
-            <a:miter lim="800000"/>
-            <a:headEnd/>
-            <a:tailEnd/>
-          </a:ln>
-          <a:effectLst/>
-        </p:spPr>
-      </p:pic>
-      <p:sp>
-        <p:nvSpPr>
-          <p:cNvPr id="4" name="3 Rectángulo"/>
-          <p:cNvSpPr/>
+        </p:nvGraphicFramePr>
+        <p:xfrm>
+          <a:off x="1000100" y="1428736"/>
+          <a:ext cx="6786610" cy="2790825"/>
+        </p:xfrm>
+        <a:graphic>
+          <a:graphicData uri="http://schemas.openxmlformats.org/drawingml/2006/chart">
+            <c:chart xmlns:c="http://schemas.openxmlformats.org/drawingml/2006/chart" xmlns:r="http://schemas.openxmlformats.org/officeDocument/2006/relationships" r:id="rId2"/>
+          </a:graphicData>
+        </a:graphic>
+      </p:graphicFrame>
+      <p:graphicFrame>
+        <p:nvGraphicFramePr>
+          <p:cNvPr id="8" name="11 Gráfico"/>
+          <p:cNvGraphicFramePr/>
           <p:nvPr/>
-        </p:nvSpPr>
-        <p:spPr>
-          <a:xfrm>
-            <a:off x="4071934" y="2143116"/>
-            <a:ext cx="1785950" cy="4572032"/>
-          </a:xfrm>
-          <a:prstGeom prst="rect">
-            <a:avLst/>
-          </a:prstGeom>
-          <a:noFill/>
-          <a:ln>
-            <a:solidFill>
-              <a:srgbClr val="FF0000"/>
-            </a:solidFill>
-          </a:ln>
-        </p:spPr>
-        <p:style>
-          <a:lnRef idx="2">
-            <a:schemeClr val="accent1">
-              <a:shade val="50000"/>
-            </a:schemeClr>
-          </a:lnRef>
-          <a:fillRef idx="1">
-            <a:schemeClr val="accent1"/>
-          </a:fillRef>
-          <a:effectRef idx="0">
-            <a:schemeClr val="accent1"/>
-          </a:effectRef>
-          <a:fontRef idx="minor">
-            <a:schemeClr val="lt1"/>
-          </a:fontRef>
-        </p:style>
-        <p:txBody>
-          <a:bodyPr rtlCol="0" anchor="ctr"/>
-          <a:lstStyle/>
-          <a:p>
-            <a:pPr algn="ctr"/>
-            <a:endParaRPr lang="es-ES"/>
-          </a:p>
-        </p:txBody>
-      </p:sp>
-      <p:sp>
-        <p:nvSpPr>
-          <p:cNvPr id="5" name="4 Rectángulo"/>
-          <p:cNvSpPr/>
-          <p:nvPr/>
-        </p:nvSpPr>
-        <p:spPr>
-          <a:xfrm>
-            <a:off x="5428154" y="2143116"/>
-            <a:ext cx="428628" cy="4572032"/>
-          </a:xfrm>
-          <a:prstGeom prst="rect">
-            <a:avLst/>
-          </a:prstGeom>
-          <a:solidFill>
-            <a:schemeClr val="accent6">
-              <a:lumMod val="75000"/>
-              <a:alpha val="35000"/>
-            </a:schemeClr>
-          </a:solidFill>
-          <a:ln>
-            <a:solidFill>
-              <a:schemeClr val="accent6">
-                <a:lumMod val="75000"/>
-              </a:schemeClr>
-            </a:solidFill>
-          </a:ln>
-        </p:spPr>
-        <p:style>
-          <a:lnRef idx="2">
-            <a:schemeClr val="accent1">
-              <a:shade val="50000"/>
-            </a:schemeClr>
-          </a:lnRef>
-          <a:fillRef idx="1">
-            <a:schemeClr val="accent1"/>
-          </a:fillRef>
-          <a:effectRef idx="0">
-            <a:schemeClr val="accent1"/>
-          </a:effectRef>
-          <a:fontRef idx="minor">
-            <a:schemeClr val="lt1"/>
-          </a:fontRef>
-        </p:style>
-        <p:txBody>
-          <a:bodyPr rtlCol="0" anchor="ctr"/>
-          <a:lstStyle/>
-          <a:p>
-            <a:pPr algn="ctr"/>
-            <a:endParaRPr lang="es-ES"/>
-          </a:p>
-        </p:txBody>
-      </p:sp>
-      <p:sp>
-        <p:nvSpPr>
-          <p:cNvPr id="6" name="5 Rectángulo"/>
-          <p:cNvSpPr/>
-          <p:nvPr/>
-        </p:nvSpPr>
-        <p:spPr>
-          <a:xfrm>
-            <a:off x="4071934" y="2143116"/>
-            <a:ext cx="428628" cy="4572032"/>
-          </a:xfrm>
-          <a:prstGeom prst="rect">
-            <a:avLst/>
-          </a:prstGeom>
-          <a:solidFill>
-            <a:schemeClr val="accent1">
-              <a:lumMod val="75000"/>
-              <a:alpha val="35000"/>
-            </a:schemeClr>
-          </a:solidFill>
-          <a:ln>
-            <a:solidFill>
-              <a:schemeClr val="accent1">
-                <a:lumMod val="75000"/>
-              </a:schemeClr>
-            </a:solidFill>
-          </a:ln>
-        </p:spPr>
-        <p:style>
-          <a:lnRef idx="2">
-            <a:schemeClr val="accent1">
-              <a:shade val="50000"/>
-            </a:schemeClr>
-          </a:lnRef>
-          <a:fillRef idx="1">
-            <a:schemeClr val="accent1"/>
-          </a:fillRef>
-          <a:effectRef idx="0">
-            <a:schemeClr val="accent1"/>
-          </a:effectRef>
-          <a:fontRef idx="minor">
-            <a:schemeClr val="lt1"/>
-          </a:fontRef>
-        </p:style>
-        <p:txBody>
-          <a:bodyPr rtlCol="0" anchor="ctr"/>
-          <a:lstStyle/>
-          <a:p>
-            <a:pPr algn="ctr"/>
-            <a:endParaRPr lang="es-ES"/>
-          </a:p>
-        </p:txBody>
-      </p:sp>
+        </p:nvGraphicFramePr>
+        <p:xfrm>
+          <a:off x="1071538" y="4114800"/>
+          <a:ext cx="6715172" cy="2743200"/>
+        </p:xfrm>
+        <a:graphic>
+          <a:graphicData uri="http://schemas.openxmlformats.org/drawingml/2006/chart">
+            <c:chart xmlns:c="http://schemas.openxmlformats.org/drawingml/2006/chart" xmlns:r="http://schemas.openxmlformats.org/officeDocument/2006/relationships" r:id="rId3"/>
+          </a:graphicData>
+        </a:graphic>
+      </p:graphicFrame>
     </p:spTree>
   </p:cSld>
   <p:clrMapOvr>
@@ -24613,196 +24884,9 @@
   <p:timing>
     <p:tnLst>
       <p:par>
-        <p:cTn id="1" dur="indefinite" restart="never" nodeType="tmRoot">
-          <p:childTnLst>
-            <p:seq concurrent="1" nextAc="seek">
-              <p:cTn id="2" dur="indefinite" nodeType="mainSeq">
-                <p:childTnLst>
-                  <p:par>
-                    <p:cTn id="3" fill="hold">
-                      <p:stCondLst>
-                        <p:cond delay="indefinite"/>
-                      </p:stCondLst>
-                      <p:childTnLst>
-                        <p:par>
-                          <p:cTn id="4" fill="hold">
-                            <p:stCondLst>
-                              <p:cond delay="0"/>
-                            </p:stCondLst>
-                            <p:childTnLst>
-                              <p:par>
-                                <p:cTn id="5" presetID="10" presetClass="entr" presetSubtype="0" fill="hold" grpId="0" nodeType="clickEffect">
-                                  <p:stCondLst>
-                                    <p:cond delay="0"/>
-                                  </p:stCondLst>
-                                  <p:childTnLst>
-                                    <p:set>
-                                      <p:cBhvr>
-                                        <p:cTn id="6" dur="1" fill="hold">
-                                          <p:stCondLst>
-                                            <p:cond delay="0"/>
-                                          </p:stCondLst>
-                                        </p:cTn>
-                                        <p:tgtEl>
-                                          <p:spTgt spid="4"/>
-                                        </p:tgtEl>
-                                        <p:attrNameLst>
-                                          <p:attrName>style.visibility</p:attrName>
-                                        </p:attrNameLst>
-                                      </p:cBhvr>
-                                      <p:to>
-                                        <p:strVal val="visible"/>
-                                      </p:to>
-                                    </p:set>
-                                    <p:animEffect transition="in" filter="fade">
-                                      <p:cBhvr>
-                                        <p:cTn id="7" dur="1000"/>
-                                        <p:tgtEl>
-                                          <p:spTgt spid="4"/>
-                                        </p:tgtEl>
-                                      </p:cBhvr>
-                                    </p:animEffect>
-                                  </p:childTnLst>
-                                </p:cTn>
-                              </p:par>
-                            </p:childTnLst>
-                          </p:cTn>
-                        </p:par>
-                      </p:childTnLst>
-                    </p:cTn>
-                  </p:par>
-                  <p:par>
-                    <p:cTn id="8" fill="hold">
-                      <p:stCondLst>
-                        <p:cond delay="indefinite"/>
-                      </p:stCondLst>
-                      <p:childTnLst>
-                        <p:par>
-                          <p:cTn id="9" fill="hold">
-                            <p:stCondLst>
-                              <p:cond delay="0"/>
-                            </p:stCondLst>
-                            <p:childTnLst>
-                              <p:par>
-                                <p:cTn id="10" presetID="10" presetClass="entr" presetSubtype="0" fill="hold" grpId="1" nodeType="clickEffect">
-                                  <p:stCondLst>
-                                    <p:cond delay="0"/>
-                                  </p:stCondLst>
-                                  <p:childTnLst>
-                                    <p:set>
-                                      <p:cBhvr>
-                                        <p:cTn id="11" dur="1" fill="hold">
-                                          <p:stCondLst>
-                                            <p:cond delay="0"/>
-                                          </p:stCondLst>
-                                        </p:cTn>
-                                        <p:tgtEl>
-                                          <p:spTgt spid="5"/>
-                                        </p:tgtEl>
-                                        <p:attrNameLst>
-                                          <p:attrName>style.visibility</p:attrName>
-                                        </p:attrNameLst>
-                                      </p:cBhvr>
-                                      <p:to>
-                                        <p:strVal val="visible"/>
-                                      </p:to>
-                                    </p:set>
-                                    <p:animEffect transition="in" filter="fade">
-                                      <p:cBhvr>
-                                        <p:cTn id="12" dur="1000"/>
-                                        <p:tgtEl>
-                                          <p:spTgt spid="5"/>
-                                        </p:tgtEl>
-                                      </p:cBhvr>
-                                    </p:animEffect>
-                                  </p:childTnLst>
-                                </p:cTn>
-                              </p:par>
-                            </p:childTnLst>
-                          </p:cTn>
-                        </p:par>
-                      </p:childTnLst>
-                    </p:cTn>
-                  </p:par>
-                  <p:par>
-                    <p:cTn id="13" fill="hold">
-                      <p:stCondLst>
-                        <p:cond delay="indefinite"/>
-                      </p:stCondLst>
-                      <p:childTnLst>
-                        <p:par>
-                          <p:cTn id="14" fill="hold">
-                            <p:stCondLst>
-                              <p:cond delay="0"/>
-                            </p:stCondLst>
-                            <p:childTnLst>
-                              <p:par>
-                                <p:cTn id="15" presetID="10" presetClass="entr" presetSubtype="0" fill="hold" grpId="0" nodeType="clickEffect">
-                                  <p:stCondLst>
-                                    <p:cond delay="0"/>
-                                  </p:stCondLst>
-                                  <p:childTnLst>
-                                    <p:set>
-                                      <p:cBhvr>
-                                        <p:cTn id="16" dur="1" fill="hold">
-                                          <p:stCondLst>
-                                            <p:cond delay="0"/>
-                                          </p:stCondLst>
-                                        </p:cTn>
-                                        <p:tgtEl>
-                                          <p:spTgt spid="6"/>
-                                        </p:tgtEl>
-                                        <p:attrNameLst>
-                                          <p:attrName>style.visibility</p:attrName>
-                                        </p:attrNameLst>
-                                      </p:cBhvr>
-                                      <p:to>
-                                        <p:strVal val="visible"/>
-                                      </p:to>
-                                    </p:set>
-                                    <p:animEffect transition="in" filter="fade">
-                                      <p:cBhvr>
-                                        <p:cTn id="17" dur="1000"/>
-                                        <p:tgtEl>
-                                          <p:spTgt spid="6"/>
-                                        </p:tgtEl>
-                                      </p:cBhvr>
-                                    </p:animEffect>
-                                  </p:childTnLst>
-                                </p:cTn>
-                              </p:par>
-                            </p:childTnLst>
-                          </p:cTn>
-                        </p:par>
-                      </p:childTnLst>
-                    </p:cTn>
-                  </p:par>
-                </p:childTnLst>
-              </p:cTn>
-              <p:prevCondLst>
-                <p:cond evt="onPrev" delay="0">
-                  <p:tgtEl>
-                    <p:sldTgt/>
-                  </p:tgtEl>
-                </p:cond>
-              </p:prevCondLst>
-              <p:nextCondLst>
-                <p:cond evt="onNext" delay="0">
-                  <p:tgtEl>
-                    <p:sldTgt/>
-                  </p:tgtEl>
-                </p:cond>
-              </p:nextCondLst>
-            </p:seq>
-          </p:childTnLst>
-        </p:cTn>
+        <p:cTn id="1" dur="indefinite" restart="never" nodeType="tmRoot"/>
       </p:par>
     </p:tnLst>
-    <p:bldLst>
-      <p:bldP spid="4" grpId="0" animBg="1"/>
-      <p:bldP spid="5" grpId="1" animBg="1"/>
-      <p:bldP spid="6" grpId="0" animBg="1"/>
-    </p:bldLst>
   </p:timing>
 </p:sld>
 </file>
@@ -24847,138 +24931,38 @@
           </a:p>
         </p:txBody>
       </p:sp>
-      <p:pic>
-        <p:nvPicPr>
-          <p:cNvPr id="37890" name="Picture 2"/>
-          <p:cNvPicPr>
-            <a:picLocks noChangeAspect="1" noChangeArrowheads="1"/>
-          </p:cNvPicPr>
+      <p:graphicFrame>
+        <p:nvGraphicFramePr>
+          <p:cNvPr id="6" name="14 Gráfico"/>
+          <p:cNvGraphicFramePr/>
           <p:nvPr/>
-        </p:nvPicPr>
-        <p:blipFill>
-          <a:blip r:embed="rId2"/>
-          <a:srcRect/>
-          <a:stretch>
-            <a:fillRect/>
-          </a:stretch>
-        </p:blipFill>
-        <p:spPr bwMode="auto">
-          <a:xfrm>
-            <a:off x="0" y="1928802"/>
-            <a:ext cx="9105218" cy="4929198"/>
-          </a:xfrm>
-          <a:prstGeom prst="rect">
-            <a:avLst/>
-          </a:prstGeom>
-          <a:noFill/>
-          <a:ln w="9525">
-            <a:noFill/>
-            <a:miter lim="800000"/>
-            <a:headEnd/>
-            <a:tailEnd/>
-          </a:ln>
-          <a:effectLst/>
-        </p:spPr>
-      </p:pic>
-      <p:sp>
-        <p:nvSpPr>
-          <p:cNvPr id="4" name="3 Rectángulo"/>
-          <p:cNvSpPr/>
+        </p:nvGraphicFramePr>
+        <p:xfrm>
+          <a:off x="642910" y="1714488"/>
+          <a:ext cx="7662883" cy="2743200"/>
+        </p:xfrm>
+        <a:graphic>
+          <a:graphicData uri="http://schemas.openxmlformats.org/drawingml/2006/chart">
+            <c:chart xmlns:c="http://schemas.openxmlformats.org/drawingml/2006/chart" xmlns:r="http://schemas.openxmlformats.org/officeDocument/2006/relationships" r:id="rId2"/>
+          </a:graphicData>
+        </a:graphic>
+      </p:graphicFrame>
+      <p:graphicFrame>
+        <p:nvGraphicFramePr>
+          <p:cNvPr id="7" name="15 Gráfico"/>
+          <p:cNvGraphicFramePr/>
           <p:nvPr/>
-        </p:nvSpPr>
-        <p:spPr>
-          <a:xfrm>
-            <a:off x="4035664" y="2143116"/>
-            <a:ext cx="1785950" cy="4572032"/>
-          </a:xfrm>
-          <a:prstGeom prst="rect">
-            <a:avLst/>
-          </a:prstGeom>
-          <a:noFill/>
-          <a:ln>
-            <a:solidFill>
-              <a:srgbClr val="FF0000"/>
-            </a:solidFill>
-          </a:ln>
-        </p:spPr>
-        <p:style>
-          <a:lnRef idx="2">
-            <a:schemeClr val="accent1">
-              <a:shade val="50000"/>
-            </a:schemeClr>
-          </a:lnRef>
-          <a:fillRef idx="1">
-            <a:schemeClr val="accent1"/>
-          </a:fillRef>
-          <a:effectRef idx="0">
-            <a:schemeClr val="accent1"/>
-          </a:effectRef>
-          <a:fontRef idx="minor">
-            <a:schemeClr val="lt1"/>
-          </a:fontRef>
-        </p:style>
-        <p:txBody>
-          <a:bodyPr rtlCol="0" anchor="ctr"/>
-          <a:lstStyle/>
-          <a:p>
-            <a:pPr algn="ctr"/>
-            <a:endParaRPr lang="es-ES"/>
-          </a:p>
-        </p:txBody>
-      </p:sp>
-      <p:sp>
-        <p:nvSpPr>
-          <p:cNvPr id="5" name="4 Rectángulo"/>
-          <p:cNvSpPr/>
-          <p:nvPr/>
-        </p:nvSpPr>
-        <p:spPr>
-          <a:xfrm>
-            <a:off x="4036766" y="2143116"/>
-            <a:ext cx="428628" cy="4572032"/>
-          </a:xfrm>
-          <a:prstGeom prst="rect">
-            <a:avLst/>
-          </a:prstGeom>
-          <a:solidFill>
-            <a:schemeClr val="accent6">
-              <a:lumMod val="75000"/>
-              <a:alpha val="35000"/>
-            </a:schemeClr>
-          </a:solidFill>
-          <a:ln>
-            <a:solidFill>
-              <a:schemeClr val="accent6">
-                <a:lumMod val="75000"/>
-              </a:schemeClr>
-            </a:solidFill>
-          </a:ln>
-        </p:spPr>
-        <p:style>
-          <a:lnRef idx="2">
-            <a:schemeClr val="accent1">
-              <a:shade val="50000"/>
-            </a:schemeClr>
-          </a:lnRef>
-          <a:fillRef idx="1">
-            <a:schemeClr val="accent1"/>
-          </a:fillRef>
-          <a:effectRef idx="0">
-            <a:schemeClr val="accent1"/>
-          </a:effectRef>
-          <a:fontRef idx="minor">
-            <a:schemeClr val="lt1"/>
-          </a:fontRef>
-        </p:style>
-        <p:txBody>
-          <a:bodyPr rtlCol="0" anchor="ctr"/>
-          <a:lstStyle/>
-          <a:p>
-            <a:pPr algn="ctr"/>
-            <a:endParaRPr lang="es-ES"/>
-          </a:p>
-        </p:txBody>
-      </p:sp>
+        </p:nvGraphicFramePr>
+        <p:xfrm>
+          <a:off x="642910" y="4357694"/>
+          <a:ext cx="7643866" cy="2743200"/>
+        </p:xfrm>
+        <a:graphic>
+          <a:graphicData uri="http://schemas.openxmlformats.org/drawingml/2006/chart">
+            <c:chart xmlns:c="http://schemas.openxmlformats.org/drawingml/2006/chart" xmlns:r="http://schemas.openxmlformats.org/officeDocument/2006/relationships" r:id="rId3"/>
+          </a:graphicData>
+        </a:graphic>
+      </p:graphicFrame>
     </p:spTree>
   </p:cSld>
   <p:clrMapOvr>

--- a/neuralito/ArfGen/docs/Entregas/Informe Final/presentacion/maxi2.pptx
+++ b/neuralito/ArfGen/docs/Entregas/Informe Final/presentacion/maxi2.pptx
@@ -237,19 +237,19 @@
                   <c:v>0.82116824635668784</c:v>
                 </c:pt>
                 <c:pt idx="3">
-                  <c:v>0.84278473777508378</c:v>
+                  <c:v>0.842784737775084</c:v>
                 </c:pt>
                 <c:pt idx="4">
-                  <c:v>0.84383865537210989</c:v>
+                  <c:v>0.84383865537211011</c:v>
                 </c:pt>
                 <c:pt idx="5">
                   <c:v>0.85894670929201788</c:v>
                 </c:pt>
                 <c:pt idx="6">
-                  <c:v>0.84967487574973177</c:v>
+                  <c:v>0.84967487574973199</c:v>
                 </c:pt>
                 <c:pt idx="7">
-                  <c:v>0.87199747639294989</c:v>
+                  <c:v>0.87199747639295011</c:v>
                 </c:pt>
                 <c:pt idx="8">
                   <c:v>0.87308657275405044</c:v>
@@ -258,10 +258,10 @@
                   <c:v>0.8805672244799716</c:v>
                 </c:pt>
                 <c:pt idx="10">
-                  <c:v>0.88425402324804181</c:v>
+                  <c:v>0.88425402324804203</c:v>
                 </c:pt>
                 <c:pt idx="11">
-                  <c:v>0.88378998114559326</c:v>
+                  <c:v>0.88378998114559371</c:v>
                 </c:pt>
                 <c:pt idx="12">
                   <c:v>0.88710112017025267</c:v>
@@ -270,10 +270,10 @@
                   <c:v>0.88859349505985463</c:v>
                 </c:pt>
                 <c:pt idx="14">
-                  <c:v>0.88932515639249643</c:v>
+                  <c:v>0.88932515639249676</c:v>
                 </c:pt>
                 <c:pt idx="15">
-                  <c:v>0.88979442278916943</c:v>
+                  <c:v>0.88979442278916976</c:v>
                 </c:pt>
                 <c:pt idx="16">
                   <c:v>0.89050470137757365</c:v>
@@ -378,10 +378,10 @@
                   <c:v>0.45195561849074034</c:v>
                 </c:pt>
                 <c:pt idx="1">
-                  <c:v>0.57215581949427985</c:v>
+                  <c:v>0.57215581949428018</c:v>
                 </c:pt>
                 <c:pt idx="2">
-                  <c:v>0.62450099068289633</c:v>
+                  <c:v>0.62450099068289655</c:v>
                 </c:pt>
                 <c:pt idx="3">
                   <c:v>0.66411572966000465</c:v>
@@ -390,7 +390,7 @@
                   <c:v>0.74483311690120912</c:v>
                 </c:pt>
                 <c:pt idx="5">
-                  <c:v>0.749130923709876</c:v>
+                  <c:v>0.74913092370987622</c:v>
                 </c:pt>
                 <c:pt idx="6">
                   <c:v>0.7507812790712286</c:v>
@@ -399,7 +399,7 @@
                   <c:v>0.74615794410022251</c:v>
                 </c:pt>
                 <c:pt idx="8">
-                  <c:v>0.76473712742559152</c:v>
+                  <c:v>0.76473712742559186</c:v>
                 </c:pt>
                 <c:pt idx="9">
                   <c:v>0.78030975508297951</c:v>
@@ -414,7 +414,7 @@
                   <c:v>0.79454547384463925</c:v>
                 </c:pt>
                 <c:pt idx="13">
-                  <c:v>0.80275073868568081</c:v>
+                  <c:v>0.80275073868568103</c:v>
                 </c:pt>
                 <c:pt idx="14">
                   <c:v>0.8070254483799697</c:v>
@@ -423,10 +423,10 @@
                   <c:v>0.80758714251854524</c:v>
                 </c:pt>
                 <c:pt idx="16">
-                  <c:v>0.81189884836444215</c:v>
+                  <c:v>0.81189884836444248</c:v>
                 </c:pt>
                 <c:pt idx="17">
-                  <c:v>0.81267156633446502</c:v>
+                  <c:v>0.81267156633446525</c:v>
                 </c:pt>
                 <c:pt idx="18">
                   <c:v>0.81495442086601244</c:v>
@@ -524,43 +524,43 @@
                   <c:v>0.10918893085792125</c:v>
                 </c:pt>
                 <c:pt idx="2">
-                  <c:v>2.2061880915201573E-2</c:v>
+                  <c:v>2.2061880915201587E-2</c:v>
                 </c:pt>
                 <c:pt idx="3">
-                  <c:v>0.16744350433735908</c:v>
+                  <c:v>0.16744350433735919</c:v>
                 </c:pt>
                 <c:pt idx="4">
-                  <c:v>0.19606871899944533</c:v>
+                  <c:v>0.19606871899944539</c:v>
                 </c:pt>
                 <c:pt idx="5">
-                  <c:v>0.19883932721616662</c:v>
+                  <c:v>0.19883932721616673</c:v>
                 </c:pt>
                 <c:pt idx="6">
                   <c:v>0.21852557439483689</c:v>
                 </c:pt>
                 <c:pt idx="7">
-                  <c:v>0.18963030437506281</c:v>
+                  <c:v>0.18963030437506287</c:v>
                 </c:pt>
                 <c:pt idx="8">
-                  <c:v>0.31329234492981134</c:v>
+                  <c:v>0.31329234492981145</c:v>
                 </c:pt>
                 <c:pt idx="9">
                   <c:v>0.30854195458238609</c:v>
                 </c:pt>
                 <c:pt idx="10">
-                  <c:v>0.33996429339252976</c:v>
+                  <c:v>0.33996429339253009</c:v>
                 </c:pt>
                 <c:pt idx="11">
-                  <c:v>0.39000788763685668</c:v>
+                  <c:v>0.39000788763685695</c:v>
                 </c:pt>
                 <c:pt idx="12">
-                  <c:v>0.37452278792340543</c:v>
+                  <c:v>0.37452278792340576</c:v>
                 </c:pt>
                 <c:pt idx="13">
-                  <c:v>0.39639657365579745</c:v>
+                  <c:v>0.39639657365579767</c:v>
                 </c:pt>
                 <c:pt idx="14">
-                  <c:v>0.4566198601473529</c:v>
+                  <c:v>0.45661986014735301</c:v>
                 </c:pt>
                 <c:pt idx="15">
                   <c:v>0.48000000000000032</c:v>
@@ -665,19 +665,19 @@
                 <c:formatCode>0.00</c:formatCode>
                 <c:ptCount val="18"/>
                 <c:pt idx="0">
-                  <c:v>6.3837399085048818E-2</c:v>
+                  <c:v>6.3837399085048846E-2</c:v>
                 </c:pt>
                 <c:pt idx="1">
-                  <c:v>0.10509372944250726</c:v>
+                  <c:v>0.10509372944250731</c:v>
                 </c:pt>
                 <c:pt idx="2">
                   <c:v>0.12395822380363669</c:v>
                 </c:pt>
                 <c:pt idx="3">
-                  <c:v>0.17533238646771673</c:v>
+                  <c:v>0.17533238646771679</c:v>
                 </c:pt>
                 <c:pt idx="4">
-                  <c:v>0.18994629844945099</c:v>
+                  <c:v>0.18994629844945113</c:v>
                 </c:pt>
                 <c:pt idx="5">
                   <c:v>0.22687270194889519</c:v>
@@ -686,34 +686,34 @@
                   <c:v>0.23790997736954461</c:v>
                 </c:pt>
                 <c:pt idx="7">
-                  <c:v>0.23411148955337019</c:v>
+                  <c:v>0.23411148955337027</c:v>
                 </c:pt>
                 <c:pt idx="8">
                   <c:v>0.25778608542670911</c:v>
                 </c:pt>
                 <c:pt idx="9">
-                  <c:v>0.3105629993322756</c:v>
+                  <c:v>0.31056299933227594</c:v>
                 </c:pt>
                 <c:pt idx="10">
-                  <c:v>0.33877739342409341</c:v>
+                  <c:v>0.33877739342409352</c:v>
                 </c:pt>
                 <c:pt idx="11">
                   <c:v>0.35225259726803532</c:v>
                 </c:pt>
                 <c:pt idx="12">
-                  <c:v>0.35947445565100494</c:v>
+                  <c:v>0.35947445565100505</c:v>
                 </c:pt>
                 <c:pt idx="13">
-                  <c:v>0.39000000000000307</c:v>
+                  <c:v>0.39000000000000318</c:v>
                 </c:pt>
                 <c:pt idx="14">
-                  <c:v>0.39000000000000307</c:v>
+                  <c:v>0.39000000000000318</c:v>
                 </c:pt>
                 <c:pt idx="15">
                   <c:v>0.4</c:v>
                 </c:pt>
                 <c:pt idx="16">
-                  <c:v>0.40041490630404697</c:v>
+                  <c:v>0.40041490630404719</c:v>
                 </c:pt>
                 <c:pt idx="17">
                   <c:v>0.4</c:v>
@@ -805,7 +805,7 @@
                 <c:formatCode>General</c:formatCode>
                 <c:ptCount val="19"/>
                 <c:pt idx="0">
-                  <c:v>0.28931899175148867</c:v>
+                  <c:v>0.28931899175148895</c:v>
                 </c:pt>
                 <c:pt idx="1">
                   <c:v>0.30427205718078232</c:v>
@@ -814,46 +814,46 @@
                   <c:v>0.28833535935117605</c:v>
                 </c:pt>
                 <c:pt idx="3">
-                  <c:v>0.50673831628888999</c:v>
+                  <c:v>0.50673831628889043</c:v>
                 </c:pt>
                 <c:pt idx="4">
-                  <c:v>0.58986811562939279</c:v>
+                  <c:v>0.58986811562939301</c:v>
                 </c:pt>
                 <c:pt idx="5">
-                  <c:v>0.60174244358029194</c:v>
+                  <c:v>0.60174244358029216</c:v>
                 </c:pt>
                 <c:pt idx="6">
                   <c:v>0.62230234655114092</c:v>
                 </c:pt>
                 <c:pt idx="7">
-                  <c:v>0.6489217280249997</c:v>
+                  <c:v>0.64892172802499992</c:v>
                 </c:pt>
                 <c:pt idx="8">
                   <c:v>0.60213497372141267</c:v>
                 </c:pt>
                 <c:pt idx="9">
-                  <c:v>0.65929398719852639</c:v>
+                  <c:v>0.65929398719852672</c:v>
                 </c:pt>
                 <c:pt idx="10">
-                  <c:v>0.63740945216596556</c:v>
+                  <c:v>0.6374094521659659</c:v>
                 </c:pt>
                 <c:pt idx="11">
-                  <c:v>0.66496829605747976</c:v>
+                  <c:v>0.6649682960574802</c:v>
                 </c:pt>
                 <c:pt idx="12">
-                  <c:v>0.68587643695394118</c:v>
+                  <c:v>0.68587643695394163</c:v>
                 </c:pt>
                 <c:pt idx="13">
-                  <c:v>0.70280463859163778</c:v>
+                  <c:v>0.702804638591638</c:v>
                 </c:pt>
                 <c:pt idx="14">
-                  <c:v>0.68555591749742451</c:v>
+                  <c:v>0.68555591749742484</c:v>
                 </c:pt>
                 <c:pt idx="15">
-                  <c:v>0.71798687616048951</c:v>
+                  <c:v>0.71798687616048984</c:v>
                 </c:pt>
                 <c:pt idx="16">
-                  <c:v>0.72902988600000806</c:v>
+                  <c:v>0.72902988600000851</c:v>
                 </c:pt>
                 <c:pt idx="17">
                   <c:v>0.73331457600000005</c:v>
@@ -866,11 +866,11 @@
           </c:yVal>
           <c:smooth val="1"/>
         </c:ser>
-        <c:axId val="58964608"/>
-        <c:axId val="59388672"/>
+        <c:axId val="61717120"/>
+        <c:axId val="68821760"/>
       </c:scatterChart>
       <c:valAx>
-        <c:axId val="58964608"/>
+        <c:axId val="61717120"/>
         <c:scaling>
           <c:orientation val="minMax"/>
           <c:max val="1000"/>
@@ -913,7 +913,7 @@
             <c:manualLayout>
               <c:xMode val="edge"/>
               <c:yMode val="edge"/>
-              <c:x val="0.38494599693816844"/>
+              <c:x val="0.38494599693816856"/>
               <c:y val="0.85101357098414687"/>
             </c:manualLayout>
           </c:layout>
@@ -930,12 +930,12 @@
             <a:endParaRPr lang="es-ES"/>
           </a:p>
         </c:txPr>
-        <c:crossAx val="59388672"/>
+        <c:crossAx val="68821760"/>
         <c:crosses val="autoZero"/>
         <c:crossBetween val="midCat"/>
       </c:valAx>
       <c:valAx>
-        <c:axId val="59388672"/>
+        <c:axId val="68821760"/>
         <c:scaling>
           <c:orientation val="minMax"/>
           <c:min val="0"/>
@@ -977,7 +977,7 @@
             <a:endParaRPr lang="es-ES"/>
           </a:p>
         </c:txPr>
-        <c:crossAx val="58964608"/>
+        <c:crossAx val="61717120"/>
         <c:crosses val="autoZero"/>
         <c:crossBetween val="midCat"/>
         <c:minorUnit val="0.2"/>
@@ -1020,7 +1020,7 @@
           <c:x val="0.10048349150099888"/>
           <c:y val="4.1238940589567646E-2"/>
           <c:w val="0.87042860499284569"/>
-          <c:h val="0.75935138208448871"/>
+          <c:h val="0.75935138208448894"/>
         </c:manualLayout>
       </c:layout>
       <c:scatterChart>
@@ -1082,7 +1082,7 @@
                   <c:v>0.96900000000000064</c:v>
                 </c:pt>
                 <c:pt idx="13">
-                  <c:v>1.2769999999999881</c:v>
+                  <c:v>1.2769999999999875</c:v>
                 </c:pt>
                 <c:pt idx="14">
                   <c:v>3.0789999999999997</c:v>
@@ -1094,13 +1094,13 @@
                   <c:v>1.1990000000000001</c:v>
                 </c:pt>
                 <c:pt idx="17">
-                  <c:v>1.0249999999999881</c:v>
+                  <c:v>1.0249999999999875</c:v>
                 </c:pt>
                 <c:pt idx="18">
-                  <c:v>1.040999999999989</c:v>
+                  <c:v>1.0409999999999886</c:v>
                 </c:pt>
                 <c:pt idx="19">
-                  <c:v>1.9940000000000118</c:v>
+                  <c:v>1.9940000000000124</c:v>
                 </c:pt>
                 <c:pt idx="20">
                   <c:v>2.6759999999999997</c:v>
@@ -1133,7 +1133,7 @@
                   <c:v>1.127</c:v>
                 </c:pt>
                 <c:pt idx="30">
-                  <c:v>1.1619999999999886</c:v>
+                  <c:v>1.1619999999999882</c:v>
                 </c:pt>
                 <c:pt idx="31">
                   <c:v>1.175</c:v>
@@ -1148,7 +1148,7 @@
                   <c:v>2.0880000000000001</c:v>
                 </c:pt>
                 <c:pt idx="35">
-                  <c:v>1.9540000000000106</c:v>
+                  <c:v>1.9540000000000111</c:v>
                 </c:pt>
                 <c:pt idx="36">
                   <c:v>1.073</c:v>
@@ -1157,7 +1157,7 @@
                   <c:v>0.93200000000000005</c:v>
                 </c:pt>
                 <c:pt idx="38">
-                  <c:v>1.2209999999999868</c:v>
+                  <c:v>1.2209999999999861</c:v>
                 </c:pt>
                 <c:pt idx="39">
                   <c:v>1.081</c:v>
@@ -1172,7 +1172,7 @@
                   <c:v>1.538</c:v>
                 </c:pt>
                 <c:pt idx="43">
-                  <c:v>1.0569999999999893</c:v>
+                  <c:v>1.0569999999999888</c:v>
                 </c:pt>
                 <c:pt idx="44">
                   <c:v>1.028</c:v>
@@ -1190,10 +1190,10 @@
                   <c:v>6.8039999999999985</c:v>
                 </c:pt>
                 <c:pt idx="49">
-                  <c:v>1.0489999999999893</c:v>
+                  <c:v>1.0489999999999888</c:v>
                 </c:pt>
                 <c:pt idx="50">
-                  <c:v>1.4489999999999867</c:v>
+                  <c:v>1.4489999999999859</c:v>
                 </c:pt>
                 <c:pt idx="51">
                   <c:v>0.91600000000000004</c:v>
@@ -1223,7 +1223,7 @@
                   <c:v>1.599</c:v>
                 </c:pt>
                 <c:pt idx="60">
-                  <c:v>1.5629999999999893</c:v>
+                  <c:v>1.5629999999999888</c:v>
                 </c:pt>
                 <c:pt idx="61">
                   <c:v>0.99199999999999999</c:v>
@@ -1244,7 +1244,7 @@
                 <c:formatCode>General</c:formatCode>
                 <c:ptCount val="64"/>
                 <c:pt idx="0">
-                  <c:v>1.2189999999999868</c:v>
+                  <c:v>1.2189999999999861</c:v>
                 </c:pt>
                 <c:pt idx="1">
                   <c:v>2.4379999999999997</c:v>
@@ -1256,19 +1256,19 @@
                   <c:v>1.829</c:v>
                 </c:pt>
                 <c:pt idx="4">
-                  <c:v>1.2189999999999868</c:v>
+                  <c:v>1.2189999999999861</c:v>
                 </c:pt>
                 <c:pt idx="5">
-                  <c:v>1.2189999999999868</c:v>
+                  <c:v>1.2189999999999861</c:v>
                 </c:pt>
                 <c:pt idx="6">
-                  <c:v>1.2189999999999868</c:v>
+                  <c:v>1.2189999999999861</c:v>
                 </c:pt>
                 <c:pt idx="7">
                   <c:v>2.4379999999999997</c:v>
                 </c:pt>
                 <c:pt idx="8">
-                  <c:v>1.2189999999999868</c:v>
+                  <c:v>1.2189999999999861</c:v>
                 </c:pt>
                 <c:pt idx="9">
                   <c:v>0.61000000000000065</c:v>
@@ -1277,22 +1277,22 @@
                   <c:v>3.048</c:v>
                 </c:pt>
                 <c:pt idx="11">
-                  <c:v>1.2189999999999868</c:v>
+                  <c:v>1.2189999999999861</c:v>
                 </c:pt>
                 <c:pt idx="12">
                   <c:v>0.61000000000000065</c:v>
                 </c:pt>
                 <c:pt idx="13">
-                  <c:v>1.2189999999999868</c:v>
+                  <c:v>1.2189999999999861</c:v>
                 </c:pt>
                 <c:pt idx="14">
                   <c:v>2.4379999999999997</c:v>
                 </c:pt>
                 <c:pt idx="15">
-                  <c:v>1.2189999999999868</c:v>
+                  <c:v>1.2189999999999861</c:v>
                 </c:pt>
                 <c:pt idx="16">
-                  <c:v>1.2189999999999868</c:v>
+                  <c:v>1.2189999999999861</c:v>
                 </c:pt>
                 <c:pt idx="17">
                   <c:v>0.61000000000000065</c:v>
@@ -1310,7 +1310,7 @@
                   <c:v>3.048</c:v>
                 </c:pt>
                 <c:pt idx="22">
-                  <c:v>1.2189999999999868</c:v>
+                  <c:v>1.2189999999999861</c:v>
                 </c:pt>
                 <c:pt idx="23">
                   <c:v>1.829</c:v>
@@ -1334,34 +1334,34 @@
                   <c:v>0.61000000000000065</c:v>
                 </c:pt>
                 <c:pt idx="30">
-                  <c:v>1.2189999999999868</c:v>
+                  <c:v>1.2189999999999861</c:v>
                 </c:pt>
                 <c:pt idx="31">
-                  <c:v>1.2189999999999868</c:v>
+                  <c:v>1.2189999999999861</c:v>
                 </c:pt>
                 <c:pt idx="32">
-                  <c:v>1.2189999999999868</c:v>
+                  <c:v>1.2189999999999861</c:v>
                 </c:pt>
                 <c:pt idx="33">
-                  <c:v>1.2189999999999868</c:v>
+                  <c:v>1.2189999999999861</c:v>
                 </c:pt>
                 <c:pt idx="34">
-                  <c:v>1.2189999999999868</c:v>
+                  <c:v>1.2189999999999861</c:v>
                 </c:pt>
                 <c:pt idx="35">
                   <c:v>3.048</c:v>
                 </c:pt>
                 <c:pt idx="36">
-                  <c:v>1.2189999999999868</c:v>
+                  <c:v>1.2189999999999861</c:v>
                 </c:pt>
                 <c:pt idx="37">
                   <c:v>0.61000000000000065</c:v>
                 </c:pt>
                 <c:pt idx="38">
-                  <c:v>1.2189999999999868</c:v>
+                  <c:v>1.2189999999999861</c:v>
                 </c:pt>
                 <c:pt idx="39">
-                  <c:v>1.2189999999999868</c:v>
+                  <c:v>1.2189999999999861</c:v>
                 </c:pt>
                 <c:pt idx="40">
                   <c:v>2.4379999999999997</c:v>
@@ -1376,7 +1376,7 @@
                   <c:v>0.61000000000000065</c:v>
                 </c:pt>
                 <c:pt idx="44">
-                  <c:v>1.2189999999999868</c:v>
+                  <c:v>1.2189999999999861</c:v>
                 </c:pt>
                 <c:pt idx="45">
                   <c:v>4.8769999999999998</c:v>
@@ -1385,34 +1385,34 @@
                   <c:v>0.61000000000000065</c:v>
                 </c:pt>
                 <c:pt idx="47">
-                  <c:v>1.2189999999999868</c:v>
+                  <c:v>1.2189999999999861</c:v>
                 </c:pt>
                 <c:pt idx="48">
                   <c:v>7.3149999999999755</c:v>
                 </c:pt>
                 <c:pt idx="49">
-                  <c:v>1.2189999999999868</c:v>
+                  <c:v>1.2189999999999861</c:v>
                 </c:pt>
                 <c:pt idx="50">
-                  <c:v>1.2189999999999868</c:v>
+                  <c:v>1.2189999999999861</c:v>
                 </c:pt>
                 <c:pt idx="51">
                   <c:v>0.61000000000000065</c:v>
                 </c:pt>
                 <c:pt idx="52">
-                  <c:v>1.2189999999999868</c:v>
+                  <c:v>1.2189999999999861</c:v>
                 </c:pt>
                 <c:pt idx="53">
-                  <c:v>1.2189999999999868</c:v>
+                  <c:v>1.2189999999999861</c:v>
                 </c:pt>
                 <c:pt idx="54">
-                  <c:v>1.2189999999999868</c:v>
+                  <c:v>1.2189999999999861</c:v>
                 </c:pt>
                 <c:pt idx="55">
                   <c:v>2.4379999999999997</c:v>
                 </c:pt>
                 <c:pt idx="56">
-                  <c:v>1.2189999999999868</c:v>
+                  <c:v>1.2189999999999861</c:v>
                 </c:pt>
                 <c:pt idx="57">
                   <c:v>4.8769999999999998</c:v>
@@ -1424,7 +1424,7 @@
                   <c:v>2.4379999999999997</c:v>
                 </c:pt>
                 <c:pt idx="60">
-                  <c:v>1.2189999999999868</c:v>
+                  <c:v>1.2189999999999861</c:v>
                 </c:pt>
                 <c:pt idx="61">
                   <c:v>0.61000000000000065</c:v>
@@ -1433,7 +1433,7 @@
                   <c:v>3.048</c:v>
                 </c:pt>
                 <c:pt idx="63">
-                  <c:v>1.2189999999999868</c:v>
+                  <c:v>1.2189999999999861</c:v>
                 </c:pt>
               </c:numCache>
             </c:numRef>
@@ -1540,11 +1540,11 @@
             </c:numRef>
           </c:yVal>
         </c:ser>
-        <c:axId val="59046144"/>
-        <c:axId val="61940096"/>
+        <c:axId val="70458368"/>
+        <c:axId val="70472832"/>
       </c:scatterChart>
       <c:valAx>
-        <c:axId val="59046144"/>
+        <c:axId val="70458368"/>
         <c:scaling>
           <c:orientation val="minMax"/>
           <c:max val="8"/>
@@ -1589,13 +1589,13 @@
             <a:endParaRPr lang="es-ES"/>
           </a:p>
         </c:txPr>
-        <c:crossAx val="61940096"/>
+        <c:crossAx val="70472832"/>
         <c:crosses val="autoZero"/>
         <c:crossBetween val="midCat"/>
         <c:majorUnit val="2"/>
       </c:valAx>
       <c:valAx>
-        <c:axId val="61940096"/>
+        <c:axId val="70472832"/>
         <c:scaling>
           <c:orientation val="minMax"/>
         </c:scaling>
@@ -1640,7 +1640,7 @@
             <a:endParaRPr lang="es-ES"/>
           </a:p>
         </c:txPr>
-        <c:crossAx val="59046144"/>
+        <c:crossAx val="70458368"/>
         <c:crosses val="autoZero"/>
         <c:crossBetween val="midCat"/>
       </c:valAx>
@@ -1708,7 +1708,7 @@
                 <c:formatCode>0%</c:formatCode>
                 <c:ptCount val="5"/>
                 <c:pt idx="0">
-                  <c:v>0.66000000000000192</c:v>
+                  <c:v>0.66000000000000214</c:v>
                 </c:pt>
                 <c:pt idx="1">
                   <c:v>0.82000000000000062</c:v>
@@ -1794,12 +1794,12 @@
           </c:val>
         </c:ser>
         <c:shape val="box"/>
-        <c:axId val="61981824"/>
-        <c:axId val="61983360"/>
+        <c:axId val="70510464"/>
+        <c:axId val="70512000"/>
         <c:axId val="0"/>
       </c:bar3DChart>
       <c:catAx>
-        <c:axId val="61981824"/>
+        <c:axId val="70510464"/>
         <c:scaling>
           <c:orientation val="minMax"/>
         </c:scaling>
@@ -1817,14 +1817,14 @@
             <a:endParaRPr lang="es-ES"/>
           </a:p>
         </c:txPr>
-        <c:crossAx val="61983360"/>
+        <c:crossAx val="70512000"/>
         <c:crosses val="autoZero"/>
         <c:auto val="1"/>
         <c:lblAlgn val="ctr"/>
         <c:lblOffset val="100"/>
       </c:catAx>
       <c:valAx>
-        <c:axId val="61983360"/>
+        <c:axId val="70512000"/>
         <c:scaling>
           <c:orientation val="minMax"/>
         </c:scaling>
@@ -1842,7 +1842,7 @@
             <a:endParaRPr lang="es-ES"/>
           </a:p>
         </c:txPr>
-        <c:crossAx val="61981824"/>
+        <c:crossAx val="70510464"/>
         <c:crosses val="autoZero"/>
         <c:crossBetween val="between"/>
       </c:valAx>
@@ -1960,7 +1960,7 @@
                   <c:v>1.35</c:v>
                 </c:pt>
                 <c:pt idx="2">
-                  <c:v>1.1800000000000028</c:v>
+                  <c:v>1.1800000000000033</c:v>
                 </c:pt>
                 <c:pt idx="3">
                   <c:v>0.99</c:v>
@@ -2040,12 +2040,12 @@
           </c:val>
         </c:ser>
         <c:shape val="cylinder"/>
-        <c:axId val="62156800"/>
-        <c:axId val="62158336"/>
+        <c:axId val="70681344"/>
+        <c:axId val="70682880"/>
         <c:axId val="0"/>
       </c:bar3DChart>
       <c:catAx>
-        <c:axId val="62156800"/>
+        <c:axId val="70681344"/>
         <c:scaling>
           <c:orientation val="minMax"/>
         </c:scaling>
@@ -2063,14 +2063,14 @@
             <a:endParaRPr lang="es-ES"/>
           </a:p>
         </c:txPr>
-        <c:crossAx val="62158336"/>
+        <c:crossAx val="70682880"/>
         <c:crosses val="autoZero"/>
         <c:auto val="1"/>
         <c:lblAlgn val="ctr"/>
         <c:lblOffset val="100"/>
       </c:catAx>
       <c:valAx>
-        <c:axId val="62158336"/>
+        <c:axId val="70682880"/>
         <c:scaling>
           <c:orientation val="minMax"/>
         </c:scaling>
@@ -2088,7 +2088,7 @@
             <a:endParaRPr lang="es-ES"/>
           </a:p>
         </c:txPr>
-        <c:crossAx val="62156800"/>
+        <c:crossAx val="70681344"/>
         <c:crosses val="autoZero"/>
         <c:crossBetween val="between"/>
       </c:valAx>
@@ -2231,19 +2231,19 @@
                   <c:v>1.0330390684786552</c:v>
                 </c:pt>
                 <c:pt idx="6">
-                  <c:v>1.030242951940324</c:v>
+                  <c:v>1.0302429519403244</c:v>
                 </c:pt>
                 <c:pt idx="7">
                   <c:v>0.94738273200566459</c:v>
                 </c:pt>
                 <c:pt idx="8">
-                  <c:v>0.92793801360197825</c:v>
+                  <c:v>0.92793801360197858</c:v>
                 </c:pt>
                 <c:pt idx="9">
                   <c:v>0.92012906293872665</c:v>
                 </c:pt>
                 <c:pt idx="10">
-                  <c:v>0.88481716181109438</c:v>
+                  <c:v>0.88481716181109415</c:v>
                 </c:pt>
                 <c:pt idx="11">
                   <c:v>0.88417424754272178</c:v>
@@ -2255,7 +2255,7 @@
                   <c:v>0.85063806565684563</c:v>
                 </c:pt>
                 <c:pt idx="14">
-                  <c:v>0.84777133793555992</c:v>
+                  <c:v>0.84777133793556014</c:v>
                 </c:pt>
                 <c:pt idx="15">
                   <c:v>0.8445144923789446</c:v>
@@ -2264,7 +2264,7 @@
                   <c:v>0.83725594840038564</c:v>
                 </c:pt>
                 <c:pt idx="17">
-                  <c:v>0.83461703141919175</c:v>
+                  <c:v>0.83461703141919208</c:v>
                 </c:pt>
               </c:numCache>
             </c:numRef>
@@ -2363,7 +2363,7 @@
                   <c:v>0.9387309603633297</c:v>
                 </c:pt>
                 <c:pt idx="1">
-                  <c:v>0.89153277738271031</c:v>
+                  <c:v>0.89153277738271008</c:v>
                 </c:pt>
                 <c:pt idx="2">
                   <c:v>0.82301056544373608</c:v>
@@ -2375,22 +2375,22 @@
                   <c:v>0.75252199659024765</c:v>
                 </c:pt>
                 <c:pt idx="5">
-                  <c:v>0.74212373331281845</c:v>
+                  <c:v>0.74212373331281878</c:v>
                 </c:pt>
                 <c:pt idx="6">
                   <c:v>0.73688717786732749</c:v>
                 </c:pt>
                 <c:pt idx="7">
-                  <c:v>0.72860146352750743</c:v>
+                  <c:v>0.72860146352750776</c:v>
                 </c:pt>
                 <c:pt idx="8">
-                  <c:v>0.70577785559581419</c:v>
+                  <c:v>0.70577785559581463</c:v>
                 </c:pt>
                 <c:pt idx="9">
                   <c:v>0.69274686371956962</c:v>
                 </c:pt>
                 <c:pt idx="10">
-                  <c:v>0.67930161414046875</c:v>
+                  <c:v>0.67930161414046908</c:v>
                 </c:pt>
                 <c:pt idx="11">
                   <c:v>0.67228263477634131</c:v>
@@ -2399,22 +2399,22 @@
                   <c:v>0.68022471453120004</c:v>
                 </c:pt>
                 <c:pt idx="13">
-                  <c:v>0.66398503161852562</c:v>
+                  <c:v>0.66398503161852607</c:v>
                 </c:pt>
                 <c:pt idx="14">
                   <c:v>0.6640628299517749</c:v>
                 </c:pt>
                 <c:pt idx="15">
-                  <c:v>0.66308558009337981</c:v>
+                  <c:v>0.66308558009338003</c:v>
                 </c:pt>
                 <c:pt idx="16">
                   <c:v>0.65656511915425986</c:v>
                 </c:pt>
                 <c:pt idx="17">
-                  <c:v>0.65158141257239044</c:v>
+                  <c:v>0.65158141257239088</c:v>
                 </c:pt>
                 <c:pt idx="18">
-                  <c:v>0.6518754870149488</c:v>
+                  <c:v>0.65187548701494902</c:v>
                 </c:pt>
               </c:numCache>
             </c:numRef>
@@ -2503,7 +2503,7 @@
                 <c:formatCode>General</c:formatCode>
                 <c:ptCount val="19"/>
                 <c:pt idx="0">
-                  <c:v>0.66149732049012788</c:v>
+                  <c:v>0.6614973204901281</c:v>
                 </c:pt>
                 <c:pt idx="1">
                   <c:v>0.6001326027033127</c:v>
@@ -2512,13 +2512,13 @@
                   <c:v>0.55639887771499263</c:v>
                 </c:pt>
                 <c:pt idx="3">
-                  <c:v>0.62284472485511355</c:v>
+                  <c:v>0.62284472485511377</c:v>
                 </c:pt>
                 <c:pt idx="4">
                   <c:v>0.55351605829049677</c:v>
                 </c:pt>
                 <c:pt idx="5">
-                  <c:v>0.58846095302595502</c:v>
+                  <c:v>0.58846095302595458</c:v>
                 </c:pt>
                 <c:pt idx="6">
                   <c:v>0.57298820383188065</c:v>
@@ -2530,7 +2530,7 @@
                   <c:v>0.55636349504129456</c:v>
                 </c:pt>
                 <c:pt idx="9">
-                  <c:v>0.56175580469495145</c:v>
+                  <c:v>0.56175580469495179</c:v>
                 </c:pt>
                 <c:pt idx="10">
                   <c:v>0.54619756290876298</c:v>
@@ -2650,7 +2650,7 @@
                 <c:formatCode>General</c:formatCode>
                 <c:ptCount val="18"/>
                 <c:pt idx="0">
-                  <c:v>0.6323708026850392</c:v>
+                  <c:v>0.63237080268503965</c:v>
                 </c:pt>
                 <c:pt idx="1">
                   <c:v>0.58374227027070569</c:v>
@@ -2659,7 +2659,7 @@
                   <c:v>0.59186681564330168</c:v>
                 </c:pt>
                 <c:pt idx="3">
-                  <c:v>0.56326543263150186</c:v>
+                  <c:v>0.56326543263150231</c:v>
                 </c:pt>
                 <c:pt idx="4">
                   <c:v>0.57183044589207288</c:v>
@@ -2674,7 +2674,7 @@
                   <c:v>0.53802118949602251</c:v>
                 </c:pt>
                 <c:pt idx="8">
-                  <c:v>0.53450509736819463</c:v>
+                  <c:v>0.53450509736819485</c:v>
                 </c:pt>
                 <c:pt idx="9">
                   <c:v>0.52829897414829863</c:v>
@@ -2698,7 +2698,7 @@
                   <c:v>0.50670323954628771</c:v>
                 </c:pt>
                 <c:pt idx="16">
-                  <c:v>0.50238192552660166</c:v>
+                  <c:v>0.50238192552660144</c:v>
                 </c:pt>
                 <c:pt idx="17">
                   <c:v>0.49463977381829932</c:v>
@@ -2790,31 +2790,31 @@
                 <c:formatCode>General</c:formatCode>
                 <c:ptCount val="19"/>
                 <c:pt idx="0">
-                  <c:v>0.77289983769924153</c:v>
+                  <c:v>0.7728998376992422</c:v>
                 </c:pt>
                 <c:pt idx="1">
                   <c:v>0.74632356481168916</c:v>
                 </c:pt>
                 <c:pt idx="2">
-                  <c:v>0.78634361659647811</c:v>
+                  <c:v>0.78634361659647856</c:v>
                 </c:pt>
                 <c:pt idx="3">
-                  <c:v>0.68296121733003712</c:v>
+                  <c:v>0.68296121733003734</c:v>
                 </c:pt>
                 <c:pt idx="4">
-                  <c:v>0.66450739252953961</c:v>
+                  <c:v>0.66450739252953983</c:v>
                 </c:pt>
                 <c:pt idx="5">
-                  <c:v>0.61644319255848001</c:v>
+                  <c:v>0.61644319255848046</c:v>
                 </c:pt>
                 <c:pt idx="6">
                   <c:v>0.6102724059818817</c:v>
                 </c:pt>
                 <c:pt idx="7">
-                  <c:v>0.60925823106012422</c:v>
+                  <c:v>0.60925823106012444</c:v>
                 </c:pt>
                 <c:pt idx="8">
-                  <c:v>0.62851239646724877</c:v>
+                  <c:v>0.62851239646724855</c:v>
                 </c:pt>
                 <c:pt idx="9">
                   <c:v>0.60456332932399459</c:v>
@@ -2823,10 +2823,10 @@
                   <c:v>0.59800801508451062</c:v>
                 </c:pt>
                 <c:pt idx="11">
-                  <c:v>0.59484127138609633</c:v>
+                  <c:v>0.59484127138609655</c:v>
                 </c:pt>
                 <c:pt idx="12">
-                  <c:v>0.57774424327942409</c:v>
+                  <c:v>0.57774424327942453</c:v>
                 </c:pt>
                 <c:pt idx="13">
                   <c:v>0.57412911597622418</c:v>
@@ -2841,7 +2841,7 @@
                   <c:v>0.56487792557592453</c:v>
                 </c:pt>
                 <c:pt idx="17">
-                  <c:v>0.55704303471989758</c:v>
+                  <c:v>0.55704303471989791</c:v>
                 </c:pt>
                 <c:pt idx="18">
                   <c:v>0.55532457683742076</c:v>
@@ -2851,11 +2851,11 @@
           </c:yVal>
           <c:smooth val="1"/>
         </c:ser>
-        <c:axId val="59415936"/>
-        <c:axId val="59430400"/>
+        <c:axId val="68853120"/>
+        <c:axId val="68863488"/>
       </c:scatterChart>
       <c:valAx>
-        <c:axId val="59415936"/>
+        <c:axId val="68853120"/>
         <c:scaling>
           <c:orientation val="minMax"/>
           <c:max val="1000"/>
@@ -2936,7 +2936,7 @@
             <c:manualLayout>
               <c:xMode val="edge"/>
               <c:yMode val="edge"/>
-              <c:x val="0.31703777702969238"/>
+              <c:x val="0.31703777702969255"/>
               <c:y val="0.86625336375377393"/>
             </c:manualLayout>
           </c:layout>
@@ -2953,12 +2953,12 @@
             <a:endParaRPr lang="es-ES"/>
           </a:p>
         </c:txPr>
-        <c:crossAx val="59430400"/>
+        <c:crossAx val="68863488"/>
         <c:crosses val="autoZero"/>
         <c:crossBetween val="midCat"/>
       </c:valAx>
       <c:valAx>
-        <c:axId val="59430400"/>
+        <c:axId val="68863488"/>
         <c:scaling>
           <c:orientation val="minMax"/>
           <c:min val="0.4"/>
@@ -2997,7 +2997,7 @@
             <a:endParaRPr lang="es-ES"/>
           </a:p>
         </c:txPr>
-        <c:crossAx val="59415936"/>
+        <c:crossAx val="68853120"/>
         <c:crosses val="autoZero"/>
         <c:crossBetween val="midCat"/>
       </c:valAx>
@@ -3026,6 +3026,7 @@
 
 <file path=ppt/charts/chart3.xml><?xml version="1.0" encoding="utf-8"?>
 <c:chartSpace xmlns:c="http://schemas.openxmlformats.org/drawingml/2006/chart" xmlns:a="http://schemas.openxmlformats.org/drawingml/2006/main" xmlns:r="http://schemas.openxmlformats.org/officeDocument/2006/relationships">
+  <c:date1904 val="1"/>
   <c:lang val="es-ES"/>
   <c:chart>
     <c:title>
@@ -3099,10 +3100,10 @@
                 <c:formatCode>General</c:formatCode>
                 <c:ptCount val="5"/>
                 <c:pt idx="0">
-                  <c:v>0.85</c:v>
+                  <c:v>0.8500000000000002</c:v>
                 </c:pt>
                 <c:pt idx="1">
-                  <c:v>0.28000000000000003</c:v>
+                  <c:v>0.28000000000000008</c:v>
                 </c:pt>
                 <c:pt idx="2">
                   <c:v>0.22</c:v>
@@ -3169,13 +3170,13 @@
                   <c:v>0.88</c:v>
                 </c:pt>
                 <c:pt idx="1">
-                  <c:v>0.42</c:v>
+                  <c:v>0.4200000000000001</c:v>
                 </c:pt>
                 <c:pt idx="2">
-                  <c:v>0.37</c:v>
+                  <c:v>0.37000000000000011</c:v>
                 </c:pt>
                 <c:pt idx="3">
-                  <c:v>0.61</c:v>
+                  <c:v>0.61000000000000021</c:v>
                 </c:pt>
                 <c:pt idx="4">
                   <c:v>0.81</c:v>
@@ -3241,13 +3242,13 @@
                   <c:v>0.5</c:v>
                 </c:pt>
                 <c:pt idx="2">
-                  <c:v>0.48</c:v>
+                  <c:v>0.48000000000000009</c:v>
                 </c:pt>
                 <c:pt idx="3">
-                  <c:v>0.74</c:v>
+                  <c:v>0.74000000000000021</c:v>
                 </c:pt>
                 <c:pt idx="4">
-                  <c:v>0.82</c:v>
+                  <c:v>0.82000000000000017</c:v>
                 </c:pt>
               </c:numCache>
             </c:numRef>
@@ -3305,40 +3306,40 @@
                   <c:v>0.88</c:v>
                 </c:pt>
                 <c:pt idx="1">
-                  <c:v>0.47</c:v>
+                  <c:v>0.47000000000000008</c:v>
                 </c:pt>
                 <c:pt idx="2">
-                  <c:v>0.35</c:v>
+                  <c:v>0.35000000000000009</c:v>
                 </c:pt>
                 <c:pt idx="3">
-                  <c:v>0.7</c:v>
+                  <c:v>0.70000000000000018</c:v>
                 </c:pt>
                 <c:pt idx="4">
-                  <c:v>0.82</c:v>
+                  <c:v>0.82000000000000017</c:v>
                 </c:pt>
               </c:numCache>
             </c:numRef>
           </c:val>
         </c:ser>
-        <c:axId val="83273600"/>
-        <c:axId val="93877760"/>
+        <c:axId val="70199936"/>
+        <c:axId val="70222208"/>
       </c:barChart>
       <c:catAx>
-        <c:axId val="83273600"/>
+        <c:axId val="70199936"/>
         <c:scaling>
           <c:orientation val="minMax"/>
         </c:scaling>
         <c:axPos val="b"/>
         <c:majorTickMark val="none"/>
         <c:tickLblPos val="nextTo"/>
-        <c:crossAx val="93877760"/>
+        <c:crossAx val="70222208"/>
         <c:crosses val="autoZero"/>
         <c:auto val="1"/>
         <c:lblAlgn val="ctr"/>
         <c:lblOffset val="100"/>
       </c:catAx>
       <c:valAx>
-        <c:axId val="93877760"/>
+        <c:axId val="70222208"/>
         <c:scaling>
           <c:orientation val="minMax"/>
         </c:scaling>
@@ -3347,7 +3348,7 @@
         <c:numFmt formatCode="General" sourceLinked="1"/>
         <c:majorTickMark val="none"/>
         <c:tickLblPos val="nextTo"/>
-        <c:crossAx val="83273600"/>
+        <c:crossAx val="70199936"/>
         <c:crosses val="autoZero"/>
         <c:crossBetween val="between"/>
       </c:valAx>
@@ -3437,19 +3438,19 @@
                 <c:formatCode>General</c:formatCode>
                 <c:ptCount val="5"/>
                 <c:pt idx="0">
-                  <c:v>0.97</c:v>
+                  <c:v>0.9700000000000002</c:v>
                 </c:pt>
                 <c:pt idx="1">
                   <c:v>0.53</c:v>
                 </c:pt>
                 <c:pt idx="2">
-                  <c:v>0.6</c:v>
+                  <c:v>0.6000000000000002</c:v>
                 </c:pt>
                 <c:pt idx="3">
-                  <c:v>0.6</c:v>
+                  <c:v>0.6000000000000002</c:v>
                 </c:pt>
                 <c:pt idx="4">
-                  <c:v>0.67</c:v>
+                  <c:v>0.67000000000000026</c:v>
                 </c:pt>
               </c:numCache>
             </c:numRef>
@@ -3504,7 +3505,7 @@
                 <c:formatCode>General</c:formatCode>
                 <c:ptCount val="5"/>
                 <c:pt idx="0">
-                  <c:v>0.86</c:v>
+                  <c:v>0.86000000000000021</c:v>
                 </c:pt>
                 <c:pt idx="1">
                   <c:v>0.5</c:v>
@@ -3516,7 +3517,7 @@
                   <c:v>0.54</c:v>
                 </c:pt>
                 <c:pt idx="4">
-                  <c:v>0.63</c:v>
+                  <c:v>0.63000000000000023</c:v>
                 </c:pt>
               </c:numCache>
             </c:numRef>
@@ -3573,19 +3574,19 @@
                 <c:formatCode>General</c:formatCode>
                 <c:ptCount val="5"/>
                 <c:pt idx="0">
-                  <c:v>0.82</c:v>
+                  <c:v>0.82000000000000017</c:v>
                 </c:pt>
                 <c:pt idx="1">
                   <c:v>0.46</c:v>
                 </c:pt>
                 <c:pt idx="2">
-                  <c:v>0.47</c:v>
+                  <c:v>0.47000000000000008</c:v>
                 </c:pt>
                 <c:pt idx="3">
-                  <c:v>0.47</c:v>
+                  <c:v>0.47000000000000008</c:v>
                 </c:pt>
                 <c:pt idx="4">
-                  <c:v>0.61</c:v>
+                  <c:v>0.61000000000000021</c:v>
                 </c:pt>
               </c:numCache>
             </c:numRef>
@@ -3643,7 +3644,7 @@
                   <c:v>0.88</c:v>
                 </c:pt>
                 <c:pt idx="1">
-                  <c:v>0.49</c:v>
+                  <c:v>0.4900000000000001</c:v>
                 </c:pt>
                 <c:pt idx="2">
                   <c:v>0.5</c:v>
@@ -3652,31 +3653,31 @@
                   <c:v>0.5</c:v>
                 </c:pt>
                 <c:pt idx="4">
-                  <c:v>0.61</c:v>
+                  <c:v>0.61000000000000021</c:v>
                 </c:pt>
               </c:numCache>
             </c:numRef>
           </c:val>
         </c:ser>
-        <c:axId val="83117184"/>
-        <c:axId val="83118720"/>
+        <c:axId val="70244608"/>
+        <c:axId val="70250496"/>
       </c:barChart>
       <c:catAx>
-        <c:axId val="83117184"/>
+        <c:axId val="70244608"/>
         <c:scaling>
           <c:orientation val="minMax"/>
         </c:scaling>
         <c:axPos val="b"/>
         <c:majorTickMark val="none"/>
         <c:tickLblPos val="nextTo"/>
-        <c:crossAx val="83118720"/>
+        <c:crossAx val="70250496"/>
         <c:crosses val="autoZero"/>
         <c:auto val="1"/>
         <c:lblAlgn val="ctr"/>
         <c:lblOffset val="100"/>
       </c:catAx>
       <c:valAx>
-        <c:axId val="83118720"/>
+        <c:axId val="70250496"/>
         <c:scaling>
           <c:orientation val="minMax"/>
         </c:scaling>
@@ -3685,7 +3686,7 @@
         <c:numFmt formatCode="General" sourceLinked="1"/>
         <c:majorTickMark val="none"/>
         <c:tickLblPos val="nextTo"/>
-        <c:crossAx val="83117184"/>
+        <c:crossAx val="70244608"/>
         <c:crosses val="autoZero"/>
         <c:crossBetween val="between"/>
       </c:valAx>
@@ -3702,6 +3703,7 @@
 
 <file path=ppt/charts/chart5.xml><?xml version="1.0" encoding="utf-8"?>
 <c:chartSpace xmlns:c="http://schemas.openxmlformats.org/drawingml/2006/chart" xmlns:a="http://schemas.openxmlformats.org/drawingml/2006/main" xmlns:r="http://schemas.openxmlformats.org/officeDocument/2006/relationships">
+  <c:date1904 val="1"/>
   <c:lang val="es-ES"/>
   <c:chart>
     <c:title>
@@ -3775,16 +3777,16 @@
                 <c:formatCode>General</c:formatCode>
                 <c:ptCount val="4"/>
                 <c:pt idx="0">
-                  <c:v>0.48</c:v>
+                  <c:v>0.48000000000000009</c:v>
                 </c:pt>
                 <c:pt idx="1">
                   <c:v>0.4</c:v>
                 </c:pt>
                 <c:pt idx="2">
-                  <c:v>0.42</c:v>
+                  <c:v>0.4200000000000001</c:v>
                 </c:pt>
                 <c:pt idx="3">
-                  <c:v>0.42</c:v>
+                  <c:v>0.4200000000000001</c:v>
                 </c:pt>
               </c:numCache>
             </c:numRef>
@@ -3842,7 +3844,7 @@
                   <c:v>0.23</c:v>
                 </c:pt>
                 <c:pt idx="2">
-                  <c:v>0.24</c:v>
+                  <c:v>0.24000000000000005</c:v>
                 </c:pt>
                 <c:pt idx="3">
                   <c:v>0.26</c:v>
@@ -3852,12 +3854,12 @@
           </c:val>
         </c:ser>
         <c:shape val="box"/>
-        <c:axId val="43298176"/>
-        <c:axId val="62163584"/>
+        <c:axId val="62093568"/>
+        <c:axId val="62099456"/>
         <c:axId val="0"/>
       </c:bar3DChart>
       <c:catAx>
-        <c:axId val="43298176"/>
+        <c:axId val="62093568"/>
         <c:scaling>
           <c:orientation val="minMax"/>
         </c:scaling>
@@ -3876,14 +3878,14 @@
             <a:endParaRPr lang="es-ES"/>
           </a:p>
         </c:txPr>
-        <c:crossAx val="62163584"/>
+        <c:crossAx val="62099456"/>
         <c:crosses val="autoZero"/>
         <c:auto val="1"/>
         <c:lblAlgn val="ctr"/>
         <c:lblOffset val="100"/>
       </c:catAx>
       <c:valAx>
-        <c:axId val="62163584"/>
+        <c:axId val="62099456"/>
         <c:scaling>
           <c:orientation val="minMax"/>
         </c:scaling>
@@ -3892,7 +3894,7 @@
         <c:numFmt formatCode="General" sourceLinked="1"/>
         <c:majorTickMark val="none"/>
         <c:tickLblPos val="nextTo"/>
-        <c:crossAx val="43298176"/>
+        <c:crossAx val="62093568"/>
         <c:crosses val="autoZero"/>
         <c:crossBetween val="between"/>
       </c:valAx>
@@ -3921,6 +3923,7 @@
 
 <file path=ppt/charts/chart6.xml><?xml version="1.0" encoding="utf-8"?>
 <c:chartSpace xmlns:c="http://schemas.openxmlformats.org/drawingml/2006/chart" xmlns:a="http://schemas.openxmlformats.org/drawingml/2006/main" xmlns:r="http://schemas.openxmlformats.org/officeDocument/2006/relationships">
+  <c:date1904 val="1"/>
   <c:lang val="es-ES"/>
   <c:chart>
     <c:title>
@@ -3991,16 +3994,16 @@
                 <c:formatCode>General</c:formatCode>
                 <c:ptCount val="4"/>
                 <c:pt idx="0">
-                  <c:v>0.47</c:v>
+                  <c:v>0.47000000000000008</c:v>
                 </c:pt>
                 <c:pt idx="1">
-                  <c:v>0.49</c:v>
+                  <c:v>0.4900000000000001</c:v>
                 </c:pt>
                 <c:pt idx="2">
-                  <c:v>0.48</c:v>
+                  <c:v>0.48000000000000009</c:v>
                 </c:pt>
                 <c:pt idx="3">
-                  <c:v>0.48</c:v>
+                  <c:v>0.48000000000000009</c:v>
                 </c:pt>
               </c:numCache>
             </c:numRef>
@@ -4068,26 +4071,26 @@
           </c:val>
         </c:ser>
         <c:shape val="cylinder"/>
-        <c:axId val="82309888"/>
-        <c:axId val="82311424"/>
+        <c:axId val="62107008"/>
+        <c:axId val="62116992"/>
         <c:axId val="0"/>
       </c:bar3DChart>
       <c:catAx>
-        <c:axId val="82309888"/>
+        <c:axId val="62107008"/>
         <c:scaling>
           <c:orientation val="minMax"/>
         </c:scaling>
         <c:axPos val="b"/>
         <c:majorTickMark val="none"/>
         <c:tickLblPos val="nextTo"/>
-        <c:crossAx val="82311424"/>
+        <c:crossAx val="62116992"/>
         <c:crosses val="autoZero"/>
         <c:auto val="1"/>
         <c:lblAlgn val="ctr"/>
         <c:lblOffset val="100"/>
       </c:catAx>
       <c:valAx>
-        <c:axId val="82311424"/>
+        <c:axId val="62116992"/>
         <c:scaling>
           <c:orientation val="minMax"/>
         </c:scaling>
@@ -4096,7 +4099,7 @@
         <c:numFmt formatCode="General" sourceLinked="1"/>
         <c:majorTickMark val="none"/>
         <c:tickLblPos val="nextTo"/>
-        <c:crossAx val="82309888"/>
+        <c:crossAx val="62107008"/>
         <c:crosses val="autoZero"/>
         <c:crossBetween val="between"/>
       </c:valAx>
@@ -4154,7 +4157,7 @@
           <c:x val="5.0128971669717602E-2"/>
           <c:y val="0.16285573489051136"/>
           <c:w val="0.91229087688864363"/>
-          <c:h val="0.42844667523762636"/>
+          <c:h val="0.42844667523762658"/>
         </c:manualLayout>
       </c:layout>
       <c:scatterChart>
@@ -4375,7 +4378,7 @@
                   <c:v>0</c:v>
                 </c:pt>
                 <c:pt idx="1">
-                  <c:v>1.2189999999999868</c:v>
+                  <c:v>1.2189999999999861</c:v>
                 </c:pt>
                 <c:pt idx="2">
                   <c:v>2.4379999999999997</c:v>
@@ -4387,19 +4390,19 @@
                   <c:v>1.829</c:v>
                 </c:pt>
                 <c:pt idx="5">
-                  <c:v>1.2189999999999868</c:v>
+                  <c:v>1.2189999999999861</c:v>
                 </c:pt>
                 <c:pt idx="6">
-                  <c:v>1.2189999999999868</c:v>
+                  <c:v>1.2189999999999861</c:v>
                 </c:pt>
                 <c:pt idx="7">
-                  <c:v>1.2189999999999868</c:v>
+                  <c:v>1.2189999999999861</c:v>
                 </c:pt>
                 <c:pt idx="8">
                   <c:v>2.4379999999999997</c:v>
                 </c:pt>
                 <c:pt idx="9">
-                  <c:v>1.2189999999999868</c:v>
+                  <c:v>1.2189999999999861</c:v>
                 </c:pt>
                 <c:pt idx="10">
                   <c:v>0.61000000000000065</c:v>
@@ -4408,22 +4411,22 @@
                   <c:v>3.048</c:v>
                 </c:pt>
                 <c:pt idx="12">
-                  <c:v>1.2189999999999868</c:v>
+                  <c:v>1.2189999999999861</c:v>
                 </c:pt>
                 <c:pt idx="13">
                   <c:v>0.61000000000000065</c:v>
                 </c:pt>
                 <c:pt idx="14">
-                  <c:v>1.2189999999999868</c:v>
+                  <c:v>1.2189999999999861</c:v>
                 </c:pt>
                 <c:pt idx="15">
                   <c:v>2.4379999999999997</c:v>
                 </c:pt>
                 <c:pt idx="16">
-                  <c:v>1.2189999999999868</c:v>
+                  <c:v>1.2189999999999861</c:v>
                 </c:pt>
                 <c:pt idx="17">
-                  <c:v>1.2189999999999868</c:v>
+                  <c:v>1.2189999999999861</c:v>
                 </c:pt>
                 <c:pt idx="18">
                   <c:v>0.61000000000000065</c:v>
@@ -4441,7 +4444,7 @@
                   <c:v>3.048</c:v>
                 </c:pt>
                 <c:pt idx="23">
-                  <c:v>1.2189999999999868</c:v>
+                  <c:v>1.2189999999999861</c:v>
                 </c:pt>
                 <c:pt idx="24">
                   <c:v>1.829</c:v>
@@ -4465,34 +4468,34 @@
                   <c:v>0.61000000000000065</c:v>
                 </c:pt>
                 <c:pt idx="31">
-                  <c:v>1.2189999999999868</c:v>
+                  <c:v>1.2189999999999861</c:v>
                 </c:pt>
                 <c:pt idx="32">
-                  <c:v>1.2189999999999868</c:v>
+                  <c:v>1.2189999999999861</c:v>
                 </c:pt>
                 <c:pt idx="33">
-                  <c:v>1.2189999999999868</c:v>
+                  <c:v>1.2189999999999861</c:v>
                 </c:pt>
                 <c:pt idx="34">
-                  <c:v>1.2189999999999868</c:v>
+                  <c:v>1.2189999999999861</c:v>
                 </c:pt>
                 <c:pt idx="35">
-                  <c:v>1.2189999999999868</c:v>
+                  <c:v>1.2189999999999861</c:v>
                 </c:pt>
                 <c:pt idx="36">
                   <c:v>3.048</c:v>
                 </c:pt>
                 <c:pt idx="37">
-                  <c:v>1.2189999999999868</c:v>
+                  <c:v>1.2189999999999861</c:v>
                 </c:pt>
                 <c:pt idx="38">
                   <c:v>0.61000000000000065</c:v>
                 </c:pt>
                 <c:pt idx="39">
-                  <c:v>1.2189999999999868</c:v>
+                  <c:v>1.2189999999999861</c:v>
                 </c:pt>
                 <c:pt idx="40">
-                  <c:v>1.2189999999999868</c:v>
+                  <c:v>1.2189999999999861</c:v>
                 </c:pt>
                 <c:pt idx="41">
                   <c:v>2.4379999999999997</c:v>
@@ -4507,7 +4510,7 @@
                   <c:v>0.61000000000000065</c:v>
                 </c:pt>
                 <c:pt idx="45">
-                  <c:v>1.2189999999999868</c:v>
+                  <c:v>1.2189999999999861</c:v>
                 </c:pt>
                 <c:pt idx="46">
                   <c:v>4.8769999999999998</c:v>
@@ -4516,34 +4519,34 @@
                   <c:v>0.61000000000000065</c:v>
                 </c:pt>
                 <c:pt idx="48">
-                  <c:v>1.2189999999999868</c:v>
+                  <c:v>1.2189999999999861</c:v>
                 </c:pt>
                 <c:pt idx="49">
                   <c:v>7.3149999999999755</c:v>
                 </c:pt>
                 <c:pt idx="50">
-                  <c:v>1.2189999999999868</c:v>
+                  <c:v>1.2189999999999861</c:v>
                 </c:pt>
                 <c:pt idx="51">
-                  <c:v>1.2189999999999868</c:v>
+                  <c:v>1.2189999999999861</c:v>
                 </c:pt>
                 <c:pt idx="52">
                   <c:v>0.61000000000000065</c:v>
                 </c:pt>
                 <c:pt idx="53">
-                  <c:v>1.2189999999999868</c:v>
+                  <c:v>1.2189999999999861</c:v>
                 </c:pt>
                 <c:pt idx="54">
-                  <c:v>1.2189999999999868</c:v>
+                  <c:v>1.2189999999999861</c:v>
                 </c:pt>
                 <c:pt idx="55">
-                  <c:v>1.2189999999999868</c:v>
+                  <c:v>1.2189999999999861</c:v>
                 </c:pt>
                 <c:pt idx="56">
                   <c:v>2.4379999999999997</c:v>
                 </c:pt>
                 <c:pt idx="57">
-                  <c:v>1.2189999999999868</c:v>
+                  <c:v>1.2189999999999861</c:v>
                 </c:pt>
                 <c:pt idx="58">
                   <c:v>4.8769999999999998</c:v>
@@ -4555,7 +4558,7 @@
                   <c:v>2.4379999999999997</c:v>
                 </c:pt>
                 <c:pt idx="61">
-                  <c:v>1.2189999999999868</c:v>
+                  <c:v>1.2189999999999861</c:v>
                 </c:pt>
                 <c:pt idx="62">
                   <c:v>0.61000000000000065</c:v>
@@ -4815,13 +4818,13 @@
                   <c:v>1.87</c:v>
                 </c:pt>
                 <c:pt idx="8">
-                  <c:v>1.9500000000000106</c:v>
+                  <c:v>1.9500000000000111</c:v>
                 </c:pt>
                 <c:pt idx="9">
                   <c:v>2.4899999999999998</c:v>
                 </c:pt>
                 <c:pt idx="10">
-                  <c:v>1.6800000000000106</c:v>
+                  <c:v>1.680000000000011</c:v>
                 </c:pt>
                 <c:pt idx="11">
                   <c:v>2.98</c:v>
@@ -4839,7 +4842,7 @@
                   <c:v>3.3099999999999987</c:v>
                 </c:pt>
                 <c:pt idx="16">
-                  <c:v>1.9500000000000106</c:v>
+                  <c:v>1.9500000000000111</c:v>
                 </c:pt>
                 <c:pt idx="17">
                   <c:v>1.4</c:v>
@@ -4869,7 +4872,7 @@
                   <c:v>1.45</c:v>
                 </c:pt>
                 <c:pt idx="26">
-                  <c:v>1.9900000000000118</c:v>
+                  <c:v>1.9900000000000124</c:v>
                 </c:pt>
                 <c:pt idx="27">
                   <c:v>3</c:v>
@@ -4911,7 +4914,7 @@
                   <c:v>2.04</c:v>
                 </c:pt>
                 <c:pt idx="40">
-                  <c:v>1.9600000000000106</c:v>
+                  <c:v>1.9600000000000111</c:v>
                 </c:pt>
                 <c:pt idx="41">
                   <c:v>3.09</c:v>
@@ -4986,11 +4989,11 @@
             </c:numRef>
           </c:yVal>
         </c:ser>
-        <c:axId val="59726080"/>
-        <c:axId val="59748736"/>
+        <c:axId val="70265856"/>
+        <c:axId val="70304896"/>
       </c:scatterChart>
       <c:valAx>
-        <c:axId val="59726080"/>
+        <c:axId val="70265856"/>
         <c:scaling>
           <c:orientation val="minMax"/>
         </c:scaling>
@@ -5028,13 +5031,13 @@
             <a:endParaRPr lang="es-ES"/>
           </a:p>
         </c:txPr>
-        <c:crossAx val="59748736"/>
+        <c:crossAx val="70304896"/>
         <c:crosses val="autoZero"/>
         <c:crossBetween val="midCat"/>
         <c:majorUnit val="5"/>
       </c:valAx>
       <c:valAx>
-        <c:axId val="59748736"/>
+        <c:axId val="70304896"/>
         <c:scaling>
           <c:orientation val="minMax"/>
         </c:scaling>
@@ -5086,7 +5089,7 @@
             <a:endParaRPr lang="es-ES"/>
           </a:p>
         </c:txPr>
-        <c:crossAx val="59726080"/>
+        <c:crossAx val="70265856"/>
         <c:crosses val="autoZero"/>
         <c:crossBetween val="midCat"/>
       </c:valAx>
@@ -5099,7 +5102,7 @@
           <c:yMode val="edge"/>
           <c:x val="0.74133589770230268"/>
           <c:y val="0.71233526043915962"/>
-          <c:w val="0.24201434347572637"/>
+          <c:w val="0.24201434347572651"/>
           <c:h val="0.16317756172635517"/>
         </c:manualLayout>
       </c:layout>
@@ -5154,7 +5157,7 @@
           <c:x val="5.0128971669717602E-2"/>
           <c:y val="0.16285573489051136"/>
           <c:w val="0.91229087688864363"/>
-          <c:h val="0.42844667523762608"/>
+          <c:h val="0.42844667523762636"/>
         </c:manualLayout>
       </c:layout>
       <c:scatterChart>
@@ -5375,7 +5378,7 @@
                   <c:v>0</c:v>
                 </c:pt>
                 <c:pt idx="1">
-                  <c:v>1.2189999999999868</c:v>
+                  <c:v>1.2189999999999861</c:v>
                 </c:pt>
                 <c:pt idx="2">
                   <c:v>2.4379999999999997</c:v>
@@ -5387,19 +5390,19 @@
                   <c:v>1.829</c:v>
                 </c:pt>
                 <c:pt idx="5">
-                  <c:v>1.2189999999999868</c:v>
+                  <c:v>1.2189999999999861</c:v>
                 </c:pt>
                 <c:pt idx="6">
-                  <c:v>1.2189999999999868</c:v>
+                  <c:v>1.2189999999999861</c:v>
                 </c:pt>
                 <c:pt idx="7">
-                  <c:v>1.2189999999999868</c:v>
+                  <c:v>1.2189999999999861</c:v>
                 </c:pt>
                 <c:pt idx="8">
                   <c:v>2.4379999999999997</c:v>
                 </c:pt>
                 <c:pt idx="9">
-                  <c:v>1.2189999999999868</c:v>
+                  <c:v>1.2189999999999861</c:v>
                 </c:pt>
                 <c:pt idx="10">
                   <c:v>0.61000000000000065</c:v>
@@ -5408,22 +5411,22 @@
                   <c:v>3.048</c:v>
                 </c:pt>
                 <c:pt idx="12">
-                  <c:v>1.2189999999999868</c:v>
+                  <c:v>1.2189999999999861</c:v>
                 </c:pt>
                 <c:pt idx="13">
                   <c:v>0.61000000000000065</c:v>
                 </c:pt>
                 <c:pt idx="14">
-                  <c:v>1.2189999999999868</c:v>
+                  <c:v>1.2189999999999861</c:v>
                 </c:pt>
                 <c:pt idx="15">
                   <c:v>2.4379999999999997</c:v>
                 </c:pt>
                 <c:pt idx="16">
-                  <c:v>1.2189999999999868</c:v>
+                  <c:v>1.2189999999999861</c:v>
                 </c:pt>
                 <c:pt idx="17">
-                  <c:v>1.2189999999999868</c:v>
+                  <c:v>1.2189999999999861</c:v>
                 </c:pt>
                 <c:pt idx="18">
                   <c:v>0.61000000000000065</c:v>
@@ -5441,7 +5444,7 @@
                   <c:v>3.048</c:v>
                 </c:pt>
                 <c:pt idx="23">
-                  <c:v>1.2189999999999868</c:v>
+                  <c:v>1.2189999999999861</c:v>
                 </c:pt>
                 <c:pt idx="24">
                   <c:v>1.829</c:v>
@@ -5465,34 +5468,34 @@
                   <c:v>0.61000000000000065</c:v>
                 </c:pt>
                 <c:pt idx="31">
-                  <c:v>1.2189999999999868</c:v>
+                  <c:v>1.2189999999999861</c:v>
                 </c:pt>
                 <c:pt idx="32">
-                  <c:v>1.2189999999999868</c:v>
+                  <c:v>1.2189999999999861</c:v>
                 </c:pt>
                 <c:pt idx="33">
-                  <c:v>1.2189999999999868</c:v>
+                  <c:v>1.2189999999999861</c:v>
                 </c:pt>
                 <c:pt idx="34">
-                  <c:v>1.2189999999999868</c:v>
+                  <c:v>1.2189999999999861</c:v>
                 </c:pt>
                 <c:pt idx="35">
-                  <c:v>1.2189999999999868</c:v>
+                  <c:v>1.2189999999999861</c:v>
                 </c:pt>
                 <c:pt idx="36">
                   <c:v>3.048</c:v>
                 </c:pt>
                 <c:pt idx="37">
-                  <c:v>1.2189999999999868</c:v>
+                  <c:v>1.2189999999999861</c:v>
                 </c:pt>
                 <c:pt idx="38">
                   <c:v>0.61000000000000065</c:v>
                 </c:pt>
                 <c:pt idx="39">
-                  <c:v>1.2189999999999868</c:v>
+                  <c:v>1.2189999999999861</c:v>
                 </c:pt>
                 <c:pt idx="40">
-                  <c:v>1.2189999999999868</c:v>
+                  <c:v>1.2189999999999861</c:v>
                 </c:pt>
                 <c:pt idx="41">
                   <c:v>2.4379999999999997</c:v>
@@ -5507,7 +5510,7 @@
                   <c:v>0.61000000000000065</c:v>
                 </c:pt>
                 <c:pt idx="45">
-                  <c:v>1.2189999999999868</c:v>
+                  <c:v>1.2189999999999861</c:v>
                 </c:pt>
                 <c:pt idx="46">
                   <c:v>4.8769999999999998</c:v>
@@ -5516,34 +5519,34 @@
                   <c:v>0.61000000000000065</c:v>
                 </c:pt>
                 <c:pt idx="48">
-                  <c:v>1.2189999999999868</c:v>
+                  <c:v>1.2189999999999861</c:v>
                 </c:pt>
                 <c:pt idx="49">
                   <c:v>7.3149999999999755</c:v>
                 </c:pt>
                 <c:pt idx="50">
-                  <c:v>1.2189999999999868</c:v>
+                  <c:v>1.2189999999999861</c:v>
                 </c:pt>
                 <c:pt idx="51">
-                  <c:v>1.2189999999999868</c:v>
+                  <c:v>1.2189999999999861</c:v>
                 </c:pt>
                 <c:pt idx="52">
                   <c:v>0.61000000000000065</c:v>
                 </c:pt>
                 <c:pt idx="53">
-                  <c:v>1.2189999999999868</c:v>
+                  <c:v>1.2189999999999861</c:v>
                 </c:pt>
                 <c:pt idx="54">
-                  <c:v>1.2189999999999868</c:v>
+                  <c:v>1.2189999999999861</c:v>
                 </c:pt>
                 <c:pt idx="55">
-                  <c:v>1.2189999999999868</c:v>
+                  <c:v>1.2189999999999861</c:v>
                 </c:pt>
                 <c:pt idx="56">
                   <c:v>2.4379999999999997</c:v>
                 </c:pt>
                 <c:pt idx="57">
-                  <c:v>1.2189999999999868</c:v>
+                  <c:v>1.2189999999999861</c:v>
                 </c:pt>
                 <c:pt idx="58">
                   <c:v>4.8769999999999998</c:v>
@@ -5555,7 +5558,7 @@
                   <c:v>2.4379999999999997</c:v>
                 </c:pt>
                 <c:pt idx="61">
-                  <c:v>1.2189999999999868</c:v>
+                  <c:v>1.2189999999999861</c:v>
                 </c:pt>
                 <c:pt idx="62">
                   <c:v>0.61000000000000065</c:v>
@@ -5833,7 +5836,7 @@
                   <c:v>0.96900000000000064</c:v>
                 </c:pt>
                 <c:pt idx="14">
-                  <c:v>1.2769999999999881</c:v>
+                  <c:v>1.2769999999999875</c:v>
                 </c:pt>
                 <c:pt idx="15">
                   <c:v>3.0789999999999997</c:v>
@@ -5845,13 +5848,13 @@
                   <c:v>1.1990000000000001</c:v>
                 </c:pt>
                 <c:pt idx="18">
-                  <c:v>1.0249999999999881</c:v>
+                  <c:v>1.0249999999999875</c:v>
                 </c:pt>
                 <c:pt idx="19">
-                  <c:v>1.040999999999989</c:v>
+                  <c:v>1.0409999999999886</c:v>
                 </c:pt>
                 <c:pt idx="20">
-                  <c:v>1.9940000000000118</c:v>
+                  <c:v>1.9940000000000124</c:v>
                 </c:pt>
                 <c:pt idx="21">
                   <c:v>2.6759999999999997</c:v>
@@ -5884,7 +5887,7 @@
                   <c:v>1.127</c:v>
                 </c:pt>
                 <c:pt idx="31">
-                  <c:v>1.1619999999999886</c:v>
+                  <c:v>1.1619999999999882</c:v>
                 </c:pt>
                 <c:pt idx="32">
                   <c:v>1.175</c:v>
@@ -5899,7 +5902,7 @@
                   <c:v>2.0880000000000001</c:v>
                 </c:pt>
                 <c:pt idx="36">
-                  <c:v>1.9540000000000106</c:v>
+                  <c:v>1.9540000000000111</c:v>
                 </c:pt>
                 <c:pt idx="37">
                   <c:v>1.073</c:v>
@@ -5908,7 +5911,7 @@
                   <c:v>0.93200000000000005</c:v>
                 </c:pt>
                 <c:pt idx="39">
-                  <c:v>1.2209999999999868</c:v>
+                  <c:v>1.2209999999999861</c:v>
                 </c:pt>
                 <c:pt idx="40">
                   <c:v>1.081</c:v>
@@ -5923,7 +5926,7 @@
                   <c:v>1.538</c:v>
                 </c:pt>
                 <c:pt idx="44">
-                  <c:v>1.0569999999999893</c:v>
+                  <c:v>1.0569999999999888</c:v>
                 </c:pt>
                 <c:pt idx="45">
                   <c:v>1.028</c:v>
@@ -5941,10 +5944,10 @@
                   <c:v>6.8039999999999985</c:v>
                 </c:pt>
                 <c:pt idx="50">
-                  <c:v>1.0489999999999893</c:v>
+                  <c:v>1.0489999999999888</c:v>
                 </c:pt>
                 <c:pt idx="51">
-                  <c:v>1.4489999999999867</c:v>
+                  <c:v>1.4489999999999859</c:v>
                 </c:pt>
                 <c:pt idx="52">
                   <c:v>0.91600000000000004</c:v>
@@ -5974,7 +5977,7 @@
                   <c:v>1.599</c:v>
                 </c:pt>
                 <c:pt idx="61">
-                  <c:v>1.5629999999999893</c:v>
+                  <c:v>1.5629999999999888</c:v>
                 </c:pt>
                 <c:pt idx="62">
                   <c:v>0.99199999999999999</c:v>
@@ -5986,11 +5989,11 @@
             </c:numRef>
           </c:yVal>
         </c:ser>
-        <c:axId val="58983552"/>
-        <c:axId val="58985472"/>
+        <c:axId val="70330240"/>
+        <c:axId val="70332416"/>
       </c:scatterChart>
       <c:valAx>
-        <c:axId val="58983552"/>
+        <c:axId val="70330240"/>
         <c:scaling>
           <c:orientation val="minMax"/>
         </c:scaling>
@@ -6028,13 +6031,13 @@
             <a:endParaRPr lang="es-ES"/>
           </a:p>
         </c:txPr>
-        <c:crossAx val="58985472"/>
+        <c:crossAx val="70332416"/>
         <c:crosses val="autoZero"/>
         <c:crossBetween val="midCat"/>
         <c:majorUnit val="5"/>
       </c:valAx>
       <c:valAx>
-        <c:axId val="58985472"/>
+        <c:axId val="70332416"/>
         <c:scaling>
           <c:orientation val="minMax"/>
         </c:scaling>
@@ -6080,7 +6083,7 @@
             <a:endParaRPr lang="es-ES"/>
           </a:p>
         </c:txPr>
-        <c:crossAx val="58983552"/>
+        <c:crossAx val="70330240"/>
         <c:crosses val="autoZero"/>
         <c:crossBetween val="midCat"/>
       </c:valAx>
@@ -6093,7 +6096,7 @@
           <c:yMode val="edge"/>
           <c:x val="0.74133589770230268"/>
           <c:y val="0.71233526043915962"/>
-          <c:w val="0.24201434347572626"/>
+          <c:w val="0.24201434347572637"/>
           <c:h val="0.16317756172635517"/>
         </c:manualLayout>
       </c:layout>
@@ -6129,7 +6132,7 @@
           <c:x val="0.10048349150099888"/>
           <c:y val="4.1238940589567646E-2"/>
           <c:w val="0.87042860499284569"/>
-          <c:h val="0.75935138208448894"/>
+          <c:h val="0.75935138208448916"/>
         </c:manualLayout>
       </c:layout>
       <c:scatterChart>
@@ -6173,13 +6176,13 @@
                   <c:v>1.87</c:v>
                 </c:pt>
                 <c:pt idx="7">
-                  <c:v>1.9500000000000106</c:v>
+                  <c:v>1.9500000000000111</c:v>
                 </c:pt>
                 <c:pt idx="8">
                   <c:v>2.4899999999999998</c:v>
                 </c:pt>
                 <c:pt idx="9">
-                  <c:v>1.6800000000000106</c:v>
+                  <c:v>1.680000000000011</c:v>
                 </c:pt>
                 <c:pt idx="10">
                   <c:v>2.98</c:v>
@@ -6197,7 +6200,7 @@
                   <c:v>3.3099999999999987</c:v>
                 </c:pt>
                 <c:pt idx="15">
-                  <c:v>1.9500000000000106</c:v>
+                  <c:v>1.9500000000000111</c:v>
                 </c:pt>
                 <c:pt idx="16">
                   <c:v>1.4</c:v>
@@ -6227,7 +6230,7 @@
                   <c:v>1.45</c:v>
                 </c:pt>
                 <c:pt idx="25">
-                  <c:v>1.9900000000000118</c:v>
+                  <c:v>1.9900000000000124</c:v>
                 </c:pt>
                 <c:pt idx="26">
                   <c:v>3</c:v>
@@ -6269,7 +6272,7 @@
                   <c:v>2.04</c:v>
                 </c:pt>
                 <c:pt idx="39">
-                  <c:v>1.9600000000000106</c:v>
+                  <c:v>1.9600000000000111</c:v>
                 </c:pt>
                 <c:pt idx="40">
                   <c:v>3.09</c:v>
@@ -6353,7 +6356,7 @@
                 <c:formatCode>General</c:formatCode>
                 <c:ptCount val="64"/>
                 <c:pt idx="0">
-                  <c:v>1.2189999999999868</c:v>
+                  <c:v>1.2189999999999861</c:v>
                 </c:pt>
                 <c:pt idx="1">
                   <c:v>2.4379999999999997</c:v>
@@ -6365,19 +6368,19 @@
                   <c:v>1.829</c:v>
                 </c:pt>
                 <c:pt idx="4">
-                  <c:v>1.2189999999999868</c:v>
+                  <c:v>1.2189999999999861</c:v>
                 </c:pt>
                 <c:pt idx="5">
-                  <c:v>1.2189999999999868</c:v>
+                  <c:v>1.2189999999999861</c:v>
                 </c:pt>
                 <c:pt idx="6">
-                  <c:v>1.2189999999999868</c:v>
+                  <c:v>1.2189999999999861</c:v>
                 </c:pt>
                 <c:pt idx="7">
                   <c:v>2.4379999999999997</c:v>
                 </c:pt>
                 <c:pt idx="8">
-                  <c:v>1.2189999999999868</c:v>
+                  <c:v>1.2189999999999861</c:v>
                 </c:pt>
                 <c:pt idx="9">
                   <c:v>0.61000000000000065</c:v>
@@ -6386,22 +6389,22 @@
                   <c:v>3.048</c:v>
                 </c:pt>
                 <c:pt idx="11">
-                  <c:v>1.2189999999999868</c:v>
+                  <c:v>1.2189999999999861</c:v>
                 </c:pt>
                 <c:pt idx="12">
                   <c:v>0.61000000000000065</c:v>
                 </c:pt>
                 <c:pt idx="13">
-                  <c:v>1.2189999999999868</c:v>
+                  <c:v>1.2189999999999861</c:v>
                 </c:pt>
                 <c:pt idx="14">
                   <c:v>2.4379999999999997</c:v>
                 </c:pt>
                 <c:pt idx="15">
-                  <c:v>1.2189999999999868</c:v>
+                  <c:v>1.2189999999999861</c:v>
                 </c:pt>
                 <c:pt idx="16">
-                  <c:v>1.2189999999999868</c:v>
+                  <c:v>1.2189999999999861</c:v>
                 </c:pt>
                 <c:pt idx="17">
                   <c:v>0.61000000000000065</c:v>
@@ -6419,7 +6422,7 @@
                   <c:v>3.048</c:v>
                 </c:pt>
                 <c:pt idx="22">
-                  <c:v>1.2189999999999868</c:v>
+                  <c:v>1.2189999999999861</c:v>
                 </c:pt>
                 <c:pt idx="23">
                   <c:v>1.829</c:v>
@@ -6443,34 +6446,34 @@
                   <c:v>0.61000000000000065</c:v>
                 </c:pt>
                 <c:pt idx="30">
-                  <c:v>1.2189999999999868</c:v>
+                  <c:v>1.2189999999999861</c:v>
                 </c:pt>
                 <c:pt idx="31">
-                  <c:v>1.2189999999999868</c:v>
+                  <c:v>1.2189999999999861</c:v>
                 </c:pt>
                 <c:pt idx="32">
-                  <c:v>1.2189999999999868</c:v>
+                  <c:v>1.2189999999999861</c:v>
                 </c:pt>
                 <c:pt idx="33">
-                  <c:v>1.2189999999999868</c:v>
+                  <c:v>1.2189999999999861</c:v>
                 </c:pt>
                 <c:pt idx="34">
-                  <c:v>1.2189999999999868</c:v>
+                  <c:v>1.2189999999999861</c:v>
                 </c:pt>
                 <c:pt idx="35">
                   <c:v>3.048</c:v>
                 </c:pt>
                 <c:pt idx="36">
-                  <c:v>1.2189999999999868</c:v>
+                  <c:v>1.2189999999999861</c:v>
                 </c:pt>
                 <c:pt idx="37">
                   <c:v>0.61000000000000065</c:v>
                 </c:pt>
                 <c:pt idx="38">
-                  <c:v>1.2189999999999868</c:v>
+                  <c:v>1.2189999999999861</c:v>
                 </c:pt>
                 <c:pt idx="39">
-                  <c:v>1.2189999999999868</c:v>
+                  <c:v>1.2189999999999861</c:v>
                 </c:pt>
                 <c:pt idx="40">
                   <c:v>2.4379999999999997</c:v>
@@ -6485,7 +6488,7 @@
                   <c:v>0.61000000000000065</c:v>
                 </c:pt>
                 <c:pt idx="44">
-                  <c:v>1.2189999999999868</c:v>
+                  <c:v>1.2189999999999861</c:v>
                 </c:pt>
                 <c:pt idx="45">
                   <c:v>4.8769999999999998</c:v>
@@ -6494,34 +6497,34 @@
                   <c:v>0.61000000000000065</c:v>
                 </c:pt>
                 <c:pt idx="47">
-                  <c:v>1.2189999999999868</c:v>
+                  <c:v>1.2189999999999861</c:v>
                 </c:pt>
                 <c:pt idx="48">
                   <c:v>7.3149999999999755</c:v>
                 </c:pt>
                 <c:pt idx="49">
-                  <c:v>1.2189999999999868</c:v>
+                  <c:v>1.2189999999999861</c:v>
                 </c:pt>
                 <c:pt idx="50">
-                  <c:v>1.2189999999999868</c:v>
+                  <c:v>1.2189999999999861</c:v>
                 </c:pt>
                 <c:pt idx="51">
                   <c:v>0.61000000000000065</c:v>
                 </c:pt>
                 <c:pt idx="52">
-                  <c:v>1.2189999999999868</c:v>
+                  <c:v>1.2189999999999861</c:v>
                 </c:pt>
                 <c:pt idx="53">
-                  <c:v>1.2189999999999868</c:v>
+                  <c:v>1.2189999999999861</c:v>
                 </c:pt>
                 <c:pt idx="54">
-                  <c:v>1.2189999999999868</c:v>
+                  <c:v>1.2189999999999861</c:v>
                 </c:pt>
                 <c:pt idx="55">
                   <c:v>2.4379999999999997</c:v>
                 </c:pt>
                 <c:pt idx="56">
-                  <c:v>1.2189999999999868</c:v>
+                  <c:v>1.2189999999999861</c:v>
                 </c:pt>
                 <c:pt idx="57">
                   <c:v>4.8769999999999998</c:v>
@@ -6533,7 +6536,7 @@
                   <c:v>2.4379999999999997</c:v>
                 </c:pt>
                 <c:pt idx="60">
-                  <c:v>1.2189999999999868</c:v>
+                  <c:v>1.2189999999999861</c:v>
                 </c:pt>
                 <c:pt idx="61">
                   <c:v>0.61000000000000065</c:v>
@@ -6542,7 +6545,7 @@
                   <c:v>3.048</c:v>
                 </c:pt>
                 <c:pt idx="63">
-                  <c:v>1.2189999999999868</c:v>
+                  <c:v>1.2189999999999861</c:v>
                 </c:pt>
               </c:numCache>
             </c:numRef>
@@ -6649,11 +6652,11 @@
             </c:numRef>
           </c:yVal>
         </c:ser>
-        <c:axId val="59023744"/>
-        <c:axId val="59025664"/>
+        <c:axId val="70378624"/>
+        <c:axId val="70380544"/>
       </c:scatterChart>
       <c:valAx>
-        <c:axId val="59023744"/>
+        <c:axId val="70378624"/>
         <c:scaling>
           <c:orientation val="minMax"/>
           <c:max val="8"/>
@@ -6707,13 +6710,13 @@
             <a:endParaRPr lang="es-ES"/>
           </a:p>
         </c:txPr>
-        <c:crossAx val="59025664"/>
+        <c:crossAx val="70380544"/>
         <c:crosses val="autoZero"/>
         <c:crossBetween val="midCat"/>
         <c:majorUnit val="2"/>
       </c:valAx>
       <c:valAx>
-        <c:axId val="59025664"/>
+        <c:axId val="70380544"/>
         <c:scaling>
           <c:orientation val="minMax"/>
         </c:scaling>
@@ -6764,7 +6767,7 @@
             <a:endParaRPr lang="es-ES"/>
           </a:p>
         </c:txPr>
-        <c:crossAx val="59023744"/>
+        <c:crossAx val="70378624"/>
         <c:crosses val="autoZero"/>
         <c:crossBetween val="midCat"/>
       </c:valAx>
@@ -13379,19 +13382,7 @@
           <a:p>
             <a:r>
               <a:rPr lang="es-US" dirty="0" smtClean="0"/>
-              <a:t>Experimentación </a:t>
-            </a:r>
-            <a:r>
-              <a:rPr lang="es-US" dirty="0" smtClean="0"/>
-              <a:t>(</a:t>
-            </a:r>
-            <a:r>
-              <a:rPr lang="es-US" dirty="0" smtClean="0"/>
-              <a:t>9</a:t>
-            </a:r>
-            <a:r>
-              <a:rPr lang="es-US" dirty="0" smtClean="0"/>
-              <a:t>)</a:t>
+              <a:t>Experimentación (9)</a:t>
             </a:r>
             <a:endParaRPr lang="es-ES" dirty="0"/>
           </a:p>
@@ -13612,11 +13603,7 @@
           <a:p>
             <a:r>
               <a:rPr lang="es-US" dirty="0" smtClean="0"/>
-              <a:t>Experimentación (</a:t>
-            </a:r>
-            <a:r>
-              <a:rPr lang="es-US" dirty="0" smtClean="0"/>
-              <a:t>10)</a:t>
+              <a:t>Experimentación (10)</a:t>
             </a:r>
             <a:endParaRPr lang="es-ES" dirty="0"/>
           </a:p>
@@ -14568,11 +14555,7 @@
           <a:p>
             <a:r>
               <a:rPr lang="es-US" dirty="0" smtClean="0"/>
-              <a:t>Experimentación (</a:t>
-            </a:r>
-            <a:r>
-              <a:rPr lang="es-US" dirty="0" smtClean="0"/>
-              <a:t>11)</a:t>
+              <a:t>Experimentación (11)</a:t>
             </a:r>
             <a:endParaRPr lang="es-ES" dirty="0"/>
           </a:p>
@@ -14661,11 +14644,7 @@
           <a:p>
             <a:r>
               <a:rPr lang="es-US" dirty="0" smtClean="0"/>
-              <a:t>Experimentación (</a:t>
-            </a:r>
-            <a:r>
-              <a:rPr lang="es-US" dirty="0" smtClean="0"/>
-              <a:t>12)</a:t>
+              <a:t>Experimentación (12)</a:t>
             </a:r>
             <a:endParaRPr lang="es-ES" dirty="0"/>
           </a:p>
@@ -14752,11 +14731,7 @@
           <a:p>
             <a:r>
               <a:rPr lang="es-US" dirty="0" smtClean="0"/>
-              <a:t>Experimentación (</a:t>
-            </a:r>
-            <a:r>
-              <a:rPr lang="es-US" dirty="0" smtClean="0"/>
-              <a:t>13)</a:t>
+              <a:t>Experimentación (13)</a:t>
             </a:r>
             <a:endParaRPr lang="es-ES" dirty="0"/>
           </a:p>
@@ -18297,7 +18272,9 @@
           </a:p>
           <a:p>
             <a:r>
-              <a:rPr lang="es-US" dirty="0" smtClean="0"/>
+              <a:rPr lang="es-US" dirty="0" smtClean="0">
+                <a:latin typeface="+mj-lt"/>
+              </a:rPr>
               <a:t>Modelos de instancia</a:t>
             </a:r>
           </a:p>
@@ -24747,12 +24724,11 @@
           <a:p>
             <a:pPr lvl="1"/>
             <a:r>
-              <a:rPr lang="es-US" dirty="0" smtClean="0"/>
+              <a:rPr lang="es-US" dirty="0" smtClean="0">
+                <a:latin typeface="+mj-lt"/>
+              </a:rPr>
               <a:t>Métricas de evaluación de clasificadores.</a:t>
             </a:r>
-            <a:endParaRPr lang="es-US" dirty="0" smtClean="0">
-              <a:latin typeface="+mj-lt"/>
-            </a:endParaRPr>
           </a:p>
           <a:p>
             <a:pPr lvl="1"/>

--- a/neuralito/ArfGen/docs/Entregas/Informe Final/presentacion/maxi2.pptx
+++ b/neuralito/ArfGen/docs/Entregas/Informe Final/presentacion/maxi2.pptx
@@ -237,19 +237,19 @@
                   <c:v>0.82116824635668784</c:v>
                 </c:pt>
                 <c:pt idx="3">
-                  <c:v>0.842784737775084</c:v>
+                  <c:v>0.84278473777508411</c:v>
                 </c:pt>
                 <c:pt idx="4">
-                  <c:v>0.84383865537211011</c:v>
+                  <c:v>0.84383865537211022</c:v>
                 </c:pt>
                 <c:pt idx="5">
                   <c:v>0.85894670929201788</c:v>
                 </c:pt>
                 <c:pt idx="6">
-                  <c:v>0.84967487574973199</c:v>
+                  <c:v>0.84967487574973211</c:v>
                 </c:pt>
                 <c:pt idx="7">
-                  <c:v>0.87199747639295011</c:v>
+                  <c:v>0.87199747639295022</c:v>
                 </c:pt>
                 <c:pt idx="8">
                   <c:v>0.87308657275405044</c:v>
@@ -258,10 +258,10 @@
                   <c:v>0.8805672244799716</c:v>
                 </c:pt>
                 <c:pt idx="10">
-                  <c:v>0.88425402324804203</c:v>
+                  <c:v>0.88425402324804214</c:v>
                 </c:pt>
                 <c:pt idx="11">
-                  <c:v>0.88378998114559371</c:v>
+                  <c:v>0.88378998114559382</c:v>
                 </c:pt>
                 <c:pt idx="12">
                   <c:v>0.88710112017025267</c:v>
@@ -270,10 +270,10 @@
                   <c:v>0.88859349505985463</c:v>
                 </c:pt>
                 <c:pt idx="14">
-                  <c:v>0.88932515639249676</c:v>
+                  <c:v>0.88932515639249698</c:v>
                 </c:pt>
                 <c:pt idx="15">
-                  <c:v>0.88979442278916976</c:v>
+                  <c:v>0.88979442278916998</c:v>
                 </c:pt>
                 <c:pt idx="16">
                   <c:v>0.89050470137757365</c:v>
@@ -378,10 +378,10 @@
                   <c:v>0.45195561849074034</c:v>
                 </c:pt>
                 <c:pt idx="1">
-                  <c:v>0.57215581949428018</c:v>
+                  <c:v>0.5721558194942804</c:v>
                 </c:pt>
                 <c:pt idx="2">
-                  <c:v>0.62450099068289655</c:v>
+                  <c:v>0.62450099068289666</c:v>
                 </c:pt>
                 <c:pt idx="3">
                   <c:v>0.66411572966000465</c:v>
@@ -390,7 +390,7 @@
                   <c:v>0.74483311690120912</c:v>
                 </c:pt>
                 <c:pt idx="5">
-                  <c:v>0.74913092370987622</c:v>
+                  <c:v>0.74913092370987633</c:v>
                 </c:pt>
                 <c:pt idx="6">
                   <c:v>0.7507812790712286</c:v>
@@ -399,7 +399,7 @@
                   <c:v>0.74615794410022251</c:v>
                 </c:pt>
                 <c:pt idx="8">
-                  <c:v>0.76473712742559186</c:v>
+                  <c:v>0.76473712742559208</c:v>
                 </c:pt>
                 <c:pt idx="9">
                   <c:v>0.78030975508297951</c:v>
@@ -414,7 +414,7 @@
                   <c:v>0.79454547384463925</c:v>
                 </c:pt>
                 <c:pt idx="13">
-                  <c:v>0.80275073868568103</c:v>
+                  <c:v>0.80275073868568114</c:v>
                 </c:pt>
                 <c:pt idx="14">
                   <c:v>0.8070254483799697</c:v>
@@ -423,10 +423,10 @@
                   <c:v>0.80758714251854524</c:v>
                 </c:pt>
                 <c:pt idx="16">
-                  <c:v>0.81189884836444248</c:v>
+                  <c:v>0.8118988483644427</c:v>
                 </c:pt>
                 <c:pt idx="17">
-                  <c:v>0.81267156633446525</c:v>
+                  <c:v>0.81267156633446536</c:v>
                 </c:pt>
                 <c:pt idx="18">
                   <c:v>0.81495442086601244</c:v>
@@ -524,43 +524,43 @@
                   <c:v>0.10918893085792125</c:v>
                 </c:pt>
                 <c:pt idx="2">
-                  <c:v>2.2061880915201587E-2</c:v>
+                  <c:v>2.2061880915201594E-2</c:v>
                 </c:pt>
                 <c:pt idx="3">
-                  <c:v>0.16744350433735919</c:v>
+                  <c:v>0.16744350433735924</c:v>
                 </c:pt>
                 <c:pt idx="4">
-                  <c:v>0.19606871899944539</c:v>
+                  <c:v>0.19606871899944542</c:v>
                 </c:pt>
                 <c:pt idx="5">
-                  <c:v>0.19883932721616673</c:v>
+                  <c:v>0.19883932721616676</c:v>
                 </c:pt>
                 <c:pt idx="6">
                   <c:v>0.21852557439483689</c:v>
                 </c:pt>
                 <c:pt idx="7">
-                  <c:v>0.18963030437506287</c:v>
+                  <c:v>0.18963030437506292</c:v>
                 </c:pt>
                 <c:pt idx="8">
-                  <c:v>0.31329234492981145</c:v>
+                  <c:v>0.31329234492981151</c:v>
                 </c:pt>
                 <c:pt idx="9">
                   <c:v>0.30854195458238609</c:v>
                 </c:pt>
                 <c:pt idx="10">
-                  <c:v>0.33996429339253009</c:v>
+                  <c:v>0.33996429339253026</c:v>
                 </c:pt>
                 <c:pt idx="11">
-                  <c:v>0.39000788763685695</c:v>
+                  <c:v>0.39000788763685706</c:v>
                 </c:pt>
                 <c:pt idx="12">
-                  <c:v>0.37452278792340576</c:v>
+                  <c:v>0.37452278792340593</c:v>
                 </c:pt>
                 <c:pt idx="13">
-                  <c:v>0.39639657365579767</c:v>
+                  <c:v>0.39639657365579778</c:v>
                 </c:pt>
                 <c:pt idx="14">
-                  <c:v>0.45661986014735301</c:v>
+                  <c:v>0.45661986014735306</c:v>
                 </c:pt>
                 <c:pt idx="15">
                   <c:v>0.48000000000000032</c:v>
@@ -665,19 +665,19 @@
                 <c:formatCode>0.00</c:formatCode>
                 <c:ptCount val="18"/>
                 <c:pt idx="0">
-                  <c:v>6.3837399085048846E-2</c:v>
+                  <c:v>6.3837399085048874E-2</c:v>
                 </c:pt>
                 <c:pt idx="1">
-                  <c:v>0.10509372944250731</c:v>
+                  <c:v>0.10509372944250735</c:v>
                 </c:pt>
                 <c:pt idx="2">
                   <c:v>0.12395822380363669</c:v>
                 </c:pt>
                 <c:pt idx="3">
-                  <c:v>0.17533238646771679</c:v>
+                  <c:v>0.17533238646771682</c:v>
                 </c:pt>
                 <c:pt idx="4">
-                  <c:v>0.18994629844945113</c:v>
+                  <c:v>0.18994629844945121</c:v>
                 </c:pt>
                 <c:pt idx="5">
                   <c:v>0.22687270194889519</c:v>
@@ -686,34 +686,34 @@
                   <c:v>0.23790997736954461</c:v>
                 </c:pt>
                 <c:pt idx="7">
-                  <c:v>0.23411148955337027</c:v>
+                  <c:v>0.23411148955337033</c:v>
                 </c:pt>
                 <c:pt idx="8">
                   <c:v>0.25778608542670911</c:v>
                 </c:pt>
                 <c:pt idx="9">
-                  <c:v>0.31056299933227594</c:v>
+                  <c:v>0.3105629993322761</c:v>
                 </c:pt>
                 <c:pt idx="10">
-                  <c:v>0.33877739342409352</c:v>
+                  <c:v>0.33877739342409358</c:v>
                 </c:pt>
                 <c:pt idx="11">
                   <c:v>0.35225259726803532</c:v>
                 </c:pt>
                 <c:pt idx="12">
-                  <c:v>0.35947445565100505</c:v>
+                  <c:v>0.35947445565100511</c:v>
                 </c:pt>
                 <c:pt idx="13">
-                  <c:v>0.39000000000000318</c:v>
+                  <c:v>0.39000000000000323</c:v>
                 </c:pt>
                 <c:pt idx="14">
-                  <c:v>0.39000000000000318</c:v>
+                  <c:v>0.39000000000000323</c:v>
                 </c:pt>
                 <c:pt idx="15">
                   <c:v>0.4</c:v>
                 </c:pt>
                 <c:pt idx="16">
-                  <c:v>0.40041490630404719</c:v>
+                  <c:v>0.40041490630404736</c:v>
                 </c:pt>
                 <c:pt idx="17">
                   <c:v>0.4</c:v>
@@ -805,7 +805,7 @@
                 <c:formatCode>General</c:formatCode>
                 <c:ptCount val="19"/>
                 <c:pt idx="0">
-                  <c:v>0.28931899175148895</c:v>
+                  <c:v>0.28931899175148906</c:v>
                 </c:pt>
                 <c:pt idx="1">
                   <c:v>0.30427205718078232</c:v>
@@ -814,46 +814,46 @@
                   <c:v>0.28833535935117605</c:v>
                 </c:pt>
                 <c:pt idx="3">
-                  <c:v>0.50673831628889043</c:v>
+                  <c:v>0.50673831628889066</c:v>
                 </c:pt>
                 <c:pt idx="4">
-                  <c:v>0.58986811562939301</c:v>
+                  <c:v>0.58986811562939312</c:v>
                 </c:pt>
                 <c:pt idx="5">
-                  <c:v>0.60174244358029216</c:v>
+                  <c:v>0.60174244358029239</c:v>
                 </c:pt>
                 <c:pt idx="6">
                   <c:v>0.62230234655114092</c:v>
                 </c:pt>
                 <c:pt idx="7">
-                  <c:v>0.64892172802499992</c:v>
+                  <c:v>0.64892172802500003</c:v>
                 </c:pt>
                 <c:pt idx="8">
                   <c:v>0.60213497372141267</c:v>
                 </c:pt>
                 <c:pt idx="9">
-                  <c:v>0.65929398719852672</c:v>
+                  <c:v>0.65929398719852683</c:v>
                 </c:pt>
                 <c:pt idx="10">
-                  <c:v>0.6374094521659659</c:v>
+                  <c:v>0.63740945216596601</c:v>
                 </c:pt>
                 <c:pt idx="11">
-                  <c:v>0.6649682960574802</c:v>
+                  <c:v>0.66496829605748042</c:v>
                 </c:pt>
                 <c:pt idx="12">
-                  <c:v>0.68587643695394163</c:v>
+                  <c:v>0.68587643695394174</c:v>
                 </c:pt>
                 <c:pt idx="13">
-                  <c:v>0.702804638591638</c:v>
+                  <c:v>0.70280463859163811</c:v>
                 </c:pt>
                 <c:pt idx="14">
-                  <c:v>0.68555591749742484</c:v>
+                  <c:v>0.68555591749742495</c:v>
                 </c:pt>
                 <c:pt idx="15">
-                  <c:v>0.71798687616048984</c:v>
+                  <c:v>0.71798687616048995</c:v>
                 </c:pt>
                 <c:pt idx="16">
-                  <c:v>0.72902988600000851</c:v>
+                  <c:v>0.72902988600000873</c:v>
                 </c:pt>
                 <c:pt idx="17">
                   <c:v>0.73331457600000005</c:v>
@@ -866,11 +866,11 @@
           </c:yVal>
           <c:smooth val="1"/>
         </c:ser>
-        <c:axId val="61717120"/>
-        <c:axId val="68821760"/>
+        <c:axId val="59296384"/>
+        <c:axId val="62468864"/>
       </c:scatterChart>
       <c:valAx>
-        <c:axId val="61717120"/>
+        <c:axId val="59296384"/>
         <c:scaling>
           <c:orientation val="minMax"/>
           <c:max val="1000"/>
@@ -913,7 +913,7 @@
             <c:manualLayout>
               <c:xMode val="edge"/>
               <c:yMode val="edge"/>
-              <c:x val="0.38494599693816856"/>
+              <c:x val="0.38494599693816861"/>
               <c:y val="0.85101357098414687"/>
             </c:manualLayout>
           </c:layout>
@@ -930,12 +930,12 @@
             <a:endParaRPr lang="es-ES"/>
           </a:p>
         </c:txPr>
-        <c:crossAx val="68821760"/>
+        <c:crossAx val="62468864"/>
         <c:crosses val="autoZero"/>
         <c:crossBetween val="midCat"/>
       </c:valAx>
       <c:valAx>
-        <c:axId val="68821760"/>
+        <c:axId val="62468864"/>
         <c:scaling>
           <c:orientation val="minMax"/>
           <c:min val="0"/>
@@ -977,7 +977,7 @@
             <a:endParaRPr lang="es-ES"/>
           </a:p>
         </c:txPr>
-        <c:crossAx val="61717120"/>
+        <c:crossAx val="59296384"/>
         <c:crosses val="autoZero"/>
         <c:crossBetween val="midCat"/>
         <c:minorUnit val="0.2"/>
@@ -1020,7 +1020,7 @@
           <c:x val="0.10048349150099888"/>
           <c:y val="4.1238940589567646E-2"/>
           <c:w val="0.87042860499284569"/>
-          <c:h val="0.75935138208448894"/>
+          <c:h val="0.75935138208448905"/>
         </c:manualLayout>
       </c:layout>
       <c:scatterChart>
@@ -1082,7 +1082,7 @@
                   <c:v>0.96900000000000064</c:v>
                 </c:pt>
                 <c:pt idx="13">
-                  <c:v>1.2769999999999875</c:v>
+                  <c:v>1.2769999999999873</c:v>
                 </c:pt>
                 <c:pt idx="14">
                   <c:v>3.0789999999999997</c:v>
@@ -1094,13 +1094,13 @@
                   <c:v>1.1990000000000001</c:v>
                 </c:pt>
                 <c:pt idx="17">
-                  <c:v>1.0249999999999875</c:v>
+                  <c:v>1.0249999999999873</c:v>
                 </c:pt>
                 <c:pt idx="18">
-                  <c:v>1.0409999999999886</c:v>
+                  <c:v>1.0409999999999884</c:v>
                 </c:pt>
                 <c:pt idx="19">
-                  <c:v>1.9940000000000124</c:v>
+                  <c:v>1.9940000000000127</c:v>
                 </c:pt>
                 <c:pt idx="20">
                   <c:v>2.6759999999999997</c:v>
@@ -1133,7 +1133,7 @@
                   <c:v>1.127</c:v>
                 </c:pt>
                 <c:pt idx="30">
-                  <c:v>1.1619999999999882</c:v>
+                  <c:v>1.1619999999999879</c:v>
                 </c:pt>
                 <c:pt idx="31">
                   <c:v>1.175</c:v>
@@ -1148,7 +1148,7 @@
                   <c:v>2.0880000000000001</c:v>
                 </c:pt>
                 <c:pt idx="35">
-                  <c:v>1.9540000000000111</c:v>
+                  <c:v>1.9540000000000113</c:v>
                 </c:pt>
                 <c:pt idx="36">
                   <c:v>1.073</c:v>
@@ -1157,7 +1157,7 @@
                   <c:v>0.93200000000000005</c:v>
                 </c:pt>
                 <c:pt idx="38">
-                  <c:v>1.2209999999999861</c:v>
+                  <c:v>1.2209999999999857</c:v>
                 </c:pt>
                 <c:pt idx="39">
                   <c:v>1.081</c:v>
@@ -1172,7 +1172,7 @@
                   <c:v>1.538</c:v>
                 </c:pt>
                 <c:pt idx="43">
-                  <c:v>1.0569999999999888</c:v>
+                  <c:v>1.0569999999999886</c:v>
                 </c:pt>
                 <c:pt idx="44">
                   <c:v>1.028</c:v>
@@ -1190,10 +1190,10 @@
                   <c:v>6.8039999999999985</c:v>
                 </c:pt>
                 <c:pt idx="49">
-                  <c:v>1.0489999999999888</c:v>
+                  <c:v>1.0489999999999886</c:v>
                 </c:pt>
                 <c:pt idx="50">
-                  <c:v>1.4489999999999859</c:v>
+                  <c:v>1.4489999999999856</c:v>
                 </c:pt>
                 <c:pt idx="51">
                   <c:v>0.91600000000000004</c:v>
@@ -1223,7 +1223,7 @@
                   <c:v>1.599</c:v>
                 </c:pt>
                 <c:pt idx="60">
-                  <c:v>1.5629999999999888</c:v>
+                  <c:v>1.5629999999999886</c:v>
                 </c:pt>
                 <c:pt idx="61">
                   <c:v>0.99199999999999999</c:v>
@@ -1244,7 +1244,7 @@
                 <c:formatCode>General</c:formatCode>
                 <c:ptCount val="64"/>
                 <c:pt idx="0">
-                  <c:v>1.2189999999999861</c:v>
+                  <c:v>1.2189999999999857</c:v>
                 </c:pt>
                 <c:pt idx="1">
                   <c:v>2.4379999999999997</c:v>
@@ -1256,19 +1256,19 @@
                   <c:v>1.829</c:v>
                 </c:pt>
                 <c:pt idx="4">
-                  <c:v>1.2189999999999861</c:v>
+                  <c:v>1.2189999999999857</c:v>
                 </c:pt>
                 <c:pt idx="5">
-                  <c:v>1.2189999999999861</c:v>
+                  <c:v>1.2189999999999857</c:v>
                 </c:pt>
                 <c:pt idx="6">
-                  <c:v>1.2189999999999861</c:v>
+                  <c:v>1.2189999999999857</c:v>
                 </c:pt>
                 <c:pt idx="7">
                   <c:v>2.4379999999999997</c:v>
                 </c:pt>
                 <c:pt idx="8">
-                  <c:v>1.2189999999999861</c:v>
+                  <c:v>1.2189999999999857</c:v>
                 </c:pt>
                 <c:pt idx="9">
                   <c:v>0.61000000000000065</c:v>
@@ -1277,22 +1277,22 @@
                   <c:v>3.048</c:v>
                 </c:pt>
                 <c:pt idx="11">
-                  <c:v>1.2189999999999861</c:v>
+                  <c:v>1.2189999999999857</c:v>
                 </c:pt>
                 <c:pt idx="12">
                   <c:v>0.61000000000000065</c:v>
                 </c:pt>
                 <c:pt idx="13">
-                  <c:v>1.2189999999999861</c:v>
+                  <c:v>1.2189999999999857</c:v>
                 </c:pt>
                 <c:pt idx="14">
                   <c:v>2.4379999999999997</c:v>
                 </c:pt>
                 <c:pt idx="15">
-                  <c:v>1.2189999999999861</c:v>
+                  <c:v>1.2189999999999857</c:v>
                 </c:pt>
                 <c:pt idx="16">
-                  <c:v>1.2189999999999861</c:v>
+                  <c:v>1.2189999999999857</c:v>
                 </c:pt>
                 <c:pt idx="17">
                   <c:v>0.61000000000000065</c:v>
@@ -1310,7 +1310,7 @@
                   <c:v>3.048</c:v>
                 </c:pt>
                 <c:pt idx="22">
-                  <c:v>1.2189999999999861</c:v>
+                  <c:v>1.2189999999999857</c:v>
                 </c:pt>
                 <c:pt idx="23">
                   <c:v>1.829</c:v>
@@ -1334,34 +1334,34 @@
                   <c:v>0.61000000000000065</c:v>
                 </c:pt>
                 <c:pt idx="30">
-                  <c:v>1.2189999999999861</c:v>
+                  <c:v>1.2189999999999857</c:v>
                 </c:pt>
                 <c:pt idx="31">
-                  <c:v>1.2189999999999861</c:v>
+                  <c:v>1.2189999999999857</c:v>
                 </c:pt>
                 <c:pt idx="32">
-                  <c:v>1.2189999999999861</c:v>
+                  <c:v>1.2189999999999857</c:v>
                 </c:pt>
                 <c:pt idx="33">
-                  <c:v>1.2189999999999861</c:v>
+                  <c:v>1.2189999999999857</c:v>
                 </c:pt>
                 <c:pt idx="34">
-                  <c:v>1.2189999999999861</c:v>
+                  <c:v>1.2189999999999857</c:v>
                 </c:pt>
                 <c:pt idx="35">
                   <c:v>3.048</c:v>
                 </c:pt>
                 <c:pt idx="36">
-                  <c:v>1.2189999999999861</c:v>
+                  <c:v>1.2189999999999857</c:v>
                 </c:pt>
                 <c:pt idx="37">
                   <c:v>0.61000000000000065</c:v>
                 </c:pt>
                 <c:pt idx="38">
-                  <c:v>1.2189999999999861</c:v>
+                  <c:v>1.2189999999999857</c:v>
                 </c:pt>
                 <c:pt idx="39">
-                  <c:v>1.2189999999999861</c:v>
+                  <c:v>1.2189999999999857</c:v>
                 </c:pt>
                 <c:pt idx="40">
                   <c:v>2.4379999999999997</c:v>
@@ -1376,7 +1376,7 @@
                   <c:v>0.61000000000000065</c:v>
                 </c:pt>
                 <c:pt idx="44">
-                  <c:v>1.2189999999999861</c:v>
+                  <c:v>1.2189999999999857</c:v>
                 </c:pt>
                 <c:pt idx="45">
                   <c:v>4.8769999999999998</c:v>
@@ -1385,34 +1385,34 @@
                   <c:v>0.61000000000000065</c:v>
                 </c:pt>
                 <c:pt idx="47">
-                  <c:v>1.2189999999999861</c:v>
+                  <c:v>1.2189999999999857</c:v>
                 </c:pt>
                 <c:pt idx="48">
                   <c:v>7.3149999999999755</c:v>
                 </c:pt>
                 <c:pt idx="49">
-                  <c:v>1.2189999999999861</c:v>
+                  <c:v>1.2189999999999857</c:v>
                 </c:pt>
                 <c:pt idx="50">
-                  <c:v>1.2189999999999861</c:v>
+                  <c:v>1.2189999999999857</c:v>
                 </c:pt>
                 <c:pt idx="51">
                   <c:v>0.61000000000000065</c:v>
                 </c:pt>
                 <c:pt idx="52">
-                  <c:v>1.2189999999999861</c:v>
+                  <c:v>1.2189999999999857</c:v>
                 </c:pt>
                 <c:pt idx="53">
-                  <c:v>1.2189999999999861</c:v>
+                  <c:v>1.2189999999999857</c:v>
                 </c:pt>
                 <c:pt idx="54">
-                  <c:v>1.2189999999999861</c:v>
+                  <c:v>1.2189999999999857</c:v>
                 </c:pt>
                 <c:pt idx="55">
                   <c:v>2.4379999999999997</c:v>
                 </c:pt>
                 <c:pt idx="56">
-                  <c:v>1.2189999999999861</c:v>
+                  <c:v>1.2189999999999857</c:v>
                 </c:pt>
                 <c:pt idx="57">
                   <c:v>4.8769999999999998</c:v>
@@ -1424,7 +1424,7 @@
                   <c:v>2.4379999999999997</c:v>
                 </c:pt>
                 <c:pt idx="60">
-                  <c:v>1.2189999999999861</c:v>
+                  <c:v>1.2189999999999857</c:v>
                 </c:pt>
                 <c:pt idx="61">
                   <c:v>0.61000000000000065</c:v>
@@ -1433,7 +1433,7 @@
                   <c:v>3.048</c:v>
                 </c:pt>
                 <c:pt idx="63">
-                  <c:v>1.2189999999999861</c:v>
+                  <c:v>1.2189999999999857</c:v>
                 </c:pt>
               </c:numCache>
             </c:numRef>
@@ -1540,11 +1540,11 @@
             </c:numRef>
           </c:yVal>
         </c:ser>
-        <c:axId val="70458368"/>
-        <c:axId val="70472832"/>
+        <c:axId val="68361216"/>
+        <c:axId val="68375680"/>
       </c:scatterChart>
       <c:valAx>
-        <c:axId val="70458368"/>
+        <c:axId val="68361216"/>
         <c:scaling>
           <c:orientation val="minMax"/>
           <c:max val="8"/>
@@ -1589,13 +1589,13 @@
             <a:endParaRPr lang="es-ES"/>
           </a:p>
         </c:txPr>
-        <c:crossAx val="70472832"/>
+        <c:crossAx val="68375680"/>
         <c:crosses val="autoZero"/>
         <c:crossBetween val="midCat"/>
         <c:majorUnit val="2"/>
       </c:valAx>
       <c:valAx>
-        <c:axId val="70472832"/>
+        <c:axId val="68375680"/>
         <c:scaling>
           <c:orientation val="minMax"/>
         </c:scaling>
@@ -1640,7 +1640,7 @@
             <a:endParaRPr lang="es-ES"/>
           </a:p>
         </c:txPr>
-        <c:crossAx val="70458368"/>
+        <c:crossAx val="68361216"/>
         <c:crosses val="autoZero"/>
         <c:crossBetween val="midCat"/>
       </c:valAx>
@@ -1708,7 +1708,7 @@
                 <c:formatCode>0%</c:formatCode>
                 <c:ptCount val="5"/>
                 <c:pt idx="0">
-                  <c:v>0.66000000000000214</c:v>
+                  <c:v>0.66000000000000225</c:v>
                 </c:pt>
                 <c:pt idx="1">
                   <c:v>0.82000000000000062</c:v>
@@ -1794,12 +1794,12 @@
           </c:val>
         </c:ser>
         <c:shape val="box"/>
-        <c:axId val="70510464"/>
-        <c:axId val="70512000"/>
+        <c:axId val="68413312"/>
+        <c:axId val="68414848"/>
         <c:axId val="0"/>
       </c:bar3DChart>
       <c:catAx>
-        <c:axId val="70510464"/>
+        <c:axId val="68413312"/>
         <c:scaling>
           <c:orientation val="minMax"/>
         </c:scaling>
@@ -1817,14 +1817,14 @@
             <a:endParaRPr lang="es-ES"/>
           </a:p>
         </c:txPr>
-        <c:crossAx val="70512000"/>
+        <c:crossAx val="68414848"/>
         <c:crosses val="autoZero"/>
         <c:auto val="1"/>
         <c:lblAlgn val="ctr"/>
         <c:lblOffset val="100"/>
       </c:catAx>
       <c:valAx>
-        <c:axId val="70512000"/>
+        <c:axId val="68414848"/>
         <c:scaling>
           <c:orientation val="minMax"/>
         </c:scaling>
@@ -1842,7 +1842,7 @@
             <a:endParaRPr lang="es-ES"/>
           </a:p>
         </c:txPr>
-        <c:crossAx val="70510464"/>
+        <c:crossAx val="68413312"/>
         <c:crosses val="autoZero"/>
         <c:crossBetween val="between"/>
       </c:valAx>
@@ -1960,7 +1960,7 @@
                   <c:v>1.35</c:v>
                 </c:pt>
                 <c:pt idx="2">
-                  <c:v>1.1800000000000033</c:v>
+                  <c:v>1.1800000000000035</c:v>
                 </c:pt>
                 <c:pt idx="3">
                   <c:v>0.99</c:v>
@@ -2040,12 +2040,12 @@
           </c:val>
         </c:ser>
         <c:shape val="cylinder"/>
-        <c:axId val="70681344"/>
-        <c:axId val="70682880"/>
+        <c:axId val="68584192"/>
+        <c:axId val="68585728"/>
         <c:axId val="0"/>
       </c:bar3DChart>
       <c:catAx>
-        <c:axId val="70681344"/>
+        <c:axId val="68584192"/>
         <c:scaling>
           <c:orientation val="minMax"/>
         </c:scaling>
@@ -2063,14 +2063,14 @@
             <a:endParaRPr lang="es-ES"/>
           </a:p>
         </c:txPr>
-        <c:crossAx val="70682880"/>
+        <c:crossAx val="68585728"/>
         <c:crosses val="autoZero"/>
         <c:auto val="1"/>
         <c:lblAlgn val="ctr"/>
         <c:lblOffset val="100"/>
       </c:catAx>
       <c:valAx>
-        <c:axId val="70682880"/>
+        <c:axId val="68585728"/>
         <c:scaling>
           <c:orientation val="minMax"/>
         </c:scaling>
@@ -2088,7 +2088,7 @@
             <a:endParaRPr lang="es-ES"/>
           </a:p>
         </c:txPr>
-        <c:crossAx val="70681344"/>
+        <c:crossAx val="68584192"/>
         <c:crosses val="autoZero"/>
         <c:crossBetween val="between"/>
       </c:valAx>
@@ -2231,19 +2231,19 @@
                   <c:v>1.0330390684786552</c:v>
                 </c:pt>
                 <c:pt idx="6">
-                  <c:v>1.0302429519403244</c:v>
+                  <c:v>1.0302429519403247</c:v>
                 </c:pt>
                 <c:pt idx="7">
                   <c:v>0.94738273200566459</c:v>
                 </c:pt>
                 <c:pt idx="8">
-                  <c:v>0.92793801360197858</c:v>
+                  <c:v>0.92793801360197881</c:v>
                 </c:pt>
                 <c:pt idx="9">
                   <c:v>0.92012906293872665</c:v>
                 </c:pt>
                 <c:pt idx="10">
-                  <c:v>0.88481716181109415</c:v>
+                  <c:v>0.88481716181109393</c:v>
                 </c:pt>
                 <c:pt idx="11">
                   <c:v>0.88417424754272178</c:v>
@@ -2255,7 +2255,7 @@
                   <c:v>0.85063806565684563</c:v>
                 </c:pt>
                 <c:pt idx="14">
-                  <c:v>0.84777133793556014</c:v>
+                  <c:v>0.84777133793556025</c:v>
                 </c:pt>
                 <c:pt idx="15">
                   <c:v>0.8445144923789446</c:v>
@@ -2264,7 +2264,7 @@
                   <c:v>0.83725594840038564</c:v>
                 </c:pt>
                 <c:pt idx="17">
-                  <c:v>0.83461703141919208</c:v>
+                  <c:v>0.8346170314191923</c:v>
                 </c:pt>
               </c:numCache>
             </c:numRef>
@@ -2363,7 +2363,7 @@
                   <c:v>0.9387309603633297</c:v>
                 </c:pt>
                 <c:pt idx="1">
-                  <c:v>0.89153277738271008</c:v>
+                  <c:v>0.89153277738270997</c:v>
                 </c:pt>
                 <c:pt idx="2">
                   <c:v>0.82301056544373608</c:v>
@@ -2375,22 +2375,22 @@
                   <c:v>0.75252199659024765</c:v>
                 </c:pt>
                 <c:pt idx="5">
-                  <c:v>0.74212373331281878</c:v>
+                  <c:v>0.74212373331281889</c:v>
                 </c:pt>
                 <c:pt idx="6">
                   <c:v>0.73688717786732749</c:v>
                 </c:pt>
                 <c:pt idx="7">
-                  <c:v>0.72860146352750776</c:v>
+                  <c:v>0.72860146352750799</c:v>
                 </c:pt>
                 <c:pt idx="8">
-                  <c:v>0.70577785559581463</c:v>
+                  <c:v>0.70577785559581474</c:v>
                 </c:pt>
                 <c:pt idx="9">
                   <c:v>0.69274686371956962</c:v>
                 </c:pt>
                 <c:pt idx="10">
-                  <c:v>0.67930161414046908</c:v>
+                  <c:v>0.6793016141404693</c:v>
                 </c:pt>
                 <c:pt idx="11">
                   <c:v>0.67228263477634131</c:v>
@@ -2399,22 +2399,22 @@
                   <c:v>0.68022471453120004</c:v>
                 </c:pt>
                 <c:pt idx="13">
-                  <c:v>0.66398503161852607</c:v>
+                  <c:v>0.6639850316185264</c:v>
                 </c:pt>
                 <c:pt idx="14">
                   <c:v>0.6640628299517749</c:v>
                 </c:pt>
                 <c:pt idx="15">
-                  <c:v>0.66308558009338003</c:v>
+                  <c:v>0.66308558009338014</c:v>
                 </c:pt>
                 <c:pt idx="16">
                   <c:v>0.65656511915425986</c:v>
                 </c:pt>
                 <c:pt idx="17">
-                  <c:v>0.65158141257239088</c:v>
+                  <c:v>0.65158141257239111</c:v>
                 </c:pt>
                 <c:pt idx="18">
-                  <c:v>0.65187548701494902</c:v>
+                  <c:v>0.65187548701494913</c:v>
                 </c:pt>
               </c:numCache>
             </c:numRef>
@@ -2503,7 +2503,7 @@
                 <c:formatCode>General</c:formatCode>
                 <c:ptCount val="19"/>
                 <c:pt idx="0">
-                  <c:v>0.6614973204901281</c:v>
+                  <c:v>0.66149732049012822</c:v>
                 </c:pt>
                 <c:pt idx="1">
                   <c:v>0.6001326027033127</c:v>
@@ -2512,13 +2512,13 @@
                   <c:v>0.55639887771499263</c:v>
                 </c:pt>
                 <c:pt idx="3">
-                  <c:v>0.62284472485511377</c:v>
+                  <c:v>0.62284472485511388</c:v>
                 </c:pt>
                 <c:pt idx="4">
                   <c:v>0.55351605829049677</c:v>
                 </c:pt>
                 <c:pt idx="5">
-                  <c:v>0.58846095302595458</c:v>
+                  <c:v>0.58846095302595447</c:v>
                 </c:pt>
                 <c:pt idx="6">
                   <c:v>0.57298820383188065</c:v>
@@ -2530,7 +2530,7 @@
                   <c:v>0.55636349504129456</c:v>
                 </c:pt>
                 <c:pt idx="9">
-                  <c:v>0.56175580469495179</c:v>
+                  <c:v>0.5617558046949519</c:v>
                 </c:pt>
                 <c:pt idx="10">
                   <c:v>0.54619756290876298</c:v>
@@ -2650,7 +2650,7 @@
                 <c:formatCode>General</c:formatCode>
                 <c:ptCount val="18"/>
                 <c:pt idx="0">
-                  <c:v>0.63237080268503965</c:v>
+                  <c:v>0.63237080268503976</c:v>
                 </c:pt>
                 <c:pt idx="1">
                   <c:v>0.58374227027070569</c:v>
@@ -2659,7 +2659,7 @@
                   <c:v>0.59186681564330168</c:v>
                 </c:pt>
                 <c:pt idx="3">
-                  <c:v>0.56326543263150231</c:v>
+                  <c:v>0.56326543263150253</c:v>
                 </c:pt>
                 <c:pt idx="4">
                   <c:v>0.57183044589207288</c:v>
@@ -2674,7 +2674,7 @@
                   <c:v>0.53802118949602251</c:v>
                 </c:pt>
                 <c:pt idx="8">
-                  <c:v>0.53450509736819485</c:v>
+                  <c:v>0.53450509736819496</c:v>
                 </c:pt>
                 <c:pt idx="9">
                   <c:v>0.52829897414829863</c:v>
@@ -2698,7 +2698,7 @@
                   <c:v>0.50670323954628771</c:v>
                 </c:pt>
                 <c:pt idx="16">
-                  <c:v>0.50238192552660144</c:v>
+                  <c:v>0.50238192552660133</c:v>
                 </c:pt>
                 <c:pt idx="17">
                   <c:v>0.49463977381829932</c:v>
@@ -2790,31 +2790,31 @@
                 <c:formatCode>General</c:formatCode>
                 <c:ptCount val="19"/>
                 <c:pt idx="0">
-                  <c:v>0.7728998376992422</c:v>
+                  <c:v>0.77289983769924253</c:v>
                 </c:pt>
                 <c:pt idx="1">
                   <c:v>0.74632356481168916</c:v>
                 </c:pt>
                 <c:pt idx="2">
-                  <c:v>0.78634361659647856</c:v>
+                  <c:v>0.78634361659647889</c:v>
                 </c:pt>
                 <c:pt idx="3">
-                  <c:v>0.68296121733003734</c:v>
+                  <c:v>0.68296121733003745</c:v>
                 </c:pt>
                 <c:pt idx="4">
-                  <c:v>0.66450739252953983</c:v>
+                  <c:v>0.66450739252953994</c:v>
                 </c:pt>
                 <c:pt idx="5">
-                  <c:v>0.61644319255848046</c:v>
+                  <c:v>0.61644319255848079</c:v>
                 </c:pt>
                 <c:pt idx="6">
                   <c:v>0.6102724059818817</c:v>
                 </c:pt>
                 <c:pt idx="7">
-                  <c:v>0.60925823106012444</c:v>
+                  <c:v>0.60925823106012456</c:v>
                 </c:pt>
                 <c:pt idx="8">
-                  <c:v>0.62851239646724855</c:v>
+                  <c:v>0.62851239646724844</c:v>
                 </c:pt>
                 <c:pt idx="9">
                   <c:v>0.60456332932399459</c:v>
@@ -2823,10 +2823,10 @@
                   <c:v>0.59800801508451062</c:v>
                 </c:pt>
                 <c:pt idx="11">
-                  <c:v>0.59484127138609655</c:v>
+                  <c:v>0.59484127138609666</c:v>
                 </c:pt>
                 <c:pt idx="12">
-                  <c:v>0.57774424327942453</c:v>
+                  <c:v>0.57774424327942475</c:v>
                 </c:pt>
                 <c:pt idx="13">
                   <c:v>0.57412911597622418</c:v>
@@ -2841,7 +2841,7 @@
                   <c:v>0.56487792557592453</c:v>
                 </c:pt>
                 <c:pt idx="17">
-                  <c:v>0.55704303471989791</c:v>
+                  <c:v>0.55704303471989802</c:v>
                 </c:pt>
                 <c:pt idx="18">
                   <c:v>0.55532457683742076</c:v>
@@ -2851,11 +2851,11 @@
           </c:yVal>
           <c:smooth val="1"/>
         </c:ser>
-        <c:axId val="68853120"/>
-        <c:axId val="68863488"/>
+        <c:axId val="62500224"/>
+        <c:axId val="62510592"/>
       </c:scatterChart>
       <c:valAx>
-        <c:axId val="68853120"/>
+        <c:axId val="62500224"/>
         <c:scaling>
           <c:orientation val="minMax"/>
           <c:max val="1000"/>
@@ -2936,7 +2936,7 @@
             <c:manualLayout>
               <c:xMode val="edge"/>
               <c:yMode val="edge"/>
-              <c:x val="0.31703777702969255"/>
+              <c:x val="0.31703777702969266"/>
               <c:y val="0.86625336375377393"/>
             </c:manualLayout>
           </c:layout>
@@ -2953,12 +2953,12 @@
             <a:endParaRPr lang="es-ES"/>
           </a:p>
         </c:txPr>
-        <c:crossAx val="68863488"/>
+        <c:crossAx val="62510592"/>
         <c:crosses val="autoZero"/>
         <c:crossBetween val="midCat"/>
       </c:valAx>
       <c:valAx>
-        <c:axId val="68863488"/>
+        <c:axId val="62510592"/>
         <c:scaling>
           <c:orientation val="minMax"/>
           <c:min val="0.4"/>
@@ -2997,7 +2997,7 @@
             <a:endParaRPr lang="es-ES"/>
           </a:p>
         </c:txPr>
-        <c:crossAx val="68853120"/>
+        <c:crossAx val="62500224"/>
         <c:crosses val="autoZero"/>
         <c:crossBetween val="midCat"/>
       </c:valAx>
@@ -3100,7 +3100,7 @@
                 <c:formatCode>General</c:formatCode>
                 <c:ptCount val="5"/>
                 <c:pt idx="0">
-                  <c:v>0.8500000000000002</c:v>
+                  <c:v>0.85000000000000031</c:v>
                 </c:pt>
                 <c:pt idx="1">
                   <c:v>0.28000000000000008</c:v>
@@ -3170,13 +3170,13 @@
                   <c:v>0.88</c:v>
                 </c:pt>
                 <c:pt idx="1">
-                  <c:v>0.4200000000000001</c:v>
+                  <c:v>0.42000000000000015</c:v>
                 </c:pt>
                 <c:pt idx="2">
-                  <c:v>0.37000000000000011</c:v>
+                  <c:v>0.37000000000000016</c:v>
                 </c:pt>
                 <c:pt idx="3">
-                  <c:v>0.61000000000000021</c:v>
+                  <c:v>0.61000000000000032</c:v>
                 </c:pt>
                 <c:pt idx="4">
                   <c:v>0.81</c:v>
@@ -3242,13 +3242,13 @@
                   <c:v>0.5</c:v>
                 </c:pt>
                 <c:pt idx="2">
-                  <c:v>0.48000000000000009</c:v>
+                  <c:v>0.48000000000000015</c:v>
                 </c:pt>
                 <c:pt idx="3">
-                  <c:v>0.74000000000000021</c:v>
+                  <c:v>0.74000000000000032</c:v>
                 </c:pt>
                 <c:pt idx="4">
-                  <c:v>0.82000000000000017</c:v>
+                  <c:v>0.82000000000000028</c:v>
                 </c:pt>
               </c:numCache>
             </c:numRef>
@@ -3309,37 +3309,37 @@
                   <c:v>0.47000000000000008</c:v>
                 </c:pt>
                 <c:pt idx="2">
-                  <c:v>0.35000000000000009</c:v>
+                  <c:v>0.35000000000000014</c:v>
                 </c:pt>
                 <c:pt idx="3">
-                  <c:v>0.70000000000000018</c:v>
+                  <c:v>0.70000000000000029</c:v>
                 </c:pt>
                 <c:pt idx="4">
-                  <c:v>0.82000000000000017</c:v>
+                  <c:v>0.82000000000000028</c:v>
                 </c:pt>
               </c:numCache>
             </c:numRef>
           </c:val>
         </c:ser>
-        <c:axId val="70199936"/>
-        <c:axId val="70222208"/>
+        <c:axId val="62798464"/>
+        <c:axId val="62820736"/>
       </c:barChart>
       <c:catAx>
-        <c:axId val="70199936"/>
+        <c:axId val="62798464"/>
         <c:scaling>
           <c:orientation val="minMax"/>
         </c:scaling>
         <c:axPos val="b"/>
         <c:majorTickMark val="none"/>
         <c:tickLblPos val="nextTo"/>
-        <c:crossAx val="70222208"/>
+        <c:crossAx val="62820736"/>
         <c:crosses val="autoZero"/>
         <c:auto val="1"/>
         <c:lblAlgn val="ctr"/>
         <c:lblOffset val="100"/>
       </c:catAx>
       <c:valAx>
-        <c:axId val="70222208"/>
+        <c:axId val="62820736"/>
         <c:scaling>
           <c:orientation val="minMax"/>
         </c:scaling>
@@ -3348,7 +3348,7 @@
         <c:numFmt formatCode="General" sourceLinked="1"/>
         <c:majorTickMark val="none"/>
         <c:tickLblPos val="nextTo"/>
-        <c:crossAx val="70199936"/>
+        <c:crossAx val="62798464"/>
         <c:crosses val="autoZero"/>
         <c:crossBetween val="between"/>
       </c:valAx>
@@ -3438,19 +3438,19 @@
                 <c:formatCode>General</c:formatCode>
                 <c:ptCount val="5"/>
                 <c:pt idx="0">
-                  <c:v>0.9700000000000002</c:v>
+                  <c:v>0.97000000000000031</c:v>
                 </c:pt>
                 <c:pt idx="1">
                   <c:v>0.53</c:v>
                 </c:pt>
                 <c:pt idx="2">
-                  <c:v>0.6000000000000002</c:v>
+                  <c:v>0.60000000000000031</c:v>
                 </c:pt>
                 <c:pt idx="3">
-                  <c:v>0.6000000000000002</c:v>
+                  <c:v>0.60000000000000031</c:v>
                 </c:pt>
                 <c:pt idx="4">
-                  <c:v>0.67000000000000026</c:v>
+                  <c:v>0.67000000000000048</c:v>
                 </c:pt>
               </c:numCache>
             </c:numRef>
@@ -3505,7 +3505,7 @@
                 <c:formatCode>General</c:formatCode>
                 <c:ptCount val="5"/>
                 <c:pt idx="0">
-                  <c:v>0.86000000000000021</c:v>
+                  <c:v>0.86000000000000032</c:v>
                 </c:pt>
                 <c:pt idx="1">
                   <c:v>0.5</c:v>
@@ -3517,7 +3517,7 @@
                   <c:v>0.54</c:v>
                 </c:pt>
                 <c:pt idx="4">
-                  <c:v>0.63000000000000023</c:v>
+                  <c:v>0.63000000000000034</c:v>
                 </c:pt>
               </c:numCache>
             </c:numRef>
@@ -3574,7 +3574,7 @@
                 <c:formatCode>General</c:formatCode>
                 <c:ptCount val="5"/>
                 <c:pt idx="0">
-                  <c:v>0.82000000000000017</c:v>
+                  <c:v>0.82000000000000028</c:v>
                 </c:pt>
                 <c:pt idx="1">
                   <c:v>0.46</c:v>
@@ -3586,7 +3586,7 @@
                   <c:v>0.47000000000000008</c:v>
                 </c:pt>
                 <c:pt idx="4">
-                  <c:v>0.61000000000000021</c:v>
+                  <c:v>0.61000000000000032</c:v>
                 </c:pt>
               </c:numCache>
             </c:numRef>
@@ -3644,7 +3644,7 @@
                   <c:v>0.88</c:v>
                 </c:pt>
                 <c:pt idx="1">
-                  <c:v>0.4900000000000001</c:v>
+                  <c:v>0.49000000000000016</c:v>
                 </c:pt>
                 <c:pt idx="2">
                   <c:v>0.5</c:v>
@@ -3653,31 +3653,31 @@
                   <c:v>0.5</c:v>
                 </c:pt>
                 <c:pt idx="4">
-                  <c:v>0.61000000000000021</c:v>
+                  <c:v>0.61000000000000032</c:v>
                 </c:pt>
               </c:numCache>
             </c:numRef>
           </c:val>
         </c:ser>
-        <c:axId val="70244608"/>
-        <c:axId val="70250496"/>
+        <c:axId val="62843136"/>
+        <c:axId val="60751872"/>
       </c:barChart>
       <c:catAx>
-        <c:axId val="70244608"/>
+        <c:axId val="62843136"/>
         <c:scaling>
           <c:orientation val="minMax"/>
         </c:scaling>
         <c:axPos val="b"/>
         <c:majorTickMark val="none"/>
         <c:tickLblPos val="nextTo"/>
-        <c:crossAx val="70250496"/>
+        <c:crossAx val="60751872"/>
         <c:crosses val="autoZero"/>
         <c:auto val="1"/>
         <c:lblAlgn val="ctr"/>
         <c:lblOffset val="100"/>
       </c:catAx>
       <c:valAx>
-        <c:axId val="70250496"/>
+        <c:axId val="60751872"/>
         <c:scaling>
           <c:orientation val="minMax"/>
         </c:scaling>
@@ -3686,7 +3686,7 @@
         <c:numFmt formatCode="General" sourceLinked="1"/>
         <c:majorTickMark val="none"/>
         <c:tickLblPos val="nextTo"/>
-        <c:crossAx val="70244608"/>
+        <c:crossAx val="62843136"/>
         <c:crosses val="autoZero"/>
         <c:crossBetween val="between"/>
       </c:valAx>
@@ -3777,16 +3777,16 @@
                 <c:formatCode>General</c:formatCode>
                 <c:ptCount val="4"/>
                 <c:pt idx="0">
-                  <c:v>0.48000000000000009</c:v>
+                  <c:v>0.48000000000000015</c:v>
                 </c:pt>
                 <c:pt idx="1">
                   <c:v>0.4</c:v>
                 </c:pt>
                 <c:pt idx="2">
-                  <c:v>0.4200000000000001</c:v>
+                  <c:v>0.42000000000000015</c:v>
                 </c:pt>
                 <c:pt idx="3">
-                  <c:v>0.4200000000000001</c:v>
+                  <c:v>0.42000000000000015</c:v>
                 </c:pt>
               </c:numCache>
             </c:numRef>
@@ -3844,7 +3844,7 @@
                   <c:v>0.23</c:v>
                 </c:pt>
                 <c:pt idx="2">
-                  <c:v>0.24000000000000005</c:v>
+                  <c:v>0.24000000000000007</c:v>
                 </c:pt>
                 <c:pt idx="3">
                   <c:v>0.26</c:v>
@@ -3854,12 +3854,12 @@
           </c:val>
         </c:ser>
         <c:shape val="box"/>
-        <c:axId val="62093568"/>
-        <c:axId val="62099456"/>
+        <c:axId val="60786944"/>
+        <c:axId val="60792832"/>
         <c:axId val="0"/>
       </c:bar3DChart>
       <c:catAx>
-        <c:axId val="62093568"/>
+        <c:axId val="60786944"/>
         <c:scaling>
           <c:orientation val="minMax"/>
         </c:scaling>
@@ -3878,14 +3878,14 @@
             <a:endParaRPr lang="es-ES"/>
           </a:p>
         </c:txPr>
-        <c:crossAx val="62099456"/>
+        <c:crossAx val="60792832"/>
         <c:crosses val="autoZero"/>
         <c:auto val="1"/>
         <c:lblAlgn val="ctr"/>
         <c:lblOffset val="100"/>
       </c:catAx>
       <c:valAx>
-        <c:axId val="62099456"/>
+        <c:axId val="60792832"/>
         <c:scaling>
           <c:orientation val="minMax"/>
         </c:scaling>
@@ -3894,7 +3894,7 @@
         <c:numFmt formatCode="General" sourceLinked="1"/>
         <c:majorTickMark val="none"/>
         <c:tickLblPos val="nextTo"/>
-        <c:crossAx val="62093568"/>
+        <c:crossAx val="60786944"/>
         <c:crosses val="autoZero"/>
         <c:crossBetween val="between"/>
       </c:valAx>
@@ -3997,13 +3997,13 @@
                   <c:v>0.47000000000000008</c:v>
                 </c:pt>
                 <c:pt idx="1">
-                  <c:v>0.4900000000000001</c:v>
+                  <c:v>0.49000000000000016</c:v>
                 </c:pt>
                 <c:pt idx="2">
-                  <c:v>0.48000000000000009</c:v>
+                  <c:v>0.48000000000000015</c:v>
                 </c:pt>
                 <c:pt idx="3">
-                  <c:v>0.48000000000000009</c:v>
+                  <c:v>0.48000000000000015</c:v>
                 </c:pt>
               </c:numCache>
             </c:numRef>
@@ -4071,26 +4071,26 @@
           </c:val>
         </c:ser>
         <c:shape val="cylinder"/>
-        <c:axId val="62107008"/>
-        <c:axId val="62116992"/>
+        <c:axId val="60800384"/>
+        <c:axId val="60806272"/>
         <c:axId val="0"/>
       </c:bar3DChart>
       <c:catAx>
-        <c:axId val="62107008"/>
+        <c:axId val="60800384"/>
         <c:scaling>
           <c:orientation val="minMax"/>
         </c:scaling>
         <c:axPos val="b"/>
         <c:majorTickMark val="none"/>
         <c:tickLblPos val="nextTo"/>
-        <c:crossAx val="62116992"/>
+        <c:crossAx val="60806272"/>
         <c:crosses val="autoZero"/>
         <c:auto val="1"/>
         <c:lblAlgn val="ctr"/>
         <c:lblOffset val="100"/>
       </c:catAx>
       <c:valAx>
-        <c:axId val="62116992"/>
+        <c:axId val="60806272"/>
         <c:scaling>
           <c:orientation val="minMax"/>
         </c:scaling>
@@ -4099,7 +4099,7 @@
         <c:numFmt formatCode="General" sourceLinked="1"/>
         <c:majorTickMark val="none"/>
         <c:tickLblPos val="nextTo"/>
-        <c:crossAx val="62107008"/>
+        <c:crossAx val="60800384"/>
         <c:crosses val="autoZero"/>
         <c:crossBetween val="between"/>
       </c:valAx>
@@ -4157,7 +4157,7 @@
           <c:x val="5.0128971669717602E-2"/>
           <c:y val="0.16285573489051136"/>
           <c:w val="0.91229087688864363"/>
-          <c:h val="0.42844667523762658"/>
+          <c:h val="0.4284466752376267"/>
         </c:manualLayout>
       </c:layout>
       <c:scatterChart>
@@ -4378,7 +4378,7 @@
                   <c:v>0</c:v>
                 </c:pt>
                 <c:pt idx="1">
-                  <c:v>1.2189999999999861</c:v>
+                  <c:v>1.2189999999999857</c:v>
                 </c:pt>
                 <c:pt idx="2">
                   <c:v>2.4379999999999997</c:v>
@@ -4390,19 +4390,19 @@
                   <c:v>1.829</c:v>
                 </c:pt>
                 <c:pt idx="5">
-                  <c:v>1.2189999999999861</c:v>
+                  <c:v>1.2189999999999857</c:v>
                 </c:pt>
                 <c:pt idx="6">
-                  <c:v>1.2189999999999861</c:v>
+                  <c:v>1.2189999999999857</c:v>
                 </c:pt>
                 <c:pt idx="7">
-                  <c:v>1.2189999999999861</c:v>
+                  <c:v>1.2189999999999857</c:v>
                 </c:pt>
                 <c:pt idx="8">
                   <c:v>2.4379999999999997</c:v>
                 </c:pt>
                 <c:pt idx="9">
-                  <c:v>1.2189999999999861</c:v>
+                  <c:v>1.2189999999999857</c:v>
                 </c:pt>
                 <c:pt idx="10">
                   <c:v>0.61000000000000065</c:v>
@@ -4411,22 +4411,22 @@
                   <c:v>3.048</c:v>
                 </c:pt>
                 <c:pt idx="12">
-                  <c:v>1.2189999999999861</c:v>
+                  <c:v>1.2189999999999857</c:v>
                 </c:pt>
                 <c:pt idx="13">
                   <c:v>0.61000000000000065</c:v>
                 </c:pt>
                 <c:pt idx="14">
-                  <c:v>1.2189999999999861</c:v>
+                  <c:v>1.2189999999999857</c:v>
                 </c:pt>
                 <c:pt idx="15">
                   <c:v>2.4379999999999997</c:v>
                 </c:pt>
                 <c:pt idx="16">
-                  <c:v>1.2189999999999861</c:v>
+                  <c:v>1.2189999999999857</c:v>
                 </c:pt>
                 <c:pt idx="17">
-                  <c:v>1.2189999999999861</c:v>
+                  <c:v>1.2189999999999857</c:v>
                 </c:pt>
                 <c:pt idx="18">
                   <c:v>0.61000000000000065</c:v>
@@ -4444,7 +4444,7 @@
                   <c:v>3.048</c:v>
                 </c:pt>
                 <c:pt idx="23">
-                  <c:v>1.2189999999999861</c:v>
+                  <c:v>1.2189999999999857</c:v>
                 </c:pt>
                 <c:pt idx="24">
                   <c:v>1.829</c:v>
@@ -4468,34 +4468,34 @@
                   <c:v>0.61000000000000065</c:v>
                 </c:pt>
                 <c:pt idx="31">
-                  <c:v>1.2189999999999861</c:v>
+                  <c:v>1.2189999999999857</c:v>
                 </c:pt>
                 <c:pt idx="32">
-                  <c:v>1.2189999999999861</c:v>
+                  <c:v>1.2189999999999857</c:v>
                 </c:pt>
                 <c:pt idx="33">
-                  <c:v>1.2189999999999861</c:v>
+                  <c:v>1.2189999999999857</c:v>
                 </c:pt>
                 <c:pt idx="34">
-                  <c:v>1.2189999999999861</c:v>
+                  <c:v>1.2189999999999857</c:v>
                 </c:pt>
                 <c:pt idx="35">
-                  <c:v>1.2189999999999861</c:v>
+                  <c:v>1.2189999999999857</c:v>
                 </c:pt>
                 <c:pt idx="36">
                   <c:v>3.048</c:v>
                 </c:pt>
                 <c:pt idx="37">
-                  <c:v>1.2189999999999861</c:v>
+                  <c:v>1.2189999999999857</c:v>
                 </c:pt>
                 <c:pt idx="38">
                   <c:v>0.61000000000000065</c:v>
                 </c:pt>
                 <c:pt idx="39">
-                  <c:v>1.2189999999999861</c:v>
+                  <c:v>1.2189999999999857</c:v>
                 </c:pt>
                 <c:pt idx="40">
-                  <c:v>1.2189999999999861</c:v>
+                  <c:v>1.2189999999999857</c:v>
                 </c:pt>
                 <c:pt idx="41">
                   <c:v>2.4379999999999997</c:v>
@@ -4510,7 +4510,7 @@
                   <c:v>0.61000000000000065</c:v>
                 </c:pt>
                 <c:pt idx="45">
-                  <c:v>1.2189999999999861</c:v>
+                  <c:v>1.2189999999999857</c:v>
                 </c:pt>
                 <c:pt idx="46">
                   <c:v>4.8769999999999998</c:v>
@@ -4519,34 +4519,34 @@
                   <c:v>0.61000000000000065</c:v>
                 </c:pt>
                 <c:pt idx="48">
-                  <c:v>1.2189999999999861</c:v>
+                  <c:v>1.2189999999999857</c:v>
                 </c:pt>
                 <c:pt idx="49">
                   <c:v>7.3149999999999755</c:v>
                 </c:pt>
                 <c:pt idx="50">
-                  <c:v>1.2189999999999861</c:v>
+                  <c:v>1.2189999999999857</c:v>
                 </c:pt>
                 <c:pt idx="51">
-                  <c:v>1.2189999999999861</c:v>
+                  <c:v>1.2189999999999857</c:v>
                 </c:pt>
                 <c:pt idx="52">
                   <c:v>0.61000000000000065</c:v>
                 </c:pt>
                 <c:pt idx="53">
-                  <c:v>1.2189999999999861</c:v>
+                  <c:v>1.2189999999999857</c:v>
                 </c:pt>
                 <c:pt idx="54">
-                  <c:v>1.2189999999999861</c:v>
+                  <c:v>1.2189999999999857</c:v>
                 </c:pt>
                 <c:pt idx="55">
-                  <c:v>1.2189999999999861</c:v>
+                  <c:v>1.2189999999999857</c:v>
                 </c:pt>
                 <c:pt idx="56">
                   <c:v>2.4379999999999997</c:v>
                 </c:pt>
                 <c:pt idx="57">
-                  <c:v>1.2189999999999861</c:v>
+                  <c:v>1.2189999999999857</c:v>
                 </c:pt>
                 <c:pt idx="58">
                   <c:v>4.8769999999999998</c:v>
@@ -4558,7 +4558,7 @@
                   <c:v>2.4379999999999997</c:v>
                 </c:pt>
                 <c:pt idx="61">
-                  <c:v>1.2189999999999861</c:v>
+                  <c:v>1.2189999999999857</c:v>
                 </c:pt>
                 <c:pt idx="62">
                   <c:v>0.61000000000000065</c:v>
@@ -4818,13 +4818,13 @@
                   <c:v>1.87</c:v>
                 </c:pt>
                 <c:pt idx="8">
-                  <c:v>1.9500000000000111</c:v>
+                  <c:v>1.9500000000000113</c:v>
                 </c:pt>
                 <c:pt idx="9">
                   <c:v>2.4899999999999998</c:v>
                 </c:pt>
                 <c:pt idx="10">
-                  <c:v>1.680000000000011</c:v>
+                  <c:v>1.6800000000000113</c:v>
                 </c:pt>
                 <c:pt idx="11">
                   <c:v>2.98</c:v>
@@ -4842,7 +4842,7 @@
                   <c:v>3.3099999999999987</c:v>
                 </c:pt>
                 <c:pt idx="16">
-                  <c:v>1.9500000000000111</c:v>
+                  <c:v>1.9500000000000113</c:v>
                 </c:pt>
                 <c:pt idx="17">
                   <c:v>1.4</c:v>
@@ -4872,7 +4872,7 @@
                   <c:v>1.45</c:v>
                 </c:pt>
                 <c:pt idx="26">
-                  <c:v>1.9900000000000124</c:v>
+                  <c:v>1.9900000000000126</c:v>
                 </c:pt>
                 <c:pt idx="27">
                   <c:v>3</c:v>
@@ -4914,7 +4914,7 @@
                   <c:v>2.04</c:v>
                 </c:pt>
                 <c:pt idx="40">
-                  <c:v>1.9600000000000111</c:v>
+                  <c:v>1.9600000000000113</c:v>
                 </c:pt>
                 <c:pt idx="41">
                   <c:v>3.09</c:v>
@@ -4989,11 +4989,11 @@
             </c:numRef>
           </c:yVal>
         </c:ser>
-        <c:axId val="70265856"/>
-        <c:axId val="70304896"/>
+        <c:axId val="62860288"/>
+        <c:axId val="62899328"/>
       </c:scatterChart>
       <c:valAx>
-        <c:axId val="70265856"/>
+        <c:axId val="62860288"/>
         <c:scaling>
           <c:orientation val="minMax"/>
         </c:scaling>
@@ -5031,13 +5031,13 @@
             <a:endParaRPr lang="es-ES"/>
           </a:p>
         </c:txPr>
-        <c:crossAx val="70304896"/>
+        <c:crossAx val="62899328"/>
         <c:crosses val="autoZero"/>
         <c:crossBetween val="midCat"/>
         <c:majorUnit val="5"/>
       </c:valAx>
       <c:valAx>
-        <c:axId val="70304896"/>
+        <c:axId val="62899328"/>
         <c:scaling>
           <c:orientation val="minMax"/>
         </c:scaling>
@@ -5089,7 +5089,7 @@
             <a:endParaRPr lang="es-ES"/>
           </a:p>
         </c:txPr>
-        <c:crossAx val="70265856"/>
+        <c:crossAx val="62860288"/>
         <c:crosses val="autoZero"/>
         <c:crossBetween val="midCat"/>
       </c:valAx>
@@ -5102,7 +5102,7 @@
           <c:yMode val="edge"/>
           <c:x val="0.74133589770230268"/>
           <c:y val="0.71233526043915962"/>
-          <c:w val="0.24201434347572651"/>
+          <c:w val="0.24201434347572656"/>
           <c:h val="0.16317756172635517"/>
         </c:manualLayout>
       </c:layout>
@@ -5157,7 +5157,7 @@
           <c:x val="5.0128971669717602E-2"/>
           <c:y val="0.16285573489051136"/>
           <c:w val="0.91229087688864363"/>
-          <c:h val="0.42844667523762636"/>
+          <c:h val="0.42844667523762647"/>
         </c:manualLayout>
       </c:layout>
       <c:scatterChart>
@@ -5378,7 +5378,7 @@
                   <c:v>0</c:v>
                 </c:pt>
                 <c:pt idx="1">
-                  <c:v>1.2189999999999861</c:v>
+                  <c:v>1.2189999999999857</c:v>
                 </c:pt>
                 <c:pt idx="2">
                   <c:v>2.4379999999999997</c:v>
@@ -5390,19 +5390,19 @@
                   <c:v>1.829</c:v>
                 </c:pt>
                 <c:pt idx="5">
-                  <c:v>1.2189999999999861</c:v>
+                  <c:v>1.2189999999999857</c:v>
                 </c:pt>
                 <c:pt idx="6">
-                  <c:v>1.2189999999999861</c:v>
+                  <c:v>1.2189999999999857</c:v>
                 </c:pt>
                 <c:pt idx="7">
-                  <c:v>1.2189999999999861</c:v>
+                  <c:v>1.2189999999999857</c:v>
                 </c:pt>
                 <c:pt idx="8">
                   <c:v>2.4379999999999997</c:v>
                 </c:pt>
                 <c:pt idx="9">
-                  <c:v>1.2189999999999861</c:v>
+                  <c:v>1.2189999999999857</c:v>
                 </c:pt>
                 <c:pt idx="10">
                   <c:v>0.61000000000000065</c:v>
@@ -5411,22 +5411,22 @@
                   <c:v>3.048</c:v>
                 </c:pt>
                 <c:pt idx="12">
-                  <c:v>1.2189999999999861</c:v>
+                  <c:v>1.2189999999999857</c:v>
                 </c:pt>
                 <c:pt idx="13">
                   <c:v>0.61000000000000065</c:v>
                 </c:pt>
                 <c:pt idx="14">
-                  <c:v>1.2189999999999861</c:v>
+                  <c:v>1.2189999999999857</c:v>
                 </c:pt>
                 <c:pt idx="15">
                   <c:v>2.4379999999999997</c:v>
                 </c:pt>
                 <c:pt idx="16">
-                  <c:v>1.2189999999999861</c:v>
+                  <c:v>1.2189999999999857</c:v>
                 </c:pt>
                 <c:pt idx="17">
-                  <c:v>1.2189999999999861</c:v>
+                  <c:v>1.2189999999999857</c:v>
                 </c:pt>
                 <c:pt idx="18">
                   <c:v>0.61000000000000065</c:v>
@@ -5444,7 +5444,7 @@
                   <c:v>3.048</c:v>
                 </c:pt>
                 <c:pt idx="23">
-                  <c:v>1.2189999999999861</c:v>
+                  <c:v>1.2189999999999857</c:v>
                 </c:pt>
                 <c:pt idx="24">
                   <c:v>1.829</c:v>
@@ -5468,34 +5468,34 @@
                   <c:v>0.61000000000000065</c:v>
                 </c:pt>
                 <c:pt idx="31">
-                  <c:v>1.2189999999999861</c:v>
+                  <c:v>1.2189999999999857</c:v>
                 </c:pt>
                 <c:pt idx="32">
-                  <c:v>1.2189999999999861</c:v>
+                  <c:v>1.2189999999999857</c:v>
                 </c:pt>
                 <c:pt idx="33">
-                  <c:v>1.2189999999999861</c:v>
+                  <c:v>1.2189999999999857</c:v>
                 </c:pt>
                 <c:pt idx="34">
-                  <c:v>1.2189999999999861</c:v>
+                  <c:v>1.2189999999999857</c:v>
                 </c:pt>
                 <c:pt idx="35">
-                  <c:v>1.2189999999999861</c:v>
+                  <c:v>1.2189999999999857</c:v>
                 </c:pt>
                 <c:pt idx="36">
                   <c:v>3.048</c:v>
                 </c:pt>
                 <c:pt idx="37">
-                  <c:v>1.2189999999999861</c:v>
+                  <c:v>1.2189999999999857</c:v>
                 </c:pt>
                 <c:pt idx="38">
                   <c:v>0.61000000000000065</c:v>
                 </c:pt>
                 <c:pt idx="39">
-                  <c:v>1.2189999999999861</c:v>
+                  <c:v>1.2189999999999857</c:v>
                 </c:pt>
                 <c:pt idx="40">
-                  <c:v>1.2189999999999861</c:v>
+                  <c:v>1.2189999999999857</c:v>
                 </c:pt>
                 <c:pt idx="41">
                   <c:v>2.4379999999999997</c:v>
@@ -5510,7 +5510,7 @@
                   <c:v>0.61000000000000065</c:v>
                 </c:pt>
                 <c:pt idx="45">
-                  <c:v>1.2189999999999861</c:v>
+                  <c:v>1.2189999999999857</c:v>
                 </c:pt>
                 <c:pt idx="46">
                   <c:v>4.8769999999999998</c:v>
@@ -5519,34 +5519,34 @@
                   <c:v>0.61000000000000065</c:v>
                 </c:pt>
                 <c:pt idx="48">
-                  <c:v>1.2189999999999861</c:v>
+                  <c:v>1.2189999999999857</c:v>
                 </c:pt>
                 <c:pt idx="49">
                   <c:v>7.3149999999999755</c:v>
                 </c:pt>
                 <c:pt idx="50">
-                  <c:v>1.2189999999999861</c:v>
+                  <c:v>1.2189999999999857</c:v>
                 </c:pt>
                 <c:pt idx="51">
-                  <c:v>1.2189999999999861</c:v>
+                  <c:v>1.2189999999999857</c:v>
                 </c:pt>
                 <c:pt idx="52">
                   <c:v>0.61000000000000065</c:v>
                 </c:pt>
                 <c:pt idx="53">
-                  <c:v>1.2189999999999861</c:v>
+                  <c:v>1.2189999999999857</c:v>
                 </c:pt>
                 <c:pt idx="54">
-                  <c:v>1.2189999999999861</c:v>
+                  <c:v>1.2189999999999857</c:v>
                 </c:pt>
                 <c:pt idx="55">
-                  <c:v>1.2189999999999861</c:v>
+                  <c:v>1.2189999999999857</c:v>
                 </c:pt>
                 <c:pt idx="56">
                   <c:v>2.4379999999999997</c:v>
                 </c:pt>
                 <c:pt idx="57">
-                  <c:v>1.2189999999999861</c:v>
+                  <c:v>1.2189999999999857</c:v>
                 </c:pt>
                 <c:pt idx="58">
                   <c:v>4.8769999999999998</c:v>
@@ -5558,7 +5558,7 @@
                   <c:v>2.4379999999999997</c:v>
                 </c:pt>
                 <c:pt idx="61">
-                  <c:v>1.2189999999999861</c:v>
+                  <c:v>1.2189999999999857</c:v>
                 </c:pt>
                 <c:pt idx="62">
                   <c:v>0.61000000000000065</c:v>
@@ -5836,7 +5836,7 @@
                   <c:v>0.96900000000000064</c:v>
                 </c:pt>
                 <c:pt idx="14">
-                  <c:v>1.2769999999999875</c:v>
+                  <c:v>1.2769999999999873</c:v>
                 </c:pt>
                 <c:pt idx="15">
                   <c:v>3.0789999999999997</c:v>
@@ -5848,13 +5848,13 @@
                   <c:v>1.1990000000000001</c:v>
                 </c:pt>
                 <c:pt idx="18">
-                  <c:v>1.0249999999999875</c:v>
+                  <c:v>1.0249999999999873</c:v>
                 </c:pt>
                 <c:pt idx="19">
-                  <c:v>1.0409999999999886</c:v>
+                  <c:v>1.0409999999999884</c:v>
                 </c:pt>
                 <c:pt idx="20">
-                  <c:v>1.9940000000000124</c:v>
+                  <c:v>1.9940000000000127</c:v>
                 </c:pt>
                 <c:pt idx="21">
                   <c:v>2.6759999999999997</c:v>
@@ -5887,7 +5887,7 @@
                   <c:v>1.127</c:v>
                 </c:pt>
                 <c:pt idx="31">
-                  <c:v>1.1619999999999882</c:v>
+                  <c:v>1.1619999999999879</c:v>
                 </c:pt>
                 <c:pt idx="32">
                   <c:v>1.175</c:v>
@@ -5902,7 +5902,7 @@
                   <c:v>2.0880000000000001</c:v>
                 </c:pt>
                 <c:pt idx="36">
-                  <c:v>1.9540000000000111</c:v>
+                  <c:v>1.9540000000000113</c:v>
                 </c:pt>
                 <c:pt idx="37">
                   <c:v>1.073</c:v>
@@ -5911,7 +5911,7 @@
                   <c:v>0.93200000000000005</c:v>
                 </c:pt>
                 <c:pt idx="39">
-                  <c:v>1.2209999999999861</c:v>
+                  <c:v>1.2209999999999857</c:v>
                 </c:pt>
                 <c:pt idx="40">
                   <c:v>1.081</c:v>
@@ -5926,7 +5926,7 @@
                   <c:v>1.538</c:v>
                 </c:pt>
                 <c:pt idx="44">
-                  <c:v>1.0569999999999888</c:v>
+                  <c:v>1.0569999999999886</c:v>
                 </c:pt>
                 <c:pt idx="45">
                   <c:v>1.028</c:v>
@@ -5944,10 +5944,10 @@
                   <c:v>6.8039999999999985</c:v>
                 </c:pt>
                 <c:pt idx="50">
-                  <c:v>1.0489999999999888</c:v>
+                  <c:v>1.0489999999999886</c:v>
                 </c:pt>
                 <c:pt idx="51">
-                  <c:v>1.4489999999999859</c:v>
+                  <c:v>1.4489999999999856</c:v>
                 </c:pt>
                 <c:pt idx="52">
                   <c:v>0.91600000000000004</c:v>
@@ -5977,7 +5977,7 @@
                   <c:v>1.599</c:v>
                 </c:pt>
                 <c:pt idx="61">
-                  <c:v>1.5629999999999888</c:v>
+                  <c:v>1.5629999999999886</c:v>
                 </c:pt>
                 <c:pt idx="62">
                   <c:v>0.99199999999999999</c:v>
@@ -5989,11 +5989,11 @@
             </c:numRef>
           </c:yVal>
         </c:ser>
-        <c:axId val="70330240"/>
-        <c:axId val="70332416"/>
+        <c:axId val="62924672"/>
+        <c:axId val="62926848"/>
       </c:scatterChart>
       <c:valAx>
-        <c:axId val="70330240"/>
+        <c:axId val="62924672"/>
         <c:scaling>
           <c:orientation val="minMax"/>
         </c:scaling>
@@ -6031,13 +6031,13 @@
             <a:endParaRPr lang="es-ES"/>
           </a:p>
         </c:txPr>
-        <c:crossAx val="70332416"/>
+        <c:crossAx val="62926848"/>
         <c:crosses val="autoZero"/>
         <c:crossBetween val="midCat"/>
         <c:majorUnit val="5"/>
       </c:valAx>
       <c:valAx>
-        <c:axId val="70332416"/>
+        <c:axId val="62926848"/>
         <c:scaling>
           <c:orientation val="minMax"/>
         </c:scaling>
@@ -6083,7 +6083,7 @@
             <a:endParaRPr lang="es-ES"/>
           </a:p>
         </c:txPr>
-        <c:crossAx val="70330240"/>
+        <c:crossAx val="62924672"/>
         <c:crosses val="autoZero"/>
         <c:crossBetween val="midCat"/>
       </c:valAx>
@@ -6096,7 +6096,7 @@
           <c:yMode val="edge"/>
           <c:x val="0.74133589770230268"/>
           <c:y val="0.71233526043915962"/>
-          <c:w val="0.24201434347572637"/>
+          <c:w val="0.24201434347572645"/>
           <c:h val="0.16317756172635517"/>
         </c:manualLayout>
       </c:layout>
@@ -6132,7 +6132,7 @@
           <c:x val="0.10048349150099888"/>
           <c:y val="4.1238940589567646E-2"/>
           <c:w val="0.87042860499284569"/>
-          <c:h val="0.75935138208448916"/>
+          <c:h val="0.75935138208448938"/>
         </c:manualLayout>
       </c:layout>
       <c:scatterChart>
@@ -6176,13 +6176,13 @@
                   <c:v>1.87</c:v>
                 </c:pt>
                 <c:pt idx="7">
-                  <c:v>1.9500000000000111</c:v>
+                  <c:v>1.9500000000000113</c:v>
                 </c:pt>
                 <c:pt idx="8">
                   <c:v>2.4899999999999998</c:v>
                 </c:pt>
                 <c:pt idx="9">
-                  <c:v>1.680000000000011</c:v>
+                  <c:v>1.6800000000000113</c:v>
                 </c:pt>
                 <c:pt idx="10">
                   <c:v>2.98</c:v>
@@ -6200,7 +6200,7 @@
                   <c:v>3.3099999999999987</c:v>
                 </c:pt>
                 <c:pt idx="15">
-                  <c:v>1.9500000000000111</c:v>
+                  <c:v>1.9500000000000113</c:v>
                 </c:pt>
                 <c:pt idx="16">
                   <c:v>1.4</c:v>
@@ -6230,7 +6230,7 @@
                   <c:v>1.45</c:v>
                 </c:pt>
                 <c:pt idx="25">
-                  <c:v>1.9900000000000124</c:v>
+                  <c:v>1.9900000000000126</c:v>
                 </c:pt>
                 <c:pt idx="26">
                   <c:v>3</c:v>
@@ -6272,7 +6272,7 @@
                   <c:v>2.04</c:v>
                 </c:pt>
                 <c:pt idx="39">
-                  <c:v>1.9600000000000111</c:v>
+                  <c:v>1.9600000000000113</c:v>
                 </c:pt>
                 <c:pt idx="40">
                   <c:v>3.09</c:v>
@@ -6356,7 +6356,7 @@
                 <c:formatCode>General</c:formatCode>
                 <c:ptCount val="64"/>
                 <c:pt idx="0">
-                  <c:v>1.2189999999999861</c:v>
+                  <c:v>1.2189999999999857</c:v>
                 </c:pt>
                 <c:pt idx="1">
                   <c:v>2.4379999999999997</c:v>
@@ -6368,19 +6368,19 @@
                   <c:v>1.829</c:v>
                 </c:pt>
                 <c:pt idx="4">
-                  <c:v>1.2189999999999861</c:v>
+                  <c:v>1.2189999999999857</c:v>
                 </c:pt>
                 <c:pt idx="5">
-                  <c:v>1.2189999999999861</c:v>
+                  <c:v>1.2189999999999857</c:v>
                 </c:pt>
                 <c:pt idx="6">
-                  <c:v>1.2189999999999861</c:v>
+                  <c:v>1.2189999999999857</c:v>
                 </c:pt>
                 <c:pt idx="7">
                   <c:v>2.4379999999999997</c:v>
                 </c:pt>
                 <c:pt idx="8">
-                  <c:v>1.2189999999999861</c:v>
+                  <c:v>1.2189999999999857</c:v>
                 </c:pt>
                 <c:pt idx="9">
                   <c:v>0.61000000000000065</c:v>
@@ -6389,22 +6389,22 @@
                   <c:v>3.048</c:v>
                 </c:pt>
                 <c:pt idx="11">
-                  <c:v>1.2189999999999861</c:v>
+                  <c:v>1.2189999999999857</c:v>
                 </c:pt>
                 <c:pt idx="12">
                   <c:v>0.61000000000000065</c:v>
                 </c:pt>
                 <c:pt idx="13">
-                  <c:v>1.2189999999999861</c:v>
+                  <c:v>1.2189999999999857</c:v>
                 </c:pt>
                 <c:pt idx="14">
                   <c:v>2.4379999999999997</c:v>
                 </c:pt>
                 <c:pt idx="15">
-                  <c:v>1.2189999999999861</c:v>
+                  <c:v>1.2189999999999857</c:v>
                 </c:pt>
                 <c:pt idx="16">
-                  <c:v>1.2189999999999861</c:v>
+                  <c:v>1.2189999999999857</c:v>
                 </c:pt>
                 <c:pt idx="17">
                   <c:v>0.61000000000000065</c:v>
@@ -6422,7 +6422,7 @@
                   <c:v>3.048</c:v>
                 </c:pt>
                 <c:pt idx="22">
-                  <c:v>1.2189999999999861</c:v>
+                  <c:v>1.2189999999999857</c:v>
                 </c:pt>
                 <c:pt idx="23">
                   <c:v>1.829</c:v>
@@ -6446,34 +6446,34 @@
                   <c:v>0.61000000000000065</c:v>
                 </c:pt>
                 <c:pt idx="30">
-                  <c:v>1.2189999999999861</c:v>
+                  <c:v>1.2189999999999857</c:v>
                 </c:pt>
                 <c:pt idx="31">
-                  <c:v>1.2189999999999861</c:v>
+                  <c:v>1.2189999999999857</c:v>
                 </c:pt>
                 <c:pt idx="32">
-                  <c:v>1.2189999999999861</c:v>
+                  <c:v>1.2189999999999857</c:v>
                 </c:pt>
                 <c:pt idx="33">
-                  <c:v>1.2189999999999861</c:v>
+                  <c:v>1.2189999999999857</c:v>
                 </c:pt>
                 <c:pt idx="34">
-                  <c:v>1.2189999999999861</c:v>
+                  <c:v>1.2189999999999857</c:v>
                 </c:pt>
                 <c:pt idx="35">
                   <c:v>3.048</c:v>
                 </c:pt>
                 <c:pt idx="36">
-                  <c:v>1.2189999999999861</c:v>
+                  <c:v>1.2189999999999857</c:v>
                 </c:pt>
                 <c:pt idx="37">
                   <c:v>0.61000000000000065</c:v>
                 </c:pt>
                 <c:pt idx="38">
-                  <c:v>1.2189999999999861</c:v>
+                  <c:v>1.2189999999999857</c:v>
                 </c:pt>
                 <c:pt idx="39">
-                  <c:v>1.2189999999999861</c:v>
+                  <c:v>1.2189999999999857</c:v>
                 </c:pt>
                 <c:pt idx="40">
                   <c:v>2.4379999999999997</c:v>
@@ -6488,7 +6488,7 @@
                   <c:v>0.61000000000000065</c:v>
                 </c:pt>
                 <c:pt idx="44">
-                  <c:v>1.2189999999999861</c:v>
+                  <c:v>1.2189999999999857</c:v>
                 </c:pt>
                 <c:pt idx="45">
                   <c:v>4.8769999999999998</c:v>
@@ -6497,34 +6497,34 @@
                   <c:v>0.61000000000000065</c:v>
                 </c:pt>
                 <c:pt idx="47">
-                  <c:v>1.2189999999999861</c:v>
+                  <c:v>1.2189999999999857</c:v>
                 </c:pt>
                 <c:pt idx="48">
                   <c:v>7.3149999999999755</c:v>
                 </c:pt>
                 <c:pt idx="49">
-                  <c:v>1.2189999999999861</c:v>
+                  <c:v>1.2189999999999857</c:v>
                 </c:pt>
                 <c:pt idx="50">
-                  <c:v>1.2189999999999861</c:v>
+                  <c:v>1.2189999999999857</c:v>
                 </c:pt>
                 <c:pt idx="51">
                   <c:v>0.61000000000000065</c:v>
                 </c:pt>
                 <c:pt idx="52">
-                  <c:v>1.2189999999999861</c:v>
+                  <c:v>1.2189999999999857</c:v>
                 </c:pt>
                 <c:pt idx="53">
-                  <c:v>1.2189999999999861</c:v>
+                  <c:v>1.2189999999999857</c:v>
                 </c:pt>
                 <c:pt idx="54">
-                  <c:v>1.2189999999999861</c:v>
+                  <c:v>1.2189999999999857</c:v>
                 </c:pt>
                 <c:pt idx="55">
                   <c:v>2.4379999999999997</c:v>
                 </c:pt>
                 <c:pt idx="56">
-                  <c:v>1.2189999999999861</c:v>
+                  <c:v>1.2189999999999857</c:v>
                 </c:pt>
                 <c:pt idx="57">
                   <c:v>4.8769999999999998</c:v>
@@ -6536,7 +6536,7 @@
                   <c:v>2.4379999999999997</c:v>
                 </c:pt>
                 <c:pt idx="60">
-                  <c:v>1.2189999999999861</c:v>
+                  <c:v>1.2189999999999857</c:v>
                 </c:pt>
                 <c:pt idx="61">
                   <c:v>0.61000000000000065</c:v>
@@ -6545,7 +6545,7 @@
                   <c:v>3.048</c:v>
                 </c:pt>
                 <c:pt idx="63">
-                  <c:v>1.2189999999999861</c:v>
+                  <c:v>1.2189999999999857</c:v>
                 </c:pt>
               </c:numCache>
             </c:numRef>
@@ -6652,11 +6652,11 @@
             </c:numRef>
           </c:yVal>
         </c:ser>
-        <c:axId val="70378624"/>
-        <c:axId val="70380544"/>
+        <c:axId val="62973056"/>
+        <c:axId val="62974976"/>
       </c:scatterChart>
       <c:valAx>
-        <c:axId val="70378624"/>
+        <c:axId val="62973056"/>
         <c:scaling>
           <c:orientation val="minMax"/>
           <c:max val="8"/>
@@ -6710,13 +6710,13 @@
             <a:endParaRPr lang="es-ES"/>
           </a:p>
         </c:txPr>
-        <c:crossAx val="70380544"/>
+        <c:crossAx val="62974976"/>
         <c:crosses val="autoZero"/>
         <c:crossBetween val="midCat"/>
         <c:majorUnit val="2"/>
       </c:valAx>
       <c:valAx>
-        <c:axId val="70380544"/>
+        <c:axId val="62974976"/>
         <c:scaling>
           <c:orientation val="minMax"/>
         </c:scaling>
@@ -6767,7 +6767,7 @@
             <a:endParaRPr lang="es-ES"/>
           </a:p>
         </c:txPr>
-        <c:crossAx val="70378624"/>
+        <c:crossAx val="62973056"/>
         <c:crosses val="autoZero"/>
         <c:crossBetween val="midCat"/>
       </c:valAx>
@@ -13337,7 +13337,7 @@
   <p:clrMapOvr>
     <a:masterClrMapping/>
   </p:clrMapOvr>
-  <p:transition advTm="1501"/>
+  <p:transition/>
   <p:timing>
     <p:tnLst>
       <p:par>
@@ -15098,7 +15098,7 @@
   <p:clrMapOvr>
     <a:masterClrMapping/>
   </p:clrMapOvr>
-  <p:transition advTm="1501"/>
+  <p:transition/>
   <p:timing>
     <p:tnLst>
       <p:par>
@@ -18037,7 +18037,7 @@
   <p:clrMapOvr>
     <a:masterClrMapping/>
   </p:clrMapOvr>
-  <p:transition advTm="1501"/>
+  <p:transition/>
   <p:timing>
     <p:tnLst>
       <p:par>

--- a/neuralito/ArfGen/docs/Entregas/Informe Final/presentacion/maxi2.pptx
+++ b/neuralito/ArfGen/docs/Entregas/Informe Final/presentacion/maxi2.pptx
@@ -10,14 +10,14 @@
   <p:sldIdLst>
     <p:sldId id="257" r:id="rId2"/>
     <p:sldId id="258" r:id="rId3"/>
-    <p:sldId id="259" r:id="rId4"/>
+    <p:sldId id="288" r:id="rId4"/>
     <p:sldId id="260" r:id="rId5"/>
-    <p:sldId id="261" r:id="rId6"/>
+    <p:sldId id="289" r:id="rId6"/>
     <p:sldId id="262" r:id="rId7"/>
     <p:sldId id="263" r:id="rId8"/>
     <p:sldId id="286" r:id="rId9"/>
-    <p:sldId id="287" r:id="rId10"/>
-    <p:sldId id="264" r:id="rId11"/>
+    <p:sldId id="264" r:id="rId10"/>
+    <p:sldId id="287" r:id="rId11"/>
     <p:sldId id="265" r:id="rId12"/>
     <p:sldId id="266" r:id="rId13"/>
     <p:sldId id="267" r:id="rId14"/>
@@ -142,6 +142,3125 @@
 
 <file path=ppt/charts/chart1.xml><?xml version="1.0" encoding="utf-8"?>
 <c:chartSpace xmlns:c="http://schemas.openxmlformats.org/drawingml/2006/chart" xmlns:a="http://schemas.openxmlformats.org/drawingml/2006/main" xmlns:r="http://schemas.openxmlformats.org/officeDocument/2006/relationships">
+  <c:lang val="es-ES"/>
+  <c:chart>
+    <c:title>
+      <c:tx>
+        <c:rich>
+          <a:bodyPr/>
+          <a:lstStyle/>
+          <a:p>
+            <a:pPr>
+              <a:defRPr/>
+            </a:pPr>
+            <a:r>
+              <a:rPr lang="es-ES" sz="2000" dirty="0">
+                <a:latin typeface="+mj-lt"/>
+              </a:rPr>
+              <a:t>Correlación 26%</a:t>
+            </a:r>
+          </a:p>
+        </c:rich>
+      </c:tx>
+      <c:layout/>
+    </c:title>
+    <c:plotArea>
+      <c:layout/>
+      <c:lineChart>
+        <c:grouping val="standard"/>
+        <c:ser>
+          <c:idx val="0"/>
+          <c:order val="0"/>
+          <c:tx>
+            <c:strRef>
+              <c:f>Hoja1!$A$25</c:f>
+              <c:strCache>
+                <c:ptCount val="1"/>
+                <c:pt idx="0">
+                  <c:v>a</c:v>
+                </c:pt>
+              </c:strCache>
+            </c:strRef>
+          </c:tx>
+          <c:val>
+            <c:numRef>
+              <c:f>Hoja1!$B$25:$G$25</c:f>
+              <c:numCache>
+                <c:formatCode>General</c:formatCode>
+                <c:ptCount val="6"/>
+                <c:pt idx="0">
+                  <c:v>5</c:v>
+                </c:pt>
+                <c:pt idx="1">
+                  <c:v>10</c:v>
+                </c:pt>
+                <c:pt idx="2">
+                  <c:v>15</c:v>
+                </c:pt>
+                <c:pt idx="3">
+                  <c:v>20</c:v>
+                </c:pt>
+                <c:pt idx="4">
+                  <c:v>15</c:v>
+                </c:pt>
+                <c:pt idx="5">
+                  <c:v>10</c:v>
+                </c:pt>
+              </c:numCache>
+            </c:numRef>
+          </c:val>
+        </c:ser>
+        <c:ser>
+          <c:idx val="1"/>
+          <c:order val="1"/>
+          <c:tx>
+            <c:strRef>
+              <c:f>Hoja1!$A$26</c:f>
+              <c:strCache>
+                <c:ptCount val="1"/>
+                <c:pt idx="0">
+                  <c:v>b</c:v>
+                </c:pt>
+              </c:strCache>
+            </c:strRef>
+          </c:tx>
+          <c:spPr>
+            <a:ln>
+              <a:solidFill>
+                <a:srgbClr val="FF0000"/>
+              </a:solidFill>
+            </a:ln>
+          </c:spPr>
+          <c:val>
+            <c:numRef>
+              <c:f>Hoja1!$B$26:$G$26</c:f>
+              <c:numCache>
+                <c:formatCode>General</c:formatCode>
+                <c:ptCount val="6"/>
+                <c:pt idx="0">
+                  <c:v>8</c:v>
+                </c:pt>
+                <c:pt idx="1">
+                  <c:v>8</c:v>
+                </c:pt>
+                <c:pt idx="2">
+                  <c:v>3</c:v>
+                </c:pt>
+                <c:pt idx="3">
+                  <c:v>15</c:v>
+                </c:pt>
+                <c:pt idx="4">
+                  <c:v>17</c:v>
+                </c:pt>
+                <c:pt idx="5">
+                  <c:v>17</c:v>
+                </c:pt>
+              </c:numCache>
+            </c:numRef>
+          </c:val>
+        </c:ser>
+        <c:marker val="1"/>
+        <c:axId val="133250048"/>
+        <c:axId val="115164288"/>
+      </c:lineChart>
+      <c:catAx>
+        <c:axId val="133250048"/>
+        <c:scaling>
+          <c:orientation val="minMax"/>
+        </c:scaling>
+        <c:axPos val="b"/>
+        <c:majorTickMark val="none"/>
+        <c:tickLblPos val="nextTo"/>
+        <c:crossAx val="115164288"/>
+        <c:crosses val="autoZero"/>
+        <c:auto val="1"/>
+        <c:lblAlgn val="ctr"/>
+        <c:lblOffset val="100"/>
+      </c:catAx>
+      <c:valAx>
+        <c:axId val="115164288"/>
+        <c:scaling>
+          <c:orientation val="minMax"/>
+        </c:scaling>
+        <c:axPos val="l"/>
+        <c:majorGridlines/>
+        <c:numFmt formatCode="General" sourceLinked="1"/>
+        <c:majorTickMark val="none"/>
+        <c:tickLblPos val="nextTo"/>
+        <c:crossAx val="133250048"/>
+        <c:crosses val="autoZero"/>
+        <c:crossBetween val="between"/>
+      </c:valAx>
+    </c:plotArea>
+    <c:legend>
+      <c:legendPos val="r"/>
+      <c:layout/>
+    </c:legend>
+    <c:plotVisOnly val="1"/>
+  </c:chart>
+  <c:spPr>
+    <a:solidFill>
+      <a:schemeClr val="bg1">
+        <a:lumMod val="95000"/>
+      </a:schemeClr>
+    </a:solidFill>
+  </c:spPr>
+  <c:externalData r:id="rId1"/>
+</c:chartSpace>
+</file>
+
+<file path=ppt/charts/chart10.xml><?xml version="1.0" encoding="utf-8"?>
+<c:chartSpace xmlns:c="http://schemas.openxmlformats.org/drawingml/2006/chart" xmlns:a="http://schemas.openxmlformats.org/drawingml/2006/main" xmlns:r="http://schemas.openxmlformats.org/officeDocument/2006/relationships">
+  <c:date1904 val="1"/>
+  <c:lang val="es-ES"/>
+  <c:chart>
+    <c:title>
+      <c:tx>
+        <c:rich>
+          <a:bodyPr/>
+          <a:lstStyle/>
+          <a:p>
+            <a:pPr>
+              <a:defRPr lang="es-AR"/>
+            </a:pPr>
+            <a:r>
+              <a:rPr lang="es-AR" sz="2000" b="0" i="0" baseline="0" dirty="0">
+                <a:latin typeface="+mj-lt"/>
+              </a:rPr>
+              <a:t>Makaha - Observación Visual/ Máquina de Soporte Vectorial</a:t>
+            </a:r>
+          </a:p>
+        </c:rich>
+      </c:tx>
+      <c:layout/>
+    </c:title>
+    <c:plotArea>
+      <c:layout>
+        <c:manualLayout>
+          <c:layoutTarget val="inner"/>
+          <c:xMode val="edge"/>
+          <c:yMode val="edge"/>
+          <c:x val="5.0128971669717602E-2"/>
+          <c:y val="0.16285573489051136"/>
+          <c:w val="0.91229087688864363"/>
+          <c:h val="0.42844667523762658"/>
+        </c:manualLayout>
+      </c:layout>
+      <c:scatterChart>
+        <c:scatterStyle val="lineMarker"/>
+        <c:ser>
+          <c:idx val="0"/>
+          <c:order val="0"/>
+          <c:tx>
+            <c:v>Observacion Visual</c:v>
+          </c:tx>
+          <c:xVal>
+            <c:strRef>
+              <c:f>Sheet1!$A$1:$A$64</c:f>
+              <c:strCache>
+                <c:ptCount val="64"/>
+                <c:pt idx="0">
+                  <c:v>inst#,</c:v>
+                </c:pt>
+                <c:pt idx="1">
+                  <c:v>1</c:v>
+                </c:pt>
+                <c:pt idx="2">
+                  <c:v>2</c:v>
+                </c:pt>
+                <c:pt idx="3">
+                  <c:v>3</c:v>
+                </c:pt>
+                <c:pt idx="4">
+                  <c:v>4</c:v>
+                </c:pt>
+                <c:pt idx="5">
+                  <c:v>5</c:v>
+                </c:pt>
+                <c:pt idx="6">
+                  <c:v>6</c:v>
+                </c:pt>
+                <c:pt idx="7">
+                  <c:v>7</c:v>
+                </c:pt>
+                <c:pt idx="8">
+                  <c:v>8</c:v>
+                </c:pt>
+                <c:pt idx="9">
+                  <c:v>9</c:v>
+                </c:pt>
+                <c:pt idx="10">
+                  <c:v>10</c:v>
+                </c:pt>
+                <c:pt idx="11">
+                  <c:v>11</c:v>
+                </c:pt>
+                <c:pt idx="12">
+                  <c:v>12</c:v>
+                </c:pt>
+                <c:pt idx="13">
+                  <c:v>13</c:v>
+                </c:pt>
+                <c:pt idx="14">
+                  <c:v>14</c:v>
+                </c:pt>
+                <c:pt idx="15">
+                  <c:v>15</c:v>
+                </c:pt>
+                <c:pt idx="16">
+                  <c:v>16</c:v>
+                </c:pt>
+                <c:pt idx="17">
+                  <c:v>17</c:v>
+                </c:pt>
+                <c:pt idx="18">
+                  <c:v>18</c:v>
+                </c:pt>
+                <c:pt idx="19">
+                  <c:v>19</c:v>
+                </c:pt>
+                <c:pt idx="20">
+                  <c:v>20</c:v>
+                </c:pt>
+                <c:pt idx="21">
+                  <c:v>21</c:v>
+                </c:pt>
+                <c:pt idx="22">
+                  <c:v>22</c:v>
+                </c:pt>
+                <c:pt idx="23">
+                  <c:v>23</c:v>
+                </c:pt>
+                <c:pt idx="24">
+                  <c:v>24</c:v>
+                </c:pt>
+                <c:pt idx="25">
+                  <c:v>25</c:v>
+                </c:pt>
+                <c:pt idx="26">
+                  <c:v>26</c:v>
+                </c:pt>
+                <c:pt idx="27">
+                  <c:v>27</c:v>
+                </c:pt>
+                <c:pt idx="28">
+                  <c:v>28</c:v>
+                </c:pt>
+                <c:pt idx="29">
+                  <c:v>29</c:v>
+                </c:pt>
+                <c:pt idx="30">
+                  <c:v>30</c:v>
+                </c:pt>
+                <c:pt idx="31">
+                  <c:v>31</c:v>
+                </c:pt>
+                <c:pt idx="32">
+                  <c:v>32</c:v>
+                </c:pt>
+                <c:pt idx="33">
+                  <c:v>33</c:v>
+                </c:pt>
+                <c:pt idx="34">
+                  <c:v>34</c:v>
+                </c:pt>
+                <c:pt idx="35">
+                  <c:v>35</c:v>
+                </c:pt>
+                <c:pt idx="36">
+                  <c:v>36</c:v>
+                </c:pt>
+                <c:pt idx="37">
+                  <c:v>37</c:v>
+                </c:pt>
+                <c:pt idx="38">
+                  <c:v>38</c:v>
+                </c:pt>
+                <c:pt idx="39">
+                  <c:v>39</c:v>
+                </c:pt>
+                <c:pt idx="40">
+                  <c:v>40</c:v>
+                </c:pt>
+                <c:pt idx="41">
+                  <c:v>41</c:v>
+                </c:pt>
+                <c:pt idx="42">
+                  <c:v>42</c:v>
+                </c:pt>
+                <c:pt idx="43">
+                  <c:v>43</c:v>
+                </c:pt>
+                <c:pt idx="44">
+                  <c:v>44</c:v>
+                </c:pt>
+                <c:pt idx="45">
+                  <c:v>45</c:v>
+                </c:pt>
+                <c:pt idx="46">
+                  <c:v>46</c:v>
+                </c:pt>
+                <c:pt idx="47">
+                  <c:v>47</c:v>
+                </c:pt>
+                <c:pt idx="48">
+                  <c:v>48</c:v>
+                </c:pt>
+                <c:pt idx="49">
+                  <c:v>49</c:v>
+                </c:pt>
+                <c:pt idx="50">
+                  <c:v>50</c:v>
+                </c:pt>
+                <c:pt idx="51">
+                  <c:v>51</c:v>
+                </c:pt>
+                <c:pt idx="52">
+                  <c:v>52</c:v>
+                </c:pt>
+                <c:pt idx="53">
+                  <c:v>53</c:v>
+                </c:pt>
+                <c:pt idx="54">
+                  <c:v>54</c:v>
+                </c:pt>
+                <c:pt idx="55">
+                  <c:v>55</c:v>
+                </c:pt>
+                <c:pt idx="56">
+                  <c:v>56</c:v>
+                </c:pt>
+                <c:pt idx="57">
+                  <c:v>57</c:v>
+                </c:pt>
+                <c:pt idx="58">
+                  <c:v>58</c:v>
+                </c:pt>
+                <c:pt idx="59">
+                  <c:v>59</c:v>
+                </c:pt>
+                <c:pt idx="60">
+                  <c:v>60</c:v>
+                </c:pt>
+                <c:pt idx="61">
+                  <c:v>61</c:v>
+                </c:pt>
+                <c:pt idx="62">
+                  <c:v>62</c:v>
+                </c:pt>
+                <c:pt idx="63">
+                  <c:v>63</c:v>
+                </c:pt>
+              </c:strCache>
+            </c:strRef>
+          </c:xVal>
+          <c:yVal>
+            <c:numRef>
+              <c:f>Sheet1!$B$1:$B$64</c:f>
+              <c:numCache>
+                <c:formatCode>General</c:formatCode>
+                <c:ptCount val="64"/>
+                <c:pt idx="0">
+                  <c:v>0</c:v>
+                </c:pt>
+                <c:pt idx="1">
+                  <c:v>1.2189999999999854</c:v>
+                </c:pt>
+                <c:pt idx="2">
+                  <c:v>2.4379999999999997</c:v>
+                </c:pt>
+                <c:pt idx="3">
+                  <c:v>3.6579999999999999</c:v>
+                </c:pt>
+                <c:pt idx="4">
+                  <c:v>1.829</c:v>
+                </c:pt>
+                <c:pt idx="5">
+                  <c:v>1.2189999999999854</c:v>
+                </c:pt>
+                <c:pt idx="6">
+                  <c:v>1.2189999999999854</c:v>
+                </c:pt>
+                <c:pt idx="7">
+                  <c:v>1.2189999999999854</c:v>
+                </c:pt>
+                <c:pt idx="8">
+                  <c:v>2.4379999999999997</c:v>
+                </c:pt>
+                <c:pt idx="9">
+                  <c:v>1.2189999999999854</c:v>
+                </c:pt>
+                <c:pt idx="10">
+                  <c:v>0.61000000000000065</c:v>
+                </c:pt>
+                <c:pt idx="11">
+                  <c:v>3.048</c:v>
+                </c:pt>
+                <c:pt idx="12">
+                  <c:v>1.2189999999999854</c:v>
+                </c:pt>
+                <c:pt idx="13">
+                  <c:v>0.61000000000000065</c:v>
+                </c:pt>
+                <c:pt idx="14">
+                  <c:v>1.2189999999999854</c:v>
+                </c:pt>
+                <c:pt idx="15">
+                  <c:v>2.4379999999999997</c:v>
+                </c:pt>
+                <c:pt idx="16">
+                  <c:v>1.2189999999999854</c:v>
+                </c:pt>
+                <c:pt idx="17">
+                  <c:v>1.2189999999999854</c:v>
+                </c:pt>
+                <c:pt idx="18">
+                  <c:v>0.61000000000000065</c:v>
+                </c:pt>
+                <c:pt idx="19">
+                  <c:v>0.61000000000000065</c:v>
+                </c:pt>
+                <c:pt idx="20">
+                  <c:v>1.829</c:v>
+                </c:pt>
+                <c:pt idx="21">
+                  <c:v>3.048</c:v>
+                </c:pt>
+                <c:pt idx="22">
+                  <c:v>3.048</c:v>
+                </c:pt>
+                <c:pt idx="23">
+                  <c:v>1.2189999999999854</c:v>
+                </c:pt>
+                <c:pt idx="24">
+                  <c:v>1.829</c:v>
+                </c:pt>
+                <c:pt idx="25">
+                  <c:v>0.61000000000000065</c:v>
+                </c:pt>
+                <c:pt idx="26">
+                  <c:v>1.829</c:v>
+                </c:pt>
+                <c:pt idx="27">
+                  <c:v>2.4379999999999997</c:v>
+                </c:pt>
+                <c:pt idx="28">
+                  <c:v>0.61000000000000065</c:v>
+                </c:pt>
+                <c:pt idx="29">
+                  <c:v>0.61000000000000065</c:v>
+                </c:pt>
+                <c:pt idx="30">
+                  <c:v>0.61000000000000065</c:v>
+                </c:pt>
+                <c:pt idx="31">
+                  <c:v>1.2189999999999854</c:v>
+                </c:pt>
+                <c:pt idx="32">
+                  <c:v>1.2189999999999854</c:v>
+                </c:pt>
+                <c:pt idx="33">
+                  <c:v>1.2189999999999854</c:v>
+                </c:pt>
+                <c:pt idx="34">
+                  <c:v>1.2189999999999854</c:v>
+                </c:pt>
+                <c:pt idx="35">
+                  <c:v>1.2189999999999854</c:v>
+                </c:pt>
+                <c:pt idx="36">
+                  <c:v>3.048</c:v>
+                </c:pt>
+                <c:pt idx="37">
+                  <c:v>1.2189999999999854</c:v>
+                </c:pt>
+                <c:pt idx="38">
+                  <c:v>0.61000000000000065</c:v>
+                </c:pt>
+                <c:pt idx="39">
+                  <c:v>1.2189999999999854</c:v>
+                </c:pt>
+                <c:pt idx="40">
+                  <c:v>1.2189999999999854</c:v>
+                </c:pt>
+                <c:pt idx="41">
+                  <c:v>2.4379999999999997</c:v>
+                </c:pt>
+                <c:pt idx="42">
+                  <c:v>1.829</c:v>
+                </c:pt>
+                <c:pt idx="43">
+                  <c:v>1.829</c:v>
+                </c:pt>
+                <c:pt idx="44">
+                  <c:v>0.61000000000000065</c:v>
+                </c:pt>
+                <c:pt idx="45">
+                  <c:v>1.2189999999999854</c:v>
+                </c:pt>
+                <c:pt idx="46">
+                  <c:v>4.8769999999999998</c:v>
+                </c:pt>
+                <c:pt idx="47">
+                  <c:v>0.61000000000000065</c:v>
+                </c:pt>
+                <c:pt idx="48">
+                  <c:v>1.2189999999999854</c:v>
+                </c:pt>
+                <c:pt idx="49">
+                  <c:v>7.3149999999999755</c:v>
+                </c:pt>
+                <c:pt idx="50">
+                  <c:v>1.2189999999999854</c:v>
+                </c:pt>
+                <c:pt idx="51">
+                  <c:v>1.2189999999999854</c:v>
+                </c:pt>
+                <c:pt idx="52">
+                  <c:v>0.61000000000000065</c:v>
+                </c:pt>
+                <c:pt idx="53">
+                  <c:v>1.2189999999999854</c:v>
+                </c:pt>
+                <c:pt idx="54">
+                  <c:v>1.2189999999999854</c:v>
+                </c:pt>
+                <c:pt idx="55">
+                  <c:v>1.2189999999999854</c:v>
+                </c:pt>
+                <c:pt idx="56">
+                  <c:v>2.4379999999999997</c:v>
+                </c:pt>
+                <c:pt idx="57">
+                  <c:v>1.2189999999999854</c:v>
+                </c:pt>
+                <c:pt idx="58">
+                  <c:v>4.8769999999999998</c:v>
+                </c:pt>
+                <c:pt idx="59">
+                  <c:v>1.829</c:v>
+                </c:pt>
+                <c:pt idx="60">
+                  <c:v>2.4379999999999997</c:v>
+                </c:pt>
+                <c:pt idx="61">
+                  <c:v>1.2189999999999854</c:v>
+                </c:pt>
+                <c:pt idx="62">
+                  <c:v>0.61000000000000065</c:v>
+                </c:pt>
+                <c:pt idx="63">
+                  <c:v>3.048</c:v>
+                </c:pt>
+              </c:numCache>
+            </c:numRef>
+          </c:yVal>
+        </c:ser>
+        <c:ser>
+          <c:idx val="1"/>
+          <c:order val="1"/>
+          <c:tx>
+            <c:v>Prediccion Clasificador</c:v>
+          </c:tx>
+          <c:spPr>
+            <a:ln w="22225">
+              <a:solidFill>
+                <a:srgbClr val="FF0000"/>
+              </a:solidFill>
+            </a:ln>
+          </c:spPr>
+          <c:marker>
+            <c:symbol val="diamond"/>
+            <c:size val="4"/>
+          </c:marker>
+          <c:xVal>
+            <c:strRef>
+              <c:f>Sheet1!$A$1:$A$64</c:f>
+              <c:strCache>
+                <c:ptCount val="64"/>
+                <c:pt idx="0">
+                  <c:v>inst#,</c:v>
+                </c:pt>
+                <c:pt idx="1">
+                  <c:v>1</c:v>
+                </c:pt>
+                <c:pt idx="2">
+                  <c:v>2</c:v>
+                </c:pt>
+                <c:pt idx="3">
+                  <c:v>3</c:v>
+                </c:pt>
+                <c:pt idx="4">
+                  <c:v>4</c:v>
+                </c:pt>
+                <c:pt idx="5">
+                  <c:v>5</c:v>
+                </c:pt>
+                <c:pt idx="6">
+                  <c:v>6</c:v>
+                </c:pt>
+                <c:pt idx="7">
+                  <c:v>7</c:v>
+                </c:pt>
+                <c:pt idx="8">
+                  <c:v>8</c:v>
+                </c:pt>
+                <c:pt idx="9">
+                  <c:v>9</c:v>
+                </c:pt>
+                <c:pt idx="10">
+                  <c:v>10</c:v>
+                </c:pt>
+                <c:pt idx="11">
+                  <c:v>11</c:v>
+                </c:pt>
+                <c:pt idx="12">
+                  <c:v>12</c:v>
+                </c:pt>
+                <c:pt idx="13">
+                  <c:v>13</c:v>
+                </c:pt>
+                <c:pt idx="14">
+                  <c:v>14</c:v>
+                </c:pt>
+                <c:pt idx="15">
+                  <c:v>15</c:v>
+                </c:pt>
+                <c:pt idx="16">
+                  <c:v>16</c:v>
+                </c:pt>
+                <c:pt idx="17">
+                  <c:v>17</c:v>
+                </c:pt>
+                <c:pt idx="18">
+                  <c:v>18</c:v>
+                </c:pt>
+                <c:pt idx="19">
+                  <c:v>19</c:v>
+                </c:pt>
+                <c:pt idx="20">
+                  <c:v>20</c:v>
+                </c:pt>
+                <c:pt idx="21">
+                  <c:v>21</c:v>
+                </c:pt>
+                <c:pt idx="22">
+                  <c:v>22</c:v>
+                </c:pt>
+                <c:pt idx="23">
+                  <c:v>23</c:v>
+                </c:pt>
+                <c:pt idx="24">
+                  <c:v>24</c:v>
+                </c:pt>
+                <c:pt idx="25">
+                  <c:v>25</c:v>
+                </c:pt>
+                <c:pt idx="26">
+                  <c:v>26</c:v>
+                </c:pt>
+                <c:pt idx="27">
+                  <c:v>27</c:v>
+                </c:pt>
+                <c:pt idx="28">
+                  <c:v>28</c:v>
+                </c:pt>
+                <c:pt idx="29">
+                  <c:v>29</c:v>
+                </c:pt>
+                <c:pt idx="30">
+                  <c:v>30</c:v>
+                </c:pt>
+                <c:pt idx="31">
+                  <c:v>31</c:v>
+                </c:pt>
+                <c:pt idx="32">
+                  <c:v>32</c:v>
+                </c:pt>
+                <c:pt idx="33">
+                  <c:v>33</c:v>
+                </c:pt>
+                <c:pt idx="34">
+                  <c:v>34</c:v>
+                </c:pt>
+                <c:pt idx="35">
+                  <c:v>35</c:v>
+                </c:pt>
+                <c:pt idx="36">
+                  <c:v>36</c:v>
+                </c:pt>
+                <c:pt idx="37">
+                  <c:v>37</c:v>
+                </c:pt>
+                <c:pt idx="38">
+                  <c:v>38</c:v>
+                </c:pt>
+                <c:pt idx="39">
+                  <c:v>39</c:v>
+                </c:pt>
+                <c:pt idx="40">
+                  <c:v>40</c:v>
+                </c:pt>
+                <c:pt idx="41">
+                  <c:v>41</c:v>
+                </c:pt>
+                <c:pt idx="42">
+                  <c:v>42</c:v>
+                </c:pt>
+                <c:pt idx="43">
+                  <c:v>43</c:v>
+                </c:pt>
+                <c:pt idx="44">
+                  <c:v>44</c:v>
+                </c:pt>
+                <c:pt idx="45">
+                  <c:v>45</c:v>
+                </c:pt>
+                <c:pt idx="46">
+                  <c:v>46</c:v>
+                </c:pt>
+                <c:pt idx="47">
+                  <c:v>47</c:v>
+                </c:pt>
+                <c:pt idx="48">
+                  <c:v>48</c:v>
+                </c:pt>
+                <c:pt idx="49">
+                  <c:v>49</c:v>
+                </c:pt>
+                <c:pt idx="50">
+                  <c:v>50</c:v>
+                </c:pt>
+                <c:pt idx="51">
+                  <c:v>51</c:v>
+                </c:pt>
+                <c:pt idx="52">
+                  <c:v>52</c:v>
+                </c:pt>
+                <c:pt idx="53">
+                  <c:v>53</c:v>
+                </c:pt>
+                <c:pt idx="54">
+                  <c:v>54</c:v>
+                </c:pt>
+                <c:pt idx="55">
+                  <c:v>55</c:v>
+                </c:pt>
+                <c:pt idx="56">
+                  <c:v>56</c:v>
+                </c:pt>
+                <c:pt idx="57">
+                  <c:v>57</c:v>
+                </c:pt>
+                <c:pt idx="58">
+                  <c:v>58</c:v>
+                </c:pt>
+                <c:pt idx="59">
+                  <c:v>59</c:v>
+                </c:pt>
+                <c:pt idx="60">
+                  <c:v>60</c:v>
+                </c:pt>
+                <c:pt idx="61">
+                  <c:v>61</c:v>
+                </c:pt>
+                <c:pt idx="62">
+                  <c:v>62</c:v>
+                </c:pt>
+                <c:pt idx="63">
+                  <c:v>63</c:v>
+                </c:pt>
+              </c:strCache>
+            </c:strRef>
+          </c:xVal>
+          <c:yVal>
+            <c:numRef>
+              <c:f>Sheet1!$C$1:$C$64</c:f>
+              <c:numCache>
+                <c:formatCode>General</c:formatCode>
+                <c:ptCount val="64"/>
+                <c:pt idx="0">
+                  <c:v>0</c:v>
+                </c:pt>
+                <c:pt idx="1">
+                  <c:v>1.103</c:v>
+                </c:pt>
+                <c:pt idx="2">
+                  <c:v>1.3580000000000001</c:v>
+                </c:pt>
+                <c:pt idx="3">
+                  <c:v>4.9340000000000002</c:v>
+                </c:pt>
+                <c:pt idx="4">
+                  <c:v>1.02</c:v>
+                </c:pt>
+                <c:pt idx="5">
+                  <c:v>0.97700000000000065</c:v>
+                </c:pt>
+                <c:pt idx="6">
+                  <c:v>1.03</c:v>
+                </c:pt>
+                <c:pt idx="7">
+                  <c:v>0.97700000000000065</c:v>
+                </c:pt>
+                <c:pt idx="8">
+                  <c:v>1.153</c:v>
+                </c:pt>
+                <c:pt idx="9">
+                  <c:v>1.3560000000000001</c:v>
+                </c:pt>
+                <c:pt idx="10">
+                  <c:v>1.121</c:v>
+                </c:pt>
+                <c:pt idx="11">
+                  <c:v>2.9569999999999967</c:v>
+                </c:pt>
+                <c:pt idx="12">
+                  <c:v>2.2909999999999999</c:v>
+                </c:pt>
+                <c:pt idx="13">
+                  <c:v>0.96900000000000064</c:v>
+                </c:pt>
+                <c:pt idx="14">
+                  <c:v>1.276999999999987</c:v>
+                </c:pt>
+                <c:pt idx="15">
+                  <c:v>3.0789999999999997</c:v>
+                </c:pt>
+                <c:pt idx="16">
+                  <c:v>1.137</c:v>
+                </c:pt>
+                <c:pt idx="17">
+                  <c:v>1.1990000000000001</c:v>
+                </c:pt>
+                <c:pt idx="18">
+                  <c:v>1.024999999999987</c:v>
+                </c:pt>
+                <c:pt idx="19">
+                  <c:v>1.0409999999999882</c:v>
+                </c:pt>
+                <c:pt idx="20">
+                  <c:v>1.9940000000000129</c:v>
+                </c:pt>
+                <c:pt idx="21">
+                  <c:v>2.6759999999999997</c:v>
+                </c:pt>
+                <c:pt idx="22">
+                  <c:v>2.258</c:v>
+                </c:pt>
+                <c:pt idx="23">
+                  <c:v>0.93799999999999994</c:v>
+                </c:pt>
+                <c:pt idx="24">
+                  <c:v>1.159</c:v>
+                </c:pt>
+                <c:pt idx="25">
+                  <c:v>0.89300000000000002</c:v>
+                </c:pt>
+                <c:pt idx="26">
+                  <c:v>1.0580000000000001</c:v>
+                </c:pt>
+                <c:pt idx="27">
+                  <c:v>1.657</c:v>
+                </c:pt>
+                <c:pt idx="28">
+                  <c:v>1.367</c:v>
+                </c:pt>
+                <c:pt idx="29">
+                  <c:v>1.32</c:v>
+                </c:pt>
+                <c:pt idx="30">
+                  <c:v>1.127</c:v>
+                </c:pt>
+                <c:pt idx="31">
+                  <c:v>1.1619999999999877</c:v>
+                </c:pt>
+                <c:pt idx="32">
+                  <c:v>1.175</c:v>
+                </c:pt>
+                <c:pt idx="33">
+                  <c:v>1.635</c:v>
+                </c:pt>
+                <c:pt idx="34">
+                  <c:v>2.3759999999999977</c:v>
+                </c:pt>
+                <c:pt idx="35">
+                  <c:v>2.0880000000000001</c:v>
+                </c:pt>
+                <c:pt idx="36">
+                  <c:v>1.9540000000000115</c:v>
+                </c:pt>
+                <c:pt idx="37">
+                  <c:v>1.073</c:v>
+                </c:pt>
+                <c:pt idx="38">
+                  <c:v>0.93200000000000005</c:v>
+                </c:pt>
+                <c:pt idx="39">
+                  <c:v>1.2209999999999854</c:v>
+                </c:pt>
+                <c:pt idx="40">
+                  <c:v>1.081</c:v>
+                </c:pt>
+                <c:pt idx="41">
+                  <c:v>3.5019999999999998</c:v>
+                </c:pt>
+                <c:pt idx="42">
+                  <c:v>1.052</c:v>
+                </c:pt>
+                <c:pt idx="43">
+                  <c:v>1.538</c:v>
+                </c:pt>
+                <c:pt idx="44">
+                  <c:v>1.0569999999999884</c:v>
+                </c:pt>
+                <c:pt idx="45">
+                  <c:v>1.028</c:v>
+                </c:pt>
+                <c:pt idx="46">
+                  <c:v>3.6629999999999998</c:v>
+                </c:pt>
+                <c:pt idx="47">
+                  <c:v>0.96500000000000064</c:v>
+                </c:pt>
+                <c:pt idx="48">
+                  <c:v>1.595</c:v>
+                </c:pt>
+                <c:pt idx="49">
+                  <c:v>6.8039999999999985</c:v>
+                </c:pt>
+                <c:pt idx="50">
+                  <c:v>1.0489999999999884</c:v>
+                </c:pt>
+                <c:pt idx="51">
+                  <c:v>1.4489999999999854</c:v>
+                </c:pt>
+                <c:pt idx="52">
+                  <c:v>0.91600000000000004</c:v>
+                </c:pt>
+                <c:pt idx="53">
+                  <c:v>0.91700000000000004</c:v>
+                </c:pt>
+                <c:pt idx="54">
+                  <c:v>0.99299999999999999</c:v>
+                </c:pt>
+                <c:pt idx="55">
+                  <c:v>1.165</c:v>
+                </c:pt>
+                <c:pt idx="56">
+                  <c:v>2.363</c:v>
+                </c:pt>
+                <c:pt idx="57">
+                  <c:v>1.0580000000000001</c:v>
+                </c:pt>
+                <c:pt idx="58">
+                  <c:v>5.9459999999999997</c:v>
+                </c:pt>
+                <c:pt idx="59">
+                  <c:v>1.5940000000000001</c:v>
+                </c:pt>
+                <c:pt idx="60">
+                  <c:v>1.599</c:v>
+                </c:pt>
+                <c:pt idx="61">
+                  <c:v>1.5629999999999884</c:v>
+                </c:pt>
+                <c:pt idx="62">
+                  <c:v>0.99199999999999999</c:v>
+                </c:pt>
+                <c:pt idx="63">
+                  <c:v>2.8779999999999997</c:v>
+                </c:pt>
+              </c:numCache>
+            </c:numRef>
+          </c:yVal>
+        </c:ser>
+        <c:axId val="105816064"/>
+        <c:axId val="105817984"/>
+      </c:scatterChart>
+      <c:valAx>
+        <c:axId val="105816064"/>
+        <c:scaling>
+          <c:orientation val="minMax"/>
+        </c:scaling>
+        <c:axPos val="b"/>
+        <c:title>
+          <c:tx>
+            <c:rich>
+              <a:bodyPr/>
+              <a:lstStyle/>
+              <a:p>
+                <a:pPr>
+                  <a:defRPr lang="es-AR"/>
+                </a:pPr>
+                <a:r>
+                  <a:rPr lang="es-AR" sz="1600" b="0" dirty="0">
+                    <a:latin typeface="+mj-lt"/>
+                  </a:rPr>
+                  <a:t>Día de observación</a:t>
+                </a:r>
+              </a:p>
+            </c:rich>
+          </c:tx>
+          <c:layout/>
+        </c:title>
+        <c:numFmt formatCode="#,##0;\-#,##0" sourceLinked="0"/>
+        <c:majorTickMark val="none"/>
+        <c:tickLblPos val="nextTo"/>
+        <c:txPr>
+          <a:bodyPr/>
+          <a:lstStyle/>
+          <a:p>
+            <a:pPr>
+              <a:defRPr lang="es-AR" baseline="0"/>
+            </a:pPr>
+            <a:endParaRPr lang="es-ES"/>
+          </a:p>
+        </c:txPr>
+        <c:crossAx val="105817984"/>
+        <c:crosses val="autoZero"/>
+        <c:crossBetween val="midCat"/>
+        <c:majorUnit val="5"/>
+      </c:valAx>
+      <c:valAx>
+        <c:axId val="105817984"/>
+        <c:scaling>
+          <c:orientation val="minMax"/>
+        </c:scaling>
+        <c:axPos val="l"/>
+        <c:majorGridlines/>
+        <c:title>
+          <c:tx>
+            <c:rich>
+              <a:bodyPr/>
+              <a:lstStyle/>
+              <a:p>
+                <a:pPr>
+                  <a:defRPr lang="es-AR"/>
+                </a:pPr>
+                <a:r>
+                  <a:rPr lang="es-AR" sz="1400" b="0" dirty="0">
+                    <a:latin typeface="+mj-lt"/>
+                  </a:rPr>
+                  <a:t>Altura de ola (mts.)</a:t>
+                </a:r>
+              </a:p>
+            </c:rich>
+          </c:tx>
+          <c:layout>
+            <c:manualLayout>
+              <c:xMode val="edge"/>
+              <c:yMode val="edge"/>
+              <c:x val="3.0155252103157052E-3"/>
+              <c:y val="0.29042414159711138"/>
+            </c:manualLayout>
+          </c:layout>
+        </c:title>
+        <c:numFmt formatCode="General" sourceLinked="1"/>
+        <c:majorTickMark val="none"/>
+        <c:tickLblPos val="nextTo"/>
+        <c:txPr>
+          <a:bodyPr/>
+          <a:lstStyle/>
+          <a:p>
+            <a:pPr>
+              <a:defRPr lang="es-AR"/>
+            </a:pPr>
+            <a:endParaRPr lang="es-ES"/>
+          </a:p>
+        </c:txPr>
+        <c:crossAx val="105816064"/>
+        <c:crosses val="autoZero"/>
+        <c:crossBetween val="midCat"/>
+      </c:valAx>
+    </c:plotArea>
+    <c:legend>
+      <c:legendPos val="r"/>
+      <c:layout>
+        <c:manualLayout>
+          <c:xMode val="edge"/>
+          <c:yMode val="edge"/>
+          <c:x val="0.74133589770230268"/>
+          <c:y val="0.71233526043915962"/>
+          <c:w val="0.24201434347572651"/>
+          <c:h val="0.16317756172635517"/>
+        </c:manualLayout>
+      </c:layout>
+      <c:txPr>
+        <a:bodyPr/>
+        <a:lstStyle/>
+        <a:p>
+          <a:pPr>
+            <a:defRPr lang="es-AR"/>
+          </a:pPr>
+          <a:endParaRPr lang="es-ES"/>
+        </a:p>
+      </c:txPr>
+    </c:legend>
+    <c:plotVisOnly val="1"/>
+  </c:chart>
+  <c:externalData r:id="rId1"/>
+</c:chartSpace>
+</file>
+
+<file path=ppt/charts/chart11.xml><?xml version="1.0" encoding="utf-8"?>
+<c:chartSpace xmlns:c="http://schemas.openxmlformats.org/drawingml/2006/chart" xmlns:a="http://schemas.openxmlformats.org/drawingml/2006/main" xmlns:r="http://schemas.openxmlformats.org/officeDocument/2006/relationships">
+  <c:date1904 val="1"/>
+  <c:lang val="es-ES"/>
+  <c:chart>
+    <c:autoTitleDeleted val="1"/>
+    <c:plotArea>
+      <c:layout>
+        <c:manualLayout>
+          <c:layoutTarget val="inner"/>
+          <c:xMode val="edge"/>
+          <c:yMode val="edge"/>
+          <c:x val="0.10048349150099888"/>
+          <c:y val="4.1238940589567646E-2"/>
+          <c:w val="0.87042860499284569"/>
+          <c:h val="0.7593513820844896"/>
+        </c:manualLayout>
+      </c:layout>
+      <c:scatterChart>
+        <c:scatterStyle val="lineMarker"/>
+        <c:ser>
+          <c:idx val="0"/>
+          <c:order val="0"/>
+          <c:tx>
+            <c:v>Observacion Visual</c:v>
+          </c:tx>
+          <c:spPr>
+            <a:ln w="28575">
+              <a:noFill/>
+            </a:ln>
+          </c:spPr>
+          <c:xVal>
+            <c:numRef>
+              <c:f>Sheet1!$E$2:$E$65</c:f>
+              <c:numCache>
+                <c:formatCode>General</c:formatCode>
+                <c:ptCount val="64"/>
+                <c:pt idx="0">
+                  <c:v>1.8</c:v>
+                </c:pt>
+                <c:pt idx="1">
+                  <c:v>3.2600000000000002</c:v>
+                </c:pt>
+                <c:pt idx="2">
+                  <c:v>4.5</c:v>
+                </c:pt>
+                <c:pt idx="3">
+                  <c:v>2.13</c:v>
+                </c:pt>
+                <c:pt idx="4">
+                  <c:v>2.2200000000000002</c:v>
+                </c:pt>
+                <c:pt idx="5">
+                  <c:v>1.61</c:v>
+                </c:pt>
+                <c:pt idx="6">
+                  <c:v>1.87</c:v>
+                </c:pt>
+                <c:pt idx="7">
+                  <c:v>1.9500000000000115</c:v>
+                </c:pt>
+                <c:pt idx="8">
+                  <c:v>2.4899999999999998</c:v>
+                </c:pt>
+                <c:pt idx="9">
+                  <c:v>1.6800000000000115</c:v>
+                </c:pt>
+                <c:pt idx="10">
+                  <c:v>2.98</c:v>
+                </c:pt>
+                <c:pt idx="11">
+                  <c:v>1.4</c:v>
+                </c:pt>
+                <c:pt idx="12">
+                  <c:v>1.6400000000000001</c:v>
+                </c:pt>
+                <c:pt idx="13">
+                  <c:v>2.2799999999999998</c:v>
+                </c:pt>
+                <c:pt idx="14">
+                  <c:v>3.3099999999999987</c:v>
+                </c:pt>
+                <c:pt idx="15">
+                  <c:v>1.9500000000000115</c:v>
+                </c:pt>
+                <c:pt idx="16">
+                  <c:v>1.4</c:v>
+                </c:pt>
+                <c:pt idx="17">
+                  <c:v>1.72</c:v>
+                </c:pt>
+                <c:pt idx="18">
+                  <c:v>1.28</c:v>
+                </c:pt>
+                <c:pt idx="19">
+                  <c:v>3.02</c:v>
+                </c:pt>
+                <c:pt idx="20">
+                  <c:v>3.08</c:v>
+                </c:pt>
+                <c:pt idx="21">
+                  <c:v>1.86</c:v>
+                </c:pt>
+                <c:pt idx="22">
+                  <c:v>1.5</c:v>
+                </c:pt>
+                <c:pt idx="23">
+                  <c:v>2.69</c:v>
+                </c:pt>
+                <c:pt idx="24">
+                  <c:v>1.45</c:v>
+                </c:pt>
+                <c:pt idx="25">
+                  <c:v>1.9900000000000129</c:v>
+                </c:pt>
+                <c:pt idx="26">
+                  <c:v>3</c:v>
+                </c:pt>
+                <c:pt idx="27">
+                  <c:v>2.1</c:v>
+                </c:pt>
+                <c:pt idx="28">
+                  <c:v>2.52</c:v>
+                </c:pt>
+                <c:pt idx="29">
+                  <c:v>2.12</c:v>
+                </c:pt>
+                <c:pt idx="30">
+                  <c:v>1.47</c:v>
+                </c:pt>
+                <c:pt idx="31">
+                  <c:v>5.53</c:v>
+                </c:pt>
+                <c:pt idx="32">
+                  <c:v>2.82</c:v>
+                </c:pt>
+                <c:pt idx="33">
+                  <c:v>3.13</c:v>
+                </c:pt>
+                <c:pt idx="34">
+                  <c:v>2.56</c:v>
+                </c:pt>
+                <c:pt idx="35">
+                  <c:v>2.11</c:v>
+                </c:pt>
+                <c:pt idx="36">
+                  <c:v>2.25</c:v>
+                </c:pt>
+                <c:pt idx="37">
+                  <c:v>1.73</c:v>
+                </c:pt>
+                <c:pt idx="38">
+                  <c:v>2.04</c:v>
+                </c:pt>
+                <c:pt idx="39">
+                  <c:v>1.9600000000000115</c:v>
+                </c:pt>
+                <c:pt idx="40">
+                  <c:v>3.09</c:v>
+                </c:pt>
+                <c:pt idx="41">
+                  <c:v>1.76</c:v>
+                </c:pt>
+                <c:pt idx="42">
+                  <c:v>2.0099999999999998</c:v>
+                </c:pt>
+                <c:pt idx="43">
+                  <c:v>1.54</c:v>
+                </c:pt>
+                <c:pt idx="44">
+                  <c:v>1.9000000000000001</c:v>
+                </c:pt>
+                <c:pt idx="45">
+                  <c:v>4.24</c:v>
+                </c:pt>
+                <c:pt idx="46">
+                  <c:v>1.56</c:v>
+                </c:pt>
+                <c:pt idx="47">
+                  <c:v>1.8800000000000001</c:v>
+                </c:pt>
+                <c:pt idx="48">
+                  <c:v>5.63</c:v>
+                </c:pt>
+                <c:pt idx="49">
+                  <c:v>2.27</c:v>
+                </c:pt>
+                <c:pt idx="50">
+                  <c:v>3.16</c:v>
+                </c:pt>
+                <c:pt idx="51">
+                  <c:v>4.5999999999999996</c:v>
+                </c:pt>
+                <c:pt idx="52">
+                  <c:v>1.6500000000000001</c:v>
+                </c:pt>
+                <c:pt idx="53">
+                  <c:v>2.3699999999999997</c:v>
+                </c:pt>
+                <c:pt idx="54">
+                  <c:v>1.8</c:v>
+                </c:pt>
+                <c:pt idx="55">
+                  <c:v>2.82</c:v>
+                </c:pt>
+                <c:pt idx="56">
+                  <c:v>2</c:v>
+                </c:pt>
+                <c:pt idx="57">
+                  <c:v>5.48</c:v>
+                </c:pt>
+                <c:pt idx="58">
+                  <c:v>3.57</c:v>
+                </c:pt>
+                <c:pt idx="59">
+                  <c:v>2.56</c:v>
+                </c:pt>
+                <c:pt idx="60">
+                  <c:v>2.4</c:v>
+                </c:pt>
+                <c:pt idx="61">
+                  <c:v>1.82</c:v>
+                </c:pt>
+                <c:pt idx="62">
+                  <c:v>3.06</c:v>
+                </c:pt>
+                <c:pt idx="63">
+                  <c:v>2.0099999999999998</c:v>
+                </c:pt>
+              </c:numCache>
+            </c:numRef>
+          </c:xVal>
+          <c:yVal>
+            <c:numRef>
+              <c:f>Sheet1!$B$2:$B$65</c:f>
+              <c:numCache>
+                <c:formatCode>General</c:formatCode>
+                <c:ptCount val="64"/>
+                <c:pt idx="0">
+                  <c:v>1.2189999999999854</c:v>
+                </c:pt>
+                <c:pt idx="1">
+                  <c:v>2.4379999999999997</c:v>
+                </c:pt>
+                <c:pt idx="2">
+                  <c:v>3.6579999999999999</c:v>
+                </c:pt>
+                <c:pt idx="3">
+                  <c:v>1.829</c:v>
+                </c:pt>
+                <c:pt idx="4">
+                  <c:v>1.2189999999999854</c:v>
+                </c:pt>
+                <c:pt idx="5">
+                  <c:v>1.2189999999999854</c:v>
+                </c:pt>
+                <c:pt idx="6">
+                  <c:v>1.2189999999999854</c:v>
+                </c:pt>
+                <c:pt idx="7">
+                  <c:v>2.4379999999999997</c:v>
+                </c:pt>
+                <c:pt idx="8">
+                  <c:v>1.2189999999999854</c:v>
+                </c:pt>
+                <c:pt idx="9">
+                  <c:v>0.61000000000000065</c:v>
+                </c:pt>
+                <c:pt idx="10">
+                  <c:v>3.048</c:v>
+                </c:pt>
+                <c:pt idx="11">
+                  <c:v>1.2189999999999854</c:v>
+                </c:pt>
+                <c:pt idx="12">
+                  <c:v>0.61000000000000065</c:v>
+                </c:pt>
+                <c:pt idx="13">
+                  <c:v>1.2189999999999854</c:v>
+                </c:pt>
+                <c:pt idx="14">
+                  <c:v>2.4379999999999997</c:v>
+                </c:pt>
+                <c:pt idx="15">
+                  <c:v>1.2189999999999854</c:v>
+                </c:pt>
+                <c:pt idx="16">
+                  <c:v>1.2189999999999854</c:v>
+                </c:pt>
+                <c:pt idx="17">
+                  <c:v>0.61000000000000065</c:v>
+                </c:pt>
+                <c:pt idx="18">
+                  <c:v>0.61000000000000065</c:v>
+                </c:pt>
+                <c:pt idx="19">
+                  <c:v>1.829</c:v>
+                </c:pt>
+                <c:pt idx="20">
+                  <c:v>3.048</c:v>
+                </c:pt>
+                <c:pt idx="21">
+                  <c:v>3.048</c:v>
+                </c:pt>
+                <c:pt idx="22">
+                  <c:v>1.2189999999999854</c:v>
+                </c:pt>
+                <c:pt idx="23">
+                  <c:v>1.829</c:v>
+                </c:pt>
+                <c:pt idx="24">
+                  <c:v>0.61000000000000065</c:v>
+                </c:pt>
+                <c:pt idx="25">
+                  <c:v>1.829</c:v>
+                </c:pt>
+                <c:pt idx="26">
+                  <c:v>2.4379999999999997</c:v>
+                </c:pt>
+                <c:pt idx="27">
+                  <c:v>0.61000000000000065</c:v>
+                </c:pt>
+                <c:pt idx="28">
+                  <c:v>0.61000000000000065</c:v>
+                </c:pt>
+                <c:pt idx="29">
+                  <c:v>0.61000000000000065</c:v>
+                </c:pt>
+                <c:pt idx="30">
+                  <c:v>1.2189999999999854</c:v>
+                </c:pt>
+                <c:pt idx="31">
+                  <c:v>1.2189999999999854</c:v>
+                </c:pt>
+                <c:pt idx="32">
+                  <c:v>1.2189999999999854</c:v>
+                </c:pt>
+                <c:pt idx="33">
+                  <c:v>1.2189999999999854</c:v>
+                </c:pt>
+                <c:pt idx="34">
+                  <c:v>1.2189999999999854</c:v>
+                </c:pt>
+                <c:pt idx="35">
+                  <c:v>3.048</c:v>
+                </c:pt>
+                <c:pt idx="36">
+                  <c:v>1.2189999999999854</c:v>
+                </c:pt>
+                <c:pt idx="37">
+                  <c:v>0.61000000000000065</c:v>
+                </c:pt>
+                <c:pt idx="38">
+                  <c:v>1.2189999999999854</c:v>
+                </c:pt>
+                <c:pt idx="39">
+                  <c:v>1.2189999999999854</c:v>
+                </c:pt>
+                <c:pt idx="40">
+                  <c:v>2.4379999999999997</c:v>
+                </c:pt>
+                <c:pt idx="41">
+                  <c:v>1.829</c:v>
+                </c:pt>
+                <c:pt idx="42">
+                  <c:v>1.829</c:v>
+                </c:pt>
+                <c:pt idx="43">
+                  <c:v>0.61000000000000065</c:v>
+                </c:pt>
+                <c:pt idx="44">
+                  <c:v>1.2189999999999854</c:v>
+                </c:pt>
+                <c:pt idx="45">
+                  <c:v>4.8769999999999998</c:v>
+                </c:pt>
+                <c:pt idx="46">
+                  <c:v>0.61000000000000065</c:v>
+                </c:pt>
+                <c:pt idx="47">
+                  <c:v>1.2189999999999854</c:v>
+                </c:pt>
+                <c:pt idx="48">
+                  <c:v>7.3149999999999755</c:v>
+                </c:pt>
+                <c:pt idx="49">
+                  <c:v>1.2189999999999854</c:v>
+                </c:pt>
+                <c:pt idx="50">
+                  <c:v>1.2189999999999854</c:v>
+                </c:pt>
+                <c:pt idx="51">
+                  <c:v>0.61000000000000065</c:v>
+                </c:pt>
+                <c:pt idx="52">
+                  <c:v>1.2189999999999854</c:v>
+                </c:pt>
+                <c:pt idx="53">
+                  <c:v>1.2189999999999854</c:v>
+                </c:pt>
+                <c:pt idx="54">
+                  <c:v>1.2189999999999854</c:v>
+                </c:pt>
+                <c:pt idx="55">
+                  <c:v>2.4379999999999997</c:v>
+                </c:pt>
+                <c:pt idx="56">
+                  <c:v>1.2189999999999854</c:v>
+                </c:pt>
+                <c:pt idx="57">
+                  <c:v>4.8769999999999998</c:v>
+                </c:pt>
+                <c:pt idx="58">
+                  <c:v>1.829</c:v>
+                </c:pt>
+                <c:pt idx="59">
+                  <c:v>2.4379999999999997</c:v>
+                </c:pt>
+                <c:pt idx="60">
+                  <c:v>1.2189999999999854</c:v>
+                </c:pt>
+                <c:pt idx="61">
+                  <c:v>0.61000000000000065</c:v>
+                </c:pt>
+                <c:pt idx="62">
+                  <c:v>3.048</c:v>
+                </c:pt>
+                <c:pt idx="63">
+                  <c:v>1.2189999999999854</c:v>
+                </c:pt>
+              </c:numCache>
+            </c:numRef>
+          </c:yVal>
+        </c:ser>
+        <c:ser>
+          <c:idx val="1"/>
+          <c:order val="1"/>
+          <c:spPr>
+            <a:ln w="34925">
+              <a:solidFill>
+                <a:srgbClr val="9BBB59">
+                  <a:lumMod val="60000"/>
+                  <a:lumOff val="40000"/>
+                </a:srgbClr>
+              </a:solidFill>
+            </a:ln>
+          </c:spPr>
+          <c:marker>
+            <c:symbol val="none"/>
+          </c:marker>
+          <c:xVal>
+            <c:numRef>
+              <c:f>Sheet1!$O$4:$O$14</c:f>
+              <c:numCache>
+                <c:formatCode>General</c:formatCode>
+                <c:ptCount val="11"/>
+                <c:pt idx="0">
+                  <c:v>0</c:v>
+                </c:pt>
+                <c:pt idx="1">
+                  <c:v>1</c:v>
+                </c:pt>
+                <c:pt idx="2">
+                  <c:v>2</c:v>
+                </c:pt>
+                <c:pt idx="3">
+                  <c:v>3</c:v>
+                </c:pt>
+                <c:pt idx="4">
+                  <c:v>4</c:v>
+                </c:pt>
+                <c:pt idx="5">
+                  <c:v>5</c:v>
+                </c:pt>
+                <c:pt idx="6">
+                  <c:v>6</c:v>
+                </c:pt>
+                <c:pt idx="7">
+                  <c:v>7</c:v>
+                </c:pt>
+                <c:pt idx="8">
+                  <c:v>8</c:v>
+                </c:pt>
+                <c:pt idx="9">
+                  <c:v>9</c:v>
+                </c:pt>
+                <c:pt idx="10">
+                  <c:v>10</c:v>
+                </c:pt>
+              </c:numCache>
+            </c:numRef>
+          </c:xVal>
+          <c:yVal>
+            <c:numRef>
+              <c:f>Sheet1!$O$4:$O$14</c:f>
+              <c:numCache>
+                <c:formatCode>General</c:formatCode>
+                <c:ptCount val="11"/>
+                <c:pt idx="0">
+                  <c:v>0</c:v>
+                </c:pt>
+                <c:pt idx="1">
+                  <c:v>1</c:v>
+                </c:pt>
+                <c:pt idx="2">
+                  <c:v>2</c:v>
+                </c:pt>
+                <c:pt idx="3">
+                  <c:v>3</c:v>
+                </c:pt>
+                <c:pt idx="4">
+                  <c:v>4</c:v>
+                </c:pt>
+                <c:pt idx="5">
+                  <c:v>5</c:v>
+                </c:pt>
+                <c:pt idx="6">
+                  <c:v>6</c:v>
+                </c:pt>
+                <c:pt idx="7">
+                  <c:v>7</c:v>
+                </c:pt>
+                <c:pt idx="8">
+                  <c:v>8</c:v>
+                </c:pt>
+                <c:pt idx="9">
+                  <c:v>9</c:v>
+                </c:pt>
+                <c:pt idx="10">
+                  <c:v>10</c:v>
+                </c:pt>
+              </c:numCache>
+            </c:numRef>
+          </c:yVal>
+        </c:ser>
+        <c:axId val="110087168"/>
+        <c:axId val="110261376"/>
+      </c:scatterChart>
+      <c:valAx>
+        <c:axId val="110087168"/>
+        <c:scaling>
+          <c:orientation val="minMax"/>
+          <c:max val="8"/>
+        </c:scaling>
+        <c:axPos val="b"/>
+        <c:minorGridlines/>
+        <c:title>
+          <c:tx>
+            <c:rich>
+              <a:bodyPr/>
+              <a:lstStyle/>
+              <a:p>
+                <a:pPr>
+                  <a:defRPr lang="es-AR"/>
+                </a:pPr>
+                <a:r>
+                  <a:rPr lang="es-AR" sz="1800" b="0" dirty="0" smtClean="0">
+                    <a:latin typeface="+mj-lt"/>
+                  </a:rPr>
+                  <a:t>WAVEWATCH </a:t>
+                </a:r>
+                <a:r>
+                  <a:rPr lang="es-AR" sz="1800" b="0" baseline="0" dirty="0" smtClean="0">
+                    <a:latin typeface="+mj-lt"/>
+                  </a:rPr>
+                  <a:t>III </a:t>
+                </a:r>
+                <a:r>
+                  <a:rPr lang="es-AR" sz="1800" b="0" baseline="0" dirty="0">
+                    <a:latin typeface="+mj-lt"/>
+                  </a:rPr>
+                  <a:t>(Altura en mts.)</a:t>
+                </a:r>
+                <a:endParaRPr lang="es-AR" sz="1800" b="0" dirty="0">
+                  <a:latin typeface="+mj-lt"/>
+                </a:endParaRPr>
+              </a:p>
+            </c:rich>
+          </c:tx>
+          <c:layout/>
+        </c:title>
+        <c:numFmt formatCode="#,##0;\-#,##0" sourceLinked="0"/>
+        <c:tickLblPos val="nextTo"/>
+        <c:txPr>
+          <a:bodyPr/>
+          <a:lstStyle/>
+          <a:p>
+            <a:pPr>
+              <a:defRPr lang="es-AR" baseline="0"/>
+            </a:pPr>
+            <a:endParaRPr lang="es-ES"/>
+          </a:p>
+        </c:txPr>
+        <c:crossAx val="110261376"/>
+        <c:crosses val="autoZero"/>
+        <c:crossBetween val="midCat"/>
+        <c:majorUnit val="2"/>
+      </c:valAx>
+      <c:valAx>
+        <c:axId val="110261376"/>
+        <c:scaling>
+          <c:orientation val="minMax"/>
+        </c:scaling>
+        <c:axPos val="l"/>
+        <c:majorGridlines/>
+        <c:minorGridlines/>
+        <c:title>
+          <c:tx>
+            <c:rich>
+              <a:bodyPr/>
+              <a:lstStyle/>
+              <a:p>
+                <a:pPr>
+                  <a:defRPr lang="es-AR"/>
+                </a:pPr>
+                <a:r>
+                  <a:rPr lang="es-AR" sz="1800" b="0" dirty="0">
+                    <a:latin typeface="+mj-lt"/>
+                  </a:rPr>
+                  <a:t>Observación Visual (Altura</a:t>
+                </a:r>
+                <a:r>
+                  <a:rPr lang="es-AR" sz="1800" b="0" baseline="0" dirty="0">
+                    <a:latin typeface="+mj-lt"/>
+                  </a:rPr>
+                  <a:t> en </a:t>
+                </a:r>
+                <a:r>
+                  <a:rPr lang="es-AR" sz="1800" b="0" dirty="0">
+                    <a:latin typeface="+mj-lt"/>
+                  </a:rPr>
+                  <a:t>mts.)</a:t>
+                </a:r>
+              </a:p>
+            </c:rich>
+          </c:tx>
+          <c:layout/>
+        </c:title>
+        <c:numFmt formatCode="General" sourceLinked="1"/>
+        <c:tickLblPos val="nextTo"/>
+        <c:txPr>
+          <a:bodyPr/>
+          <a:lstStyle/>
+          <a:p>
+            <a:pPr>
+              <a:defRPr lang="es-AR"/>
+            </a:pPr>
+            <a:endParaRPr lang="es-ES"/>
+          </a:p>
+        </c:txPr>
+        <c:crossAx val="110087168"/>
+        <c:crosses val="autoZero"/>
+        <c:crossBetween val="midCat"/>
+      </c:valAx>
+    </c:plotArea>
+    <c:plotVisOnly val="1"/>
+  </c:chart>
+  <c:externalData r:id="rId1"/>
+</c:chartSpace>
+</file>
+
+<file path=ppt/charts/chart12.xml><?xml version="1.0" encoding="utf-8"?>
+<c:chartSpace xmlns:c="http://schemas.openxmlformats.org/drawingml/2006/chart" xmlns:a="http://schemas.openxmlformats.org/drawingml/2006/main" xmlns:r="http://schemas.openxmlformats.org/officeDocument/2006/relationships">
+  <c:date1904 val="1"/>
+  <c:lang val="es-ES"/>
+  <c:chart>
+    <c:autoTitleDeleted val="1"/>
+    <c:plotArea>
+      <c:layout>
+        <c:manualLayout>
+          <c:layoutTarget val="inner"/>
+          <c:xMode val="edge"/>
+          <c:yMode val="edge"/>
+          <c:x val="0.10048349150099888"/>
+          <c:y val="4.1238940589567646E-2"/>
+          <c:w val="0.87042860499284569"/>
+          <c:h val="0.75935138208448916"/>
+        </c:manualLayout>
+      </c:layout>
+      <c:scatterChart>
+        <c:scatterStyle val="lineMarker"/>
+        <c:ser>
+          <c:idx val="0"/>
+          <c:order val="0"/>
+          <c:tx>
+            <c:v>Observacion Visual</c:v>
+          </c:tx>
+          <c:spPr>
+            <a:ln w="28575">
+              <a:noFill/>
+            </a:ln>
+          </c:spPr>
+          <c:xVal>
+            <c:numRef>
+              <c:f>Sheet1!$C$2:$C$65</c:f>
+              <c:numCache>
+                <c:formatCode>General</c:formatCode>
+                <c:ptCount val="64"/>
+                <c:pt idx="0">
+                  <c:v>1.103</c:v>
+                </c:pt>
+                <c:pt idx="1">
+                  <c:v>1.3580000000000001</c:v>
+                </c:pt>
+                <c:pt idx="2">
+                  <c:v>4.9340000000000002</c:v>
+                </c:pt>
+                <c:pt idx="3">
+                  <c:v>1.02</c:v>
+                </c:pt>
+                <c:pt idx="4">
+                  <c:v>0.97700000000000065</c:v>
+                </c:pt>
+                <c:pt idx="5">
+                  <c:v>1.03</c:v>
+                </c:pt>
+                <c:pt idx="6">
+                  <c:v>0.97700000000000065</c:v>
+                </c:pt>
+                <c:pt idx="7">
+                  <c:v>1.153</c:v>
+                </c:pt>
+                <c:pt idx="8">
+                  <c:v>1.3560000000000001</c:v>
+                </c:pt>
+                <c:pt idx="9">
+                  <c:v>1.121</c:v>
+                </c:pt>
+                <c:pt idx="10">
+                  <c:v>2.9569999999999967</c:v>
+                </c:pt>
+                <c:pt idx="11">
+                  <c:v>2.2909999999999999</c:v>
+                </c:pt>
+                <c:pt idx="12">
+                  <c:v>0.96900000000000064</c:v>
+                </c:pt>
+                <c:pt idx="13">
+                  <c:v>1.276999999999987</c:v>
+                </c:pt>
+                <c:pt idx="14">
+                  <c:v>3.0789999999999997</c:v>
+                </c:pt>
+                <c:pt idx="15">
+                  <c:v>1.137</c:v>
+                </c:pt>
+                <c:pt idx="16">
+                  <c:v>1.1990000000000001</c:v>
+                </c:pt>
+                <c:pt idx="17">
+                  <c:v>1.024999999999987</c:v>
+                </c:pt>
+                <c:pt idx="18">
+                  <c:v>1.0409999999999882</c:v>
+                </c:pt>
+                <c:pt idx="19">
+                  <c:v>1.9940000000000129</c:v>
+                </c:pt>
+                <c:pt idx="20">
+                  <c:v>2.6759999999999997</c:v>
+                </c:pt>
+                <c:pt idx="21">
+                  <c:v>2.258</c:v>
+                </c:pt>
+                <c:pt idx="22">
+                  <c:v>0.93799999999999994</c:v>
+                </c:pt>
+                <c:pt idx="23">
+                  <c:v>1.159</c:v>
+                </c:pt>
+                <c:pt idx="24">
+                  <c:v>0.89300000000000002</c:v>
+                </c:pt>
+                <c:pt idx="25">
+                  <c:v>1.0580000000000001</c:v>
+                </c:pt>
+                <c:pt idx="26">
+                  <c:v>1.657</c:v>
+                </c:pt>
+                <c:pt idx="27">
+                  <c:v>1.367</c:v>
+                </c:pt>
+                <c:pt idx="28">
+                  <c:v>1.32</c:v>
+                </c:pt>
+                <c:pt idx="29">
+                  <c:v>1.127</c:v>
+                </c:pt>
+                <c:pt idx="30">
+                  <c:v>1.1619999999999877</c:v>
+                </c:pt>
+                <c:pt idx="31">
+                  <c:v>1.175</c:v>
+                </c:pt>
+                <c:pt idx="32">
+                  <c:v>1.635</c:v>
+                </c:pt>
+                <c:pt idx="33">
+                  <c:v>2.3759999999999977</c:v>
+                </c:pt>
+                <c:pt idx="34">
+                  <c:v>2.0880000000000001</c:v>
+                </c:pt>
+                <c:pt idx="35">
+                  <c:v>1.9540000000000115</c:v>
+                </c:pt>
+                <c:pt idx="36">
+                  <c:v>1.073</c:v>
+                </c:pt>
+                <c:pt idx="37">
+                  <c:v>0.93200000000000005</c:v>
+                </c:pt>
+                <c:pt idx="38">
+                  <c:v>1.2209999999999854</c:v>
+                </c:pt>
+                <c:pt idx="39">
+                  <c:v>1.081</c:v>
+                </c:pt>
+                <c:pt idx="40">
+                  <c:v>3.5019999999999998</c:v>
+                </c:pt>
+                <c:pt idx="41">
+                  <c:v>1.052</c:v>
+                </c:pt>
+                <c:pt idx="42">
+                  <c:v>1.538</c:v>
+                </c:pt>
+                <c:pt idx="43">
+                  <c:v>1.0569999999999884</c:v>
+                </c:pt>
+                <c:pt idx="44">
+                  <c:v>1.028</c:v>
+                </c:pt>
+                <c:pt idx="45">
+                  <c:v>3.6629999999999998</c:v>
+                </c:pt>
+                <c:pt idx="46">
+                  <c:v>0.96500000000000064</c:v>
+                </c:pt>
+                <c:pt idx="47">
+                  <c:v>1.595</c:v>
+                </c:pt>
+                <c:pt idx="48">
+                  <c:v>6.8039999999999985</c:v>
+                </c:pt>
+                <c:pt idx="49">
+                  <c:v>1.0489999999999884</c:v>
+                </c:pt>
+                <c:pt idx="50">
+                  <c:v>1.4489999999999854</c:v>
+                </c:pt>
+                <c:pt idx="51">
+                  <c:v>0.91600000000000004</c:v>
+                </c:pt>
+                <c:pt idx="52">
+                  <c:v>0.91700000000000004</c:v>
+                </c:pt>
+                <c:pt idx="53">
+                  <c:v>0.99299999999999999</c:v>
+                </c:pt>
+                <c:pt idx="54">
+                  <c:v>1.165</c:v>
+                </c:pt>
+                <c:pt idx="55">
+                  <c:v>2.363</c:v>
+                </c:pt>
+                <c:pt idx="56">
+                  <c:v>1.0580000000000001</c:v>
+                </c:pt>
+                <c:pt idx="57">
+                  <c:v>5.9459999999999997</c:v>
+                </c:pt>
+                <c:pt idx="58">
+                  <c:v>1.5940000000000001</c:v>
+                </c:pt>
+                <c:pt idx="59">
+                  <c:v>1.599</c:v>
+                </c:pt>
+                <c:pt idx="60">
+                  <c:v>1.5629999999999884</c:v>
+                </c:pt>
+                <c:pt idx="61">
+                  <c:v>0.99199999999999999</c:v>
+                </c:pt>
+                <c:pt idx="62">
+                  <c:v>2.8779999999999997</c:v>
+                </c:pt>
+                <c:pt idx="63">
+                  <c:v>1.109</c:v>
+                </c:pt>
+              </c:numCache>
+            </c:numRef>
+          </c:xVal>
+          <c:yVal>
+            <c:numRef>
+              <c:f>Sheet1!$B$2:$B$65</c:f>
+              <c:numCache>
+                <c:formatCode>General</c:formatCode>
+                <c:ptCount val="64"/>
+                <c:pt idx="0">
+                  <c:v>1.2189999999999854</c:v>
+                </c:pt>
+                <c:pt idx="1">
+                  <c:v>2.4379999999999997</c:v>
+                </c:pt>
+                <c:pt idx="2">
+                  <c:v>3.6579999999999999</c:v>
+                </c:pt>
+                <c:pt idx="3">
+                  <c:v>1.829</c:v>
+                </c:pt>
+                <c:pt idx="4">
+                  <c:v>1.2189999999999854</c:v>
+                </c:pt>
+                <c:pt idx="5">
+                  <c:v>1.2189999999999854</c:v>
+                </c:pt>
+                <c:pt idx="6">
+                  <c:v>1.2189999999999854</c:v>
+                </c:pt>
+                <c:pt idx="7">
+                  <c:v>2.4379999999999997</c:v>
+                </c:pt>
+                <c:pt idx="8">
+                  <c:v>1.2189999999999854</c:v>
+                </c:pt>
+                <c:pt idx="9">
+                  <c:v>0.61000000000000065</c:v>
+                </c:pt>
+                <c:pt idx="10">
+                  <c:v>3.048</c:v>
+                </c:pt>
+                <c:pt idx="11">
+                  <c:v>1.2189999999999854</c:v>
+                </c:pt>
+                <c:pt idx="12">
+                  <c:v>0.61000000000000065</c:v>
+                </c:pt>
+                <c:pt idx="13">
+                  <c:v>1.2189999999999854</c:v>
+                </c:pt>
+                <c:pt idx="14">
+                  <c:v>2.4379999999999997</c:v>
+                </c:pt>
+                <c:pt idx="15">
+                  <c:v>1.2189999999999854</c:v>
+                </c:pt>
+                <c:pt idx="16">
+                  <c:v>1.2189999999999854</c:v>
+                </c:pt>
+                <c:pt idx="17">
+                  <c:v>0.61000000000000065</c:v>
+                </c:pt>
+                <c:pt idx="18">
+                  <c:v>0.61000000000000065</c:v>
+                </c:pt>
+                <c:pt idx="19">
+                  <c:v>1.829</c:v>
+                </c:pt>
+                <c:pt idx="20">
+                  <c:v>3.048</c:v>
+                </c:pt>
+                <c:pt idx="21">
+                  <c:v>3.048</c:v>
+                </c:pt>
+                <c:pt idx="22">
+                  <c:v>1.2189999999999854</c:v>
+                </c:pt>
+                <c:pt idx="23">
+                  <c:v>1.829</c:v>
+                </c:pt>
+                <c:pt idx="24">
+                  <c:v>0.61000000000000065</c:v>
+                </c:pt>
+                <c:pt idx="25">
+                  <c:v>1.829</c:v>
+                </c:pt>
+                <c:pt idx="26">
+                  <c:v>2.4379999999999997</c:v>
+                </c:pt>
+                <c:pt idx="27">
+                  <c:v>0.61000000000000065</c:v>
+                </c:pt>
+                <c:pt idx="28">
+                  <c:v>0.61000000000000065</c:v>
+                </c:pt>
+                <c:pt idx="29">
+                  <c:v>0.61000000000000065</c:v>
+                </c:pt>
+                <c:pt idx="30">
+                  <c:v>1.2189999999999854</c:v>
+                </c:pt>
+                <c:pt idx="31">
+                  <c:v>1.2189999999999854</c:v>
+                </c:pt>
+                <c:pt idx="32">
+                  <c:v>1.2189999999999854</c:v>
+                </c:pt>
+                <c:pt idx="33">
+                  <c:v>1.2189999999999854</c:v>
+                </c:pt>
+                <c:pt idx="34">
+                  <c:v>1.2189999999999854</c:v>
+                </c:pt>
+                <c:pt idx="35">
+                  <c:v>3.048</c:v>
+                </c:pt>
+                <c:pt idx="36">
+                  <c:v>1.2189999999999854</c:v>
+                </c:pt>
+                <c:pt idx="37">
+                  <c:v>0.61000000000000065</c:v>
+                </c:pt>
+                <c:pt idx="38">
+                  <c:v>1.2189999999999854</c:v>
+                </c:pt>
+                <c:pt idx="39">
+                  <c:v>1.2189999999999854</c:v>
+                </c:pt>
+                <c:pt idx="40">
+                  <c:v>2.4379999999999997</c:v>
+                </c:pt>
+                <c:pt idx="41">
+                  <c:v>1.829</c:v>
+                </c:pt>
+                <c:pt idx="42">
+                  <c:v>1.829</c:v>
+                </c:pt>
+                <c:pt idx="43">
+                  <c:v>0.61000000000000065</c:v>
+                </c:pt>
+                <c:pt idx="44">
+                  <c:v>1.2189999999999854</c:v>
+                </c:pt>
+                <c:pt idx="45">
+                  <c:v>4.8769999999999998</c:v>
+                </c:pt>
+                <c:pt idx="46">
+                  <c:v>0.61000000000000065</c:v>
+                </c:pt>
+                <c:pt idx="47">
+                  <c:v>1.2189999999999854</c:v>
+                </c:pt>
+                <c:pt idx="48">
+                  <c:v>7.3149999999999755</c:v>
+                </c:pt>
+                <c:pt idx="49">
+                  <c:v>1.2189999999999854</c:v>
+                </c:pt>
+                <c:pt idx="50">
+                  <c:v>1.2189999999999854</c:v>
+                </c:pt>
+                <c:pt idx="51">
+                  <c:v>0.61000000000000065</c:v>
+                </c:pt>
+                <c:pt idx="52">
+                  <c:v>1.2189999999999854</c:v>
+                </c:pt>
+                <c:pt idx="53">
+                  <c:v>1.2189999999999854</c:v>
+                </c:pt>
+                <c:pt idx="54">
+                  <c:v>1.2189999999999854</c:v>
+                </c:pt>
+                <c:pt idx="55">
+                  <c:v>2.4379999999999997</c:v>
+                </c:pt>
+                <c:pt idx="56">
+                  <c:v>1.2189999999999854</c:v>
+                </c:pt>
+                <c:pt idx="57">
+                  <c:v>4.8769999999999998</c:v>
+                </c:pt>
+                <c:pt idx="58">
+                  <c:v>1.829</c:v>
+                </c:pt>
+                <c:pt idx="59">
+                  <c:v>2.4379999999999997</c:v>
+                </c:pt>
+                <c:pt idx="60">
+                  <c:v>1.2189999999999854</c:v>
+                </c:pt>
+                <c:pt idx="61">
+                  <c:v>0.61000000000000065</c:v>
+                </c:pt>
+                <c:pt idx="62">
+                  <c:v>3.048</c:v>
+                </c:pt>
+                <c:pt idx="63">
+                  <c:v>1.2189999999999854</c:v>
+                </c:pt>
+              </c:numCache>
+            </c:numRef>
+          </c:yVal>
+        </c:ser>
+        <c:ser>
+          <c:idx val="1"/>
+          <c:order val="1"/>
+          <c:spPr>
+            <a:ln w="34925">
+              <a:solidFill>
+                <a:srgbClr val="9BBB59">
+                  <a:lumMod val="60000"/>
+                  <a:lumOff val="40000"/>
+                </a:srgbClr>
+              </a:solidFill>
+            </a:ln>
+          </c:spPr>
+          <c:marker>
+            <c:symbol val="none"/>
+          </c:marker>
+          <c:xVal>
+            <c:numRef>
+              <c:f>Sheet1!$O$4:$O$14</c:f>
+              <c:numCache>
+                <c:formatCode>General</c:formatCode>
+                <c:ptCount val="11"/>
+                <c:pt idx="0">
+                  <c:v>0</c:v>
+                </c:pt>
+                <c:pt idx="1">
+                  <c:v>1</c:v>
+                </c:pt>
+                <c:pt idx="2">
+                  <c:v>2</c:v>
+                </c:pt>
+                <c:pt idx="3">
+                  <c:v>3</c:v>
+                </c:pt>
+                <c:pt idx="4">
+                  <c:v>4</c:v>
+                </c:pt>
+                <c:pt idx="5">
+                  <c:v>5</c:v>
+                </c:pt>
+                <c:pt idx="6">
+                  <c:v>6</c:v>
+                </c:pt>
+                <c:pt idx="7">
+                  <c:v>7</c:v>
+                </c:pt>
+                <c:pt idx="8">
+                  <c:v>8</c:v>
+                </c:pt>
+                <c:pt idx="9">
+                  <c:v>9</c:v>
+                </c:pt>
+                <c:pt idx="10">
+                  <c:v>10</c:v>
+                </c:pt>
+              </c:numCache>
+            </c:numRef>
+          </c:xVal>
+          <c:yVal>
+            <c:numRef>
+              <c:f>Sheet1!$O$4:$O$14</c:f>
+              <c:numCache>
+                <c:formatCode>General</c:formatCode>
+                <c:ptCount val="11"/>
+                <c:pt idx="0">
+                  <c:v>0</c:v>
+                </c:pt>
+                <c:pt idx="1">
+                  <c:v>1</c:v>
+                </c:pt>
+                <c:pt idx="2">
+                  <c:v>2</c:v>
+                </c:pt>
+                <c:pt idx="3">
+                  <c:v>3</c:v>
+                </c:pt>
+                <c:pt idx="4">
+                  <c:v>4</c:v>
+                </c:pt>
+                <c:pt idx="5">
+                  <c:v>5</c:v>
+                </c:pt>
+                <c:pt idx="6">
+                  <c:v>6</c:v>
+                </c:pt>
+                <c:pt idx="7">
+                  <c:v>7</c:v>
+                </c:pt>
+                <c:pt idx="8">
+                  <c:v>8</c:v>
+                </c:pt>
+                <c:pt idx="9">
+                  <c:v>9</c:v>
+                </c:pt>
+                <c:pt idx="10">
+                  <c:v>10</c:v>
+                </c:pt>
+              </c:numCache>
+            </c:numRef>
+          </c:yVal>
+        </c:ser>
+        <c:axId val="110314624"/>
+        <c:axId val="110316544"/>
+      </c:scatterChart>
+      <c:valAx>
+        <c:axId val="110314624"/>
+        <c:scaling>
+          <c:orientation val="minMax"/>
+          <c:max val="8"/>
+        </c:scaling>
+        <c:axPos val="b"/>
+        <c:minorGridlines/>
+        <c:title>
+          <c:tx>
+            <c:rich>
+              <a:bodyPr/>
+              <a:lstStyle/>
+              <a:p>
+                <a:pPr>
+                  <a:defRPr lang="es-AR"/>
+                </a:pPr>
+                <a:r>
+                  <a:rPr lang="es-AR" sz="1800" b="0" dirty="0">
+                    <a:latin typeface="+mj-lt"/>
+                  </a:rPr>
+                  <a:t>Predicción</a:t>
+                </a:r>
+                <a:r>
+                  <a:rPr lang="es-AR" sz="1800" b="0" baseline="0" dirty="0">
+                    <a:latin typeface="+mj-lt"/>
+                  </a:rPr>
+                  <a:t> SVM (Altura en mts.)</a:t>
+                </a:r>
+              </a:p>
+            </c:rich>
+          </c:tx>
+          <c:layout/>
+        </c:title>
+        <c:numFmt formatCode="#,##0;\-#,##0" sourceLinked="0"/>
+        <c:tickLblPos val="nextTo"/>
+        <c:txPr>
+          <a:bodyPr/>
+          <a:lstStyle/>
+          <a:p>
+            <a:pPr>
+              <a:defRPr lang="es-AR" baseline="0"/>
+            </a:pPr>
+            <a:endParaRPr lang="es-ES"/>
+          </a:p>
+        </c:txPr>
+        <c:crossAx val="110316544"/>
+        <c:crosses val="autoZero"/>
+        <c:crossBetween val="midCat"/>
+        <c:majorUnit val="2"/>
+      </c:valAx>
+      <c:valAx>
+        <c:axId val="110316544"/>
+        <c:scaling>
+          <c:orientation val="minMax"/>
+        </c:scaling>
+        <c:axPos val="l"/>
+        <c:majorGridlines/>
+        <c:minorGridlines/>
+        <c:title>
+          <c:tx>
+            <c:rich>
+              <a:bodyPr/>
+              <a:lstStyle/>
+              <a:p>
+                <a:pPr>
+                  <a:defRPr lang="es-AR"/>
+                </a:pPr>
+                <a:r>
+                  <a:rPr lang="es-AR" sz="1800" b="0" dirty="0" smtClean="0">
+                    <a:latin typeface="+mj-lt"/>
+                  </a:rPr>
+                  <a:t>Observación </a:t>
+                </a:r>
+                <a:r>
+                  <a:rPr lang="es-AR" sz="1800" b="0" dirty="0">
+                    <a:latin typeface="+mj-lt"/>
+                  </a:rPr>
+                  <a:t>Visual (Altura en mts.)</a:t>
+                </a:r>
+              </a:p>
+            </c:rich>
+          </c:tx>
+          <c:layout/>
+        </c:title>
+        <c:numFmt formatCode="General" sourceLinked="1"/>
+        <c:tickLblPos val="nextTo"/>
+        <c:txPr>
+          <a:bodyPr/>
+          <a:lstStyle/>
+          <a:p>
+            <a:pPr>
+              <a:defRPr lang="es-AR"/>
+            </a:pPr>
+            <a:endParaRPr lang="es-ES"/>
+          </a:p>
+        </c:txPr>
+        <c:crossAx val="110314624"/>
+        <c:crosses val="autoZero"/>
+        <c:crossBetween val="midCat"/>
+      </c:valAx>
+    </c:plotArea>
+    <c:plotVisOnly val="1"/>
+  </c:chart>
+  <c:externalData r:id="rId1"/>
+</c:chartSpace>
+</file>
+
+<file path=ppt/charts/chart13.xml><?xml version="1.0" encoding="utf-8"?>
+<c:chartSpace xmlns:c="http://schemas.openxmlformats.org/drawingml/2006/chart" xmlns:a="http://schemas.openxmlformats.org/drawingml/2006/main" xmlns:r="http://schemas.openxmlformats.org/officeDocument/2006/relationships">
+  <c:date1904 val="1"/>
+  <c:lang val="es-ES"/>
+  <c:chart>
+    <c:view3D>
+      <c:rAngAx val="1"/>
+    </c:view3D>
+    <c:plotArea>
+      <c:layout/>
+      <c:bar3DChart>
+        <c:barDir val="col"/>
+        <c:grouping val="clustered"/>
+        <c:ser>
+          <c:idx val="0"/>
+          <c:order val="0"/>
+          <c:tx>
+            <c:strRef>
+              <c:f>Hoja1!$B$1</c:f>
+              <c:strCache>
+                <c:ptCount val="1"/>
+                <c:pt idx="0">
+                  <c:v>Correlación WW3 / Obs. Visual</c:v>
+                </c:pt>
+              </c:strCache>
+            </c:strRef>
+          </c:tx>
+          <c:cat>
+            <c:strRef>
+              <c:f>Hoja1!$A$2:$A$6</c:f>
+              <c:strCache>
+                <c:ptCount val="5"/>
+                <c:pt idx="0">
+                  <c:v>Makaha</c:v>
+                </c:pt>
+                <c:pt idx="1">
+                  <c:v>Sunset</c:v>
+                </c:pt>
+                <c:pt idx="2">
+                  <c:v>Ala Moana</c:v>
+                </c:pt>
+                <c:pt idx="3">
+                  <c:v>Diamond Head</c:v>
+                </c:pt>
+                <c:pt idx="4">
+                  <c:v>Makapuu</c:v>
+                </c:pt>
+              </c:strCache>
+            </c:strRef>
+          </c:cat>
+          <c:val>
+            <c:numRef>
+              <c:f>Hoja1!$B$2:$B$6</c:f>
+              <c:numCache>
+                <c:formatCode>0%</c:formatCode>
+                <c:ptCount val="5"/>
+                <c:pt idx="0">
+                  <c:v>0.66000000000000236</c:v>
+                </c:pt>
+                <c:pt idx="1">
+                  <c:v>0.82000000000000062</c:v>
+                </c:pt>
+                <c:pt idx="2">
+                  <c:v>0</c:v>
+                </c:pt>
+                <c:pt idx="3">
+                  <c:v>0</c:v>
+                </c:pt>
+                <c:pt idx="4">
+                  <c:v>0.4</c:v>
+                </c:pt>
+              </c:numCache>
+            </c:numRef>
+          </c:val>
+        </c:ser>
+        <c:ser>
+          <c:idx val="1"/>
+          <c:order val="1"/>
+          <c:tx>
+            <c:strRef>
+              <c:f>Hoja1!$C$1</c:f>
+              <c:strCache>
+                <c:ptCount val="1"/>
+                <c:pt idx="0">
+                  <c:v>Correlación SVM / Obs. Visual</c:v>
+                </c:pt>
+              </c:strCache>
+            </c:strRef>
+          </c:tx>
+          <c:spPr>
+            <a:solidFill>
+              <a:srgbClr val="FF0000"/>
+            </a:solidFill>
+          </c:spPr>
+          <c:cat>
+            <c:strRef>
+              <c:f>Hoja1!$A$2:$A$6</c:f>
+              <c:strCache>
+                <c:ptCount val="5"/>
+                <c:pt idx="0">
+                  <c:v>Makaha</c:v>
+                </c:pt>
+                <c:pt idx="1">
+                  <c:v>Sunset</c:v>
+                </c:pt>
+                <c:pt idx="2">
+                  <c:v>Ala Moana</c:v>
+                </c:pt>
+                <c:pt idx="3">
+                  <c:v>Diamond Head</c:v>
+                </c:pt>
+                <c:pt idx="4">
+                  <c:v>Makapuu</c:v>
+                </c:pt>
+              </c:strCache>
+            </c:strRef>
+          </c:cat>
+          <c:val>
+            <c:numRef>
+              <c:f>Hoja1!$C$2:$C$6</c:f>
+              <c:numCache>
+                <c:formatCode>0%</c:formatCode>
+                <c:ptCount val="5"/>
+                <c:pt idx="0">
+                  <c:v>0.82000000000000062</c:v>
+                </c:pt>
+                <c:pt idx="1">
+                  <c:v>0.89</c:v>
+                </c:pt>
+                <c:pt idx="2">
+                  <c:v>0.5</c:v>
+                </c:pt>
+                <c:pt idx="3">
+                  <c:v>0.48000000000000032</c:v>
+                </c:pt>
+                <c:pt idx="4">
+                  <c:v>0.79</c:v>
+                </c:pt>
+              </c:numCache>
+            </c:numRef>
+          </c:val>
+        </c:ser>
+        <c:shape val="box"/>
+        <c:axId val="110370816"/>
+        <c:axId val="110372352"/>
+        <c:axId val="0"/>
+      </c:bar3DChart>
+      <c:catAx>
+        <c:axId val="110370816"/>
+        <c:scaling>
+          <c:orientation val="minMax"/>
+        </c:scaling>
+        <c:axPos val="b"/>
+        <c:tickLblPos val="nextTo"/>
+        <c:txPr>
+          <a:bodyPr/>
+          <a:lstStyle/>
+          <a:p>
+            <a:pPr>
+              <a:defRPr lang="es-AR" sz="1400">
+                <a:latin typeface="+mj-lt"/>
+              </a:defRPr>
+            </a:pPr>
+            <a:endParaRPr lang="es-ES"/>
+          </a:p>
+        </c:txPr>
+        <c:crossAx val="110372352"/>
+        <c:crosses val="autoZero"/>
+        <c:auto val="1"/>
+        <c:lblAlgn val="ctr"/>
+        <c:lblOffset val="100"/>
+      </c:catAx>
+      <c:valAx>
+        <c:axId val="110372352"/>
+        <c:scaling>
+          <c:orientation val="minMax"/>
+        </c:scaling>
+        <c:axPos val="l"/>
+        <c:majorGridlines/>
+        <c:numFmt formatCode="0%" sourceLinked="1"/>
+        <c:tickLblPos val="nextTo"/>
+        <c:txPr>
+          <a:bodyPr/>
+          <a:lstStyle/>
+          <a:p>
+            <a:pPr>
+              <a:defRPr lang="es-AR"/>
+            </a:pPr>
+            <a:endParaRPr lang="es-ES"/>
+          </a:p>
+        </c:txPr>
+        <c:crossAx val="110370816"/>
+        <c:crosses val="autoZero"/>
+        <c:crossBetween val="between"/>
+      </c:valAx>
+    </c:plotArea>
+    <c:legend>
+      <c:legendPos val="r"/>
+      <c:legendEntry>
+        <c:idx val="0"/>
+        <c:txPr>
+          <a:bodyPr/>
+          <a:lstStyle/>
+          <a:p>
+            <a:pPr>
+              <a:defRPr lang="es-AR" sz="1400">
+                <a:latin typeface="+mj-lt"/>
+              </a:defRPr>
+            </a:pPr>
+            <a:endParaRPr lang="es-ES"/>
+          </a:p>
+        </c:txPr>
+      </c:legendEntry>
+      <c:legendEntry>
+        <c:idx val="1"/>
+        <c:txPr>
+          <a:bodyPr/>
+          <a:lstStyle/>
+          <a:p>
+            <a:pPr>
+              <a:defRPr lang="es-AR" sz="1400">
+                <a:latin typeface="+mj-lt"/>
+              </a:defRPr>
+            </a:pPr>
+            <a:endParaRPr lang="es-ES"/>
+          </a:p>
+        </c:txPr>
+      </c:legendEntry>
+      <c:layout/>
+      <c:txPr>
+        <a:bodyPr/>
+        <a:lstStyle/>
+        <a:p>
+          <a:pPr>
+            <a:defRPr lang="es-AR"/>
+          </a:pPr>
+          <a:endParaRPr lang="es-ES"/>
+        </a:p>
+      </c:txPr>
+    </c:legend>
+    <c:plotVisOnly val="1"/>
+  </c:chart>
+  <c:externalData r:id="rId1"/>
+</c:chartSpace>
+</file>
+
+<file path=ppt/charts/chart14.xml><?xml version="1.0" encoding="utf-8"?>
+<c:chartSpace xmlns:c="http://schemas.openxmlformats.org/drawingml/2006/chart" xmlns:a="http://schemas.openxmlformats.org/drawingml/2006/main" xmlns:r="http://schemas.openxmlformats.org/officeDocument/2006/relationships">
+  <c:date1904 val="1"/>
+  <c:lang val="es-ES"/>
+  <c:chart>
+    <c:view3D>
+      <c:rAngAx val="1"/>
+    </c:view3D>
+    <c:plotArea>
+      <c:layout/>
+      <c:bar3DChart>
+        <c:barDir val="col"/>
+        <c:grouping val="clustered"/>
+        <c:ser>
+          <c:idx val="0"/>
+          <c:order val="0"/>
+          <c:tx>
+            <c:strRef>
+              <c:f>Hoja1!$B$25</c:f>
+              <c:strCache>
+                <c:ptCount val="1"/>
+                <c:pt idx="0">
+                  <c:v>MAE WW3 / Obs. Visual [mts.]</c:v>
+                </c:pt>
+              </c:strCache>
+            </c:strRef>
+          </c:tx>
+          <c:cat>
+            <c:strRef>
+              <c:f>Hoja1!$A$26:$A$30</c:f>
+              <c:strCache>
+                <c:ptCount val="5"/>
+                <c:pt idx="0">
+                  <c:v>Makaha</c:v>
+                </c:pt>
+                <c:pt idx="1">
+                  <c:v>Sunset</c:v>
+                </c:pt>
+                <c:pt idx="2">
+                  <c:v>Ala Moana</c:v>
+                </c:pt>
+                <c:pt idx="3">
+                  <c:v>Diamond Head</c:v>
+                </c:pt>
+                <c:pt idx="4">
+                  <c:v>Makapuu</c:v>
+                </c:pt>
+              </c:strCache>
+            </c:strRef>
+          </c:cat>
+          <c:val>
+            <c:numRef>
+              <c:f>Hoja1!$B$26:$B$30</c:f>
+              <c:numCache>
+                <c:formatCode>General</c:formatCode>
+                <c:ptCount val="5"/>
+                <c:pt idx="0">
+                  <c:v>0.96000000000000063</c:v>
+                </c:pt>
+                <c:pt idx="1">
+                  <c:v>1.35</c:v>
+                </c:pt>
+                <c:pt idx="2">
+                  <c:v>1.1800000000000037</c:v>
+                </c:pt>
+                <c:pt idx="3">
+                  <c:v>0.99</c:v>
+                </c:pt>
+                <c:pt idx="4">
+                  <c:v>0.9</c:v>
+                </c:pt>
+              </c:numCache>
+            </c:numRef>
+          </c:val>
+        </c:ser>
+        <c:ser>
+          <c:idx val="1"/>
+          <c:order val="1"/>
+          <c:tx>
+            <c:strRef>
+              <c:f>Hoja1!$C$25</c:f>
+              <c:strCache>
+                <c:ptCount val="1"/>
+                <c:pt idx="0">
+                  <c:v>MAE SVM / Obs. Visual [mts.]</c:v>
+                </c:pt>
+              </c:strCache>
+            </c:strRef>
+          </c:tx>
+          <c:spPr>
+            <a:solidFill>
+              <a:srgbClr val="FF0000"/>
+            </a:solidFill>
+          </c:spPr>
+          <c:cat>
+            <c:strRef>
+              <c:f>Hoja1!$A$26:$A$30</c:f>
+              <c:strCache>
+                <c:ptCount val="5"/>
+                <c:pt idx="0">
+                  <c:v>Makaha</c:v>
+                </c:pt>
+                <c:pt idx="1">
+                  <c:v>Sunset</c:v>
+                </c:pt>
+                <c:pt idx="2">
+                  <c:v>Ala Moana</c:v>
+                </c:pt>
+                <c:pt idx="3">
+                  <c:v>Diamond Head</c:v>
+                </c:pt>
+                <c:pt idx="4">
+                  <c:v>Makapuu</c:v>
+                </c:pt>
+              </c:strCache>
+            </c:strRef>
+          </c:cat>
+          <c:val>
+            <c:numRef>
+              <c:f>Hoja1!$C$26:$C$30</c:f>
+              <c:numCache>
+                <c:formatCode>General</c:formatCode>
+                <c:ptCount val="5"/>
+                <c:pt idx="0">
+                  <c:v>0.61000000000000065</c:v>
+                </c:pt>
+                <c:pt idx="1">
+                  <c:v>0.82000000000000062</c:v>
+                </c:pt>
+                <c:pt idx="2">
+                  <c:v>0.46</c:v>
+                </c:pt>
+                <c:pt idx="3">
+                  <c:v>0.47000000000000008</c:v>
+                </c:pt>
+                <c:pt idx="4">
+                  <c:v>0.47000000000000008</c:v>
+                </c:pt>
+              </c:numCache>
+            </c:numRef>
+          </c:val>
+        </c:ser>
+        <c:shape val="cylinder"/>
+        <c:axId val="110508672"/>
+        <c:axId val="110510464"/>
+        <c:axId val="0"/>
+      </c:bar3DChart>
+      <c:catAx>
+        <c:axId val="110508672"/>
+        <c:scaling>
+          <c:orientation val="minMax"/>
+        </c:scaling>
+        <c:axPos val="b"/>
+        <c:tickLblPos val="nextTo"/>
+        <c:txPr>
+          <a:bodyPr/>
+          <a:lstStyle/>
+          <a:p>
+            <a:pPr>
+              <a:defRPr lang="es-AR" sz="1400">
+                <a:latin typeface="+mj-lt"/>
+              </a:defRPr>
+            </a:pPr>
+            <a:endParaRPr lang="es-ES"/>
+          </a:p>
+        </c:txPr>
+        <c:crossAx val="110510464"/>
+        <c:crosses val="autoZero"/>
+        <c:auto val="1"/>
+        <c:lblAlgn val="ctr"/>
+        <c:lblOffset val="100"/>
+      </c:catAx>
+      <c:valAx>
+        <c:axId val="110510464"/>
+        <c:scaling>
+          <c:orientation val="minMax"/>
+        </c:scaling>
+        <c:axPos val="l"/>
+        <c:majorGridlines/>
+        <c:numFmt formatCode="General" sourceLinked="1"/>
+        <c:tickLblPos val="nextTo"/>
+        <c:txPr>
+          <a:bodyPr/>
+          <a:lstStyle/>
+          <a:p>
+            <a:pPr>
+              <a:defRPr lang="es-AR"/>
+            </a:pPr>
+            <a:endParaRPr lang="es-ES"/>
+          </a:p>
+        </c:txPr>
+        <c:crossAx val="110508672"/>
+        <c:crosses val="autoZero"/>
+        <c:crossBetween val="between"/>
+      </c:valAx>
+    </c:plotArea>
+    <c:legend>
+      <c:legendPos val="r"/>
+      <c:layout/>
+      <c:txPr>
+        <a:bodyPr/>
+        <a:lstStyle/>
+        <a:p>
+          <a:pPr>
+            <a:defRPr lang="es-AR" sz="1400">
+              <a:latin typeface="+mj-lt"/>
+            </a:defRPr>
+          </a:pPr>
+          <a:endParaRPr lang="es-ES"/>
+        </a:p>
+      </c:txPr>
+    </c:legend>
+    <c:plotVisOnly val="1"/>
+  </c:chart>
+  <c:externalData r:id="rId1"/>
+</c:chartSpace>
+</file>
+
+<file path=ppt/charts/chart2.xml><?xml version="1.0" encoding="utf-8"?>
+<c:chartSpace xmlns:c="http://schemas.openxmlformats.org/drawingml/2006/chart" xmlns:a="http://schemas.openxmlformats.org/drawingml/2006/main" xmlns:r="http://schemas.openxmlformats.org/officeDocument/2006/relationships">
+  <c:lang val="es-ES"/>
+  <c:chart>
+    <c:title>
+      <c:tx>
+        <c:rich>
+          <a:bodyPr/>
+          <a:lstStyle/>
+          <a:p>
+            <a:pPr>
+              <a:defRPr/>
+            </a:pPr>
+            <a:r>
+              <a:rPr lang="es-ES" sz="2000" dirty="0">
+                <a:latin typeface="+mj-lt"/>
+              </a:rPr>
+              <a:t>Correlación</a:t>
+            </a:r>
+            <a:r>
+              <a:rPr lang="es-ES" sz="2000" baseline="0" dirty="0">
+                <a:latin typeface="+mj-lt"/>
+              </a:rPr>
+              <a:t> 98%</a:t>
+            </a:r>
+            <a:endParaRPr lang="es-ES" sz="2000" dirty="0">
+              <a:latin typeface="+mj-lt"/>
+            </a:endParaRPr>
+          </a:p>
+        </c:rich>
+      </c:tx>
+      <c:layout/>
+    </c:title>
+    <c:plotArea>
+      <c:layout/>
+      <c:lineChart>
+        <c:grouping val="standard"/>
+        <c:ser>
+          <c:idx val="0"/>
+          <c:order val="0"/>
+          <c:tx>
+            <c:strRef>
+              <c:f>Hoja1!$A$2</c:f>
+              <c:strCache>
+                <c:ptCount val="1"/>
+                <c:pt idx="0">
+                  <c:v>a</c:v>
+                </c:pt>
+              </c:strCache>
+            </c:strRef>
+          </c:tx>
+          <c:val>
+            <c:numRef>
+              <c:f>Hoja1!$B$2:$G$2</c:f>
+              <c:numCache>
+                <c:formatCode>General</c:formatCode>
+                <c:ptCount val="6"/>
+                <c:pt idx="0">
+                  <c:v>5</c:v>
+                </c:pt>
+                <c:pt idx="1">
+                  <c:v>10</c:v>
+                </c:pt>
+                <c:pt idx="2">
+                  <c:v>15</c:v>
+                </c:pt>
+                <c:pt idx="3">
+                  <c:v>20</c:v>
+                </c:pt>
+                <c:pt idx="4">
+                  <c:v>15</c:v>
+                </c:pt>
+                <c:pt idx="5">
+                  <c:v>10</c:v>
+                </c:pt>
+              </c:numCache>
+            </c:numRef>
+          </c:val>
+        </c:ser>
+        <c:ser>
+          <c:idx val="1"/>
+          <c:order val="1"/>
+          <c:tx>
+            <c:strRef>
+              <c:f>Hoja1!$A$3</c:f>
+              <c:strCache>
+                <c:ptCount val="1"/>
+                <c:pt idx="0">
+                  <c:v>b</c:v>
+                </c:pt>
+              </c:strCache>
+            </c:strRef>
+          </c:tx>
+          <c:spPr>
+            <a:ln>
+              <a:solidFill>
+                <a:srgbClr val="FF0000"/>
+              </a:solidFill>
+            </a:ln>
+          </c:spPr>
+          <c:val>
+            <c:numRef>
+              <c:f>Hoja1!$B$3:$G$3</c:f>
+              <c:numCache>
+                <c:formatCode>General</c:formatCode>
+                <c:ptCount val="6"/>
+                <c:pt idx="0">
+                  <c:v>8</c:v>
+                </c:pt>
+                <c:pt idx="1">
+                  <c:v>14</c:v>
+                </c:pt>
+                <c:pt idx="2">
+                  <c:v>19</c:v>
+                </c:pt>
+                <c:pt idx="3">
+                  <c:v>23</c:v>
+                </c:pt>
+                <c:pt idx="4">
+                  <c:v>17</c:v>
+                </c:pt>
+                <c:pt idx="5">
+                  <c:v>14</c:v>
+                </c:pt>
+              </c:numCache>
+            </c:numRef>
+          </c:val>
+        </c:ser>
+        <c:marker val="1"/>
+        <c:axId val="115213824"/>
+        <c:axId val="115215360"/>
+      </c:lineChart>
+      <c:catAx>
+        <c:axId val="115213824"/>
+        <c:scaling>
+          <c:orientation val="minMax"/>
+        </c:scaling>
+        <c:axPos val="b"/>
+        <c:majorTickMark val="none"/>
+        <c:tickLblPos val="nextTo"/>
+        <c:crossAx val="115215360"/>
+        <c:crosses val="autoZero"/>
+        <c:auto val="1"/>
+        <c:lblAlgn val="ctr"/>
+        <c:lblOffset val="100"/>
+      </c:catAx>
+      <c:valAx>
+        <c:axId val="115215360"/>
+        <c:scaling>
+          <c:orientation val="minMax"/>
+        </c:scaling>
+        <c:axPos val="l"/>
+        <c:majorGridlines/>
+        <c:numFmt formatCode="General" sourceLinked="1"/>
+        <c:majorTickMark val="none"/>
+        <c:tickLblPos val="nextTo"/>
+        <c:crossAx val="115213824"/>
+        <c:crosses val="autoZero"/>
+        <c:crossBetween val="between"/>
+      </c:valAx>
+      <c:spPr>
+        <a:solidFill>
+          <a:prstClr val="white">
+            <a:lumMod val="95000"/>
+          </a:prstClr>
+        </a:solidFill>
+      </c:spPr>
+    </c:plotArea>
+    <c:legend>
+      <c:legendPos val="r"/>
+      <c:layout/>
+    </c:legend>
+    <c:plotVisOnly val="1"/>
+  </c:chart>
+  <c:spPr>
+    <a:solidFill>
+      <a:prstClr val="white">
+        <a:lumMod val="95000"/>
+      </a:prstClr>
+    </a:solidFill>
+  </c:spPr>
+  <c:externalData r:id="rId1"/>
+</c:chartSpace>
+</file>
+
+<file path=ppt/charts/chart3.xml><?xml version="1.0" encoding="utf-8"?>
+<c:chartSpace xmlns:c="http://schemas.openxmlformats.org/drawingml/2006/chart" xmlns:a="http://schemas.openxmlformats.org/drawingml/2006/main" xmlns:r="http://schemas.openxmlformats.org/officeDocument/2006/relationships">
   <c:date1904 val="1"/>
   <c:lang val="es-ES"/>
   <c:chart>
@@ -231,31 +3350,31 @@
                   <c:v>0.66595893894255365</c:v>
                 </c:pt>
                 <c:pt idx="1">
-                  <c:v>0.7739098069512057</c:v>
+                  <c:v>0.77390980695120581</c:v>
                 </c:pt>
                 <c:pt idx="2">
                   <c:v>0.82116824635668784</c:v>
                 </c:pt>
                 <c:pt idx="3">
-                  <c:v>0.84278473777508411</c:v>
+                  <c:v>0.84278473777508423</c:v>
                 </c:pt>
                 <c:pt idx="4">
-                  <c:v>0.84383865537211022</c:v>
+                  <c:v>0.84383865537211034</c:v>
                 </c:pt>
                 <c:pt idx="5">
                   <c:v>0.85894670929201788</c:v>
                 </c:pt>
                 <c:pt idx="6">
-                  <c:v>0.84967487574973211</c:v>
+                  <c:v>0.84967487574973222</c:v>
                 </c:pt>
                 <c:pt idx="7">
-                  <c:v>0.87199747639295022</c:v>
+                  <c:v>0.87199747639295033</c:v>
                 </c:pt>
                 <c:pt idx="8">
                   <c:v>0.87308657275405044</c:v>
                 </c:pt>
                 <c:pt idx="9">
-                  <c:v>0.8805672244799716</c:v>
+                  <c:v>0.88056722447997149</c:v>
                 </c:pt>
                 <c:pt idx="10">
                   <c:v>0.88425402324804214</c:v>
@@ -264,22 +3383,22 @@
                   <c:v>0.88378998114559382</c:v>
                 </c:pt>
                 <c:pt idx="12">
-                  <c:v>0.88710112017025267</c:v>
+                  <c:v>0.88710112017025256</c:v>
                 </c:pt>
                 <c:pt idx="13">
-                  <c:v>0.88859349505985463</c:v>
+                  <c:v>0.88859349505985452</c:v>
                 </c:pt>
                 <c:pt idx="14">
-                  <c:v>0.88932515639249698</c:v>
+                  <c:v>0.8893251563924971</c:v>
                 </c:pt>
                 <c:pt idx="15">
-                  <c:v>0.88979442278916998</c:v>
+                  <c:v>0.88979442278917009</c:v>
                 </c:pt>
                 <c:pt idx="16">
-                  <c:v>0.89050470137757365</c:v>
+                  <c:v>0.89050470137757354</c:v>
                 </c:pt>
                 <c:pt idx="17">
-                  <c:v>0.8911387747292826</c:v>
+                  <c:v>0.89113877472928249</c:v>
                 </c:pt>
               </c:numCache>
             </c:numRef>
@@ -378,10 +3497,10 @@
                   <c:v>0.45195561849074034</c:v>
                 </c:pt>
                 <c:pt idx="1">
-                  <c:v>0.5721558194942804</c:v>
+                  <c:v>0.57215581949428063</c:v>
                 </c:pt>
                 <c:pt idx="2">
-                  <c:v>0.62450099068289666</c:v>
+                  <c:v>0.62450099068289677</c:v>
                 </c:pt>
                 <c:pt idx="3">
                   <c:v>0.66411572966000465</c:v>
@@ -390,7 +3509,7 @@
                   <c:v>0.74483311690120912</c:v>
                 </c:pt>
                 <c:pt idx="5">
-                  <c:v>0.74913092370987633</c:v>
+                  <c:v>0.74913092370987644</c:v>
                 </c:pt>
                 <c:pt idx="6">
                   <c:v>0.7507812790712286</c:v>
@@ -399,7 +3518,7 @@
                   <c:v>0.74615794410022251</c:v>
                 </c:pt>
                 <c:pt idx="8">
-                  <c:v>0.76473712742559208</c:v>
+                  <c:v>0.7647371274255923</c:v>
                 </c:pt>
                 <c:pt idx="9">
                   <c:v>0.78030975508297951</c:v>
@@ -414,7 +3533,7 @@
                   <c:v>0.79454547384463925</c:v>
                 </c:pt>
                 <c:pt idx="13">
-                  <c:v>0.80275073868568114</c:v>
+                  <c:v>0.80275073868568125</c:v>
                 </c:pt>
                 <c:pt idx="14">
                   <c:v>0.8070254483799697</c:v>
@@ -423,10 +3542,10 @@
                   <c:v>0.80758714251854524</c:v>
                 </c:pt>
                 <c:pt idx="16">
-                  <c:v>0.8118988483644427</c:v>
+                  <c:v>0.81189884836444282</c:v>
                 </c:pt>
                 <c:pt idx="17">
-                  <c:v>0.81267156633446536</c:v>
+                  <c:v>0.81267156633446558</c:v>
                 </c:pt>
                 <c:pt idx="18">
                   <c:v>0.81495442086601244</c:v>
@@ -524,7 +3643,7 @@
                   <c:v>0.10918893085792125</c:v>
                 </c:pt>
                 <c:pt idx="2">
-                  <c:v>2.2061880915201594E-2</c:v>
+                  <c:v>2.2061880915201598E-2</c:v>
                 </c:pt>
                 <c:pt idx="3">
                   <c:v>0.16744350433735924</c:v>
@@ -539,28 +3658,28 @@
                   <c:v>0.21852557439483689</c:v>
                 </c:pt>
                 <c:pt idx="7">
-                  <c:v>0.18963030437506292</c:v>
+                  <c:v>0.18963030437506295</c:v>
                 </c:pt>
                 <c:pt idx="8">
-                  <c:v>0.31329234492981151</c:v>
+                  <c:v>0.31329234492981156</c:v>
                 </c:pt>
                 <c:pt idx="9">
                   <c:v>0.30854195458238609</c:v>
                 </c:pt>
                 <c:pt idx="10">
-                  <c:v>0.33996429339253026</c:v>
+                  <c:v>0.33996429339253043</c:v>
                 </c:pt>
                 <c:pt idx="11">
-                  <c:v>0.39000788763685706</c:v>
+                  <c:v>0.39000788763685718</c:v>
                 </c:pt>
                 <c:pt idx="12">
-                  <c:v>0.37452278792340593</c:v>
+                  <c:v>0.3745227879234061</c:v>
                 </c:pt>
                 <c:pt idx="13">
-                  <c:v>0.39639657365579778</c:v>
+                  <c:v>0.39639657365579789</c:v>
                 </c:pt>
                 <c:pt idx="14">
-                  <c:v>0.45661986014735306</c:v>
+                  <c:v>0.45661986014735312</c:v>
                 </c:pt>
                 <c:pt idx="15">
                   <c:v>0.48000000000000032</c:v>
@@ -665,55 +3784,55 @@
                 <c:formatCode>0.00</c:formatCode>
                 <c:ptCount val="18"/>
                 <c:pt idx="0">
-                  <c:v>6.3837399085048874E-2</c:v>
+                  <c:v>6.3837399085048888E-2</c:v>
                 </c:pt>
                 <c:pt idx="1">
-                  <c:v>0.10509372944250735</c:v>
+                  <c:v>0.10509372944250739</c:v>
                 </c:pt>
                 <c:pt idx="2">
                   <c:v>0.12395822380363669</c:v>
                 </c:pt>
                 <c:pt idx="3">
-                  <c:v>0.17533238646771682</c:v>
+                  <c:v>0.17533238646771687</c:v>
                 </c:pt>
                 <c:pt idx="4">
-                  <c:v>0.18994629844945121</c:v>
+                  <c:v>0.18994629844945127</c:v>
                 </c:pt>
                 <c:pt idx="5">
-                  <c:v>0.22687270194889519</c:v>
+                  <c:v>0.22687270194889517</c:v>
                 </c:pt>
                 <c:pt idx="6">
                   <c:v>0.23790997736954461</c:v>
                 </c:pt>
                 <c:pt idx="7">
-                  <c:v>0.23411148955337033</c:v>
+                  <c:v>0.23411148955337038</c:v>
                 </c:pt>
                 <c:pt idx="8">
                   <c:v>0.25778608542670911</c:v>
                 </c:pt>
                 <c:pt idx="9">
-                  <c:v>0.3105629993322761</c:v>
+                  <c:v>0.31056299933227627</c:v>
                 </c:pt>
                 <c:pt idx="10">
-                  <c:v>0.33877739342409358</c:v>
+                  <c:v>0.33877739342409363</c:v>
                 </c:pt>
                 <c:pt idx="11">
                   <c:v>0.35225259726803532</c:v>
                 </c:pt>
                 <c:pt idx="12">
-                  <c:v>0.35947445565100511</c:v>
+                  <c:v>0.35947445565100516</c:v>
                 </c:pt>
                 <c:pt idx="13">
-                  <c:v>0.39000000000000323</c:v>
+                  <c:v>0.39000000000000334</c:v>
                 </c:pt>
                 <c:pt idx="14">
-                  <c:v>0.39000000000000323</c:v>
+                  <c:v>0.39000000000000334</c:v>
                 </c:pt>
                 <c:pt idx="15">
                   <c:v>0.4</c:v>
                 </c:pt>
                 <c:pt idx="16">
-                  <c:v>0.40041490630404736</c:v>
+                  <c:v>0.40041490630404747</c:v>
                 </c:pt>
                 <c:pt idx="17">
                   <c:v>0.4</c:v>
@@ -805,7 +3924,7 @@
                 <c:formatCode>General</c:formatCode>
                 <c:ptCount val="19"/>
                 <c:pt idx="0">
-                  <c:v>0.28931899175148906</c:v>
+                  <c:v>0.28931899175148917</c:v>
                 </c:pt>
                 <c:pt idx="1">
                   <c:v>0.30427205718078232</c:v>
@@ -814,46 +3933,46 @@
                   <c:v>0.28833535935117605</c:v>
                 </c:pt>
                 <c:pt idx="3">
-                  <c:v>0.50673831628889066</c:v>
+                  <c:v>0.50673831628889088</c:v>
                 </c:pt>
                 <c:pt idx="4">
                   <c:v>0.58986811562939312</c:v>
                 </c:pt>
                 <c:pt idx="5">
-                  <c:v>0.60174244358029239</c:v>
+                  <c:v>0.60174244358029261</c:v>
                 </c:pt>
                 <c:pt idx="6">
                   <c:v>0.62230234655114092</c:v>
                 </c:pt>
                 <c:pt idx="7">
-                  <c:v>0.64892172802500003</c:v>
+                  <c:v>0.64892172802500014</c:v>
                 </c:pt>
                 <c:pt idx="8">
                   <c:v>0.60213497372141267</c:v>
                 </c:pt>
                 <c:pt idx="9">
-                  <c:v>0.65929398719852683</c:v>
+                  <c:v>0.65929398719852694</c:v>
                 </c:pt>
                 <c:pt idx="10">
-                  <c:v>0.63740945216596601</c:v>
+                  <c:v>0.63740945216596612</c:v>
                 </c:pt>
                 <c:pt idx="11">
-                  <c:v>0.66496829605748042</c:v>
+                  <c:v>0.66496829605748065</c:v>
                 </c:pt>
                 <c:pt idx="12">
                   <c:v>0.68587643695394174</c:v>
                 </c:pt>
                 <c:pt idx="13">
-                  <c:v>0.70280463859163811</c:v>
+                  <c:v>0.70280463859163822</c:v>
                 </c:pt>
                 <c:pt idx="14">
                   <c:v>0.68555591749742495</c:v>
                 </c:pt>
                 <c:pt idx="15">
-                  <c:v>0.71798687616048995</c:v>
+                  <c:v>0.71798687616049006</c:v>
                 </c:pt>
                 <c:pt idx="16">
-                  <c:v>0.72902988600000873</c:v>
+                  <c:v>0.72902988600000884</c:v>
                 </c:pt>
                 <c:pt idx="17">
                   <c:v>0.73331457600000005</c:v>
@@ -866,11 +3985,11 @@
           </c:yVal>
           <c:smooth val="1"/>
         </c:ser>
-        <c:axId val="59296384"/>
-        <c:axId val="62468864"/>
+        <c:axId val="108447232"/>
+        <c:axId val="108449152"/>
       </c:scatterChart>
       <c:valAx>
-        <c:axId val="59296384"/>
+        <c:axId val="108447232"/>
         <c:scaling>
           <c:orientation val="minMax"/>
           <c:max val="1000"/>
@@ -913,7 +4032,7 @@
             <c:manualLayout>
               <c:xMode val="edge"/>
               <c:yMode val="edge"/>
-              <c:x val="0.38494599693816861"/>
+              <c:x val="0.38494599693816867"/>
               <c:y val="0.85101357098414687"/>
             </c:manualLayout>
           </c:layout>
@@ -930,12 +4049,12 @@
             <a:endParaRPr lang="es-ES"/>
           </a:p>
         </c:txPr>
-        <c:crossAx val="62468864"/>
+        <c:crossAx val="108449152"/>
         <c:crosses val="autoZero"/>
         <c:crossBetween val="midCat"/>
       </c:valAx>
       <c:valAx>
-        <c:axId val="62468864"/>
+        <c:axId val="108449152"/>
         <c:scaling>
           <c:orientation val="minMax"/>
           <c:min val="0"/>
@@ -977,7 +4096,7 @@
             <a:endParaRPr lang="es-ES"/>
           </a:p>
         </c:txPr>
-        <c:crossAx val="59296384"/>
+        <c:crossAx val="108447232"/>
         <c:crosses val="autoZero"/>
         <c:crossBetween val="midCat"/>
         <c:minorUnit val="0.2"/>
@@ -1005,1117 +4124,7 @@
 </c:chartSpace>
 </file>
 
-<file path=ppt/charts/chart10.xml><?xml version="1.0" encoding="utf-8"?>
-<c:chartSpace xmlns:c="http://schemas.openxmlformats.org/drawingml/2006/chart" xmlns:a="http://schemas.openxmlformats.org/drawingml/2006/main" xmlns:r="http://schemas.openxmlformats.org/officeDocument/2006/relationships">
-  <c:date1904 val="1"/>
-  <c:lang val="es-ES"/>
-  <c:chart>
-    <c:autoTitleDeleted val="1"/>
-    <c:plotArea>
-      <c:layout>
-        <c:manualLayout>
-          <c:layoutTarget val="inner"/>
-          <c:xMode val="edge"/>
-          <c:yMode val="edge"/>
-          <c:x val="0.10048349150099888"/>
-          <c:y val="4.1238940589567646E-2"/>
-          <c:w val="0.87042860499284569"/>
-          <c:h val="0.75935138208448905"/>
-        </c:manualLayout>
-      </c:layout>
-      <c:scatterChart>
-        <c:scatterStyle val="lineMarker"/>
-        <c:ser>
-          <c:idx val="0"/>
-          <c:order val="0"/>
-          <c:tx>
-            <c:v>Observacion Visual</c:v>
-          </c:tx>
-          <c:spPr>
-            <a:ln w="28575">
-              <a:noFill/>
-            </a:ln>
-          </c:spPr>
-          <c:xVal>
-            <c:numRef>
-              <c:f>Sheet1!$C$2:$C$65</c:f>
-              <c:numCache>
-                <c:formatCode>General</c:formatCode>
-                <c:ptCount val="64"/>
-                <c:pt idx="0">
-                  <c:v>1.103</c:v>
-                </c:pt>
-                <c:pt idx="1">
-                  <c:v>1.3580000000000001</c:v>
-                </c:pt>
-                <c:pt idx="2">
-                  <c:v>4.9340000000000002</c:v>
-                </c:pt>
-                <c:pt idx="3">
-                  <c:v>1.02</c:v>
-                </c:pt>
-                <c:pt idx="4">
-                  <c:v>0.97700000000000065</c:v>
-                </c:pt>
-                <c:pt idx="5">
-                  <c:v>1.03</c:v>
-                </c:pt>
-                <c:pt idx="6">
-                  <c:v>0.97700000000000065</c:v>
-                </c:pt>
-                <c:pt idx="7">
-                  <c:v>1.153</c:v>
-                </c:pt>
-                <c:pt idx="8">
-                  <c:v>1.3560000000000001</c:v>
-                </c:pt>
-                <c:pt idx="9">
-                  <c:v>1.121</c:v>
-                </c:pt>
-                <c:pt idx="10">
-                  <c:v>2.9569999999999967</c:v>
-                </c:pt>
-                <c:pt idx="11">
-                  <c:v>2.2909999999999999</c:v>
-                </c:pt>
-                <c:pt idx="12">
-                  <c:v>0.96900000000000064</c:v>
-                </c:pt>
-                <c:pt idx="13">
-                  <c:v>1.2769999999999873</c:v>
-                </c:pt>
-                <c:pt idx="14">
-                  <c:v>3.0789999999999997</c:v>
-                </c:pt>
-                <c:pt idx="15">
-                  <c:v>1.137</c:v>
-                </c:pt>
-                <c:pt idx="16">
-                  <c:v>1.1990000000000001</c:v>
-                </c:pt>
-                <c:pt idx="17">
-                  <c:v>1.0249999999999873</c:v>
-                </c:pt>
-                <c:pt idx="18">
-                  <c:v>1.0409999999999884</c:v>
-                </c:pt>
-                <c:pt idx="19">
-                  <c:v>1.9940000000000127</c:v>
-                </c:pt>
-                <c:pt idx="20">
-                  <c:v>2.6759999999999997</c:v>
-                </c:pt>
-                <c:pt idx="21">
-                  <c:v>2.258</c:v>
-                </c:pt>
-                <c:pt idx="22">
-                  <c:v>0.93799999999999994</c:v>
-                </c:pt>
-                <c:pt idx="23">
-                  <c:v>1.159</c:v>
-                </c:pt>
-                <c:pt idx="24">
-                  <c:v>0.89300000000000002</c:v>
-                </c:pt>
-                <c:pt idx="25">
-                  <c:v>1.0580000000000001</c:v>
-                </c:pt>
-                <c:pt idx="26">
-                  <c:v>1.657</c:v>
-                </c:pt>
-                <c:pt idx="27">
-                  <c:v>1.367</c:v>
-                </c:pt>
-                <c:pt idx="28">
-                  <c:v>1.32</c:v>
-                </c:pt>
-                <c:pt idx="29">
-                  <c:v>1.127</c:v>
-                </c:pt>
-                <c:pt idx="30">
-                  <c:v>1.1619999999999879</c:v>
-                </c:pt>
-                <c:pt idx="31">
-                  <c:v>1.175</c:v>
-                </c:pt>
-                <c:pt idx="32">
-                  <c:v>1.635</c:v>
-                </c:pt>
-                <c:pt idx="33">
-                  <c:v>2.3759999999999977</c:v>
-                </c:pt>
-                <c:pt idx="34">
-                  <c:v>2.0880000000000001</c:v>
-                </c:pt>
-                <c:pt idx="35">
-                  <c:v>1.9540000000000113</c:v>
-                </c:pt>
-                <c:pt idx="36">
-                  <c:v>1.073</c:v>
-                </c:pt>
-                <c:pt idx="37">
-                  <c:v>0.93200000000000005</c:v>
-                </c:pt>
-                <c:pt idx="38">
-                  <c:v>1.2209999999999857</c:v>
-                </c:pt>
-                <c:pt idx="39">
-                  <c:v>1.081</c:v>
-                </c:pt>
-                <c:pt idx="40">
-                  <c:v>3.5019999999999998</c:v>
-                </c:pt>
-                <c:pt idx="41">
-                  <c:v>1.052</c:v>
-                </c:pt>
-                <c:pt idx="42">
-                  <c:v>1.538</c:v>
-                </c:pt>
-                <c:pt idx="43">
-                  <c:v>1.0569999999999886</c:v>
-                </c:pt>
-                <c:pt idx="44">
-                  <c:v>1.028</c:v>
-                </c:pt>
-                <c:pt idx="45">
-                  <c:v>3.6629999999999998</c:v>
-                </c:pt>
-                <c:pt idx="46">
-                  <c:v>0.96500000000000064</c:v>
-                </c:pt>
-                <c:pt idx="47">
-                  <c:v>1.595</c:v>
-                </c:pt>
-                <c:pt idx="48">
-                  <c:v>6.8039999999999985</c:v>
-                </c:pt>
-                <c:pt idx="49">
-                  <c:v>1.0489999999999886</c:v>
-                </c:pt>
-                <c:pt idx="50">
-                  <c:v>1.4489999999999856</c:v>
-                </c:pt>
-                <c:pt idx="51">
-                  <c:v>0.91600000000000004</c:v>
-                </c:pt>
-                <c:pt idx="52">
-                  <c:v>0.91700000000000004</c:v>
-                </c:pt>
-                <c:pt idx="53">
-                  <c:v>0.99299999999999999</c:v>
-                </c:pt>
-                <c:pt idx="54">
-                  <c:v>1.165</c:v>
-                </c:pt>
-                <c:pt idx="55">
-                  <c:v>2.363</c:v>
-                </c:pt>
-                <c:pt idx="56">
-                  <c:v>1.0580000000000001</c:v>
-                </c:pt>
-                <c:pt idx="57">
-                  <c:v>5.9459999999999997</c:v>
-                </c:pt>
-                <c:pt idx="58">
-                  <c:v>1.5940000000000001</c:v>
-                </c:pt>
-                <c:pt idx="59">
-                  <c:v>1.599</c:v>
-                </c:pt>
-                <c:pt idx="60">
-                  <c:v>1.5629999999999886</c:v>
-                </c:pt>
-                <c:pt idx="61">
-                  <c:v>0.99199999999999999</c:v>
-                </c:pt>
-                <c:pt idx="62">
-                  <c:v>2.8779999999999997</c:v>
-                </c:pt>
-                <c:pt idx="63">
-                  <c:v>1.109</c:v>
-                </c:pt>
-              </c:numCache>
-            </c:numRef>
-          </c:xVal>
-          <c:yVal>
-            <c:numRef>
-              <c:f>Sheet1!$B$2:$B$65</c:f>
-              <c:numCache>
-                <c:formatCode>General</c:formatCode>
-                <c:ptCount val="64"/>
-                <c:pt idx="0">
-                  <c:v>1.2189999999999857</c:v>
-                </c:pt>
-                <c:pt idx="1">
-                  <c:v>2.4379999999999997</c:v>
-                </c:pt>
-                <c:pt idx="2">
-                  <c:v>3.6579999999999999</c:v>
-                </c:pt>
-                <c:pt idx="3">
-                  <c:v>1.829</c:v>
-                </c:pt>
-                <c:pt idx="4">
-                  <c:v>1.2189999999999857</c:v>
-                </c:pt>
-                <c:pt idx="5">
-                  <c:v>1.2189999999999857</c:v>
-                </c:pt>
-                <c:pt idx="6">
-                  <c:v>1.2189999999999857</c:v>
-                </c:pt>
-                <c:pt idx="7">
-                  <c:v>2.4379999999999997</c:v>
-                </c:pt>
-                <c:pt idx="8">
-                  <c:v>1.2189999999999857</c:v>
-                </c:pt>
-                <c:pt idx="9">
-                  <c:v>0.61000000000000065</c:v>
-                </c:pt>
-                <c:pt idx="10">
-                  <c:v>3.048</c:v>
-                </c:pt>
-                <c:pt idx="11">
-                  <c:v>1.2189999999999857</c:v>
-                </c:pt>
-                <c:pt idx="12">
-                  <c:v>0.61000000000000065</c:v>
-                </c:pt>
-                <c:pt idx="13">
-                  <c:v>1.2189999999999857</c:v>
-                </c:pt>
-                <c:pt idx="14">
-                  <c:v>2.4379999999999997</c:v>
-                </c:pt>
-                <c:pt idx="15">
-                  <c:v>1.2189999999999857</c:v>
-                </c:pt>
-                <c:pt idx="16">
-                  <c:v>1.2189999999999857</c:v>
-                </c:pt>
-                <c:pt idx="17">
-                  <c:v>0.61000000000000065</c:v>
-                </c:pt>
-                <c:pt idx="18">
-                  <c:v>0.61000000000000065</c:v>
-                </c:pt>
-                <c:pt idx="19">
-                  <c:v>1.829</c:v>
-                </c:pt>
-                <c:pt idx="20">
-                  <c:v>3.048</c:v>
-                </c:pt>
-                <c:pt idx="21">
-                  <c:v>3.048</c:v>
-                </c:pt>
-                <c:pt idx="22">
-                  <c:v>1.2189999999999857</c:v>
-                </c:pt>
-                <c:pt idx="23">
-                  <c:v>1.829</c:v>
-                </c:pt>
-                <c:pt idx="24">
-                  <c:v>0.61000000000000065</c:v>
-                </c:pt>
-                <c:pt idx="25">
-                  <c:v>1.829</c:v>
-                </c:pt>
-                <c:pt idx="26">
-                  <c:v>2.4379999999999997</c:v>
-                </c:pt>
-                <c:pt idx="27">
-                  <c:v>0.61000000000000065</c:v>
-                </c:pt>
-                <c:pt idx="28">
-                  <c:v>0.61000000000000065</c:v>
-                </c:pt>
-                <c:pt idx="29">
-                  <c:v>0.61000000000000065</c:v>
-                </c:pt>
-                <c:pt idx="30">
-                  <c:v>1.2189999999999857</c:v>
-                </c:pt>
-                <c:pt idx="31">
-                  <c:v>1.2189999999999857</c:v>
-                </c:pt>
-                <c:pt idx="32">
-                  <c:v>1.2189999999999857</c:v>
-                </c:pt>
-                <c:pt idx="33">
-                  <c:v>1.2189999999999857</c:v>
-                </c:pt>
-                <c:pt idx="34">
-                  <c:v>1.2189999999999857</c:v>
-                </c:pt>
-                <c:pt idx="35">
-                  <c:v>3.048</c:v>
-                </c:pt>
-                <c:pt idx="36">
-                  <c:v>1.2189999999999857</c:v>
-                </c:pt>
-                <c:pt idx="37">
-                  <c:v>0.61000000000000065</c:v>
-                </c:pt>
-                <c:pt idx="38">
-                  <c:v>1.2189999999999857</c:v>
-                </c:pt>
-                <c:pt idx="39">
-                  <c:v>1.2189999999999857</c:v>
-                </c:pt>
-                <c:pt idx="40">
-                  <c:v>2.4379999999999997</c:v>
-                </c:pt>
-                <c:pt idx="41">
-                  <c:v>1.829</c:v>
-                </c:pt>
-                <c:pt idx="42">
-                  <c:v>1.829</c:v>
-                </c:pt>
-                <c:pt idx="43">
-                  <c:v>0.61000000000000065</c:v>
-                </c:pt>
-                <c:pt idx="44">
-                  <c:v>1.2189999999999857</c:v>
-                </c:pt>
-                <c:pt idx="45">
-                  <c:v>4.8769999999999998</c:v>
-                </c:pt>
-                <c:pt idx="46">
-                  <c:v>0.61000000000000065</c:v>
-                </c:pt>
-                <c:pt idx="47">
-                  <c:v>1.2189999999999857</c:v>
-                </c:pt>
-                <c:pt idx="48">
-                  <c:v>7.3149999999999755</c:v>
-                </c:pt>
-                <c:pt idx="49">
-                  <c:v>1.2189999999999857</c:v>
-                </c:pt>
-                <c:pt idx="50">
-                  <c:v>1.2189999999999857</c:v>
-                </c:pt>
-                <c:pt idx="51">
-                  <c:v>0.61000000000000065</c:v>
-                </c:pt>
-                <c:pt idx="52">
-                  <c:v>1.2189999999999857</c:v>
-                </c:pt>
-                <c:pt idx="53">
-                  <c:v>1.2189999999999857</c:v>
-                </c:pt>
-                <c:pt idx="54">
-                  <c:v>1.2189999999999857</c:v>
-                </c:pt>
-                <c:pt idx="55">
-                  <c:v>2.4379999999999997</c:v>
-                </c:pt>
-                <c:pt idx="56">
-                  <c:v>1.2189999999999857</c:v>
-                </c:pt>
-                <c:pt idx="57">
-                  <c:v>4.8769999999999998</c:v>
-                </c:pt>
-                <c:pt idx="58">
-                  <c:v>1.829</c:v>
-                </c:pt>
-                <c:pt idx="59">
-                  <c:v>2.4379999999999997</c:v>
-                </c:pt>
-                <c:pt idx="60">
-                  <c:v>1.2189999999999857</c:v>
-                </c:pt>
-                <c:pt idx="61">
-                  <c:v>0.61000000000000065</c:v>
-                </c:pt>
-                <c:pt idx="62">
-                  <c:v>3.048</c:v>
-                </c:pt>
-                <c:pt idx="63">
-                  <c:v>1.2189999999999857</c:v>
-                </c:pt>
-              </c:numCache>
-            </c:numRef>
-          </c:yVal>
-        </c:ser>
-        <c:ser>
-          <c:idx val="1"/>
-          <c:order val="1"/>
-          <c:spPr>
-            <a:ln w="34925">
-              <a:solidFill>
-                <a:srgbClr val="9BBB59">
-                  <a:lumMod val="60000"/>
-                  <a:lumOff val="40000"/>
-                </a:srgbClr>
-              </a:solidFill>
-            </a:ln>
-          </c:spPr>
-          <c:marker>
-            <c:symbol val="none"/>
-          </c:marker>
-          <c:xVal>
-            <c:numRef>
-              <c:f>Sheet1!$O$4:$O$14</c:f>
-              <c:numCache>
-                <c:formatCode>General</c:formatCode>
-                <c:ptCount val="11"/>
-                <c:pt idx="0">
-                  <c:v>0</c:v>
-                </c:pt>
-                <c:pt idx="1">
-                  <c:v>1</c:v>
-                </c:pt>
-                <c:pt idx="2">
-                  <c:v>2</c:v>
-                </c:pt>
-                <c:pt idx="3">
-                  <c:v>3</c:v>
-                </c:pt>
-                <c:pt idx="4">
-                  <c:v>4</c:v>
-                </c:pt>
-                <c:pt idx="5">
-                  <c:v>5</c:v>
-                </c:pt>
-                <c:pt idx="6">
-                  <c:v>6</c:v>
-                </c:pt>
-                <c:pt idx="7">
-                  <c:v>7</c:v>
-                </c:pt>
-                <c:pt idx="8">
-                  <c:v>8</c:v>
-                </c:pt>
-                <c:pt idx="9">
-                  <c:v>9</c:v>
-                </c:pt>
-                <c:pt idx="10">
-                  <c:v>10</c:v>
-                </c:pt>
-              </c:numCache>
-            </c:numRef>
-          </c:xVal>
-          <c:yVal>
-            <c:numRef>
-              <c:f>Sheet1!$O$4:$O$14</c:f>
-              <c:numCache>
-                <c:formatCode>General</c:formatCode>
-                <c:ptCount val="11"/>
-                <c:pt idx="0">
-                  <c:v>0</c:v>
-                </c:pt>
-                <c:pt idx="1">
-                  <c:v>1</c:v>
-                </c:pt>
-                <c:pt idx="2">
-                  <c:v>2</c:v>
-                </c:pt>
-                <c:pt idx="3">
-                  <c:v>3</c:v>
-                </c:pt>
-                <c:pt idx="4">
-                  <c:v>4</c:v>
-                </c:pt>
-                <c:pt idx="5">
-                  <c:v>5</c:v>
-                </c:pt>
-                <c:pt idx="6">
-                  <c:v>6</c:v>
-                </c:pt>
-                <c:pt idx="7">
-                  <c:v>7</c:v>
-                </c:pt>
-                <c:pt idx="8">
-                  <c:v>8</c:v>
-                </c:pt>
-                <c:pt idx="9">
-                  <c:v>9</c:v>
-                </c:pt>
-                <c:pt idx="10">
-                  <c:v>10</c:v>
-                </c:pt>
-              </c:numCache>
-            </c:numRef>
-          </c:yVal>
-        </c:ser>
-        <c:axId val="68361216"/>
-        <c:axId val="68375680"/>
-      </c:scatterChart>
-      <c:valAx>
-        <c:axId val="68361216"/>
-        <c:scaling>
-          <c:orientation val="minMax"/>
-          <c:max val="8"/>
-        </c:scaling>
-        <c:axPos val="b"/>
-        <c:minorGridlines/>
-        <c:title>
-          <c:tx>
-            <c:rich>
-              <a:bodyPr/>
-              <a:lstStyle/>
-              <a:p>
-                <a:pPr>
-                  <a:defRPr lang="es-AR"/>
-                </a:pPr>
-                <a:r>
-                  <a:rPr lang="es-AR" sz="1800" b="0" dirty="0">
-                    <a:latin typeface="+mj-lt"/>
-                  </a:rPr>
-                  <a:t>Predicción</a:t>
-                </a:r>
-                <a:r>
-                  <a:rPr lang="es-AR" sz="1800" b="0" baseline="0" dirty="0">
-                    <a:latin typeface="+mj-lt"/>
-                  </a:rPr>
-                  <a:t> SVM (Altura en mts.)</a:t>
-                </a:r>
-              </a:p>
-            </c:rich>
-          </c:tx>
-          <c:layout/>
-        </c:title>
-        <c:numFmt formatCode="#,##0;\-#,##0" sourceLinked="0"/>
-        <c:tickLblPos val="nextTo"/>
-        <c:txPr>
-          <a:bodyPr/>
-          <a:lstStyle/>
-          <a:p>
-            <a:pPr>
-              <a:defRPr lang="es-AR" baseline="0"/>
-            </a:pPr>
-            <a:endParaRPr lang="es-ES"/>
-          </a:p>
-        </c:txPr>
-        <c:crossAx val="68375680"/>
-        <c:crosses val="autoZero"/>
-        <c:crossBetween val="midCat"/>
-        <c:majorUnit val="2"/>
-      </c:valAx>
-      <c:valAx>
-        <c:axId val="68375680"/>
-        <c:scaling>
-          <c:orientation val="minMax"/>
-        </c:scaling>
-        <c:axPos val="l"/>
-        <c:majorGridlines/>
-        <c:minorGridlines/>
-        <c:title>
-          <c:tx>
-            <c:rich>
-              <a:bodyPr/>
-              <a:lstStyle/>
-              <a:p>
-                <a:pPr>
-                  <a:defRPr lang="es-AR"/>
-                </a:pPr>
-                <a:r>
-                  <a:rPr lang="es-AR" sz="1800" b="0" dirty="0" smtClean="0">
-                    <a:latin typeface="+mj-lt"/>
-                  </a:rPr>
-                  <a:t>Observación </a:t>
-                </a:r>
-                <a:r>
-                  <a:rPr lang="es-AR" sz="1800" b="0" dirty="0">
-                    <a:latin typeface="+mj-lt"/>
-                  </a:rPr>
-                  <a:t>Visual (Altura en mts.)</a:t>
-                </a:r>
-              </a:p>
-            </c:rich>
-          </c:tx>
-          <c:layout/>
-        </c:title>
-        <c:numFmt formatCode="General" sourceLinked="1"/>
-        <c:tickLblPos val="nextTo"/>
-        <c:txPr>
-          <a:bodyPr/>
-          <a:lstStyle/>
-          <a:p>
-            <a:pPr>
-              <a:defRPr lang="es-AR"/>
-            </a:pPr>
-            <a:endParaRPr lang="es-ES"/>
-          </a:p>
-        </c:txPr>
-        <c:crossAx val="68361216"/>
-        <c:crosses val="autoZero"/>
-        <c:crossBetween val="midCat"/>
-      </c:valAx>
-    </c:plotArea>
-    <c:plotVisOnly val="1"/>
-  </c:chart>
-  <c:externalData r:id="rId1"/>
-</c:chartSpace>
-</file>
-
-<file path=ppt/charts/chart11.xml><?xml version="1.0" encoding="utf-8"?>
-<c:chartSpace xmlns:c="http://schemas.openxmlformats.org/drawingml/2006/chart" xmlns:a="http://schemas.openxmlformats.org/drawingml/2006/main" xmlns:r="http://schemas.openxmlformats.org/officeDocument/2006/relationships">
-  <c:date1904 val="1"/>
-  <c:lang val="es-ES"/>
-  <c:chart>
-    <c:view3D>
-      <c:rAngAx val="1"/>
-    </c:view3D>
-    <c:plotArea>
-      <c:layout/>
-      <c:bar3DChart>
-        <c:barDir val="col"/>
-        <c:grouping val="clustered"/>
-        <c:ser>
-          <c:idx val="0"/>
-          <c:order val="0"/>
-          <c:tx>
-            <c:strRef>
-              <c:f>Hoja1!$B$1</c:f>
-              <c:strCache>
-                <c:ptCount val="1"/>
-                <c:pt idx="0">
-                  <c:v>Correlación WW3 / Obs. Visual</c:v>
-                </c:pt>
-              </c:strCache>
-            </c:strRef>
-          </c:tx>
-          <c:cat>
-            <c:strRef>
-              <c:f>Hoja1!$A$2:$A$6</c:f>
-              <c:strCache>
-                <c:ptCount val="5"/>
-                <c:pt idx="0">
-                  <c:v>Makaha</c:v>
-                </c:pt>
-                <c:pt idx="1">
-                  <c:v>Sunset</c:v>
-                </c:pt>
-                <c:pt idx="2">
-                  <c:v>Ala Moana</c:v>
-                </c:pt>
-                <c:pt idx="3">
-                  <c:v>Diamond Head</c:v>
-                </c:pt>
-                <c:pt idx="4">
-                  <c:v>Makapuu</c:v>
-                </c:pt>
-              </c:strCache>
-            </c:strRef>
-          </c:cat>
-          <c:val>
-            <c:numRef>
-              <c:f>Hoja1!$B$2:$B$6</c:f>
-              <c:numCache>
-                <c:formatCode>0%</c:formatCode>
-                <c:ptCount val="5"/>
-                <c:pt idx="0">
-                  <c:v>0.66000000000000225</c:v>
-                </c:pt>
-                <c:pt idx="1">
-                  <c:v>0.82000000000000062</c:v>
-                </c:pt>
-                <c:pt idx="2">
-                  <c:v>0</c:v>
-                </c:pt>
-                <c:pt idx="3">
-                  <c:v>0</c:v>
-                </c:pt>
-                <c:pt idx="4">
-                  <c:v>0.4</c:v>
-                </c:pt>
-              </c:numCache>
-            </c:numRef>
-          </c:val>
-        </c:ser>
-        <c:ser>
-          <c:idx val="1"/>
-          <c:order val="1"/>
-          <c:tx>
-            <c:strRef>
-              <c:f>Hoja1!$C$1</c:f>
-              <c:strCache>
-                <c:ptCount val="1"/>
-                <c:pt idx="0">
-                  <c:v>Correlación SVM / Obs. Visual</c:v>
-                </c:pt>
-              </c:strCache>
-            </c:strRef>
-          </c:tx>
-          <c:spPr>
-            <a:solidFill>
-              <a:srgbClr val="FF0000"/>
-            </a:solidFill>
-          </c:spPr>
-          <c:cat>
-            <c:strRef>
-              <c:f>Hoja1!$A$2:$A$6</c:f>
-              <c:strCache>
-                <c:ptCount val="5"/>
-                <c:pt idx="0">
-                  <c:v>Makaha</c:v>
-                </c:pt>
-                <c:pt idx="1">
-                  <c:v>Sunset</c:v>
-                </c:pt>
-                <c:pt idx="2">
-                  <c:v>Ala Moana</c:v>
-                </c:pt>
-                <c:pt idx="3">
-                  <c:v>Diamond Head</c:v>
-                </c:pt>
-                <c:pt idx="4">
-                  <c:v>Makapuu</c:v>
-                </c:pt>
-              </c:strCache>
-            </c:strRef>
-          </c:cat>
-          <c:val>
-            <c:numRef>
-              <c:f>Hoja1!$C$2:$C$6</c:f>
-              <c:numCache>
-                <c:formatCode>0%</c:formatCode>
-                <c:ptCount val="5"/>
-                <c:pt idx="0">
-                  <c:v>0.82000000000000062</c:v>
-                </c:pt>
-                <c:pt idx="1">
-                  <c:v>0.89</c:v>
-                </c:pt>
-                <c:pt idx="2">
-                  <c:v>0.5</c:v>
-                </c:pt>
-                <c:pt idx="3">
-                  <c:v>0.48000000000000032</c:v>
-                </c:pt>
-                <c:pt idx="4">
-                  <c:v>0.79</c:v>
-                </c:pt>
-              </c:numCache>
-            </c:numRef>
-          </c:val>
-        </c:ser>
-        <c:shape val="box"/>
-        <c:axId val="68413312"/>
-        <c:axId val="68414848"/>
-        <c:axId val="0"/>
-      </c:bar3DChart>
-      <c:catAx>
-        <c:axId val="68413312"/>
-        <c:scaling>
-          <c:orientation val="minMax"/>
-        </c:scaling>
-        <c:axPos val="b"/>
-        <c:tickLblPos val="nextTo"/>
-        <c:txPr>
-          <a:bodyPr/>
-          <a:lstStyle/>
-          <a:p>
-            <a:pPr>
-              <a:defRPr lang="es-AR" sz="1400">
-                <a:latin typeface="+mj-lt"/>
-              </a:defRPr>
-            </a:pPr>
-            <a:endParaRPr lang="es-ES"/>
-          </a:p>
-        </c:txPr>
-        <c:crossAx val="68414848"/>
-        <c:crosses val="autoZero"/>
-        <c:auto val="1"/>
-        <c:lblAlgn val="ctr"/>
-        <c:lblOffset val="100"/>
-      </c:catAx>
-      <c:valAx>
-        <c:axId val="68414848"/>
-        <c:scaling>
-          <c:orientation val="minMax"/>
-        </c:scaling>
-        <c:axPos val="l"/>
-        <c:majorGridlines/>
-        <c:numFmt formatCode="0%" sourceLinked="1"/>
-        <c:tickLblPos val="nextTo"/>
-        <c:txPr>
-          <a:bodyPr/>
-          <a:lstStyle/>
-          <a:p>
-            <a:pPr>
-              <a:defRPr lang="es-AR"/>
-            </a:pPr>
-            <a:endParaRPr lang="es-ES"/>
-          </a:p>
-        </c:txPr>
-        <c:crossAx val="68413312"/>
-        <c:crosses val="autoZero"/>
-        <c:crossBetween val="between"/>
-      </c:valAx>
-    </c:plotArea>
-    <c:legend>
-      <c:legendPos val="r"/>
-      <c:legendEntry>
-        <c:idx val="0"/>
-        <c:txPr>
-          <a:bodyPr/>
-          <a:lstStyle/>
-          <a:p>
-            <a:pPr>
-              <a:defRPr lang="es-AR" sz="1400">
-                <a:latin typeface="+mj-lt"/>
-              </a:defRPr>
-            </a:pPr>
-            <a:endParaRPr lang="es-ES"/>
-          </a:p>
-        </c:txPr>
-      </c:legendEntry>
-      <c:legendEntry>
-        <c:idx val="1"/>
-        <c:txPr>
-          <a:bodyPr/>
-          <a:lstStyle/>
-          <a:p>
-            <a:pPr>
-              <a:defRPr lang="es-AR" sz="1400">
-                <a:latin typeface="+mj-lt"/>
-              </a:defRPr>
-            </a:pPr>
-            <a:endParaRPr lang="es-ES"/>
-          </a:p>
-        </c:txPr>
-      </c:legendEntry>
-      <c:layout/>
-      <c:txPr>
-        <a:bodyPr/>
-        <a:lstStyle/>
-        <a:p>
-          <a:pPr>
-            <a:defRPr lang="es-AR"/>
-          </a:pPr>
-          <a:endParaRPr lang="es-ES"/>
-        </a:p>
-      </c:txPr>
-    </c:legend>
-    <c:plotVisOnly val="1"/>
-  </c:chart>
-  <c:externalData r:id="rId1"/>
-</c:chartSpace>
-</file>
-
-<file path=ppt/charts/chart12.xml><?xml version="1.0" encoding="utf-8"?>
-<c:chartSpace xmlns:c="http://schemas.openxmlformats.org/drawingml/2006/chart" xmlns:a="http://schemas.openxmlformats.org/drawingml/2006/main" xmlns:r="http://schemas.openxmlformats.org/officeDocument/2006/relationships">
-  <c:date1904 val="1"/>
-  <c:lang val="es-ES"/>
-  <c:chart>
-    <c:view3D>
-      <c:rAngAx val="1"/>
-    </c:view3D>
-    <c:plotArea>
-      <c:layout/>
-      <c:bar3DChart>
-        <c:barDir val="col"/>
-        <c:grouping val="clustered"/>
-        <c:ser>
-          <c:idx val="0"/>
-          <c:order val="0"/>
-          <c:tx>
-            <c:strRef>
-              <c:f>Hoja1!$B$25</c:f>
-              <c:strCache>
-                <c:ptCount val="1"/>
-                <c:pt idx="0">
-                  <c:v>MAE WW3 / Obs. Visual [mts.]</c:v>
-                </c:pt>
-              </c:strCache>
-            </c:strRef>
-          </c:tx>
-          <c:cat>
-            <c:strRef>
-              <c:f>Hoja1!$A$26:$A$30</c:f>
-              <c:strCache>
-                <c:ptCount val="5"/>
-                <c:pt idx="0">
-                  <c:v>Makaha</c:v>
-                </c:pt>
-                <c:pt idx="1">
-                  <c:v>Sunset</c:v>
-                </c:pt>
-                <c:pt idx="2">
-                  <c:v>Ala Moana</c:v>
-                </c:pt>
-                <c:pt idx="3">
-                  <c:v>Diamond Head</c:v>
-                </c:pt>
-                <c:pt idx="4">
-                  <c:v>Makapuu</c:v>
-                </c:pt>
-              </c:strCache>
-            </c:strRef>
-          </c:cat>
-          <c:val>
-            <c:numRef>
-              <c:f>Hoja1!$B$26:$B$30</c:f>
-              <c:numCache>
-                <c:formatCode>General</c:formatCode>
-                <c:ptCount val="5"/>
-                <c:pt idx="0">
-                  <c:v>0.96000000000000063</c:v>
-                </c:pt>
-                <c:pt idx="1">
-                  <c:v>1.35</c:v>
-                </c:pt>
-                <c:pt idx="2">
-                  <c:v>1.1800000000000035</c:v>
-                </c:pt>
-                <c:pt idx="3">
-                  <c:v>0.99</c:v>
-                </c:pt>
-                <c:pt idx="4">
-                  <c:v>0.9</c:v>
-                </c:pt>
-              </c:numCache>
-            </c:numRef>
-          </c:val>
-        </c:ser>
-        <c:ser>
-          <c:idx val="1"/>
-          <c:order val="1"/>
-          <c:tx>
-            <c:strRef>
-              <c:f>Hoja1!$C$25</c:f>
-              <c:strCache>
-                <c:ptCount val="1"/>
-                <c:pt idx="0">
-                  <c:v>MAE SVM / Obs. Visual [mts.]</c:v>
-                </c:pt>
-              </c:strCache>
-            </c:strRef>
-          </c:tx>
-          <c:spPr>
-            <a:solidFill>
-              <a:srgbClr val="FF0000"/>
-            </a:solidFill>
-          </c:spPr>
-          <c:cat>
-            <c:strRef>
-              <c:f>Hoja1!$A$26:$A$30</c:f>
-              <c:strCache>
-                <c:ptCount val="5"/>
-                <c:pt idx="0">
-                  <c:v>Makaha</c:v>
-                </c:pt>
-                <c:pt idx="1">
-                  <c:v>Sunset</c:v>
-                </c:pt>
-                <c:pt idx="2">
-                  <c:v>Ala Moana</c:v>
-                </c:pt>
-                <c:pt idx="3">
-                  <c:v>Diamond Head</c:v>
-                </c:pt>
-                <c:pt idx="4">
-                  <c:v>Makapuu</c:v>
-                </c:pt>
-              </c:strCache>
-            </c:strRef>
-          </c:cat>
-          <c:val>
-            <c:numRef>
-              <c:f>Hoja1!$C$26:$C$30</c:f>
-              <c:numCache>
-                <c:formatCode>General</c:formatCode>
-                <c:ptCount val="5"/>
-                <c:pt idx="0">
-                  <c:v>0.61000000000000065</c:v>
-                </c:pt>
-                <c:pt idx="1">
-                  <c:v>0.82000000000000062</c:v>
-                </c:pt>
-                <c:pt idx="2">
-                  <c:v>0.46</c:v>
-                </c:pt>
-                <c:pt idx="3">
-                  <c:v>0.47000000000000008</c:v>
-                </c:pt>
-                <c:pt idx="4">
-                  <c:v>0.47000000000000008</c:v>
-                </c:pt>
-              </c:numCache>
-            </c:numRef>
-          </c:val>
-        </c:ser>
-        <c:shape val="cylinder"/>
-        <c:axId val="68584192"/>
-        <c:axId val="68585728"/>
-        <c:axId val="0"/>
-      </c:bar3DChart>
-      <c:catAx>
-        <c:axId val="68584192"/>
-        <c:scaling>
-          <c:orientation val="minMax"/>
-        </c:scaling>
-        <c:axPos val="b"/>
-        <c:tickLblPos val="nextTo"/>
-        <c:txPr>
-          <a:bodyPr/>
-          <a:lstStyle/>
-          <a:p>
-            <a:pPr>
-              <a:defRPr lang="es-AR" sz="1400">
-                <a:latin typeface="+mj-lt"/>
-              </a:defRPr>
-            </a:pPr>
-            <a:endParaRPr lang="es-ES"/>
-          </a:p>
-        </c:txPr>
-        <c:crossAx val="68585728"/>
-        <c:crosses val="autoZero"/>
-        <c:auto val="1"/>
-        <c:lblAlgn val="ctr"/>
-        <c:lblOffset val="100"/>
-      </c:catAx>
-      <c:valAx>
-        <c:axId val="68585728"/>
-        <c:scaling>
-          <c:orientation val="minMax"/>
-        </c:scaling>
-        <c:axPos val="l"/>
-        <c:majorGridlines/>
-        <c:numFmt formatCode="General" sourceLinked="1"/>
-        <c:tickLblPos val="nextTo"/>
-        <c:txPr>
-          <a:bodyPr/>
-          <a:lstStyle/>
-          <a:p>
-            <a:pPr>
-              <a:defRPr lang="es-AR"/>
-            </a:pPr>
-            <a:endParaRPr lang="es-ES"/>
-          </a:p>
-        </c:txPr>
-        <c:crossAx val="68584192"/>
-        <c:crosses val="autoZero"/>
-        <c:crossBetween val="between"/>
-      </c:valAx>
-    </c:plotArea>
-    <c:legend>
-      <c:legendPos val="r"/>
-      <c:layout/>
-      <c:txPr>
-        <a:bodyPr/>
-        <a:lstStyle/>
-        <a:p>
-          <a:pPr>
-            <a:defRPr lang="es-AR" sz="1400">
-              <a:latin typeface="+mj-lt"/>
-            </a:defRPr>
-          </a:pPr>
-          <a:endParaRPr lang="es-ES"/>
-        </a:p>
-      </c:txPr>
-    </c:legend>
-    <c:plotVisOnly val="1"/>
-  </c:chart>
-  <c:externalData r:id="rId1"/>
-</c:chartSpace>
-</file>
-
-<file path=ppt/charts/chart2.xml><?xml version="1.0" encoding="utf-8"?>
+<file path=ppt/charts/chart4.xml><?xml version="1.0" encoding="utf-8"?>
 <c:chartSpace xmlns:c="http://schemas.openxmlformats.org/drawingml/2006/chart" xmlns:a="http://schemas.openxmlformats.org/drawingml/2006/main" xmlns:r="http://schemas.openxmlformats.org/officeDocument/2006/relationships">
   <c:date1904 val="1"/>
   <c:lang val="es-ES"/>
@@ -2231,19 +4240,19 @@
                   <c:v>1.0330390684786552</c:v>
                 </c:pt>
                 <c:pt idx="6">
-                  <c:v>1.0302429519403247</c:v>
+                  <c:v>1.0302429519403249</c:v>
                 </c:pt>
                 <c:pt idx="7">
                   <c:v>0.94738273200566459</c:v>
                 </c:pt>
                 <c:pt idx="8">
-                  <c:v>0.92793801360197881</c:v>
+                  <c:v>0.92793801360197892</c:v>
                 </c:pt>
                 <c:pt idx="9">
                   <c:v>0.92012906293872665</c:v>
                 </c:pt>
                 <c:pt idx="10">
-                  <c:v>0.88481716181109393</c:v>
+                  <c:v>0.88481716181109371</c:v>
                 </c:pt>
                 <c:pt idx="11">
                   <c:v>0.88417424754272178</c:v>
@@ -2255,7 +4264,7 @@
                   <c:v>0.85063806565684563</c:v>
                 </c:pt>
                 <c:pt idx="14">
-                  <c:v>0.84777133793556025</c:v>
+                  <c:v>0.84777133793556037</c:v>
                 </c:pt>
                 <c:pt idx="15">
                   <c:v>0.8445144923789446</c:v>
@@ -2264,7 +4273,7 @@
                   <c:v>0.83725594840038564</c:v>
                 </c:pt>
                 <c:pt idx="17">
-                  <c:v>0.8346170314191923</c:v>
+                  <c:v>0.83461703141919252</c:v>
                 </c:pt>
               </c:numCache>
             </c:numRef>
@@ -2363,7 +4372,7 @@
                   <c:v>0.9387309603633297</c:v>
                 </c:pt>
                 <c:pt idx="1">
-                  <c:v>0.89153277738270997</c:v>
+                  <c:v>0.89153277738270986</c:v>
                 </c:pt>
                 <c:pt idx="2">
                   <c:v>0.82301056544373608</c:v>
@@ -2375,22 +4384,22 @@
                   <c:v>0.75252199659024765</c:v>
                 </c:pt>
                 <c:pt idx="5">
-                  <c:v>0.74212373331281889</c:v>
+                  <c:v>0.742123733312819</c:v>
                 </c:pt>
                 <c:pt idx="6">
                   <c:v>0.73688717786732749</c:v>
                 </c:pt>
                 <c:pt idx="7">
-                  <c:v>0.72860146352750799</c:v>
+                  <c:v>0.72860146352750821</c:v>
                 </c:pt>
                 <c:pt idx="8">
-                  <c:v>0.70577785559581474</c:v>
+                  <c:v>0.70577785559581485</c:v>
                 </c:pt>
                 <c:pt idx="9">
                   <c:v>0.69274686371956962</c:v>
                 </c:pt>
                 <c:pt idx="10">
-                  <c:v>0.6793016141404693</c:v>
+                  <c:v>0.67930161414046952</c:v>
                 </c:pt>
                 <c:pt idx="11">
                   <c:v>0.67228263477634131</c:v>
@@ -2399,22 +4408,22 @@
                   <c:v>0.68022471453120004</c:v>
                 </c:pt>
                 <c:pt idx="13">
-                  <c:v>0.6639850316185264</c:v>
+                  <c:v>0.66398503161852673</c:v>
                 </c:pt>
                 <c:pt idx="14">
                   <c:v>0.6640628299517749</c:v>
                 </c:pt>
                 <c:pt idx="15">
-                  <c:v>0.66308558009338014</c:v>
+                  <c:v>0.66308558009338026</c:v>
                 </c:pt>
                 <c:pt idx="16">
                   <c:v>0.65656511915425986</c:v>
                 </c:pt>
                 <c:pt idx="17">
-                  <c:v>0.65158141257239111</c:v>
+                  <c:v>0.65158141257239133</c:v>
                 </c:pt>
                 <c:pt idx="18">
-                  <c:v>0.65187548701494913</c:v>
+                  <c:v>0.65187548701494924</c:v>
                 </c:pt>
               </c:numCache>
             </c:numRef>
@@ -2503,7 +4512,7 @@
                 <c:formatCode>General</c:formatCode>
                 <c:ptCount val="19"/>
                 <c:pt idx="0">
-                  <c:v>0.66149732049012822</c:v>
+                  <c:v>0.66149732049012833</c:v>
                 </c:pt>
                 <c:pt idx="1">
                   <c:v>0.6001326027033127</c:v>
@@ -2512,13 +4521,13 @@
                   <c:v>0.55639887771499263</c:v>
                 </c:pt>
                 <c:pt idx="3">
-                  <c:v>0.62284472485511388</c:v>
+                  <c:v>0.622844724855114</c:v>
                 </c:pt>
                 <c:pt idx="4">
                   <c:v>0.55351605829049677</c:v>
                 </c:pt>
                 <c:pt idx="5">
-                  <c:v>0.58846095302595447</c:v>
+                  <c:v>0.58846095302595436</c:v>
                 </c:pt>
                 <c:pt idx="6">
                   <c:v>0.57298820383188065</c:v>
@@ -2530,7 +4539,7 @@
                   <c:v>0.55636349504129456</c:v>
                 </c:pt>
                 <c:pt idx="9">
-                  <c:v>0.5617558046949519</c:v>
+                  <c:v>0.56175580469495201</c:v>
                 </c:pt>
                 <c:pt idx="10">
                   <c:v>0.54619756290876298</c:v>
@@ -2650,7 +4659,7 @@
                 <c:formatCode>General</c:formatCode>
                 <c:ptCount val="18"/>
                 <c:pt idx="0">
-                  <c:v>0.63237080268503976</c:v>
+                  <c:v>0.63237080268503998</c:v>
                 </c:pt>
                 <c:pt idx="1">
                   <c:v>0.58374227027070569</c:v>
@@ -2659,7 +4668,7 @@
                   <c:v>0.59186681564330168</c:v>
                 </c:pt>
                 <c:pt idx="3">
-                  <c:v>0.56326543263150253</c:v>
+                  <c:v>0.56326543263150275</c:v>
                 </c:pt>
                 <c:pt idx="4">
                   <c:v>0.57183044589207288</c:v>
@@ -2674,7 +4683,7 @@
                   <c:v>0.53802118949602251</c:v>
                 </c:pt>
                 <c:pt idx="8">
-                  <c:v>0.53450509736819496</c:v>
+                  <c:v>0.53450509736819518</c:v>
                 </c:pt>
                 <c:pt idx="9">
                   <c:v>0.52829897414829863</c:v>
@@ -2698,7 +4707,7 @@
                   <c:v>0.50670323954628771</c:v>
                 </c:pt>
                 <c:pt idx="16">
-                  <c:v>0.50238192552660133</c:v>
+                  <c:v>0.50238192552660121</c:v>
                 </c:pt>
                 <c:pt idx="17">
                   <c:v>0.49463977381829932</c:v>
@@ -2790,31 +4799,31 @@
                 <c:formatCode>General</c:formatCode>
                 <c:ptCount val="19"/>
                 <c:pt idx="0">
-                  <c:v>0.77289983769924253</c:v>
+                  <c:v>0.77289983769924286</c:v>
                 </c:pt>
                 <c:pt idx="1">
                   <c:v>0.74632356481168916</c:v>
                 </c:pt>
                 <c:pt idx="2">
-                  <c:v>0.78634361659647889</c:v>
+                  <c:v>0.78634361659647911</c:v>
                 </c:pt>
                 <c:pt idx="3">
-                  <c:v>0.68296121733003745</c:v>
+                  <c:v>0.68296121733003756</c:v>
                 </c:pt>
                 <c:pt idx="4">
-                  <c:v>0.66450739252953994</c:v>
+                  <c:v>0.66450739252954005</c:v>
                 </c:pt>
                 <c:pt idx="5">
-                  <c:v>0.61644319255848079</c:v>
+                  <c:v>0.61644319255848101</c:v>
                 </c:pt>
                 <c:pt idx="6">
                   <c:v>0.6102724059818817</c:v>
                 </c:pt>
                 <c:pt idx="7">
-                  <c:v>0.60925823106012456</c:v>
+                  <c:v>0.60925823106012478</c:v>
                 </c:pt>
                 <c:pt idx="8">
-                  <c:v>0.62851239646724844</c:v>
+                  <c:v>0.62851239646724832</c:v>
                 </c:pt>
                 <c:pt idx="9">
                   <c:v>0.60456332932399459</c:v>
@@ -2823,10 +4832,10 @@
                   <c:v>0.59800801508451062</c:v>
                 </c:pt>
                 <c:pt idx="11">
-                  <c:v>0.59484127138609666</c:v>
+                  <c:v>0.59484127138609677</c:v>
                 </c:pt>
                 <c:pt idx="12">
-                  <c:v>0.57774424327942475</c:v>
+                  <c:v>0.57774424327942486</c:v>
                 </c:pt>
                 <c:pt idx="13">
                   <c:v>0.57412911597622418</c:v>
@@ -2841,7 +4850,7 @@
                   <c:v>0.56487792557592453</c:v>
                 </c:pt>
                 <c:pt idx="17">
-                  <c:v>0.55704303471989802</c:v>
+                  <c:v>0.55704303471989813</c:v>
                 </c:pt>
                 <c:pt idx="18">
                   <c:v>0.55532457683742076</c:v>
@@ -2851,11 +4860,11 @@
           </c:yVal>
           <c:smooth val="1"/>
         </c:ser>
-        <c:axId val="62500224"/>
-        <c:axId val="62510592"/>
+        <c:axId val="84039168"/>
+        <c:axId val="84041088"/>
       </c:scatterChart>
       <c:valAx>
-        <c:axId val="62500224"/>
+        <c:axId val="84039168"/>
         <c:scaling>
           <c:orientation val="minMax"/>
           <c:max val="1000"/>
@@ -2936,7 +4945,7 @@
             <c:manualLayout>
               <c:xMode val="edge"/>
               <c:yMode val="edge"/>
-              <c:x val="0.31703777702969266"/>
+              <c:x val="0.31703777702969277"/>
               <c:y val="0.86625336375377393"/>
             </c:manualLayout>
           </c:layout>
@@ -2953,12 +4962,12 @@
             <a:endParaRPr lang="es-ES"/>
           </a:p>
         </c:txPr>
-        <c:crossAx val="62510592"/>
+        <c:crossAx val="84041088"/>
         <c:crosses val="autoZero"/>
         <c:crossBetween val="midCat"/>
       </c:valAx>
       <c:valAx>
-        <c:axId val="62510592"/>
+        <c:axId val="84041088"/>
         <c:scaling>
           <c:orientation val="minMax"/>
           <c:min val="0.4"/>
@@ -2997,7 +5006,7 @@
             <a:endParaRPr lang="es-ES"/>
           </a:p>
         </c:txPr>
-        <c:crossAx val="62500224"/>
+        <c:crossAx val="84039168"/>
         <c:crosses val="autoZero"/>
         <c:crossBetween val="midCat"/>
       </c:valAx>
@@ -3024,7 +5033,7 @@
 </c:chartSpace>
 </file>
 
-<file path=ppt/charts/chart3.xml><?xml version="1.0" encoding="utf-8"?>
+<file path=ppt/charts/chart5.xml><?xml version="1.0" encoding="utf-8"?>
 <c:chartSpace xmlns:c="http://schemas.openxmlformats.org/drawingml/2006/chart" xmlns:a="http://schemas.openxmlformats.org/drawingml/2006/main" xmlns:r="http://schemas.openxmlformats.org/officeDocument/2006/relationships">
   <c:date1904 val="1"/>
   <c:lang val="es-ES"/>
@@ -3100,7 +5109,7 @@
                 <c:formatCode>General</c:formatCode>
                 <c:ptCount val="5"/>
                 <c:pt idx="0">
-                  <c:v>0.85000000000000031</c:v>
+                  <c:v>0.85000000000000042</c:v>
                 </c:pt>
                 <c:pt idx="1">
                   <c:v>0.28000000000000008</c:v>
@@ -3170,13 +5179,13 @@
                   <c:v>0.88</c:v>
                 </c:pt>
                 <c:pt idx="1">
-                  <c:v>0.42000000000000015</c:v>
+                  <c:v>0.42000000000000021</c:v>
                 </c:pt>
                 <c:pt idx="2">
-                  <c:v>0.37000000000000016</c:v>
+                  <c:v>0.37000000000000022</c:v>
                 </c:pt>
                 <c:pt idx="3">
-                  <c:v>0.61000000000000032</c:v>
+                  <c:v>0.61000000000000043</c:v>
                 </c:pt>
                 <c:pt idx="4">
                   <c:v>0.81</c:v>
@@ -3242,13 +5251,13 @@
                   <c:v>0.5</c:v>
                 </c:pt>
                 <c:pt idx="2">
-                  <c:v>0.48000000000000015</c:v>
+                  <c:v>0.4800000000000002</c:v>
                 </c:pt>
                 <c:pt idx="3">
-                  <c:v>0.74000000000000032</c:v>
+                  <c:v>0.74000000000000044</c:v>
                 </c:pt>
                 <c:pt idx="4">
-                  <c:v>0.82000000000000028</c:v>
+                  <c:v>0.8200000000000004</c:v>
                 </c:pt>
               </c:numCache>
             </c:numRef>
@@ -3309,37 +5318,37 @@
                   <c:v>0.47000000000000008</c:v>
                 </c:pt>
                 <c:pt idx="2">
-                  <c:v>0.35000000000000014</c:v>
+                  <c:v>0.3500000000000002</c:v>
                 </c:pt>
                 <c:pt idx="3">
-                  <c:v>0.70000000000000029</c:v>
+                  <c:v>0.7000000000000004</c:v>
                 </c:pt>
                 <c:pt idx="4">
-                  <c:v>0.82000000000000028</c:v>
+                  <c:v>0.8200000000000004</c:v>
                 </c:pt>
               </c:numCache>
             </c:numRef>
           </c:val>
         </c:ser>
-        <c:axId val="62798464"/>
-        <c:axId val="62820736"/>
+        <c:axId val="84136704"/>
+        <c:axId val="84138240"/>
       </c:barChart>
       <c:catAx>
-        <c:axId val="62798464"/>
+        <c:axId val="84136704"/>
         <c:scaling>
           <c:orientation val="minMax"/>
         </c:scaling>
         <c:axPos val="b"/>
         <c:majorTickMark val="none"/>
         <c:tickLblPos val="nextTo"/>
-        <c:crossAx val="62820736"/>
+        <c:crossAx val="84138240"/>
         <c:crosses val="autoZero"/>
         <c:auto val="1"/>
         <c:lblAlgn val="ctr"/>
         <c:lblOffset val="100"/>
       </c:catAx>
       <c:valAx>
-        <c:axId val="62820736"/>
+        <c:axId val="84138240"/>
         <c:scaling>
           <c:orientation val="minMax"/>
         </c:scaling>
@@ -3348,7 +5357,7 @@
         <c:numFmt formatCode="General" sourceLinked="1"/>
         <c:majorTickMark val="none"/>
         <c:tickLblPos val="nextTo"/>
-        <c:crossAx val="62798464"/>
+        <c:crossAx val="84136704"/>
         <c:crosses val="autoZero"/>
         <c:crossBetween val="between"/>
       </c:valAx>
@@ -3363,8 +5372,9 @@
 </c:chartSpace>
 </file>
 
-<file path=ppt/charts/chart4.xml><?xml version="1.0" encoding="utf-8"?>
+<file path=ppt/charts/chart6.xml><?xml version="1.0" encoding="utf-8"?>
 <c:chartSpace xmlns:c="http://schemas.openxmlformats.org/drawingml/2006/chart" xmlns:a="http://schemas.openxmlformats.org/drawingml/2006/main" xmlns:r="http://schemas.openxmlformats.org/officeDocument/2006/relationships">
+  <c:date1904 val="1"/>
   <c:lang val="es-ES"/>
   <c:chart>
     <c:title>
@@ -3438,19 +5448,19 @@
                 <c:formatCode>General</c:formatCode>
                 <c:ptCount val="5"/>
                 <c:pt idx="0">
-                  <c:v>0.97000000000000031</c:v>
+                  <c:v>0.97000000000000042</c:v>
                 </c:pt>
                 <c:pt idx="1">
                   <c:v>0.53</c:v>
                 </c:pt>
                 <c:pt idx="2">
-                  <c:v>0.60000000000000031</c:v>
+                  <c:v>0.60000000000000042</c:v>
                 </c:pt>
                 <c:pt idx="3">
-                  <c:v>0.60000000000000031</c:v>
+                  <c:v>0.60000000000000042</c:v>
                 </c:pt>
                 <c:pt idx="4">
-                  <c:v>0.67000000000000048</c:v>
+                  <c:v>0.67000000000000071</c:v>
                 </c:pt>
               </c:numCache>
             </c:numRef>
@@ -3505,7 +5515,7 @@
                 <c:formatCode>General</c:formatCode>
                 <c:ptCount val="5"/>
                 <c:pt idx="0">
-                  <c:v>0.86000000000000032</c:v>
+                  <c:v>0.86000000000000043</c:v>
                 </c:pt>
                 <c:pt idx="1">
                   <c:v>0.5</c:v>
@@ -3517,7 +5527,7 @@
                   <c:v>0.54</c:v>
                 </c:pt>
                 <c:pt idx="4">
-                  <c:v>0.63000000000000034</c:v>
+                  <c:v>0.63000000000000045</c:v>
                 </c:pt>
               </c:numCache>
             </c:numRef>
@@ -3574,7 +5584,7 @@
                 <c:formatCode>General</c:formatCode>
                 <c:ptCount val="5"/>
                 <c:pt idx="0">
-                  <c:v>0.82000000000000028</c:v>
+                  <c:v>0.8200000000000004</c:v>
                 </c:pt>
                 <c:pt idx="1">
                   <c:v>0.46</c:v>
@@ -3586,7 +5596,7 @@
                   <c:v>0.47000000000000008</c:v>
                 </c:pt>
                 <c:pt idx="4">
-                  <c:v>0.61000000000000032</c:v>
+                  <c:v>0.61000000000000043</c:v>
                 </c:pt>
               </c:numCache>
             </c:numRef>
@@ -3644,7 +5654,7 @@
                   <c:v>0.88</c:v>
                 </c:pt>
                 <c:pt idx="1">
-                  <c:v>0.49000000000000016</c:v>
+                  <c:v>0.49000000000000021</c:v>
                 </c:pt>
                 <c:pt idx="2">
                   <c:v>0.5</c:v>
@@ -3653,31 +5663,31 @@
                   <c:v>0.5</c:v>
                 </c:pt>
                 <c:pt idx="4">
-                  <c:v>0.61000000000000032</c:v>
+                  <c:v>0.61000000000000043</c:v>
                 </c:pt>
               </c:numCache>
             </c:numRef>
           </c:val>
         </c:ser>
-        <c:axId val="62843136"/>
-        <c:axId val="60751872"/>
+        <c:axId val="89612672"/>
+        <c:axId val="89614208"/>
       </c:barChart>
       <c:catAx>
-        <c:axId val="62843136"/>
+        <c:axId val="89612672"/>
         <c:scaling>
           <c:orientation val="minMax"/>
         </c:scaling>
         <c:axPos val="b"/>
         <c:majorTickMark val="none"/>
         <c:tickLblPos val="nextTo"/>
-        <c:crossAx val="60751872"/>
+        <c:crossAx val="89614208"/>
         <c:crosses val="autoZero"/>
         <c:auto val="1"/>
         <c:lblAlgn val="ctr"/>
         <c:lblOffset val="100"/>
       </c:catAx>
       <c:valAx>
-        <c:axId val="60751872"/>
+        <c:axId val="89614208"/>
         <c:scaling>
           <c:orientation val="minMax"/>
         </c:scaling>
@@ -3686,420 +5696,7 @@
         <c:numFmt formatCode="General" sourceLinked="1"/>
         <c:majorTickMark val="none"/>
         <c:tickLblPos val="nextTo"/>
-        <c:crossAx val="62843136"/>
-        <c:crosses val="autoZero"/>
-        <c:crossBetween val="between"/>
-      </c:valAx>
-    </c:plotArea>
-    <c:legend>
-      <c:legendPos val="r"/>
-      <c:layout/>
-    </c:legend>
-    <c:plotVisOnly val="1"/>
-  </c:chart>
-  <c:externalData r:id="rId1"/>
-</c:chartSpace>
-</file>
-
-<file path=ppt/charts/chart5.xml><?xml version="1.0" encoding="utf-8"?>
-<c:chartSpace xmlns:c="http://schemas.openxmlformats.org/drawingml/2006/chart" xmlns:a="http://schemas.openxmlformats.org/drawingml/2006/main" xmlns:r="http://schemas.openxmlformats.org/officeDocument/2006/relationships">
-  <c:date1904 val="1"/>
-  <c:lang val="es-ES"/>
-  <c:chart>
-    <c:title>
-      <c:tx>
-        <c:rich>
-          <a:bodyPr/>
-          <a:lstStyle/>
-          <a:p>
-            <a:pPr>
-              <a:defRPr sz="2000">
-                <a:latin typeface="+mj-lt"/>
-              </a:defRPr>
-            </a:pPr>
-            <a:r>
-              <a:rPr lang="es-ES" sz="2000">
-                <a:latin typeface="+mj-lt"/>
-              </a:rPr>
-              <a:t>Diamond Head - Correlación (SVM)</a:t>
-            </a:r>
-          </a:p>
-        </c:rich>
-      </c:tx>
-      <c:layout/>
-    </c:title>
-    <c:view3D>
-      <c:rAngAx val="1"/>
-    </c:view3D>
-    <c:plotArea>
-      <c:layout/>
-      <c:bar3DChart>
-        <c:barDir val="col"/>
-        <c:grouping val="clustered"/>
-        <c:ser>
-          <c:idx val="0"/>
-          <c:order val="0"/>
-          <c:tx>
-            <c:strRef>
-              <c:f>Hoja1!$C$144</c:f>
-              <c:strCache>
-                <c:ptCount val="1"/>
-                <c:pt idx="0">
-                  <c:v>Optimo</c:v>
-                </c:pt>
-              </c:strCache>
-            </c:strRef>
-          </c:tx>
-          <c:cat>
-            <c:strRef>
-              <c:f>Hoja1!$B$145:$B$148</c:f>
-              <c:strCache>
-                <c:ptCount val="4"/>
-                <c:pt idx="0">
-                  <c:v>WW3Last3Lectures</c:v>
-                </c:pt>
-                <c:pt idx="1">
-                  <c:v>WW3Simple</c:v>
-                </c:pt>
-                <c:pt idx="2">
-                  <c:v>TwoGridPoint</c:v>
-                </c:pt>
-                <c:pt idx="3">
-                  <c:v>WW3Last2Days</c:v>
-                </c:pt>
-              </c:strCache>
-            </c:strRef>
-          </c:cat>
-          <c:val>
-            <c:numRef>
-              <c:f>Hoja1!$C$145:$C$148</c:f>
-              <c:numCache>
-                <c:formatCode>General</c:formatCode>
-                <c:ptCount val="4"/>
-                <c:pt idx="0">
-                  <c:v>0.48000000000000015</c:v>
-                </c:pt>
-                <c:pt idx="1">
-                  <c:v>0.4</c:v>
-                </c:pt>
-                <c:pt idx="2">
-                  <c:v>0.42000000000000015</c:v>
-                </c:pt>
-                <c:pt idx="3">
-                  <c:v>0.42000000000000015</c:v>
-                </c:pt>
-              </c:numCache>
-            </c:numRef>
-          </c:val>
-        </c:ser>
-        <c:ser>
-          <c:idx val="1"/>
-          <c:order val="1"/>
-          <c:tx>
-            <c:strRef>
-              <c:f>Hoja1!$D$144</c:f>
-              <c:strCache>
-                <c:ptCount val="1"/>
-                <c:pt idx="0">
-                  <c:v>No óptimo</c:v>
-                </c:pt>
-              </c:strCache>
-            </c:strRef>
-          </c:tx>
-          <c:spPr>
-            <a:solidFill>
-              <a:srgbClr val="FF0000"/>
-            </a:solidFill>
-          </c:spPr>
-          <c:cat>
-            <c:strRef>
-              <c:f>Hoja1!$B$145:$B$148</c:f>
-              <c:strCache>
-                <c:ptCount val="4"/>
-                <c:pt idx="0">
-                  <c:v>WW3Last3Lectures</c:v>
-                </c:pt>
-                <c:pt idx="1">
-                  <c:v>WW3Simple</c:v>
-                </c:pt>
-                <c:pt idx="2">
-                  <c:v>TwoGridPoint</c:v>
-                </c:pt>
-                <c:pt idx="3">
-                  <c:v>WW3Last2Days</c:v>
-                </c:pt>
-              </c:strCache>
-            </c:strRef>
-          </c:cat>
-          <c:val>
-            <c:numRef>
-              <c:f>Hoja1!$D$145:$D$148</c:f>
-              <c:numCache>
-                <c:formatCode>General</c:formatCode>
-                <c:ptCount val="4"/>
-                <c:pt idx="0">
-                  <c:v>0.19</c:v>
-                </c:pt>
-                <c:pt idx="1">
-                  <c:v>0.23</c:v>
-                </c:pt>
-                <c:pt idx="2">
-                  <c:v>0.24000000000000007</c:v>
-                </c:pt>
-                <c:pt idx="3">
-                  <c:v>0.26</c:v>
-                </c:pt>
-              </c:numCache>
-            </c:numRef>
-          </c:val>
-        </c:ser>
-        <c:shape val="box"/>
-        <c:axId val="60786944"/>
-        <c:axId val="60792832"/>
-        <c:axId val="0"/>
-      </c:bar3DChart>
-      <c:catAx>
-        <c:axId val="60786944"/>
-        <c:scaling>
-          <c:orientation val="minMax"/>
-        </c:scaling>
-        <c:axPos val="b"/>
-        <c:majorTickMark val="none"/>
-        <c:tickLblPos val="nextTo"/>
-        <c:txPr>
-          <a:bodyPr/>
-          <a:lstStyle/>
-          <a:p>
-            <a:pPr>
-              <a:defRPr sz="1000" b="1">
-                <a:latin typeface="+mj-lt"/>
-              </a:defRPr>
-            </a:pPr>
-            <a:endParaRPr lang="es-ES"/>
-          </a:p>
-        </c:txPr>
-        <c:crossAx val="60792832"/>
-        <c:crosses val="autoZero"/>
-        <c:auto val="1"/>
-        <c:lblAlgn val="ctr"/>
-        <c:lblOffset val="100"/>
-      </c:catAx>
-      <c:valAx>
-        <c:axId val="60792832"/>
-        <c:scaling>
-          <c:orientation val="minMax"/>
-        </c:scaling>
-        <c:axPos val="l"/>
-        <c:majorGridlines/>
-        <c:numFmt formatCode="General" sourceLinked="1"/>
-        <c:majorTickMark val="none"/>
-        <c:tickLblPos val="nextTo"/>
-        <c:crossAx val="60786944"/>
-        <c:crosses val="autoZero"/>
-        <c:crossBetween val="between"/>
-      </c:valAx>
-    </c:plotArea>
-    <c:legend>
-      <c:legendPos val="r"/>
-      <c:layout/>
-      <c:txPr>
-        <a:bodyPr/>
-        <a:lstStyle/>
-        <a:p>
-          <a:pPr>
-            <a:defRPr sz="1600" b="0">
-              <a:latin typeface="+mj-lt"/>
-            </a:defRPr>
-          </a:pPr>
-          <a:endParaRPr lang="es-ES"/>
-        </a:p>
-      </c:txPr>
-    </c:legend>
-    <c:plotVisOnly val="1"/>
-  </c:chart>
-  <c:externalData r:id="rId1"/>
-</c:chartSpace>
-</file>
-
-<file path=ppt/charts/chart6.xml><?xml version="1.0" encoding="utf-8"?>
-<c:chartSpace xmlns:c="http://schemas.openxmlformats.org/drawingml/2006/chart" xmlns:a="http://schemas.openxmlformats.org/drawingml/2006/main" xmlns:r="http://schemas.openxmlformats.org/officeDocument/2006/relationships">
-  <c:date1904 val="1"/>
-  <c:lang val="es-ES"/>
-  <c:chart>
-    <c:title>
-      <c:tx>
-        <c:rich>
-          <a:bodyPr/>
-          <a:lstStyle/>
-          <a:p>
-            <a:pPr>
-              <a:defRPr/>
-            </a:pPr>
-            <a:r>
-              <a:rPr lang="es-ES" sz="1800" b="1" i="0" baseline="0"/>
-              <a:t>Diamond Head - MAE(SVM) [mts.]</a:t>
-            </a:r>
-            <a:endParaRPr lang="es-ES"/>
-          </a:p>
-        </c:rich>
-      </c:tx>
-      <c:layout/>
-    </c:title>
-    <c:view3D>
-      <c:rAngAx val="1"/>
-    </c:view3D>
-    <c:plotArea>
-      <c:layout/>
-      <c:bar3DChart>
-        <c:barDir val="col"/>
-        <c:grouping val="clustered"/>
-        <c:ser>
-          <c:idx val="0"/>
-          <c:order val="0"/>
-          <c:tx>
-            <c:strRef>
-              <c:f>Hoja1!$E$144</c:f>
-              <c:strCache>
-                <c:ptCount val="1"/>
-                <c:pt idx="0">
-                  <c:v>Optimo</c:v>
-                </c:pt>
-              </c:strCache>
-            </c:strRef>
-          </c:tx>
-          <c:cat>
-            <c:strRef>
-              <c:f>Hoja1!$B$145:$B$148</c:f>
-              <c:strCache>
-                <c:ptCount val="4"/>
-                <c:pt idx="0">
-                  <c:v>WW3Last3Lectures</c:v>
-                </c:pt>
-                <c:pt idx="1">
-                  <c:v>WW3Simple</c:v>
-                </c:pt>
-                <c:pt idx="2">
-                  <c:v>TwoGridPoint</c:v>
-                </c:pt>
-                <c:pt idx="3">
-                  <c:v>WW3Last2Days</c:v>
-                </c:pt>
-              </c:strCache>
-            </c:strRef>
-          </c:cat>
-          <c:val>
-            <c:numRef>
-              <c:f>Hoja1!$E$145:$E$148</c:f>
-              <c:numCache>
-                <c:formatCode>General</c:formatCode>
-                <c:ptCount val="4"/>
-                <c:pt idx="0">
-                  <c:v>0.47000000000000008</c:v>
-                </c:pt>
-                <c:pt idx="1">
-                  <c:v>0.49000000000000016</c:v>
-                </c:pt>
-                <c:pt idx="2">
-                  <c:v>0.48000000000000015</c:v>
-                </c:pt>
-                <c:pt idx="3">
-                  <c:v>0.48000000000000015</c:v>
-                </c:pt>
-              </c:numCache>
-            </c:numRef>
-          </c:val>
-        </c:ser>
-        <c:ser>
-          <c:idx val="1"/>
-          <c:order val="1"/>
-          <c:tx>
-            <c:strRef>
-              <c:f>Hoja1!$F$144</c:f>
-              <c:strCache>
-                <c:ptCount val="1"/>
-                <c:pt idx="0">
-                  <c:v>No óptimo</c:v>
-                </c:pt>
-              </c:strCache>
-            </c:strRef>
-          </c:tx>
-          <c:spPr>
-            <a:solidFill>
-              <a:srgbClr val="FF0000"/>
-            </a:solidFill>
-          </c:spPr>
-          <c:cat>
-            <c:strRef>
-              <c:f>Hoja1!$B$145:$B$148</c:f>
-              <c:strCache>
-                <c:ptCount val="4"/>
-                <c:pt idx="0">
-                  <c:v>WW3Last3Lectures</c:v>
-                </c:pt>
-                <c:pt idx="1">
-                  <c:v>WW3Simple</c:v>
-                </c:pt>
-                <c:pt idx="2">
-                  <c:v>TwoGridPoint</c:v>
-                </c:pt>
-                <c:pt idx="3">
-                  <c:v>WW3Last2Days</c:v>
-                </c:pt>
-              </c:strCache>
-            </c:strRef>
-          </c:cat>
-          <c:val>
-            <c:numRef>
-              <c:f>Hoja1!$F$145:$F$148</c:f>
-              <c:numCache>
-                <c:formatCode>General</c:formatCode>
-                <c:ptCount val="4"/>
-                <c:pt idx="0">
-                  <c:v>0.54</c:v>
-                </c:pt>
-                <c:pt idx="1">
-                  <c:v>0.54</c:v>
-                </c:pt>
-                <c:pt idx="2">
-                  <c:v>0.54</c:v>
-                </c:pt>
-                <c:pt idx="3">
-                  <c:v>0.53</c:v>
-                </c:pt>
-              </c:numCache>
-            </c:numRef>
-          </c:val>
-        </c:ser>
-        <c:shape val="cylinder"/>
-        <c:axId val="60800384"/>
-        <c:axId val="60806272"/>
-        <c:axId val="0"/>
-      </c:bar3DChart>
-      <c:catAx>
-        <c:axId val="60800384"/>
-        <c:scaling>
-          <c:orientation val="minMax"/>
-        </c:scaling>
-        <c:axPos val="b"/>
-        <c:majorTickMark val="none"/>
-        <c:tickLblPos val="nextTo"/>
-        <c:crossAx val="60806272"/>
-        <c:crosses val="autoZero"/>
-        <c:auto val="1"/>
-        <c:lblAlgn val="ctr"/>
-        <c:lblOffset val="100"/>
-      </c:catAx>
-      <c:valAx>
-        <c:axId val="60806272"/>
-        <c:scaling>
-          <c:orientation val="minMax"/>
-        </c:scaling>
-        <c:axPos val="l"/>
-        <c:majorGridlines/>
-        <c:numFmt formatCode="General" sourceLinked="1"/>
-        <c:majorTickMark val="none"/>
-        <c:tickLblPos val="nextTo"/>
-        <c:crossAx val="60800384"/>
+        <c:crossAx val="89612672"/>
         <c:crosses val="autoZero"/>
         <c:crossBetween val="between"/>
       </c:valAx>
@@ -4126,6 +5723,421 @@
           <a:lstStyle/>
           <a:p>
             <a:pPr>
+              <a:defRPr sz="2000">
+                <a:latin typeface="+mj-lt"/>
+              </a:defRPr>
+            </a:pPr>
+            <a:r>
+              <a:rPr lang="es-ES" sz="2000">
+                <a:latin typeface="+mj-lt"/>
+              </a:rPr>
+              <a:t>Diamond Head - Correlación (SVM)</a:t>
+            </a:r>
+          </a:p>
+        </c:rich>
+      </c:tx>
+      <c:layout/>
+    </c:title>
+    <c:view3D>
+      <c:rAngAx val="1"/>
+    </c:view3D>
+    <c:plotArea>
+      <c:layout/>
+      <c:bar3DChart>
+        <c:barDir val="col"/>
+        <c:grouping val="clustered"/>
+        <c:ser>
+          <c:idx val="0"/>
+          <c:order val="0"/>
+          <c:tx>
+            <c:strRef>
+              <c:f>Hoja1!$C$144</c:f>
+              <c:strCache>
+                <c:ptCount val="1"/>
+                <c:pt idx="0">
+                  <c:v>Optimo</c:v>
+                </c:pt>
+              </c:strCache>
+            </c:strRef>
+          </c:tx>
+          <c:cat>
+            <c:strRef>
+              <c:f>Hoja1!$B$145:$B$148</c:f>
+              <c:strCache>
+                <c:ptCount val="4"/>
+                <c:pt idx="0">
+                  <c:v>WW3Last3Lectures</c:v>
+                </c:pt>
+                <c:pt idx="1">
+                  <c:v>WW3Simple</c:v>
+                </c:pt>
+                <c:pt idx="2">
+                  <c:v>TwoGridPoint</c:v>
+                </c:pt>
+                <c:pt idx="3">
+                  <c:v>WW3Last2Days</c:v>
+                </c:pt>
+              </c:strCache>
+            </c:strRef>
+          </c:cat>
+          <c:val>
+            <c:numRef>
+              <c:f>Hoja1!$C$145:$C$148</c:f>
+              <c:numCache>
+                <c:formatCode>General</c:formatCode>
+                <c:ptCount val="4"/>
+                <c:pt idx="0">
+                  <c:v>0.4800000000000002</c:v>
+                </c:pt>
+                <c:pt idx="1">
+                  <c:v>0.4</c:v>
+                </c:pt>
+                <c:pt idx="2">
+                  <c:v>0.42000000000000021</c:v>
+                </c:pt>
+                <c:pt idx="3">
+                  <c:v>0.42000000000000021</c:v>
+                </c:pt>
+              </c:numCache>
+            </c:numRef>
+          </c:val>
+        </c:ser>
+        <c:ser>
+          <c:idx val="1"/>
+          <c:order val="1"/>
+          <c:tx>
+            <c:strRef>
+              <c:f>Hoja1!$D$144</c:f>
+              <c:strCache>
+                <c:ptCount val="1"/>
+                <c:pt idx="0">
+                  <c:v>No óptimo</c:v>
+                </c:pt>
+              </c:strCache>
+            </c:strRef>
+          </c:tx>
+          <c:spPr>
+            <a:solidFill>
+              <a:srgbClr val="FF0000"/>
+            </a:solidFill>
+          </c:spPr>
+          <c:cat>
+            <c:strRef>
+              <c:f>Hoja1!$B$145:$B$148</c:f>
+              <c:strCache>
+                <c:ptCount val="4"/>
+                <c:pt idx="0">
+                  <c:v>WW3Last3Lectures</c:v>
+                </c:pt>
+                <c:pt idx="1">
+                  <c:v>WW3Simple</c:v>
+                </c:pt>
+                <c:pt idx="2">
+                  <c:v>TwoGridPoint</c:v>
+                </c:pt>
+                <c:pt idx="3">
+                  <c:v>WW3Last2Days</c:v>
+                </c:pt>
+              </c:strCache>
+            </c:strRef>
+          </c:cat>
+          <c:val>
+            <c:numRef>
+              <c:f>Hoja1!$D$145:$D$148</c:f>
+              <c:numCache>
+                <c:formatCode>General</c:formatCode>
+                <c:ptCount val="4"/>
+                <c:pt idx="0">
+                  <c:v>0.19</c:v>
+                </c:pt>
+                <c:pt idx="1">
+                  <c:v>0.23</c:v>
+                </c:pt>
+                <c:pt idx="2">
+                  <c:v>0.2400000000000001</c:v>
+                </c:pt>
+                <c:pt idx="3">
+                  <c:v>0.26</c:v>
+                </c:pt>
+              </c:numCache>
+            </c:numRef>
+          </c:val>
+        </c:ser>
+        <c:shape val="box"/>
+        <c:axId val="89645440"/>
+        <c:axId val="89646976"/>
+        <c:axId val="0"/>
+      </c:bar3DChart>
+      <c:catAx>
+        <c:axId val="89645440"/>
+        <c:scaling>
+          <c:orientation val="minMax"/>
+        </c:scaling>
+        <c:axPos val="b"/>
+        <c:majorTickMark val="none"/>
+        <c:tickLblPos val="nextTo"/>
+        <c:txPr>
+          <a:bodyPr/>
+          <a:lstStyle/>
+          <a:p>
+            <a:pPr>
+              <a:defRPr sz="1000" b="1">
+                <a:latin typeface="+mj-lt"/>
+              </a:defRPr>
+            </a:pPr>
+            <a:endParaRPr lang="es-ES"/>
+          </a:p>
+        </c:txPr>
+        <c:crossAx val="89646976"/>
+        <c:crosses val="autoZero"/>
+        <c:auto val="1"/>
+        <c:lblAlgn val="ctr"/>
+        <c:lblOffset val="100"/>
+      </c:catAx>
+      <c:valAx>
+        <c:axId val="89646976"/>
+        <c:scaling>
+          <c:orientation val="minMax"/>
+        </c:scaling>
+        <c:axPos val="l"/>
+        <c:majorGridlines/>
+        <c:numFmt formatCode="General" sourceLinked="1"/>
+        <c:majorTickMark val="none"/>
+        <c:tickLblPos val="nextTo"/>
+        <c:crossAx val="89645440"/>
+        <c:crosses val="autoZero"/>
+        <c:crossBetween val="between"/>
+      </c:valAx>
+    </c:plotArea>
+    <c:legend>
+      <c:legendPos val="r"/>
+      <c:layout/>
+      <c:txPr>
+        <a:bodyPr/>
+        <a:lstStyle/>
+        <a:p>
+          <a:pPr>
+            <a:defRPr sz="1600" b="0">
+              <a:latin typeface="+mj-lt"/>
+            </a:defRPr>
+          </a:pPr>
+          <a:endParaRPr lang="es-ES"/>
+        </a:p>
+      </c:txPr>
+    </c:legend>
+    <c:plotVisOnly val="1"/>
+  </c:chart>
+  <c:externalData r:id="rId1"/>
+  <c:userShapes r:id="rId2"/>
+</c:chartSpace>
+</file>
+
+<file path=ppt/charts/chart8.xml><?xml version="1.0" encoding="utf-8"?>
+<c:chartSpace xmlns:c="http://schemas.openxmlformats.org/drawingml/2006/chart" xmlns:a="http://schemas.openxmlformats.org/drawingml/2006/main" xmlns:r="http://schemas.openxmlformats.org/officeDocument/2006/relationships">
+  <c:date1904 val="1"/>
+  <c:lang val="es-ES"/>
+  <c:chart>
+    <c:title>
+      <c:tx>
+        <c:rich>
+          <a:bodyPr/>
+          <a:lstStyle/>
+          <a:p>
+            <a:pPr>
+              <a:defRPr/>
+            </a:pPr>
+            <a:r>
+              <a:rPr lang="es-ES" sz="1800" b="1" i="0" baseline="0"/>
+              <a:t>Diamond Head - MAE(SVM) [mts.]</a:t>
+            </a:r>
+            <a:endParaRPr lang="es-ES"/>
+          </a:p>
+        </c:rich>
+      </c:tx>
+      <c:layout/>
+    </c:title>
+    <c:view3D>
+      <c:rAngAx val="1"/>
+    </c:view3D>
+    <c:plotArea>
+      <c:layout/>
+      <c:bar3DChart>
+        <c:barDir val="col"/>
+        <c:grouping val="clustered"/>
+        <c:ser>
+          <c:idx val="0"/>
+          <c:order val="0"/>
+          <c:tx>
+            <c:strRef>
+              <c:f>Hoja1!$E$144</c:f>
+              <c:strCache>
+                <c:ptCount val="1"/>
+                <c:pt idx="0">
+                  <c:v>Optimo</c:v>
+                </c:pt>
+              </c:strCache>
+            </c:strRef>
+          </c:tx>
+          <c:cat>
+            <c:strRef>
+              <c:f>Hoja1!$B$145:$B$148</c:f>
+              <c:strCache>
+                <c:ptCount val="4"/>
+                <c:pt idx="0">
+                  <c:v>WW3Last3Lectures</c:v>
+                </c:pt>
+                <c:pt idx="1">
+                  <c:v>WW3Simple</c:v>
+                </c:pt>
+                <c:pt idx="2">
+                  <c:v>TwoGridPoint</c:v>
+                </c:pt>
+                <c:pt idx="3">
+                  <c:v>WW3Last2Days</c:v>
+                </c:pt>
+              </c:strCache>
+            </c:strRef>
+          </c:cat>
+          <c:val>
+            <c:numRef>
+              <c:f>Hoja1!$E$145:$E$148</c:f>
+              <c:numCache>
+                <c:formatCode>General</c:formatCode>
+                <c:ptCount val="4"/>
+                <c:pt idx="0">
+                  <c:v>0.47000000000000008</c:v>
+                </c:pt>
+                <c:pt idx="1">
+                  <c:v>0.49000000000000021</c:v>
+                </c:pt>
+                <c:pt idx="2">
+                  <c:v>0.4800000000000002</c:v>
+                </c:pt>
+                <c:pt idx="3">
+                  <c:v>0.4800000000000002</c:v>
+                </c:pt>
+              </c:numCache>
+            </c:numRef>
+          </c:val>
+        </c:ser>
+        <c:ser>
+          <c:idx val="1"/>
+          <c:order val="1"/>
+          <c:tx>
+            <c:strRef>
+              <c:f>Hoja1!$F$144</c:f>
+              <c:strCache>
+                <c:ptCount val="1"/>
+                <c:pt idx="0">
+                  <c:v>No óptimo</c:v>
+                </c:pt>
+              </c:strCache>
+            </c:strRef>
+          </c:tx>
+          <c:spPr>
+            <a:solidFill>
+              <a:srgbClr val="FF0000"/>
+            </a:solidFill>
+          </c:spPr>
+          <c:cat>
+            <c:strRef>
+              <c:f>Hoja1!$B$145:$B$148</c:f>
+              <c:strCache>
+                <c:ptCount val="4"/>
+                <c:pt idx="0">
+                  <c:v>WW3Last3Lectures</c:v>
+                </c:pt>
+                <c:pt idx="1">
+                  <c:v>WW3Simple</c:v>
+                </c:pt>
+                <c:pt idx="2">
+                  <c:v>TwoGridPoint</c:v>
+                </c:pt>
+                <c:pt idx="3">
+                  <c:v>WW3Last2Days</c:v>
+                </c:pt>
+              </c:strCache>
+            </c:strRef>
+          </c:cat>
+          <c:val>
+            <c:numRef>
+              <c:f>Hoja1!$F$145:$F$148</c:f>
+              <c:numCache>
+                <c:formatCode>General</c:formatCode>
+                <c:ptCount val="4"/>
+                <c:pt idx="0">
+                  <c:v>0.54</c:v>
+                </c:pt>
+                <c:pt idx="1">
+                  <c:v>0.54</c:v>
+                </c:pt>
+                <c:pt idx="2">
+                  <c:v>0.54</c:v>
+                </c:pt>
+                <c:pt idx="3">
+                  <c:v>0.53</c:v>
+                </c:pt>
+              </c:numCache>
+            </c:numRef>
+          </c:val>
+        </c:ser>
+        <c:shape val="cylinder"/>
+        <c:axId val="89675264"/>
+        <c:axId val="89676800"/>
+        <c:axId val="0"/>
+      </c:bar3DChart>
+      <c:catAx>
+        <c:axId val="89675264"/>
+        <c:scaling>
+          <c:orientation val="minMax"/>
+        </c:scaling>
+        <c:axPos val="b"/>
+        <c:majorTickMark val="none"/>
+        <c:tickLblPos val="nextTo"/>
+        <c:crossAx val="89676800"/>
+        <c:crosses val="autoZero"/>
+        <c:auto val="1"/>
+        <c:lblAlgn val="ctr"/>
+        <c:lblOffset val="100"/>
+      </c:catAx>
+      <c:valAx>
+        <c:axId val="89676800"/>
+        <c:scaling>
+          <c:orientation val="minMax"/>
+        </c:scaling>
+        <c:axPos val="l"/>
+        <c:majorGridlines/>
+        <c:numFmt formatCode="General" sourceLinked="1"/>
+        <c:majorTickMark val="none"/>
+        <c:tickLblPos val="nextTo"/>
+        <c:crossAx val="89675264"/>
+        <c:crosses val="autoZero"/>
+        <c:crossBetween val="between"/>
+      </c:valAx>
+    </c:plotArea>
+    <c:legend>
+      <c:legendPos val="r"/>
+      <c:layout/>
+    </c:legend>
+    <c:plotVisOnly val="1"/>
+  </c:chart>
+  <c:externalData r:id="rId1"/>
+  <c:userShapes r:id="rId2"/>
+</c:chartSpace>
+</file>
+
+<file path=ppt/charts/chart9.xml><?xml version="1.0" encoding="utf-8"?>
+<c:chartSpace xmlns:c="http://schemas.openxmlformats.org/drawingml/2006/chart" xmlns:a="http://schemas.openxmlformats.org/drawingml/2006/main" xmlns:r="http://schemas.openxmlformats.org/officeDocument/2006/relationships">
+  <c:date1904 val="1"/>
+  <c:lang val="es-ES"/>
+  <c:chart>
+    <c:title>
+      <c:tx>
+        <c:rich>
+          <a:bodyPr/>
+          <a:lstStyle/>
+          <a:p>
+            <a:pPr>
               <a:defRPr lang="es-AR"/>
             </a:pPr>
             <a:r>
@@ -4157,7 +6169,7 @@
           <c:x val="5.0128971669717602E-2"/>
           <c:y val="0.16285573489051136"/>
           <c:w val="0.91229087688864363"/>
-          <c:h val="0.4284466752376267"/>
+          <c:h val="0.42844667523762686"/>
         </c:manualLayout>
       </c:layout>
       <c:scatterChart>
@@ -4378,7 +6390,7 @@
                   <c:v>0</c:v>
                 </c:pt>
                 <c:pt idx="1">
-                  <c:v>1.2189999999999857</c:v>
+                  <c:v>1.2189999999999854</c:v>
                 </c:pt>
                 <c:pt idx="2">
                   <c:v>2.4379999999999997</c:v>
@@ -4390,19 +6402,19 @@
                   <c:v>1.829</c:v>
                 </c:pt>
                 <c:pt idx="5">
-                  <c:v>1.2189999999999857</c:v>
+                  <c:v>1.2189999999999854</c:v>
                 </c:pt>
                 <c:pt idx="6">
-                  <c:v>1.2189999999999857</c:v>
+                  <c:v>1.2189999999999854</c:v>
                 </c:pt>
                 <c:pt idx="7">
-                  <c:v>1.2189999999999857</c:v>
+                  <c:v>1.2189999999999854</c:v>
                 </c:pt>
                 <c:pt idx="8">
                   <c:v>2.4379999999999997</c:v>
                 </c:pt>
                 <c:pt idx="9">
-                  <c:v>1.2189999999999857</c:v>
+                  <c:v>1.2189999999999854</c:v>
                 </c:pt>
                 <c:pt idx="10">
                   <c:v>0.61000000000000065</c:v>
@@ -4411,22 +6423,22 @@
                   <c:v>3.048</c:v>
                 </c:pt>
                 <c:pt idx="12">
-                  <c:v>1.2189999999999857</c:v>
+                  <c:v>1.2189999999999854</c:v>
                 </c:pt>
                 <c:pt idx="13">
                   <c:v>0.61000000000000065</c:v>
                 </c:pt>
                 <c:pt idx="14">
-                  <c:v>1.2189999999999857</c:v>
+                  <c:v>1.2189999999999854</c:v>
                 </c:pt>
                 <c:pt idx="15">
                   <c:v>2.4379999999999997</c:v>
                 </c:pt>
                 <c:pt idx="16">
-                  <c:v>1.2189999999999857</c:v>
+                  <c:v>1.2189999999999854</c:v>
                 </c:pt>
                 <c:pt idx="17">
-                  <c:v>1.2189999999999857</c:v>
+                  <c:v>1.2189999999999854</c:v>
                 </c:pt>
                 <c:pt idx="18">
                   <c:v>0.61000000000000065</c:v>
@@ -4444,7 +6456,7 @@
                   <c:v>3.048</c:v>
                 </c:pt>
                 <c:pt idx="23">
-                  <c:v>1.2189999999999857</c:v>
+                  <c:v>1.2189999999999854</c:v>
                 </c:pt>
                 <c:pt idx="24">
                   <c:v>1.829</c:v>
@@ -4468,34 +6480,34 @@
                   <c:v>0.61000000000000065</c:v>
                 </c:pt>
                 <c:pt idx="31">
-                  <c:v>1.2189999999999857</c:v>
+                  <c:v>1.2189999999999854</c:v>
                 </c:pt>
                 <c:pt idx="32">
-                  <c:v>1.2189999999999857</c:v>
+                  <c:v>1.2189999999999854</c:v>
                 </c:pt>
                 <c:pt idx="33">
-                  <c:v>1.2189999999999857</c:v>
+                  <c:v>1.2189999999999854</c:v>
                 </c:pt>
                 <c:pt idx="34">
-                  <c:v>1.2189999999999857</c:v>
+                  <c:v>1.2189999999999854</c:v>
                 </c:pt>
                 <c:pt idx="35">
-                  <c:v>1.2189999999999857</c:v>
+                  <c:v>1.2189999999999854</c:v>
                 </c:pt>
                 <c:pt idx="36">
                   <c:v>3.048</c:v>
                 </c:pt>
                 <c:pt idx="37">
-                  <c:v>1.2189999999999857</c:v>
+                  <c:v>1.2189999999999854</c:v>
                 </c:pt>
                 <c:pt idx="38">
                   <c:v>0.61000000000000065</c:v>
                 </c:pt>
                 <c:pt idx="39">
-                  <c:v>1.2189999999999857</c:v>
+                  <c:v>1.2189999999999854</c:v>
                 </c:pt>
                 <c:pt idx="40">
-                  <c:v>1.2189999999999857</c:v>
+                  <c:v>1.2189999999999854</c:v>
                 </c:pt>
                 <c:pt idx="41">
                   <c:v>2.4379999999999997</c:v>
@@ -4510,7 +6522,7 @@
                   <c:v>0.61000000000000065</c:v>
                 </c:pt>
                 <c:pt idx="45">
-                  <c:v>1.2189999999999857</c:v>
+                  <c:v>1.2189999999999854</c:v>
                 </c:pt>
                 <c:pt idx="46">
                   <c:v>4.8769999999999998</c:v>
@@ -4519,34 +6531,34 @@
                   <c:v>0.61000000000000065</c:v>
                 </c:pt>
                 <c:pt idx="48">
-                  <c:v>1.2189999999999857</c:v>
+                  <c:v>1.2189999999999854</c:v>
                 </c:pt>
                 <c:pt idx="49">
                   <c:v>7.3149999999999755</c:v>
                 </c:pt>
                 <c:pt idx="50">
-                  <c:v>1.2189999999999857</c:v>
+                  <c:v>1.2189999999999854</c:v>
                 </c:pt>
                 <c:pt idx="51">
-                  <c:v>1.2189999999999857</c:v>
+                  <c:v>1.2189999999999854</c:v>
                 </c:pt>
                 <c:pt idx="52">
                   <c:v>0.61000000000000065</c:v>
                 </c:pt>
                 <c:pt idx="53">
-                  <c:v>1.2189999999999857</c:v>
+                  <c:v>1.2189999999999854</c:v>
                 </c:pt>
                 <c:pt idx="54">
-                  <c:v>1.2189999999999857</c:v>
+                  <c:v>1.2189999999999854</c:v>
                 </c:pt>
                 <c:pt idx="55">
-                  <c:v>1.2189999999999857</c:v>
+                  <c:v>1.2189999999999854</c:v>
                 </c:pt>
                 <c:pt idx="56">
                   <c:v>2.4379999999999997</c:v>
                 </c:pt>
                 <c:pt idx="57">
-                  <c:v>1.2189999999999857</c:v>
+                  <c:v>1.2189999999999854</c:v>
                 </c:pt>
                 <c:pt idx="58">
                   <c:v>4.8769999999999998</c:v>
@@ -4558,7 +6570,7 @@
                   <c:v>2.4379999999999997</c:v>
                 </c:pt>
                 <c:pt idx="61">
-                  <c:v>1.2189999999999857</c:v>
+                  <c:v>1.2189999999999854</c:v>
                 </c:pt>
                 <c:pt idx="62">
                   <c:v>0.61000000000000065</c:v>
@@ -4818,13 +6830,13 @@
                   <c:v>1.87</c:v>
                 </c:pt>
                 <c:pt idx="8">
-                  <c:v>1.9500000000000113</c:v>
+                  <c:v>1.9500000000000115</c:v>
                 </c:pt>
                 <c:pt idx="9">
                   <c:v>2.4899999999999998</c:v>
                 </c:pt>
                 <c:pt idx="10">
-                  <c:v>1.6800000000000113</c:v>
+                  <c:v>1.6800000000000115</c:v>
                 </c:pt>
                 <c:pt idx="11">
                   <c:v>2.98</c:v>
@@ -4842,7 +6854,7 @@
                   <c:v>3.3099999999999987</c:v>
                 </c:pt>
                 <c:pt idx="16">
-                  <c:v>1.9500000000000113</c:v>
+                  <c:v>1.9500000000000115</c:v>
                 </c:pt>
                 <c:pt idx="17">
                   <c:v>1.4</c:v>
@@ -4872,7 +6884,7 @@
                   <c:v>1.45</c:v>
                 </c:pt>
                 <c:pt idx="26">
-                  <c:v>1.9900000000000126</c:v>
+                  <c:v>1.9900000000000129</c:v>
                 </c:pt>
                 <c:pt idx="27">
                   <c:v>3</c:v>
@@ -4914,7 +6926,7 @@
                   <c:v>2.04</c:v>
                 </c:pt>
                 <c:pt idx="40">
-                  <c:v>1.9600000000000113</c:v>
+                  <c:v>1.9600000000000115</c:v>
                 </c:pt>
                 <c:pt idx="41">
                   <c:v>3.09</c:v>
@@ -4989,11 +7001,11 @@
             </c:numRef>
           </c:yVal>
         </c:ser>
-        <c:axId val="62860288"/>
-        <c:axId val="62899328"/>
+        <c:axId val="89711744"/>
+        <c:axId val="89713664"/>
       </c:scatterChart>
       <c:valAx>
-        <c:axId val="62860288"/>
+        <c:axId val="89711744"/>
         <c:scaling>
           <c:orientation val="minMax"/>
         </c:scaling>
@@ -5031,13 +7043,13 @@
             <a:endParaRPr lang="es-ES"/>
           </a:p>
         </c:txPr>
-        <c:crossAx val="62899328"/>
+        <c:crossAx val="89713664"/>
         <c:crosses val="autoZero"/>
         <c:crossBetween val="midCat"/>
         <c:majorUnit val="5"/>
       </c:valAx>
       <c:valAx>
-        <c:axId val="62899328"/>
+        <c:axId val="89713664"/>
         <c:scaling>
           <c:orientation val="minMax"/>
         </c:scaling>
@@ -5089,7 +7101,7 @@
             <a:endParaRPr lang="es-ES"/>
           </a:p>
         </c:txPr>
-        <c:crossAx val="62860288"/>
+        <c:crossAx val="89711744"/>
         <c:crosses val="autoZero"/>
         <c:crossBetween val="midCat"/>
       </c:valAx>
@@ -5102,7 +7114,7 @@
           <c:yMode val="edge"/>
           <c:x val="0.74133589770230268"/>
           <c:y val="0.71233526043915962"/>
-          <c:w val="0.24201434347572656"/>
+          <c:w val="0.24201434347572662"/>
           <c:h val="0.16317756172635517"/>
         </c:manualLayout>
       </c:layout>
@@ -5123,1659 +7135,146 @@
 </c:chartSpace>
 </file>
 
-<file path=ppt/charts/chart8.xml><?xml version="1.0" encoding="utf-8"?>
-<c:chartSpace xmlns:c="http://schemas.openxmlformats.org/drawingml/2006/chart" xmlns:a="http://schemas.openxmlformats.org/drawingml/2006/main" xmlns:r="http://schemas.openxmlformats.org/officeDocument/2006/relationships">
-  <c:date1904 val="1"/>
-  <c:lang val="es-ES"/>
-  <c:chart>
-    <c:title>
-      <c:tx>
-        <c:rich>
-          <a:bodyPr/>
-          <a:lstStyle/>
-          <a:p>
-            <a:pPr>
-              <a:defRPr lang="es-AR"/>
-            </a:pPr>
-            <a:r>
-              <a:rPr lang="es-AR" sz="2000" b="0" i="0" baseline="0" dirty="0">
-                <a:latin typeface="+mj-lt"/>
-              </a:rPr>
-              <a:t>Makaha - Observación Visual/ Máquina de Soporte Vectorial</a:t>
-            </a:r>
-          </a:p>
-        </c:rich>
-      </c:tx>
-      <c:layout/>
-    </c:title>
-    <c:plotArea>
-      <c:layout>
-        <c:manualLayout>
-          <c:layoutTarget val="inner"/>
-          <c:xMode val="edge"/>
-          <c:yMode val="edge"/>
-          <c:x val="5.0128971669717602E-2"/>
-          <c:y val="0.16285573489051136"/>
-          <c:w val="0.91229087688864363"/>
-          <c:h val="0.42844667523762647"/>
-        </c:manualLayout>
-      </c:layout>
-      <c:scatterChart>
-        <c:scatterStyle val="lineMarker"/>
-        <c:ser>
-          <c:idx val="0"/>
-          <c:order val="0"/>
-          <c:tx>
-            <c:v>Observacion Visual</c:v>
-          </c:tx>
-          <c:xVal>
-            <c:strRef>
-              <c:f>Sheet1!$A$1:$A$64</c:f>
-              <c:strCache>
-                <c:ptCount val="64"/>
-                <c:pt idx="0">
-                  <c:v>inst#,</c:v>
-                </c:pt>
-                <c:pt idx="1">
-                  <c:v>1</c:v>
-                </c:pt>
-                <c:pt idx="2">
-                  <c:v>2</c:v>
-                </c:pt>
-                <c:pt idx="3">
-                  <c:v>3</c:v>
-                </c:pt>
-                <c:pt idx="4">
-                  <c:v>4</c:v>
-                </c:pt>
-                <c:pt idx="5">
-                  <c:v>5</c:v>
-                </c:pt>
-                <c:pt idx="6">
-                  <c:v>6</c:v>
-                </c:pt>
-                <c:pt idx="7">
-                  <c:v>7</c:v>
-                </c:pt>
-                <c:pt idx="8">
-                  <c:v>8</c:v>
-                </c:pt>
-                <c:pt idx="9">
-                  <c:v>9</c:v>
-                </c:pt>
-                <c:pt idx="10">
-                  <c:v>10</c:v>
-                </c:pt>
-                <c:pt idx="11">
-                  <c:v>11</c:v>
-                </c:pt>
-                <c:pt idx="12">
-                  <c:v>12</c:v>
-                </c:pt>
-                <c:pt idx="13">
-                  <c:v>13</c:v>
-                </c:pt>
-                <c:pt idx="14">
-                  <c:v>14</c:v>
-                </c:pt>
-                <c:pt idx="15">
-                  <c:v>15</c:v>
-                </c:pt>
-                <c:pt idx="16">
-                  <c:v>16</c:v>
-                </c:pt>
-                <c:pt idx="17">
-                  <c:v>17</c:v>
-                </c:pt>
-                <c:pt idx="18">
-                  <c:v>18</c:v>
-                </c:pt>
-                <c:pt idx="19">
-                  <c:v>19</c:v>
-                </c:pt>
-                <c:pt idx="20">
-                  <c:v>20</c:v>
-                </c:pt>
-                <c:pt idx="21">
-                  <c:v>21</c:v>
-                </c:pt>
-                <c:pt idx="22">
-                  <c:v>22</c:v>
-                </c:pt>
-                <c:pt idx="23">
-                  <c:v>23</c:v>
-                </c:pt>
-                <c:pt idx="24">
-                  <c:v>24</c:v>
-                </c:pt>
-                <c:pt idx="25">
-                  <c:v>25</c:v>
-                </c:pt>
-                <c:pt idx="26">
-                  <c:v>26</c:v>
-                </c:pt>
-                <c:pt idx="27">
-                  <c:v>27</c:v>
-                </c:pt>
-                <c:pt idx="28">
-                  <c:v>28</c:v>
-                </c:pt>
-                <c:pt idx="29">
-                  <c:v>29</c:v>
-                </c:pt>
-                <c:pt idx="30">
-                  <c:v>30</c:v>
-                </c:pt>
-                <c:pt idx="31">
-                  <c:v>31</c:v>
-                </c:pt>
-                <c:pt idx="32">
-                  <c:v>32</c:v>
-                </c:pt>
-                <c:pt idx="33">
-                  <c:v>33</c:v>
-                </c:pt>
-                <c:pt idx="34">
-                  <c:v>34</c:v>
-                </c:pt>
-                <c:pt idx="35">
-                  <c:v>35</c:v>
-                </c:pt>
-                <c:pt idx="36">
-                  <c:v>36</c:v>
-                </c:pt>
-                <c:pt idx="37">
-                  <c:v>37</c:v>
-                </c:pt>
-                <c:pt idx="38">
-                  <c:v>38</c:v>
-                </c:pt>
-                <c:pt idx="39">
-                  <c:v>39</c:v>
-                </c:pt>
-                <c:pt idx="40">
-                  <c:v>40</c:v>
-                </c:pt>
-                <c:pt idx="41">
-                  <c:v>41</c:v>
-                </c:pt>
-                <c:pt idx="42">
-                  <c:v>42</c:v>
-                </c:pt>
-                <c:pt idx="43">
-                  <c:v>43</c:v>
-                </c:pt>
-                <c:pt idx="44">
-                  <c:v>44</c:v>
-                </c:pt>
-                <c:pt idx="45">
-                  <c:v>45</c:v>
-                </c:pt>
-                <c:pt idx="46">
-                  <c:v>46</c:v>
-                </c:pt>
-                <c:pt idx="47">
-                  <c:v>47</c:v>
-                </c:pt>
-                <c:pt idx="48">
-                  <c:v>48</c:v>
-                </c:pt>
-                <c:pt idx="49">
-                  <c:v>49</c:v>
-                </c:pt>
-                <c:pt idx="50">
-                  <c:v>50</c:v>
-                </c:pt>
-                <c:pt idx="51">
-                  <c:v>51</c:v>
-                </c:pt>
-                <c:pt idx="52">
-                  <c:v>52</c:v>
-                </c:pt>
-                <c:pt idx="53">
-                  <c:v>53</c:v>
-                </c:pt>
-                <c:pt idx="54">
-                  <c:v>54</c:v>
-                </c:pt>
-                <c:pt idx="55">
-                  <c:v>55</c:v>
-                </c:pt>
-                <c:pt idx="56">
-                  <c:v>56</c:v>
-                </c:pt>
-                <c:pt idx="57">
-                  <c:v>57</c:v>
-                </c:pt>
-                <c:pt idx="58">
-                  <c:v>58</c:v>
-                </c:pt>
-                <c:pt idx="59">
-                  <c:v>59</c:v>
-                </c:pt>
-                <c:pt idx="60">
-                  <c:v>60</c:v>
-                </c:pt>
-                <c:pt idx="61">
-                  <c:v>61</c:v>
-                </c:pt>
-                <c:pt idx="62">
-                  <c:v>62</c:v>
-                </c:pt>
-                <c:pt idx="63">
-                  <c:v>63</c:v>
-                </c:pt>
-              </c:strCache>
-            </c:strRef>
-          </c:xVal>
-          <c:yVal>
-            <c:numRef>
-              <c:f>Sheet1!$B$1:$B$64</c:f>
-              <c:numCache>
-                <c:formatCode>General</c:formatCode>
-                <c:ptCount val="64"/>
-                <c:pt idx="0">
-                  <c:v>0</c:v>
-                </c:pt>
-                <c:pt idx="1">
-                  <c:v>1.2189999999999857</c:v>
-                </c:pt>
-                <c:pt idx="2">
-                  <c:v>2.4379999999999997</c:v>
-                </c:pt>
-                <c:pt idx="3">
-                  <c:v>3.6579999999999999</c:v>
-                </c:pt>
-                <c:pt idx="4">
-                  <c:v>1.829</c:v>
-                </c:pt>
-                <c:pt idx="5">
-                  <c:v>1.2189999999999857</c:v>
-                </c:pt>
-                <c:pt idx="6">
-                  <c:v>1.2189999999999857</c:v>
-                </c:pt>
-                <c:pt idx="7">
-                  <c:v>1.2189999999999857</c:v>
-                </c:pt>
-                <c:pt idx="8">
-                  <c:v>2.4379999999999997</c:v>
-                </c:pt>
-                <c:pt idx="9">
-                  <c:v>1.2189999999999857</c:v>
-                </c:pt>
-                <c:pt idx="10">
-                  <c:v>0.61000000000000065</c:v>
-                </c:pt>
-                <c:pt idx="11">
-                  <c:v>3.048</c:v>
-                </c:pt>
-                <c:pt idx="12">
-                  <c:v>1.2189999999999857</c:v>
-                </c:pt>
-                <c:pt idx="13">
-                  <c:v>0.61000000000000065</c:v>
-                </c:pt>
-                <c:pt idx="14">
-                  <c:v>1.2189999999999857</c:v>
-                </c:pt>
-                <c:pt idx="15">
-                  <c:v>2.4379999999999997</c:v>
-                </c:pt>
-                <c:pt idx="16">
-                  <c:v>1.2189999999999857</c:v>
-                </c:pt>
-                <c:pt idx="17">
-                  <c:v>1.2189999999999857</c:v>
-                </c:pt>
-                <c:pt idx="18">
-                  <c:v>0.61000000000000065</c:v>
-                </c:pt>
-                <c:pt idx="19">
-                  <c:v>0.61000000000000065</c:v>
-                </c:pt>
-                <c:pt idx="20">
-                  <c:v>1.829</c:v>
-                </c:pt>
-                <c:pt idx="21">
-                  <c:v>3.048</c:v>
-                </c:pt>
-                <c:pt idx="22">
-                  <c:v>3.048</c:v>
-                </c:pt>
-                <c:pt idx="23">
-                  <c:v>1.2189999999999857</c:v>
-                </c:pt>
-                <c:pt idx="24">
-                  <c:v>1.829</c:v>
-                </c:pt>
-                <c:pt idx="25">
-                  <c:v>0.61000000000000065</c:v>
-                </c:pt>
-                <c:pt idx="26">
-                  <c:v>1.829</c:v>
-                </c:pt>
-                <c:pt idx="27">
-                  <c:v>2.4379999999999997</c:v>
-                </c:pt>
-                <c:pt idx="28">
-                  <c:v>0.61000000000000065</c:v>
-                </c:pt>
-                <c:pt idx="29">
-                  <c:v>0.61000000000000065</c:v>
-                </c:pt>
-                <c:pt idx="30">
-                  <c:v>0.61000000000000065</c:v>
-                </c:pt>
-                <c:pt idx="31">
-                  <c:v>1.2189999999999857</c:v>
-                </c:pt>
-                <c:pt idx="32">
-                  <c:v>1.2189999999999857</c:v>
-                </c:pt>
-                <c:pt idx="33">
-                  <c:v>1.2189999999999857</c:v>
-                </c:pt>
-                <c:pt idx="34">
-                  <c:v>1.2189999999999857</c:v>
-                </c:pt>
-                <c:pt idx="35">
-                  <c:v>1.2189999999999857</c:v>
-                </c:pt>
-                <c:pt idx="36">
-                  <c:v>3.048</c:v>
-                </c:pt>
-                <c:pt idx="37">
-                  <c:v>1.2189999999999857</c:v>
-                </c:pt>
-                <c:pt idx="38">
-                  <c:v>0.61000000000000065</c:v>
-                </c:pt>
-                <c:pt idx="39">
-                  <c:v>1.2189999999999857</c:v>
-                </c:pt>
-                <c:pt idx="40">
-                  <c:v>1.2189999999999857</c:v>
-                </c:pt>
-                <c:pt idx="41">
-                  <c:v>2.4379999999999997</c:v>
-                </c:pt>
-                <c:pt idx="42">
-                  <c:v>1.829</c:v>
-                </c:pt>
-                <c:pt idx="43">
-                  <c:v>1.829</c:v>
-                </c:pt>
-                <c:pt idx="44">
-                  <c:v>0.61000000000000065</c:v>
-                </c:pt>
-                <c:pt idx="45">
-                  <c:v>1.2189999999999857</c:v>
-                </c:pt>
-                <c:pt idx="46">
-                  <c:v>4.8769999999999998</c:v>
-                </c:pt>
-                <c:pt idx="47">
-                  <c:v>0.61000000000000065</c:v>
-                </c:pt>
-                <c:pt idx="48">
-                  <c:v>1.2189999999999857</c:v>
-                </c:pt>
-                <c:pt idx="49">
-                  <c:v>7.3149999999999755</c:v>
-                </c:pt>
-                <c:pt idx="50">
-                  <c:v>1.2189999999999857</c:v>
-                </c:pt>
-                <c:pt idx="51">
-                  <c:v>1.2189999999999857</c:v>
-                </c:pt>
-                <c:pt idx="52">
-                  <c:v>0.61000000000000065</c:v>
-                </c:pt>
-                <c:pt idx="53">
-                  <c:v>1.2189999999999857</c:v>
-                </c:pt>
-                <c:pt idx="54">
-                  <c:v>1.2189999999999857</c:v>
-                </c:pt>
-                <c:pt idx="55">
-                  <c:v>1.2189999999999857</c:v>
-                </c:pt>
-                <c:pt idx="56">
-                  <c:v>2.4379999999999997</c:v>
-                </c:pt>
-                <c:pt idx="57">
-                  <c:v>1.2189999999999857</c:v>
-                </c:pt>
-                <c:pt idx="58">
-                  <c:v>4.8769999999999998</c:v>
-                </c:pt>
-                <c:pt idx="59">
-                  <c:v>1.829</c:v>
-                </c:pt>
-                <c:pt idx="60">
-                  <c:v>2.4379999999999997</c:v>
-                </c:pt>
-                <c:pt idx="61">
-                  <c:v>1.2189999999999857</c:v>
-                </c:pt>
-                <c:pt idx="62">
-                  <c:v>0.61000000000000065</c:v>
-                </c:pt>
-                <c:pt idx="63">
-                  <c:v>3.048</c:v>
-                </c:pt>
-              </c:numCache>
-            </c:numRef>
-          </c:yVal>
-        </c:ser>
-        <c:ser>
-          <c:idx val="1"/>
-          <c:order val="1"/>
-          <c:tx>
-            <c:v>Prediccion Clasificador</c:v>
-          </c:tx>
-          <c:spPr>
-            <a:ln w="22225">
-              <a:solidFill>
-                <a:srgbClr val="FF0000"/>
-              </a:solidFill>
-            </a:ln>
-          </c:spPr>
-          <c:marker>
-            <c:symbol val="diamond"/>
-            <c:size val="4"/>
-          </c:marker>
-          <c:xVal>
-            <c:strRef>
-              <c:f>Sheet1!$A$1:$A$64</c:f>
-              <c:strCache>
-                <c:ptCount val="64"/>
-                <c:pt idx="0">
-                  <c:v>inst#,</c:v>
-                </c:pt>
-                <c:pt idx="1">
-                  <c:v>1</c:v>
-                </c:pt>
-                <c:pt idx="2">
-                  <c:v>2</c:v>
-                </c:pt>
-                <c:pt idx="3">
-                  <c:v>3</c:v>
-                </c:pt>
-                <c:pt idx="4">
-                  <c:v>4</c:v>
-                </c:pt>
-                <c:pt idx="5">
-                  <c:v>5</c:v>
-                </c:pt>
-                <c:pt idx="6">
-                  <c:v>6</c:v>
-                </c:pt>
-                <c:pt idx="7">
-                  <c:v>7</c:v>
-                </c:pt>
-                <c:pt idx="8">
-                  <c:v>8</c:v>
-                </c:pt>
-                <c:pt idx="9">
-                  <c:v>9</c:v>
-                </c:pt>
-                <c:pt idx="10">
-                  <c:v>10</c:v>
-                </c:pt>
-                <c:pt idx="11">
-                  <c:v>11</c:v>
-                </c:pt>
-                <c:pt idx="12">
-                  <c:v>12</c:v>
-                </c:pt>
-                <c:pt idx="13">
-                  <c:v>13</c:v>
-                </c:pt>
-                <c:pt idx="14">
-                  <c:v>14</c:v>
-                </c:pt>
-                <c:pt idx="15">
-                  <c:v>15</c:v>
-                </c:pt>
-                <c:pt idx="16">
-                  <c:v>16</c:v>
-                </c:pt>
-                <c:pt idx="17">
-                  <c:v>17</c:v>
-                </c:pt>
-                <c:pt idx="18">
-                  <c:v>18</c:v>
-                </c:pt>
-                <c:pt idx="19">
-                  <c:v>19</c:v>
-                </c:pt>
-                <c:pt idx="20">
-                  <c:v>20</c:v>
-                </c:pt>
-                <c:pt idx="21">
-                  <c:v>21</c:v>
-                </c:pt>
-                <c:pt idx="22">
-                  <c:v>22</c:v>
-                </c:pt>
-                <c:pt idx="23">
-                  <c:v>23</c:v>
-                </c:pt>
-                <c:pt idx="24">
-                  <c:v>24</c:v>
-                </c:pt>
-                <c:pt idx="25">
-                  <c:v>25</c:v>
-                </c:pt>
-                <c:pt idx="26">
-                  <c:v>26</c:v>
-                </c:pt>
-                <c:pt idx="27">
-                  <c:v>27</c:v>
-                </c:pt>
-                <c:pt idx="28">
-                  <c:v>28</c:v>
-                </c:pt>
-                <c:pt idx="29">
-                  <c:v>29</c:v>
-                </c:pt>
-                <c:pt idx="30">
-                  <c:v>30</c:v>
-                </c:pt>
-                <c:pt idx="31">
-                  <c:v>31</c:v>
-                </c:pt>
-                <c:pt idx="32">
-                  <c:v>32</c:v>
-                </c:pt>
-                <c:pt idx="33">
-                  <c:v>33</c:v>
-                </c:pt>
-                <c:pt idx="34">
-                  <c:v>34</c:v>
-                </c:pt>
-                <c:pt idx="35">
-                  <c:v>35</c:v>
-                </c:pt>
-                <c:pt idx="36">
-                  <c:v>36</c:v>
-                </c:pt>
-                <c:pt idx="37">
-                  <c:v>37</c:v>
-                </c:pt>
-                <c:pt idx="38">
-                  <c:v>38</c:v>
-                </c:pt>
-                <c:pt idx="39">
-                  <c:v>39</c:v>
-                </c:pt>
-                <c:pt idx="40">
-                  <c:v>40</c:v>
-                </c:pt>
-                <c:pt idx="41">
-                  <c:v>41</c:v>
-                </c:pt>
-                <c:pt idx="42">
-                  <c:v>42</c:v>
-                </c:pt>
-                <c:pt idx="43">
-                  <c:v>43</c:v>
-                </c:pt>
-                <c:pt idx="44">
-                  <c:v>44</c:v>
-                </c:pt>
-                <c:pt idx="45">
-                  <c:v>45</c:v>
-                </c:pt>
-                <c:pt idx="46">
-                  <c:v>46</c:v>
-                </c:pt>
-                <c:pt idx="47">
-                  <c:v>47</c:v>
-                </c:pt>
-                <c:pt idx="48">
-                  <c:v>48</c:v>
-                </c:pt>
-                <c:pt idx="49">
-                  <c:v>49</c:v>
-                </c:pt>
-                <c:pt idx="50">
-                  <c:v>50</c:v>
-                </c:pt>
-                <c:pt idx="51">
-                  <c:v>51</c:v>
-                </c:pt>
-                <c:pt idx="52">
-                  <c:v>52</c:v>
-                </c:pt>
-                <c:pt idx="53">
-                  <c:v>53</c:v>
-                </c:pt>
-                <c:pt idx="54">
-                  <c:v>54</c:v>
-                </c:pt>
-                <c:pt idx="55">
-                  <c:v>55</c:v>
-                </c:pt>
-                <c:pt idx="56">
-                  <c:v>56</c:v>
-                </c:pt>
-                <c:pt idx="57">
-                  <c:v>57</c:v>
-                </c:pt>
-                <c:pt idx="58">
-                  <c:v>58</c:v>
-                </c:pt>
-                <c:pt idx="59">
-                  <c:v>59</c:v>
-                </c:pt>
-                <c:pt idx="60">
-                  <c:v>60</c:v>
-                </c:pt>
-                <c:pt idx="61">
-                  <c:v>61</c:v>
-                </c:pt>
-                <c:pt idx="62">
-                  <c:v>62</c:v>
-                </c:pt>
-                <c:pt idx="63">
-                  <c:v>63</c:v>
-                </c:pt>
-              </c:strCache>
-            </c:strRef>
-          </c:xVal>
-          <c:yVal>
-            <c:numRef>
-              <c:f>Sheet1!$C$1:$C$64</c:f>
-              <c:numCache>
-                <c:formatCode>General</c:formatCode>
-                <c:ptCount val="64"/>
-                <c:pt idx="0">
-                  <c:v>0</c:v>
-                </c:pt>
-                <c:pt idx="1">
-                  <c:v>1.103</c:v>
-                </c:pt>
-                <c:pt idx="2">
-                  <c:v>1.3580000000000001</c:v>
-                </c:pt>
-                <c:pt idx="3">
-                  <c:v>4.9340000000000002</c:v>
-                </c:pt>
-                <c:pt idx="4">
-                  <c:v>1.02</c:v>
-                </c:pt>
-                <c:pt idx="5">
-                  <c:v>0.97700000000000065</c:v>
-                </c:pt>
-                <c:pt idx="6">
-                  <c:v>1.03</c:v>
-                </c:pt>
-                <c:pt idx="7">
-                  <c:v>0.97700000000000065</c:v>
-                </c:pt>
-                <c:pt idx="8">
-                  <c:v>1.153</c:v>
-                </c:pt>
-                <c:pt idx="9">
-                  <c:v>1.3560000000000001</c:v>
-                </c:pt>
-                <c:pt idx="10">
-                  <c:v>1.121</c:v>
-                </c:pt>
-                <c:pt idx="11">
-                  <c:v>2.9569999999999967</c:v>
-                </c:pt>
-                <c:pt idx="12">
-                  <c:v>2.2909999999999999</c:v>
-                </c:pt>
-                <c:pt idx="13">
-                  <c:v>0.96900000000000064</c:v>
-                </c:pt>
-                <c:pt idx="14">
-                  <c:v>1.2769999999999873</c:v>
-                </c:pt>
-                <c:pt idx="15">
-                  <c:v>3.0789999999999997</c:v>
-                </c:pt>
-                <c:pt idx="16">
-                  <c:v>1.137</c:v>
-                </c:pt>
-                <c:pt idx="17">
-                  <c:v>1.1990000000000001</c:v>
-                </c:pt>
-                <c:pt idx="18">
-                  <c:v>1.0249999999999873</c:v>
-                </c:pt>
-                <c:pt idx="19">
-                  <c:v>1.0409999999999884</c:v>
-                </c:pt>
-                <c:pt idx="20">
-                  <c:v>1.9940000000000127</c:v>
-                </c:pt>
-                <c:pt idx="21">
-                  <c:v>2.6759999999999997</c:v>
-                </c:pt>
-                <c:pt idx="22">
-                  <c:v>2.258</c:v>
-                </c:pt>
-                <c:pt idx="23">
-                  <c:v>0.93799999999999994</c:v>
-                </c:pt>
-                <c:pt idx="24">
-                  <c:v>1.159</c:v>
-                </c:pt>
-                <c:pt idx="25">
-                  <c:v>0.89300000000000002</c:v>
-                </c:pt>
-                <c:pt idx="26">
-                  <c:v>1.0580000000000001</c:v>
-                </c:pt>
-                <c:pt idx="27">
-                  <c:v>1.657</c:v>
-                </c:pt>
-                <c:pt idx="28">
-                  <c:v>1.367</c:v>
-                </c:pt>
-                <c:pt idx="29">
-                  <c:v>1.32</c:v>
-                </c:pt>
-                <c:pt idx="30">
-                  <c:v>1.127</c:v>
-                </c:pt>
-                <c:pt idx="31">
-                  <c:v>1.1619999999999879</c:v>
-                </c:pt>
-                <c:pt idx="32">
-                  <c:v>1.175</c:v>
-                </c:pt>
-                <c:pt idx="33">
-                  <c:v>1.635</c:v>
-                </c:pt>
-                <c:pt idx="34">
-                  <c:v>2.3759999999999977</c:v>
-                </c:pt>
-                <c:pt idx="35">
-                  <c:v>2.0880000000000001</c:v>
-                </c:pt>
-                <c:pt idx="36">
-                  <c:v>1.9540000000000113</c:v>
-                </c:pt>
-                <c:pt idx="37">
-                  <c:v>1.073</c:v>
-                </c:pt>
-                <c:pt idx="38">
-                  <c:v>0.93200000000000005</c:v>
-                </c:pt>
-                <c:pt idx="39">
-                  <c:v>1.2209999999999857</c:v>
-                </c:pt>
-                <c:pt idx="40">
-                  <c:v>1.081</c:v>
-                </c:pt>
-                <c:pt idx="41">
-                  <c:v>3.5019999999999998</c:v>
-                </c:pt>
-                <c:pt idx="42">
-                  <c:v>1.052</c:v>
-                </c:pt>
-                <c:pt idx="43">
-                  <c:v>1.538</c:v>
-                </c:pt>
-                <c:pt idx="44">
-                  <c:v>1.0569999999999886</c:v>
-                </c:pt>
-                <c:pt idx="45">
-                  <c:v>1.028</c:v>
-                </c:pt>
-                <c:pt idx="46">
-                  <c:v>3.6629999999999998</c:v>
-                </c:pt>
-                <c:pt idx="47">
-                  <c:v>0.96500000000000064</c:v>
-                </c:pt>
-                <c:pt idx="48">
-                  <c:v>1.595</c:v>
-                </c:pt>
-                <c:pt idx="49">
-                  <c:v>6.8039999999999985</c:v>
-                </c:pt>
-                <c:pt idx="50">
-                  <c:v>1.0489999999999886</c:v>
-                </c:pt>
-                <c:pt idx="51">
-                  <c:v>1.4489999999999856</c:v>
-                </c:pt>
-                <c:pt idx="52">
-                  <c:v>0.91600000000000004</c:v>
-                </c:pt>
-                <c:pt idx="53">
-                  <c:v>0.91700000000000004</c:v>
-                </c:pt>
-                <c:pt idx="54">
-                  <c:v>0.99299999999999999</c:v>
-                </c:pt>
-                <c:pt idx="55">
-                  <c:v>1.165</c:v>
-                </c:pt>
-                <c:pt idx="56">
-                  <c:v>2.363</c:v>
-                </c:pt>
-                <c:pt idx="57">
-                  <c:v>1.0580000000000001</c:v>
-                </c:pt>
-                <c:pt idx="58">
-                  <c:v>5.9459999999999997</c:v>
-                </c:pt>
-                <c:pt idx="59">
-                  <c:v>1.5940000000000001</c:v>
-                </c:pt>
-                <c:pt idx="60">
-                  <c:v>1.599</c:v>
-                </c:pt>
-                <c:pt idx="61">
-                  <c:v>1.5629999999999886</c:v>
-                </c:pt>
-                <c:pt idx="62">
-                  <c:v>0.99199999999999999</c:v>
-                </c:pt>
-                <c:pt idx="63">
-                  <c:v>2.8779999999999997</c:v>
-                </c:pt>
-              </c:numCache>
-            </c:numRef>
-          </c:yVal>
-        </c:ser>
-        <c:axId val="62924672"/>
-        <c:axId val="62926848"/>
-      </c:scatterChart>
-      <c:valAx>
-        <c:axId val="62924672"/>
-        <c:scaling>
-          <c:orientation val="minMax"/>
-        </c:scaling>
-        <c:axPos val="b"/>
-        <c:title>
-          <c:tx>
-            <c:rich>
-              <a:bodyPr/>
-              <a:lstStyle/>
-              <a:p>
-                <a:pPr>
-                  <a:defRPr lang="es-AR"/>
-                </a:pPr>
-                <a:r>
-                  <a:rPr lang="es-AR" sz="1600" b="0" dirty="0">
-                    <a:latin typeface="+mj-lt"/>
-                  </a:rPr>
-                  <a:t>Día de observación</a:t>
-                </a:r>
-              </a:p>
-            </c:rich>
-          </c:tx>
-          <c:layout/>
-        </c:title>
-        <c:numFmt formatCode="#,##0;\-#,##0" sourceLinked="0"/>
-        <c:majorTickMark val="none"/>
-        <c:tickLblPos val="nextTo"/>
-        <c:txPr>
-          <a:bodyPr/>
-          <a:lstStyle/>
-          <a:p>
-            <a:pPr>
-              <a:defRPr lang="es-AR" baseline="0"/>
-            </a:pPr>
-            <a:endParaRPr lang="es-ES"/>
-          </a:p>
-        </c:txPr>
-        <c:crossAx val="62926848"/>
-        <c:crosses val="autoZero"/>
-        <c:crossBetween val="midCat"/>
-        <c:majorUnit val="5"/>
-      </c:valAx>
-      <c:valAx>
-        <c:axId val="62926848"/>
-        <c:scaling>
-          <c:orientation val="minMax"/>
-        </c:scaling>
-        <c:axPos val="l"/>
-        <c:majorGridlines/>
-        <c:title>
-          <c:tx>
-            <c:rich>
-              <a:bodyPr/>
-              <a:lstStyle/>
-              <a:p>
-                <a:pPr>
-                  <a:defRPr lang="es-AR"/>
-                </a:pPr>
-                <a:r>
-                  <a:rPr lang="es-AR" sz="1400" b="0" dirty="0">
-                    <a:latin typeface="+mj-lt"/>
-                  </a:rPr>
-                  <a:t>Altura de ola (mts.)</a:t>
-                </a:r>
-              </a:p>
-            </c:rich>
-          </c:tx>
-          <c:layout>
-            <c:manualLayout>
-              <c:xMode val="edge"/>
-              <c:yMode val="edge"/>
-              <c:x val="3.0155252103157052E-3"/>
-              <c:y val="0.29042414159711138"/>
-            </c:manualLayout>
-          </c:layout>
-        </c:title>
-        <c:numFmt formatCode="General" sourceLinked="1"/>
-        <c:majorTickMark val="none"/>
-        <c:tickLblPos val="nextTo"/>
-        <c:txPr>
-          <a:bodyPr/>
-          <a:lstStyle/>
-          <a:p>
-            <a:pPr>
-              <a:defRPr lang="es-AR"/>
-            </a:pPr>
-            <a:endParaRPr lang="es-ES"/>
-          </a:p>
-        </c:txPr>
-        <c:crossAx val="62924672"/>
-        <c:crosses val="autoZero"/>
-        <c:crossBetween val="midCat"/>
-      </c:valAx>
-    </c:plotArea>
-    <c:legend>
-      <c:legendPos val="r"/>
-      <c:layout>
-        <c:manualLayout>
-          <c:xMode val="edge"/>
-          <c:yMode val="edge"/>
-          <c:x val="0.74133589770230268"/>
-          <c:y val="0.71233526043915962"/>
-          <c:w val="0.24201434347572645"/>
-          <c:h val="0.16317756172635517"/>
-        </c:manualLayout>
-      </c:layout>
-      <c:txPr>
-        <a:bodyPr/>
-        <a:lstStyle/>
-        <a:p>
-          <a:pPr>
-            <a:defRPr lang="es-AR"/>
-          </a:pPr>
-          <a:endParaRPr lang="es-ES"/>
+<file path=ppt/drawings/drawing1.xml><?xml version="1.0" encoding="utf-8"?>
+<c:userShapes xmlns:c="http://schemas.openxmlformats.org/drawingml/2006/chart">
+  <cdr:relSizeAnchor xmlns:cdr="http://schemas.openxmlformats.org/drawingml/2006/chartDrawing">
+    <cdr:from>
+      <cdr:x>0.85768</cdr:x>
+      <cdr:y>0.57292</cdr:y>
+    </cdr:from>
+    <cdr:to>
+      <cdr:x>0.97701</cdr:x>
+      <cdr:y>0.67709</cdr:y>
+    </cdr:to>
+    <cdr:sp macro="" textlink="">
+      <cdr:nvSpPr>
+        <cdr:cNvPr id="2" name="1 CuadroTexto"/>
+        <cdr:cNvSpPr txBox="1"/>
+      </cdr:nvSpPr>
+      <cdr:spPr>
+        <a:xfrm xmlns:a="http://schemas.openxmlformats.org/drawingml/2006/main">
+          <a:off x="6572296" y="1571636"/>
+          <a:ext cx="914400" cy="285752"/>
+        </a:xfrm>
+        <a:prstGeom xmlns:a="http://schemas.openxmlformats.org/drawingml/2006/main" prst="rect">
+          <a:avLst/>
+        </a:prstGeom>
+        <a:solidFill xmlns:a="http://schemas.openxmlformats.org/drawingml/2006/main">
+          <a:schemeClr val="bg1"/>
+        </a:solidFill>
+      </cdr:spPr>
+      <cdr:txBody>
+        <a:bodyPr xmlns:a="http://schemas.openxmlformats.org/drawingml/2006/main" wrap="none" rtlCol="0"/>
+        <a:lstStyle xmlns:a="http://schemas.openxmlformats.org/drawingml/2006/main"/>
+        <a:p xmlns:a="http://schemas.openxmlformats.org/drawingml/2006/main">
+          <a:r>
+            <a:rPr lang="es-US" sz="1600" dirty="0" smtClean="0">
+              <a:latin typeface="+mj-lt"/>
+            </a:rPr>
+            <a:t>Por defecto</a:t>
+          </a:r>
+          <a:endParaRPr lang="es-ES" sz="1600" dirty="0">
+            <a:latin typeface="+mj-lt"/>
+          </a:endParaRPr>
         </a:p>
-      </c:txPr>
-    </c:legend>
-    <c:plotVisOnly val="1"/>
-  </c:chart>
-  <c:externalData r:id="rId1"/>
-</c:chartSpace>
+      </cdr:txBody>
+    </cdr:sp>
+  </cdr:relSizeAnchor>
+</c:userShapes>
 </file>
 
-<file path=ppt/charts/chart9.xml><?xml version="1.0" encoding="utf-8"?>
-<c:chartSpace xmlns:c="http://schemas.openxmlformats.org/drawingml/2006/chart" xmlns:a="http://schemas.openxmlformats.org/drawingml/2006/main" xmlns:r="http://schemas.openxmlformats.org/officeDocument/2006/relationships">
-  <c:date1904 val="1"/>
-  <c:lang val="es-ES"/>
-  <c:chart>
-    <c:autoTitleDeleted val="1"/>
-    <c:plotArea>
-      <c:layout>
-        <c:manualLayout>
-          <c:layoutTarget val="inner"/>
-          <c:xMode val="edge"/>
-          <c:yMode val="edge"/>
-          <c:x val="0.10048349150099888"/>
-          <c:y val="4.1238940589567646E-2"/>
-          <c:w val="0.87042860499284569"/>
-          <c:h val="0.75935138208448938"/>
-        </c:manualLayout>
-      </c:layout>
-      <c:scatterChart>
-        <c:scatterStyle val="lineMarker"/>
-        <c:ser>
-          <c:idx val="0"/>
-          <c:order val="0"/>
-          <c:tx>
-            <c:v>Observacion Visual</c:v>
-          </c:tx>
-          <c:spPr>
-            <a:ln w="28575">
-              <a:noFill/>
-            </a:ln>
-          </c:spPr>
-          <c:xVal>
-            <c:numRef>
-              <c:f>Sheet1!$E$2:$E$65</c:f>
-              <c:numCache>
-                <c:formatCode>General</c:formatCode>
-                <c:ptCount val="64"/>
-                <c:pt idx="0">
-                  <c:v>1.8</c:v>
-                </c:pt>
-                <c:pt idx="1">
-                  <c:v>3.2600000000000002</c:v>
-                </c:pt>
-                <c:pt idx="2">
-                  <c:v>4.5</c:v>
-                </c:pt>
-                <c:pt idx="3">
-                  <c:v>2.13</c:v>
-                </c:pt>
-                <c:pt idx="4">
-                  <c:v>2.2200000000000002</c:v>
-                </c:pt>
-                <c:pt idx="5">
-                  <c:v>1.61</c:v>
-                </c:pt>
-                <c:pt idx="6">
-                  <c:v>1.87</c:v>
-                </c:pt>
-                <c:pt idx="7">
-                  <c:v>1.9500000000000113</c:v>
-                </c:pt>
-                <c:pt idx="8">
-                  <c:v>2.4899999999999998</c:v>
-                </c:pt>
-                <c:pt idx="9">
-                  <c:v>1.6800000000000113</c:v>
-                </c:pt>
-                <c:pt idx="10">
-                  <c:v>2.98</c:v>
-                </c:pt>
-                <c:pt idx="11">
-                  <c:v>1.4</c:v>
-                </c:pt>
-                <c:pt idx="12">
-                  <c:v>1.6400000000000001</c:v>
-                </c:pt>
-                <c:pt idx="13">
-                  <c:v>2.2799999999999998</c:v>
-                </c:pt>
-                <c:pt idx="14">
-                  <c:v>3.3099999999999987</c:v>
-                </c:pt>
-                <c:pt idx="15">
-                  <c:v>1.9500000000000113</c:v>
-                </c:pt>
-                <c:pt idx="16">
-                  <c:v>1.4</c:v>
-                </c:pt>
-                <c:pt idx="17">
-                  <c:v>1.72</c:v>
-                </c:pt>
-                <c:pt idx="18">
-                  <c:v>1.28</c:v>
-                </c:pt>
-                <c:pt idx="19">
-                  <c:v>3.02</c:v>
-                </c:pt>
-                <c:pt idx="20">
-                  <c:v>3.08</c:v>
-                </c:pt>
-                <c:pt idx="21">
-                  <c:v>1.86</c:v>
-                </c:pt>
-                <c:pt idx="22">
-                  <c:v>1.5</c:v>
-                </c:pt>
-                <c:pt idx="23">
-                  <c:v>2.69</c:v>
-                </c:pt>
-                <c:pt idx="24">
-                  <c:v>1.45</c:v>
-                </c:pt>
-                <c:pt idx="25">
-                  <c:v>1.9900000000000126</c:v>
-                </c:pt>
-                <c:pt idx="26">
-                  <c:v>3</c:v>
-                </c:pt>
-                <c:pt idx="27">
-                  <c:v>2.1</c:v>
-                </c:pt>
-                <c:pt idx="28">
-                  <c:v>2.52</c:v>
-                </c:pt>
-                <c:pt idx="29">
-                  <c:v>2.12</c:v>
-                </c:pt>
-                <c:pt idx="30">
-                  <c:v>1.47</c:v>
-                </c:pt>
-                <c:pt idx="31">
-                  <c:v>5.53</c:v>
-                </c:pt>
-                <c:pt idx="32">
-                  <c:v>2.82</c:v>
-                </c:pt>
-                <c:pt idx="33">
-                  <c:v>3.13</c:v>
-                </c:pt>
-                <c:pt idx="34">
-                  <c:v>2.56</c:v>
-                </c:pt>
-                <c:pt idx="35">
-                  <c:v>2.11</c:v>
-                </c:pt>
-                <c:pt idx="36">
-                  <c:v>2.25</c:v>
-                </c:pt>
-                <c:pt idx="37">
-                  <c:v>1.73</c:v>
-                </c:pt>
-                <c:pt idx="38">
-                  <c:v>2.04</c:v>
-                </c:pt>
-                <c:pt idx="39">
-                  <c:v>1.9600000000000113</c:v>
-                </c:pt>
-                <c:pt idx="40">
-                  <c:v>3.09</c:v>
-                </c:pt>
-                <c:pt idx="41">
-                  <c:v>1.76</c:v>
-                </c:pt>
-                <c:pt idx="42">
-                  <c:v>2.0099999999999998</c:v>
-                </c:pt>
-                <c:pt idx="43">
-                  <c:v>1.54</c:v>
-                </c:pt>
-                <c:pt idx="44">
-                  <c:v>1.9000000000000001</c:v>
-                </c:pt>
-                <c:pt idx="45">
-                  <c:v>4.24</c:v>
-                </c:pt>
-                <c:pt idx="46">
-                  <c:v>1.56</c:v>
-                </c:pt>
-                <c:pt idx="47">
-                  <c:v>1.8800000000000001</c:v>
-                </c:pt>
-                <c:pt idx="48">
-                  <c:v>5.63</c:v>
-                </c:pt>
-                <c:pt idx="49">
-                  <c:v>2.27</c:v>
-                </c:pt>
-                <c:pt idx="50">
-                  <c:v>3.16</c:v>
-                </c:pt>
-                <c:pt idx="51">
-                  <c:v>4.5999999999999996</c:v>
-                </c:pt>
-                <c:pt idx="52">
-                  <c:v>1.6500000000000001</c:v>
-                </c:pt>
-                <c:pt idx="53">
-                  <c:v>2.3699999999999997</c:v>
-                </c:pt>
-                <c:pt idx="54">
-                  <c:v>1.8</c:v>
-                </c:pt>
-                <c:pt idx="55">
-                  <c:v>2.82</c:v>
-                </c:pt>
-                <c:pt idx="56">
-                  <c:v>2</c:v>
-                </c:pt>
-                <c:pt idx="57">
-                  <c:v>5.48</c:v>
-                </c:pt>
-                <c:pt idx="58">
-                  <c:v>3.57</c:v>
-                </c:pt>
-                <c:pt idx="59">
-                  <c:v>2.56</c:v>
-                </c:pt>
-                <c:pt idx="60">
-                  <c:v>2.4</c:v>
-                </c:pt>
-                <c:pt idx="61">
-                  <c:v>1.82</c:v>
-                </c:pt>
-                <c:pt idx="62">
-                  <c:v>3.06</c:v>
-                </c:pt>
-                <c:pt idx="63">
-                  <c:v>2.0099999999999998</c:v>
-                </c:pt>
-              </c:numCache>
-            </c:numRef>
-          </c:xVal>
-          <c:yVal>
-            <c:numRef>
-              <c:f>Sheet1!$B$2:$B$65</c:f>
-              <c:numCache>
-                <c:formatCode>General</c:formatCode>
-                <c:ptCount val="64"/>
-                <c:pt idx="0">
-                  <c:v>1.2189999999999857</c:v>
-                </c:pt>
-                <c:pt idx="1">
-                  <c:v>2.4379999999999997</c:v>
-                </c:pt>
-                <c:pt idx="2">
-                  <c:v>3.6579999999999999</c:v>
-                </c:pt>
-                <c:pt idx="3">
-                  <c:v>1.829</c:v>
-                </c:pt>
-                <c:pt idx="4">
-                  <c:v>1.2189999999999857</c:v>
-                </c:pt>
-                <c:pt idx="5">
-                  <c:v>1.2189999999999857</c:v>
-                </c:pt>
-                <c:pt idx="6">
-                  <c:v>1.2189999999999857</c:v>
-                </c:pt>
-                <c:pt idx="7">
-                  <c:v>2.4379999999999997</c:v>
-                </c:pt>
-                <c:pt idx="8">
-                  <c:v>1.2189999999999857</c:v>
-                </c:pt>
-                <c:pt idx="9">
-                  <c:v>0.61000000000000065</c:v>
-                </c:pt>
-                <c:pt idx="10">
-                  <c:v>3.048</c:v>
-                </c:pt>
-                <c:pt idx="11">
-                  <c:v>1.2189999999999857</c:v>
-                </c:pt>
-                <c:pt idx="12">
-                  <c:v>0.61000000000000065</c:v>
-                </c:pt>
-                <c:pt idx="13">
-                  <c:v>1.2189999999999857</c:v>
-                </c:pt>
-                <c:pt idx="14">
-                  <c:v>2.4379999999999997</c:v>
-                </c:pt>
-                <c:pt idx="15">
-                  <c:v>1.2189999999999857</c:v>
-                </c:pt>
-                <c:pt idx="16">
-                  <c:v>1.2189999999999857</c:v>
-                </c:pt>
-                <c:pt idx="17">
-                  <c:v>0.61000000000000065</c:v>
-                </c:pt>
-                <c:pt idx="18">
-                  <c:v>0.61000000000000065</c:v>
-                </c:pt>
-                <c:pt idx="19">
-                  <c:v>1.829</c:v>
-                </c:pt>
-                <c:pt idx="20">
-                  <c:v>3.048</c:v>
-                </c:pt>
-                <c:pt idx="21">
-                  <c:v>3.048</c:v>
-                </c:pt>
-                <c:pt idx="22">
-                  <c:v>1.2189999999999857</c:v>
-                </c:pt>
-                <c:pt idx="23">
-                  <c:v>1.829</c:v>
-                </c:pt>
-                <c:pt idx="24">
-                  <c:v>0.61000000000000065</c:v>
-                </c:pt>
-                <c:pt idx="25">
-                  <c:v>1.829</c:v>
-                </c:pt>
-                <c:pt idx="26">
-                  <c:v>2.4379999999999997</c:v>
-                </c:pt>
-                <c:pt idx="27">
-                  <c:v>0.61000000000000065</c:v>
-                </c:pt>
-                <c:pt idx="28">
-                  <c:v>0.61000000000000065</c:v>
-                </c:pt>
-                <c:pt idx="29">
-                  <c:v>0.61000000000000065</c:v>
-                </c:pt>
-                <c:pt idx="30">
-                  <c:v>1.2189999999999857</c:v>
-                </c:pt>
-                <c:pt idx="31">
-                  <c:v>1.2189999999999857</c:v>
-                </c:pt>
-                <c:pt idx="32">
-                  <c:v>1.2189999999999857</c:v>
-                </c:pt>
-                <c:pt idx="33">
-                  <c:v>1.2189999999999857</c:v>
-                </c:pt>
-                <c:pt idx="34">
-                  <c:v>1.2189999999999857</c:v>
-                </c:pt>
-                <c:pt idx="35">
-                  <c:v>3.048</c:v>
-                </c:pt>
-                <c:pt idx="36">
-                  <c:v>1.2189999999999857</c:v>
-                </c:pt>
-                <c:pt idx="37">
-                  <c:v>0.61000000000000065</c:v>
-                </c:pt>
-                <c:pt idx="38">
-                  <c:v>1.2189999999999857</c:v>
-                </c:pt>
-                <c:pt idx="39">
-                  <c:v>1.2189999999999857</c:v>
-                </c:pt>
-                <c:pt idx="40">
-                  <c:v>2.4379999999999997</c:v>
-                </c:pt>
-                <c:pt idx="41">
-                  <c:v>1.829</c:v>
-                </c:pt>
-                <c:pt idx="42">
-                  <c:v>1.829</c:v>
-                </c:pt>
-                <c:pt idx="43">
-                  <c:v>0.61000000000000065</c:v>
-                </c:pt>
-                <c:pt idx="44">
-                  <c:v>1.2189999999999857</c:v>
-                </c:pt>
-                <c:pt idx="45">
-                  <c:v>4.8769999999999998</c:v>
-                </c:pt>
-                <c:pt idx="46">
-                  <c:v>0.61000000000000065</c:v>
-                </c:pt>
-                <c:pt idx="47">
-                  <c:v>1.2189999999999857</c:v>
-                </c:pt>
-                <c:pt idx="48">
-                  <c:v>7.3149999999999755</c:v>
-                </c:pt>
-                <c:pt idx="49">
-                  <c:v>1.2189999999999857</c:v>
-                </c:pt>
-                <c:pt idx="50">
-                  <c:v>1.2189999999999857</c:v>
-                </c:pt>
-                <c:pt idx="51">
-                  <c:v>0.61000000000000065</c:v>
-                </c:pt>
-                <c:pt idx="52">
-                  <c:v>1.2189999999999857</c:v>
-                </c:pt>
-                <c:pt idx="53">
-                  <c:v>1.2189999999999857</c:v>
-                </c:pt>
-                <c:pt idx="54">
-                  <c:v>1.2189999999999857</c:v>
-                </c:pt>
-                <c:pt idx="55">
-                  <c:v>2.4379999999999997</c:v>
-                </c:pt>
-                <c:pt idx="56">
-                  <c:v>1.2189999999999857</c:v>
-                </c:pt>
-                <c:pt idx="57">
-                  <c:v>4.8769999999999998</c:v>
-                </c:pt>
-                <c:pt idx="58">
-                  <c:v>1.829</c:v>
-                </c:pt>
-                <c:pt idx="59">
-                  <c:v>2.4379999999999997</c:v>
-                </c:pt>
-                <c:pt idx="60">
-                  <c:v>1.2189999999999857</c:v>
-                </c:pt>
-                <c:pt idx="61">
-                  <c:v>0.61000000000000065</c:v>
-                </c:pt>
-                <c:pt idx="62">
-                  <c:v>3.048</c:v>
-                </c:pt>
-                <c:pt idx="63">
-                  <c:v>1.2189999999999857</c:v>
-                </c:pt>
-              </c:numCache>
-            </c:numRef>
-          </c:yVal>
-        </c:ser>
-        <c:ser>
-          <c:idx val="1"/>
-          <c:order val="1"/>
-          <c:spPr>
-            <a:ln w="34925">
-              <a:solidFill>
-                <a:srgbClr val="9BBB59">
-                  <a:lumMod val="60000"/>
-                  <a:lumOff val="40000"/>
-                </a:srgbClr>
-              </a:solidFill>
-            </a:ln>
-          </c:spPr>
-          <c:marker>
-            <c:symbol val="none"/>
-          </c:marker>
-          <c:xVal>
-            <c:numRef>
-              <c:f>Sheet1!$O$4:$O$14</c:f>
-              <c:numCache>
-                <c:formatCode>General</c:formatCode>
-                <c:ptCount val="11"/>
-                <c:pt idx="0">
-                  <c:v>0</c:v>
-                </c:pt>
-                <c:pt idx="1">
-                  <c:v>1</c:v>
-                </c:pt>
-                <c:pt idx="2">
-                  <c:v>2</c:v>
-                </c:pt>
-                <c:pt idx="3">
-                  <c:v>3</c:v>
-                </c:pt>
-                <c:pt idx="4">
-                  <c:v>4</c:v>
-                </c:pt>
-                <c:pt idx="5">
-                  <c:v>5</c:v>
-                </c:pt>
-                <c:pt idx="6">
-                  <c:v>6</c:v>
-                </c:pt>
-                <c:pt idx="7">
-                  <c:v>7</c:v>
-                </c:pt>
-                <c:pt idx="8">
-                  <c:v>8</c:v>
-                </c:pt>
-                <c:pt idx="9">
-                  <c:v>9</c:v>
-                </c:pt>
-                <c:pt idx="10">
-                  <c:v>10</c:v>
-                </c:pt>
-              </c:numCache>
-            </c:numRef>
-          </c:xVal>
-          <c:yVal>
-            <c:numRef>
-              <c:f>Sheet1!$O$4:$O$14</c:f>
-              <c:numCache>
-                <c:formatCode>General</c:formatCode>
-                <c:ptCount val="11"/>
-                <c:pt idx="0">
-                  <c:v>0</c:v>
-                </c:pt>
-                <c:pt idx="1">
-                  <c:v>1</c:v>
-                </c:pt>
-                <c:pt idx="2">
-                  <c:v>2</c:v>
-                </c:pt>
-                <c:pt idx="3">
-                  <c:v>3</c:v>
-                </c:pt>
-                <c:pt idx="4">
-                  <c:v>4</c:v>
-                </c:pt>
-                <c:pt idx="5">
-                  <c:v>5</c:v>
-                </c:pt>
-                <c:pt idx="6">
-                  <c:v>6</c:v>
-                </c:pt>
-                <c:pt idx="7">
-                  <c:v>7</c:v>
-                </c:pt>
-                <c:pt idx="8">
-                  <c:v>8</c:v>
-                </c:pt>
-                <c:pt idx="9">
-                  <c:v>9</c:v>
-                </c:pt>
-                <c:pt idx="10">
-                  <c:v>10</c:v>
-                </c:pt>
-              </c:numCache>
-            </c:numRef>
-          </c:yVal>
-        </c:ser>
-        <c:axId val="62973056"/>
-        <c:axId val="62974976"/>
-      </c:scatterChart>
-      <c:valAx>
-        <c:axId val="62973056"/>
-        <c:scaling>
-          <c:orientation val="minMax"/>
-          <c:max val="8"/>
-        </c:scaling>
-        <c:axPos val="b"/>
-        <c:minorGridlines/>
-        <c:title>
-          <c:tx>
-            <c:rich>
-              <a:bodyPr/>
-              <a:lstStyle/>
-              <a:p>
-                <a:pPr>
-                  <a:defRPr lang="es-AR"/>
-                </a:pPr>
-                <a:r>
-                  <a:rPr lang="es-AR" sz="1800" b="0" dirty="0" smtClean="0">
-                    <a:latin typeface="+mj-lt"/>
-                  </a:rPr>
-                  <a:t>WAVEWATCH </a:t>
-                </a:r>
-                <a:r>
-                  <a:rPr lang="es-AR" sz="1800" b="0" baseline="0" dirty="0" smtClean="0">
-                    <a:latin typeface="+mj-lt"/>
-                  </a:rPr>
-                  <a:t>III </a:t>
-                </a:r>
-                <a:r>
-                  <a:rPr lang="es-AR" sz="1800" b="0" baseline="0" dirty="0">
-                    <a:latin typeface="+mj-lt"/>
-                  </a:rPr>
-                  <a:t>(Altura en mts.)</a:t>
-                </a:r>
-                <a:endParaRPr lang="es-AR" sz="1800" b="0" dirty="0">
-                  <a:latin typeface="+mj-lt"/>
-                </a:endParaRPr>
-              </a:p>
-            </c:rich>
-          </c:tx>
-          <c:layout/>
-        </c:title>
-        <c:numFmt formatCode="#,##0;\-#,##0" sourceLinked="0"/>
-        <c:tickLblPos val="nextTo"/>
-        <c:txPr>
-          <a:bodyPr/>
-          <a:lstStyle/>
-          <a:p>
-            <a:pPr>
-              <a:defRPr lang="es-AR" baseline="0"/>
-            </a:pPr>
-            <a:endParaRPr lang="es-ES"/>
-          </a:p>
-        </c:txPr>
-        <c:crossAx val="62974976"/>
-        <c:crosses val="autoZero"/>
-        <c:crossBetween val="midCat"/>
-        <c:majorUnit val="2"/>
-      </c:valAx>
-      <c:valAx>
-        <c:axId val="62974976"/>
-        <c:scaling>
-          <c:orientation val="minMax"/>
-        </c:scaling>
-        <c:axPos val="l"/>
-        <c:majorGridlines/>
-        <c:minorGridlines/>
-        <c:title>
-          <c:tx>
-            <c:rich>
-              <a:bodyPr/>
-              <a:lstStyle/>
-              <a:p>
-                <a:pPr>
-                  <a:defRPr lang="es-AR"/>
-                </a:pPr>
-                <a:r>
-                  <a:rPr lang="es-AR" sz="1800" b="0" dirty="0">
-                    <a:latin typeface="+mj-lt"/>
-                  </a:rPr>
-                  <a:t>Observación Visual (Altura</a:t>
-                </a:r>
-                <a:r>
-                  <a:rPr lang="es-AR" sz="1800" b="0" baseline="0" dirty="0">
-                    <a:latin typeface="+mj-lt"/>
-                  </a:rPr>
-                  <a:t> en </a:t>
-                </a:r>
-                <a:r>
-                  <a:rPr lang="es-AR" sz="1800" b="0" dirty="0">
-                    <a:latin typeface="+mj-lt"/>
-                  </a:rPr>
-                  <a:t>mts.)</a:t>
-                </a:r>
-              </a:p>
-            </c:rich>
-          </c:tx>
-          <c:layout/>
-        </c:title>
-        <c:numFmt formatCode="General" sourceLinked="1"/>
-        <c:tickLblPos val="nextTo"/>
-        <c:txPr>
-          <a:bodyPr/>
-          <a:lstStyle/>
-          <a:p>
-            <a:pPr>
-              <a:defRPr lang="es-AR"/>
-            </a:pPr>
-            <a:endParaRPr lang="es-ES"/>
-          </a:p>
-        </c:txPr>
-        <c:crossAx val="62973056"/>
-        <c:crosses val="autoZero"/>
-        <c:crossBetween val="midCat"/>
-      </c:valAx>
-    </c:plotArea>
-    <c:plotVisOnly val="1"/>
-  </c:chart>
-  <c:externalData r:id="rId1"/>
-</c:chartSpace>
+<file path=ppt/drawings/drawing2.xml><?xml version="1.0" encoding="utf-8"?>
+<c:userShapes xmlns:c="http://schemas.openxmlformats.org/drawingml/2006/chart">
+  <cdr:relSizeAnchor xmlns:cdr="http://schemas.openxmlformats.org/drawingml/2006/chartDrawing">
+    <cdr:from>
+      <cdr:x>0.8785</cdr:x>
+      <cdr:y>0.54688</cdr:y>
+    </cdr:from>
+    <cdr:to>
+      <cdr:x>0.99813</cdr:x>
+      <cdr:y>0.65105</cdr:y>
+    </cdr:to>
+    <cdr:sp macro="" textlink="">
+      <cdr:nvSpPr>
+        <cdr:cNvPr id="2" name="1 CuadroTexto"/>
+        <cdr:cNvSpPr txBox="1"/>
+      </cdr:nvSpPr>
+      <cdr:spPr>
+        <a:xfrm xmlns:a="http://schemas.openxmlformats.org/drawingml/2006/main">
+          <a:off x="6715172" y="1500198"/>
+          <a:ext cx="914400" cy="285752"/>
+        </a:xfrm>
+        <a:prstGeom xmlns:a="http://schemas.openxmlformats.org/drawingml/2006/main" prst="rect">
+          <a:avLst/>
+        </a:prstGeom>
+        <a:solidFill xmlns:a="http://schemas.openxmlformats.org/drawingml/2006/main">
+          <a:sysClr val="window" lastClr="FFFFFF"/>
+        </a:solidFill>
+      </cdr:spPr>
+      <cdr:txBody>
+        <a:bodyPr xmlns:a="http://schemas.openxmlformats.org/drawingml/2006/main" wrap="none" rtlCol="0"/>
+        <a:lstStyle xmlns:a="http://schemas.openxmlformats.org/drawingml/2006/main">
+          <a:lvl1pPr marL="0" indent="0">
+            <a:defRPr sz="1100">
+              <a:latin typeface="Constantia"/>
+            </a:defRPr>
+          </a:lvl1pPr>
+          <a:lvl2pPr marL="457200" indent="0">
+            <a:defRPr sz="1100">
+              <a:latin typeface="Constantia"/>
+            </a:defRPr>
+          </a:lvl2pPr>
+          <a:lvl3pPr marL="914400" indent="0">
+            <a:defRPr sz="1100">
+              <a:latin typeface="Constantia"/>
+            </a:defRPr>
+          </a:lvl3pPr>
+          <a:lvl4pPr marL="1371600" indent="0">
+            <a:defRPr sz="1100">
+              <a:latin typeface="Constantia"/>
+            </a:defRPr>
+          </a:lvl4pPr>
+          <a:lvl5pPr marL="1828800" indent="0">
+            <a:defRPr sz="1100">
+              <a:latin typeface="Constantia"/>
+            </a:defRPr>
+          </a:lvl5pPr>
+          <a:lvl6pPr marL="2286000" indent="0">
+            <a:defRPr sz="1100">
+              <a:latin typeface="Constantia"/>
+            </a:defRPr>
+          </a:lvl6pPr>
+          <a:lvl7pPr marL="2743200" indent="0">
+            <a:defRPr sz="1100">
+              <a:latin typeface="Constantia"/>
+            </a:defRPr>
+          </a:lvl7pPr>
+          <a:lvl8pPr marL="3200400" indent="0">
+            <a:defRPr sz="1100">
+              <a:latin typeface="Constantia"/>
+            </a:defRPr>
+          </a:lvl8pPr>
+          <a:lvl9pPr marL="3657600" indent="0">
+            <a:defRPr sz="1100">
+              <a:latin typeface="Constantia"/>
+            </a:defRPr>
+          </a:lvl9pPr>
+        </a:lstStyle>
+        <a:p xmlns:a="http://schemas.openxmlformats.org/drawingml/2006/main">
+          <a:r>
+            <a:rPr lang="es-US" sz="1600" dirty="0" smtClean="0">
+              <a:latin typeface="Calibri"/>
+            </a:rPr>
+            <a:t>Por defecto</a:t>
+          </a:r>
+          <a:endParaRPr lang="es-ES" sz="1600" dirty="0">
+            <a:latin typeface="Calibri"/>
+          </a:endParaRPr>
+        </a:p>
+      </cdr:txBody>
+    </cdr:sp>
+  </cdr:relSizeAnchor>
+</c:userShapes>
 </file>
 
 <file path=ppt/notesMasters/notesMaster1.xml><?xml version="1.0" encoding="utf-8"?>
@@ -6861,7 +7360,7 @@
             <a:fld id="{CC836ABB-6633-4F2E-9CC4-347080E95772}" type="datetimeFigureOut">
               <a:rPr lang="es-ES" smtClean="0"/>
               <a:pPr/>
-              <a:t>23/08/2010</a:t>
+              <a:t>24/08/2010</a:t>
             </a:fld>
             <a:endParaRPr lang="es-ES"/>
           </a:p>
@@ -9118,7 +9617,7 @@
             <a:fld id="{705F1E1A-BC64-4D15-8F19-F9D22DF3568A}" type="slidenum">
               <a:rPr lang="es-ES" smtClean="0"/>
               <a:pPr/>
-              <a:t>10</a:t>
+              <a:t>9</a:t>
             </a:fld>
             <a:endParaRPr lang="es-ES"/>
           </a:p>
@@ -9526,7 +10025,7 @@
             <a:fld id="{47C9B81F-C347-4BEF-BFDF-29C42F48304A}" type="datetimeFigureOut">
               <a:rPr lang="en-US" smtClean="0"/>
               <a:pPr/>
-              <a:t>8/23/2010</a:t>
+              <a:t>8/24/2010</a:t>
             </a:fld>
             <a:endParaRPr lang="en-US"/>
           </a:p>
@@ -9693,7 +10192,7 @@
             <a:fld id="{47C9B81F-C347-4BEF-BFDF-29C42F48304A}" type="datetimeFigureOut">
               <a:rPr lang="en-US" smtClean="0"/>
               <a:pPr/>
-              <a:t>8/23/2010</a:t>
+              <a:t>8/24/2010</a:t>
             </a:fld>
             <a:endParaRPr lang="en-US"/>
           </a:p>
@@ -9870,7 +10369,7 @@
             <a:fld id="{47C9B81F-C347-4BEF-BFDF-29C42F48304A}" type="datetimeFigureOut">
               <a:rPr lang="en-US" smtClean="0"/>
               <a:pPr/>
-              <a:t>8/23/2010</a:t>
+              <a:t>8/24/2010</a:t>
             </a:fld>
             <a:endParaRPr lang="en-US"/>
           </a:p>
@@ -10037,7 +10536,7 @@
             <a:fld id="{47C9B81F-C347-4BEF-BFDF-29C42F48304A}" type="datetimeFigureOut">
               <a:rPr lang="en-US" smtClean="0"/>
               <a:pPr/>
-              <a:t>8/23/2010</a:t>
+              <a:t>8/24/2010</a:t>
             </a:fld>
             <a:endParaRPr lang="en-US"/>
           </a:p>
@@ -10281,7 +10780,7 @@
             <a:fld id="{47C9B81F-C347-4BEF-BFDF-29C42F48304A}" type="datetimeFigureOut">
               <a:rPr lang="en-US" smtClean="0"/>
               <a:pPr/>
-              <a:t>8/23/2010</a:t>
+              <a:t>8/24/2010</a:t>
             </a:fld>
             <a:endParaRPr lang="en-US"/>
           </a:p>
@@ -10547,7 +11046,7 @@
             <a:fld id="{47C9B81F-C347-4BEF-BFDF-29C42F48304A}" type="datetimeFigureOut">
               <a:rPr lang="en-US" smtClean="0"/>
               <a:pPr/>
-              <a:t>8/23/2010</a:t>
+              <a:t>8/24/2010</a:t>
             </a:fld>
             <a:endParaRPr lang="en-US"/>
           </a:p>
@@ -10927,7 +11426,7 @@
             <a:fld id="{47C9B81F-C347-4BEF-BFDF-29C42F48304A}" type="datetimeFigureOut">
               <a:rPr lang="en-US" smtClean="0"/>
               <a:pPr/>
-              <a:t>8/23/2010</a:t>
+              <a:t>8/24/2010</a:t>
             </a:fld>
             <a:endParaRPr lang="en-US"/>
           </a:p>
@@ -11079,7 +11578,7 @@
             <a:fld id="{47C9B81F-C347-4BEF-BFDF-29C42F48304A}" type="datetimeFigureOut">
               <a:rPr lang="en-US" smtClean="0"/>
               <a:pPr/>
-              <a:t>8/23/2010</a:t>
+              <a:t>8/24/2010</a:t>
             </a:fld>
             <a:endParaRPr lang="en-US"/>
           </a:p>
@@ -11171,7 +11670,7 @@
             <a:fld id="{47C9B81F-C347-4BEF-BFDF-29C42F48304A}" type="datetimeFigureOut">
               <a:rPr lang="en-US" smtClean="0"/>
               <a:pPr/>
-              <a:t>8/23/2010</a:t>
+              <a:t>8/24/2010</a:t>
             </a:fld>
             <a:endParaRPr lang="en-US"/>
           </a:p>
@@ -11434,7 +11933,7 @@
             <a:fld id="{47C9B81F-C347-4BEF-BFDF-29C42F48304A}" type="datetimeFigureOut">
               <a:rPr lang="en-US" smtClean="0"/>
               <a:pPr/>
-              <a:t>8/23/2010</a:t>
+              <a:t>8/24/2010</a:t>
             </a:fld>
             <a:endParaRPr lang="en-US"/>
           </a:p>
@@ -11724,7 +12223,7 @@
             <a:fld id="{47C9B81F-C347-4BEF-BFDF-29C42F48304A}" type="datetimeFigureOut">
               <a:rPr lang="en-US" smtClean="0"/>
               <a:pPr/>
-              <a:t>8/23/2010</a:t>
+              <a:t>8/24/2010</a:t>
             </a:fld>
             <a:endParaRPr lang="en-US"/>
           </a:p>
@@ -12497,7 +12996,7 @@
             <a:fld id="{47C9B81F-C347-4BEF-BFDF-29C42F48304A}" type="datetimeFigureOut">
               <a:rPr lang="en-US" smtClean="0"/>
               <a:pPr/>
-              <a:t>8/23/2010</a:t>
+              <a:t>8/24/2010</a:t>
             </a:fld>
             <a:endParaRPr lang="en-US" dirty="0">
               <a:solidFill>
@@ -13382,178 +13881,48 @@
           <a:p>
             <a:r>
               <a:rPr lang="es-US" dirty="0" smtClean="0"/>
-              <a:t>Experimentación (9)</a:t>
+              <a:t>Experimentación </a:t>
+            </a:r>
+            <a:r>
+              <a:rPr lang="es-US" dirty="0" smtClean="0"/>
+              <a:t>(9)</a:t>
             </a:r>
             <a:endParaRPr lang="es-ES" dirty="0"/>
-          </a:p>
-        </p:txBody>
-      </p:sp>
-      <p:sp>
-        <p:nvSpPr>
-          <p:cNvPr id="3" name="2 Marcador de contenido"/>
-          <p:cNvSpPr>
-            <a:spLocks noGrp="1"/>
-          </p:cNvSpPr>
-          <p:nvPr>
-            <p:ph idx="1"/>
-          </p:nvPr>
-        </p:nvSpPr>
-        <p:spPr/>
-        <p:txBody>
-          <a:bodyPr>
-            <a:normAutofit fontScale="92500" lnSpcReduction="10000"/>
-          </a:bodyPr>
-          <a:lstStyle/>
-          <a:p>
-            <a:r>
-              <a:rPr lang="es-US" dirty="0" smtClean="0">
-                <a:latin typeface="+mj-lt"/>
-              </a:rPr>
-              <a:t>Resultados generales (3)</a:t>
-            </a:r>
-          </a:p>
-          <a:p>
-            <a:endParaRPr lang="es-US" dirty="0" smtClean="0">
-              <a:latin typeface="+mj-lt"/>
-            </a:endParaRPr>
-          </a:p>
-          <a:p>
-            <a:endParaRPr lang="es-US" dirty="0" smtClean="0">
-              <a:latin typeface="+mj-lt"/>
-            </a:endParaRPr>
-          </a:p>
-          <a:p>
-            <a:endParaRPr lang="es-US" dirty="0" smtClean="0">
-              <a:latin typeface="+mj-lt"/>
-            </a:endParaRPr>
-          </a:p>
-          <a:p>
-            <a:endParaRPr lang="es-US" dirty="0" smtClean="0">
-              <a:latin typeface="+mj-lt"/>
-            </a:endParaRPr>
-          </a:p>
-          <a:p>
-            <a:endParaRPr lang="es-US" dirty="0" smtClean="0">
-              <a:latin typeface="+mj-lt"/>
-            </a:endParaRPr>
-          </a:p>
-          <a:p>
-            <a:endParaRPr lang="es-US" dirty="0" smtClean="0">
-              <a:latin typeface="+mj-lt"/>
-            </a:endParaRPr>
-          </a:p>
-          <a:p>
-            <a:endParaRPr lang="es-US" dirty="0" smtClean="0">
-              <a:latin typeface="+mj-lt"/>
-            </a:endParaRPr>
-          </a:p>
-          <a:p>
-            <a:endParaRPr lang="es-US" dirty="0" smtClean="0">
-              <a:latin typeface="+mj-lt"/>
-            </a:endParaRPr>
-          </a:p>
-          <a:p>
-            <a:pPr lvl="1">
-              <a:buNone/>
-            </a:pPr>
-            <a:endParaRPr lang="es-US" dirty="0" smtClean="0">
-              <a:latin typeface="+mj-lt"/>
-            </a:endParaRPr>
-          </a:p>
-          <a:p>
-            <a:pPr lvl="1">
-              <a:buNone/>
-            </a:pPr>
-            <a:r>
-              <a:rPr lang="es-US" b="1" dirty="0" smtClean="0">
-                <a:latin typeface="+mj-lt"/>
-              </a:rPr>
-              <a:t>Combinación óptima = [SVM/WW3Last3DaysStrategy]</a:t>
-            </a:r>
-          </a:p>
-          <a:p>
-            <a:endParaRPr lang="es-US" dirty="0" smtClean="0"/>
-          </a:p>
-          <a:p>
-            <a:endParaRPr lang="es-US" dirty="0" smtClean="0"/>
-          </a:p>
-          <a:p>
-            <a:endParaRPr lang="es-US" dirty="0" smtClean="0"/>
-          </a:p>
-          <a:p>
-            <a:endParaRPr lang="es-US" dirty="0" smtClean="0"/>
-          </a:p>
-          <a:p>
-            <a:endParaRPr lang="es-US" dirty="0" smtClean="0"/>
-          </a:p>
-          <a:p>
-            <a:endParaRPr lang="es-US" dirty="0" smtClean="0"/>
-          </a:p>
-          <a:p>
-            <a:pPr>
-              <a:buNone/>
-            </a:pPr>
-            <a:endParaRPr lang="es-ES" dirty="0">
-              <a:solidFill>
-                <a:schemeClr val="accent6"/>
-              </a:solidFill>
-            </a:endParaRPr>
           </a:p>
         </p:txBody>
       </p:sp>
       <p:graphicFrame>
         <p:nvGraphicFramePr>
-          <p:cNvPr id="22533" name="Object 5"/>
-          <p:cNvGraphicFramePr>
-            <a:graphicFrameLocks noChangeAspect="1"/>
-          </p:cNvGraphicFramePr>
+          <p:cNvPr id="6" name="14 Gráfico"/>
+          <p:cNvGraphicFramePr/>
           <p:nvPr/>
         </p:nvGraphicFramePr>
         <p:xfrm>
-          <a:off x="571472" y="2377112"/>
-          <a:ext cx="7953618" cy="3429024"/>
+          <a:off x="642910" y="1714488"/>
+          <a:ext cx="7662883" cy="2743200"/>
         </p:xfrm>
         <a:graphic>
-          <a:graphicData uri="http://schemas.openxmlformats.org/presentationml/2006/ole">
-            <p:oleObj spid="_x0000_s1026" name="Hoja de cálculo" r:id="rId4" imgW="5590137" imgH="2409567" progId="Excel.Sheet.12">
-              <p:embed/>
-            </p:oleObj>
+          <a:graphicData uri="http://schemas.openxmlformats.org/drawingml/2006/chart">
+            <c:chart xmlns:c="http://schemas.openxmlformats.org/drawingml/2006/chart" xmlns:r="http://schemas.openxmlformats.org/officeDocument/2006/relationships" r:id="rId2"/>
           </a:graphicData>
         </a:graphic>
       </p:graphicFrame>
-      <p:pic>
-        <p:nvPicPr>
-          <p:cNvPr id="22534" name="Picture 6"/>
-          <p:cNvPicPr>
-            <a:picLocks noChangeAspect="1" noChangeArrowheads="1"/>
-          </p:cNvPicPr>
+      <p:graphicFrame>
+        <p:nvGraphicFramePr>
+          <p:cNvPr id="7" name="15 Gráfico"/>
+          <p:cNvGraphicFramePr/>
           <p:nvPr/>
-        </p:nvPicPr>
-        <p:blipFill>
-          <a:blip r:embed="rId5" cstate="print"/>
-          <a:srcRect/>
-          <a:stretch>
-            <a:fillRect/>
-          </a:stretch>
-        </p:blipFill>
-        <p:spPr bwMode="auto">
-          <a:xfrm>
-            <a:off x="874476" y="5568277"/>
-            <a:ext cx="85725" cy="66675"/>
-          </a:xfrm>
-          <a:prstGeom prst="rect">
-            <a:avLst/>
-          </a:prstGeom>
-          <a:noFill/>
-          <a:ln w="9525">
-            <a:noFill/>
-            <a:miter lim="800000"/>
-            <a:headEnd/>
-            <a:tailEnd/>
-          </a:ln>
-          <a:effectLst/>
-        </p:spPr>
-      </p:pic>
+        </p:nvGraphicFramePr>
+        <p:xfrm>
+          <a:off x="642910" y="4357694"/>
+          <a:ext cx="7643866" cy="2743200"/>
+        </p:xfrm>
+        <a:graphic>
+          <a:graphicData uri="http://schemas.openxmlformats.org/drawingml/2006/chart">
+            <c:chart xmlns:c="http://schemas.openxmlformats.org/drawingml/2006/chart" xmlns:r="http://schemas.openxmlformats.org/officeDocument/2006/relationships" r:id="rId3"/>
+          </a:graphicData>
+        </a:graphic>
+      </p:graphicFrame>
     </p:spTree>
   </p:cSld>
   <p:clrMapOvr>
@@ -16281,8 +16650,17 @@
               <a:rPr lang="es-AR" dirty="0" smtClean="0">
                 <a:latin typeface="+mj-lt"/>
               </a:rPr>
-              <a:t>Consideraciones  generales:</a:t>
-            </a:r>
+              <a:t>Consideraciones  </a:t>
+            </a:r>
+            <a:r>
+              <a:rPr lang="es-AR" dirty="0" smtClean="0">
+                <a:latin typeface="+mj-lt"/>
+              </a:rPr>
+              <a:t>generales (1):</a:t>
+            </a:r>
+            <a:endParaRPr lang="es-AR" dirty="0" smtClean="0">
+              <a:latin typeface="+mj-lt"/>
+            </a:endParaRPr>
           </a:p>
           <a:p>
             <a:pPr lvl="1"/>
@@ -18253,7 +18631,7 @@
               <a:rPr lang="es-US" dirty="0" smtClean="0">
                 <a:latin typeface="+mj-lt"/>
               </a:rPr>
-              <a:t>Consideraciones generales (2):</a:t>
+              <a:t>Consideraciones generales(2):</a:t>
             </a:r>
           </a:p>
           <a:p>
@@ -18262,37 +18640,32 @@
               <a:rPr lang="es-US" dirty="0" smtClean="0">
                 <a:latin typeface="+mj-lt"/>
               </a:rPr>
-              <a:t>Técnica de validación cruzada de 10 conjuntos</a:t>
-            </a:r>
-          </a:p>
-          <a:p>
-            <a:endParaRPr lang="es-US" dirty="0" smtClean="0">
-              <a:latin typeface="+mj-lt"/>
-            </a:endParaRPr>
-          </a:p>
-          <a:p>
+              <a:t>Modelos </a:t>
+            </a:r>
             <a:r>
               <a:rPr lang="es-US" dirty="0" smtClean="0">
                 <a:latin typeface="+mj-lt"/>
               </a:rPr>
-              <a:t>Modelos de instancia</a:t>
-            </a:r>
-          </a:p>
-          <a:p>
-            <a:endParaRPr lang="es-US" dirty="0" smtClean="0">
-              <a:latin typeface="+mj-lt"/>
-            </a:endParaRPr>
-          </a:p>
-          <a:p>
+              <a:t>de instancia</a:t>
+            </a:r>
+          </a:p>
+          <a:p>
+            <a:pPr lvl="1"/>
             <a:r>
               <a:rPr lang="es-US" dirty="0" smtClean="0">
                 <a:latin typeface="+mj-lt"/>
               </a:rPr>
-              <a:t>Métricas de evaluación:</a:t>
-            </a:r>
-          </a:p>
-          <a:p>
-            <a:pPr lvl="1"/>
+              <a:t>Métricas </a:t>
+            </a:r>
+            <a:r>
+              <a:rPr lang="es-US" dirty="0" smtClean="0">
+                <a:latin typeface="+mj-lt"/>
+              </a:rPr>
+              <a:t>de evaluación:</a:t>
+            </a:r>
+          </a:p>
+          <a:p>
+            <a:pPr lvl="2"/>
             <a:r>
               <a:rPr lang="es-US" dirty="0" smtClean="0">
                 <a:latin typeface="+mj-lt"/>
@@ -18301,7 +18674,7 @@
             </a:r>
           </a:p>
           <a:p>
-            <a:pPr lvl="1"/>
+            <a:pPr lvl="2"/>
             <a:r>
               <a:rPr lang="es-US" dirty="0" smtClean="0">
                 <a:latin typeface="+mj-lt"/>
@@ -18325,7 +18698,7 @@
           <p:nvPr/>
         </p:nvPicPr>
         <p:blipFill>
-          <a:blip r:embed="rId3" cstate="print"/>
+          <a:blip r:embed="rId3"/>
           <a:srcRect/>
           <a:stretch>
             <a:fillRect/>
@@ -18349,6 +18722,38 @@
           <a:effectLst/>
         </p:spPr>
       </p:pic>
+      <p:graphicFrame>
+        <p:nvGraphicFramePr>
+          <p:cNvPr id="5" name="2 Gráfico"/>
+          <p:cNvGraphicFramePr/>
+          <p:nvPr/>
+        </p:nvGraphicFramePr>
+        <p:xfrm>
+          <a:off x="4572000" y="4043386"/>
+          <a:ext cx="4572000" cy="2743200"/>
+        </p:xfrm>
+        <a:graphic>
+          <a:graphicData uri="http://schemas.openxmlformats.org/drawingml/2006/chart">
+            <c:chart xmlns:c="http://schemas.openxmlformats.org/drawingml/2006/chart" xmlns:r="http://schemas.openxmlformats.org/officeDocument/2006/relationships" r:id="rId4"/>
+          </a:graphicData>
+        </a:graphic>
+      </p:graphicFrame>
+      <p:graphicFrame>
+        <p:nvGraphicFramePr>
+          <p:cNvPr id="6" name="3 Gráfico"/>
+          <p:cNvGraphicFramePr/>
+          <p:nvPr/>
+        </p:nvGraphicFramePr>
+        <p:xfrm>
+          <a:off x="0" y="4000504"/>
+          <a:ext cx="4572000" cy="2743200"/>
+        </p:xfrm>
+        <a:graphic>
+          <a:graphicData uri="http://schemas.openxmlformats.org/drawingml/2006/chart">
+            <c:chart xmlns:c="http://schemas.openxmlformats.org/drawingml/2006/chart" xmlns:r="http://schemas.openxmlformats.org/officeDocument/2006/relationships" r:id="rId5"/>
+          </a:graphicData>
+        </a:graphic>
+      </p:graphicFrame>
     </p:spTree>
   </p:cSld>
   <p:clrMapOvr>
@@ -18357,9 +18762,146 @@
   <p:timing>
     <p:tnLst>
       <p:par>
-        <p:cTn id="1" dur="indefinite" restart="never" nodeType="tmRoot"/>
+        <p:cTn id="1" dur="indefinite" restart="never" nodeType="tmRoot">
+          <p:childTnLst>
+            <p:seq concurrent="1" nextAc="seek">
+              <p:cTn id="2" dur="indefinite" nodeType="mainSeq">
+                <p:childTnLst>
+                  <p:par>
+                    <p:cTn id="3" fill="hold">
+                      <p:stCondLst>
+                        <p:cond delay="indefinite"/>
+                      </p:stCondLst>
+                      <p:childTnLst>
+                        <p:par>
+                          <p:cTn id="4" fill="hold">
+                            <p:stCondLst>
+                              <p:cond delay="0"/>
+                            </p:stCondLst>
+                            <p:childTnLst>
+                              <p:par>
+                                <p:cTn id="5" presetID="10" presetClass="entr" presetSubtype="0" fill="hold" grpId="0" nodeType="clickEffect">
+                                  <p:stCondLst>
+                                    <p:cond delay="0"/>
+                                  </p:stCondLst>
+                                  <p:childTnLst>
+                                    <p:set>
+                                      <p:cBhvr>
+                                        <p:cTn id="6" dur="1" fill="hold">
+                                          <p:stCondLst>
+                                            <p:cond delay="0"/>
+                                          </p:stCondLst>
+                                        </p:cTn>
+                                        <p:tgtEl>
+                                          <p:spTgt spid="6"/>
+                                        </p:tgtEl>
+                                        <p:attrNameLst>
+                                          <p:attrName>style.visibility</p:attrName>
+                                        </p:attrNameLst>
+                                      </p:cBhvr>
+                                      <p:to>
+                                        <p:strVal val="visible"/>
+                                      </p:to>
+                                    </p:set>
+                                    <p:animEffect transition="in" filter="fade">
+                                      <p:cBhvr>
+                                        <p:cTn id="7" dur="500"/>
+                                        <p:tgtEl>
+                                          <p:spTgt spid="6"/>
+                                        </p:tgtEl>
+                                      </p:cBhvr>
+                                    </p:animEffect>
+                                  </p:childTnLst>
+                                </p:cTn>
+                              </p:par>
+                            </p:childTnLst>
+                          </p:cTn>
+                        </p:par>
+                      </p:childTnLst>
+                    </p:cTn>
+                  </p:par>
+                  <p:par>
+                    <p:cTn id="8" fill="hold">
+                      <p:stCondLst>
+                        <p:cond delay="indefinite"/>
+                      </p:stCondLst>
+                      <p:childTnLst>
+                        <p:par>
+                          <p:cTn id="9" fill="hold">
+                            <p:stCondLst>
+                              <p:cond delay="0"/>
+                            </p:stCondLst>
+                            <p:childTnLst>
+                              <p:par>
+                                <p:cTn id="10" presetID="10" presetClass="entr" presetSubtype="0" fill="hold" grpId="0" nodeType="clickEffect">
+                                  <p:stCondLst>
+                                    <p:cond delay="0"/>
+                                  </p:stCondLst>
+                                  <p:childTnLst>
+                                    <p:set>
+                                      <p:cBhvr>
+                                        <p:cTn id="11" dur="1" fill="hold">
+                                          <p:stCondLst>
+                                            <p:cond delay="0"/>
+                                          </p:stCondLst>
+                                        </p:cTn>
+                                        <p:tgtEl>
+                                          <p:spTgt spid="5"/>
+                                        </p:tgtEl>
+                                        <p:attrNameLst>
+                                          <p:attrName>style.visibility</p:attrName>
+                                        </p:attrNameLst>
+                                      </p:cBhvr>
+                                      <p:to>
+                                        <p:strVal val="visible"/>
+                                      </p:to>
+                                    </p:set>
+                                    <p:animEffect transition="in" filter="fade">
+                                      <p:cBhvr>
+                                        <p:cTn id="12" dur="500"/>
+                                        <p:tgtEl>
+                                          <p:spTgt spid="5"/>
+                                        </p:tgtEl>
+                                      </p:cBhvr>
+                                    </p:animEffect>
+                                  </p:childTnLst>
+                                </p:cTn>
+                              </p:par>
+                            </p:childTnLst>
+                          </p:cTn>
+                        </p:par>
+                      </p:childTnLst>
+                    </p:cTn>
+                  </p:par>
+                </p:childTnLst>
+              </p:cTn>
+              <p:prevCondLst>
+                <p:cond evt="onPrev" delay="0">
+                  <p:tgtEl>
+                    <p:sldTgt/>
+                  </p:tgtEl>
+                </p:cond>
+              </p:prevCondLst>
+              <p:nextCondLst>
+                <p:cond evt="onNext" delay="0">
+                  <p:tgtEl>
+                    <p:sldTgt/>
+                  </p:tgtEl>
+                </p:cond>
+              </p:nextCondLst>
+            </p:seq>
+          </p:childTnLst>
+        </p:cTn>
       </p:par>
     </p:tnLst>
+    <p:bldLst>
+      <p:bldGraphic spid="5" grpId="0">
+        <p:bldAsOne/>
+      </p:bldGraphic>
+      <p:bldGraphic spid="6" grpId="0">
+        <p:bldAsOne/>
+      </p:bldGraphic>
+    </p:bldLst>
   </p:timing>
 </p:sld>
 </file>
@@ -18566,7 +19108,7 @@
 </file>
 
 <file path=ppt/slides/slide4.xml><?xml version="1.0" encoding="utf-8"?>
-<p:sld xmlns:a="http://schemas.openxmlformats.org/drawingml/2006/main" xmlns:r="http://schemas.openxmlformats.org/officeDocument/2006/relationships" xmlns:p="http://schemas.openxmlformats.org/presentationml/2006/main">
+<p:sld xmlns:a="http://schemas.openxmlformats.org/drawingml/2006/main" xmlns:r="http://schemas.openxmlformats.org/officeDocument/2006/relationships" xmlns:p="http://schemas.openxmlformats.org/presentationml/2006/main" show="0">
   <p:cSld>
     <p:spTree>
       <p:nvGrpSpPr>
@@ -24405,6 +24947,7 @@
   <p:clrMapOvr>
     <a:masterClrMapping/>
   </p:clrMapOvr>
+  <p:transition/>
   <p:timing>
     <p:tnLst>
       <p:par>
@@ -24474,11 +25017,26 @@
               <a:rPr lang="es-US" dirty="0" smtClean="0">
                 <a:latin typeface="+mj-lt"/>
               </a:rPr>
-              <a:t>Tamaño del conjunto de entrenamiento</a:t>
+              <a:t>Consideraciones generales(4):</a:t>
             </a:r>
           </a:p>
           <a:p>
             <a:pPr lvl="1"/>
+            <a:r>
+              <a:rPr lang="es-US" dirty="0" smtClean="0">
+                <a:latin typeface="+mj-lt"/>
+              </a:rPr>
+              <a:t>Tamaño </a:t>
+            </a:r>
+            <a:r>
+              <a:rPr lang="es-US" dirty="0" smtClean="0">
+                <a:latin typeface="+mj-lt"/>
+              </a:rPr>
+              <a:t>del conjunto de entrenamiento</a:t>
+            </a:r>
+          </a:p>
+          <a:p>
+            <a:pPr lvl="2"/>
             <a:r>
               <a:rPr lang="es-US" dirty="0" smtClean="0">
                 <a:latin typeface="+mj-lt"/>
@@ -24487,7 +25045,7 @@
             </a:r>
           </a:p>
           <a:p>
-            <a:pPr lvl="1"/>
+            <a:pPr lvl="2"/>
             <a:r>
               <a:rPr lang="es-US" dirty="0" smtClean="0">
                 <a:latin typeface="+mj-lt"/>
@@ -24496,7 +25054,7 @@
             </a:r>
           </a:p>
           <a:p>
-            <a:pPr lvl="1"/>
+            <a:pPr lvl="2"/>
             <a:r>
               <a:rPr lang="es-US" dirty="0" smtClean="0">
                 <a:latin typeface="+mj-lt"/>
@@ -24700,17 +25258,17 @@
               <a:rPr lang="es-US" dirty="0" smtClean="0">
                 <a:latin typeface="+mj-lt"/>
               </a:rPr>
-              <a:t>Modelos de instancia.</a:t>
-            </a:r>
-          </a:p>
-          <a:p>
-            <a:pPr lvl="1"/>
+              <a:t>Modelos de instancia</a:t>
+            </a:r>
             <a:r>
               <a:rPr lang="es-US" dirty="0" smtClean="0">
                 <a:latin typeface="+mj-lt"/>
               </a:rPr>
-              <a:t>GridPoint WW3 óptimo para cada ola.</a:t>
-            </a:r>
+              <a:t>.</a:t>
+            </a:r>
+            <a:endParaRPr lang="es-US" dirty="0" smtClean="0">
+              <a:latin typeface="+mj-lt"/>
+            </a:endParaRPr>
           </a:p>
           <a:p>
             <a:pPr lvl="1"/>
@@ -24901,44 +25459,194 @@
           <a:p>
             <a:r>
               <a:rPr lang="es-US" dirty="0" smtClean="0"/>
-              <a:t>Experimentación (8)</a:t>
+              <a:t>Experimentación </a:t>
+            </a:r>
+            <a:r>
+              <a:rPr lang="es-US" dirty="0" smtClean="0"/>
+              <a:t>(8)</a:t>
             </a:r>
             <a:endParaRPr lang="es-ES" dirty="0"/>
+          </a:p>
+        </p:txBody>
+      </p:sp>
+      <p:sp>
+        <p:nvSpPr>
+          <p:cNvPr id="3" name="2 Marcador de contenido"/>
+          <p:cNvSpPr>
+            <a:spLocks noGrp="1"/>
+          </p:cNvSpPr>
+          <p:nvPr>
+            <p:ph idx="1"/>
+          </p:nvPr>
+        </p:nvSpPr>
+        <p:spPr/>
+        <p:txBody>
+          <a:bodyPr>
+            <a:normAutofit fontScale="92500" lnSpcReduction="10000"/>
+          </a:bodyPr>
+          <a:lstStyle/>
+          <a:p>
+            <a:r>
+              <a:rPr lang="es-US" dirty="0" smtClean="0">
+                <a:latin typeface="+mj-lt"/>
+              </a:rPr>
+              <a:t>Resultados generales (3)</a:t>
+            </a:r>
+          </a:p>
+          <a:p>
+            <a:endParaRPr lang="es-US" dirty="0" smtClean="0">
+              <a:latin typeface="+mj-lt"/>
+            </a:endParaRPr>
+          </a:p>
+          <a:p>
+            <a:endParaRPr lang="es-US" dirty="0" smtClean="0">
+              <a:latin typeface="+mj-lt"/>
+            </a:endParaRPr>
+          </a:p>
+          <a:p>
+            <a:endParaRPr lang="es-US" dirty="0" smtClean="0">
+              <a:latin typeface="+mj-lt"/>
+            </a:endParaRPr>
+          </a:p>
+          <a:p>
+            <a:endParaRPr lang="es-US" dirty="0" smtClean="0">
+              <a:latin typeface="+mj-lt"/>
+            </a:endParaRPr>
+          </a:p>
+          <a:p>
+            <a:endParaRPr lang="es-US" dirty="0" smtClean="0">
+              <a:latin typeface="+mj-lt"/>
+            </a:endParaRPr>
+          </a:p>
+          <a:p>
+            <a:endParaRPr lang="es-US" dirty="0" smtClean="0">
+              <a:latin typeface="+mj-lt"/>
+            </a:endParaRPr>
+          </a:p>
+          <a:p>
+            <a:endParaRPr lang="es-US" dirty="0" smtClean="0">
+              <a:latin typeface="+mj-lt"/>
+            </a:endParaRPr>
+          </a:p>
+          <a:p>
+            <a:endParaRPr lang="es-US" dirty="0" smtClean="0">
+              <a:latin typeface="+mj-lt"/>
+            </a:endParaRPr>
+          </a:p>
+          <a:p>
+            <a:pPr lvl="1">
+              <a:buNone/>
+            </a:pPr>
+            <a:endParaRPr lang="es-US" dirty="0" smtClean="0">
+              <a:latin typeface="+mj-lt"/>
+            </a:endParaRPr>
+          </a:p>
+          <a:p>
+            <a:pPr lvl="1">
+              <a:buNone/>
+            </a:pPr>
+            <a:r>
+              <a:rPr lang="es-US" b="1" dirty="0" smtClean="0">
+                <a:latin typeface="+mj-lt"/>
+              </a:rPr>
+              <a:t>Combinación óptima = [</a:t>
+            </a:r>
+            <a:r>
+              <a:rPr lang="es-US" b="1" dirty="0" smtClean="0">
+                <a:latin typeface="+mj-lt"/>
+              </a:rPr>
+              <a:t>SVM/WW3Last3LecturesStrategy</a:t>
+            </a:r>
+            <a:r>
+              <a:rPr lang="es-US" b="1" dirty="0" smtClean="0">
+                <a:latin typeface="+mj-lt"/>
+              </a:rPr>
+              <a:t>]</a:t>
+            </a:r>
+          </a:p>
+          <a:p>
+            <a:endParaRPr lang="es-US" dirty="0" smtClean="0"/>
+          </a:p>
+          <a:p>
+            <a:endParaRPr lang="es-US" dirty="0" smtClean="0"/>
+          </a:p>
+          <a:p>
+            <a:endParaRPr lang="es-US" dirty="0" smtClean="0"/>
+          </a:p>
+          <a:p>
+            <a:endParaRPr lang="es-US" dirty="0" smtClean="0"/>
+          </a:p>
+          <a:p>
+            <a:endParaRPr lang="es-US" dirty="0" smtClean="0"/>
+          </a:p>
+          <a:p>
+            <a:endParaRPr lang="es-US" dirty="0" smtClean="0"/>
+          </a:p>
+          <a:p>
+            <a:pPr>
+              <a:buNone/>
+            </a:pPr>
+            <a:endParaRPr lang="es-ES" dirty="0">
+              <a:solidFill>
+                <a:schemeClr val="accent6"/>
+              </a:solidFill>
+            </a:endParaRPr>
           </a:p>
         </p:txBody>
       </p:sp>
       <p:graphicFrame>
         <p:nvGraphicFramePr>
-          <p:cNvPr id="6" name="14 Gráfico"/>
-          <p:cNvGraphicFramePr/>
+          <p:cNvPr id="22533" name="Object 5"/>
+          <p:cNvGraphicFramePr>
+            <a:graphicFrameLocks noChangeAspect="1"/>
+          </p:cNvGraphicFramePr>
           <p:nvPr/>
         </p:nvGraphicFramePr>
         <p:xfrm>
-          <a:off x="642910" y="1714488"/>
-          <a:ext cx="7662883" cy="2743200"/>
+          <a:off x="571472" y="2377112"/>
+          <a:ext cx="7953618" cy="3429024"/>
         </p:xfrm>
         <a:graphic>
-          <a:graphicData uri="http://schemas.openxmlformats.org/drawingml/2006/chart">
-            <c:chart xmlns:c="http://schemas.openxmlformats.org/drawingml/2006/chart" xmlns:r="http://schemas.openxmlformats.org/officeDocument/2006/relationships" r:id="rId2"/>
+          <a:graphicData uri="http://schemas.openxmlformats.org/presentationml/2006/ole">
+            <p:oleObj spid="_x0000_s1026" name="Hoja de cálculo" r:id="rId4" imgW="5590137" imgH="2409567" progId="Excel.Sheet.12">
+              <p:embed/>
+            </p:oleObj>
           </a:graphicData>
         </a:graphic>
       </p:graphicFrame>
-      <p:graphicFrame>
-        <p:nvGraphicFramePr>
-          <p:cNvPr id="7" name="15 Gráfico"/>
-          <p:cNvGraphicFramePr/>
+      <p:pic>
+        <p:nvPicPr>
+          <p:cNvPr id="22534" name="Picture 6"/>
+          <p:cNvPicPr>
+            <a:picLocks noChangeAspect="1" noChangeArrowheads="1"/>
+          </p:cNvPicPr>
           <p:nvPr/>
-        </p:nvGraphicFramePr>
-        <p:xfrm>
-          <a:off x="642910" y="4357694"/>
-          <a:ext cx="7643866" cy="2743200"/>
-        </p:xfrm>
-        <a:graphic>
-          <a:graphicData uri="http://schemas.openxmlformats.org/drawingml/2006/chart">
-            <c:chart xmlns:c="http://schemas.openxmlformats.org/drawingml/2006/chart" xmlns:r="http://schemas.openxmlformats.org/officeDocument/2006/relationships" r:id="rId3"/>
-          </a:graphicData>
-        </a:graphic>
-      </p:graphicFrame>
+        </p:nvPicPr>
+        <p:blipFill>
+          <a:blip r:embed="rId5" cstate="print"/>
+          <a:srcRect/>
+          <a:stretch>
+            <a:fillRect/>
+          </a:stretch>
+        </p:blipFill>
+        <p:spPr bwMode="auto">
+          <a:xfrm>
+            <a:off x="874476" y="5568277"/>
+            <a:ext cx="85725" cy="66675"/>
+          </a:xfrm>
+          <a:prstGeom prst="rect">
+            <a:avLst/>
+          </a:prstGeom>
+          <a:noFill/>
+          <a:ln w="9525">
+            <a:noFill/>
+            <a:miter lim="800000"/>
+            <a:headEnd/>
+            <a:tailEnd/>
+          </a:ln>
+          <a:effectLst/>
+        </p:spPr>
+      </p:pic>
     </p:spTree>
   </p:cSld>
   <p:clrMapOvr>

--- a/neuralito/ArfGen/docs/Entregas/Informe Final/presentacion/maxi2.pptx
+++ b/neuralito/ArfGen/docs/Entregas/Informe Final/presentacion/maxi2.pptx
@@ -143,6 +143,7 @@
   <c:date1904 val="1"/>
   <c:lang val="es-ES"/>
   <c:chart>
+    <c:autoTitleDeleted val="1"/>
     <c:plotArea>
       <c:layout/>
       <c:scatterChart>
@@ -235,49 +236,49 @@
                   <c:v>0.82116824635668784</c:v>
                 </c:pt>
                 <c:pt idx="3">
-                  <c:v>0.84278473777508434</c:v>
+                  <c:v>0.84278473777508445</c:v>
                 </c:pt>
                 <c:pt idx="4">
-                  <c:v>0.84383865537211045</c:v>
+                  <c:v>0.84383865537211056</c:v>
                 </c:pt>
                 <c:pt idx="5">
                   <c:v>0.85894670929201788</c:v>
                 </c:pt>
                 <c:pt idx="6">
-                  <c:v>0.84967487574973233</c:v>
+                  <c:v>0.84967487574973244</c:v>
                 </c:pt>
                 <c:pt idx="7">
-                  <c:v>0.87199747639295044</c:v>
+                  <c:v>0.87199747639295055</c:v>
                 </c:pt>
                 <c:pt idx="8">
                   <c:v>0.87308657275405044</c:v>
                 </c:pt>
                 <c:pt idx="9">
-                  <c:v>0.88056722447997149</c:v>
+                  <c:v>0.8805672244799716</c:v>
                 </c:pt>
                 <c:pt idx="10">
-                  <c:v>0.88425402324804214</c:v>
+                  <c:v>0.88425402324804225</c:v>
                 </c:pt>
                 <c:pt idx="11">
-                  <c:v>0.88378998114559382</c:v>
+                  <c:v>0.88378998114559393</c:v>
                 </c:pt>
                 <c:pt idx="12">
-                  <c:v>0.88710112017025256</c:v>
+                  <c:v>0.88710112017025267</c:v>
                 </c:pt>
                 <c:pt idx="13">
-                  <c:v>0.88859349505985452</c:v>
+                  <c:v>0.88859349505985463</c:v>
                 </c:pt>
                 <c:pt idx="14">
-                  <c:v>0.88932515639249721</c:v>
+                  <c:v>0.88932515639249743</c:v>
                 </c:pt>
                 <c:pt idx="15">
-                  <c:v>0.88979442278917031</c:v>
+                  <c:v>0.88979442278917065</c:v>
                 </c:pt>
                 <c:pt idx="16">
-                  <c:v>0.89050470137757354</c:v>
+                  <c:v>0.89050470137757365</c:v>
                 </c:pt>
                 <c:pt idx="17">
-                  <c:v>0.89113877472928249</c:v>
+                  <c:v>0.8911387747292826</c:v>
                 </c:pt>
               </c:numCache>
             </c:numRef>
@@ -376,10 +377,10 @@
                   <c:v>0.45195561849074034</c:v>
                 </c:pt>
                 <c:pt idx="1">
-                  <c:v>0.57215581949428074</c:v>
+                  <c:v>0.57215581949428085</c:v>
                 </c:pt>
                 <c:pt idx="2">
-                  <c:v>0.62450099068289688</c:v>
+                  <c:v>0.62450099068289699</c:v>
                 </c:pt>
                 <c:pt idx="3">
                   <c:v>0.66411572966000465</c:v>
@@ -388,7 +389,7 @@
                   <c:v>0.74483311690120912</c:v>
                 </c:pt>
                 <c:pt idx="5">
-                  <c:v>0.74913092370987655</c:v>
+                  <c:v>0.74913092370987666</c:v>
                 </c:pt>
                 <c:pt idx="6">
                   <c:v>0.7507812790712286</c:v>
@@ -397,7 +398,7 @@
                   <c:v>0.74615794410022251</c:v>
                 </c:pt>
                 <c:pt idx="8">
-                  <c:v>0.76473712742559252</c:v>
+                  <c:v>0.76473712742559274</c:v>
                 </c:pt>
                 <c:pt idx="9">
                   <c:v>0.78030975508297951</c:v>
@@ -412,7 +413,7 @@
                   <c:v>0.79454547384463925</c:v>
                 </c:pt>
                 <c:pt idx="13">
-                  <c:v>0.80275073868568136</c:v>
+                  <c:v>0.80275073868568159</c:v>
                 </c:pt>
                 <c:pt idx="14">
                   <c:v>0.8070254483799697</c:v>
@@ -421,10 +422,10 @@
                   <c:v>0.80758714251854524</c:v>
                 </c:pt>
                 <c:pt idx="16">
-                  <c:v>0.81189884836444293</c:v>
+                  <c:v>0.81189884836444304</c:v>
                 </c:pt>
                 <c:pt idx="17">
-                  <c:v>0.8126715663344658</c:v>
+                  <c:v>0.81267156633446591</c:v>
                 </c:pt>
                 <c:pt idx="18">
                   <c:v>0.81495442086601244</c:v>
@@ -522,43 +523,43 @@
                   <c:v>0.10918893085792125</c:v>
                 </c:pt>
                 <c:pt idx="2">
-                  <c:v>2.2061880915201601E-2</c:v>
+                  <c:v>2.2061880915201604E-2</c:v>
                 </c:pt>
                 <c:pt idx="3">
-                  <c:v>0.16744350433735924</c:v>
+                  <c:v>0.16744350433735927</c:v>
                 </c:pt>
                 <c:pt idx="4">
-                  <c:v>0.19606871899944542</c:v>
+                  <c:v>0.19606871899944545</c:v>
                 </c:pt>
                 <c:pt idx="5">
-                  <c:v>0.19883932721616676</c:v>
+                  <c:v>0.19883932721616679</c:v>
                 </c:pt>
                 <c:pt idx="6">
                   <c:v>0.21852557439483689</c:v>
                 </c:pt>
                 <c:pt idx="7">
-                  <c:v>0.18963030437506298</c:v>
+                  <c:v>0.18963030437506301</c:v>
                 </c:pt>
                 <c:pt idx="8">
-                  <c:v>0.31329234492981162</c:v>
+                  <c:v>0.31329234492981167</c:v>
                 </c:pt>
                 <c:pt idx="9">
                   <c:v>0.30854195458238609</c:v>
                 </c:pt>
                 <c:pt idx="10">
-                  <c:v>0.33996429339253059</c:v>
+                  <c:v>0.33996429339253076</c:v>
                 </c:pt>
                 <c:pt idx="11">
-                  <c:v>0.39000788763685729</c:v>
+                  <c:v>0.39000788763685745</c:v>
                 </c:pt>
                 <c:pt idx="12">
-                  <c:v>0.37452278792340626</c:v>
+                  <c:v>0.37452278792340643</c:v>
                 </c:pt>
                 <c:pt idx="13">
-                  <c:v>0.396396573655798</c:v>
+                  <c:v>0.39639657365579811</c:v>
                 </c:pt>
                 <c:pt idx="14">
-                  <c:v>0.45661986014735317</c:v>
+                  <c:v>0.45661986014735323</c:v>
                 </c:pt>
                 <c:pt idx="15">
                   <c:v>0.48000000000000032</c:v>
@@ -663,55 +664,55 @@
                 <c:formatCode>0.00</c:formatCode>
                 <c:ptCount val="18"/>
                 <c:pt idx="0">
-                  <c:v>6.3837399085048901E-2</c:v>
+                  <c:v>6.3837399085048915E-2</c:v>
                 </c:pt>
                 <c:pt idx="1">
-                  <c:v>0.10509372944250742</c:v>
+                  <c:v>0.10509372944250744</c:v>
                 </c:pt>
                 <c:pt idx="2">
                   <c:v>0.12395822380363669</c:v>
                 </c:pt>
                 <c:pt idx="3">
-                  <c:v>0.17533238646771693</c:v>
+                  <c:v>0.17533238646771696</c:v>
                 </c:pt>
                 <c:pt idx="4">
-                  <c:v>0.18994629844945135</c:v>
+                  <c:v>0.18994629844945143</c:v>
                 </c:pt>
                 <c:pt idx="5">
-                  <c:v>0.22687270194889517</c:v>
+                  <c:v>0.22687270194889519</c:v>
                 </c:pt>
                 <c:pt idx="6">
                   <c:v>0.23790997736954461</c:v>
                 </c:pt>
                 <c:pt idx="7">
-                  <c:v>0.23411148955337044</c:v>
+                  <c:v>0.23411148955337047</c:v>
                 </c:pt>
                 <c:pt idx="8">
                   <c:v>0.25778608542670911</c:v>
                 </c:pt>
                 <c:pt idx="9">
-                  <c:v>0.31056299933227643</c:v>
+                  <c:v>0.3105629993322766</c:v>
                 </c:pt>
                 <c:pt idx="10">
-                  <c:v>0.33877739342409374</c:v>
+                  <c:v>0.33877739342409385</c:v>
                 </c:pt>
                 <c:pt idx="11">
                   <c:v>0.35225259726803532</c:v>
                 </c:pt>
                 <c:pt idx="12">
-                  <c:v>0.35947445565100522</c:v>
+                  <c:v>0.35947445565100528</c:v>
                 </c:pt>
                 <c:pt idx="13">
-                  <c:v>0.3900000000000034</c:v>
+                  <c:v>0.39000000000000346</c:v>
                 </c:pt>
                 <c:pt idx="14">
-                  <c:v>0.3900000000000034</c:v>
+                  <c:v>0.39000000000000346</c:v>
                 </c:pt>
                 <c:pt idx="15">
                   <c:v>0.4</c:v>
                 </c:pt>
                 <c:pt idx="16">
-                  <c:v>0.40041490630404758</c:v>
+                  <c:v>0.40041490630404769</c:v>
                 </c:pt>
                 <c:pt idx="17">
                   <c:v>0.4</c:v>
@@ -803,7 +804,7 @@
                 <c:formatCode>General</c:formatCode>
                 <c:ptCount val="19"/>
                 <c:pt idx="0">
-                  <c:v>0.28931899175148929</c:v>
+                  <c:v>0.28931899175148945</c:v>
                 </c:pt>
                 <c:pt idx="1">
                   <c:v>0.30427205718078232</c:v>
@@ -812,46 +813,46 @@
                   <c:v>0.28833535935117605</c:v>
                 </c:pt>
                 <c:pt idx="3">
-                  <c:v>0.5067383162888911</c:v>
+                  <c:v>0.50673831628889132</c:v>
                 </c:pt>
                 <c:pt idx="4">
-                  <c:v>0.58986811562939312</c:v>
+                  <c:v>0.58986811562939323</c:v>
                 </c:pt>
                 <c:pt idx="5">
-                  <c:v>0.60174244358029272</c:v>
+                  <c:v>0.60174244358029283</c:v>
                 </c:pt>
                 <c:pt idx="6">
                   <c:v>0.62230234655114092</c:v>
                 </c:pt>
                 <c:pt idx="7">
-                  <c:v>0.64892172802500026</c:v>
+                  <c:v>0.64892172802500048</c:v>
                 </c:pt>
                 <c:pt idx="8">
                   <c:v>0.60213497372141267</c:v>
                 </c:pt>
                 <c:pt idx="9">
-                  <c:v>0.65929398719852705</c:v>
+                  <c:v>0.65929398719852716</c:v>
                 </c:pt>
                 <c:pt idx="10">
-                  <c:v>0.63740945216596623</c:v>
+                  <c:v>0.63740945216596634</c:v>
                 </c:pt>
                 <c:pt idx="11">
-                  <c:v>0.66496829605748076</c:v>
+                  <c:v>0.66496829605748098</c:v>
                 </c:pt>
                 <c:pt idx="12">
-                  <c:v>0.68587643695394174</c:v>
+                  <c:v>0.68587643695394185</c:v>
                 </c:pt>
                 <c:pt idx="13">
-                  <c:v>0.70280463859163833</c:v>
+                  <c:v>0.70280463859163844</c:v>
                 </c:pt>
                 <c:pt idx="14">
-                  <c:v>0.68555591749742495</c:v>
+                  <c:v>0.68555591749742506</c:v>
                 </c:pt>
                 <c:pt idx="15">
-                  <c:v>0.71798687616049028</c:v>
+                  <c:v>0.71798687616049051</c:v>
                 </c:pt>
                 <c:pt idx="16">
-                  <c:v>0.72902988600000895</c:v>
+                  <c:v>0.72902988600000906</c:v>
                 </c:pt>
                 <c:pt idx="17">
                   <c:v>0.73331457600000005</c:v>
@@ -864,11 +865,12 @@
           </c:yVal>
           <c:smooth val="1"/>
         </c:ser>
-        <c:axId val="60906880"/>
-        <c:axId val="60913152"/>
+        <c:dLbls/>
+        <c:axId val="54635136"/>
+        <c:axId val="60822272"/>
       </c:scatterChart>
       <c:valAx>
-        <c:axId val="60906880"/>
+        <c:axId val="54635136"/>
         <c:scaling>
           <c:orientation val="minMax"/>
           <c:max val="1000"/>
@@ -884,39 +886,51 @@
                   <a:defRPr lang="es-AR"/>
                 </a:pPr>
                 <a:r>
-                  <a:rPr lang="en-US" sz="1600" b="0" dirty="0" err="1">
+                  <a:rPr lang="en-US" sz="1800" b="0" baseline="0" dirty="0" err="1" smtClean="0">
                     <a:latin typeface="+mj-lt"/>
                   </a:rPr>
-                  <a:t>Instancias</a:t>
+                  <a:t>Número</a:t>
                 </a:r>
                 <a:r>
-                  <a:rPr lang="en-US" sz="1600" b="0" dirty="0">
+                  <a:rPr lang="en-US" sz="1800" b="0" baseline="0" dirty="0" smtClean="0">
                     <a:latin typeface="+mj-lt"/>
                   </a:rPr>
                   <a:t> de </a:t>
                 </a:r>
                 <a:r>
-                  <a:rPr lang="en-US" sz="1600" b="0" dirty="0" err="1">
+                  <a:rPr lang="en-US" sz="1800" b="0" dirty="0" err="1" smtClean="0">
+                    <a:latin typeface="+mj-lt"/>
+                  </a:rPr>
+                  <a:t>instancias</a:t>
+                </a:r>
+                <a:r>
+                  <a:rPr lang="en-US" sz="1800" b="0" dirty="0" smtClean="0">
+                    <a:latin typeface="+mj-lt"/>
+                  </a:rPr>
+                  <a:t> </a:t>
+                </a:r>
+                <a:r>
+                  <a:rPr lang="en-US" sz="1800" b="0" dirty="0">
+                    <a:latin typeface="+mj-lt"/>
+                  </a:rPr>
+                  <a:t>de </a:t>
+                </a:r>
+                <a:r>
+                  <a:rPr lang="en-US" sz="1800" b="0" dirty="0" err="1">
                     <a:latin typeface="+mj-lt"/>
                   </a:rPr>
                   <a:t>entrenamiento</a:t>
                 </a:r>
-                <a:endParaRPr lang="en-US" sz="1600" b="0" dirty="0">
+                <a:endParaRPr lang="en-US" sz="1800" b="0" dirty="0">
                   <a:latin typeface="+mj-lt"/>
                 </a:endParaRPr>
               </a:p>
             </c:rich>
           </c:tx>
-          <c:layout>
-            <c:manualLayout>
-              <c:xMode val="edge"/>
-              <c:yMode val="edge"/>
-              <c:x val="0.38494599693816872"/>
-              <c:y val="0.85101357098414687"/>
-            </c:manualLayout>
-          </c:layout>
+          <c:layout/>
         </c:title>
         <c:numFmt formatCode="General" sourceLinked="1"/>
+        <c:majorTickMark val="none"/>
         <c:tickLblPos val="nextTo"/>
         <c:txPr>
           <a:bodyPr/>
@@ -928,12 +942,12 @@
             <a:endParaRPr lang="es-ES"/>
           </a:p>
         </c:txPr>
-        <c:crossAx val="60913152"/>
+        <c:crossAx val="60822272"/>
         <c:crosses val="autoZero"/>
         <c:crossBetween val="midCat"/>
       </c:valAx>
       <c:valAx>
-        <c:axId val="60913152"/>
+        <c:axId val="60822272"/>
         <c:scaling>
           <c:orientation val="minMax"/>
           <c:min val="0"/>
@@ -950,12 +964,12 @@
                   <a:defRPr lang="es-AR"/>
                 </a:pPr>
                 <a:r>
-                  <a:rPr lang="en-US" sz="1400" b="0" dirty="0" err="1">
+                  <a:rPr lang="en-US" sz="1800" b="0" dirty="0" err="1">
                     <a:latin typeface="+mj-lt"/>
                   </a:rPr>
                   <a:t>Correlación</a:t>
                 </a:r>
-                <a:endParaRPr lang="en-US" sz="1400" b="0" dirty="0">
+                <a:endParaRPr lang="en-US" sz="1800" b="0" dirty="0">
                   <a:latin typeface="+mj-lt"/>
                 </a:endParaRPr>
               </a:p>
@@ -964,6 +978,7 @@
           <c:layout/>
         </c:title>
         <c:numFmt formatCode="0.0" sourceLinked="0"/>
+        <c:majorTickMark val="none"/>
         <c:tickLblPos val="nextTo"/>
         <c:txPr>
           <a:bodyPr/>
@@ -975,7 +990,7 @@
             <a:endParaRPr lang="es-ES"/>
           </a:p>
         </c:txPr>
-        <c:crossAx val="60906880"/>
+        <c:crossAx val="54635136"/>
         <c:crosses val="autoZero"/>
         <c:crossBetween val="midCat"/>
         <c:minorUnit val="0.2"/>
@@ -989,7 +1004,7 @@
         <a:lstStyle/>
         <a:p>
           <a:pPr>
-            <a:defRPr lang="es-AR" sz="1400">
+            <a:defRPr lang="es-AR" sz="1800">
               <a:latin typeface="+mj-lt"/>
             </a:defRPr>
           </a:pPr>
@@ -1018,7 +1033,7 @@
           <c:x val="0.10048349150099888"/>
           <c:y val="4.1238940589567646E-2"/>
           <c:w val="0.87042860499284569"/>
-          <c:h val="0.75935138208448938"/>
+          <c:h val="0.7593513820844896"/>
         </c:manualLayout>
       </c:layout>
       <c:scatterChart>
@@ -1080,7 +1095,7 @@
                   <c:v>0.96900000000000064</c:v>
                 </c:pt>
                 <c:pt idx="13">
-                  <c:v>1.2769999999999868</c:v>
+                  <c:v>1.2769999999999866</c:v>
                 </c:pt>
                 <c:pt idx="14">
                   <c:v>3.0789999999999997</c:v>
@@ -1092,13 +1107,13 @@
                   <c:v>1.1990000000000001</c:v>
                 </c:pt>
                 <c:pt idx="17">
-                  <c:v>1.0249999999999868</c:v>
+                  <c:v>1.0249999999999866</c:v>
                 </c:pt>
                 <c:pt idx="18">
-                  <c:v>1.0409999999999879</c:v>
+                  <c:v>1.0409999999999877</c:v>
                 </c:pt>
                 <c:pt idx="19">
-                  <c:v>1.9940000000000131</c:v>
+                  <c:v>1.9940000000000133</c:v>
                 </c:pt>
                 <c:pt idx="20">
                   <c:v>2.6759999999999997</c:v>
@@ -1131,7 +1146,7 @@
                   <c:v>1.127</c:v>
                 </c:pt>
                 <c:pt idx="30">
-                  <c:v>1.1619999999999875</c:v>
+                  <c:v>1.1619999999999873</c:v>
                 </c:pt>
                 <c:pt idx="31">
                   <c:v>1.175</c:v>
@@ -1146,7 +1161,7 @@
                   <c:v>2.0880000000000001</c:v>
                 </c:pt>
                 <c:pt idx="35">
-                  <c:v>1.9540000000000117</c:v>
+                  <c:v>1.9540000000000119</c:v>
                 </c:pt>
                 <c:pt idx="36">
                   <c:v>1.073</c:v>
@@ -1155,7 +1170,7 @@
                   <c:v>0.93200000000000005</c:v>
                 </c:pt>
                 <c:pt idx="38">
-                  <c:v>1.2209999999999852</c:v>
+                  <c:v>1.220999999999985</c:v>
                 </c:pt>
                 <c:pt idx="39">
                   <c:v>1.081</c:v>
@@ -1170,7 +1185,7 @@
                   <c:v>1.538</c:v>
                 </c:pt>
                 <c:pt idx="43">
-                  <c:v>1.0569999999999882</c:v>
+                  <c:v>1.0569999999999879</c:v>
                 </c:pt>
                 <c:pt idx="44">
                   <c:v>1.028</c:v>
@@ -1188,10 +1203,10 @@
                   <c:v>6.8039999999999985</c:v>
                 </c:pt>
                 <c:pt idx="49">
-                  <c:v>1.0489999999999882</c:v>
+                  <c:v>1.0489999999999879</c:v>
                 </c:pt>
                 <c:pt idx="50">
-                  <c:v>1.4489999999999852</c:v>
+                  <c:v>1.448999999999985</c:v>
                 </c:pt>
                 <c:pt idx="51">
                   <c:v>0.91600000000000004</c:v>
@@ -1221,7 +1236,7 @@
                   <c:v>1.599</c:v>
                 </c:pt>
                 <c:pt idx="60">
-                  <c:v>1.5629999999999882</c:v>
+                  <c:v>1.562999999999988</c:v>
                 </c:pt>
                 <c:pt idx="61">
                   <c:v>0.99199999999999999</c:v>
@@ -1242,7 +1257,7 @@
                 <c:formatCode>General</c:formatCode>
                 <c:ptCount val="64"/>
                 <c:pt idx="0">
-                  <c:v>1.2189999999999852</c:v>
+                  <c:v>1.218999999999985</c:v>
                 </c:pt>
                 <c:pt idx="1">
                   <c:v>2.4379999999999997</c:v>
@@ -1254,19 +1269,19 @@
                   <c:v>1.829</c:v>
                 </c:pt>
                 <c:pt idx="4">
-                  <c:v>1.2189999999999852</c:v>
+                  <c:v>1.218999999999985</c:v>
                 </c:pt>
                 <c:pt idx="5">
-                  <c:v>1.2189999999999852</c:v>
+                  <c:v>1.218999999999985</c:v>
                 </c:pt>
                 <c:pt idx="6">
-                  <c:v>1.2189999999999852</c:v>
+                  <c:v>1.218999999999985</c:v>
                 </c:pt>
                 <c:pt idx="7">
                   <c:v>2.4379999999999997</c:v>
                 </c:pt>
                 <c:pt idx="8">
-                  <c:v>1.2189999999999852</c:v>
+                  <c:v>1.218999999999985</c:v>
                 </c:pt>
                 <c:pt idx="9">
                   <c:v>0.61000000000000065</c:v>
@@ -1275,22 +1290,22 @@
                   <c:v>3.048</c:v>
                 </c:pt>
                 <c:pt idx="11">
-                  <c:v>1.2189999999999852</c:v>
+                  <c:v>1.218999999999985</c:v>
                 </c:pt>
                 <c:pt idx="12">
                   <c:v>0.61000000000000065</c:v>
                 </c:pt>
                 <c:pt idx="13">
-                  <c:v>1.2189999999999852</c:v>
+                  <c:v>1.218999999999985</c:v>
                 </c:pt>
                 <c:pt idx="14">
                   <c:v>2.4379999999999997</c:v>
                 </c:pt>
                 <c:pt idx="15">
-                  <c:v>1.2189999999999852</c:v>
+                  <c:v>1.218999999999985</c:v>
                 </c:pt>
                 <c:pt idx="16">
-                  <c:v>1.2189999999999852</c:v>
+                  <c:v>1.218999999999985</c:v>
                 </c:pt>
                 <c:pt idx="17">
                   <c:v>0.61000000000000065</c:v>
@@ -1308,7 +1323,7 @@
                   <c:v>3.048</c:v>
                 </c:pt>
                 <c:pt idx="22">
-                  <c:v>1.2189999999999852</c:v>
+                  <c:v>1.218999999999985</c:v>
                 </c:pt>
                 <c:pt idx="23">
                   <c:v>1.829</c:v>
@@ -1332,34 +1347,34 @@
                   <c:v>0.61000000000000065</c:v>
                 </c:pt>
                 <c:pt idx="30">
-                  <c:v>1.2189999999999852</c:v>
+                  <c:v>1.218999999999985</c:v>
                 </c:pt>
                 <c:pt idx="31">
-                  <c:v>1.2189999999999852</c:v>
+                  <c:v>1.218999999999985</c:v>
                 </c:pt>
                 <c:pt idx="32">
-                  <c:v>1.2189999999999852</c:v>
+                  <c:v>1.218999999999985</c:v>
                 </c:pt>
                 <c:pt idx="33">
-                  <c:v>1.2189999999999852</c:v>
+                  <c:v>1.218999999999985</c:v>
                 </c:pt>
                 <c:pt idx="34">
-                  <c:v>1.2189999999999852</c:v>
+                  <c:v>1.218999999999985</c:v>
                 </c:pt>
                 <c:pt idx="35">
                   <c:v>3.048</c:v>
                 </c:pt>
                 <c:pt idx="36">
-                  <c:v>1.2189999999999852</c:v>
+                  <c:v>1.218999999999985</c:v>
                 </c:pt>
                 <c:pt idx="37">
                   <c:v>0.61000000000000065</c:v>
                 </c:pt>
                 <c:pt idx="38">
-                  <c:v>1.2189999999999852</c:v>
+                  <c:v>1.218999999999985</c:v>
                 </c:pt>
                 <c:pt idx="39">
-                  <c:v>1.2189999999999852</c:v>
+                  <c:v>1.218999999999985</c:v>
                 </c:pt>
                 <c:pt idx="40">
                   <c:v>2.4379999999999997</c:v>
@@ -1374,7 +1389,7 @@
                   <c:v>0.61000000000000065</c:v>
                 </c:pt>
                 <c:pt idx="44">
-                  <c:v>1.2189999999999852</c:v>
+                  <c:v>1.218999999999985</c:v>
                 </c:pt>
                 <c:pt idx="45">
                   <c:v>4.8769999999999998</c:v>
@@ -1383,34 +1398,34 @@
                   <c:v>0.61000000000000065</c:v>
                 </c:pt>
                 <c:pt idx="47">
-                  <c:v>1.2189999999999852</c:v>
+                  <c:v>1.218999999999985</c:v>
                 </c:pt>
                 <c:pt idx="48">
                   <c:v>7.3149999999999755</c:v>
                 </c:pt>
                 <c:pt idx="49">
-                  <c:v>1.2189999999999852</c:v>
+                  <c:v>1.218999999999985</c:v>
                 </c:pt>
                 <c:pt idx="50">
-                  <c:v>1.2189999999999852</c:v>
+                  <c:v>1.218999999999985</c:v>
                 </c:pt>
                 <c:pt idx="51">
                   <c:v>0.61000000000000065</c:v>
                 </c:pt>
                 <c:pt idx="52">
-                  <c:v>1.2189999999999852</c:v>
+                  <c:v>1.218999999999985</c:v>
                 </c:pt>
                 <c:pt idx="53">
-                  <c:v>1.2189999999999852</c:v>
+                  <c:v>1.218999999999985</c:v>
                 </c:pt>
                 <c:pt idx="54">
-                  <c:v>1.2189999999999852</c:v>
+                  <c:v>1.218999999999985</c:v>
                 </c:pt>
                 <c:pt idx="55">
                   <c:v>2.4379999999999997</c:v>
                 </c:pt>
                 <c:pt idx="56">
-                  <c:v>1.2189999999999852</c:v>
+                  <c:v>1.218999999999985</c:v>
                 </c:pt>
                 <c:pt idx="57">
                   <c:v>4.8769999999999998</c:v>
@@ -1422,7 +1437,7 @@
                   <c:v>2.4379999999999997</c:v>
                 </c:pt>
                 <c:pt idx="60">
-                  <c:v>1.2189999999999852</c:v>
+                  <c:v>1.218999999999985</c:v>
                 </c:pt>
                 <c:pt idx="61">
                   <c:v>0.61000000000000065</c:v>
@@ -1431,7 +1446,7 @@
                   <c:v>3.048</c:v>
                 </c:pt>
                 <c:pt idx="63">
-                  <c:v>1.2189999999999852</c:v>
+                  <c:v>1.218999999999985</c:v>
                 </c:pt>
               </c:numCache>
             </c:numRef>
@@ -1538,11 +1553,11 @@
             </c:numRef>
           </c:yVal>
         </c:ser>
-        <c:axId val="61284352"/>
-        <c:axId val="61286272"/>
+        <c:axId val="61418496"/>
+        <c:axId val="61441152"/>
       </c:scatterChart>
       <c:valAx>
-        <c:axId val="61284352"/>
+        <c:axId val="61418496"/>
         <c:scaling>
           <c:orientation val="minMax"/>
           <c:max val="8"/>
@@ -1587,13 +1602,13 @@
             <a:endParaRPr lang="es-ES"/>
           </a:p>
         </c:txPr>
-        <c:crossAx val="61286272"/>
+        <c:crossAx val="61441152"/>
         <c:crosses val="autoZero"/>
         <c:crossBetween val="midCat"/>
         <c:majorUnit val="2"/>
       </c:valAx>
       <c:valAx>
-        <c:axId val="61286272"/>
+        <c:axId val="61441152"/>
         <c:scaling>
           <c:orientation val="minMax"/>
         </c:scaling>
@@ -1638,7 +1653,7 @@
             <a:endParaRPr lang="es-ES"/>
           </a:p>
         </c:txPr>
-        <c:crossAx val="61284352"/>
+        <c:crossAx val="61418496"/>
         <c:crosses val="autoZero"/>
         <c:crossBetween val="midCat"/>
       </c:valAx>
@@ -1706,7 +1721,7 @@
                 <c:formatCode>0%</c:formatCode>
                 <c:ptCount val="5"/>
                 <c:pt idx="0">
-                  <c:v>0.66000000000000258</c:v>
+                  <c:v>0.66000000000000281</c:v>
                 </c:pt>
                 <c:pt idx="1">
                   <c:v>0.82000000000000062</c:v>
@@ -1792,12 +1807,12 @@
           </c:val>
         </c:ser>
         <c:shape val="box"/>
-        <c:axId val="61323904"/>
-        <c:axId val="61329792"/>
+        <c:axId val="61605760"/>
+        <c:axId val="61607296"/>
         <c:axId val="0"/>
       </c:bar3DChart>
       <c:catAx>
-        <c:axId val="61323904"/>
+        <c:axId val="61605760"/>
         <c:scaling>
           <c:orientation val="minMax"/>
         </c:scaling>
@@ -1815,14 +1830,14 @@
             <a:endParaRPr lang="es-ES"/>
           </a:p>
         </c:txPr>
-        <c:crossAx val="61329792"/>
+        <c:crossAx val="61607296"/>
         <c:crosses val="autoZero"/>
         <c:auto val="1"/>
         <c:lblAlgn val="ctr"/>
         <c:lblOffset val="100"/>
       </c:catAx>
       <c:valAx>
-        <c:axId val="61329792"/>
+        <c:axId val="61607296"/>
         <c:scaling>
           <c:orientation val="minMax"/>
         </c:scaling>
@@ -1840,7 +1855,7 @@
             <a:endParaRPr lang="es-ES"/>
           </a:p>
         </c:txPr>
-        <c:crossAx val="61323904"/>
+        <c:crossAx val="61605760"/>
         <c:crosses val="autoZero"/>
         <c:crossBetween val="between"/>
       </c:valAx>
@@ -1958,7 +1973,7 @@
                   <c:v>1.35</c:v>
                 </c:pt>
                 <c:pt idx="2">
-                  <c:v>1.1800000000000039</c:v>
+                  <c:v>1.1800000000000042</c:v>
                 </c:pt>
                 <c:pt idx="3">
                   <c:v>0.99</c:v>
@@ -2038,12 +2053,12 @@
           </c:val>
         </c:ser>
         <c:shape val="cylinder"/>
-        <c:axId val="61494784"/>
-        <c:axId val="61496320"/>
+        <c:axId val="61645568"/>
+        <c:axId val="61647104"/>
         <c:axId val="0"/>
       </c:bar3DChart>
       <c:catAx>
-        <c:axId val="61494784"/>
+        <c:axId val="61645568"/>
         <c:scaling>
           <c:orientation val="minMax"/>
         </c:scaling>
@@ -2061,14 +2076,14 @@
             <a:endParaRPr lang="es-ES"/>
           </a:p>
         </c:txPr>
-        <c:crossAx val="61496320"/>
+        <c:crossAx val="61647104"/>
         <c:crosses val="autoZero"/>
         <c:auto val="1"/>
         <c:lblAlgn val="ctr"/>
         <c:lblOffset val="100"/>
       </c:catAx>
       <c:valAx>
-        <c:axId val="61496320"/>
+        <c:axId val="61647104"/>
         <c:scaling>
           <c:orientation val="minMax"/>
         </c:scaling>
@@ -2086,7 +2101,7 @@
             <a:endParaRPr lang="es-ES"/>
           </a:p>
         </c:txPr>
-        <c:crossAx val="61494784"/>
+        <c:crossAx val="61645568"/>
         <c:crosses val="autoZero"/>
         <c:crossBetween val="between"/>
       </c:valAx>
@@ -2118,18 +2133,9 @@
   <c:date1904 val="1"/>
   <c:lang val="es-ES"/>
   <c:chart>
+    <c:autoTitleDeleted val="1"/>
     <c:plotArea>
-      <c:layout>
-        <c:manualLayout>
-          <c:layoutTarget val="inner"/>
-          <c:xMode val="edge"/>
-          <c:yMode val="edge"/>
-          <c:x val="6.6018365639943594E-2"/>
-          <c:y val="6.5222117477706842E-2"/>
-          <c:w val="0.75784920088746865"/>
-          <c:h val="0.71893046093892921"/>
-        </c:manualLayout>
-      </c:layout>
+      <c:layout/>
       <c:scatterChart>
         <c:scatterStyle val="smoothMarker"/>
         <c:ser>
@@ -2229,19 +2235,19 @@
                   <c:v>1.0330390684786552</c:v>
                 </c:pt>
                 <c:pt idx="6">
-                  <c:v>1.0302429519403251</c:v>
+                  <c:v>1.0302429519403253</c:v>
                 </c:pt>
                 <c:pt idx="7">
                   <c:v>0.94738273200566459</c:v>
                 </c:pt>
                 <c:pt idx="8">
-                  <c:v>0.92793801360197903</c:v>
+                  <c:v>0.92793801360197914</c:v>
                 </c:pt>
                 <c:pt idx="9">
                   <c:v>0.92012906293872665</c:v>
                 </c:pt>
                 <c:pt idx="10">
-                  <c:v>0.88481716181109349</c:v>
+                  <c:v>0.88481716181109338</c:v>
                 </c:pt>
                 <c:pt idx="11">
                   <c:v>0.88417424754272178</c:v>
@@ -2253,7 +2259,7 @@
                   <c:v>0.85063806565684563</c:v>
                 </c:pt>
                 <c:pt idx="14">
-                  <c:v>0.84777133793556059</c:v>
+                  <c:v>0.84777133793556081</c:v>
                 </c:pt>
                 <c:pt idx="15">
                   <c:v>0.8445144923789446</c:v>
@@ -2262,7 +2268,7 @@
                   <c:v>0.83725594840038564</c:v>
                 </c:pt>
                 <c:pt idx="17">
-                  <c:v>0.83461703141919275</c:v>
+                  <c:v>0.83461703141919286</c:v>
                 </c:pt>
               </c:numCache>
             </c:numRef>
@@ -2361,7 +2367,7 @@
                   <c:v>0.9387309603633297</c:v>
                 </c:pt>
                 <c:pt idx="1">
-                  <c:v>0.89153277738270975</c:v>
+                  <c:v>0.89153277738270953</c:v>
                 </c:pt>
                 <c:pt idx="2">
                   <c:v>0.82301056544373608</c:v>
@@ -2373,22 +2379,22 @@
                   <c:v>0.75252199659024765</c:v>
                 </c:pt>
                 <c:pt idx="5">
-                  <c:v>0.74212373331281911</c:v>
+                  <c:v>0.74212373331281922</c:v>
                 </c:pt>
                 <c:pt idx="6">
                   <c:v>0.73688717786732749</c:v>
                 </c:pt>
                 <c:pt idx="7">
-                  <c:v>0.72860146352750843</c:v>
+                  <c:v>0.72860146352750865</c:v>
                 </c:pt>
                 <c:pt idx="8">
-                  <c:v>0.70577785559581496</c:v>
+                  <c:v>0.70577785559581518</c:v>
                 </c:pt>
                 <c:pt idx="9">
                   <c:v>0.69274686371956962</c:v>
                 </c:pt>
                 <c:pt idx="10">
-                  <c:v>0.67930161414046974</c:v>
+                  <c:v>0.67930161414046986</c:v>
                 </c:pt>
                 <c:pt idx="11">
                   <c:v>0.67228263477634131</c:v>
@@ -2397,22 +2403,22 @@
                   <c:v>0.68022471453120004</c:v>
                 </c:pt>
                 <c:pt idx="13">
-                  <c:v>0.66398503161852696</c:v>
+                  <c:v>0.66398503161852729</c:v>
                 </c:pt>
                 <c:pt idx="14">
                   <c:v>0.6640628299517749</c:v>
                 </c:pt>
                 <c:pt idx="15">
-                  <c:v>0.66308558009338048</c:v>
+                  <c:v>0.6630855800933807</c:v>
                 </c:pt>
                 <c:pt idx="16">
                   <c:v>0.65656511915425986</c:v>
                 </c:pt>
                 <c:pt idx="17">
-                  <c:v>0.65158141257239155</c:v>
+                  <c:v>0.65158141257239177</c:v>
                 </c:pt>
                 <c:pt idx="18">
-                  <c:v>0.65187548701494935</c:v>
+                  <c:v>0.65187548701494946</c:v>
                 </c:pt>
               </c:numCache>
             </c:numRef>
@@ -2501,7 +2507,7 @@
                 <c:formatCode>General</c:formatCode>
                 <c:ptCount val="19"/>
                 <c:pt idx="0">
-                  <c:v>0.66149732049012844</c:v>
+                  <c:v>0.66149732049012855</c:v>
                 </c:pt>
                 <c:pt idx="1">
                   <c:v>0.6001326027033127</c:v>
@@ -2510,13 +2516,13 @@
                   <c:v>0.55639887771499263</c:v>
                 </c:pt>
                 <c:pt idx="3">
-                  <c:v>0.62284472485511411</c:v>
+                  <c:v>0.62284472485511422</c:v>
                 </c:pt>
                 <c:pt idx="4">
                   <c:v>0.55351605829049677</c:v>
                 </c:pt>
                 <c:pt idx="5">
-                  <c:v>0.58846095302595425</c:v>
+                  <c:v>0.58846095302595403</c:v>
                 </c:pt>
                 <c:pt idx="6">
                   <c:v>0.57298820383188065</c:v>
@@ -2528,7 +2534,7 @@
                   <c:v>0.55636349504129456</c:v>
                 </c:pt>
                 <c:pt idx="9">
-                  <c:v>0.56175580469495212</c:v>
+                  <c:v>0.56175580469495223</c:v>
                 </c:pt>
                 <c:pt idx="10">
                   <c:v>0.54619756290876298</c:v>
@@ -2648,7 +2654,7 @@
                 <c:formatCode>General</c:formatCode>
                 <c:ptCount val="18"/>
                 <c:pt idx="0">
-                  <c:v>0.6323708026850402</c:v>
+                  <c:v>0.63237080268504042</c:v>
                 </c:pt>
                 <c:pt idx="1">
                   <c:v>0.58374227027070569</c:v>
@@ -2657,7 +2663,7 @@
                   <c:v>0.59186681564330168</c:v>
                 </c:pt>
                 <c:pt idx="3">
-                  <c:v>0.56326543263150286</c:v>
+                  <c:v>0.56326543263150308</c:v>
                 </c:pt>
                 <c:pt idx="4">
                   <c:v>0.57183044589207288</c:v>
@@ -2672,7 +2678,7 @@
                   <c:v>0.53802118949602251</c:v>
                 </c:pt>
                 <c:pt idx="8">
-                  <c:v>0.5345050973681954</c:v>
+                  <c:v>0.53450509736819563</c:v>
                 </c:pt>
                 <c:pt idx="9">
                   <c:v>0.52829897414829863</c:v>
@@ -2696,7 +2702,7 @@
                   <c:v>0.50670323954628771</c:v>
                 </c:pt>
                 <c:pt idx="16">
-                  <c:v>0.5023819255266011</c:v>
+                  <c:v>0.50238192552660099</c:v>
                 </c:pt>
                 <c:pt idx="17">
                   <c:v>0.49463977381829932</c:v>
@@ -2788,31 +2794,31 @@
                 <c:formatCode>General</c:formatCode>
                 <c:ptCount val="19"/>
                 <c:pt idx="0">
-                  <c:v>0.7728998376992432</c:v>
+                  <c:v>0.77289983769924353</c:v>
                 </c:pt>
                 <c:pt idx="1">
                   <c:v>0.74632356481168916</c:v>
                 </c:pt>
                 <c:pt idx="2">
-                  <c:v>0.78634361659647933</c:v>
+                  <c:v>0.78634361659647956</c:v>
                 </c:pt>
                 <c:pt idx="3">
-                  <c:v>0.68296121733003778</c:v>
+                  <c:v>0.6829612173300379</c:v>
                 </c:pt>
                 <c:pt idx="4">
-                  <c:v>0.66450739252954016</c:v>
+                  <c:v>0.66450739252954039</c:v>
                 </c:pt>
                 <c:pt idx="5">
-                  <c:v>0.61644319255848123</c:v>
+                  <c:v>0.61644319255848146</c:v>
                 </c:pt>
                 <c:pt idx="6">
                   <c:v>0.6102724059818817</c:v>
                 </c:pt>
                 <c:pt idx="7">
-                  <c:v>0.60925823106012489</c:v>
+                  <c:v>0.609258231060125</c:v>
                 </c:pt>
                 <c:pt idx="8">
-                  <c:v>0.62851239646724821</c:v>
+                  <c:v>0.6285123964672481</c:v>
                 </c:pt>
                 <c:pt idx="9">
                   <c:v>0.60456332932399459</c:v>
@@ -2821,10 +2827,10 @@
                   <c:v>0.59800801508451062</c:v>
                 </c:pt>
                 <c:pt idx="11">
-                  <c:v>0.59484127138609688</c:v>
+                  <c:v>0.59484127138609699</c:v>
                 </c:pt>
                 <c:pt idx="12">
-                  <c:v>0.57774424327942508</c:v>
+                  <c:v>0.57774424327942531</c:v>
                 </c:pt>
                 <c:pt idx="13">
                   <c:v>0.57412911597622418</c:v>
@@ -2839,7 +2845,7 @@
                   <c:v>0.56487792557592453</c:v>
                 </c:pt>
                 <c:pt idx="17">
-                  <c:v>0.55704303471989824</c:v>
+                  <c:v>0.55704303471989836</c:v>
                 </c:pt>
                 <c:pt idx="18">
                   <c:v>0.55532457683742076</c:v>
@@ -2849,11 +2855,12 @@
           </c:yVal>
           <c:smooth val="1"/>
         </c:ser>
-        <c:axId val="60940672"/>
-        <c:axId val="60942592"/>
+        <c:dLbls/>
+        <c:axId val="60857728"/>
+        <c:axId val="60868096"/>
       </c:scatterChart>
       <c:valAx>
-        <c:axId val="60940672"/>
+        <c:axId val="60857728"/>
         <c:scaling>
           <c:orientation val="minMax"/>
           <c:max val="1000"/>
@@ -2876,7 +2883,7 @@
                   </a:defRPr>
                 </a:pPr>
                 <a:r>
-                  <a:rPr lang="en-US" sz="1600" b="0" i="0" u="none" strike="noStrike" kern="1200" baseline="0" dirty="0" err="1" smtClean="0">
+                  <a:rPr lang="en-US" sz="1800" b="0" i="0" u="none" strike="noStrike" kern="1200" baseline="0" dirty="0" err="1" smtClean="0">
                     <a:solidFill>
                       <a:prstClr val="black"/>
                     </a:solidFill>
@@ -2884,10 +2891,32 @@
                     <a:ea typeface="+mn-ea"/>
                     <a:cs typeface="+mn-cs"/>
                   </a:rPr>
-                  <a:t>Instancias</a:t>
+                  <a:t>Número</a:t>
                 </a:r>
                 <a:r>
-                  <a:rPr lang="en-US" sz="1600" b="0" i="0" u="none" strike="noStrike" kern="1200" baseline="0" dirty="0" smtClean="0">
+                  <a:rPr lang="en-US" sz="1800" b="0" i="0" u="none" strike="noStrike" kern="1200" baseline="0" dirty="0" smtClean="0">
+                    <a:solidFill>
+                      <a:prstClr val="black"/>
+                    </a:solidFill>
+                    <a:latin typeface="+mj-lt"/>
+                    <a:ea typeface="+mn-ea"/>
+                    <a:cs typeface="+mn-cs"/>
+                  </a:rPr>
+                  <a:t> de </a:t>
+                </a:r>
+                <a:r>
+                  <a:rPr lang="en-US" sz="1800" b="0" i="0" u="none" strike="noStrike" kern="1200" baseline="0" dirty="0" err="1" smtClean="0">
+                    <a:solidFill>
+                      <a:prstClr val="black"/>
+                    </a:solidFill>
+                    <a:latin typeface="+mj-lt"/>
+                    <a:ea typeface="+mn-ea"/>
+                    <a:cs typeface="+mn-cs"/>
+                  </a:rPr>
+                  <a:t>instancias</a:t>
+                </a:r>
+                <a:r>
+                  <a:rPr lang="en-US" sz="1800" b="0" i="0" u="none" strike="noStrike" kern="1200" baseline="0" dirty="0" smtClean="0">
                     <a:solidFill>
                       <a:prstClr val="black"/>
                     </a:solidFill>
@@ -2898,7 +2927,7 @@
                   <a:t> </a:t>
                 </a:r>
                 <a:r>
-                  <a:rPr lang="en-US" sz="1600" b="0" i="0" u="none" strike="noStrike" kern="1200" baseline="0" dirty="0">
+                  <a:rPr lang="en-US" sz="1800" b="0" i="0" u="none" strike="noStrike" kern="1200" baseline="0" dirty="0">
                     <a:solidFill>
                       <a:prstClr val="black"/>
                     </a:solidFill>
@@ -2909,7 +2938,7 @@
                   <a:t>de </a:t>
                 </a:r>
                 <a:r>
-                  <a:rPr lang="en-US" sz="1600" b="0" i="0" u="none" strike="noStrike" kern="1200" baseline="0" dirty="0" err="1">
+                  <a:rPr lang="en-US" sz="1800" b="0" i="0" u="none" strike="noStrike" kern="1200" baseline="0" dirty="0" err="1">
                     <a:solidFill>
                       <a:prstClr val="black"/>
                     </a:solidFill>
@@ -2919,7 +2948,7 @@
                   </a:rPr>
                   <a:t>entrenamiento</a:t>
                 </a:r>
-                <a:endParaRPr lang="en-US" sz="1600" b="0" i="0" u="none" strike="noStrike" kern="1200" baseline="0" dirty="0">
+                <a:endParaRPr lang="en-US" sz="1800" b="0" i="0" u="none" strike="noStrike" kern="1200" baseline="0" dirty="0">
                   <a:solidFill>
                     <a:prstClr val="black"/>
                   </a:solidFill>
@@ -2930,16 +2959,10 @@
               </a:p>
             </c:rich>
           </c:tx>
-          <c:layout>
-            <c:manualLayout>
-              <c:xMode val="edge"/>
-              <c:yMode val="edge"/>
-              <c:x val="0.31703777702969288"/>
-              <c:y val="0.86625336375377393"/>
-            </c:manualLayout>
-          </c:layout>
+          <c:layout/>
         </c:title>
         <c:numFmt formatCode="General" sourceLinked="1"/>
+        <c:majorTickMark val="none"/>
         <c:tickLblPos val="nextTo"/>
         <c:txPr>
           <a:bodyPr/>
@@ -2951,12 +2974,12 @@
             <a:endParaRPr lang="es-ES"/>
           </a:p>
         </c:txPr>
-        <c:crossAx val="60942592"/>
+        <c:crossAx val="60868096"/>
         <c:crosses val="autoZero"/>
         <c:crossBetween val="midCat"/>
       </c:valAx>
       <c:valAx>
-        <c:axId val="60942592"/>
+        <c:axId val="60868096"/>
         <c:scaling>
           <c:orientation val="minMax"/>
           <c:min val="0.4"/>
@@ -2973,7 +2996,7 @@
                   <a:defRPr lang="es-AR"/>
                 </a:pPr>
                 <a:r>
-                  <a:rPr lang="en-US" sz="1400" b="0" dirty="0">
+                  <a:rPr lang="en-US" sz="1800" b="0" dirty="0">
                     <a:latin typeface="+mj-lt"/>
                   </a:rPr>
                   <a:t>MAE (mts.)</a:t>
@@ -2984,6 +3007,7 @@
           <c:layout/>
         </c:title>
         <c:numFmt formatCode="General" sourceLinked="1"/>
+        <c:majorTickMark val="none"/>
         <c:tickLblPos val="nextTo"/>
         <c:txPr>
           <a:bodyPr/>
@@ -2995,7 +3019,7 @@
             <a:endParaRPr lang="es-ES"/>
           </a:p>
         </c:txPr>
-        <c:crossAx val="60940672"/>
+        <c:crossAx val="60857728"/>
         <c:crosses val="autoZero"/>
         <c:crossBetween val="midCat"/>
       </c:valAx>
@@ -3008,7 +3032,7 @@
         <a:lstStyle/>
         <a:p>
           <a:pPr>
-            <a:defRPr lang="es-AR" sz="1400">
+            <a:defRPr lang="es-AR" sz="1800">
               <a:latin typeface="+mj-lt"/>
             </a:defRPr>
           </a:pPr>
@@ -3027,30 +3051,19 @@
   <c:date1904 val="1"/>
   <c:lang val="es-ES"/>
   <c:chart>
-    <c:title>
-      <c:tx>
-        <c:rich>
-          <a:bodyPr/>
-          <a:lstStyle/>
-          <a:p>
-            <a:pPr>
-              <a:defRPr sz="2000">
-                <a:latin typeface="+mj-lt"/>
-              </a:defRPr>
-            </a:pPr>
-            <a:r>
-              <a:rPr lang="es-ES" sz="2000">
-                <a:latin typeface="+mj-lt"/>
-              </a:rPr>
-              <a:t>Correlación</a:t>
-            </a:r>
-          </a:p>
-        </c:rich>
-      </c:tx>
-      <c:layout/>
-    </c:title>
+    <c:autoTitleDeleted val="1"/>
     <c:plotArea>
-      <c:layout/>
+      <c:layout>
+        <c:manualLayout>
+          <c:layoutTarget val="inner"/>
+          <c:xMode val="edge"/>
+          <c:yMode val="edge"/>
+          <c:x val="9.5001525914281792E-2"/>
+          <c:y val="0.20524468571121443"/>
+          <c:w val="0.78698641531383973"/>
+          <c:h val="0.60782349305312944"/>
+        </c:manualLayout>
+      </c:layout>
       <c:barChart>
         <c:barDir val="col"/>
         <c:grouping val="clustered"/>
@@ -3098,7 +3111,7 @@
                 <c:formatCode>General</c:formatCode>
                 <c:ptCount val="5"/>
                 <c:pt idx="0">
-                  <c:v>0.85000000000000053</c:v>
+                  <c:v>0.85000000000000064</c:v>
                 </c:pt>
                 <c:pt idx="1">
                   <c:v>0.28000000000000008</c:v>
@@ -3168,13 +3181,13 @@
                   <c:v>0.88</c:v>
                 </c:pt>
                 <c:pt idx="1">
-                  <c:v>0.42000000000000026</c:v>
+                  <c:v>0.42000000000000032</c:v>
                 </c:pt>
                 <c:pt idx="2">
-                  <c:v>0.37000000000000027</c:v>
+                  <c:v>0.37000000000000033</c:v>
                 </c:pt>
                 <c:pt idx="3">
-                  <c:v>0.61000000000000054</c:v>
+                  <c:v>0.61000000000000065</c:v>
                 </c:pt>
                 <c:pt idx="4">
                   <c:v>0.81</c:v>
@@ -3240,13 +3253,13 @@
                   <c:v>0.5</c:v>
                 </c:pt>
                 <c:pt idx="2">
-                  <c:v>0.48000000000000026</c:v>
+                  <c:v>0.48000000000000032</c:v>
                 </c:pt>
                 <c:pt idx="3">
-                  <c:v>0.74000000000000055</c:v>
+                  <c:v>0.74000000000000066</c:v>
                 </c:pt>
                 <c:pt idx="4">
-                  <c:v>0.82000000000000051</c:v>
+                  <c:v>0.82000000000000062</c:v>
                 </c:pt>
               </c:numCache>
             </c:numRef>
@@ -3307,46 +3320,81 @@
                   <c:v>0.47000000000000008</c:v>
                 </c:pt>
                 <c:pt idx="2">
-                  <c:v>0.35000000000000026</c:v>
+                  <c:v>0.35000000000000031</c:v>
                 </c:pt>
                 <c:pt idx="3">
-                  <c:v>0.70000000000000051</c:v>
+                  <c:v>0.70000000000000062</c:v>
                 </c:pt>
                 <c:pt idx="4">
-                  <c:v>0.82000000000000051</c:v>
+                  <c:v>0.82000000000000062</c:v>
                 </c:pt>
               </c:numCache>
             </c:numRef>
           </c:val>
         </c:ser>
-        <c:axId val="60988800"/>
-        <c:axId val="60994688"/>
+        <c:dLbls/>
+        <c:axId val="54663808"/>
+        <c:axId val="54686080"/>
       </c:barChart>
       <c:catAx>
-        <c:axId val="60988800"/>
+        <c:axId val="54663808"/>
         <c:scaling>
           <c:orientation val="minMax"/>
         </c:scaling>
         <c:axPos val="b"/>
         <c:majorTickMark val="none"/>
         <c:tickLblPos val="nextTo"/>
-        <c:crossAx val="60994688"/>
+        <c:txPr>
+          <a:bodyPr/>
+          <a:lstStyle/>
+          <a:p>
+            <a:pPr>
+              <a:defRPr sz="1600">
+                <a:latin typeface="+mj-lt"/>
+              </a:defRPr>
+            </a:pPr>
+            <a:endParaRPr lang="es-ES"/>
+          </a:p>
+        </c:txPr>
+        <c:crossAx val="54686080"/>
         <c:crosses val="autoZero"/>
         <c:auto val="1"/>
         <c:lblAlgn val="ctr"/>
         <c:lblOffset val="100"/>
       </c:catAx>
       <c:valAx>
-        <c:axId val="60994688"/>
+        <c:axId val="54686080"/>
         <c:scaling>
           <c:orientation val="minMax"/>
         </c:scaling>
         <c:axPos val="l"/>
         <c:majorGridlines/>
+        <c:title>
+          <c:tx>
+            <c:rich>
+              <a:bodyPr/>
+              <a:lstStyle/>
+              <a:p>
+                <a:pPr>
+                  <a:defRPr/>
+                </a:pPr>
+                <a:r>
+                  <a:rPr lang="es-US" sz="1800" dirty="0" smtClean="0">
+                    <a:latin typeface="+mj-lt"/>
+                  </a:rPr>
+                  <a:t>Correlación</a:t>
+                </a:r>
+                <a:endParaRPr lang="es-ES" sz="1800" dirty="0">
+                  <a:latin typeface="+mj-lt"/>
+                </a:endParaRPr>
+              </a:p>
+            </c:rich>
+          </c:tx>
+          <c:layout/>
+        </c:title>
         <c:numFmt formatCode="General" sourceLinked="1"/>
-        <c:majorTickMark val="none"/>
         <c:tickLblPos val="nextTo"/>
-        <c:crossAx val="60988800"/>
+        <c:crossAx val="54663808"/>
         <c:crosses val="autoZero"/>
         <c:crossBetween val="between"/>
       </c:valAx>
@@ -3354,6 +3402,18 @@
     <c:legend>
       <c:legendPos val="r"/>
       <c:layout/>
+      <c:txPr>
+        <a:bodyPr/>
+        <a:lstStyle/>
+        <a:p>
+          <a:pPr>
+            <a:defRPr sz="1800">
+              <a:latin typeface="+mj-lt"/>
+            </a:defRPr>
+          </a:pPr>
+          <a:endParaRPr lang="es-ES"/>
+        </a:p>
+      </c:txPr>
     </c:legend>
     <c:plotVisOnly val="1"/>
   </c:chart>
@@ -3366,28 +3426,7 @@
   <c:date1904 val="1"/>
   <c:lang val="es-ES"/>
   <c:chart>
-    <c:title>
-      <c:tx>
-        <c:rich>
-          <a:bodyPr/>
-          <a:lstStyle/>
-          <a:p>
-            <a:pPr>
-              <a:defRPr sz="2000">
-                <a:latin typeface="+mj-lt"/>
-              </a:defRPr>
-            </a:pPr>
-            <a:r>
-              <a:rPr lang="es-ES" sz="2000">
-                <a:latin typeface="+mj-lt"/>
-              </a:rPr>
-              <a:t>Error absoluto medio [mts.]</a:t>
-            </a:r>
-          </a:p>
-        </c:rich>
-      </c:tx>
-      <c:layout/>
-    </c:title>
+    <c:autoTitleDeleted val="1"/>
     <c:plotArea>
       <c:layout/>
       <c:barChart>
@@ -3437,19 +3476,19 @@
                 <c:formatCode>General</c:formatCode>
                 <c:ptCount val="5"/>
                 <c:pt idx="0">
-                  <c:v>0.97000000000000053</c:v>
+                  <c:v>0.97000000000000064</c:v>
                 </c:pt>
                 <c:pt idx="1">
                   <c:v>0.53</c:v>
                 </c:pt>
                 <c:pt idx="2">
-                  <c:v>0.60000000000000053</c:v>
+                  <c:v>0.60000000000000064</c:v>
                 </c:pt>
                 <c:pt idx="3">
-                  <c:v>0.60000000000000053</c:v>
+                  <c:v>0.60000000000000064</c:v>
                 </c:pt>
                 <c:pt idx="4">
-                  <c:v>0.67000000000000082</c:v>
+                  <c:v>0.67000000000000093</c:v>
                 </c:pt>
               </c:numCache>
             </c:numRef>
@@ -3504,7 +3543,7 @@
                 <c:formatCode>General</c:formatCode>
                 <c:ptCount val="5"/>
                 <c:pt idx="0">
-                  <c:v>0.86000000000000054</c:v>
+                  <c:v>0.86000000000000065</c:v>
                 </c:pt>
                 <c:pt idx="1">
                   <c:v>0.5</c:v>
@@ -3516,7 +3555,7 @@
                   <c:v>0.54</c:v>
                 </c:pt>
                 <c:pt idx="4">
-                  <c:v>0.63000000000000056</c:v>
+                  <c:v>0.63000000000000078</c:v>
                 </c:pt>
               </c:numCache>
             </c:numRef>
@@ -3573,7 +3612,7 @@
                 <c:formatCode>General</c:formatCode>
                 <c:ptCount val="5"/>
                 <c:pt idx="0">
-                  <c:v>0.82000000000000051</c:v>
+                  <c:v>0.82000000000000062</c:v>
                 </c:pt>
                 <c:pt idx="1">
                   <c:v>0.46</c:v>
@@ -3585,7 +3624,7 @@
                   <c:v>0.47000000000000008</c:v>
                 </c:pt>
                 <c:pt idx="4">
-                  <c:v>0.61000000000000054</c:v>
+                  <c:v>0.61000000000000065</c:v>
                 </c:pt>
               </c:numCache>
             </c:numRef>
@@ -3643,7 +3682,7 @@
                   <c:v>0.88</c:v>
                 </c:pt>
                 <c:pt idx="1">
-                  <c:v>0.49000000000000027</c:v>
+                  <c:v>0.49000000000000032</c:v>
                 </c:pt>
                 <c:pt idx="2">
                   <c:v>0.5</c:v>
@@ -3652,40 +3691,81 @@
                   <c:v>0.5</c:v>
                 </c:pt>
                 <c:pt idx="4">
-                  <c:v>0.61000000000000054</c:v>
+                  <c:v>0.61000000000000065</c:v>
                 </c:pt>
               </c:numCache>
             </c:numRef>
           </c:val>
         </c:ser>
-        <c:axId val="61017088"/>
-        <c:axId val="61039360"/>
+        <c:dLbls/>
+        <c:axId val="54712576"/>
+        <c:axId val="54718464"/>
       </c:barChart>
       <c:catAx>
-        <c:axId val="61017088"/>
+        <c:axId val="54712576"/>
         <c:scaling>
           <c:orientation val="minMax"/>
         </c:scaling>
         <c:axPos val="b"/>
         <c:majorTickMark val="none"/>
         <c:tickLblPos val="nextTo"/>
-        <c:crossAx val="61039360"/>
+        <c:txPr>
+          <a:bodyPr/>
+          <a:lstStyle/>
+          <a:p>
+            <a:pPr>
+              <a:defRPr sz="1600">
+                <a:latin typeface="+mj-lt"/>
+              </a:defRPr>
+            </a:pPr>
+            <a:endParaRPr lang="es-ES"/>
+          </a:p>
+        </c:txPr>
+        <c:crossAx val="54718464"/>
         <c:crosses val="autoZero"/>
         <c:auto val="1"/>
         <c:lblAlgn val="ctr"/>
         <c:lblOffset val="100"/>
       </c:catAx>
       <c:valAx>
-        <c:axId val="61039360"/>
+        <c:axId val="54718464"/>
         <c:scaling>
           <c:orientation val="minMax"/>
         </c:scaling>
         <c:axPos val="l"/>
         <c:majorGridlines/>
+        <c:title>
+          <c:tx>
+            <c:rich>
+              <a:bodyPr/>
+              <a:lstStyle/>
+              <a:p>
+                <a:pPr>
+                  <a:defRPr/>
+                </a:pPr>
+                <a:r>
+                  <a:rPr lang="es-US" sz="1800" dirty="0" smtClean="0">
+                    <a:latin typeface="+mj-lt"/>
+                  </a:rPr>
+                  <a:t>MAE</a:t>
+                </a:r>
+                <a:r>
+                  <a:rPr lang="es-US" sz="1800" baseline="0" dirty="0" smtClean="0">
+                    <a:latin typeface="+mj-lt"/>
+                  </a:rPr>
+                  <a:t> [mts.]</a:t>
+                </a:r>
+                <a:endParaRPr lang="es-ES" sz="1800" dirty="0">
+                  <a:latin typeface="+mj-lt"/>
+                </a:endParaRPr>
+              </a:p>
+            </c:rich>
+          </c:tx>
+          <c:layout/>
+        </c:title>
         <c:numFmt formatCode="General" sourceLinked="1"/>
-        <c:majorTickMark val="none"/>
         <c:tickLblPos val="nextTo"/>
-        <c:crossAx val="61017088"/>
+        <c:crossAx val="54712576"/>
         <c:crosses val="autoZero"/>
         <c:crossBetween val="between"/>
       </c:valAx>
@@ -3693,6 +3773,18 @@
     <c:legend>
       <c:legendPos val="r"/>
       <c:layout/>
+      <c:txPr>
+        <a:bodyPr/>
+        <a:lstStyle/>
+        <a:p>
+          <a:pPr>
+            <a:defRPr sz="1800">
+              <a:latin typeface="+mj-lt"/>
+            </a:defRPr>
+          </a:pPr>
+          <a:endParaRPr lang="es-ES"/>
+        </a:p>
+      </c:txPr>
     </c:legend>
     <c:plotVisOnly val="1"/>
   </c:chart>
@@ -3702,7 +3794,6 @@
 
 <file path=ppt/charts/chart5.xml><?xml version="1.0" encoding="utf-8"?>
 <c:chartSpace xmlns:c="http://schemas.openxmlformats.org/drawingml/2006/chart" xmlns:a="http://schemas.openxmlformats.org/drawingml/2006/main" xmlns:r="http://schemas.openxmlformats.org/officeDocument/2006/relationships">
-  <c:date1904 val="1"/>
   <c:lang val="es-ES"/>
   <c:chart>
     <c:title>
@@ -3717,11 +3808,32 @@
               </a:defRPr>
             </a:pPr>
             <a:r>
-              <a:rPr lang="es-ES" sz="2000">
+              <a:rPr lang="es-ES" sz="2000" dirty="0">
                 <a:latin typeface="+mj-lt"/>
               </a:rPr>
-              <a:t>Diamond Head - Correlación (SVM)</a:t>
-            </a:r>
+              <a:t>Diamond </a:t>
+            </a:r>
+            <a:r>
+              <a:rPr lang="es-ES" sz="2000" dirty="0" smtClean="0">
+                <a:latin typeface="+mj-lt"/>
+              </a:rPr>
+              <a:t>Head</a:t>
+            </a:r>
+            <a:r>
+              <a:rPr lang="es-ES" sz="2000" baseline="0" dirty="0" smtClean="0">
+                <a:latin typeface="+mj-lt"/>
+              </a:rPr>
+              <a:t> - </a:t>
+            </a:r>
+            <a:r>
+              <a:rPr lang="es-ES" sz="2000" dirty="0" smtClean="0">
+                <a:latin typeface="+mj-lt"/>
+              </a:rPr>
+              <a:t>SVM</a:t>
+            </a:r>
+            <a:endParaRPr lang="es-ES" sz="2000" dirty="0">
+              <a:latin typeface="+mj-lt"/>
+            </a:endParaRPr>
           </a:p>
         </c:rich>
       </c:tx>
@@ -3731,7 +3843,17 @@
       <c:rAngAx val="1"/>
     </c:view3D>
     <c:plotArea>
-      <c:layout/>
+      <c:layout>
+        <c:manualLayout>
+          <c:layoutTarget val="inner"/>
+          <c:xMode val="edge"/>
+          <c:yMode val="edge"/>
+          <c:x val="5.0696911313491744E-2"/>
+          <c:y val="0.20609981044036163"/>
+          <c:w val="0.77999370198836238"/>
+          <c:h val="0.53537365121026537"/>
+        </c:manualLayout>
+      </c:layout>
       <c:bar3DChart>
         <c:barDir val="col"/>
         <c:grouping val="clustered"/>
@@ -3776,16 +3898,16 @@
                 <c:formatCode>General</c:formatCode>
                 <c:ptCount val="4"/>
                 <c:pt idx="0">
-                  <c:v>0.48000000000000026</c:v>
+                  <c:v>0.48</c:v>
                 </c:pt>
                 <c:pt idx="1">
                   <c:v>0.4</c:v>
                 </c:pt>
                 <c:pt idx="2">
-                  <c:v>0.42000000000000026</c:v>
+                  <c:v>0.42</c:v>
                 </c:pt>
                 <c:pt idx="3">
-                  <c:v>0.42000000000000026</c:v>
+                  <c:v>0.42</c:v>
                 </c:pt>
               </c:numCache>
             </c:numRef>
@@ -3800,7 +3922,7 @@
               <c:strCache>
                 <c:ptCount val="1"/>
                 <c:pt idx="0">
-                  <c:v>No óptimo</c:v>
+                  <c:v>Por defecto</c:v>
                 </c:pt>
               </c:strCache>
             </c:strRef>
@@ -3843,7 +3965,7 @@
                   <c:v>0.23</c:v>
                 </c:pt>
                 <c:pt idx="2">
-                  <c:v>0.24000000000000013</c:v>
+                  <c:v>0.24</c:v>
                 </c:pt>
                 <c:pt idx="3">
                   <c:v>0.26</c:v>
@@ -3852,13 +3974,14 @@
             </c:numRef>
           </c:val>
         </c:ser>
+        <c:dLbls/>
         <c:shape val="box"/>
-        <c:axId val="61062144"/>
-        <c:axId val="61068032"/>
+        <c:axId val="61171968"/>
+        <c:axId val="61177856"/>
         <c:axId val="0"/>
       </c:bar3DChart>
       <c:catAx>
-        <c:axId val="61062144"/>
+        <c:axId val="61171968"/>
         <c:scaling>
           <c:orientation val="minMax"/>
         </c:scaling>
@@ -3870,30 +3993,52 @@
           <a:lstStyle/>
           <a:p>
             <a:pPr>
-              <a:defRPr sz="1000" b="1">
+              <a:defRPr sz="1100" b="1">
                 <a:latin typeface="+mj-lt"/>
               </a:defRPr>
             </a:pPr>
             <a:endParaRPr lang="es-ES"/>
           </a:p>
         </c:txPr>
-        <c:crossAx val="61068032"/>
+        <c:crossAx val="61177856"/>
         <c:crosses val="autoZero"/>
         <c:auto val="1"/>
         <c:lblAlgn val="ctr"/>
         <c:lblOffset val="100"/>
       </c:catAx>
       <c:valAx>
-        <c:axId val="61068032"/>
+        <c:axId val="61177856"/>
         <c:scaling>
           <c:orientation val="minMax"/>
         </c:scaling>
         <c:axPos val="l"/>
         <c:majorGridlines/>
+        <c:title>
+          <c:tx>
+            <c:rich>
+              <a:bodyPr/>
+              <a:lstStyle/>
+              <a:p>
+                <a:pPr>
+                  <a:defRPr/>
+                </a:pPr>
+                <a:r>
+                  <a:rPr lang="es-ES" sz="1800" b="1" dirty="0" smtClean="0">
+                    <a:latin typeface="+mj-lt"/>
+                  </a:rPr>
+                  <a:t>Correlación</a:t>
+                </a:r>
+                <a:endParaRPr lang="es-ES" sz="1800" b="1" dirty="0">
+                  <a:latin typeface="+mj-lt"/>
+                </a:endParaRPr>
+              </a:p>
+            </c:rich>
+          </c:tx>
+          <c:layout/>
+        </c:title>
         <c:numFmt formatCode="General" sourceLinked="1"/>
-        <c:majorTickMark val="none"/>
         <c:tickLblPos val="nextTo"/>
-        <c:crossAx val="61062144"/>
+        <c:crossAx val="61171968"/>
         <c:crosses val="autoZero"/>
         <c:crossBetween val="between"/>
       </c:valAx>
@@ -3906,7 +4051,7 @@
         <a:lstStyle/>
         <a:p>
           <a:pPr>
-            <a:defRPr sz="1600" b="0">
+            <a:defRPr sz="1600">
               <a:latin typeface="+mj-lt"/>
             </a:defRPr>
           </a:pPr>
@@ -3917,13 +4062,11 @@
     <c:plotVisOnly val="1"/>
   </c:chart>
   <c:externalData r:id="rId1"/>
-  <c:userShapes r:id="rId2"/>
 </c:chartSpace>
 </file>
 
 <file path=ppt/charts/chart6.xml><?xml version="1.0" encoding="utf-8"?>
 <c:chartSpace xmlns:c="http://schemas.openxmlformats.org/drawingml/2006/chart" xmlns:a="http://schemas.openxmlformats.org/drawingml/2006/main" xmlns:r="http://schemas.openxmlformats.org/officeDocument/2006/relationships">
-  <c:date1904 val="1"/>
   <c:lang val="es-ES"/>
   <c:chart>
     <c:title>
@@ -3936,10 +4079,20 @@
               <a:defRPr/>
             </a:pPr>
             <a:r>
-              <a:rPr lang="es-ES" sz="1800" b="1" i="0" baseline="0"/>
-              <a:t>Diamond Head - MAE(SVM) [mts.]</a:t>
-            </a:r>
-            <a:endParaRPr lang="es-ES"/>
+              <a:rPr lang="es-ES" sz="2000" b="1" i="0" baseline="0" dirty="0">
+                <a:latin typeface="+mj-lt"/>
+              </a:rPr>
+              <a:t>Diamond Head - </a:t>
+            </a:r>
+            <a:r>
+              <a:rPr lang="es-ES" sz="2000" b="1" i="0" baseline="0" dirty="0" smtClean="0">
+                <a:latin typeface="+mj-lt"/>
+              </a:rPr>
+              <a:t>SVM</a:t>
+            </a:r>
+            <a:endParaRPr lang="es-ES" sz="2000" dirty="0">
+              <a:latin typeface="+mj-lt"/>
+            </a:endParaRPr>
           </a:p>
         </c:rich>
       </c:tx>
@@ -3949,7 +4102,17 @@
       <c:rAngAx val="1"/>
     </c:view3D>
     <c:plotArea>
-      <c:layout/>
+      <c:layout>
+        <c:manualLayout>
+          <c:layoutTarget val="inner"/>
+          <c:xMode val="edge"/>
+          <c:yMode val="edge"/>
+          <c:x val="5.8498625288899882E-2"/>
+          <c:y val="0.20609981044036163"/>
+          <c:w val="0.81889502982300555"/>
+          <c:h val="0.64352580927384073"/>
+        </c:manualLayout>
+      </c:layout>
       <c:bar3DChart>
         <c:barDir val="col"/>
         <c:grouping val="clustered"/>
@@ -3994,16 +4157,16 @@
                 <c:formatCode>General</c:formatCode>
                 <c:ptCount val="4"/>
                 <c:pt idx="0">
-                  <c:v>0.47000000000000008</c:v>
+                  <c:v>0.47</c:v>
                 </c:pt>
                 <c:pt idx="1">
-                  <c:v>0.49000000000000027</c:v>
+                  <c:v>0.49</c:v>
                 </c:pt>
                 <c:pt idx="2">
-                  <c:v>0.48000000000000026</c:v>
+                  <c:v>0.48</c:v>
                 </c:pt>
                 <c:pt idx="3">
-                  <c:v>0.48000000000000026</c:v>
+                  <c:v>0.48</c:v>
                 </c:pt>
               </c:numCache>
             </c:numRef>
@@ -4018,7 +4181,7 @@
               <c:strCache>
                 <c:ptCount val="1"/>
                 <c:pt idx="0">
-                  <c:v>No óptimo</c:v>
+                  <c:v>Por defecto</c:v>
                 </c:pt>
               </c:strCache>
             </c:strRef>
@@ -4070,36 +4233,69 @@
             </c:numRef>
           </c:val>
         </c:ser>
+        <c:dLbls/>
         <c:shape val="cylinder"/>
-        <c:axId val="61104512"/>
-        <c:axId val="61106048"/>
+        <c:axId val="61185408"/>
+        <c:axId val="61207680"/>
         <c:axId val="0"/>
       </c:bar3DChart>
       <c:catAx>
-        <c:axId val="61104512"/>
+        <c:axId val="61185408"/>
         <c:scaling>
           <c:orientation val="minMax"/>
         </c:scaling>
         <c:axPos val="b"/>
         <c:majorTickMark val="none"/>
         <c:tickLblPos val="nextTo"/>
-        <c:crossAx val="61106048"/>
+        <c:txPr>
+          <a:bodyPr/>
+          <a:lstStyle/>
+          <a:p>
+            <a:pPr>
+              <a:defRPr sz="1200" b="1">
+                <a:latin typeface="+mj-lt"/>
+              </a:defRPr>
+            </a:pPr>
+            <a:endParaRPr lang="es-ES"/>
+          </a:p>
+        </c:txPr>
+        <c:crossAx val="61207680"/>
         <c:crosses val="autoZero"/>
         <c:auto val="1"/>
         <c:lblAlgn val="ctr"/>
         <c:lblOffset val="100"/>
       </c:catAx>
       <c:valAx>
-        <c:axId val="61106048"/>
+        <c:axId val="61207680"/>
         <c:scaling>
           <c:orientation val="minMax"/>
         </c:scaling>
         <c:axPos val="l"/>
         <c:majorGridlines/>
+        <c:title>
+          <c:tx>
+            <c:rich>
+              <a:bodyPr/>
+              <a:lstStyle/>
+              <a:p>
+                <a:pPr>
+                  <a:defRPr/>
+                </a:pPr>
+                <a:r>
+                  <a:rPr lang="es-ES" sz="1800" dirty="0" smtClean="0">
+                    <a:latin typeface="+mj-lt"/>
+                  </a:rPr>
+                  <a:t>MAE [mts.]</a:t>
+                </a:r>
+                <a:endParaRPr lang="es-ES" dirty="0"/>
+              </a:p>
+            </c:rich>
+          </c:tx>
+          <c:layout/>
+        </c:title>
         <c:numFmt formatCode="General" sourceLinked="1"/>
-        <c:majorTickMark val="none"/>
         <c:tickLblPos val="nextTo"/>
-        <c:crossAx val="61104512"/>
+        <c:crossAx val="61185408"/>
         <c:crosses val="autoZero"/>
         <c:crossBetween val="between"/>
       </c:valAx>
@@ -4107,11 +4303,22 @@
     <c:legend>
       <c:legendPos val="r"/>
       <c:layout/>
+      <c:txPr>
+        <a:bodyPr/>
+        <a:lstStyle/>
+        <a:p>
+          <a:pPr>
+            <a:defRPr sz="1600">
+              <a:latin typeface="+mj-lt"/>
+            </a:defRPr>
+          </a:pPr>
+          <a:endParaRPr lang="es-ES"/>
+        </a:p>
+      </c:txPr>
     </c:legend>
     <c:plotVisOnly val="1"/>
   </c:chart>
   <c:externalData r:id="rId1"/>
-  <c:userShapes r:id="rId2"/>
 </c:chartSpace>
 </file>
 
@@ -4158,7 +4365,7 @@
           <c:x val="5.0128971669717602E-2"/>
           <c:y val="0.16285573489051136"/>
           <c:w val="0.91229087688864363"/>
-          <c:h val="0.42844667523762697"/>
+          <c:h val="0.42844667523762708"/>
         </c:manualLayout>
       </c:layout>
       <c:scatterChart>
@@ -4379,7 +4586,7 @@
                   <c:v>0</c:v>
                 </c:pt>
                 <c:pt idx="1">
-                  <c:v>1.2189999999999852</c:v>
+                  <c:v>1.218999999999985</c:v>
                 </c:pt>
                 <c:pt idx="2">
                   <c:v>2.4379999999999997</c:v>
@@ -4391,19 +4598,19 @@
                   <c:v>1.829</c:v>
                 </c:pt>
                 <c:pt idx="5">
-                  <c:v>1.2189999999999852</c:v>
+                  <c:v>1.218999999999985</c:v>
                 </c:pt>
                 <c:pt idx="6">
-                  <c:v>1.2189999999999852</c:v>
+                  <c:v>1.218999999999985</c:v>
                 </c:pt>
                 <c:pt idx="7">
-                  <c:v>1.2189999999999852</c:v>
+                  <c:v>1.218999999999985</c:v>
                 </c:pt>
                 <c:pt idx="8">
                   <c:v>2.4379999999999997</c:v>
                 </c:pt>
                 <c:pt idx="9">
-                  <c:v>1.2189999999999852</c:v>
+                  <c:v>1.218999999999985</c:v>
                 </c:pt>
                 <c:pt idx="10">
                   <c:v>0.61000000000000065</c:v>
@@ -4412,22 +4619,22 @@
                   <c:v>3.048</c:v>
                 </c:pt>
                 <c:pt idx="12">
-                  <c:v>1.2189999999999852</c:v>
+                  <c:v>1.218999999999985</c:v>
                 </c:pt>
                 <c:pt idx="13">
                   <c:v>0.61000000000000065</c:v>
                 </c:pt>
                 <c:pt idx="14">
-                  <c:v>1.2189999999999852</c:v>
+                  <c:v>1.218999999999985</c:v>
                 </c:pt>
                 <c:pt idx="15">
                   <c:v>2.4379999999999997</c:v>
                 </c:pt>
                 <c:pt idx="16">
-                  <c:v>1.2189999999999852</c:v>
+                  <c:v>1.218999999999985</c:v>
                 </c:pt>
                 <c:pt idx="17">
-                  <c:v>1.2189999999999852</c:v>
+                  <c:v>1.218999999999985</c:v>
                 </c:pt>
                 <c:pt idx="18">
                   <c:v>0.61000000000000065</c:v>
@@ -4445,7 +4652,7 @@
                   <c:v>3.048</c:v>
                 </c:pt>
                 <c:pt idx="23">
-                  <c:v>1.2189999999999852</c:v>
+                  <c:v>1.218999999999985</c:v>
                 </c:pt>
                 <c:pt idx="24">
                   <c:v>1.829</c:v>
@@ -4469,34 +4676,34 @@
                   <c:v>0.61000000000000065</c:v>
                 </c:pt>
                 <c:pt idx="31">
-                  <c:v>1.2189999999999852</c:v>
+                  <c:v>1.218999999999985</c:v>
                 </c:pt>
                 <c:pt idx="32">
-                  <c:v>1.2189999999999852</c:v>
+                  <c:v>1.218999999999985</c:v>
                 </c:pt>
                 <c:pt idx="33">
-                  <c:v>1.2189999999999852</c:v>
+                  <c:v>1.218999999999985</c:v>
                 </c:pt>
                 <c:pt idx="34">
-                  <c:v>1.2189999999999852</c:v>
+                  <c:v>1.218999999999985</c:v>
                 </c:pt>
                 <c:pt idx="35">
-                  <c:v>1.2189999999999852</c:v>
+                  <c:v>1.218999999999985</c:v>
                 </c:pt>
                 <c:pt idx="36">
                   <c:v>3.048</c:v>
                 </c:pt>
                 <c:pt idx="37">
-                  <c:v>1.2189999999999852</c:v>
+                  <c:v>1.218999999999985</c:v>
                 </c:pt>
                 <c:pt idx="38">
                   <c:v>0.61000000000000065</c:v>
                 </c:pt>
                 <c:pt idx="39">
-                  <c:v>1.2189999999999852</c:v>
+                  <c:v>1.218999999999985</c:v>
                 </c:pt>
                 <c:pt idx="40">
-                  <c:v>1.2189999999999852</c:v>
+                  <c:v>1.218999999999985</c:v>
                 </c:pt>
                 <c:pt idx="41">
                   <c:v>2.4379999999999997</c:v>
@@ -4511,7 +4718,7 @@
                   <c:v>0.61000000000000065</c:v>
                 </c:pt>
                 <c:pt idx="45">
-                  <c:v>1.2189999999999852</c:v>
+                  <c:v>1.218999999999985</c:v>
                 </c:pt>
                 <c:pt idx="46">
                   <c:v>4.8769999999999998</c:v>
@@ -4520,34 +4727,34 @@
                   <c:v>0.61000000000000065</c:v>
                 </c:pt>
                 <c:pt idx="48">
-                  <c:v>1.2189999999999852</c:v>
+                  <c:v>1.218999999999985</c:v>
                 </c:pt>
                 <c:pt idx="49">
                   <c:v>7.3149999999999755</c:v>
                 </c:pt>
                 <c:pt idx="50">
-                  <c:v>1.2189999999999852</c:v>
+                  <c:v>1.218999999999985</c:v>
                 </c:pt>
                 <c:pt idx="51">
-                  <c:v>1.2189999999999852</c:v>
+                  <c:v>1.218999999999985</c:v>
                 </c:pt>
                 <c:pt idx="52">
                   <c:v>0.61000000000000065</c:v>
                 </c:pt>
                 <c:pt idx="53">
-                  <c:v>1.2189999999999852</c:v>
+                  <c:v>1.218999999999985</c:v>
                 </c:pt>
                 <c:pt idx="54">
-                  <c:v>1.2189999999999852</c:v>
+                  <c:v>1.218999999999985</c:v>
                 </c:pt>
                 <c:pt idx="55">
-                  <c:v>1.2189999999999852</c:v>
+                  <c:v>1.218999999999985</c:v>
                 </c:pt>
                 <c:pt idx="56">
                   <c:v>2.4379999999999997</c:v>
                 </c:pt>
                 <c:pt idx="57">
-                  <c:v>1.2189999999999852</c:v>
+                  <c:v>1.218999999999985</c:v>
                 </c:pt>
                 <c:pt idx="58">
                   <c:v>4.8769999999999998</c:v>
@@ -4559,7 +4766,7 @@
                   <c:v>2.4379999999999997</c:v>
                 </c:pt>
                 <c:pt idx="61">
-                  <c:v>1.2189999999999852</c:v>
+                  <c:v>1.218999999999985</c:v>
                 </c:pt>
                 <c:pt idx="62">
                   <c:v>0.61000000000000065</c:v>
@@ -4819,13 +5026,13 @@
                   <c:v>1.87</c:v>
                 </c:pt>
                 <c:pt idx="8">
-                  <c:v>1.9500000000000117</c:v>
+                  <c:v>1.9500000000000119</c:v>
                 </c:pt>
                 <c:pt idx="9">
                   <c:v>2.4899999999999998</c:v>
                 </c:pt>
                 <c:pt idx="10">
-                  <c:v>1.6800000000000117</c:v>
+                  <c:v>1.6800000000000119</c:v>
                 </c:pt>
                 <c:pt idx="11">
                   <c:v>2.98</c:v>
@@ -4843,7 +5050,7 @@
                   <c:v>3.3099999999999987</c:v>
                 </c:pt>
                 <c:pt idx="16">
-                  <c:v>1.9500000000000117</c:v>
+                  <c:v>1.9500000000000119</c:v>
                 </c:pt>
                 <c:pt idx="17">
                   <c:v>1.4</c:v>
@@ -4873,7 +5080,7 @@
                   <c:v>1.45</c:v>
                 </c:pt>
                 <c:pt idx="26">
-                  <c:v>1.9900000000000131</c:v>
+                  <c:v>1.9900000000000133</c:v>
                 </c:pt>
                 <c:pt idx="27">
                   <c:v>3</c:v>
@@ -4915,7 +5122,7 @@
                   <c:v>2.04</c:v>
                 </c:pt>
                 <c:pt idx="40">
-                  <c:v>1.9600000000000117</c:v>
+                  <c:v>1.960000000000012</c:v>
                 </c:pt>
                 <c:pt idx="41">
                   <c:v>3.09</c:v>
@@ -4990,11 +5197,11 @@
             </c:numRef>
           </c:yVal>
         </c:ser>
-        <c:axId val="61173760"/>
-        <c:axId val="61175680"/>
+        <c:axId val="61225984"/>
+        <c:axId val="61273216"/>
       </c:scatterChart>
       <c:valAx>
-        <c:axId val="61173760"/>
+        <c:axId val="61225984"/>
         <c:scaling>
           <c:orientation val="minMax"/>
         </c:scaling>
@@ -5032,13 +5239,13 @@
             <a:endParaRPr lang="es-ES"/>
           </a:p>
         </c:txPr>
-        <c:crossAx val="61175680"/>
+        <c:crossAx val="61273216"/>
         <c:crosses val="autoZero"/>
         <c:crossBetween val="midCat"/>
         <c:majorUnit val="5"/>
       </c:valAx>
       <c:valAx>
-        <c:axId val="61175680"/>
+        <c:axId val="61273216"/>
         <c:scaling>
           <c:orientation val="minMax"/>
         </c:scaling>
@@ -5090,7 +5297,7 @@
             <a:endParaRPr lang="es-ES"/>
           </a:p>
         </c:txPr>
-        <c:crossAx val="61173760"/>
+        <c:crossAx val="61225984"/>
         <c:crosses val="autoZero"/>
         <c:crossBetween val="midCat"/>
       </c:valAx>
@@ -5101,10 +5308,10 @@
         <c:manualLayout>
           <c:xMode val="edge"/>
           <c:yMode val="edge"/>
-          <c:x val="0.74133589770230268"/>
+          <c:x val="0.72413175331823931"/>
           <c:y val="0.71233526043915962"/>
-          <c:w val="0.2420143434757267"/>
-          <c:h val="0.16317756172635517"/>
+          <c:w val="0.25921857347088251"/>
+          <c:h val="0.25475958385614311"/>
         </c:manualLayout>
       </c:layout>
       <c:txPr>
@@ -5112,7 +5319,9 @@
         <a:lstStyle/>
         <a:p>
           <a:pPr>
-            <a:defRPr lang="es-AR"/>
+            <a:defRPr lang="es-AR" sz="1400">
+              <a:latin typeface="+mj-lt"/>
+            </a:defRPr>
           </a:pPr>
           <a:endParaRPr lang="es-ES"/>
         </a:p>
@@ -5158,7 +5367,7 @@
           <c:x val="5.0128971669717602E-2"/>
           <c:y val="0.16285573489051136"/>
           <c:w val="0.91229087688864363"/>
-          <c:h val="0.4284466752376267"/>
+          <c:h val="0.42844667523762686"/>
         </c:manualLayout>
       </c:layout>
       <c:scatterChart>
@@ -5379,7 +5588,7 @@
                   <c:v>0</c:v>
                 </c:pt>
                 <c:pt idx="1">
-                  <c:v>1.2189999999999852</c:v>
+                  <c:v>1.218999999999985</c:v>
                 </c:pt>
                 <c:pt idx="2">
                   <c:v>2.4379999999999997</c:v>
@@ -5391,19 +5600,19 @@
                   <c:v>1.829</c:v>
                 </c:pt>
                 <c:pt idx="5">
-                  <c:v>1.2189999999999852</c:v>
+                  <c:v>1.218999999999985</c:v>
                 </c:pt>
                 <c:pt idx="6">
-                  <c:v>1.2189999999999852</c:v>
+                  <c:v>1.218999999999985</c:v>
                 </c:pt>
                 <c:pt idx="7">
-                  <c:v>1.2189999999999852</c:v>
+                  <c:v>1.218999999999985</c:v>
                 </c:pt>
                 <c:pt idx="8">
                   <c:v>2.4379999999999997</c:v>
                 </c:pt>
                 <c:pt idx="9">
-                  <c:v>1.2189999999999852</c:v>
+                  <c:v>1.218999999999985</c:v>
                 </c:pt>
                 <c:pt idx="10">
                   <c:v>0.61000000000000065</c:v>
@@ -5412,22 +5621,22 @@
                   <c:v>3.048</c:v>
                 </c:pt>
                 <c:pt idx="12">
-                  <c:v>1.2189999999999852</c:v>
+                  <c:v>1.218999999999985</c:v>
                 </c:pt>
                 <c:pt idx="13">
                   <c:v>0.61000000000000065</c:v>
                 </c:pt>
                 <c:pt idx="14">
-                  <c:v>1.2189999999999852</c:v>
+                  <c:v>1.218999999999985</c:v>
                 </c:pt>
                 <c:pt idx="15">
                   <c:v>2.4379999999999997</c:v>
                 </c:pt>
                 <c:pt idx="16">
-                  <c:v>1.2189999999999852</c:v>
+                  <c:v>1.218999999999985</c:v>
                 </c:pt>
                 <c:pt idx="17">
-                  <c:v>1.2189999999999852</c:v>
+                  <c:v>1.218999999999985</c:v>
                 </c:pt>
                 <c:pt idx="18">
                   <c:v>0.61000000000000065</c:v>
@@ -5445,7 +5654,7 @@
                   <c:v>3.048</c:v>
                 </c:pt>
                 <c:pt idx="23">
-                  <c:v>1.2189999999999852</c:v>
+                  <c:v>1.218999999999985</c:v>
                 </c:pt>
                 <c:pt idx="24">
                   <c:v>1.829</c:v>
@@ -5469,34 +5678,34 @@
                   <c:v>0.61000000000000065</c:v>
                 </c:pt>
                 <c:pt idx="31">
-                  <c:v>1.2189999999999852</c:v>
+                  <c:v>1.218999999999985</c:v>
                 </c:pt>
                 <c:pt idx="32">
-                  <c:v>1.2189999999999852</c:v>
+                  <c:v>1.218999999999985</c:v>
                 </c:pt>
                 <c:pt idx="33">
-                  <c:v>1.2189999999999852</c:v>
+                  <c:v>1.218999999999985</c:v>
                 </c:pt>
                 <c:pt idx="34">
-                  <c:v>1.2189999999999852</c:v>
+                  <c:v>1.218999999999985</c:v>
                 </c:pt>
                 <c:pt idx="35">
-                  <c:v>1.2189999999999852</c:v>
+                  <c:v>1.218999999999985</c:v>
                 </c:pt>
                 <c:pt idx="36">
                   <c:v>3.048</c:v>
                 </c:pt>
                 <c:pt idx="37">
-                  <c:v>1.2189999999999852</c:v>
+                  <c:v>1.218999999999985</c:v>
                 </c:pt>
                 <c:pt idx="38">
                   <c:v>0.61000000000000065</c:v>
                 </c:pt>
                 <c:pt idx="39">
-                  <c:v>1.2189999999999852</c:v>
+                  <c:v>1.218999999999985</c:v>
                 </c:pt>
                 <c:pt idx="40">
-                  <c:v>1.2189999999999852</c:v>
+                  <c:v>1.218999999999985</c:v>
                 </c:pt>
                 <c:pt idx="41">
                   <c:v>2.4379999999999997</c:v>
@@ -5511,7 +5720,7 @@
                   <c:v>0.61000000000000065</c:v>
                 </c:pt>
                 <c:pt idx="45">
-                  <c:v>1.2189999999999852</c:v>
+                  <c:v>1.218999999999985</c:v>
                 </c:pt>
                 <c:pt idx="46">
                   <c:v>4.8769999999999998</c:v>
@@ -5520,34 +5729,34 @@
                   <c:v>0.61000000000000065</c:v>
                 </c:pt>
                 <c:pt idx="48">
-                  <c:v>1.2189999999999852</c:v>
+                  <c:v>1.218999999999985</c:v>
                 </c:pt>
                 <c:pt idx="49">
                   <c:v>7.3149999999999755</c:v>
                 </c:pt>
                 <c:pt idx="50">
-                  <c:v>1.2189999999999852</c:v>
+                  <c:v>1.218999999999985</c:v>
                 </c:pt>
                 <c:pt idx="51">
-                  <c:v>1.2189999999999852</c:v>
+                  <c:v>1.218999999999985</c:v>
                 </c:pt>
                 <c:pt idx="52">
                   <c:v>0.61000000000000065</c:v>
                 </c:pt>
                 <c:pt idx="53">
-                  <c:v>1.2189999999999852</c:v>
+                  <c:v>1.218999999999985</c:v>
                 </c:pt>
                 <c:pt idx="54">
-                  <c:v>1.2189999999999852</c:v>
+                  <c:v>1.218999999999985</c:v>
                 </c:pt>
                 <c:pt idx="55">
-                  <c:v>1.2189999999999852</c:v>
+                  <c:v>1.218999999999985</c:v>
                 </c:pt>
                 <c:pt idx="56">
                   <c:v>2.4379999999999997</c:v>
                 </c:pt>
                 <c:pt idx="57">
-                  <c:v>1.2189999999999852</c:v>
+                  <c:v>1.218999999999985</c:v>
                 </c:pt>
                 <c:pt idx="58">
                   <c:v>4.8769999999999998</c:v>
@@ -5559,7 +5768,7 @@
                   <c:v>2.4379999999999997</c:v>
                 </c:pt>
                 <c:pt idx="61">
-                  <c:v>1.2189999999999852</c:v>
+                  <c:v>1.218999999999985</c:v>
                 </c:pt>
                 <c:pt idx="62">
                   <c:v>0.61000000000000065</c:v>
@@ -5837,7 +6046,7 @@
                   <c:v>0.96900000000000064</c:v>
                 </c:pt>
                 <c:pt idx="14">
-                  <c:v>1.2769999999999868</c:v>
+                  <c:v>1.2769999999999866</c:v>
                 </c:pt>
                 <c:pt idx="15">
                   <c:v>3.0789999999999997</c:v>
@@ -5849,13 +6058,13 @@
                   <c:v>1.1990000000000001</c:v>
                 </c:pt>
                 <c:pt idx="18">
-                  <c:v>1.0249999999999868</c:v>
+                  <c:v>1.0249999999999866</c:v>
                 </c:pt>
                 <c:pt idx="19">
-                  <c:v>1.0409999999999879</c:v>
+                  <c:v>1.0409999999999877</c:v>
                 </c:pt>
                 <c:pt idx="20">
-                  <c:v>1.9940000000000131</c:v>
+                  <c:v>1.9940000000000133</c:v>
                 </c:pt>
                 <c:pt idx="21">
                   <c:v>2.6759999999999997</c:v>
@@ -5888,7 +6097,7 @@
                   <c:v>1.127</c:v>
                 </c:pt>
                 <c:pt idx="31">
-                  <c:v>1.1619999999999875</c:v>
+                  <c:v>1.1619999999999873</c:v>
                 </c:pt>
                 <c:pt idx="32">
                   <c:v>1.175</c:v>
@@ -5903,7 +6112,7 @@
                   <c:v>2.0880000000000001</c:v>
                 </c:pt>
                 <c:pt idx="36">
-                  <c:v>1.9540000000000117</c:v>
+                  <c:v>1.9540000000000119</c:v>
                 </c:pt>
                 <c:pt idx="37">
                   <c:v>1.073</c:v>
@@ -5912,7 +6121,7 @@
                   <c:v>0.93200000000000005</c:v>
                 </c:pt>
                 <c:pt idx="39">
-                  <c:v>1.2209999999999852</c:v>
+                  <c:v>1.220999999999985</c:v>
                 </c:pt>
                 <c:pt idx="40">
                   <c:v>1.081</c:v>
@@ -5927,7 +6136,7 @@
                   <c:v>1.538</c:v>
                 </c:pt>
                 <c:pt idx="44">
-                  <c:v>1.0569999999999882</c:v>
+                  <c:v>1.0569999999999879</c:v>
                 </c:pt>
                 <c:pt idx="45">
                   <c:v>1.028</c:v>
@@ -5945,10 +6154,10 @@
                   <c:v>6.8039999999999985</c:v>
                 </c:pt>
                 <c:pt idx="50">
-                  <c:v>1.0489999999999882</c:v>
+                  <c:v>1.0489999999999879</c:v>
                 </c:pt>
                 <c:pt idx="51">
-                  <c:v>1.4489999999999852</c:v>
+                  <c:v>1.448999999999985</c:v>
                 </c:pt>
                 <c:pt idx="52">
                   <c:v>0.91600000000000004</c:v>
@@ -5978,7 +6187,7 @@
                   <c:v>1.599</c:v>
                 </c:pt>
                 <c:pt idx="61">
-                  <c:v>1.5629999999999882</c:v>
+                  <c:v>1.562999999999988</c:v>
                 </c:pt>
                 <c:pt idx="62">
                   <c:v>0.99199999999999999</c:v>
@@ -5990,11 +6199,11 @@
             </c:numRef>
           </c:yVal>
         </c:ser>
-        <c:axId val="61205120"/>
-        <c:axId val="60818176"/>
+        <c:axId val="61302656"/>
+        <c:axId val="61304832"/>
       </c:scatterChart>
       <c:valAx>
-        <c:axId val="61205120"/>
+        <c:axId val="61302656"/>
         <c:scaling>
           <c:orientation val="minMax"/>
         </c:scaling>
@@ -6032,13 +6241,13 @@
             <a:endParaRPr lang="es-ES"/>
           </a:p>
         </c:txPr>
-        <c:crossAx val="60818176"/>
+        <c:crossAx val="61304832"/>
         <c:crosses val="autoZero"/>
         <c:crossBetween val="midCat"/>
         <c:majorUnit val="5"/>
       </c:valAx>
       <c:valAx>
-        <c:axId val="60818176"/>
+        <c:axId val="61304832"/>
         <c:scaling>
           <c:orientation val="minMax"/>
         </c:scaling>
@@ -6084,7 +6293,7 @@
             <a:endParaRPr lang="es-ES"/>
           </a:p>
         </c:txPr>
-        <c:crossAx val="61205120"/>
+        <c:crossAx val="61302656"/>
         <c:crosses val="autoZero"/>
         <c:crossBetween val="midCat"/>
       </c:valAx>
@@ -6097,7 +6306,7 @@
           <c:yMode val="edge"/>
           <c:x val="0.74133589770230268"/>
           <c:y val="0.71233526043915962"/>
-          <c:w val="0.24201434347572656"/>
+          <c:w val="0.24201434347572662"/>
           <c:h val="0.16317756172635517"/>
         </c:manualLayout>
       </c:layout>
@@ -6106,7 +6315,9 @@
         <a:lstStyle/>
         <a:p>
           <a:pPr>
-            <a:defRPr lang="es-AR"/>
+            <a:defRPr lang="es-AR" sz="1400">
+              <a:latin typeface="+mj-lt"/>
+            </a:defRPr>
           </a:pPr>
           <a:endParaRPr lang="es-ES"/>
         </a:p>
@@ -6133,7 +6344,7 @@
           <c:x val="0.10048349150099888"/>
           <c:y val="4.1238940589567646E-2"/>
           <c:w val="0.87042860499284569"/>
-          <c:h val="0.75935138208448971"/>
+          <c:h val="0.75935138208448982"/>
         </c:manualLayout>
       </c:layout>
       <c:scatterChart>
@@ -6177,13 +6388,13 @@
                   <c:v>1.87</c:v>
                 </c:pt>
                 <c:pt idx="7">
-                  <c:v>1.9500000000000117</c:v>
+                  <c:v>1.9500000000000119</c:v>
                 </c:pt>
                 <c:pt idx="8">
                   <c:v>2.4899999999999998</c:v>
                 </c:pt>
                 <c:pt idx="9">
-                  <c:v>1.6800000000000117</c:v>
+                  <c:v>1.6800000000000119</c:v>
                 </c:pt>
                 <c:pt idx="10">
                   <c:v>2.98</c:v>
@@ -6201,7 +6412,7 @@
                   <c:v>3.3099999999999987</c:v>
                 </c:pt>
                 <c:pt idx="15">
-                  <c:v>1.9500000000000117</c:v>
+                  <c:v>1.9500000000000119</c:v>
                 </c:pt>
                 <c:pt idx="16">
                   <c:v>1.4</c:v>
@@ -6231,7 +6442,7 @@
                   <c:v>1.45</c:v>
                 </c:pt>
                 <c:pt idx="25">
-                  <c:v>1.9900000000000131</c:v>
+                  <c:v>1.9900000000000133</c:v>
                 </c:pt>
                 <c:pt idx="26">
                   <c:v>3</c:v>
@@ -6273,7 +6484,7 @@
                   <c:v>2.04</c:v>
                 </c:pt>
                 <c:pt idx="39">
-                  <c:v>1.9600000000000117</c:v>
+                  <c:v>1.960000000000012</c:v>
                 </c:pt>
                 <c:pt idx="40">
                   <c:v>3.09</c:v>
@@ -6357,7 +6568,7 @@
                 <c:formatCode>General</c:formatCode>
                 <c:ptCount val="64"/>
                 <c:pt idx="0">
-                  <c:v>1.2189999999999852</c:v>
+                  <c:v>1.218999999999985</c:v>
                 </c:pt>
                 <c:pt idx="1">
                   <c:v>2.4379999999999997</c:v>
@@ -6369,19 +6580,19 @@
                   <c:v>1.829</c:v>
                 </c:pt>
                 <c:pt idx="4">
-                  <c:v>1.2189999999999852</c:v>
+                  <c:v>1.218999999999985</c:v>
                 </c:pt>
                 <c:pt idx="5">
-                  <c:v>1.2189999999999852</c:v>
+                  <c:v>1.218999999999985</c:v>
                 </c:pt>
                 <c:pt idx="6">
-                  <c:v>1.2189999999999852</c:v>
+                  <c:v>1.218999999999985</c:v>
                 </c:pt>
                 <c:pt idx="7">
                   <c:v>2.4379999999999997</c:v>
                 </c:pt>
                 <c:pt idx="8">
-                  <c:v>1.2189999999999852</c:v>
+                  <c:v>1.218999999999985</c:v>
                 </c:pt>
                 <c:pt idx="9">
                   <c:v>0.61000000000000065</c:v>
@@ -6390,22 +6601,22 @@
                   <c:v>3.048</c:v>
                 </c:pt>
                 <c:pt idx="11">
-                  <c:v>1.2189999999999852</c:v>
+                  <c:v>1.218999999999985</c:v>
                 </c:pt>
                 <c:pt idx="12">
                   <c:v>0.61000000000000065</c:v>
                 </c:pt>
                 <c:pt idx="13">
-                  <c:v>1.2189999999999852</c:v>
+                  <c:v>1.218999999999985</c:v>
                 </c:pt>
                 <c:pt idx="14">
                   <c:v>2.4379999999999997</c:v>
                 </c:pt>
                 <c:pt idx="15">
-                  <c:v>1.2189999999999852</c:v>
+                  <c:v>1.218999999999985</c:v>
                 </c:pt>
                 <c:pt idx="16">
-                  <c:v>1.2189999999999852</c:v>
+                  <c:v>1.218999999999985</c:v>
                 </c:pt>
                 <c:pt idx="17">
                   <c:v>0.61000000000000065</c:v>
@@ -6423,7 +6634,7 @@
                   <c:v>3.048</c:v>
                 </c:pt>
                 <c:pt idx="22">
-                  <c:v>1.2189999999999852</c:v>
+                  <c:v>1.218999999999985</c:v>
                 </c:pt>
                 <c:pt idx="23">
                   <c:v>1.829</c:v>
@@ -6447,34 +6658,34 @@
                   <c:v>0.61000000000000065</c:v>
                 </c:pt>
                 <c:pt idx="30">
-                  <c:v>1.2189999999999852</c:v>
+                  <c:v>1.218999999999985</c:v>
                 </c:pt>
                 <c:pt idx="31">
-                  <c:v>1.2189999999999852</c:v>
+                  <c:v>1.218999999999985</c:v>
                 </c:pt>
                 <c:pt idx="32">
-                  <c:v>1.2189999999999852</c:v>
+                  <c:v>1.218999999999985</c:v>
                 </c:pt>
                 <c:pt idx="33">
-                  <c:v>1.2189999999999852</c:v>
+                  <c:v>1.218999999999985</c:v>
                 </c:pt>
                 <c:pt idx="34">
-                  <c:v>1.2189999999999852</c:v>
+                  <c:v>1.218999999999985</c:v>
                 </c:pt>
                 <c:pt idx="35">
                   <c:v>3.048</c:v>
                 </c:pt>
                 <c:pt idx="36">
-                  <c:v>1.2189999999999852</c:v>
+                  <c:v>1.218999999999985</c:v>
                 </c:pt>
                 <c:pt idx="37">
                   <c:v>0.61000000000000065</c:v>
                 </c:pt>
                 <c:pt idx="38">
-                  <c:v>1.2189999999999852</c:v>
+                  <c:v>1.218999999999985</c:v>
                 </c:pt>
                 <c:pt idx="39">
-                  <c:v>1.2189999999999852</c:v>
+                  <c:v>1.218999999999985</c:v>
                 </c:pt>
                 <c:pt idx="40">
                   <c:v>2.4379999999999997</c:v>
@@ -6489,7 +6700,7 @@
                   <c:v>0.61000000000000065</c:v>
                 </c:pt>
                 <c:pt idx="44">
-                  <c:v>1.2189999999999852</c:v>
+                  <c:v>1.218999999999985</c:v>
                 </c:pt>
                 <c:pt idx="45">
                   <c:v>4.8769999999999998</c:v>
@@ -6498,34 +6709,34 @@
                   <c:v>0.61000000000000065</c:v>
                 </c:pt>
                 <c:pt idx="47">
-                  <c:v>1.2189999999999852</c:v>
+                  <c:v>1.218999999999985</c:v>
                 </c:pt>
                 <c:pt idx="48">
                   <c:v>7.3149999999999755</c:v>
                 </c:pt>
                 <c:pt idx="49">
-                  <c:v>1.2189999999999852</c:v>
+                  <c:v>1.218999999999985</c:v>
                 </c:pt>
                 <c:pt idx="50">
-                  <c:v>1.2189999999999852</c:v>
+                  <c:v>1.218999999999985</c:v>
                 </c:pt>
                 <c:pt idx="51">
                   <c:v>0.61000000000000065</c:v>
                 </c:pt>
                 <c:pt idx="52">
-                  <c:v>1.2189999999999852</c:v>
+                  <c:v>1.218999999999985</c:v>
                 </c:pt>
                 <c:pt idx="53">
-                  <c:v>1.2189999999999852</c:v>
+                  <c:v>1.218999999999985</c:v>
                 </c:pt>
                 <c:pt idx="54">
-                  <c:v>1.2189999999999852</c:v>
+                  <c:v>1.218999999999985</c:v>
                 </c:pt>
                 <c:pt idx="55">
                   <c:v>2.4379999999999997</c:v>
                 </c:pt>
                 <c:pt idx="56">
-                  <c:v>1.2189999999999852</c:v>
+                  <c:v>1.218999999999985</c:v>
                 </c:pt>
                 <c:pt idx="57">
                   <c:v>4.8769999999999998</c:v>
@@ -6537,7 +6748,7 @@
                   <c:v>2.4379999999999997</c:v>
                 </c:pt>
                 <c:pt idx="60">
-                  <c:v>1.2189999999999852</c:v>
+                  <c:v>1.218999999999985</c:v>
                 </c:pt>
                 <c:pt idx="61">
                   <c:v>0.61000000000000065</c:v>
@@ -6546,7 +6757,7 @@
                   <c:v>3.048</c:v>
                 </c:pt>
                 <c:pt idx="63">
-                  <c:v>1.2189999999999852</c:v>
+                  <c:v>1.218999999999985</c:v>
                 </c:pt>
               </c:numCache>
             </c:numRef>
@@ -6653,11 +6864,11 @@
             </c:numRef>
           </c:yVal>
         </c:ser>
-        <c:axId val="60852096"/>
-        <c:axId val="60862464"/>
+        <c:axId val="61330560"/>
+        <c:axId val="61332480"/>
       </c:scatterChart>
       <c:valAx>
-        <c:axId val="60852096"/>
+        <c:axId val="61330560"/>
         <c:scaling>
           <c:orientation val="minMax"/>
           <c:max val="8"/>
@@ -6711,13 +6922,13 @@
             <a:endParaRPr lang="es-ES"/>
           </a:p>
         </c:txPr>
-        <c:crossAx val="60862464"/>
+        <c:crossAx val="61332480"/>
         <c:crosses val="autoZero"/>
         <c:crossBetween val="midCat"/>
         <c:majorUnit val="2"/>
       </c:valAx>
       <c:valAx>
-        <c:axId val="60862464"/>
+        <c:axId val="61332480"/>
         <c:scaling>
           <c:orientation val="minMax"/>
         </c:scaling>
@@ -6768,7 +6979,7 @@
             <a:endParaRPr lang="es-ES"/>
           </a:p>
         </c:txPr>
-        <c:crossAx val="60852096"/>
+        <c:crossAx val="61330560"/>
         <c:crosses val="autoZero"/>
         <c:crossBetween val="midCat"/>
       </c:valAx>
@@ -6777,148 +6988,6 @@
   </c:chart>
   <c:externalData r:id="rId1"/>
 </c:chartSpace>
-</file>
-
-<file path=ppt/drawings/drawing1.xml><?xml version="1.0" encoding="utf-8"?>
-<c:userShapes xmlns:c="http://schemas.openxmlformats.org/drawingml/2006/chart">
-  <cdr:relSizeAnchor xmlns:cdr="http://schemas.openxmlformats.org/drawingml/2006/chartDrawing">
-    <cdr:from>
-      <cdr:x>0.85768</cdr:x>
-      <cdr:y>0.57292</cdr:y>
-    </cdr:from>
-    <cdr:to>
-      <cdr:x>0.97701</cdr:x>
-      <cdr:y>0.67709</cdr:y>
-    </cdr:to>
-    <cdr:sp macro="" textlink="">
-      <cdr:nvSpPr>
-        <cdr:cNvPr id="2" name="1 CuadroTexto"/>
-        <cdr:cNvSpPr txBox="1"/>
-      </cdr:nvSpPr>
-      <cdr:spPr>
-        <a:xfrm xmlns:a="http://schemas.openxmlformats.org/drawingml/2006/main">
-          <a:off x="6572296" y="1571636"/>
-          <a:ext cx="914400" cy="285752"/>
-        </a:xfrm>
-        <a:prstGeom xmlns:a="http://schemas.openxmlformats.org/drawingml/2006/main" prst="rect">
-          <a:avLst/>
-        </a:prstGeom>
-        <a:solidFill xmlns:a="http://schemas.openxmlformats.org/drawingml/2006/main">
-          <a:schemeClr val="bg1"/>
-        </a:solidFill>
-      </cdr:spPr>
-      <cdr:txBody>
-        <a:bodyPr xmlns:a="http://schemas.openxmlformats.org/drawingml/2006/main" wrap="none" rtlCol="0"/>
-        <a:lstStyle xmlns:a="http://schemas.openxmlformats.org/drawingml/2006/main"/>
-        <a:p xmlns:a="http://schemas.openxmlformats.org/drawingml/2006/main">
-          <a:r>
-            <a:rPr lang="es-US" sz="1600" dirty="0" smtClean="0">
-              <a:latin typeface="+mj-lt"/>
-            </a:rPr>
-            <a:t>Por defecto</a:t>
-          </a:r>
-          <a:endParaRPr lang="es-ES" sz="1600" dirty="0">
-            <a:latin typeface="+mj-lt"/>
-          </a:endParaRPr>
-        </a:p>
-      </cdr:txBody>
-    </cdr:sp>
-  </cdr:relSizeAnchor>
-</c:userShapes>
-</file>
-
-<file path=ppt/drawings/drawing2.xml><?xml version="1.0" encoding="utf-8"?>
-<c:userShapes xmlns:c="http://schemas.openxmlformats.org/drawingml/2006/chart">
-  <cdr:relSizeAnchor xmlns:cdr="http://schemas.openxmlformats.org/drawingml/2006/chartDrawing">
-    <cdr:from>
-      <cdr:x>0.8785</cdr:x>
-      <cdr:y>0.54688</cdr:y>
-    </cdr:from>
-    <cdr:to>
-      <cdr:x>0.99813</cdr:x>
-      <cdr:y>0.65105</cdr:y>
-    </cdr:to>
-    <cdr:sp macro="" textlink="">
-      <cdr:nvSpPr>
-        <cdr:cNvPr id="2" name="1 CuadroTexto"/>
-        <cdr:cNvSpPr txBox="1"/>
-      </cdr:nvSpPr>
-      <cdr:spPr>
-        <a:xfrm xmlns:a="http://schemas.openxmlformats.org/drawingml/2006/main">
-          <a:off x="6715172" y="1500198"/>
-          <a:ext cx="914400" cy="285752"/>
-        </a:xfrm>
-        <a:prstGeom xmlns:a="http://schemas.openxmlformats.org/drawingml/2006/main" prst="rect">
-          <a:avLst/>
-        </a:prstGeom>
-        <a:solidFill xmlns:a="http://schemas.openxmlformats.org/drawingml/2006/main">
-          <a:sysClr val="window" lastClr="FFFFFF"/>
-        </a:solidFill>
-      </cdr:spPr>
-      <cdr:txBody>
-        <a:bodyPr xmlns:a="http://schemas.openxmlformats.org/drawingml/2006/main" wrap="none" rtlCol="0"/>
-        <a:lstStyle xmlns:a="http://schemas.openxmlformats.org/drawingml/2006/main">
-          <a:lvl1pPr marL="0" indent="0">
-            <a:defRPr sz="1100">
-              <a:latin typeface="Constantia"/>
-            </a:defRPr>
-          </a:lvl1pPr>
-          <a:lvl2pPr marL="457200" indent="0">
-            <a:defRPr sz="1100">
-              <a:latin typeface="Constantia"/>
-            </a:defRPr>
-          </a:lvl2pPr>
-          <a:lvl3pPr marL="914400" indent="0">
-            <a:defRPr sz="1100">
-              <a:latin typeface="Constantia"/>
-            </a:defRPr>
-          </a:lvl3pPr>
-          <a:lvl4pPr marL="1371600" indent="0">
-            <a:defRPr sz="1100">
-              <a:latin typeface="Constantia"/>
-            </a:defRPr>
-          </a:lvl4pPr>
-          <a:lvl5pPr marL="1828800" indent="0">
-            <a:defRPr sz="1100">
-              <a:latin typeface="Constantia"/>
-            </a:defRPr>
-          </a:lvl5pPr>
-          <a:lvl6pPr marL="2286000" indent="0">
-            <a:defRPr sz="1100">
-              <a:latin typeface="Constantia"/>
-            </a:defRPr>
-          </a:lvl6pPr>
-          <a:lvl7pPr marL="2743200" indent="0">
-            <a:defRPr sz="1100">
-              <a:latin typeface="Constantia"/>
-            </a:defRPr>
-          </a:lvl7pPr>
-          <a:lvl8pPr marL="3200400" indent="0">
-            <a:defRPr sz="1100">
-              <a:latin typeface="Constantia"/>
-            </a:defRPr>
-          </a:lvl8pPr>
-          <a:lvl9pPr marL="3657600" indent="0">
-            <a:defRPr sz="1100">
-              <a:latin typeface="Constantia"/>
-            </a:defRPr>
-          </a:lvl9pPr>
-        </a:lstStyle>
-        <a:p xmlns:a="http://schemas.openxmlformats.org/drawingml/2006/main">
-          <a:r>
-            <a:rPr lang="es-US" sz="1600" dirty="0" smtClean="0">
-              <a:latin typeface="Calibri"/>
-            </a:rPr>
-            <a:t>Por defecto</a:t>
-          </a:r>
-          <a:endParaRPr lang="es-ES" sz="1600" dirty="0">
-            <a:latin typeface="Calibri"/>
-          </a:endParaRPr>
-        </a:p>
-      </cdr:txBody>
-    </cdr:sp>
-  </cdr:relSizeAnchor>
-</c:userShapes>
 </file>
 
 <file path=ppt/notesMasters/notesMaster1.xml><?xml version="1.0" encoding="utf-8"?>
@@ -13984,6 +14053,39 @@
           <a:chExt cx="0" cy="0"/>
         </a:xfrm>
       </p:grpSpPr>
+      <p:pic>
+        <p:nvPicPr>
+          <p:cNvPr id="31747" name="Picture 3"/>
+          <p:cNvPicPr>
+            <a:picLocks noChangeAspect="1" noChangeArrowheads="1"/>
+          </p:cNvPicPr>
+          <p:nvPr/>
+        </p:nvPicPr>
+        <p:blipFill>
+          <a:blip r:embed="rId2"/>
+          <a:srcRect/>
+          <a:stretch>
+            <a:fillRect/>
+          </a:stretch>
+        </p:blipFill>
+        <p:spPr bwMode="auto">
+          <a:xfrm>
+            <a:off x="1928794" y="2500306"/>
+            <a:ext cx="5229225" cy="4086225"/>
+          </a:xfrm>
+          <a:prstGeom prst="rect">
+            <a:avLst/>
+          </a:prstGeom>
+          <a:noFill/>
+          <a:ln w="9525">
+            <a:noFill/>
+            <a:miter lim="800000"/>
+            <a:headEnd/>
+            <a:tailEnd/>
+          </a:ln>
+          <a:effectLst/>
+        </p:spPr>
+      </p:pic>
       <p:sp>
         <p:nvSpPr>
           <p:cNvPr id="2" name="1 Título"/>
@@ -14048,7 +14150,7 @@
           <p:nvPr/>
         </p:nvPicPr>
         <p:blipFill>
-          <a:blip r:embed="rId2" cstate="print"/>
+          <a:blip r:embed="rId3" cstate="print"/>
           <a:srcRect/>
           <a:stretch>
             <a:fillRect/>
@@ -14081,7 +14183,7 @@
           <p:nvPr/>
         </p:nvPicPr>
         <p:blipFill>
-          <a:blip r:embed="rId3" cstate="print"/>
+          <a:blip r:embed="rId4" cstate="print"/>
           <a:srcRect/>
           <a:stretch>
             <a:fillRect/>
@@ -14091,39 +14193,6 @@
           <a:xfrm>
             <a:off x="695098" y="2500306"/>
             <a:ext cx="2266950" cy="4086225"/>
-          </a:xfrm>
-          <a:prstGeom prst="rect">
-            <a:avLst/>
-          </a:prstGeom>
-          <a:noFill/>
-          <a:ln w="9525">
-            <a:noFill/>
-            <a:miter lim="800000"/>
-            <a:headEnd/>
-            <a:tailEnd/>
-          </a:ln>
-          <a:effectLst/>
-        </p:spPr>
-      </p:pic>
-      <p:pic>
-        <p:nvPicPr>
-          <p:cNvPr id="55311" name="Picture 15"/>
-          <p:cNvPicPr>
-            <a:picLocks noChangeAspect="1" noChangeArrowheads="1"/>
-          </p:cNvPicPr>
-          <p:nvPr/>
-        </p:nvPicPr>
-        <p:blipFill>
-          <a:blip r:embed="rId4" cstate="print"/>
-          <a:srcRect/>
-          <a:stretch>
-            <a:fillRect/>
-          </a:stretch>
-        </p:blipFill>
-        <p:spPr bwMode="auto">
-          <a:xfrm>
-            <a:off x="1914543" y="2500306"/>
-            <a:ext cx="5229225" cy="4086225"/>
           </a:xfrm>
           <a:prstGeom prst="rect">
             <a:avLst/>
@@ -14291,9 +14360,6 @@
                     <p:cTn id="3" fill="hold">
                       <p:stCondLst>
                         <p:cond delay="indefinite"/>
-                        <p:cond evt="onBegin" delay="0">
-                          <p:tn val="2"/>
-                        </p:cond>
                       </p:stCondLst>
                       <p:childTnLst>
                         <p:par>
@@ -14303,68 +14369,23 @@
                             </p:stCondLst>
                             <p:childTnLst>
                               <p:par>
-                                <p:cTn id="5" presetID="1" presetClass="entr" presetSubtype="0" fill="hold" nodeType="withEffect">
+                                <p:cTn id="5" presetID="63" presetClass="path" presetSubtype="0" accel="50000" decel="50000" fill="hold" nodeType="clickEffect">
                                   <p:stCondLst>
                                     <p:cond delay="0"/>
                                   </p:stCondLst>
                                   <p:childTnLst>
-                                    <p:set>
+                                    <p:animMotion origin="layout" path="M 5E-6 0.00347 L 0.13698 -0.00162 " pathEditMode="relative" rAng="0" ptsTypes="AA">
                                       <p:cBhvr>
-                                        <p:cTn id="6" dur="1" fill="hold">
-                                          <p:stCondLst>
-                                            <p:cond delay="0"/>
-                                          </p:stCondLst>
-                                        </p:cTn>
+                                        <p:cTn id="6" dur="1000" fill="hold"/>
                                         <p:tgtEl>
-                                          <p:spTgt spid="55311"/>
-                                        </p:tgtEl>
-                                        <p:attrNameLst>
-                                          <p:attrName>style.visibility</p:attrName>
-                                        </p:attrNameLst>
-                                      </p:cBhvr>
-                                      <p:to>
-                                        <p:strVal val="visible"/>
-                                      </p:to>
-                                    </p:set>
-                                  </p:childTnLst>
-                                </p:cTn>
-                              </p:par>
-                            </p:childTnLst>
-                          </p:cTn>
-                        </p:par>
-                      </p:childTnLst>
-                    </p:cTn>
-                  </p:par>
-                  <p:par>
-                    <p:cTn id="7" fill="hold">
-                      <p:stCondLst>
-                        <p:cond delay="indefinite"/>
-                      </p:stCondLst>
-                      <p:childTnLst>
-                        <p:par>
-                          <p:cTn id="8" fill="hold">
-                            <p:stCondLst>
-                              <p:cond delay="0"/>
-                            </p:stCondLst>
-                            <p:childTnLst>
-                              <p:par>
-                                <p:cTn id="9" presetID="63" presetClass="path" presetSubtype="0" accel="50000" decel="50000" fill="hold" nodeType="clickEffect">
-                                  <p:stCondLst>
-                                    <p:cond delay="0"/>
-                                  </p:stCondLst>
-                                  <p:childTnLst>
-                                    <p:animMotion origin="layout" path="M 0 -1.1913E-6 L 0.13385 -1.1913E-6 " pathEditMode="relative" rAng="0" ptsTypes="AA">
-                                      <p:cBhvr>
-                                        <p:cTn id="10" dur="500" fill="hold"/>
-                                        <p:tgtEl>
-                                          <p:spTgt spid="55311"/>
+                                          <p:spTgt spid="31747"/>
                                         </p:tgtEl>
                                         <p:attrNameLst>
                                           <p:attrName>ppt_x</p:attrName>
                                           <p:attrName>ppt_y</p:attrName>
                                         </p:attrNameLst>
                                       </p:cBhvr>
-                                      <p:rCtr x="67" y="0"/>
+                                      <p:rCtr x="68" y="-3"/>
                                     </p:animMotion>
                                   </p:childTnLst>
                                 </p:cTn>
@@ -14373,20 +14394,20 @@
                           </p:cTn>
                         </p:par>
                         <p:par>
-                          <p:cTn id="11" fill="hold">
+                          <p:cTn id="7" fill="hold">
                             <p:stCondLst>
-                              <p:cond delay="500"/>
+                              <p:cond delay="1000"/>
                             </p:stCondLst>
                             <p:childTnLst>
                               <p:par>
-                                <p:cTn id="12" presetID="1" presetClass="entr" presetSubtype="0" fill="hold" nodeType="afterEffect">
+                                <p:cTn id="8" presetID="1" presetClass="entr" presetSubtype="0" fill="hold" nodeType="afterEffect">
                                   <p:stCondLst>
                                     <p:cond delay="0"/>
                                   </p:stCondLst>
                                   <p:childTnLst>
                                     <p:set>
                                       <p:cBhvr>
-                                        <p:cTn id="13" dur="1" fill="hold">
+                                        <p:cTn id="9" dur="1" fill="hold">
                                           <p:stCondLst>
                                             <p:cond delay="0"/>
                                           </p:stCondLst>
@@ -14409,20 +14430,20 @@
                           </p:cTn>
                         </p:par>
                         <p:par>
-                          <p:cTn id="14" fill="hold">
+                          <p:cTn id="10" fill="hold">
                             <p:stCondLst>
-                              <p:cond delay="500"/>
+                              <p:cond delay="1000"/>
                             </p:stCondLst>
                             <p:childTnLst>
                               <p:par>
-                                <p:cTn id="15" presetID="1" presetClass="entr" presetSubtype="0" fill="hold" nodeType="afterEffect">
+                                <p:cTn id="11" presetID="1" presetClass="entr" presetSubtype="0" fill="hold" nodeType="afterEffect">
                                   <p:stCondLst>
                                     <p:cond delay="0"/>
                                   </p:stCondLst>
                                   <p:childTnLst>
                                     <p:set>
                                       <p:cBhvr>
-                                        <p:cTn id="16" dur="1" fill="hold">
+                                        <p:cTn id="12" dur="1" fill="hold">
                                           <p:stCondLst>
                                             <p:cond delay="0"/>
                                           </p:stCondLst>
@@ -14448,19 +14469,73 @@
                     </p:cTn>
                   </p:par>
                   <p:par>
-                    <p:cTn id="17" fill="hold">
+                    <p:cTn id="13" fill="hold">
                       <p:stCondLst>
                         <p:cond delay="indefinite"/>
                       </p:stCondLst>
                       <p:childTnLst>
                         <p:par>
-                          <p:cTn id="18" fill="hold">
+                          <p:cTn id="14" fill="hold">
                             <p:stCondLst>
                               <p:cond delay="0"/>
                             </p:stCondLst>
                             <p:childTnLst>
                               <p:par>
-                                <p:cTn id="19" presetID="1" presetClass="entr" presetSubtype="0" fill="hold" nodeType="clickEffect">
+                                <p:cTn id="15" presetID="1" presetClass="entr" presetSubtype="0" fill="hold" nodeType="clickEffect">
+                                  <p:stCondLst>
+                                    <p:cond delay="0"/>
+                                  </p:stCondLst>
+                                  <p:childTnLst>
+                                    <p:set>
+                                      <p:cBhvr>
+                                        <p:cTn id="16" dur="1" fill="hold">
+                                          <p:stCondLst>
+                                            <p:cond delay="0"/>
+                                          </p:stCondLst>
+                                        </p:cTn>
+                                        <p:tgtEl>
+                                          <p:spTgt spid="32"/>
+                                        </p:tgtEl>
+                                        <p:attrNameLst>
+                                          <p:attrName>style.visibility</p:attrName>
+                                        </p:attrNameLst>
+                                      </p:cBhvr>
+                                      <p:to>
+                                        <p:strVal val="visible"/>
+                                      </p:to>
+                                    </p:set>
+                                  </p:childTnLst>
+                                </p:cTn>
+                              </p:par>
+                              <p:par>
+                                <p:cTn id="17" presetID="1" presetClass="entr" presetSubtype="0" fill="hold" nodeType="withEffect">
+                                  <p:stCondLst>
+                                    <p:cond delay="0"/>
+                                  </p:stCondLst>
+                                  <p:childTnLst>
+                                    <p:set>
+                                      <p:cBhvr>
+                                        <p:cTn id="18" dur="1" fill="hold">
+                                          <p:stCondLst>
+                                            <p:cond delay="0"/>
+                                          </p:stCondLst>
+                                        </p:cTn>
+                                        <p:tgtEl>
+                                          <p:spTgt spid="33"/>
+                                        </p:tgtEl>
+                                        <p:attrNameLst>
+                                          <p:attrName>style.visibility</p:attrName>
+                                        </p:attrNameLst>
+                                      </p:cBhvr>
+                                      <p:to>
+                                        <p:strVal val="visible"/>
+                                      </p:to>
+                                    </p:set>
+                                  </p:childTnLst>
+                                </p:cTn>
+                              </p:par>
+                              <p:par>
+                                <p:cTn id="19" presetID="1" presetClass="entr" presetSubtype="0" fill="hold" nodeType="withEffect">
                                   <p:stCondLst>
                                     <p:cond delay="0"/>
                                   </p:stCondLst>
@@ -14473,7 +14548,7 @@
                                           </p:stCondLst>
                                         </p:cTn>
                                         <p:tgtEl>
-                                          <p:spTgt spid="32"/>
+                                          <p:spTgt spid="34"/>
                                         </p:tgtEl>
                                         <p:attrNameLst>
                                           <p:attrName>style.visibility</p:attrName>
@@ -14495,60 +14570,6 @@
                                     <p:set>
                                       <p:cBhvr>
                                         <p:cTn id="22" dur="1" fill="hold">
-                                          <p:stCondLst>
-                                            <p:cond delay="0"/>
-                                          </p:stCondLst>
-                                        </p:cTn>
-                                        <p:tgtEl>
-                                          <p:spTgt spid="33"/>
-                                        </p:tgtEl>
-                                        <p:attrNameLst>
-                                          <p:attrName>style.visibility</p:attrName>
-                                        </p:attrNameLst>
-                                      </p:cBhvr>
-                                      <p:to>
-                                        <p:strVal val="visible"/>
-                                      </p:to>
-                                    </p:set>
-                                  </p:childTnLst>
-                                </p:cTn>
-                              </p:par>
-                              <p:par>
-                                <p:cTn id="23" presetID="1" presetClass="entr" presetSubtype="0" fill="hold" nodeType="withEffect">
-                                  <p:stCondLst>
-                                    <p:cond delay="0"/>
-                                  </p:stCondLst>
-                                  <p:childTnLst>
-                                    <p:set>
-                                      <p:cBhvr>
-                                        <p:cTn id="24" dur="1" fill="hold">
-                                          <p:stCondLst>
-                                            <p:cond delay="0"/>
-                                          </p:stCondLst>
-                                        </p:cTn>
-                                        <p:tgtEl>
-                                          <p:spTgt spid="34"/>
-                                        </p:tgtEl>
-                                        <p:attrNameLst>
-                                          <p:attrName>style.visibility</p:attrName>
-                                        </p:attrNameLst>
-                                      </p:cBhvr>
-                                      <p:to>
-                                        <p:strVal val="visible"/>
-                                      </p:to>
-                                    </p:set>
-                                  </p:childTnLst>
-                                </p:cTn>
-                              </p:par>
-                              <p:par>
-                                <p:cTn id="25" presetID="1" presetClass="entr" presetSubtype="0" fill="hold" nodeType="withEffect">
-                                  <p:stCondLst>
-                                    <p:cond delay="0"/>
-                                  </p:stCondLst>
-                                  <p:childTnLst>
-                                    <p:set>
-                                      <p:cBhvr>
-                                        <p:cTn id="26" dur="1" fill="hold">
                                           <p:stCondLst>
                                             <p:cond delay="0"/>
                                           </p:stCondLst>
@@ -17145,55 +17166,7 @@
               <a:rPr lang="es-US" dirty="0" smtClean="0">
                 <a:latin typeface="+mj-lt"/>
               </a:rPr>
-              <a:t>Modelos de </a:t>
-            </a:r>
-            <a:r>
-              <a:rPr lang="es-US" dirty="0" smtClean="0">
-                <a:latin typeface="+mj-lt"/>
-              </a:rPr>
-              <a:t>instancia</a:t>
-            </a:r>
-          </a:p>
-          <a:p>
-            <a:pPr lvl="1"/>
-            <a:endParaRPr lang="es-US" dirty="0" smtClean="0">
-              <a:latin typeface="+mj-lt"/>
-            </a:endParaRPr>
-          </a:p>
-          <a:p>
-            <a:pPr lvl="1"/>
-            <a:r>
-              <a:rPr lang="es-US" dirty="0" smtClean="0">
-                <a:latin typeface="+mj-lt"/>
-              </a:rPr>
-              <a:t>Tamaño del conjunto de entrenamiento</a:t>
-            </a:r>
-          </a:p>
-          <a:p>
-            <a:pPr lvl="2"/>
-            <a:r>
-              <a:rPr lang="es-US" dirty="0" smtClean="0">
-                <a:latin typeface="+mj-lt"/>
-              </a:rPr>
-              <a:t>Se probaron conjuntos desde 5 hasta 2400 instancias.</a:t>
-            </a:r>
-          </a:p>
-          <a:p>
-            <a:pPr lvl="2"/>
-            <a:r>
-              <a:rPr lang="es-US" dirty="0" smtClean="0">
-                <a:latin typeface="+mj-lt"/>
-              </a:rPr>
-              <a:t>Se entrenó un clasificador por cada uno.</a:t>
-            </a:r>
-          </a:p>
-          <a:p>
-            <a:pPr lvl="2"/>
-            <a:r>
-              <a:rPr lang="es-US" dirty="0" smtClean="0">
-                <a:latin typeface="+mj-lt"/>
-              </a:rPr>
-              <a:t>Se evaluó correlación y MAE de cada clasificador. </a:t>
+              <a:t>Modelos de instancia</a:t>
             </a:r>
           </a:p>
           <a:p>
@@ -17229,6 +17202,47 @@
                 <a:latin typeface="+mj-lt"/>
               </a:rPr>
               <a:t>Error absoluto promedio (MAE) [mts.]</a:t>
+            </a:r>
+          </a:p>
+          <a:p>
+            <a:endParaRPr lang="es-US" dirty="0" smtClean="0">
+              <a:latin typeface="+mj-lt"/>
+            </a:endParaRPr>
+          </a:p>
+          <a:p>
+            <a:pPr lvl="1"/>
+            <a:r>
+              <a:rPr lang="es-US" dirty="0" smtClean="0">
+                <a:latin typeface="+mj-lt"/>
+              </a:rPr>
+              <a:t>Tamaño del conjunto de entrenamiento</a:t>
+            </a:r>
+          </a:p>
+          <a:p>
+            <a:pPr lvl="2"/>
+            <a:r>
+              <a:rPr lang="es-US" dirty="0" smtClean="0">
+                <a:latin typeface="+mj-lt"/>
+              </a:rPr>
+              <a:t>Se probaron conjuntos desde 5 hasta 2400 instancias.</a:t>
+            </a:r>
+          </a:p>
+          <a:p>
+            <a:pPr lvl="2"/>
+            <a:r>
+              <a:rPr lang="es-US" dirty="0" smtClean="0">
+                <a:latin typeface="+mj-lt"/>
+              </a:rPr>
+              <a:t>Se entrenó un clasificador por cada uno.</a:t>
+            </a:r>
+          </a:p>
+          <a:p>
+            <a:pPr lvl="2"/>
+            <a:r>
+              <a:rPr lang="es-US" dirty="0" smtClean="0">
+                <a:latin typeface="+mj-lt"/>
+              </a:rPr>
+              <a:t>Se evaluó correlación y MAE de cada clasificador. </a:t>
             </a:r>
           </a:p>
           <a:p>
@@ -17337,8 +17351,8 @@
           </p:nvPr>
         </p:nvGraphicFramePr>
         <p:xfrm>
-          <a:off x="0" y="1928803"/>
-          <a:ext cx="8858280" cy="2000264"/>
+          <a:off x="0" y="1928802"/>
+          <a:ext cx="8858280" cy="2214577"/>
         </p:xfrm>
         <a:graphic>
           <a:graphicData uri="http://schemas.openxmlformats.org/drawingml/2006/chart">
@@ -17353,8 +17367,8 @@
           <p:nvPr/>
         </p:nvGraphicFramePr>
         <p:xfrm>
-          <a:off x="142844" y="3929066"/>
-          <a:ext cx="8786874" cy="2282227"/>
+          <a:off x="142844" y="4286256"/>
+          <a:ext cx="8786874" cy="2571744"/>
         </p:xfrm>
         <a:graphic>
           <a:graphicData uri="http://schemas.openxmlformats.org/drawingml/2006/chart">
@@ -17447,13 +17461,7 @@
               <a:rPr lang="es-US" dirty="0" smtClean="0">
                 <a:latin typeface="+mj-lt"/>
               </a:rPr>
-              <a:t>Olas a estudiar (Oahu - Hawái</a:t>
-            </a:r>
-            <a:r>
-              <a:rPr lang="es-US" dirty="0" smtClean="0">
-                <a:latin typeface="+mj-lt"/>
-              </a:rPr>
-              <a:t>).</a:t>
+              <a:t>Olas a estudiar (Oahu - Hawái).</a:t>
             </a:r>
           </a:p>
           <a:p>
@@ -17464,9 +17472,6 @@
               </a:rPr>
               <a:t>Consideraciones generales previamente mencionadas</a:t>
             </a:r>
-            <a:endParaRPr lang="es-US" dirty="0" smtClean="0">
-              <a:latin typeface="+mj-lt"/>
-            </a:endParaRPr>
           </a:p>
           <a:p>
             <a:pPr lvl="1">
@@ -17490,17 +17495,8 @@
               <a:rPr lang="es-US" b="1" dirty="0" smtClean="0">
                 <a:latin typeface="+mj-lt"/>
               </a:rPr>
-              <a:t>la </a:t>
-            </a:r>
-            <a:r>
-              <a:rPr lang="es-US" b="1" dirty="0" smtClean="0">
-                <a:latin typeface="+mj-lt"/>
-              </a:rPr>
-              <a:t>mejor combinación:</a:t>
-            </a:r>
-            <a:endParaRPr lang="es-US" b="1" dirty="0" smtClean="0">
-              <a:latin typeface="+mj-lt"/>
-            </a:endParaRPr>
+              <a:t>la mejor combinación:</a:t>
+            </a:r>
           </a:p>
           <a:p>
             <a:pPr lvl="2"/>
@@ -17548,61 +17544,31 @@
               <a:rPr lang="en-US" dirty="0" err="1" smtClean="0">
                 <a:latin typeface="+mj-lt"/>
               </a:rPr>
-              <a:t>A</a:t>
+              <a:t>Algoritmo</a:t>
+            </a:r>
+            <a:r>
+              <a:rPr lang="en-US" dirty="0" smtClean="0">
+                <a:latin typeface="+mj-lt"/>
+              </a:rPr>
+              <a:t> de </a:t>
             </a:r>
             <a:r>
               <a:rPr lang="en-US" dirty="0" err="1" smtClean="0">
                 <a:latin typeface="+mj-lt"/>
               </a:rPr>
-              <a:t>lgoritmo</a:t>
+              <a:t>aprendizaje</a:t>
             </a:r>
             <a:r>
               <a:rPr lang="en-US" dirty="0" smtClean="0">
                 <a:latin typeface="+mj-lt"/>
               </a:rPr>
-              <a:t> </a:t>
-            </a:r>
-            <a:r>
-              <a:rPr lang="en-US" dirty="0" smtClean="0">
-                <a:latin typeface="+mj-lt"/>
-              </a:rPr>
-              <a:t>de </a:t>
+              <a:t> de </a:t>
             </a:r>
             <a:r>
               <a:rPr lang="en-US" dirty="0" err="1" smtClean="0">
                 <a:latin typeface="+mj-lt"/>
               </a:rPr>
-              <a:t>a</a:t>
-            </a:r>
-            <a:r>
-              <a:rPr lang="en-US" dirty="0" err="1" smtClean="0">
-                <a:latin typeface="+mj-lt"/>
-              </a:rPr>
-              <a:t>prendizaje</a:t>
-            </a:r>
-            <a:r>
-              <a:rPr lang="en-US" dirty="0" smtClean="0">
-                <a:latin typeface="+mj-lt"/>
-              </a:rPr>
-              <a:t> </a:t>
-            </a:r>
-            <a:r>
-              <a:rPr lang="en-US" dirty="0" smtClean="0">
-                <a:latin typeface="+mj-lt"/>
-              </a:rPr>
-              <a:t>de </a:t>
-            </a:r>
-            <a:r>
-              <a:rPr lang="en-US" dirty="0" err="1" smtClean="0">
-                <a:latin typeface="+mj-lt"/>
-              </a:rPr>
-              <a:t>m</a:t>
-            </a:r>
-            <a:r>
-              <a:rPr lang="en-US" dirty="0" err="1" smtClean="0">
-                <a:latin typeface="+mj-lt"/>
-              </a:rPr>
-              <a:t>áquina</a:t>
+              <a:t>máquina</a:t>
             </a:r>
             <a:endParaRPr lang="es-AR" dirty="0">
               <a:latin typeface="+mj-lt"/>
@@ -17860,8 +17826,8 @@
           <p:nvPr/>
         </p:nvGraphicFramePr>
         <p:xfrm>
-          <a:off x="1000100" y="1428736"/>
-          <a:ext cx="6786610" cy="2790825"/>
+          <a:off x="214282" y="1428736"/>
+          <a:ext cx="8643998" cy="2790825"/>
         </p:xfrm>
         <a:graphic>
           <a:graphicData uri="http://schemas.openxmlformats.org/drawingml/2006/chart">
@@ -17876,8 +17842,8 @@
           <p:nvPr/>
         </p:nvGraphicFramePr>
         <p:xfrm>
-          <a:off x="1071538" y="4114800"/>
-          <a:ext cx="6715172" cy="2743200"/>
+          <a:off x="285720" y="4114800"/>
+          <a:ext cx="8501122" cy="2743200"/>
         </p:xfrm>
         <a:graphic>
           <a:graphicData uri="http://schemas.openxmlformats.org/drawingml/2006/chart">
@@ -18020,7 +17986,19 @@
               <a:rPr lang="es-US" b="1" dirty="0" smtClean="0">
                 <a:latin typeface="+mj-lt"/>
               </a:rPr>
-              <a:t>Combinación óptima = [SVM/WW3Last3LecturesStrategy]</a:t>
+              <a:t>Combinación óptima = [</a:t>
+            </a:r>
+            <a:r>
+              <a:rPr lang="es-US" b="1" dirty="0" smtClean="0">
+                <a:latin typeface="+mj-lt"/>
+              </a:rPr>
+              <a:t>SVM / WW3Last3LecturesStrategy</a:t>
+            </a:r>
+            <a:r>
+              <a:rPr lang="es-US" b="1" dirty="0" smtClean="0">
+                <a:latin typeface="+mj-lt"/>
+              </a:rPr>
+              <a:t>]</a:t>
             </a:r>
           </a:p>
           <a:p>
@@ -18168,8 +18146,8 @@
           <p:nvPr/>
         </p:nvGraphicFramePr>
         <p:xfrm>
-          <a:off x="642910" y="1714488"/>
-          <a:ext cx="7662883" cy="2743200"/>
+          <a:off x="214282" y="1714488"/>
+          <a:ext cx="8643998" cy="2743200"/>
         </p:xfrm>
         <a:graphic>
           <a:graphicData uri="http://schemas.openxmlformats.org/drawingml/2006/chart">
@@ -18184,8 +18162,8 @@
           <p:nvPr/>
         </p:nvGraphicFramePr>
         <p:xfrm>
-          <a:off x="642910" y="4357694"/>
-          <a:ext cx="7643866" cy="2743200"/>
+          <a:off x="214282" y="4114800"/>
+          <a:ext cx="8643998" cy="2743200"/>
         </p:xfrm>
         <a:graphic>
           <a:graphicData uri="http://schemas.openxmlformats.org/drawingml/2006/chart">
@@ -18282,7 +18260,7 @@
         </p:nvGraphicFramePr>
         <p:xfrm>
           <a:off x="857224" y="3214686"/>
-          <a:ext cx="3786214" cy="1229360"/>
+          <a:ext cx="3786214" cy="1129829"/>
         </p:xfrm>
         <a:graphic>
           <a:graphicData uri="http://schemas.openxmlformats.org/drawingml/2006/table">
@@ -18292,7 +18270,7 @@
                 <a:gridCol w="1920731"/>
                 <a:gridCol w="1865483"/>
               </a:tblGrid>
-              <a:tr h="285752">
+              <a:tr h="397025">
                 <a:tc>
                   <a:txBody>
                     <a:bodyPr/>
@@ -18518,7 +18496,7 @@
                   </a:tcPr>
                 </a:tc>
               </a:tr>
-              <a:tr h="285752">
+              <a:tr h="515149">
                 <a:tc>
                   <a:txBody>
                     <a:bodyPr/>
@@ -18529,23 +18507,8 @@
                           <a:spcPts val="1000"/>
                         </a:spcAft>
                       </a:pPr>
-                      <a:endParaRPr lang="es-ES" sz="1600" dirty="0" smtClean="0">
-                        <a:solidFill>
-                          <a:srgbClr val="000000"/>
-                        </a:solidFill>
-                        <a:latin typeface="Calibri"/>
-                        <a:ea typeface="Times New Roman"/>
-                        <a:cs typeface="Times New Roman"/>
-                      </a:endParaRPr>
-                    </a:p>
-                    <a:p>
-                      <a:pPr algn="ctr">
-                        <a:spcAft>
-                          <a:spcPts val="1000"/>
-                        </a:spcAft>
-                      </a:pPr>
                       <a:r>
-                        <a:rPr lang="es-ES" sz="1600" dirty="0" smtClean="0">
+                        <a:rPr lang="es-ES" sz="2400" dirty="0" smtClean="0">
                           <a:solidFill>
                             <a:srgbClr val="000000"/>
                           </a:solidFill>
@@ -18553,9 +18516,20 @@
                           <a:ea typeface="Times New Roman"/>
                           <a:cs typeface="Times New Roman"/>
                         </a:rPr>
-                        <a:t>66%</a:t>
+                        <a:t>66</a:t>
                       </a:r>
-                      <a:endParaRPr lang="es-ES" sz="1600" dirty="0">
+                      <a:r>
+                        <a:rPr lang="es-ES" sz="2400" dirty="0" smtClean="0">
+                          <a:solidFill>
+                            <a:srgbClr val="000000"/>
+                          </a:solidFill>
+                          <a:latin typeface="Calibri"/>
+                          <a:ea typeface="Times New Roman"/>
+                          <a:cs typeface="Times New Roman"/>
+                        </a:rPr>
+                        <a:t>%</a:t>
+                      </a:r>
+                      <a:endParaRPr lang="es-ES" sz="2400" dirty="0">
                         <a:latin typeface="Times New Roman"/>
                         <a:ea typeface="Times New Roman"/>
                         <a:cs typeface="Times New Roman"/>
@@ -18611,23 +18585,8 @@
                           <a:spcPts val="1000"/>
                         </a:spcAft>
                       </a:pPr>
-                      <a:endParaRPr lang="es-ES" sz="1600" dirty="0" smtClean="0">
-                        <a:solidFill>
-                          <a:srgbClr val="000000"/>
-                        </a:solidFill>
-                        <a:latin typeface="Calibri"/>
-                        <a:ea typeface="Times New Roman"/>
-                        <a:cs typeface="Times New Roman"/>
-                      </a:endParaRPr>
-                    </a:p>
-                    <a:p>
-                      <a:pPr algn="ctr">
-                        <a:spcAft>
-                          <a:spcPts val="1000"/>
-                        </a:spcAft>
-                      </a:pPr>
                       <a:r>
-                        <a:rPr lang="es-ES" sz="1600" dirty="0" smtClean="0">
+                        <a:rPr lang="es-ES" sz="2400" dirty="0" smtClean="0">
                           <a:solidFill>
                             <a:srgbClr val="000000"/>
                           </a:solidFill>
@@ -18635,9 +18594,20 @@
                           <a:ea typeface="Times New Roman"/>
                           <a:cs typeface="Times New Roman"/>
                         </a:rPr>
-                        <a:t>82%</a:t>
+                        <a:t>82</a:t>
                       </a:r>
-                      <a:endParaRPr lang="es-ES" sz="1600" dirty="0">
+                      <a:r>
+                        <a:rPr lang="es-ES" sz="2400" dirty="0" smtClean="0">
+                          <a:solidFill>
+                            <a:srgbClr val="000000"/>
+                          </a:solidFill>
+                          <a:latin typeface="Calibri"/>
+                          <a:ea typeface="Times New Roman"/>
+                          <a:cs typeface="Times New Roman"/>
+                        </a:rPr>
+                        <a:t>%</a:t>
+                      </a:r>
+                      <a:endParaRPr lang="es-ES" sz="2400" dirty="0">
                         <a:latin typeface="Times New Roman"/>
                         <a:ea typeface="Times New Roman"/>
                         <a:cs typeface="Times New Roman"/>
@@ -18698,7 +18668,7 @@
         </p:nvGraphicFramePr>
         <p:xfrm>
           <a:off x="857224" y="4929198"/>
-          <a:ext cx="3786214" cy="1229360"/>
+          <a:ext cx="3786214" cy="980440"/>
         </p:xfrm>
         <a:graphic>
           <a:graphicData uri="http://schemas.openxmlformats.org/drawingml/2006/table">
@@ -18945,23 +18915,8 @@
                           <a:spcPts val="1000"/>
                         </a:spcAft>
                       </a:pPr>
-                      <a:endParaRPr lang="es-ES" sz="1600" dirty="0" smtClean="0">
-                        <a:solidFill>
-                          <a:srgbClr val="000000"/>
-                        </a:solidFill>
-                        <a:latin typeface="Calibri"/>
-                        <a:ea typeface="Times New Roman"/>
-                        <a:cs typeface="Times New Roman"/>
-                      </a:endParaRPr>
-                    </a:p>
-                    <a:p>
-                      <a:pPr algn="ctr">
-                        <a:spcAft>
-                          <a:spcPts val="1000"/>
-                        </a:spcAft>
-                      </a:pPr>
                       <a:r>
-                        <a:rPr lang="es-ES" sz="1600" dirty="0" smtClean="0">
+                        <a:rPr lang="es-ES" sz="2400" dirty="0" smtClean="0">
                           <a:solidFill>
                             <a:srgbClr val="000000"/>
                           </a:solidFill>
@@ -18972,7 +18927,7 @@
                         <a:t>0.96 </a:t>
                       </a:r>
                       <a:r>
-                        <a:rPr lang="es-ES" sz="1600" dirty="0">
+                        <a:rPr lang="es-ES" sz="2400" dirty="0">
                           <a:solidFill>
                             <a:srgbClr val="000000"/>
                           </a:solidFill>
@@ -18982,7 +18937,7 @@
                         </a:rPr>
                         <a:t>mts</a:t>
                       </a:r>
-                      <a:endParaRPr lang="es-ES" sz="1600" dirty="0">
+                      <a:endParaRPr lang="es-ES" sz="2400" dirty="0">
                         <a:latin typeface="Times New Roman"/>
                         <a:ea typeface="Times New Roman"/>
                         <a:cs typeface="Times New Roman"/>
@@ -19038,23 +18993,8 @@
                           <a:spcPts val="1000"/>
                         </a:spcAft>
                       </a:pPr>
-                      <a:endParaRPr lang="es-ES" sz="1600" dirty="0" smtClean="0">
-                        <a:solidFill>
-                          <a:srgbClr val="000000"/>
-                        </a:solidFill>
-                        <a:latin typeface="Calibri"/>
-                        <a:ea typeface="Times New Roman"/>
-                        <a:cs typeface="Times New Roman"/>
-                      </a:endParaRPr>
-                    </a:p>
-                    <a:p>
-                      <a:pPr algn="ctr">
-                        <a:spcAft>
-                          <a:spcPts val="1000"/>
-                        </a:spcAft>
-                      </a:pPr>
                       <a:r>
-                        <a:rPr lang="es-ES" sz="1600" dirty="0" smtClean="0">
+                        <a:rPr lang="es-ES" sz="2400" dirty="0" smtClean="0">
                           <a:solidFill>
                             <a:srgbClr val="000000"/>
                           </a:solidFill>
@@ -19064,7 +19004,7 @@
                         </a:rPr>
                         <a:t>0.61mts</a:t>
                       </a:r>
-                      <a:endParaRPr lang="es-ES" sz="1600" dirty="0">
+                      <a:endParaRPr lang="es-ES" sz="2400" dirty="0">
                         <a:latin typeface="Times New Roman"/>
                         <a:ea typeface="Times New Roman"/>
                         <a:cs typeface="Times New Roman"/>

--- a/neuralito/ArfGen/docs/Entregas/Informe Final/presentacion/maxi2.pptx
+++ b/neuralito/ArfGen/docs/Entregas/Informe Final/presentacion/maxi2.pptx
@@ -236,19 +236,19 @@
                   <c:v>0.82116824635668784</c:v>
                 </c:pt>
                 <c:pt idx="3">
-                  <c:v>0.84278473777508445</c:v>
+                  <c:v>0.84278473777508456</c:v>
                 </c:pt>
                 <c:pt idx="4">
-                  <c:v>0.84383865537211056</c:v>
+                  <c:v>0.84383865537211078</c:v>
                 </c:pt>
                 <c:pt idx="5">
                   <c:v>0.85894670929201788</c:v>
                 </c:pt>
                 <c:pt idx="6">
-                  <c:v>0.84967487574973244</c:v>
+                  <c:v>0.84967487574973255</c:v>
                 </c:pt>
                 <c:pt idx="7">
-                  <c:v>0.87199747639295055</c:v>
+                  <c:v>0.87199747639295067</c:v>
                 </c:pt>
                 <c:pt idx="8">
                   <c:v>0.87308657275405044</c:v>
@@ -257,10 +257,10 @@
                   <c:v>0.8805672244799716</c:v>
                 </c:pt>
                 <c:pt idx="10">
-                  <c:v>0.88425402324804225</c:v>
+                  <c:v>0.88425402324804236</c:v>
                 </c:pt>
                 <c:pt idx="11">
-                  <c:v>0.88378998114559393</c:v>
+                  <c:v>0.88378998114559404</c:v>
                 </c:pt>
                 <c:pt idx="12">
                   <c:v>0.88710112017025267</c:v>
@@ -269,10 +269,10 @@
                   <c:v>0.88859349505985463</c:v>
                 </c:pt>
                 <c:pt idx="14">
-                  <c:v>0.88932515639249743</c:v>
+                  <c:v>0.88932515639249765</c:v>
                 </c:pt>
                 <c:pt idx="15">
-                  <c:v>0.88979442278917065</c:v>
+                  <c:v>0.88979442278917087</c:v>
                 </c:pt>
                 <c:pt idx="16">
                   <c:v>0.89050470137757365</c:v>
@@ -377,10 +377,10 @@
                   <c:v>0.45195561849074034</c:v>
                 </c:pt>
                 <c:pt idx="1">
-                  <c:v>0.57215581949428085</c:v>
+                  <c:v>0.57215581949428096</c:v>
                 </c:pt>
                 <c:pt idx="2">
-                  <c:v>0.62450099068289699</c:v>
+                  <c:v>0.62450099068289711</c:v>
                 </c:pt>
                 <c:pt idx="3">
                   <c:v>0.66411572966000465</c:v>
@@ -389,7 +389,7 @@
                   <c:v>0.74483311690120912</c:v>
                 </c:pt>
                 <c:pt idx="5">
-                  <c:v>0.74913092370987666</c:v>
+                  <c:v>0.74913092370987677</c:v>
                 </c:pt>
                 <c:pt idx="6">
                   <c:v>0.7507812790712286</c:v>
@@ -398,7 +398,7 @@
                   <c:v>0.74615794410022251</c:v>
                 </c:pt>
                 <c:pt idx="8">
-                  <c:v>0.76473712742559274</c:v>
+                  <c:v>0.76473712742559286</c:v>
                 </c:pt>
                 <c:pt idx="9">
                   <c:v>0.78030975508297951</c:v>
@@ -413,7 +413,7 @@
                   <c:v>0.79454547384463925</c:v>
                 </c:pt>
                 <c:pt idx="13">
-                  <c:v>0.80275073868568159</c:v>
+                  <c:v>0.80275073868568181</c:v>
                 </c:pt>
                 <c:pt idx="14">
                   <c:v>0.8070254483799697</c:v>
@@ -422,10 +422,10 @@
                   <c:v>0.80758714251854524</c:v>
                 </c:pt>
                 <c:pt idx="16">
-                  <c:v>0.81189884836444304</c:v>
+                  <c:v>0.81189884836444315</c:v>
                 </c:pt>
                 <c:pt idx="17">
-                  <c:v>0.81267156633446591</c:v>
+                  <c:v>0.81267156633446602</c:v>
                 </c:pt>
                 <c:pt idx="18">
                   <c:v>0.81495442086601244</c:v>
@@ -523,43 +523,43 @@
                   <c:v>0.10918893085792125</c:v>
                 </c:pt>
                 <c:pt idx="2">
-                  <c:v>2.2061880915201604E-2</c:v>
+                  <c:v>2.2061880915201608E-2</c:v>
                 </c:pt>
                 <c:pt idx="3">
-                  <c:v>0.16744350433735927</c:v>
+                  <c:v>0.16744350433735933</c:v>
                 </c:pt>
                 <c:pt idx="4">
-                  <c:v>0.19606871899944545</c:v>
+                  <c:v>0.19606871899944547</c:v>
                 </c:pt>
                 <c:pt idx="5">
-                  <c:v>0.19883932721616679</c:v>
+                  <c:v>0.19883932721616682</c:v>
                 </c:pt>
                 <c:pt idx="6">
                   <c:v>0.21852557439483689</c:v>
                 </c:pt>
                 <c:pt idx="7">
-                  <c:v>0.18963030437506301</c:v>
+                  <c:v>0.18963030437506304</c:v>
                 </c:pt>
                 <c:pt idx="8">
-                  <c:v>0.31329234492981167</c:v>
+                  <c:v>0.31329234492981173</c:v>
                 </c:pt>
                 <c:pt idx="9">
                   <c:v>0.30854195458238609</c:v>
                 </c:pt>
                 <c:pt idx="10">
-                  <c:v>0.33996429339253076</c:v>
+                  <c:v>0.33996429339253093</c:v>
                 </c:pt>
                 <c:pt idx="11">
-                  <c:v>0.39000788763685745</c:v>
+                  <c:v>0.39000788763685756</c:v>
                 </c:pt>
                 <c:pt idx="12">
-                  <c:v>0.37452278792340643</c:v>
+                  <c:v>0.3745227879234066</c:v>
                 </c:pt>
                 <c:pt idx="13">
-                  <c:v>0.39639657365579811</c:v>
+                  <c:v>0.39639657365579822</c:v>
                 </c:pt>
                 <c:pt idx="14">
-                  <c:v>0.45661986014735323</c:v>
+                  <c:v>0.45661986014735334</c:v>
                 </c:pt>
                 <c:pt idx="15">
                   <c:v>0.48000000000000032</c:v>
@@ -664,19 +664,19 @@
                 <c:formatCode>0.00</c:formatCode>
                 <c:ptCount val="18"/>
                 <c:pt idx="0">
-                  <c:v>6.3837399085048915E-2</c:v>
+                  <c:v>6.3837399085048929E-2</c:v>
                 </c:pt>
                 <c:pt idx="1">
-                  <c:v>0.10509372944250744</c:v>
+                  <c:v>0.10509372944250747</c:v>
                 </c:pt>
                 <c:pt idx="2">
                   <c:v>0.12395822380363669</c:v>
                 </c:pt>
                 <c:pt idx="3">
-                  <c:v>0.17533238646771696</c:v>
+                  <c:v>0.17533238646771698</c:v>
                 </c:pt>
                 <c:pt idx="4">
-                  <c:v>0.18994629844945143</c:v>
+                  <c:v>0.18994629844945149</c:v>
                 </c:pt>
                 <c:pt idx="5">
                   <c:v>0.22687270194889519</c:v>
@@ -685,34 +685,34 @@
                   <c:v>0.23790997736954461</c:v>
                 </c:pt>
                 <c:pt idx="7">
-                  <c:v>0.23411148955337047</c:v>
+                  <c:v>0.23411148955337052</c:v>
                 </c:pt>
                 <c:pt idx="8">
                   <c:v>0.25778608542670911</c:v>
                 </c:pt>
                 <c:pt idx="9">
-                  <c:v>0.3105629993322766</c:v>
+                  <c:v>0.31056299933227677</c:v>
                 </c:pt>
                 <c:pt idx="10">
-                  <c:v>0.33877739342409385</c:v>
+                  <c:v>0.33877739342409391</c:v>
                 </c:pt>
                 <c:pt idx="11">
                   <c:v>0.35225259726803532</c:v>
                 </c:pt>
                 <c:pt idx="12">
-                  <c:v>0.35947445565100528</c:v>
+                  <c:v>0.35947445565100533</c:v>
                 </c:pt>
                 <c:pt idx="13">
-                  <c:v>0.39000000000000346</c:v>
+                  <c:v>0.39000000000000351</c:v>
                 </c:pt>
                 <c:pt idx="14">
-                  <c:v>0.39000000000000346</c:v>
+                  <c:v>0.39000000000000351</c:v>
                 </c:pt>
                 <c:pt idx="15">
                   <c:v>0.4</c:v>
                 </c:pt>
                 <c:pt idx="16">
-                  <c:v>0.40041490630404769</c:v>
+                  <c:v>0.40041490630404786</c:v>
                 </c:pt>
                 <c:pt idx="17">
                   <c:v>0.4</c:v>
@@ -804,7 +804,7 @@
                 <c:formatCode>General</c:formatCode>
                 <c:ptCount val="19"/>
                 <c:pt idx="0">
-                  <c:v>0.28931899175148945</c:v>
+                  <c:v>0.28931899175148956</c:v>
                 </c:pt>
                 <c:pt idx="1">
                   <c:v>0.30427205718078232</c:v>
@@ -813,46 +813,46 @@
                   <c:v>0.28833535935117605</c:v>
                 </c:pt>
                 <c:pt idx="3">
-                  <c:v>0.50673831628889132</c:v>
+                  <c:v>0.50673831628889154</c:v>
                 </c:pt>
                 <c:pt idx="4">
-                  <c:v>0.58986811562939323</c:v>
+                  <c:v>0.58986811562939334</c:v>
                 </c:pt>
                 <c:pt idx="5">
-                  <c:v>0.60174244358029283</c:v>
+                  <c:v>0.60174244358029294</c:v>
                 </c:pt>
                 <c:pt idx="6">
                   <c:v>0.62230234655114092</c:v>
                 </c:pt>
                 <c:pt idx="7">
-                  <c:v>0.64892172802500048</c:v>
+                  <c:v>0.6489217280250007</c:v>
                 </c:pt>
                 <c:pt idx="8">
                   <c:v>0.60213497372141267</c:v>
                 </c:pt>
                 <c:pt idx="9">
-                  <c:v>0.65929398719852716</c:v>
+                  <c:v>0.65929398719852739</c:v>
                 </c:pt>
                 <c:pt idx="10">
-                  <c:v>0.63740945216596634</c:v>
+                  <c:v>0.63740945216596645</c:v>
                 </c:pt>
                 <c:pt idx="11">
-                  <c:v>0.66496829605748098</c:v>
+                  <c:v>0.6649682960574812</c:v>
                 </c:pt>
                 <c:pt idx="12">
-                  <c:v>0.68587643695394185</c:v>
+                  <c:v>0.68587643695394196</c:v>
                 </c:pt>
                 <c:pt idx="13">
-                  <c:v>0.70280463859163844</c:v>
+                  <c:v>0.70280463859163855</c:v>
                 </c:pt>
                 <c:pt idx="14">
-                  <c:v>0.68555591749742506</c:v>
+                  <c:v>0.68555591749742528</c:v>
                 </c:pt>
                 <c:pt idx="15">
-                  <c:v>0.71798687616049051</c:v>
+                  <c:v>0.71798687616049073</c:v>
                 </c:pt>
                 <c:pt idx="16">
-                  <c:v>0.72902988600000906</c:v>
+                  <c:v>0.72902988600000929</c:v>
                 </c:pt>
                 <c:pt idx="17">
                   <c:v>0.73331457600000005</c:v>
@@ -865,12 +865,11 @@
           </c:yVal>
           <c:smooth val="1"/>
         </c:ser>
-        <c:dLbls/>
-        <c:axId val="54635136"/>
-        <c:axId val="60822272"/>
+        <c:axId val="62182144"/>
+        <c:axId val="62184064"/>
       </c:scatterChart>
       <c:valAx>
-        <c:axId val="54635136"/>
+        <c:axId val="62182144"/>
         <c:scaling>
           <c:orientation val="minMax"/>
           <c:max val="1000"/>
@@ -942,12 +941,12 @@
             <a:endParaRPr lang="es-ES"/>
           </a:p>
         </c:txPr>
-        <c:crossAx val="60822272"/>
+        <c:crossAx val="62184064"/>
         <c:crosses val="autoZero"/>
         <c:crossBetween val="midCat"/>
       </c:valAx>
       <c:valAx>
-        <c:axId val="60822272"/>
+        <c:axId val="62184064"/>
         <c:scaling>
           <c:orientation val="minMax"/>
           <c:min val="0"/>
@@ -990,7 +989,7 @@
             <a:endParaRPr lang="es-ES"/>
           </a:p>
         </c:txPr>
-        <c:crossAx val="54635136"/>
+        <c:crossAx val="62182144"/>
         <c:crosses val="autoZero"/>
         <c:crossBetween val="midCat"/>
         <c:minorUnit val="0.2"/>
@@ -1033,7 +1032,7 @@
           <c:x val="0.10048349150099888"/>
           <c:y val="4.1238940589567646E-2"/>
           <c:w val="0.87042860499284569"/>
-          <c:h val="0.7593513820844896"/>
+          <c:h val="0.75935138208448971"/>
         </c:manualLayout>
       </c:layout>
       <c:scatterChart>
@@ -1095,7 +1094,7 @@
                   <c:v>0.96900000000000064</c:v>
                 </c:pt>
                 <c:pt idx="13">
-                  <c:v>1.2769999999999866</c:v>
+                  <c:v>1.2769999999999864</c:v>
                 </c:pt>
                 <c:pt idx="14">
                   <c:v>3.0789999999999997</c:v>
@@ -1107,13 +1106,13 @@
                   <c:v>1.1990000000000001</c:v>
                 </c:pt>
                 <c:pt idx="17">
-                  <c:v>1.0249999999999866</c:v>
+                  <c:v>1.0249999999999864</c:v>
                 </c:pt>
                 <c:pt idx="18">
-                  <c:v>1.0409999999999877</c:v>
+                  <c:v>1.0409999999999875</c:v>
                 </c:pt>
                 <c:pt idx="19">
-                  <c:v>1.9940000000000133</c:v>
+                  <c:v>1.9940000000000135</c:v>
                 </c:pt>
                 <c:pt idx="20">
                   <c:v>2.6759999999999997</c:v>
@@ -1146,7 +1145,7 @@
                   <c:v>1.127</c:v>
                 </c:pt>
                 <c:pt idx="30">
-                  <c:v>1.1619999999999873</c:v>
+                  <c:v>1.161999999999987</c:v>
                 </c:pt>
                 <c:pt idx="31">
                   <c:v>1.175</c:v>
@@ -1161,7 +1160,7 @@
                   <c:v>2.0880000000000001</c:v>
                 </c:pt>
                 <c:pt idx="35">
-                  <c:v>1.9540000000000119</c:v>
+                  <c:v>1.9540000000000122</c:v>
                 </c:pt>
                 <c:pt idx="36">
                   <c:v>1.073</c:v>
@@ -1170,7 +1169,7 @@
                   <c:v>0.93200000000000005</c:v>
                 </c:pt>
                 <c:pt idx="38">
-                  <c:v>1.220999999999985</c:v>
+                  <c:v>1.2209999999999848</c:v>
                 </c:pt>
                 <c:pt idx="39">
                   <c:v>1.081</c:v>
@@ -1185,7 +1184,7 @@
                   <c:v>1.538</c:v>
                 </c:pt>
                 <c:pt idx="43">
-                  <c:v>1.0569999999999879</c:v>
+                  <c:v>1.0569999999999877</c:v>
                 </c:pt>
                 <c:pt idx="44">
                   <c:v>1.028</c:v>
@@ -1203,10 +1202,10 @@
                   <c:v>6.8039999999999985</c:v>
                 </c:pt>
                 <c:pt idx="49">
-                  <c:v>1.0489999999999879</c:v>
+                  <c:v>1.0489999999999877</c:v>
                 </c:pt>
                 <c:pt idx="50">
-                  <c:v>1.448999999999985</c:v>
+                  <c:v>1.4489999999999847</c:v>
                 </c:pt>
                 <c:pt idx="51">
                   <c:v>0.91600000000000004</c:v>
@@ -1236,7 +1235,7 @@
                   <c:v>1.599</c:v>
                 </c:pt>
                 <c:pt idx="60">
-                  <c:v>1.562999999999988</c:v>
+                  <c:v>1.5629999999999877</c:v>
                 </c:pt>
                 <c:pt idx="61">
                   <c:v>0.99199999999999999</c:v>
@@ -1257,7 +1256,7 @@
                 <c:formatCode>General</c:formatCode>
                 <c:ptCount val="64"/>
                 <c:pt idx="0">
-                  <c:v>1.218999999999985</c:v>
+                  <c:v>1.2189999999999848</c:v>
                 </c:pt>
                 <c:pt idx="1">
                   <c:v>2.4379999999999997</c:v>
@@ -1269,19 +1268,19 @@
                   <c:v>1.829</c:v>
                 </c:pt>
                 <c:pt idx="4">
-                  <c:v>1.218999999999985</c:v>
+                  <c:v>1.2189999999999848</c:v>
                 </c:pt>
                 <c:pt idx="5">
-                  <c:v>1.218999999999985</c:v>
+                  <c:v>1.2189999999999848</c:v>
                 </c:pt>
                 <c:pt idx="6">
-                  <c:v>1.218999999999985</c:v>
+                  <c:v>1.2189999999999848</c:v>
                 </c:pt>
                 <c:pt idx="7">
                   <c:v>2.4379999999999997</c:v>
                 </c:pt>
                 <c:pt idx="8">
-                  <c:v>1.218999999999985</c:v>
+                  <c:v>1.2189999999999848</c:v>
                 </c:pt>
                 <c:pt idx="9">
                   <c:v>0.61000000000000065</c:v>
@@ -1290,22 +1289,22 @@
                   <c:v>3.048</c:v>
                 </c:pt>
                 <c:pt idx="11">
-                  <c:v>1.218999999999985</c:v>
+                  <c:v>1.2189999999999848</c:v>
                 </c:pt>
                 <c:pt idx="12">
                   <c:v>0.61000000000000065</c:v>
                 </c:pt>
                 <c:pt idx="13">
-                  <c:v>1.218999999999985</c:v>
+                  <c:v>1.2189999999999848</c:v>
                 </c:pt>
                 <c:pt idx="14">
                   <c:v>2.4379999999999997</c:v>
                 </c:pt>
                 <c:pt idx="15">
-                  <c:v>1.218999999999985</c:v>
+                  <c:v>1.2189999999999848</c:v>
                 </c:pt>
                 <c:pt idx="16">
-                  <c:v>1.218999999999985</c:v>
+                  <c:v>1.2189999999999848</c:v>
                 </c:pt>
                 <c:pt idx="17">
                   <c:v>0.61000000000000065</c:v>
@@ -1323,7 +1322,7 @@
                   <c:v>3.048</c:v>
                 </c:pt>
                 <c:pt idx="22">
-                  <c:v>1.218999999999985</c:v>
+                  <c:v>1.2189999999999848</c:v>
                 </c:pt>
                 <c:pt idx="23">
                   <c:v>1.829</c:v>
@@ -1347,34 +1346,34 @@
                   <c:v>0.61000000000000065</c:v>
                 </c:pt>
                 <c:pt idx="30">
-                  <c:v>1.218999999999985</c:v>
+                  <c:v>1.2189999999999848</c:v>
                 </c:pt>
                 <c:pt idx="31">
-                  <c:v>1.218999999999985</c:v>
+                  <c:v>1.2189999999999848</c:v>
                 </c:pt>
                 <c:pt idx="32">
-                  <c:v>1.218999999999985</c:v>
+                  <c:v>1.2189999999999848</c:v>
                 </c:pt>
                 <c:pt idx="33">
-                  <c:v>1.218999999999985</c:v>
+                  <c:v>1.2189999999999848</c:v>
                 </c:pt>
                 <c:pt idx="34">
-                  <c:v>1.218999999999985</c:v>
+                  <c:v>1.2189999999999848</c:v>
                 </c:pt>
                 <c:pt idx="35">
                   <c:v>3.048</c:v>
                 </c:pt>
                 <c:pt idx="36">
-                  <c:v>1.218999999999985</c:v>
+                  <c:v>1.2189999999999848</c:v>
                 </c:pt>
                 <c:pt idx="37">
                   <c:v>0.61000000000000065</c:v>
                 </c:pt>
                 <c:pt idx="38">
-                  <c:v>1.218999999999985</c:v>
+                  <c:v>1.2189999999999848</c:v>
                 </c:pt>
                 <c:pt idx="39">
-                  <c:v>1.218999999999985</c:v>
+                  <c:v>1.2189999999999848</c:v>
                 </c:pt>
                 <c:pt idx="40">
                   <c:v>2.4379999999999997</c:v>
@@ -1389,7 +1388,7 @@
                   <c:v>0.61000000000000065</c:v>
                 </c:pt>
                 <c:pt idx="44">
-                  <c:v>1.218999999999985</c:v>
+                  <c:v>1.2189999999999848</c:v>
                 </c:pt>
                 <c:pt idx="45">
                   <c:v>4.8769999999999998</c:v>
@@ -1398,34 +1397,34 @@
                   <c:v>0.61000000000000065</c:v>
                 </c:pt>
                 <c:pt idx="47">
-                  <c:v>1.218999999999985</c:v>
+                  <c:v>1.2189999999999848</c:v>
                 </c:pt>
                 <c:pt idx="48">
                   <c:v>7.3149999999999755</c:v>
                 </c:pt>
                 <c:pt idx="49">
-                  <c:v>1.218999999999985</c:v>
+                  <c:v>1.2189999999999848</c:v>
                 </c:pt>
                 <c:pt idx="50">
-                  <c:v>1.218999999999985</c:v>
+                  <c:v>1.2189999999999848</c:v>
                 </c:pt>
                 <c:pt idx="51">
                   <c:v>0.61000000000000065</c:v>
                 </c:pt>
                 <c:pt idx="52">
-                  <c:v>1.218999999999985</c:v>
+                  <c:v>1.2189999999999848</c:v>
                 </c:pt>
                 <c:pt idx="53">
-                  <c:v>1.218999999999985</c:v>
+                  <c:v>1.2189999999999848</c:v>
                 </c:pt>
                 <c:pt idx="54">
-                  <c:v>1.218999999999985</c:v>
+                  <c:v>1.2189999999999848</c:v>
                 </c:pt>
                 <c:pt idx="55">
                   <c:v>2.4379999999999997</c:v>
                 </c:pt>
                 <c:pt idx="56">
-                  <c:v>1.218999999999985</c:v>
+                  <c:v>1.2189999999999848</c:v>
                 </c:pt>
                 <c:pt idx="57">
                   <c:v>4.8769999999999998</c:v>
@@ -1437,7 +1436,7 @@
                   <c:v>2.4379999999999997</c:v>
                 </c:pt>
                 <c:pt idx="60">
-                  <c:v>1.218999999999985</c:v>
+                  <c:v>1.2189999999999848</c:v>
                 </c:pt>
                 <c:pt idx="61">
                   <c:v>0.61000000000000065</c:v>
@@ -1446,7 +1445,7 @@
                   <c:v>3.048</c:v>
                 </c:pt>
                 <c:pt idx="63">
-                  <c:v>1.218999999999985</c:v>
+                  <c:v>1.2189999999999848</c:v>
                 </c:pt>
               </c:numCache>
             </c:numRef>
@@ -1553,11 +1552,11 @@
             </c:numRef>
           </c:yVal>
         </c:ser>
-        <c:axId val="61418496"/>
-        <c:axId val="61441152"/>
+        <c:axId val="70992640"/>
+        <c:axId val="70994560"/>
       </c:scatterChart>
       <c:valAx>
-        <c:axId val="61418496"/>
+        <c:axId val="70992640"/>
         <c:scaling>
           <c:orientation val="minMax"/>
           <c:max val="8"/>
@@ -1602,13 +1601,13 @@
             <a:endParaRPr lang="es-ES"/>
           </a:p>
         </c:txPr>
-        <c:crossAx val="61441152"/>
+        <c:crossAx val="70994560"/>
         <c:crosses val="autoZero"/>
         <c:crossBetween val="midCat"/>
         <c:majorUnit val="2"/>
       </c:valAx>
       <c:valAx>
-        <c:axId val="61441152"/>
+        <c:axId val="70994560"/>
         <c:scaling>
           <c:orientation val="minMax"/>
         </c:scaling>
@@ -1653,7 +1652,7 @@
             <a:endParaRPr lang="es-ES"/>
           </a:p>
         </c:txPr>
-        <c:crossAx val="61418496"/>
+        <c:crossAx val="70992640"/>
         <c:crosses val="autoZero"/>
         <c:crossBetween val="midCat"/>
       </c:valAx>
@@ -1721,7 +1720,7 @@
                 <c:formatCode>0%</c:formatCode>
                 <c:ptCount val="5"/>
                 <c:pt idx="0">
-                  <c:v>0.66000000000000281</c:v>
+                  <c:v>0.66000000000000292</c:v>
                 </c:pt>
                 <c:pt idx="1">
                   <c:v>0.82000000000000062</c:v>
@@ -1807,12 +1806,12 @@
           </c:val>
         </c:ser>
         <c:shape val="box"/>
-        <c:axId val="61605760"/>
-        <c:axId val="61607296"/>
+        <c:axId val="71019904"/>
+        <c:axId val="72238208"/>
         <c:axId val="0"/>
       </c:bar3DChart>
       <c:catAx>
-        <c:axId val="61605760"/>
+        <c:axId val="71019904"/>
         <c:scaling>
           <c:orientation val="minMax"/>
         </c:scaling>
@@ -1830,14 +1829,14 @@
             <a:endParaRPr lang="es-ES"/>
           </a:p>
         </c:txPr>
-        <c:crossAx val="61607296"/>
+        <c:crossAx val="72238208"/>
         <c:crosses val="autoZero"/>
         <c:auto val="1"/>
         <c:lblAlgn val="ctr"/>
         <c:lblOffset val="100"/>
       </c:catAx>
       <c:valAx>
-        <c:axId val="61607296"/>
+        <c:axId val="72238208"/>
         <c:scaling>
           <c:orientation val="minMax"/>
         </c:scaling>
@@ -1855,7 +1854,7 @@
             <a:endParaRPr lang="es-ES"/>
           </a:p>
         </c:txPr>
-        <c:crossAx val="61605760"/>
+        <c:crossAx val="71019904"/>
         <c:crosses val="autoZero"/>
         <c:crossBetween val="between"/>
       </c:valAx>
@@ -1973,7 +1972,7 @@
                   <c:v>1.35</c:v>
                 </c:pt>
                 <c:pt idx="2">
-                  <c:v>1.1800000000000042</c:v>
+                  <c:v>1.1800000000000044</c:v>
                 </c:pt>
                 <c:pt idx="3">
                   <c:v>0.99</c:v>
@@ -2053,12 +2052,12 @@
           </c:val>
         </c:ser>
         <c:shape val="cylinder"/>
-        <c:axId val="61645568"/>
-        <c:axId val="61647104"/>
+        <c:axId val="72259840"/>
+        <c:axId val="72265728"/>
         <c:axId val="0"/>
       </c:bar3DChart>
       <c:catAx>
-        <c:axId val="61645568"/>
+        <c:axId val="72259840"/>
         <c:scaling>
           <c:orientation val="minMax"/>
         </c:scaling>
@@ -2076,14 +2075,14 @@
             <a:endParaRPr lang="es-ES"/>
           </a:p>
         </c:txPr>
-        <c:crossAx val="61647104"/>
+        <c:crossAx val="72265728"/>
         <c:crosses val="autoZero"/>
         <c:auto val="1"/>
         <c:lblAlgn val="ctr"/>
         <c:lblOffset val="100"/>
       </c:catAx>
       <c:valAx>
-        <c:axId val="61647104"/>
+        <c:axId val="72265728"/>
         <c:scaling>
           <c:orientation val="minMax"/>
         </c:scaling>
@@ -2101,7 +2100,7 @@
             <a:endParaRPr lang="es-ES"/>
           </a:p>
         </c:txPr>
-        <c:crossAx val="61645568"/>
+        <c:crossAx val="72259840"/>
         <c:crosses val="autoZero"/>
         <c:crossBetween val="between"/>
       </c:valAx>
@@ -2235,19 +2234,19 @@
                   <c:v>1.0330390684786552</c:v>
                 </c:pt>
                 <c:pt idx="6">
-                  <c:v>1.0302429519403253</c:v>
+                  <c:v>1.0302429519403256</c:v>
                 </c:pt>
                 <c:pt idx="7">
                   <c:v>0.94738273200566459</c:v>
                 </c:pt>
                 <c:pt idx="8">
-                  <c:v>0.92793801360197914</c:v>
+                  <c:v>0.92793801360197925</c:v>
                 </c:pt>
                 <c:pt idx="9">
                   <c:v>0.92012906293872665</c:v>
                 </c:pt>
                 <c:pt idx="10">
-                  <c:v>0.88481716181109338</c:v>
+                  <c:v>0.88481716181109327</c:v>
                 </c:pt>
                 <c:pt idx="11">
                   <c:v>0.88417424754272178</c:v>
@@ -2259,7 +2258,7 @@
                   <c:v>0.85063806565684563</c:v>
                 </c:pt>
                 <c:pt idx="14">
-                  <c:v>0.84777133793556081</c:v>
+                  <c:v>0.84777133793556092</c:v>
                 </c:pt>
                 <c:pt idx="15">
                   <c:v>0.8445144923789446</c:v>
@@ -2268,7 +2267,7 @@
                   <c:v>0.83725594840038564</c:v>
                 </c:pt>
                 <c:pt idx="17">
-                  <c:v>0.83461703141919286</c:v>
+                  <c:v>0.83461703141919308</c:v>
                 </c:pt>
               </c:numCache>
             </c:numRef>
@@ -2367,7 +2366,7 @@
                   <c:v>0.9387309603633297</c:v>
                 </c:pt>
                 <c:pt idx="1">
-                  <c:v>0.89153277738270953</c:v>
+                  <c:v>0.89153277738270942</c:v>
                 </c:pt>
                 <c:pt idx="2">
                   <c:v>0.82301056544373608</c:v>
@@ -2379,22 +2378,22 @@
                   <c:v>0.75252199659024765</c:v>
                 </c:pt>
                 <c:pt idx="5">
-                  <c:v>0.74212373331281922</c:v>
+                  <c:v>0.74212373331281933</c:v>
                 </c:pt>
                 <c:pt idx="6">
                   <c:v>0.73688717786732749</c:v>
                 </c:pt>
                 <c:pt idx="7">
-                  <c:v>0.72860146352750865</c:v>
+                  <c:v>0.72860146352750876</c:v>
                 </c:pt>
                 <c:pt idx="8">
-                  <c:v>0.70577785559581518</c:v>
+                  <c:v>0.70577785559581541</c:v>
                 </c:pt>
                 <c:pt idx="9">
                   <c:v>0.69274686371956962</c:v>
                 </c:pt>
                 <c:pt idx="10">
-                  <c:v>0.67930161414046986</c:v>
+                  <c:v>0.67930161414047008</c:v>
                 </c:pt>
                 <c:pt idx="11">
                   <c:v>0.67228263477634131</c:v>
@@ -2403,22 +2402,22 @@
                   <c:v>0.68022471453120004</c:v>
                 </c:pt>
                 <c:pt idx="13">
-                  <c:v>0.66398503161852729</c:v>
+                  <c:v>0.66398503161852762</c:v>
                 </c:pt>
                 <c:pt idx="14">
                   <c:v>0.6640628299517749</c:v>
                 </c:pt>
                 <c:pt idx="15">
-                  <c:v>0.6630855800933807</c:v>
+                  <c:v>0.66308558009338081</c:v>
                 </c:pt>
                 <c:pt idx="16">
                   <c:v>0.65656511915425986</c:v>
                 </c:pt>
                 <c:pt idx="17">
-                  <c:v>0.65158141257239177</c:v>
+                  <c:v>0.65158141257239199</c:v>
                 </c:pt>
                 <c:pt idx="18">
-                  <c:v>0.65187548701494946</c:v>
+                  <c:v>0.65187548701494968</c:v>
                 </c:pt>
               </c:numCache>
             </c:numRef>
@@ -2507,7 +2506,7 @@
                 <c:formatCode>General</c:formatCode>
                 <c:ptCount val="19"/>
                 <c:pt idx="0">
-                  <c:v>0.66149732049012855</c:v>
+                  <c:v>0.66149732049012866</c:v>
                 </c:pt>
                 <c:pt idx="1">
                   <c:v>0.6001326027033127</c:v>
@@ -2516,13 +2515,13 @@
                   <c:v>0.55639887771499263</c:v>
                 </c:pt>
                 <c:pt idx="3">
-                  <c:v>0.62284472485511422</c:v>
+                  <c:v>0.62284472485511433</c:v>
                 </c:pt>
                 <c:pt idx="4">
                   <c:v>0.55351605829049677</c:v>
                 </c:pt>
                 <c:pt idx="5">
-                  <c:v>0.58846095302595403</c:v>
+                  <c:v>0.5884609530259538</c:v>
                 </c:pt>
                 <c:pt idx="6">
                   <c:v>0.57298820383188065</c:v>
@@ -2534,7 +2533,7 @@
                   <c:v>0.55636349504129456</c:v>
                 </c:pt>
                 <c:pt idx="9">
-                  <c:v>0.56175580469495223</c:v>
+                  <c:v>0.56175580469495234</c:v>
                 </c:pt>
                 <c:pt idx="10">
                   <c:v>0.54619756290876298</c:v>
@@ -2654,7 +2653,7 @@
                 <c:formatCode>General</c:formatCode>
                 <c:ptCount val="18"/>
                 <c:pt idx="0">
-                  <c:v>0.63237080268504042</c:v>
+                  <c:v>0.63237080268504064</c:v>
                 </c:pt>
                 <c:pt idx="1">
                   <c:v>0.58374227027070569</c:v>
@@ -2663,7 +2662,7 @@
                   <c:v>0.59186681564330168</c:v>
                 </c:pt>
                 <c:pt idx="3">
-                  <c:v>0.56326543263150308</c:v>
+                  <c:v>0.5632654326315033</c:v>
                 </c:pt>
                 <c:pt idx="4">
                   <c:v>0.57183044589207288</c:v>
@@ -2678,7 +2677,7 @@
                   <c:v>0.53802118949602251</c:v>
                 </c:pt>
                 <c:pt idx="8">
-                  <c:v>0.53450509736819563</c:v>
+                  <c:v>0.53450509736819574</c:v>
                 </c:pt>
                 <c:pt idx="9">
                   <c:v>0.52829897414829863</c:v>
@@ -2702,7 +2701,7 @@
                   <c:v>0.50670323954628771</c:v>
                 </c:pt>
                 <c:pt idx="16">
-                  <c:v>0.50238192552660099</c:v>
+                  <c:v>0.50238192552660088</c:v>
                 </c:pt>
                 <c:pt idx="17">
                   <c:v>0.49463977381829932</c:v>
@@ -2794,31 +2793,31 @@
                 <c:formatCode>General</c:formatCode>
                 <c:ptCount val="19"/>
                 <c:pt idx="0">
-                  <c:v>0.77289983769924353</c:v>
+                  <c:v>0.77289983769924386</c:v>
                 </c:pt>
                 <c:pt idx="1">
                   <c:v>0.74632356481168916</c:v>
                 </c:pt>
                 <c:pt idx="2">
-                  <c:v>0.78634361659647956</c:v>
+                  <c:v>0.78634361659647989</c:v>
                 </c:pt>
                 <c:pt idx="3">
-                  <c:v>0.6829612173300379</c:v>
+                  <c:v>0.68296121733003801</c:v>
                 </c:pt>
                 <c:pt idx="4">
-                  <c:v>0.66450739252954039</c:v>
+                  <c:v>0.66450739252954061</c:v>
                 </c:pt>
                 <c:pt idx="5">
-                  <c:v>0.61644319255848146</c:v>
+                  <c:v>0.61644319255848179</c:v>
                 </c:pt>
                 <c:pt idx="6">
                   <c:v>0.6102724059818817</c:v>
                 </c:pt>
                 <c:pt idx="7">
-                  <c:v>0.609258231060125</c:v>
+                  <c:v>0.60925823106012511</c:v>
                 </c:pt>
                 <c:pt idx="8">
-                  <c:v>0.6285123964672481</c:v>
+                  <c:v>0.62851239646724799</c:v>
                 </c:pt>
                 <c:pt idx="9">
                   <c:v>0.60456332932399459</c:v>
@@ -2827,10 +2826,10 @@
                   <c:v>0.59800801508451062</c:v>
                 </c:pt>
                 <c:pt idx="11">
-                  <c:v>0.59484127138609699</c:v>
+                  <c:v>0.5948412713860971</c:v>
                 </c:pt>
                 <c:pt idx="12">
-                  <c:v>0.57774424327942531</c:v>
+                  <c:v>0.57774424327942553</c:v>
                 </c:pt>
                 <c:pt idx="13">
                   <c:v>0.57412911597622418</c:v>
@@ -2845,7 +2844,7 @@
                   <c:v>0.56487792557592453</c:v>
                 </c:pt>
                 <c:pt idx="17">
-                  <c:v>0.55704303471989836</c:v>
+                  <c:v>0.55704303471989858</c:v>
                 </c:pt>
                 <c:pt idx="18">
                   <c:v>0.55532457683742076</c:v>
@@ -2855,12 +2854,11 @@
           </c:yVal>
           <c:smooth val="1"/>
         </c:ser>
-        <c:dLbls/>
-        <c:axId val="60857728"/>
-        <c:axId val="60868096"/>
+        <c:axId val="70380928"/>
+        <c:axId val="70649344"/>
       </c:scatterChart>
       <c:valAx>
-        <c:axId val="60857728"/>
+        <c:axId val="70380928"/>
         <c:scaling>
           <c:orientation val="minMax"/>
           <c:max val="1000"/>
@@ -2974,12 +2972,12 @@
             <a:endParaRPr lang="es-ES"/>
           </a:p>
         </c:txPr>
-        <c:crossAx val="60868096"/>
+        <c:crossAx val="70649344"/>
         <c:crosses val="autoZero"/>
         <c:crossBetween val="midCat"/>
       </c:valAx>
       <c:valAx>
-        <c:axId val="60868096"/>
+        <c:axId val="70649344"/>
         <c:scaling>
           <c:orientation val="minMax"/>
           <c:min val="0.4"/>
@@ -3019,7 +3017,7 @@
             <a:endParaRPr lang="es-ES"/>
           </a:p>
         </c:txPr>
-        <c:crossAx val="60857728"/>
+        <c:crossAx val="70380928"/>
         <c:crosses val="autoZero"/>
         <c:crossBetween val="midCat"/>
       </c:valAx>
@@ -3058,10 +3056,10 @@
           <c:layoutTarget val="inner"/>
           <c:xMode val="edge"/>
           <c:yMode val="edge"/>
-          <c:x val="9.5001525914281792E-2"/>
-          <c:y val="0.20524468571121443"/>
+          <c:x val="9.5001525914281806E-2"/>
+          <c:y val="0.20524468571121446"/>
           <c:w val="0.78698641531383973"/>
-          <c:h val="0.60782349305312944"/>
+          <c:h val="0.60782349305312966"/>
         </c:manualLayout>
       </c:layout>
       <c:barChart>
@@ -3184,7 +3182,7 @@
                   <c:v>0.42000000000000032</c:v>
                 </c:pt>
                 <c:pt idx="2">
-                  <c:v>0.37000000000000033</c:v>
+                  <c:v>0.37000000000000038</c:v>
                 </c:pt>
                 <c:pt idx="3">
                   <c:v>0.61000000000000065</c:v>
@@ -3256,7 +3254,7 @@
                   <c:v>0.48000000000000032</c:v>
                 </c:pt>
                 <c:pt idx="3">
-                  <c:v>0.74000000000000066</c:v>
+                  <c:v>0.74000000000000077</c:v>
                 </c:pt>
                 <c:pt idx="4">
                   <c:v>0.82000000000000062</c:v>
@@ -3332,12 +3330,11 @@
             </c:numRef>
           </c:val>
         </c:ser>
-        <c:dLbls/>
-        <c:axId val="54663808"/>
-        <c:axId val="54686080"/>
+        <c:axId val="64624128"/>
+        <c:axId val="64625664"/>
       </c:barChart>
       <c:catAx>
-        <c:axId val="54663808"/>
+        <c:axId val="64624128"/>
         <c:scaling>
           <c:orientation val="minMax"/>
         </c:scaling>
@@ -3356,14 +3353,14 @@
             <a:endParaRPr lang="es-ES"/>
           </a:p>
         </c:txPr>
-        <c:crossAx val="54686080"/>
+        <c:crossAx val="64625664"/>
         <c:crosses val="autoZero"/>
         <c:auto val="1"/>
         <c:lblAlgn val="ctr"/>
         <c:lblOffset val="100"/>
       </c:catAx>
       <c:valAx>
-        <c:axId val="54686080"/>
+        <c:axId val="64625664"/>
         <c:scaling>
           <c:orientation val="minMax"/>
         </c:scaling>
@@ -3394,7 +3391,7 @@
         </c:title>
         <c:numFmt formatCode="General" sourceLinked="1"/>
         <c:tickLblPos val="nextTo"/>
-        <c:crossAx val="54663808"/>
+        <c:crossAx val="64624128"/>
         <c:crosses val="autoZero"/>
         <c:crossBetween val="between"/>
       </c:valAx>
@@ -3488,7 +3485,7 @@
                   <c:v>0.60000000000000064</c:v>
                 </c:pt>
                 <c:pt idx="4">
-                  <c:v>0.67000000000000093</c:v>
+                  <c:v>0.67000000000000104</c:v>
                 </c:pt>
               </c:numCache>
             </c:numRef>
@@ -3555,7 +3552,7 @@
                   <c:v>0.54</c:v>
                 </c:pt>
                 <c:pt idx="4">
-                  <c:v>0.63000000000000078</c:v>
+                  <c:v>0.63000000000000089</c:v>
                 </c:pt>
               </c:numCache>
             </c:numRef>
@@ -3697,12 +3694,11 @@
             </c:numRef>
           </c:val>
         </c:ser>
-        <c:dLbls/>
-        <c:axId val="54712576"/>
-        <c:axId val="54718464"/>
+        <c:axId val="64658048"/>
+        <c:axId val="64676224"/>
       </c:barChart>
       <c:catAx>
-        <c:axId val="54712576"/>
+        <c:axId val="64658048"/>
         <c:scaling>
           <c:orientation val="minMax"/>
         </c:scaling>
@@ -3721,14 +3717,14 @@
             <a:endParaRPr lang="es-ES"/>
           </a:p>
         </c:txPr>
-        <c:crossAx val="54718464"/>
+        <c:crossAx val="64676224"/>
         <c:crosses val="autoZero"/>
         <c:auto val="1"/>
         <c:lblAlgn val="ctr"/>
         <c:lblOffset val="100"/>
       </c:catAx>
       <c:valAx>
-        <c:axId val="54718464"/>
+        <c:axId val="64676224"/>
         <c:scaling>
           <c:orientation val="minMax"/>
         </c:scaling>
@@ -3765,7 +3761,7 @@
         </c:title>
         <c:numFmt formatCode="General" sourceLinked="1"/>
         <c:tickLblPos val="nextTo"/>
-        <c:crossAx val="54712576"/>
+        <c:crossAx val="64658048"/>
         <c:crosses val="autoZero"/>
         <c:crossBetween val="between"/>
       </c:valAx>
@@ -3848,9 +3844,9 @@
           <c:layoutTarget val="inner"/>
           <c:xMode val="edge"/>
           <c:yMode val="edge"/>
-          <c:x val="5.0696911313491744E-2"/>
-          <c:y val="0.20609981044036163"/>
-          <c:w val="0.77999370198836238"/>
+          <c:x val="5.0696911313491765E-2"/>
+          <c:y val="0.20609981044036169"/>
+          <c:w val="0.77999370198836249"/>
           <c:h val="0.53537365121026537"/>
         </c:manualLayout>
       </c:layout>
@@ -3898,16 +3894,16 @@
                 <c:formatCode>General</c:formatCode>
                 <c:ptCount val="4"/>
                 <c:pt idx="0">
-                  <c:v>0.48</c:v>
+                  <c:v>0.48000000000000004</c:v>
                 </c:pt>
                 <c:pt idx="1">
                   <c:v>0.4</c:v>
                 </c:pt>
                 <c:pt idx="2">
-                  <c:v>0.42</c:v>
+                  <c:v>0.42000000000000004</c:v>
                 </c:pt>
                 <c:pt idx="3">
-                  <c:v>0.42</c:v>
+                  <c:v>0.42000000000000004</c:v>
                 </c:pt>
               </c:numCache>
             </c:numRef>
@@ -3965,7 +3961,7 @@
                   <c:v>0.23</c:v>
                 </c:pt>
                 <c:pt idx="2">
-                  <c:v>0.24</c:v>
+                  <c:v>0.24000000000000002</c:v>
                 </c:pt>
                 <c:pt idx="3">
                   <c:v>0.26</c:v>
@@ -3974,14 +3970,13 @@
             </c:numRef>
           </c:val>
         </c:ser>
-        <c:dLbls/>
         <c:shape val="box"/>
-        <c:axId val="61171968"/>
-        <c:axId val="61177856"/>
+        <c:axId val="70723840"/>
+        <c:axId val="70746112"/>
         <c:axId val="0"/>
       </c:bar3DChart>
       <c:catAx>
-        <c:axId val="61171968"/>
+        <c:axId val="70723840"/>
         <c:scaling>
           <c:orientation val="minMax"/>
         </c:scaling>
@@ -4000,14 +3995,14 @@
             <a:endParaRPr lang="es-ES"/>
           </a:p>
         </c:txPr>
-        <c:crossAx val="61177856"/>
+        <c:crossAx val="70746112"/>
         <c:crosses val="autoZero"/>
         <c:auto val="1"/>
         <c:lblAlgn val="ctr"/>
         <c:lblOffset val="100"/>
       </c:catAx>
       <c:valAx>
-        <c:axId val="61177856"/>
+        <c:axId val="70746112"/>
         <c:scaling>
           <c:orientation val="minMax"/>
         </c:scaling>
@@ -4038,7 +4033,7 @@
         </c:title>
         <c:numFmt formatCode="General" sourceLinked="1"/>
         <c:tickLblPos val="nextTo"/>
-        <c:crossAx val="61171968"/>
+        <c:crossAx val="70723840"/>
         <c:crosses val="autoZero"/>
         <c:crossBetween val="between"/>
       </c:valAx>
@@ -4067,6 +4062,7 @@
 
 <file path=ppt/charts/chart6.xml><?xml version="1.0" encoding="utf-8"?>
 <c:chartSpace xmlns:c="http://schemas.openxmlformats.org/drawingml/2006/chart" xmlns:a="http://schemas.openxmlformats.org/drawingml/2006/main" xmlns:r="http://schemas.openxmlformats.org/officeDocument/2006/relationships">
+  <c:date1904 val="1"/>
   <c:lang val="es-ES"/>
   <c:chart>
     <c:title>
@@ -4108,9 +4104,9 @@
           <c:xMode val="edge"/>
           <c:yMode val="edge"/>
           <c:x val="5.8498625288899882E-2"/>
-          <c:y val="0.20609981044036163"/>
-          <c:w val="0.81889502982300555"/>
-          <c:h val="0.64352580927384073"/>
+          <c:y val="0.20609981044036169"/>
+          <c:w val="0.81889502982300566"/>
+          <c:h val="0.64352580927384084"/>
         </c:manualLayout>
       </c:layout>
       <c:bar3DChart>
@@ -4157,16 +4153,16 @@
                 <c:formatCode>General</c:formatCode>
                 <c:ptCount val="4"/>
                 <c:pt idx="0">
-                  <c:v>0.47</c:v>
+                  <c:v>0.47000000000000003</c:v>
                 </c:pt>
                 <c:pt idx="1">
-                  <c:v>0.49</c:v>
+                  <c:v>0.49000000000000005</c:v>
                 </c:pt>
                 <c:pt idx="2">
-                  <c:v>0.48</c:v>
+                  <c:v>0.48000000000000004</c:v>
                 </c:pt>
                 <c:pt idx="3">
-                  <c:v>0.48</c:v>
+                  <c:v>0.48000000000000004</c:v>
                 </c:pt>
               </c:numCache>
             </c:numRef>
@@ -4233,14 +4229,13 @@
             </c:numRef>
           </c:val>
         </c:ser>
-        <c:dLbls/>
         <c:shape val="cylinder"/>
-        <c:axId val="61185408"/>
-        <c:axId val="61207680"/>
+        <c:axId val="70776704"/>
+        <c:axId val="70778240"/>
         <c:axId val="0"/>
       </c:bar3DChart>
       <c:catAx>
-        <c:axId val="61185408"/>
+        <c:axId val="70776704"/>
         <c:scaling>
           <c:orientation val="minMax"/>
         </c:scaling>
@@ -4259,14 +4254,14 @@
             <a:endParaRPr lang="es-ES"/>
           </a:p>
         </c:txPr>
-        <c:crossAx val="61207680"/>
+        <c:crossAx val="70778240"/>
         <c:crosses val="autoZero"/>
         <c:auto val="1"/>
         <c:lblAlgn val="ctr"/>
         <c:lblOffset val="100"/>
       </c:catAx>
       <c:valAx>
-        <c:axId val="61207680"/>
+        <c:axId val="70778240"/>
         <c:scaling>
           <c:orientation val="minMax"/>
         </c:scaling>
@@ -4295,7 +4290,7 @@
         </c:title>
         <c:numFmt formatCode="General" sourceLinked="1"/>
         <c:tickLblPos val="nextTo"/>
-        <c:crossAx val="61185408"/>
+        <c:crossAx val="70776704"/>
         <c:crosses val="autoZero"/>
         <c:crossBetween val="between"/>
       </c:valAx>
@@ -4365,7 +4360,7 @@
           <c:x val="5.0128971669717602E-2"/>
           <c:y val="0.16285573489051136"/>
           <c:w val="0.91229087688864363"/>
-          <c:h val="0.42844667523762708"/>
+          <c:h val="0.42844667523762719"/>
         </c:manualLayout>
       </c:layout>
       <c:scatterChart>
@@ -4586,7 +4581,7 @@
                   <c:v>0</c:v>
                 </c:pt>
                 <c:pt idx="1">
-                  <c:v>1.218999999999985</c:v>
+                  <c:v>1.2189999999999848</c:v>
                 </c:pt>
                 <c:pt idx="2">
                   <c:v>2.4379999999999997</c:v>
@@ -4598,19 +4593,19 @@
                   <c:v>1.829</c:v>
                 </c:pt>
                 <c:pt idx="5">
-                  <c:v>1.218999999999985</c:v>
+                  <c:v>1.2189999999999848</c:v>
                 </c:pt>
                 <c:pt idx="6">
-                  <c:v>1.218999999999985</c:v>
+                  <c:v>1.2189999999999848</c:v>
                 </c:pt>
                 <c:pt idx="7">
-                  <c:v>1.218999999999985</c:v>
+                  <c:v>1.2189999999999848</c:v>
                 </c:pt>
                 <c:pt idx="8">
                   <c:v>2.4379999999999997</c:v>
                 </c:pt>
                 <c:pt idx="9">
-                  <c:v>1.218999999999985</c:v>
+                  <c:v>1.2189999999999848</c:v>
                 </c:pt>
                 <c:pt idx="10">
                   <c:v>0.61000000000000065</c:v>
@@ -4619,22 +4614,22 @@
                   <c:v>3.048</c:v>
                 </c:pt>
                 <c:pt idx="12">
-                  <c:v>1.218999999999985</c:v>
+                  <c:v>1.2189999999999848</c:v>
                 </c:pt>
                 <c:pt idx="13">
                   <c:v>0.61000000000000065</c:v>
                 </c:pt>
                 <c:pt idx="14">
-                  <c:v>1.218999999999985</c:v>
+                  <c:v>1.2189999999999848</c:v>
                 </c:pt>
                 <c:pt idx="15">
                   <c:v>2.4379999999999997</c:v>
                 </c:pt>
                 <c:pt idx="16">
-                  <c:v>1.218999999999985</c:v>
+                  <c:v>1.2189999999999848</c:v>
                 </c:pt>
                 <c:pt idx="17">
-                  <c:v>1.218999999999985</c:v>
+                  <c:v>1.2189999999999848</c:v>
                 </c:pt>
                 <c:pt idx="18">
                   <c:v>0.61000000000000065</c:v>
@@ -4652,7 +4647,7 @@
                   <c:v>3.048</c:v>
                 </c:pt>
                 <c:pt idx="23">
-                  <c:v>1.218999999999985</c:v>
+                  <c:v>1.2189999999999848</c:v>
                 </c:pt>
                 <c:pt idx="24">
                   <c:v>1.829</c:v>
@@ -4676,34 +4671,34 @@
                   <c:v>0.61000000000000065</c:v>
                 </c:pt>
                 <c:pt idx="31">
-                  <c:v>1.218999999999985</c:v>
+                  <c:v>1.2189999999999848</c:v>
                 </c:pt>
                 <c:pt idx="32">
-                  <c:v>1.218999999999985</c:v>
+                  <c:v>1.2189999999999848</c:v>
                 </c:pt>
                 <c:pt idx="33">
-                  <c:v>1.218999999999985</c:v>
+                  <c:v>1.2189999999999848</c:v>
                 </c:pt>
                 <c:pt idx="34">
-                  <c:v>1.218999999999985</c:v>
+                  <c:v>1.2189999999999848</c:v>
                 </c:pt>
                 <c:pt idx="35">
-                  <c:v>1.218999999999985</c:v>
+                  <c:v>1.2189999999999848</c:v>
                 </c:pt>
                 <c:pt idx="36">
                   <c:v>3.048</c:v>
                 </c:pt>
                 <c:pt idx="37">
-                  <c:v>1.218999999999985</c:v>
+                  <c:v>1.2189999999999848</c:v>
                 </c:pt>
                 <c:pt idx="38">
                   <c:v>0.61000000000000065</c:v>
                 </c:pt>
                 <c:pt idx="39">
-                  <c:v>1.218999999999985</c:v>
+                  <c:v>1.2189999999999848</c:v>
                 </c:pt>
                 <c:pt idx="40">
-                  <c:v>1.218999999999985</c:v>
+                  <c:v>1.2189999999999848</c:v>
                 </c:pt>
                 <c:pt idx="41">
                   <c:v>2.4379999999999997</c:v>
@@ -4718,7 +4713,7 @@
                   <c:v>0.61000000000000065</c:v>
                 </c:pt>
                 <c:pt idx="45">
-                  <c:v>1.218999999999985</c:v>
+                  <c:v>1.2189999999999848</c:v>
                 </c:pt>
                 <c:pt idx="46">
                   <c:v>4.8769999999999998</c:v>
@@ -4727,34 +4722,34 @@
                   <c:v>0.61000000000000065</c:v>
                 </c:pt>
                 <c:pt idx="48">
-                  <c:v>1.218999999999985</c:v>
+                  <c:v>1.2189999999999848</c:v>
                 </c:pt>
                 <c:pt idx="49">
                   <c:v>7.3149999999999755</c:v>
                 </c:pt>
                 <c:pt idx="50">
-                  <c:v>1.218999999999985</c:v>
+                  <c:v>1.2189999999999848</c:v>
                 </c:pt>
                 <c:pt idx="51">
-                  <c:v>1.218999999999985</c:v>
+                  <c:v>1.2189999999999848</c:v>
                 </c:pt>
                 <c:pt idx="52">
                   <c:v>0.61000000000000065</c:v>
                 </c:pt>
                 <c:pt idx="53">
-                  <c:v>1.218999999999985</c:v>
+                  <c:v>1.2189999999999848</c:v>
                 </c:pt>
                 <c:pt idx="54">
-                  <c:v>1.218999999999985</c:v>
+                  <c:v>1.2189999999999848</c:v>
                 </c:pt>
                 <c:pt idx="55">
-                  <c:v>1.218999999999985</c:v>
+                  <c:v>1.2189999999999848</c:v>
                 </c:pt>
                 <c:pt idx="56">
                   <c:v>2.4379999999999997</c:v>
                 </c:pt>
                 <c:pt idx="57">
-                  <c:v>1.218999999999985</c:v>
+                  <c:v>1.2189999999999848</c:v>
                 </c:pt>
                 <c:pt idx="58">
                   <c:v>4.8769999999999998</c:v>
@@ -4766,7 +4761,7 @@
                   <c:v>2.4379999999999997</c:v>
                 </c:pt>
                 <c:pt idx="61">
-                  <c:v>1.218999999999985</c:v>
+                  <c:v>1.2189999999999848</c:v>
                 </c:pt>
                 <c:pt idx="62">
                   <c:v>0.61000000000000065</c:v>
@@ -5026,13 +5021,13 @@
                   <c:v>1.87</c:v>
                 </c:pt>
                 <c:pt idx="8">
-                  <c:v>1.9500000000000119</c:v>
+                  <c:v>1.9500000000000122</c:v>
                 </c:pt>
                 <c:pt idx="9">
                   <c:v>2.4899999999999998</c:v>
                 </c:pt>
                 <c:pt idx="10">
-                  <c:v>1.6800000000000119</c:v>
+                  <c:v>1.6800000000000122</c:v>
                 </c:pt>
                 <c:pt idx="11">
                   <c:v>2.98</c:v>
@@ -5050,7 +5045,7 @@
                   <c:v>3.3099999999999987</c:v>
                 </c:pt>
                 <c:pt idx="16">
-                  <c:v>1.9500000000000119</c:v>
+                  <c:v>1.9500000000000122</c:v>
                 </c:pt>
                 <c:pt idx="17">
                   <c:v>1.4</c:v>
@@ -5080,7 +5075,7 @@
                   <c:v>1.45</c:v>
                 </c:pt>
                 <c:pt idx="26">
-                  <c:v>1.9900000000000133</c:v>
+                  <c:v>1.9900000000000135</c:v>
                 </c:pt>
                 <c:pt idx="27">
                   <c:v>3</c:v>
@@ -5122,7 +5117,7 @@
                   <c:v>2.04</c:v>
                 </c:pt>
                 <c:pt idx="40">
-                  <c:v>1.960000000000012</c:v>
+                  <c:v>1.9600000000000122</c:v>
                 </c:pt>
                 <c:pt idx="41">
                   <c:v>3.09</c:v>
@@ -5197,11 +5192,11 @@
             </c:numRef>
           </c:yVal>
         </c:ser>
-        <c:axId val="61225984"/>
-        <c:axId val="61273216"/>
+        <c:axId val="70828800"/>
+        <c:axId val="70830720"/>
       </c:scatterChart>
       <c:valAx>
-        <c:axId val="61225984"/>
+        <c:axId val="70828800"/>
         <c:scaling>
           <c:orientation val="minMax"/>
         </c:scaling>
@@ -5239,13 +5234,13 @@
             <a:endParaRPr lang="es-ES"/>
           </a:p>
         </c:txPr>
-        <c:crossAx val="61273216"/>
+        <c:crossAx val="70830720"/>
         <c:crosses val="autoZero"/>
         <c:crossBetween val="midCat"/>
         <c:majorUnit val="5"/>
       </c:valAx>
       <c:valAx>
-        <c:axId val="61273216"/>
+        <c:axId val="70830720"/>
         <c:scaling>
           <c:orientation val="minMax"/>
         </c:scaling>
@@ -5297,7 +5292,7 @@
             <a:endParaRPr lang="es-ES"/>
           </a:p>
         </c:txPr>
-        <c:crossAx val="61225984"/>
+        <c:crossAx val="70828800"/>
         <c:crosses val="autoZero"/>
         <c:crossBetween val="midCat"/>
       </c:valAx>
@@ -5308,9 +5303,9 @@
         <c:manualLayout>
           <c:xMode val="edge"/>
           <c:yMode val="edge"/>
-          <c:x val="0.72413175331823931"/>
+          <c:x val="0.72413175331823942"/>
           <c:y val="0.71233526043915962"/>
-          <c:w val="0.25921857347088251"/>
+          <c:w val="0.25921857347088256"/>
           <c:h val="0.25475958385614311"/>
         </c:manualLayout>
       </c:layout>
@@ -5367,7 +5362,7 @@
           <c:x val="5.0128971669717602E-2"/>
           <c:y val="0.16285573489051136"/>
           <c:w val="0.91229087688864363"/>
-          <c:h val="0.42844667523762686"/>
+          <c:h val="0.42844667523762697"/>
         </c:manualLayout>
       </c:layout>
       <c:scatterChart>
@@ -5588,7 +5583,7 @@
                   <c:v>0</c:v>
                 </c:pt>
                 <c:pt idx="1">
-                  <c:v>1.218999999999985</c:v>
+                  <c:v>1.2189999999999848</c:v>
                 </c:pt>
                 <c:pt idx="2">
                   <c:v>2.4379999999999997</c:v>
@@ -5600,19 +5595,19 @@
                   <c:v>1.829</c:v>
                 </c:pt>
                 <c:pt idx="5">
-                  <c:v>1.218999999999985</c:v>
+                  <c:v>1.2189999999999848</c:v>
                 </c:pt>
                 <c:pt idx="6">
-                  <c:v>1.218999999999985</c:v>
+                  <c:v>1.2189999999999848</c:v>
                 </c:pt>
                 <c:pt idx="7">
-                  <c:v>1.218999999999985</c:v>
+                  <c:v>1.2189999999999848</c:v>
                 </c:pt>
                 <c:pt idx="8">
                   <c:v>2.4379999999999997</c:v>
                 </c:pt>
                 <c:pt idx="9">
-                  <c:v>1.218999999999985</c:v>
+                  <c:v>1.2189999999999848</c:v>
                 </c:pt>
                 <c:pt idx="10">
                   <c:v>0.61000000000000065</c:v>
@@ -5621,22 +5616,22 @@
                   <c:v>3.048</c:v>
                 </c:pt>
                 <c:pt idx="12">
-                  <c:v>1.218999999999985</c:v>
+                  <c:v>1.2189999999999848</c:v>
                 </c:pt>
                 <c:pt idx="13">
                   <c:v>0.61000000000000065</c:v>
                 </c:pt>
                 <c:pt idx="14">
-                  <c:v>1.218999999999985</c:v>
+                  <c:v>1.2189999999999848</c:v>
                 </c:pt>
                 <c:pt idx="15">
                   <c:v>2.4379999999999997</c:v>
                 </c:pt>
                 <c:pt idx="16">
-                  <c:v>1.218999999999985</c:v>
+                  <c:v>1.2189999999999848</c:v>
                 </c:pt>
                 <c:pt idx="17">
-                  <c:v>1.218999999999985</c:v>
+                  <c:v>1.2189999999999848</c:v>
                 </c:pt>
                 <c:pt idx="18">
                   <c:v>0.61000000000000065</c:v>
@@ -5654,7 +5649,7 @@
                   <c:v>3.048</c:v>
                 </c:pt>
                 <c:pt idx="23">
-                  <c:v>1.218999999999985</c:v>
+                  <c:v>1.2189999999999848</c:v>
                 </c:pt>
                 <c:pt idx="24">
                   <c:v>1.829</c:v>
@@ -5678,34 +5673,34 @@
                   <c:v>0.61000000000000065</c:v>
                 </c:pt>
                 <c:pt idx="31">
-                  <c:v>1.218999999999985</c:v>
+                  <c:v>1.2189999999999848</c:v>
                 </c:pt>
                 <c:pt idx="32">
-                  <c:v>1.218999999999985</c:v>
+                  <c:v>1.2189999999999848</c:v>
                 </c:pt>
                 <c:pt idx="33">
-                  <c:v>1.218999999999985</c:v>
+                  <c:v>1.2189999999999848</c:v>
                 </c:pt>
                 <c:pt idx="34">
-                  <c:v>1.218999999999985</c:v>
+                  <c:v>1.2189999999999848</c:v>
                 </c:pt>
                 <c:pt idx="35">
-                  <c:v>1.218999999999985</c:v>
+                  <c:v>1.2189999999999848</c:v>
                 </c:pt>
                 <c:pt idx="36">
                   <c:v>3.048</c:v>
                 </c:pt>
                 <c:pt idx="37">
-                  <c:v>1.218999999999985</c:v>
+                  <c:v>1.2189999999999848</c:v>
                 </c:pt>
                 <c:pt idx="38">
                   <c:v>0.61000000000000065</c:v>
                 </c:pt>
                 <c:pt idx="39">
-                  <c:v>1.218999999999985</c:v>
+                  <c:v>1.2189999999999848</c:v>
                 </c:pt>
                 <c:pt idx="40">
-                  <c:v>1.218999999999985</c:v>
+                  <c:v>1.2189999999999848</c:v>
                 </c:pt>
                 <c:pt idx="41">
                   <c:v>2.4379999999999997</c:v>
@@ -5720,7 +5715,7 @@
                   <c:v>0.61000000000000065</c:v>
                 </c:pt>
                 <c:pt idx="45">
-                  <c:v>1.218999999999985</c:v>
+                  <c:v>1.2189999999999848</c:v>
                 </c:pt>
                 <c:pt idx="46">
                   <c:v>4.8769999999999998</c:v>
@@ -5729,34 +5724,34 @@
                   <c:v>0.61000000000000065</c:v>
                 </c:pt>
                 <c:pt idx="48">
-                  <c:v>1.218999999999985</c:v>
+                  <c:v>1.2189999999999848</c:v>
                 </c:pt>
                 <c:pt idx="49">
                   <c:v>7.3149999999999755</c:v>
                 </c:pt>
                 <c:pt idx="50">
-                  <c:v>1.218999999999985</c:v>
+                  <c:v>1.2189999999999848</c:v>
                 </c:pt>
                 <c:pt idx="51">
-                  <c:v>1.218999999999985</c:v>
+                  <c:v>1.2189999999999848</c:v>
                 </c:pt>
                 <c:pt idx="52">
                   <c:v>0.61000000000000065</c:v>
                 </c:pt>
                 <c:pt idx="53">
-                  <c:v>1.218999999999985</c:v>
+                  <c:v>1.2189999999999848</c:v>
                 </c:pt>
                 <c:pt idx="54">
-                  <c:v>1.218999999999985</c:v>
+                  <c:v>1.2189999999999848</c:v>
                 </c:pt>
                 <c:pt idx="55">
-                  <c:v>1.218999999999985</c:v>
+                  <c:v>1.2189999999999848</c:v>
                 </c:pt>
                 <c:pt idx="56">
                   <c:v>2.4379999999999997</c:v>
                 </c:pt>
                 <c:pt idx="57">
-                  <c:v>1.218999999999985</c:v>
+                  <c:v>1.2189999999999848</c:v>
                 </c:pt>
                 <c:pt idx="58">
                   <c:v>4.8769999999999998</c:v>
@@ -5768,7 +5763,7 @@
                   <c:v>2.4379999999999997</c:v>
                 </c:pt>
                 <c:pt idx="61">
-                  <c:v>1.218999999999985</c:v>
+                  <c:v>1.2189999999999848</c:v>
                 </c:pt>
                 <c:pt idx="62">
                   <c:v>0.61000000000000065</c:v>
@@ -6046,7 +6041,7 @@
                   <c:v>0.96900000000000064</c:v>
                 </c:pt>
                 <c:pt idx="14">
-                  <c:v>1.2769999999999866</c:v>
+                  <c:v>1.2769999999999864</c:v>
                 </c:pt>
                 <c:pt idx="15">
                   <c:v>3.0789999999999997</c:v>
@@ -6058,13 +6053,13 @@
                   <c:v>1.1990000000000001</c:v>
                 </c:pt>
                 <c:pt idx="18">
-                  <c:v>1.0249999999999866</c:v>
+                  <c:v>1.0249999999999864</c:v>
                 </c:pt>
                 <c:pt idx="19">
-                  <c:v>1.0409999999999877</c:v>
+                  <c:v>1.0409999999999875</c:v>
                 </c:pt>
                 <c:pt idx="20">
-                  <c:v>1.9940000000000133</c:v>
+                  <c:v>1.9940000000000135</c:v>
                 </c:pt>
                 <c:pt idx="21">
                   <c:v>2.6759999999999997</c:v>
@@ -6097,7 +6092,7 @@
                   <c:v>1.127</c:v>
                 </c:pt>
                 <c:pt idx="31">
-                  <c:v>1.1619999999999873</c:v>
+                  <c:v>1.161999999999987</c:v>
                 </c:pt>
                 <c:pt idx="32">
                   <c:v>1.175</c:v>
@@ -6112,7 +6107,7 @@
                   <c:v>2.0880000000000001</c:v>
                 </c:pt>
                 <c:pt idx="36">
-                  <c:v>1.9540000000000119</c:v>
+                  <c:v>1.9540000000000122</c:v>
                 </c:pt>
                 <c:pt idx="37">
                   <c:v>1.073</c:v>
@@ -6121,7 +6116,7 @@
                   <c:v>0.93200000000000005</c:v>
                 </c:pt>
                 <c:pt idx="39">
-                  <c:v>1.220999999999985</c:v>
+                  <c:v>1.2209999999999848</c:v>
                 </c:pt>
                 <c:pt idx="40">
                   <c:v>1.081</c:v>
@@ -6136,7 +6131,7 @@
                   <c:v>1.538</c:v>
                 </c:pt>
                 <c:pt idx="44">
-                  <c:v>1.0569999999999879</c:v>
+                  <c:v>1.0569999999999877</c:v>
                 </c:pt>
                 <c:pt idx="45">
                   <c:v>1.028</c:v>
@@ -6154,10 +6149,10 @@
                   <c:v>6.8039999999999985</c:v>
                 </c:pt>
                 <c:pt idx="50">
-                  <c:v>1.0489999999999879</c:v>
+                  <c:v>1.0489999999999877</c:v>
                 </c:pt>
                 <c:pt idx="51">
-                  <c:v>1.448999999999985</c:v>
+                  <c:v>1.4489999999999847</c:v>
                 </c:pt>
                 <c:pt idx="52">
                   <c:v>0.91600000000000004</c:v>
@@ -6187,7 +6182,7 @@
                   <c:v>1.599</c:v>
                 </c:pt>
                 <c:pt idx="61">
-                  <c:v>1.562999999999988</c:v>
+                  <c:v>1.5629999999999877</c:v>
                 </c:pt>
                 <c:pt idx="62">
                   <c:v>0.99199999999999999</c:v>
@@ -6199,11 +6194,11 @@
             </c:numRef>
           </c:yVal>
         </c:ser>
-        <c:axId val="61302656"/>
-        <c:axId val="61304832"/>
+        <c:axId val="70856064"/>
+        <c:axId val="70874624"/>
       </c:scatterChart>
       <c:valAx>
-        <c:axId val="61302656"/>
+        <c:axId val="70856064"/>
         <c:scaling>
           <c:orientation val="minMax"/>
         </c:scaling>
@@ -6241,13 +6236,13 @@
             <a:endParaRPr lang="es-ES"/>
           </a:p>
         </c:txPr>
-        <c:crossAx val="61304832"/>
+        <c:crossAx val="70874624"/>
         <c:crosses val="autoZero"/>
         <c:crossBetween val="midCat"/>
         <c:majorUnit val="5"/>
       </c:valAx>
       <c:valAx>
-        <c:axId val="61304832"/>
+        <c:axId val="70874624"/>
         <c:scaling>
           <c:orientation val="minMax"/>
         </c:scaling>
@@ -6293,7 +6288,7 @@
             <a:endParaRPr lang="es-ES"/>
           </a:p>
         </c:txPr>
-        <c:crossAx val="61302656"/>
+        <c:crossAx val="70856064"/>
         <c:crosses val="autoZero"/>
         <c:crossBetween val="midCat"/>
       </c:valAx>
@@ -6306,7 +6301,7 @@
           <c:yMode val="edge"/>
           <c:x val="0.74133589770230268"/>
           <c:y val="0.71233526043915962"/>
-          <c:w val="0.24201434347572662"/>
+          <c:w val="0.2420143434757267"/>
           <c:h val="0.16317756172635517"/>
         </c:manualLayout>
       </c:layout>
@@ -6344,7 +6339,7 @@
           <c:x val="0.10048349150099888"/>
           <c:y val="4.1238940589567646E-2"/>
           <c:w val="0.87042860499284569"/>
-          <c:h val="0.75935138208448982"/>
+          <c:h val="0.75935138208448993"/>
         </c:manualLayout>
       </c:layout>
       <c:scatterChart>
@@ -6388,13 +6383,13 @@
                   <c:v>1.87</c:v>
                 </c:pt>
                 <c:pt idx="7">
-                  <c:v>1.9500000000000119</c:v>
+                  <c:v>1.9500000000000122</c:v>
                 </c:pt>
                 <c:pt idx="8">
                   <c:v>2.4899999999999998</c:v>
                 </c:pt>
                 <c:pt idx="9">
-                  <c:v>1.6800000000000119</c:v>
+                  <c:v>1.6800000000000122</c:v>
                 </c:pt>
                 <c:pt idx="10">
                   <c:v>2.98</c:v>
@@ -6412,7 +6407,7 @@
                   <c:v>3.3099999999999987</c:v>
                 </c:pt>
                 <c:pt idx="15">
-                  <c:v>1.9500000000000119</c:v>
+                  <c:v>1.9500000000000122</c:v>
                 </c:pt>
                 <c:pt idx="16">
                   <c:v>1.4</c:v>
@@ -6442,7 +6437,7 @@
                   <c:v>1.45</c:v>
                 </c:pt>
                 <c:pt idx="25">
-                  <c:v>1.9900000000000133</c:v>
+                  <c:v>1.9900000000000135</c:v>
                 </c:pt>
                 <c:pt idx="26">
                   <c:v>3</c:v>
@@ -6484,7 +6479,7 @@
                   <c:v>2.04</c:v>
                 </c:pt>
                 <c:pt idx="39">
-                  <c:v>1.960000000000012</c:v>
+                  <c:v>1.9600000000000122</c:v>
                 </c:pt>
                 <c:pt idx="40">
                   <c:v>3.09</c:v>
@@ -6568,7 +6563,7 @@
                 <c:formatCode>General</c:formatCode>
                 <c:ptCount val="64"/>
                 <c:pt idx="0">
-                  <c:v>1.218999999999985</c:v>
+                  <c:v>1.2189999999999848</c:v>
                 </c:pt>
                 <c:pt idx="1">
                   <c:v>2.4379999999999997</c:v>
@@ -6580,19 +6575,19 @@
                   <c:v>1.829</c:v>
                 </c:pt>
                 <c:pt idx="4">
-                  <c:v>1.218999999999985</c:v>
+                  <c:v>1.2189999999999848</c:v>
                 </c:pt>
                 <c:pt idx="5">
-                  <c:v>1.218999999999985</c:v>
+                  <c:v>1.2189999999999848</c:v>
                 </c:pt>
                 <c:pt idx="6">
-                  <c:v>1.218999999999985</c:v>
+                  <c:v>1.2189999999999848</c:v>
                 </c:pt>
                 <c:pt idx="7">
                   <c:v>2.4379999999999997</c:v>
                 </c:pt>
                 <c:pt idx="8">
-                  <c:v>1.218999999999985</c:v>
+                  <c:v>1.2189999999999848</c:v>
                 </c:pt>
                 <c:pt idx="9">
                   <c:v>0.61000000000000065</c:v>
@@ -6601,22 +6596,22 @@
                   <c:v>3.048</c:v>
                 </c:pt>
                 <c:pt idx="11">
-                  <c:v>1.218999999999985</c:v>
+                  <c:v>1.2189999999999848</c:v>
                 </c:pt>
                 <c:pt idx="12">
                   <c:v>0.61000000000000065</c:v>
                 </c:pt>
                 <c:pt idx="13">
-                  <c:v>1.218999999999985</c:v>
+                  <c:v>1.2189999999999848</c:v>
                 </c:pt>
                 <c:pt idx="14">
                   <c:v>2.4379999999999997</c:v>
                 </c:pt>
                 <c:pt idx="15">
-                  <c:v>1.218999999999985</c:v>
+                  <c:v>1.2189999999999848</c:v>
                 </c:pt>
                 <c:pt idx="16">
-                  <c:v>1.218999999999985</c:v>
+                  <c:v>1.2189999999999848</c:v>
                 </c:pt>
                 <c:pt idx="17">
                   <c:v>0.61000000000000065</c:v>
@@ -6634,7 +6629,7 @@
                   <c:v>3.048</c:v>
                 </c:pt>
                 <c:pt idx="22">
-                  <c:v>1.218999999999985</c:v>
+                  <c:v>1.2189999999999848</c:v>
                 </c:pt>
                 <c:pt idx="23">
                   <c:v>1.829</c:v>
@@ -6658,34 +6653,34 @@
                   <c:v>0.61000000000000065</c:v>
                 </c:pt>
                 <c:pt idx="30">
-                  <c:v>1.218999999999985</c:v>
+                  <c:v>1.2189999999999848</c:v>
                 </c:pt>
                 <c:pt idx="31">
-                  <c:v>1.218999999999985</c:v>
+                  <c:v>1.2189999999999848</c:v>
                 </c:pt>
                 <c:pt idx="32">
-                  <c:v>1.218999999999985</c:v>
+                  <c:v>1.2189999999999848</c:v>
                 </c:pt>
                 <c:pt idx="33">
-                  <c:v>1.218999999999985</c:v>
+                  <c:v>1.2189999999999848</c:v>
                 </c:pt>
                 <c:pt idx="34">
-                  <c:v>1.218999999999985</c:v>
+                  <c:v>1.2189999999999848</c:v>
                 </c:pt>
                 <c:pt idx="35">
                   <c:v>3.048</c:v>
                 </c:pt>
                 <c:pt idx="36">
-                  <c:v>1.218999999999985</c:v>
+                  <c:v>1.2189999999999848</c:v>
                 </c:pt>
                 <c:pt idx="37">
                   <c:v>0.61000000000000065</c:v>
                 </c:pt>
                 <c:pt idx="38">
-                  <c:v>1.218999999999985</c:v>
+                  <c:v>1.2189999999999848</c:v>
                 </c:pt>
                 <c:pt idx="39">
-                  <c:v>1.218999999999985</c:v>
+                  <c:v>1.2189999999999848</c:v>
                 </c:pt>
                 <c:pt idx="40">
                   <c:v>2.4379999999999997</c:v>
@@ -6700,7 +6695,7 @@
                   <c:v>0.61000000000000065</c:v>
                 </c:pt>
                 <c:pt idx="44">
-                  <c:v>1.218999999999985</c:v>
+                  <c:v>1.2189999999999848</c:v>
                 </c:pt>
                 <c:pt idx="45">
                   <c:v>4.8769999999999998</c:v>
@@ -6709,34 +6704,34 @@
                   <c:v>0.61000000000000065</c:v>
                 </c:pt>
                 <c:pt idx="47">
-                  <c:v>1.218999999999985</c:v>
+                  <c:v>1.2189999999999848</c:v>
                 </c:pt>
                 <c:pt idx="48">
                   <c:v>7.3149999999999755</c:v>
                 </c:pt>
                 <c:pt idx="49">
-                  <c:v>1.218999999999985</c:v>
+                  <c:v>1.2189999999999848</c:v>
                 </c:pt>
                 <c:pt idx="50">
-                  <c:v>1.218999999999985</c:v>
+                  <c:v>1.2189999999999848</c:v>
                 </c:pt>
                 <c:pt idx="51">
                   <c:v>0.61000000000000065</c:v>
                 </c:pt>
                 <c:pt idx="52">
-                  <c:v>1.218999999999985</c:v>
+                  <c:v>1.2189999999999848</c:v>
                 </c:pt>
                 <c:pt idx="53">
-                  <c:v>1.218999999999985</c:v>
+                  <c:v>1.2189999999999848</c:v>
                 </c:pt>
                 <c:pt idx="54">
-                  <c:v>1.218999999999985</c:v>
+                  <c:v>1.2189999999999848</c:v>
                 </c:pt>
                 <c:pt idx="55">
                   <c:v>2.4379999999999997</c:v>
                 </c:pt>
                 <c:pt idx="56">
-                  <c:v>1.218999999999985</c:v>
+                  <c:v>1.2189999999999848</c:v>
                 </c:pt>
                 <c:pt idx="57">
                   <c:v>4.8769999999999998</c:v>
@@ -6748,7 +6743,7 @@
                   <c:v>2.4379999999999997</c:v>
                 </c:pt>
                 <c:pt idx="60">
-                  <c:v>1.218999999999985</c:v>
+                  <c:v>1.2189999999999848</c:v>
                 </c:pt>
                 <c:pt idx="61">
                   <c:v>0.61000000000000065</c:v>
@@ -6757,7 +6752,7 @@
                   <c:v>3.048</c:v>
                 </c:pt>
                 <c:pt idx="63">
-                  <c:v>1.218999999999985</c:v>
+                  <c:v>1.2189999999999848</c:v>
                 </c:pt>
               </c:numCache>
             </c:numRef>
@@ -6864,11 +6859,11 @@
             </c:numRef>
           </c:yVal>
         </c:ser>
-        <c:axId val="61330560"/>
-        <c:axId val="61332480"/>
+        <c:axId val="70900352"/>
+        <c:axId val="70902528"/>
       </c:scatterChart>
       <c:valAx>
-        <c:axId val="61330560"/>
+        <c:axId val="70900352"/>
         <c:scaling>
           <c:orientation val="minMax"/>
           <c:max val="8"/>
@@ -6922,13 +6917,13 @@
             <a:endParaRPr lang="es-ES"/>
           </a:p>
         </c:txPr>
-        <c:crossAx val="61332480"/>
+        <c:crossAx val="70902528"/>
         <c:crosses val="autoZero"/>
         <c:crossBetween val="midCat"/>
         <c:majorUnit val="2"/>
       </c:valAx>
       <c:valAx>
-        <c:axId val="61332480"/>
+        <c:axId val="70902528"/>
         <c:scaling>
           <c:orientation val="minMax"/>
         </c:scaling>
@@ -6979,7 +6974,7 @@
             <a:endParaRPr lang="es-ES"/>
           </a:p>
         </c:txPr>
-        <c:crossAx val="61330560"/>
+        <c:crossAx val="70900352"/>
         <c:crosses val="autoZero"/>
         <c:crossBetween val="midCat"/>
       </c:valAx>
@@ -7073,7 +7068,7 @@
             <a:fld id="{CC836ABB-6633-4F2E-9CC4-347080E95772}" type="datetimeFigureOut">
               <a:rPr lang="es-ES" smtClean="0"/>
               <a:pPr/>
-              <a:t>25/08/2010</a:t>
+              <a:t>26/08/2010</a:t>
             </a:fld>
             <a:endParaRPr lang="es-ES"/>
           </a:p>
@@ -9448,7 +9443,7 @@
             <a:fld id="{47C9B81F-C347-4BEF-BFDF-29C42F48304A}" type="datetimeFigureOut">
               <a:rPr lang="en-US" smtClean="0"/>
               <a:pPr/>
-              <a:t>8/25/2010</a:t>
+              <a:t>8/26/2010</a:t>
             </a:fld>
             <a:endParaRPr lang="en-US"/>
           </a:p>
@@ -9615,7 +9610,7 @@
             <a:fld id="{47C9B81F-C347-4BEF-BFDF-29C42F48304A}" type="datetimeFigureOut">
               <a:rPr lang="en-US" smtClean="0"/>
               <a:pPr/>
-              <a:t>8/25/2010</a:t>
+              <a:t>8/26/2010</a:t>
             </a:fld>
             <a:endParaRPr lang="en-US"/>
           </a:p>
@@ -9792,7 +9787,7 @@
             <a:fld id="{47C9B81F-C347-4BEF-BFDF-29C42F48304A}" type="datetimeFigureOut">
               <a:rPr lang="en-US" smtClean="0"/>
               <a:pPr/>
-              <a:t>8/25/2010</a:t>
+              <a:t>8/26/2010</a:t>
             </a:fld>
             <a:endParaRPr lang="en-US"/>
           </a:p>
@@ -9959,7 +9954,7 @@
             <a:fld id="{47C9B81F-C347-4BEF-BFDF-29C42F48304A}" type="datetimeFigureOut">
               <a:rPr lang="en-US" smtClean="0"/>
               <a:pPr/>
-              <a:t>8/25/2010</a:t>
+              <a:t>8/26/2010</a:t>
             </a:fld>
             <a:endParaRPr lang="en-US"/>
           </a:p>
@@ -10203,7 +10198,7 @@
             <a:fld id="{47C9B81F-C347-4BEF-BFDF-29C42F48304A}" type="datetimeFigureOut">
               <a:rPr lang="en-US" smtClean="0"/>
               <a:pPr/>
-              <a:t>8/25/2010</a:t>
+              <a:t>8/26/2010</a:t>
             </a:fld>
             <a:endParaRPr lang="en-US"/>
           </a:p>
@@ -10469,7 +10464,7 @@
             <a:fld id="{47C9B81F-C347-4BEF-BFDF-29C42F48304A}" type="datetimeFigureOut">
               <a:rPr lang="en-US" smtClean="0"/>
               <a:pPr/>
-              <a:t>8/25/2010</a:t>
+              <a:t>8/26/2010</a:t>
             </a:fld>
             <a:endParaRPr lang="en-US"/>
           </a:p>
@@ -10849,7 +10844,7 @@
             <a:fld id="{47C9B81F-C347-4BEF-BFDF-29C42F48304A}" type="datetimeFigureOut">
               <a:rPr lang="en-US" smtClean="0"/>
               <a:pPr/>
-              <a:t>8/25/2010</a:t>
+              <a:t>8/26/2010</a:t>
             </a:fld>
             <a:endParaRPr lang="en-US"/>
           </a:p>
@@ -11001,7 +10996,7 @@
             <a:fld id="{47C9B81F-C347-4BEF-BFDF-29C42F48304A}" type="datetimeFigureOut">
               <a:rPr lang="en-US" smtClean="0"/>
               <a:pPr/>
-              <a:t>8/25/2010</a:t>
+              <a:t>8/26/2010</a:t>
             </a:fld>
             <a:endParaRPr lang="en-US"/>
           </a:p>
@@ -11093,7 +11088,7 @@
             <a:fld id="{47C9B81F-C347-4BEF-BFDF-29C42F48304A}" type="datetimeFigureOut">
               <a:rPr lang="en-US" smtClean="0"/>
               <a:pPr/>
-              <a:t>8/25/2010</a:t>
+              <a:t>8/26/2010</a:t>
             </a:fld>
             <a:endParaRPr lang="en-US"/>
           </a:p>
@@ -11356,7 +11351,7 @@
             <a:fld id="{47C9B81F-C347-4BEF-BFDF-29C42F48304A}" type="datetimeFigureOut">
               <a:rPr lang="en-US" smtClean="0"/>
               <a:pPr/>
-              <a:t>8/25/2010</a:t>
+              <a:t>8/26/2010</a:t>
             </a:fld>
             <a:endParaRPr lang="en-US"/>
           </a:p>
@@ -11646,7 +11641,7 @@
             <a:fld id="{47C9B81F-C347-4BEF-BFDF-29C42F48304A}" type="datetimeFigureOut">
               <a:rPr lang="en-US" smtClean="0"/>
               <a:pPr/>
-              <a:t>8/25/2010</a:t>
+              <a:t>8/26/2010</a:t>
             </a:fld>
             <a:endParaRPr lang="en-US"/>
           </a:p>
@@ -12419,7 +12414,7 @@
             <a:fld id="{47C9B81F-C347-4BEF-BFDF-29C42F48304A}" type="datetimeFigureOut">
               <a:rPr lang="en-US" smtClean="0"/>
               <a:pPr/>
-              <a:t>8/25/2010</a:t>
+              <a:t>8/26/2010</a:t>
             </a:fld>
             <a:endParaRPr lang="en-US" dirty="0">
               <a:solidFill>
@@ -16981,18 +16976,15 @@
               <a:rPr lang="es-US" dirty="0" smtClean="0">
                 <a:latin typeface="+mj-lt"/>
               </a:rPr>
-              <a:t>Cambios en la geografía o arquitectura de la zona podrían requerir observaciones visuales actualizadas.</a:t>
-            </a:r>
-          </a:p>
-          <a:p>
-            <a:pPr lvl="1"/>
+              <a:t>Cambios en la geografía o arquitectura de la zona podrían requerir observaciones visuales actualizadas</a:t>
+            </a:r>
             <a:r>
               <a:rPr lang="es-US" dirty="0" smtClean="0">
                 <a:latin typeface="+mj-lt"/>
               </a:rPr>
-              <a:t>Hardware con grandes capacidades de almacenamiento.</a:t>
-            </a:r>
-            <a:endParaRPr lang="es-ES" dirty="0">
+              <a:t>.</a:t>
+            </a:r>
+            <a:endParaRPr lang="es-US" dirty="0" smtClean="0">
               <a:latin typeface="+mj-lt"/>
             </a:endParaRPr>
           </a:p>
@@ -17489,13 +17481,7 @@
               <a:rPr lang="es-US" b="1" dirty="0" smtClean="0">
                 <a:latin typeface="+mj-lt"/>
               </a:rPr>
-              <a:t>Buscamos </a:t>
-            </a:r>
-            <a:r>
-              <a:rPr lang="es-US" b="1" dirty="0" smtClean="0">
-                <a:latin typeface="+mj-lt"/>
-              </a:rPr>
-              <a:t>la mejor combinación:</a:t>
+              <a:t>Buscamos la mejor combinación:</a:t>
             </a:r>
           </a:p>
           <a:p>
@@ -17986,19 +17972,7 @@
               <a:rPr lang="es-US" b="1" dirty="0" smtClean="0">
                 <a:latin typeface="+mj-lt"/>
               </a:rPr>
-              <a:t>Combinación óptima = [</a:t>
-            </a:r>
-            <a:r>
-              <a:rPr lang="es-US" b="1" dirty="0" smtClean="0">
-                <a:latin typeface="+mj-lt"/>
-              </a:rPr>
-              <a:t>SVM / WW3Last3LecturesStrategy</a:t>
-            </a:r>
-            <a:r>
-              <a:rPr lang="es-US" b="1" dirty="0" smtClean="0">
-                <a:latin typeface="+mj-lt"/>
-              </a:rPr>
-              <a:t>]</a:t>
+              <a:t>Combinación óptima = [SVM / WW3Last3LecturesStrategy]</a:t>
             </a:r>
           </a:p>
           <a:p>
@@ -18516,18 +18490,7 @@
                           <a:ea typeface="Times New Roman"/>
                           <a:cs typeface="Times New Roman"/>
                         </a:rPr>
-                        <a:t>66</a:t>
-                      </a:r>
-                      <a:r>
-                        <a:rPr lang="es-ES" sz="2400" dirty="0" smtClean="0">
-                          <a:solidFill>
-                            <a:srgbClr val="000000"/>
-                          </a:solidFill>
-                          <a:latin typeface="Calibri"/>
-                          <a:ea typeface="Times New Roman"/>
-                          <a:cs typeface="Times New Roman"/>
-                        </a:rPr>
-                        <a:t>%</a:t>
+                        <a:t>66%</a:t>
                       </a:r>
                       <a:endParaRPr lang="es-ES" sz="2400" dirty="0">
                         <a:latin typeface="Times New Roman"/>
@@ -18594,18 +18557,7 @@
                           <a:ea typeface="Times New Roman"/>
                           <a:cs typeface="Times New Roman"/>
                         </a:rPr>
-                        <a:t>82</a:t>
-                      </a:r>
-                      <a:r>
-                        <a:rPr lang="es-ES" sz="2400" dirty="0" smtClean="0">
-                          <a:solidFill>
-                            <a:srgbClr val="000000"/>
-                          </a:solidFill>
-                          <a:latin typeface="Calibri"/>
-                          <a:ea typeface="Times New Roman"/>
-                          <a:cs typeface="Times New Roman"/>
-                        </a:rPr>
-                        <a:t>%</a:t>
+                        <a:t>82%</a:t>
                       </a:r>
                       <a:endParaRPr lang="es-ES" sz="2400" dirty="0">
                         <a:latin typeface="Times New Roman"/>
